--- a/Presentación/Proyecto fin de curso.pptx
+++ b/Presentación/Proyecto fin de curso.pptx
@@ -9,6 +9,8 @@
     <p:sldId id="256" r:id="rId4"/>
     <p:sldId id="257" r:id="rId5"/>
     <p:sldId id="258" r:id="rId6"/>
+    <p:sldId id="259" r:id="rId7"/>
+    <p:sldId id="260" r:id="rId8"/>
   </p:sldIdLst>
   <p:sldSz cx="9144000" cy="6858000"/>
   <p:notesSz cx="7559675" cy="10691812"/>
@@ -3186,7 +3188,7 @@
                 <a:spcPct val="100000"/>
               </a:lnSpc>
             </a:pPr>
-            <a:fld id="{BA728223-9657-4654-87A2-EE7681CAFE66}" type="datetime">
+            <a:fld id="{A59F93E1-1934-484B-AFFA-A86E81E4CC8C}" type="datetime">
               <a:rPr b="0" lang="es-ES" sz="1000" spc="-1" strike="noStrike">
                 <a:solidFill>
                   <a:srgbClr val="ffffff"/>
@@ -3260,7 +3262,7 @@
                 <a:spcPct val="100000"/>
               </a:lnSpc>
             </a:pPr>
-            <a:fld id="{3ECCA1C8-D68B-4128-8B45-F3A56CBB40D7}" type="slidenum">
+            <a:fld id="{13B2FF79-F95E-46F2-9343-D8445564D619}" type="slidenum">
               <a:rPr b="0" lang="es-ES" sz="1300" spc="-1" strike="noStrike">
                 <a:solidFill>
                   <a:srgbClr val="ffffff"/>
@@ -3915,7 +3917,7 @@
                 <a:spcPct val="100000"/>
               </a:lnSpc>
             </a:pPr>
-            <a:fld id="{58CBA116-9EF2-45BD-B263-6CDEF0A389C0}" type="datetime">
+            <a:fld id="{4FED6A5E-B118-4A29-97E7-F388E476592B}" type="datetime">
               <a:rPr b="0" lang="es-ES" sz="1000" spc="-1" strike="noStrike">
                 <a:solidFill>
                   <a:srgbClr val="ffffff"/>
@@ -3989,14 +3991,14 @@
                 <a:spcPct val="100000"/>
               </a:lnSpc>
             </a:pPr>
-            <a:fld id="{31776FC2-5FCB-4EE9-9338-0E3969313A45}" type="slidenum">
+            <a:fld id="{824994CE-E28F-4B7B-B536-2EE45F39EDE5}" type="slidenum">
               <a:rPr b="0" lang="es-ES" sz="1200" spc="-1" strike="noStrike">
                 <a:solidFill>
                   <a:srgbClr val="ffffff"/>
                 </a:solidFill>
                 <a:latin typeface="Century Gothic"/>
               </a:rPr>
-              <a:t>&lt;número&gt;</a:t>
+              <a:t>1</a:t>
             </a:fld>
             <a:endParaRPr b="0" lang="es-ES" sz="1200" spc="-1" strike="noStrike">
               <a:latin typeface="Times New Roman"/>
@@ -4447,6 +4449,101 @@
           </a:ln>
         </p:spPr>
         <p:txBody>
+          <a:bodyPr lIns="0" rIns="0" tIns="0" bIns="0" anchor="ctr">
+            <a:spAutoFit/>
+          </a:bodyPr>
+          <a:p>
+            <a:r>
+              <a:rPr b="0" lang="es-ES" sz="4200" spc="-1" strike="noStrike">
+                <a:solidFill>
+                  <a:srgbClr val="d26785"/>
+                </a:solidFill>
+                <a:latin typeface="Century Gothic"/>
+              </a:rPr>
+              <a:t>Estructura global del proyecto</a:t>
+            </a:r>
+            <a:endParaRPr b="0" lang="es-ES" sz="4200" spc="-1" strike="noStrike">
+              <a:solidFill>
+                <a:srgbClr val="ffffff"/>
+              </a:solidFill>
+              <a:latin typeface="Century Gothic"/>
+            </a:endParaRPr>
+          </a:p>
+        </p:txBody>
+      </p:sp>
+      <p:pic>
+        <p:nvPicPr>
+          <p:cNvPr id="95" name="" descr=""/>
+          <p:cNvPicPr/>
+          <p:nvPr/>
+        </p:nvPicPr>
+        <p:blipFill>
+          <a:blip r:embed="rId1"/>
+          <a:stretch/>
+        </p:blipFill>
+        <p:spPr>
+          <a:xfrm>
+            <a:off x="936000" y="1721160"/>
+            <a:ext cx="4974840" cy="4974840"/>
+          </a:xfrm>
+          <a:prstGeom prst="rect">
+            <a:avLst/>
+          </a:prstGeom>
+          <a:ln>
+            <a:noFill/>
+          </a:ln>
+        </p:spPr>
+      </p:pic>
+    </p:spTree>
+  </p:cSld>
+  <mc:AlternateContent>
+    <mc:Choice Requires="p14">
+      <p:transition spd="slow" p14:dur="2000"/>
+    </mc:Choice>
+    <mc:Fallback>
+      <p:transition spd="slow"/>
+    </mc:Fallback>
+  </mc:AlternateContent>
+</p:sld>
+</file>
+
+<file path=ppt/slides/slide4.xml><?xml version="1.0" encoding="utf-8"?>
+<p:sld xmlns:a="http://schemas.openxmlformats.org/drawingml/2006/main" xmlns:p="http://schemas.openxmlformats.org/presentationml/2006/main" xmlns:r="http://schemas.openxmlformats.org/officeDocument/2006/relationships" xmlns:p14="http://schemas.microsoft.com/office/powerpoint/2010/main" xmlns:p15="http://schemas.microsoft.com/office/powerpoint/2012/main" xmlns:mc="http://schemas.openxmlformats.org/markup-compatibility/2006">
+  <p:cSld>
+    <p:spTree>
+      <p:nvGrpSpPr>
+        <p:cNvPr id="1" name=""/>
+        <p:cNvGrpSpPr/>
+        <p:nvPr/>
+      </p:nvGrpSpPr>
+      <p:grpSpPr>
+        <a:xfrm>
+          <a:off x="0" y="0"/>
+          <a:ext cx="0" cy="0"/>
+          <a:chOff x="0" y="0"/>
+          <a:chExt cx="0" cy="0"/>
+        </a:xfrm>
+      </p:grpSpPr>
+      <p:sp>
+        <p:nvSpPr>
+          <p:cNvPr id="96" name="TextShape 1"/>
+          <p:cNvSpPr txBox="1"/>
+          <p:nvPr/>
+        </p:nvSpPr>
+        <p:spPr>
+          <a:xfrm>
+            <a:off x="457200" y="267480"/>
+            <a:ext cx="8229240" cy="1398600"/>
+          </a:xfrm>
+          <a:prstGeom prst="rect">
+            <a:avLst/>
+          </a:prstGeom>
+          <a:noFill/>
+          <a:ln>
+            <a:noFill/>
+          </a:ln>
+        </p:spPr>
+        <p:txBody>
           <a:bodyPr lIns="90000" rIns="90000" tIns="45000" bIns="45000" anchor="ctr">
             <a:noAutofit/>
           </a:bodyPr>
@@ -4476,7 +4573,7 @@
       </p:sp>
       <p:pic>
         <p:nvPicPr>
-          <p:cNvPr id="95" name="" descr=""/>
+          <p:cNvPr id="97" name="" descr=""/>
           <p:cNvPicPr/>
           <p:nvPr/>
         </p:nvPicPr>
@@ -4488,6 +4585,102 @@
           <a:xfrm>
             <a:off x="1080000" y="1449720"/>
             <a:ext cx="6048000" cy="5030280"/>
+          </a:xfrm>
+          <a:prstGeom prst="rect">
+            <a:avLst/>
+          </a:prstGeom>
+          <a:ln>
+            <a:noFill/>
+          </a:ln>
+        </p:spPr>
+      </p:pic>
+    </p:spTree>
+  </p:cSld>
+  <mc:AlternateContent>
+    <mc:Choice Requires="p14">
+      <p:transition spd="slow" p14:dur="2000"/>
+    </mc:Choice>
+    <mc:Fallback>
+      <p:transition spd="slow"/>
+    </mc:Fallback>
+  </mc:AlternateContent>
+</p:sld>
+</file>
+
+<file path=ppt/slides/slide5.xml><?xml version="1.0" encoding="utf-8"?>
+<p:sld xmlns:a="http://schemas.openxmlformats.org/drawingml/2006/main" xmlns:p="http://schemas.openxmlformats.org/presentationml/2006/main" xmlns:r="http://schemas.openxmlformats.org/officeDocument/2006/relationships" xmlns:p14="http://schemas.microsoft.com/office/powerpoint/2010/main" xmlns:p15="http://schemas.microsoft.com/office/powerpoint/2012/main" xmlns:mc="http://schemas.openxmlformats.org/markup-compatibility/2006">
+  <p:cSld>
+    <p:spTree>
+      <p:nvGrpSpPr>
+        <p:cNvPr id="1" name=""/>
+        <p:cNvGrpSpPr/>
+        <p:nvPr/>
+      </p:nvGrpSpPr>
+      <p:grpSpPr>
+        <a:xfrm>
+          <a:off x="0" y="0"/>
+          <a:ext cx="0" cy="0"/>
+          <a:chOff x="0" y="0"/>
+          <a:chExt cx="0" cy="0"/>
+        </a:xfrm>
+      </p:grpSpPr>
+      <p:sp>
+        <p:nvSpPr>
+          <p:cNvPr id="98" name="TextShape 1"/>
+          <p:cNvSpPr txBox="1"/>
+          <p:nvPr/>
+        </p:nvSpPr>
+        <p:spPr>
+          <a:xfrm>
+            <a:off x="457200" y="267480"/>
+            <a:ext cx="8229240" cy="654120"/>
+          </a:xfrm>
+          <a:prstGeom prst="rect">
+            <a:avLst/>
+          </a:prstGeom>
+          <a:noFill/>
+          <a:ln>
+            <a:noFill/>
+          </a:ln>
+        </p:spPr>
+        <p:txBody>
+          <a:bodyPr lIns="0" rIns="0" tIns="0" bIns="0">
+            <a:spAutoFit/>
+          </a:bodyPr>
+          <a:p>
+            <a:r>
+              <a:rPr b="0" lang="es-ES" sz="4200" spc="-1" strike="noStrike">
+                <a:solidFill>
+                  <a:srgbClr val="d26785"/>
+                </a:solidFill>
+                <a:latin typeface="Century Gothic"/>
+              </a:rPr>
+              <a:t>Modelización de clases</a:t>
+            </a:r>
+            <a:endParaRPr b="0" lang="es-ES" sz="4200" spc="-1" strike="noStrike">
+              <a:solidFill>
+                <a:srgbClr val="d26785"/>
+              </a:solidFill>
+              <a:latin typeface="Century Gothic"/>
+              <a:ea typeface="Microsoft YaHei"/>
+            </a:endParaRPr>
+          </a:p>
+        </p:txBody>
+      </p:sp>
+      <p:pic>
+        <p:nvPicPr>
+          <p:cNvPr id="99" name="" descr=""/>
+          <p:cNvPicPr/>
+          <p:nvPr/>
+        </p:nvPicPr>
+        <p:blipFill>
+          <a:blip r:embed="rId1"/>
+          <a:stretch/>
+        </p:blipFill>
+        <p:spPr>
+          <a:xfrm>
+            <a:off x="864000" y="1069560"/>
+            <a:ext cx="3240000" cy="5338440"/>
           </a:xfrm>
           <a:prstGeom prst="rect">
             <a:avLst/>

--- a/Presentación/Proyecto fin de curso.pptx
+++ b/Presentación/Proyecto fin de curso.pptx
@@ -1,24 +1,121 @@
 
 <file path=ppt/presentation.xml><?xml version="1.0" encoding="utf-8"?>
-<p:presentation xmlns:a="http://schemas.openxmlformats.org/drawingml/2006/main" xmlns:p="http://schemas.openxmlformats.org/presentationml/2006/main" xmlns:r="http://schemas.openxmlformats.org/officeDocument/2006/relationships" xmlns:p14="http://schemas.microsoft.com/office/powerpoint/2010/main" xmlns:p15="http://schemas.microsoft.com/office/powerpoint/2012/main" xmlns:mc="http://schemas.openxmlformats.org/markup-compatibility/2006">
+<p:presentation xmlns:a="http://schemas.openxmlformats.org/drawingml/2006/main" xmlns:r="http://schemas.openxmlformats.org/officeDocument/2006/relationships" xmlns:p="http://schemas.openxmlformats.org/presentationml/2006/main">
   <p:sldMasterIdLst>
-    <p:sldMasterId id="2147483648" r:id="rId2"/>
-    <p:sldMasterId id="2147483661" r:id="rId3"/>
+    <p:sldMasterId id="2147483648" r:id="rId1"/>
+    <p:sldMasterId id="2147483661" r:id="rId2"/>
   </p:sldMasterIdLst>
   <p:sldIdLst>
-    <p:sldId id="256" r:id="rId4"/>
-    <p:sldId id="257" r:id="rId5"/>
-    <p:sldId id="258" r:id="rId6"/>
-    <p:sldId id="259" r:id="rId7"/>
-    <p:sldId id="260" r:id="rId8"/>
+    <p:sldId id="256" r:id="rId3"/>
+    <p:sldId id="257" r:id="rId4"/>
+    <p:sldId id="261" r:id="rId5"/>
+    <p:sldId id="262" r:id="rId6"/>
+    <p:sldId id="258" r:id="rId7"/>
+    <p:sldId id="259" r:id="rId8"/>
+    <p:sldId id="260" r:id="rId9"/>
   </p:sldIdLst>
-  <p:sldSz cx="9144000" cy="6858000"/>
-  <p:notesSz cx="7559675" cy="10691812"/>
+  <p:sldSz cx="9144000" cy="6858000" type="screen4x3"/>
+  <p:notesSz cx="7559675" cy="10691813"/>
+  <p:defaultTextStyle>
+    <a:defPPr>
+      <a:defRPr lang="es-ES"/>
+    </a:defPPr>
+    <a:lvl1pPr marL="0" algn="l" defTabSz="914400" rtl="0" eaLnBrk="1" latinLnBrk="0" hangingPunct="1">
+      <a:defRPr sz="1800" kern="1200">
+        <a:solidFill>
+          <a:schemeClr val="tx1"/>
+        </a:solidFill>
+        <a:latin typeface="+mn-lt"/>
+        <a:ea typeface="+mn-ea"/>
+        <a:cs typeface="+mn-cs"/>
+      </a:defRPr>
+    </a:lvl1pPr>
+    <a:lvl2pPr marL="457200" algn="l" defTabSz="914400" rtl="0" eaLnBrk="1" latinLnBrk="0" hangingPunct="1">
+      <a:defRPr sz="1800" kern="1200">
+        <a:solidFill>
+          <a:schemeClr val="tx1"/>
+        </a:solidFill>
+        <a:latin typeface="+mn-lt"/>
+        <a:ea typeface="+mn-ea"/>
+        <a:cs typeface="+mn-cs"/>
+      </a:defRPr>
+    </a:lvl2pPr>
+    <a:lvl3pPr marL="914400" algn="l" defTabSz="914400" rtl="0" eaLnBrk="1" latinLnBrk="0" hangingPunct="1">
+      <a:defRPr sz="1800" kern="1200">
+        <a:solidFill>
+          <a:schemeClr val="tx1"/>
+        </a:solidFill>
+        <a:latin typeface="+mn-lt"/>
+        <a:ea typeface="+mn-ea"/>
+        <a:cs typeface="+mn-cs"/>
+      </a:defRPr>
+    </a:lvl3pPr>
+    <a:lvl4pPr marL="1371600" algn="l" defTabSz="914400" rtl="0" eaLnBrk="1" latinLnBrk="0" hangingPunct="1">
+      <a:defRPr sz="1800" kern="1200">
+        <a:solidFill>
+          <a:schemeClr val="tx1"/>
+        </a:solidFill>
+        <a:latin typeface="+mn-lt"/>
+        <a:ea typeface="+mn-ea"/>
+        <a:cs typeface="+mn-cs"/>
+      </a:defRPr>
+    </a:lvl4pPr>
+    <a:lvl5pPr marL="1828800" algn="l" defTabSz="914400" rtl="0" eaLnBrk="1" latinLnBrk="0" hangingPunct="1">
+      <a:defRPr sz="1800" kern="1200">
+        <a:solidFill>
+          <a:schemeClr val="tx1"/>
+        </a:solidFill>
+        <a:latin typeface="+mn-lt"/>
+        <a:ea typeface="+mn-ea"/>
+        <a:cs typeface="+mn-cs"/>
+      </a:defRPr>
+    </a:lvl5pPr>
+    <a:lvl6pPr marL="2286000" algn="l" defTabSz="914400" rtl="0" eaLnBrk="1" latinLnBrk="0" hangingPunct="1">
+      <a:defRPr sz="1800" kern="1200">
+        <a:solidFill>
+          <a:schemeClr val="tx1"/>
+        </a:solidFill>
+        <a:latin typeface="+mn-lt"/>
+        <a:ea typeface="+mn-ea"/>
+        <a:cs typeface="+mn-cs"/>
+      </a:defRPr>
+    </a:lvl6pPr>
+    <a:lvl7pPr marL="2743200" algn="l" defTabSz="914400" rtl="0" eaLnBrk="1" latinLnBrk="0" hangingPunct="1">
+      <a:defRPr sz="1800" kern="1200">
+        <a:solidFill>
+          <a:schemeClr val="tx1"/>
+        </a:solidFill>
+        <a:latin typeface="+mn-lt"/>
+        <a:ea typeface="+mn-ea"/>
+        <a:cs typeface="+mn-cs"/>
+      </a:defRPr>
+    </a:lvl7pPr>
+    <a:lvl8pPr marL="3200400" algn="l" defTabSz="914400" rtl="0" eaLnBrk="1" latinLnBrk="0" hangingPunct="1">
+      <a:defRPr sz="1800" kern="1200">
+        <a:solidFill>
+          <a:schemeClr val="tx1"/>
+        </a:solidFill>
+        <a:latin typeface="+mn-lt"/>
+        <a:ea typeface="+mn-ea"/>
+        <a:cs typeface="+mn-cs"/>
+      </a:defRPr>
+    </a:lvl8pPr>
+    <a:lvl9pPr marL="3657600" algn="l" defTabSz="914400" rtl="0" eaLnBrk="1" latinLnBrk="0" hangingPunct="1">
+      <a:defRPr sz="1800" kern="1200">
+        <a:solidFill>
+          <a:schemeClr val="tx1"/>
+        </a:solidFill>
+        <a:latin typeface="+mn-lt"/>
+        <a:ea typeface="+mn-ea"/>
+        <a:cs typeface="+mn-cs"/>
+      </a:defRPr>
+    </a:lvl9pPr>
+  </p:defaultTextStyle>
 </p:presentation>
 </file>
 
 <file path=ppt/slideLayouts/slideLayout1.xml><?xml version="1.0" encoding="utf-8"?>
-<p:sldLayout xmlns:a="http://schemas.openxmlformats.org/drawingml/2006/main" xmlns:p="http://schemas.openxmlformats.org/presentationml/2006/main" xmlns:r="http://schemas.openxmlformats.org/officeDocument/2006/relationships" xmlns:p14="http://schemas.microsoft.com/office/powerpoint/2010/main" xmlns:p15="http://schemas.microsoft.com/office/powerpoint/2012/main" xmlns:mc="http://schemas.openxmlformats.org/markup-compatibility/2006" type="blank" preserve="1">
+<p:sldLayout xmlns:a="http://schemas.openxmlformats.org/drawingml/2006/main" xmlns:r="http://schemas.openxmlformats.org/officeDocument/2006/relationships" xmlns:p="http://schemas.openxmlformats.org/presentationml/2006/main" type="blank" preserve="1">
   <p:cSld name="Blank Slide">
     <p:spTree>
       <p:nvGrpSpPr>
@@ -36,11 +133,14 @@
       </p:grpSpPr>
     </p:spTree>
   </p:cSld>
+  <p:clrMapOvr>
+    <a:masterClrMapping/>
+  </p:clrMapOvr>
 </p:sldLayout>
 </file>
 
 <file path=ppt/slideLayouts/slideLayout10.xml><?xml version="1.0" encoding="utf-8"?>
-<p:sldLayout xmlns:a="http://schemas.openxmlformats.org/drawingml/2006/main" xmlns:p="http://schemas.openxmlformats.org/presentationml/2006/main" xmlns:r="http://schemas.openxmlformats.org/officeDocument/2006/relationships" xmlns:p14="http://schemas.microsoft.com/office/powerpoint/2010/main" xmlns:p15="http://schemas.microsoft.com/office/powerpoint/2012/main" xmlns:mc="http://schemas.openxmlformats.org/markup-compatibility/2006" type="objOverTx" preserve="1">
+<p:sldLayout xmlns:a="http://schemas.openxmlformats.org/drawingml/2006/main" xmlns:r="http://schemas.openxmlformats.org/officeDocument/2006/relationships" xmlns:p="http://schemas.openxmlformats.org/presentationml/2006/main" type="objOverTx" preserve="1">
   <p:cSld name="Title, Content over Content">
     <p:spTree>
       <p:nvGrpSpPr>
@@ -76,13 +176,14 @@
           </a:prstGeom>
         </p:spPr>
         <p:txBody>
-          <a:bodyPr lIns="0" rIns="0" tIns="0" bIns="0" anchor="ctr">
+          <a:bodyPr lIns="0" tIns="0" rIns="0" bIns="0" anchor="ctr">
             <a:spAutoFit/>
           </a:bodyPr>
-          <a:p>
-            <a:endParaRPr b="0" lang="es-ES" sz="1800" spc="-1" strike="noStrike">
-              <a:solidFill>
-                <a:srgbClr val="ffffff"/>
+          <a:lstStyle/>
+          <a:p>
+            <a:endParaRPr lang="es-ES" sz="1800" b="0" strike="noStrike" spc="-1">
+              <a:solidFill>
+                <a:srgbClr val="FFFFFF"/>
               </a:solidFill>
               <a:latin typeface="Century Gothic"/>
             </a:endParaRPr>
@@ -109,13 +210,14 @@
           </a:prstGeom>
         </p:spPr>
         <p:txBody>
-          <a:bodyPr lIns="0" rIns="0" tIns="0" bIns="0">
+          <a:bodyPr lIns="0" tIns="0" rIns="0" bIns="0">
             <a:normAutofit/>
           </a:bodyPr>
-          <a:p>
-            <a:endParaRPr b="0" lang="es-ES" sz="3000" spc="-1" strike="noStrike">
-              <a:solidFill>
-                <a:srgbClr val="ffffff"/>
+          <a:lstStyle/>
+          <a:p>
+            <a:endParaRPr lang="es-ES" sz="3000" b="0" strike="noStrike" spc="-1">
+              <a:solidFill>
+                <a:srgbClr val="FFFFFF"/>
               </a:solidFill>
               <a:latin typeface="Century Gothic"/>
             </a:endParaRPr>
@@ -142,13 +244,14 @@
           </a:prstGeom>
         </p:spPr>
         <p:txBody>
-          <a:bodyPr lIns="0" rIns="0" tIns="0" bIns="0">
+          <a:bodyPr lIns="0" tIns="0" rIns="0" bIns="0">
             <a:normAutofit/>
           </a:bodyPr>
-          <a:p>
-            <a:endParaRPr b="0" lang="es-ES" sz="3000" spc="-1" strike="noStrike">
-              <a:solidFill>
-                <a:srgbClr val="ffffff"/>
+          <a:lstStyle/>
+          <a:p>
+            <a:endParaRPr lang="es-ES" sz="3000" b="0" strike="noStrike" spc="-1">
+              <a:solidFill>
+                <a:srgbClr val="FFFFFF"/>
               </a:solidFill>
               <a:latin typeface="Century Gothic"/>
             </a:endParaRPr>
@@ -157,11 +260,14 @@
       </p:sp>
     </p:spTree>
   </p:cSld>
+  <p:clrMapOvr>
+    <a:masterClrMapping/>
+  </p:clrMapOvr>
 </p:sldLayout>
 </file>
 
 <file path=ppt/slideLayouts/slideLayout11.xml><?xml version="1.0" encoding="utf-8"?>
-<p:sldLayout xmlns:a="http://schemas.openxmlformats.org/drawingml/2006/main" xmlns:p="http://schemas.openxmlformats.org/presentationml/2006/main" xmlns:r="http://schemas.openxmlformats.org/officeDocument/2006/relationships" xmlns:p14="http://schemas.microsoft.com/office/powerpoint/2010/main" xmlns:p15="http://schemas.microsoft.com/office/powerpoint/2012/main" xmlns:mc="http://schemas.openxmlformats.org/markup-compatibility/2006" type="fourObj" preserve="1">
+<p:sldLayout xmlns:a="http://schemas.openxmlformats.org/drawingml/2006/main" xmlns:r="http://schemas.openxmlformats.org/officeDocument/2006/relationships" xmlns:p="http://schemas.openxmlformats.org/presentationml/2006/main" type="fourObj" preserve="1">
   <p:cSld name="Title, 4 Content">
     <p:spTree>
       <p:nvGrpSpPr>
@@ -197,13 +303,14 @@
           </a:prstGeom>
         </p:spPr>
         <p:txBody>
-          <a:bodyPr lIns="0" rIns="0" tIns="0" bIns="0" anchor="ctr">
+          <a:bodyPr lIns="0" tIns="0" rIns="0" bIns="0" anchor="ctr">
             <a:spAutoFit/>
           </a:bodyPr>
-          <a:p>
-            <a:endParaRPr b="0" lang="es-ES" sz="1800" spc="-1" strike="noStrike">
-              <a:solidFill>
-                <a:srgbClr val="ffffff"/>
+          <a:lstStyle/>
+          <a:p>
+            <a:endParaRPr lang="es-ES" sz="1800" b="0" strike="noStrike" spc="-1">
+              <a:solidFill>
+                <a:srgbClr val="FFFFFF"/>
               </a:solidFill>
               <a:latin typeface="Century Gothic"/>
             </a:endParaRPr>
@@ -230,13 +337,14 @@
           </a:prstGeom>
         </p:spPr>
         <p:txBody>
-          <a:bodyPr lIns="0" rIns="0" tIns="0" bIns="0">
+          <a:bodyPr lIns="0" tIns="0" rIns="0" bIns="0">
             <a:normAutofit/>
           </a:bodyPr>
-          <a:p>
-            <a:endParaRPr b="0" lang="es-ES" sz="3000" spc="-1" strike="noStrike">
-              <a:solidFill>
-                <a:srgbClr val="ffffff"/>
+          <a:lstStyle/>
+          <a:p>
+            <a:endParaRPr lang="es-ES" sz="3000" b="0" strike="noStrike" spc="-1">
+              <a:solidFill>
+                <a:srgbClr val="FFFFFF"/>
               </a:solidFill>
               <a:latin typeface="Century Gothic"/>
             </a:endParaRPr>
@@ -263,13 +371,14 @@
           </a:prstGeom>
         </p:spPr>
         <p:txBody>
-          <a:bodyPr lIns="0" rIns="0" tIns="0" bIns="0">
+          <a:bodyPr lIns="0" tIns="0" rIns="0" bIns="0">
             <a:normAutofit/>
           </a:bodyPr>
-          <a:p>
-            <a:endParaRPr b="0" lang="es-ES" sz="3000" spc="-1" strike="noStrike">
-              <a:solidFill>
-                <a:srgbClr val="ffffff"/>
+          <a:lstStyle/>
+          <a:p>
+            <a:endParaRPr lang="es-ES" sz="3000" b="0" strike="noStrike" spc="-1">
+              <a:solidFill>
+                <a:srgbClr val="FFFFFF"/>
               </a:solidFill>
               <a:latin typeface="Century Gothic"/>
             </a:endParaRPr>
@@ -296,13 +405,14 @@
           </a:prstGeom>
         </p:spPr>
         <p:txBody>
-          <a:bodyPr lIns="0" rIns="0" tIns="0" bIns="0">
+          <a:bodyPr lIns="0" tIns="0" rIns="0" bIns="0">
             <a:normAutofit/>
           </a:bodyPr>
-          <a:p>
-            <a:endParaRPr b="0" lang="es-ES" sz="3000" spc="-1" strike="noStrike">
-              <a:solidFill>
-                <a:srgbClr val="ffffff"/>
+          <a:lstStyle/>
+          <a:p>
+            <a:endParaRPr lang="es-ES" sz="3000" b="0" strike="noStrike" spc="-1">
+              <a:solidFill>
+                <a:srgbClr val="FFFFFF"/>
               </a:solidFill>
               <a:latin typeface="Century Gothic"/>
             </a:endParaRPr>
@@ -329,13 +439,14 @@
           </a:prstGeom>
         </p:spPr>
         <p:txBody>
-          <a:bodyPr lIns="0" rIns="0" tIns="0" bIns="0">
+          <a:bodyPr lIns="0" tIns="0" rIns="0" bIns="0">
             <a:normAutofit/>
           </a:bodyPr>
-          <a:p>
-            <a:endParaRPr b="0" lang="es-ES" sz="3000" spc="-1" strike="noStrike">
-              <a:solidFill>
-                <a:srgbClr val="ffffff"/>
+          <a:lstStyle/>
+          <a:p>
+            <a:endParaRPr lang="es-ES" sz="3000" b="0" strike="noStrike" spc="-1">
+              <a:solidFill>
+                <a:srgbClr val="FFFFFF"/>
               </a:solidFill>
               <a:latin typeface="Century Gothic"/>
             </a:endParaRPr>
@@ -344,11 +455,14 @@
       </p:sp>
     </p:spTree>
   </p:cSld>
+  <p:clrMapOvr>
+    <a:masterClrMapping/>
+  </p:clrMapOvr>
 </p:sldLayout>
 </file>
 
 <file path=ppt/slideLayouts/slideLayout12.xml><?xml version="1.0" encoding="utf-8"?>
-<p:sldLayout xmlns:a="http://schemas.openxmlformats.org/drawingml/2006/main" xmlns:p="http://schemas.openxmlformats.org/presentationml/2006/main" xmlns:r="http://schemas.openxmlformats.org/officeDocument/2006/relationships" xmlns:p14="http://schemas.microsoft.com/office/powerpoint/2010/main" xmlns:p15="http://schemas.microsoft.com/office/powerpoint/2012/main" xmlns:mc="http://schemas.openxmlformats.org/markup-compatibility/2006" type="blank" preserve="1">
+<p:sldLayout xmlns:a="http://schemas.openxmlformats.org/drawingml/2006/main" xmlns:r="http://schemas.openxmlformats.org/officeDocument/2006/relationships" xmlns:p="http://schemas.openxmlformats.org/presentationml/2006/main" type="blank" preserve="1">
   <p:cSld name="Title, 6 Content">
     <p:spTree>
       <p:nvGrpSpPr>
@@ -384,13 +498,14 @@
           </a:prstGeom>
         </p:spPr>
         <p:txBody>
-          <a:bodyPr lIns="0" rIns="0" tIns="0" bIns="0" anchor="ctr">
+          <a:bodyPr lIns="0" tIns="0" rIns="0" bIns="0" anchor="ctr">
             <a:spAutoFit/>
           </a:bodyPr>
-          <a:p>
-            <a:endParaRPr b="0" lang="es-ES" sz="1800" spc="-1" strike="noStrike">
-              <a:solidFill>
-                <a:srgbClr val="ffffff"/>
+          <a:lstStyle/>
+          <a:p>
+            <a:endParaRPr lang="es-ES" sz="1800" b="0" strike="noStrike" spc="-1">
+              <a:solidFill>
+                <a:srgbClr val="FFFFFF"/>
               </a:solidFill>
               <a:latin typeface="Century Gothic"/>
             </a:endParaRPr>
@@ -417,13 +532,14 @@
           </a:prstGeom>
         </p:spPr>
         <p:txBody>
-          <a:bodyPr lIns="0" rIns="0" tIns="0" bIns="0">
+          <a:bodyPr lIns="0" tIns="0" rIns="0" bIns="0">
             <a:normAutofit/>
           </a:bodyPr>
-          <a:p>
-            <a:endParaRPr b="0" lang="es-ES" sz="3000" spc="-1" strike="noStrike">
-              <a:solidFill>
-                <a:srgbClr val="ffffff"/>
+          <a:lstStyle/>
+          <a:p>
+            <a:endParaRPr lang="es-ES" sz="3000" b="0" strike="noStrike" spc="-1">
+              <a:solidFill>
+                <a:srgbClr val="FFFFFF"/>
               </a:solidFill>
               <a:latin typeface="Century Gothic"/>
             </a:endParaRPr>
@@ -450,13 +566,14 @@
           </a:prstGeom>
         </p:spPr>
         <p:txBody>
-          <a:bodyPr lIns="0" rIns="0" tIns="0" bIns="0">
+          <a:bodyPr lIns="0" tIns="0" rIns="0" bIns="0">
             <a:normAutofit/>
           </a:bodyPr>
-          <a:p>
-            <a:endParaRPr b="0" lang="es-ES" sz="3000" spc="-1" strike="noStrike">
-              <a:solidFill>
-                <a:srgbClr val="ffffff"/>
+          <a:lstStyle/>
+          <a:p>
+            <a:endParaRPr lang="es-ES" sz="3000" b="0" strike="noStrike" spc="-1">
+              <a:solidFill>
+                <a:srgbClr val="FFFFFF"/>
               </a:solidFill>
               <a:latin typeface="Century Gothic"/>
             </a:endParaRPr>
@@ -483,13 +600,14 @@
           </a:prstGeom>
         </p:spPr>
         <p:txBody>
-          <a:bodyPr lIns="0" rIns="0" tIns="0" bIns="0">
+          <a:bodyPr lIns="0" tIns="0" rIns="0" bIns="0">
             <a:normAutofit/>
           </a:bodyPr>
-          <a:p>
-            <a:endParaRPr b="0" lang="es-ES" sz="3000" spc="-1" strike="noStrike">
-              <a:solidFill>
-                <a:srgbClr val="ffffff"/>
+          <a:lstStyle/>
+          <a:p>
+            <a:endParaRPr lang="es-ES" sz="3000" b="0" strike="noStrike" spc="-1">
+              <a:solidFill>
+                <a:srgbClr val="FFFFFF"/>
               </a:solidFill>
               <a:latin typeface="Century Gothic"/>
             </a:endParaRPr>
@@ -516,13 +634,14 @@
           </a:prstGeom>
         </p:spPr>
         <p:txBody>
-          <a:bodyPr lIns="0" rIns="0" tIns="0" bIns="0">
+          <a:bodyPr lIns="0" tIns="0" rIns="0" bIns="0">
             <a:normAutofit/>
           </a:bodyPr>
-          <a:p>
-            <a:endParaRPr b="0" lang="es-ES" sz="3000" spc="-1" strike="noStrike">
-              <a:solidFill>
-                <a:srgbClr val="ffffff"/>
+          <a:lstStyle/>
+          <a:p>
+            <a:endParaRPr lang="es-ES" sz="3000" b="0" strike="noStrike" spc="-1">
+              <a:solidFill>
+                <a:srgbClr val="FFFFFF"/>
               </a:solidFill>
               <a:latin typeface="Century Gothic"/>
             </a:endParaRPr>
@@ -549,13 +668,14 @@
           </a:prstGeom>
         </p:spPr>
         <p:txBody>
-          <a:bodyPr lIns="0" rIns="0" tIns="0" bIns="0">
+          <a:bodyPr lIns="0" tIns="0" rIns="0" bIns="0">
             <a:normAutofit/>
           </a:bodyPr>
-          <a:p>
-            <a:endParaRPr b="0" lang="es-ES" sz="3000" spc="-1" strike="noStrike">
-              <a:solidFill>
-                <a:srgbClr val="ffffff"/>
+          <a:lstStyle/>
+          <a:p>
+            <a:endParaRPr lang="es-ES" sz="3000" b="0" strike="noStrike" spc="-1">
+              <a:solidFill>
+                <a:srgbClr val="FFFFFF"/>
               </a:solidFill>
               <a:latin typeface="Century Gothic"/>
             </a:endParaRPr>
@@ -582,13 +702,14 @@
           </a:prstGeom>
         </p:spPr>
         <p:txBody>
-          <a:bodyPr lIns="0" rIns="0" tIns="0" bIns="0">
+          <a:bodyPr lIns="0" tIns="0" rIns="0" bIns="0">
             <a:normAutofit/>
           </a:bodyPr>
-          <a:p>
-            <a:endParaRPr b="0" lang="es-ES" sz="3000" spc="-1" strike="noStrike">
-              <a:solidFill>
-                <a:srgbClr val="ffffff"/>
+          <a:lstStyle/>
+          <a:p>
+            <a:endParaRPr lang="es-ES" sz="3000" b="0" strike="noStrike" spc="-1">
+              <a:solidFill>
+                <a:srgbClr val="FFFFFF"/>
               </a:solidFill>
               <a:latin typeface="Century Gothic"/>
             </a:endParaRPr>
@@ -597,11 +718,14 @@
       </p:sp>
     </p:spTree>
   </p:cSld>
+  <p:clrMapOvr>
+    <a:masterClrMapping/>
+  </p:clrMapOvr>
 </p:sldLayout>
 </file>
 
 <file path=ppt/slideLayouts/slideLayout13.xml><?xml version="1.0" encoding="utf-8"?>
-<p:sldLayout xmlns:a="http://schemas.openxmlformats.org/drawingml/2006/main" xmlns:p="http://schemas.openxmlformats.org/presentationml/2006/main" xmlns:r="http://schemas.openxmlformats.org/officeDocument/2006/relationships" xmlns:p14="http://schemas.microsoft.com/office/powerpoint/2010/main" xmlns:p15="http://schemas.microsoft.com/office/powerpoint/2012/main" xmlns:mc="http://schemas.openxmlformats.org/markup-compatibility/2006" type="blank" preserve="1">
+<p:sldLayout xmlns:a="http://schemas.openxmlformats.org/drawingml/2006/main" xmlns:r="http://schemas.openxmlformats.org/officeDocument/2006/relationships" xmlns:p="http://schemas.openxmlformats.org/presentationml/2006/main" type="blank" preserve="1">
   <p:cSld name="Blank Slide">
     <p:spTree>
       <p:nvGrpSpPr>
@@ -619,11 +743,14 @@
       </p:grpSpPr>
     </p:spTree>
   </p:cSld>
+  <p:clrMapOvr>
+    <a:masterClrMapping/>
+  </p:clrMapOvr>
 </p:sldLayout>
 </file>
 
 <file path=ppt/slideLayouts/slideLayout14.xml><?xml version="1.0" encoding="utf-8"?>
-<p:sldLayout xmlns:a="http://schemas.openxmlformats.org/drawingml/2006/main" xmlns:p="http://schemas.openxmlformats.org/presentationml/2006/main" xmlns:r="http://schemas.openxmlformats.org/officeDocument/2006/relationships" xmlns:p14="http://schemas.microsoft.com/office/powerpoint/2010/main" xmlns:p15="http://schemas.microsoft.com/office/powerpoint/2012/main" xmlns:mc="http://schemas.openxmlformats.org/markup-compatibility/2006" type="tx" preserve="1">
+<p:sldLayout xmlns:a="http://schemas.openxmlformats.org/drawingml/2006/main" xmlns:r="http://schemas.openxmlformats.org/officeDocument/2006/relationships" xmlns:p="http://schemas.openxmlformats.org/presentationml/2006/main" type="tx" preserve="1">
   <p:cSld name="Title Slide">
     <p:spTree>
       <p:nvGrpSpPr>
@@ -659,13 +786,14 @@
           </a:prstGeom>
         </p:spPr>
         <p:txBody>
-          <a:bodyPr lIns="0" rIns="0" tIns="0" bIns="0" anchor="ctr">
+          <a:bodyPr lIns="0" tIns="0" rIns="0" bIns="0" anchor="ctr">
             <a:spAutoFit/>
           </a:bodyPr>
-          <a:p>
-            <a:endParaRPr b="0" lang="es-ES" sz="1800" spc="-1" strike="noStrike">
-              <a:solidFill>
-                <a:srgbClr val="ffffff"/>
+          <a:lstStyle/>
+          <a:p>
+            <a:endParaRPr lang="es-ES" sz="1800" b="0" strike="noStrike" spc="-1">
+              <a:solidFill>
+                <a:srgbClr val="FFFFFF"/>
               </a:solidFill>
               <a:latin typeface="Century Gothic"/>
             </a:endParaRPr>
@@ -692,12 +820,13 @@
           </a:prstGeom>
         </p:spPr>
         <p:txBody>
-          <a:bodyPr lIns="0" rIns="0" tIns="0" bIns="0" anchor="ctr">
+          <a:bodyPr lIns="0" tIns="0" rIns="0" bIns="0" anchor="ctr">
             <a:spAutoFit/>
           </a:bodyPr>
+          <a:lstStyle/>
           <a:p>
             <a:pPr algn="ctr"/>
-            <a:endParaRPr b="0" lang="es-ES" sz="3200" spc="-1" strike="noStrike">
+            <a:endParaRPr lang="es-ES" sz="3200" b="0" strike="noStrike" spc="-1">
               <a:latin typeface="Arial"/>
             </a:endParaRPr>
           </a:p>
@@ -705,11 +834,14 @@
       </p:sp>
     </p:spTree>
   </p:cSld>
+  <p:clrMapOvr>
+    <a:masterClrMapping/>
+  </p:clrMapOvr>
 </p:sldLayout>
 </file>
 
 <file path=ppt/slideLayouts/slideLayout15.xml><?xml version="1.0" encoding="utf-8"?>
-<p:sldLayout xmlns:a="http://schemas.openxmlformats.org/drawingml/2006/main" xmlns:p="http://schemas.openxmlformats.org/presentationml/2006/main" xmlns:r="http://schemas.openxmlformats.org/officeDocument/2006/relationships" xmlns:p14="http://schemas.microsoft.com/office/powerpoint/2010/main" xmlns:p15="http://schemas.microsoft.com/office/powerpoint/2012/main" xmlns:mc="http://schemas.openxmlformats.org/markup-compatibility/2006" type="obj" preserve="1">
+<p:sldLayout xmlns:a="http://schemas.openxmlformats.org/drawingml/2006/main" xmlns:r="http://schemas.openxmlformats.org/officeDocument/2006/relationships" xmlns:p="http://schemas.openxmlformats.org/presentationml/2006/main" type="obj" preserve="1">
   <p:cSld name="Title, Content">
     <p:spTree>
       <p:nvGrpSpPr>
@@ -745,13 +877,14 @@
           </a:prstGeom>
         </p:spPr>
         <p:txBody>
-          <a:bodyPr lIns="0" rIns="0" tIns="0" bIns="0" anchor="ctr">
+          <a:bodyPr lIns="0" tIns="0" rIns="0" bIns="0" anchor="ctr">
             <a:spAutoFit/>
           </a:bodyPr>
-          <a:p>
-            <a:endParaRPr b="0" lang="es-ES" sz="1800" spc="-1" strike="noStrike">
-              <a:solidFill>
-                <a:srgbClr val="ffffff"/>
+          <a:lstStyle/>
+          <a:p>
+            <a:endParaRPr lang="es-ES" sz="1800" b="0" strike="noStrike" spc="-1">
+              <a:solidFill>
+                <a:srgbClr val="FFFFFF"/>
               </a:solidFill>
               <a:latin typeface="Century Gothic"/>
             </a:endParaRPr>
@@ -778,13 +911,14 @@
           </a:prstGeom>
         </p:spPr>
         <p:txBody>
-          <a:bodyPr lIns="0" rIns="0" tIns="0" bIns="0">
+          <a:bodyPr lIns="0" tIns="0" rIns="0" bIns="0">
             <a:normAutofit/>
           </a:bodyPr>
-          <a:p>
-            <a:endParaRPr b="0" lang="es-ES" sz="3000" spc="-1" strike="noStrike">
-              <a:solidFill>
-                <a:srgbClr val="ffffff"/>
+          <a:lstStyle/>
+          <a:p>
+            <a:endParaRPr lang="es-ES" sz="3000" b="0" strike="noStrike" spc="-1">
+              <a:solidFill>
+                <a:srgbClr val="FFFFFF"/>
               </a:solidFill>
               <a:latin typeface="Century Gothic"/>
             </a:endParaRPr>
@@ -793,11 +927,14 @@
       </p:sp>
     </p:spTree>
   </p:cSld>
+  <p:clrMapOvr>
+    <a:masterClrMapping/>
+  </p:clrMapOvr>
 </p:sldLayout>
 </file>
 
 <file path=ppt/slideLayouts/slideLayout16.xml><?xml version="1.0" encoding="utf-8"?>
-<p:sldLayout xmlns:a="http://schemas.openxmlformats.org/drawingml/2006/main" xmlns:p="http://schemas.openxmlformats.org/presentationml/2006/main" xmlns:r="http://schemas.openxmlformats.org/officeDocument/2006/relationships" xmlns:p14="http://schemas.microsoft.com/office/powerpoint/2010/main" xmlns:p15="http://schemas.microsoft.com/office/powerpoint/2012/main" xmlns:mc="http://schemas.openxmlformats.org/markup-compatibility/2006" type="twoObj" preserve="1">
+<p:sldLayout xmlns:a="http://schemas.openxmlformats.org/drawingml/2006/main" xmlns:r="http://schemas.openxmlformats.org/officeDocument/2006/relationships" xmlns:p="http://schemas.openxmlformats.org/presentationml/2006/main" type="twoObj" preserve="1">
   <p:cSld name="Title, 2 Content">
     <p:spTree>
       <p:nvGrpSpPr>
@@ -833,13 +970,14 @@
           </a:prstGeom>
         </p:spPr>
         <p:txBody>
-          <a:bodyPr lIns="0" rIns="0" tIns="0" bIns="0" anchor="ctr">
+          <a:bodyPr lIns="0" tIns="0" rIns="0" bIns="0" anchor="ctr">
             <a:spAutoFit/>
           </a:bodyPr>
-          <a:p>
-            <a:endParaRPr b="0" lang="es-ES" sz="1800" spc="-1" strike="noStrike">
-              <a:solidFill>
-                <a:srgbClr val="ffffff"/>
+          <a:lstStyle/>
+          <a:p>
+            <a:endParaRPr lang="es-ES" sz="1800" b="0" strike="noStrike" spc="-1">
+              <a:solidFill>
+                <a:srgbClr val="FFFFFF"/>
               </a:solidFill>
               <a:latin typeface="Century Gothic"/>
             </a:endParaRPr>
@@ -866,13 +1004,14 @@
           </a:prstGeom>
         </p:spPr>
         <p:txBody>
-          <a:bodyPr lIns="0" rIns="0" tIns="0" bIns="0">
+          <a:bodyPr lIns="0" tIns="0" rIns="0" bIns="0">
             <a:normAutofit/>
           </a:bodyPr>
-          <a:p>
-            <a:endParaRPr b="0" lang="es-ES" sz="3000" spc="-1" strike="noStrike">
-              <a:solidFill>
-                <a:srgbClr val="ffffff"/>
+          <a:lstStyle/>
+          <a:p>
+            <a:endParaRPr lang="es-ES" sz="3000" b="0" strike="noStrike" spc="-1">
+              <a:solidFill>
+                <a:srgbClr val="FFFFFF"/>
               </a:solidFill>
               <a:latin typeface="Century Gothic"/>
             </a:endParaRPr>
@@ -899,13 +1038,14 @@
           </a:prstGeom>
         </p:spPr>
         <p:txBody>
-          <a:bodyPr lIns="0" rIns="0" tIns="0" bIns="0">
+          <a:bodyPr lIns="0" tIns="0" rIns="0" bIns="0">
             <a:normAutofit/>
           </a:bodyPr>
-          <a:p>
-            <a:endParaRPr b="0" lang="es-ES" sz="3000" spc="-1" strike="noStrike">
-              <a:solidFill>
-                <a:srgbClr val="ffffff"/>
+          <a:lstStyle/>
+          <a:p>
+            <a:endParaRPr lang="es-ES" sz="3000" b="0" strike="noStrike" spc="-1">
+              <a:solidFill>
+                <a:srgbClr val="FFFFFF"/>
               </a:solidFill>
               <a:latin typeface="Century Gothic"/>
             </a:endParaRPr>
@@ -914,11 +1054,14 @@
       </p:sp>
     </p:spTree>
   </p:cSld>
+  <p:clrMapOvr>
+    <a:masterClrMapping/>
+  </p:clrMapOvr>
 </p:sldLayout>
 </file>
 
 <file path=ppt/slideLayouts/slideLayout17.xml><?xml version="1.0" encoding="utf-8"?>
-<p:sldLayout xmlns:a="http://schemas.openxmlformats.org/drawingml/2006/main" xmlns:p="http://schemas.openxmlformats.org/presentationml/2006/main" xmlns:r="http://schemas.openxmlformats.org/officeDocument/2006/relationships" xmlns:p14="http://schemas.microsoft.com/office/powerpoint/2010/main" xmlns:p15="http://schemas.microsoft.com/office/powerpoint/2012/main" xmlns:mc="http://schemas.openxmlformats.org/markup-compatibility/2006" type="titleOnly" preserve="1">
+<p:sldLayout xmlns:a="http://schemas.openxmlformats.org/drawingml/2006/main" xmlns:r="http://schemas.openxmlformats.org/officeDocument/2006/relationships" xmlns:p="http://schemas.openxmlformats.org/presentationml/2006/main" type="titleOnly" preserve="1">
   <p:cSld name="Title Only">
     <p:spTree>
       <p:nvGrpSpPr>
@@ -954,13 +1097,14 @@
           </a:prstGeom>
         </p:spPr>
         <p:txBody>
-          <a:bodyPr lIns="0" rIns="0" tIns="0" bIns="0" anchor="ctr">
+          <a:bodyPr lIns="0" tIns="0" rIns="0" bIns="0" anchor="ctr">
             <a:spAutoFit/>
           </a:bodyPr>
-          <a:p>
-            <a:endParaRPr b="0" lang="es-ES" sz="1800" spc="-1" strike="noStrike">
-              <a:solidFill>
-                <a:srgbClr val="ffffff"/>
+          <a:lstStyle/>
+          <a:p>
+            <a:endParaRPr lang="es-ES" sz="1800" b="0" strike="noStrike" spc="-1">
+              <a:solidFill>
+                <a:srgbClr val="FFFFFF"/>
               </a:solidFill>
               <a:latin typeface="Century Gothic"/>
             </a:endParaRPr>
@@ -969,11 +1113,14 @@
       </p:sp>
     </p:spTree>
   </p:cSld>
+  <p:clrMapOvr>
+    <a:masterClrMapping/>
+  </p:clrMapOvr>
 </p:sldLayout>
 </file>
 
 <file path=ppt/slideLayouts/slideLayout18.xml><?xml version="1.0" encoding="utf-8"?>
-<p:sldLayout xmlns:a="http://schemas.openxmlformats.org/drawingml/2006/main" xmlns:p="http://schemas.openxmlformats.org/presentationml/2006/main" xmlns:r="http://schemas.openxmlformats.org/officeDocument/2006/relationships" xmlns:p14="http://schemas.microsoft.com/office/powerpoint/2010/main" xmlns:p15="http://schemas.microsoft.com/office/powerpoint/2012/main" xmlns:mc="http://schemas.openxmlformats.org/markup-compatibility/2006" type="objOnly" preserve="1">
+<p:sldLayout xmlns:a="http://schemas.openxmlformats.org/drawingml/2006/main" xmlns:r="http://schemas.openxmlformats.org/officeDocument/2006/relationships" xmlns:p="http://schemas.openxmlformats.org/presentationml/2006/main" type="objOnly" preserve="1">
   <p:cSld name="Centered Text">
     <p:spTree>
       <p:nvGrpSpPr>
@@ -1009,12 +1156,13 @@
           </a:prstGeom>
         </p:spPr>
         <p:txBody>
-          <a:bodyPr lIns="0" rIns="0" tIns="0" bIns="0" anchor="ctr">
+          <a:bodyPr lIns="0" tIns="0" rIns="0" bIns="0" anchor="ctr">
             <a:spAutoFit/>
           </a:bodyPr>
+          <a:lstStyle/>
           <a:p>
             <a:pPr algn="ctr"/>
-            <a:endParaRPr b="0" lang="es-ES" sz="3200" spc="-1" strike="noStrike">
+            <a:endParaRPr lang="es-ES" sz="3200" b="0" strike="noStrike" spc="-1">
               <a:latin typeface="Arial"/>
             </a:endParaRPr>
           </a:p>
@@ -1022,11 +1170,14 @@
       </p:sp>
     </p:spTree>
   </p:cSld>
+  <p:clrMapOvr>
+    <a:masterClrMapping/>
+  </p:clrMapOvr>
 </p:sldLayout>
 </file>
 
 <file path=ppt/slideLayouts/slideLayout19.xml><?xml version="1.0" encoding="utf-8"?>
-<p:sldLayout xmlns:a="http://schemas.openxmlformats.org/drawingml/2006/main" xmlns:p="http://schemas.openxmlformats.org/presentationml/2006/main" xmlns:r="http://schemas.openxmlformats.org/officeDocument/2006/relationships" xmlns:p14="http://schemas.microsoft.com/office/powerpoint/2010/main" xmlns:p15="http://schemas.microsoft.com/office/powerpoint/2012/main" xmlns:mc="http://schemas.openxmlformats.org/markup-compatibility/2006" type="twoObjAndObj" preserve="1">
+<p:sldLayout xmlns:a="http://schemas.openxmlformats.org/drawingml/2006/main" xmlns:r="http://schemas.openxmlformats.org/officeDocument/2006/relationships" xmlns:p="http://schemas.openxmlformats.org/presentationml/2006/main" type="twoObjAndObj" preserve="1">
   <p:cSld name="Title, 2 Content and Content">
     <p:spTree>
       <p:nvGrpSpPr>
@@ -1062,13 +1213,14 @@
           </a:prstGeom>
         </p:spPr>
         <p:txBody>
-          <a:bodyPr lIns="0" rIns="0" tIns="0" bIns="0" anchor="ctr">
+          <a:bodyPr lIns="0" tIns="0" rIns="0" bIns="0" anchor="ctr">
             <a:spAutoFit/>
           </a:bodyPr>
-          <a:p>
-            <a:endParaRPr b="0" lang="es-ES" sz="1800" spc="-1" strike="noStrike">
-              <a:solidFill>
-                <a:srgbClr val="ffffff"/>
+          <a:lstStyle/>
+          <a:p>
+            <a:endParaRPr lang="es-ES" sz="1800" b="0" strike="noStrike" spc="-1">
+              <a:solidFill>
+                <a:srgbClr val="FFFFFF"/>
               </a:solidFill>
               <a:latin typeface="Century Gothic"/>
             </a:endParaRPr>
@@ -1095,13 +1247,14 @@
           </a:prstGeom>
         </p:spPr>
         <p:txBody>
-          <a:bodyPr lIns="0" rIns="0" tIns="0" bIns="0">
+          <a:bodyPr lIns="0" tIns="0" rIns="0" bIns="0">
             <a:normAutofit/>
           </a:bodyPr>
-          <a:p>
-            <a:endParaRPr b="0" lang="es-ES" sz="3000" spc="-1" strike="noStrike">
-              <a:solidFill>
-                <a:srgbClr val="ffffff"/>
+          <a:lstStyle/>
+          <a:p>
+            <a:endParaRPr lang="es-ES" sz="3000" b="0" strike="noStrike" spc="-1">
+              <a:solidFill>
+                <a:srgbClr val="FFFFFF"/>
               </a:solidFill>
               <a:latin typeface="Century Gothic"/>
             </a:endParaRPr>
@@ -1128,13 +1281,14 @@
           </a:prstGeom>
         </p:spPr>
         <p:txBody>
-          <a:bodyPr lIns="0" rIns="0" tIns="0" bIns="0">
+          <a:bodyPr lIns="0" tIns="0" rIns="0" bIns="0">
             <a:normAutofit/>
           </a:bodyPr>
-          <a:p>
-            <a:endParaRPr b="0" lang="es-ES" sz="3000" spc="-1" strike="noStrike">
-              <a:solidFill>
-                <a:srgbClr val="ffffff"/>
+          <a:lstStyle/>
+          <a:p>
+            <a:endParaRPr lang="es-ES" sz="3000" b="0" strike="noStrike" spc="-1">
+              <a:solidFill>
+                <a:srgbClr val="FFFFFF"/>
               </a:solidFill>
               <a:latin typeface="Century Gothic"/>
             </a:endParaRPr>
@@ -1161,13 +1315,14 @@
           </a:prstGeom>
         </p:spPr>
         <p:txBody>
-          <a:bodyPr lIns="0" rIns="0" tIns="0" bIns="0">
+          <a:bodyPr lIns="0" tIns="0" rIns="0" bIns="0">
             <a:normAutofit/>
           </a:bodyPr>
-          <a:p>
-            <a:endParaRPr b="0" lang="es-ES" sz="3000" spc="-1" strike="noStrike">
-              <a:solidFill>
-                <a:srgbClr val="ffffff"/>
+          <a:lstStyle/>
+          <a:p>
+            <a:endParaRPr lang="es-ES" sz="3000" b="0" strike="noStrike" spc="-1">
+              <a:solidFill>
+                <a:srgbClr val="FFFFFF"/>
               </a:solidFill>
               <a:latin typeface="Century Gothic"/>
             </a:endParaRPr>
@@ -1176,11 +1331,14 @@
       </p:sp>
     </p:spTree>
   </p:cSld>
+  <p:clrMapOvr>
+    <a:masterClrMapping/>
+  </p:clrMapOvr>
 </p:sldLayout>
 </file>
 
 <file path=ppt/slideLayouts/slideLayout2.xml><?xml version="1.0" encoding="utf-8"?>
-<p:sldLayout xmlns:a="http://schemas.openxmlformats.org/drawingml/2006/main" xmlns:p="http://schemas.openxmlformats.org/presentationml/2006/main" xmlns:r="http://schemas.openxmlformats.org/officeDocument/2006/relationships" xmlns:p14="http://schemas.microsoft.com/office/powerpoint/2010/main" xmlns:p15="http://schemas.microsoft.com/office/powerpoint/2012/main" xmlns:mc="http://schemas.openxmlformats.org/markup-compatibility/2006" type="tx" preserve="1">
+<p:sldLayout xmlns:a="http://schemas.openxmlformats.org/drawingml/2006/main" xmlns:r="http://schemas.openxmlformats.org/officeDocument/2006/relationships" xmlns:p="http://schemas.openxmlformats.org/presentationml/2006/main" type="tx" preserve="1">
   <p:cSld name="Title Slide">
     <p:spTree>
       <p:nvGrpSpPr>
@@ -1216,13 +1374,14 @@
           </a:prstGeom>
         </p:spPr>
         <p:txBody>
-          <a:bodyPr lIns="0" rIns="0" tIns="0" bIns="0" anchor="ctr">
+          <a:bodyPr lIns="0" tIns="0" rIns="0" bIns="0" anchor="ctr">
             <a:spAutoFit/>
           </a:bodyPr>
-          <a:p>
-            <a:endParaRPr b="0" lang="es-ES" sz="1800" spc="-1" strike="noStrike">
-              <a:solidFill>
-                <a:srgbClr val="ffffff"/>
+          <a:lstStyle/>
+          <a:p>
+            <a:endParaRPr lang="es-ES" sz="1800" b="0" strike="noStrike" spc="-1">
+              <a:solidFill>
+                <a:srgbClr val="FFFFFF"/>
               </a:solidFill>
               <a:latin typeface="Century Gothic"/>
             </a:endParaRPr>
@@ -1249,12 +1408,13 @@
           </a:prstGeom>
         </p:spPr>
         <p:txBody>
-          <a:bodyPr lIns="0" rIns="0" tIns="0" bIns="0" anchor="ctr">
+          <a:bodyPr lIns="0" tIns="0" rIns="0" bIns="0" anchor="ctr">
             <a:spAutoFit/>
           </a:bodyPr>
+          <a:lstStyle/>
           <a:p>
             <a:pPr algn="ctr"/>
-            <a:endParaRPr b="0" lang="es-ES" sz="3200" spc="-1" strike="noStrike">
+            <a:endParaRPr lang="es-ES" sz="3200" b="0" strike="noStrike" spc="-1">
               <a:latin typeface="Arial"/>
             </a:endParaRPr>
           </a:p>
@@ -1262,11 +1422,14 @@
       </p:sp>
     </p:spTree>
   </p:cSld>
+  <p:clrMapOvr>
+    <a:masterClrMapping/>
+  </p:clrMapOvr>
 </p:sldLayout>
 </file>
 
 <file path=ppt/slideLayouts/slideLayout20.xml><?xml version="1.0" encoding="utf-8"?>
-<p:sldLayout xmlns:a="http://schemas.openxmlformats.org/drawingml/2006/main" xmlns:p="http://schemas.openxmlformats.org/presentationml/2006/main" xmlns:r="http://schemas.openxmlformats.org/officeDocument/2006/relationships" xmlns:p14="http://schemas.microsoft.com/office/powerpoint/2010/main" xmlns:p15="http://schemas.microsoft.com/office/powerpoint/2012/main" xmlns:mc="http://schemas.openxmlformats.org/markup-compatibility/2006" type="objAndTwoObj" preserve="1">
+<p:sldLayout xmlns:a="http://schemas.openxmlformats.org/drawingml/2006/main" xmlns:r="http://schemas.openxmlformats.org/officeDocument/2006/relationships" xmlns:p="http://schemas.openxmlformats.org/presentationml/2006/main" type="objAndTwoObj" preserve="1">
   <p:cSld name="Title Content and 2 Content">
     <p:spTree>
       <p:nvGrpSpPr>
@@ -1302,13 +1465,14 @@
           </a:prstGeom>
         </p:spPr>
         <p:txBody>
-          <a:bodyPr lIns="0" rIns="0" tIns="0" bIns="0" anchor="ctr">
+          <a:bodyPr lIns="0" tIns="0" rIns="0" bIns="0" anchor="ctr">
             <a:spAutoFit/>
           </a:bodyPr>
-          <a:p>
-            <a:endParaRPr b="0" lang="es-ES" sz="1800" spc="-1" strike="noStrike">
-              <a:solidFill>
-                <a:srgbClr val="ffffff"/>
+          <a:lstStyle/>
+          <a:p>
+            <a:endParaRPr lang="es-ES" sz="1800" b="0" strike="noStrike" spc="-1">
+              <a:solidFill>
+                <a:srgbClr val="FFFFFF"/>
               </a:solidFill>
               <a:latin typeface="Century Gothic"/>
             </a:endParaRPr>
@@ -1335,13 +1499,14 @@
           </a:prstGeom>
         </p:spPr>
         <p:txBody>
-          <a:bodyPr lIns="0" rIns="0" tIns="0" bIns="0">
+          <a:bodyPr lIns="0" tIns="0" rIns="0" bIns="0">
             <a:normAutofit/>
           </a:bodyPr>
-          <a:p>
-            <a:endParaRPr b="0" lang="es-ES" sz="3000" spc="-1" strike="noStrike">
-              <a:solidFill>
-                <a:srgbClr val="ffffff"/>
+          <a:lstStyle/>
+          <a:p>
+            <a:endParaRPr lang="es-ES" sz="3000" b="0" strike="noStrike" spc="-1">
+              <a:solidFill>
+                <a:srgbClr val="FFFFFF"/>
               </a:solidFill>
               <a:latin typeface="Century Gothic"/>
             </a:endParaRPr>
@@ -1368,13 +1533,14 @@
           </a:prstGeom>
         </p:spPr>
         <p:txBody>
-          <a:bodyPr lIns="0" rIns="0" tIns="0" bIns="0">
+          <a:bodyPr lIns="0" tIns="0" rIns="0" bIns="0">
             <a:normAutofit/>
           </a:bodyPr>
-          <a:p>
-            <a:endParaRPr b="0" lang="es-ES" sz="3000" spc="-1" strike="noStrike">
-              <a:solidFill>
-                <a:srgbClr val="ffffff"/>
+          <a:lstStyle/>
+          <a:p>
+            <a:endParaRPr lang="es-ES" sz="3000" b="0" strike="noStrike" spc="-1">
+              <a:solidFill>
+                <a:srgbClr val="FFFFFF"/>
               </a:solidFill>
               <a:latin typeface="Century Gothic"/>
             </a:endParaRPr>
@@ -1401,13 +1567,14 @@
           </a:prstGeom>
         </p:spPr>
         <p:txBody>
-          <a:bodyPr lIns="0" rIns="0" tIns="0" bIns="0">
+          <a:bodyPr lIns="0" tIns="0" rIns="0" bIns="0">
             <a:normAutofit/>
           </a:bodyPr>
-          <a:p>
-            <a:endParaRPr b="0" lang="es-ES" sz="3000" spc="-1" strike="noStrike">
-              <a:solidFill>
-                <a:srgbClr val="ffffff"/>
+          <a:lstStyle/>
+          <a:p>
+            <a:endParaRPr lang="es-ES" sz="3000" b="0" strike="noStrike" spc="-1">
+              <a:solidFill>
+                <a:srgbClr val="FFFFFF"/>
               </a:solidFill>
               <a:latin typeface="Century Gothic"/>
             </a:endParaRPr>
@@ -1416,11 +1583,14 @@
       </p:sp>
     </p:spTree>
   </p:cSld>
+  <p:clrMapOvr>
+    <a:masterClrMapping/>
+  </p:clrMapOvr>
 </p:sldLayout>
 </file>
 
 <file path=ppt/slideLayouts/slideLayout21.xml><?xml version="1.0" encoding="utf-8"?>
-<p:sldLayout xmlns:a="http://schemas.openxmlformats.org/drawingml/2006/main" xmlns:p="http://schemas.openxmlformats.org/presentationml/2006/main" xmlns:r="http://schemas.openxmlformats.org/officeDocument/2006/relationships" xmlns:p14="http://schemas.microsoft.com/office/powerpoint/2010/main" xmlns:p15="http://schemas.microsoft.com/office/powerpoint/2012/main" xmlns:mc="http://schemas.openxmlformats.org/markup-compatibility/2006" type="twoObjOverTx" preserve="1">
+<p:sldLayout xmlns:a="http://schemas.openxmlformats.org/drawingml/2006/main" xmlns:r="http://schemas.openxmlformats.org/officeDocument/2006/relationships" xmlns:p="http://schemas.openxmlformats.org/presentationml/2006/main" type="twoObjOverTx" preserve="1">
   <p:cSld name="Title, 2 Content over Content">
     <p:spTree>
       <p:nvGrpSpPr>
@@ -1456,13 +1626,14 @@
           </a:prstGeom>
         </p:spPr>
         <p:txBody>
-          <a:bodyPr lIns="0" rIns="0" tIns="0" bIns="0" anchor="ctr">
+          <a:bodyPr lIns="0" tIns="0" rIns="0" bIns="0" anchor="ctr">
             <a:spAutoFit/>
           </a:bodyPr>
-          <a:p>
-            <a:endParaRPr b="0" lang="es-ES" sz="1800" spc="-1" strike="noStrike">
-              <a:solidFill>
-                <a:srgbClr val="ffffff"/>
+          <a:lstStyle/>
+          <a:p>
+            <a:endParaRPr lang="es-ES" sz="1800" b="0" strike="noStrike" spc="-1">
+              <a:solidFill>
+                <a:srgbClr val="FFFFFF"/>
               </a:solidFill>
               <a:latin typeface="Century Gothic"/>
             </a:endParaRPr>
@@ -1489,13 +1660,14 @@
           </a:prstGeom>
         </p:spPr>
         <p:txBody>
-          <a:bodyPr lIns="0" rIns="0" tIns="0" bIns="0">
+          <a:bodyPr lIns="0" tIns="0" rIns="0" bIns="0">
             <a:normAutofit/>
           </a:bodyPr>
-          <a:p>
-            <a:endParaRPr b="0" lang="es-ES" sz="3000" spc="-1" strike="noStrike">
-              <a:solidFill>
-                <a:srgbClr val="ffffff"/>
+          <a:lstStyle/>
+          <a:p>
+            <a:endParaRPr lang="es-ES" sz="3000" b="0" strike="noStrike" spc="-1">
+              <a:solidFill>
+                <a:srgbClr val="FFFFFF"/>
               </a:solidFill>
               <a:latin typeface="Century Gothic"/>
             </a:endParaRPr>
@@ -1522,13 +1694,14 @@
           </a:prstGeom>
         </p:spPr>
         <p:txBody>
-          <a:bodyPr lIns="0" rIns="0" tIns="0" bIns="0">
+          <a:bodyPr lIns="0" tIns="0" rIns="0" bIns="0">
             <a:normAutofit/>
           </a:bodyPr>
-          <a:p>
-            <a:endParaRPr b="0" lang="es-ES" sz="3000" spc="-1" strike="noStrike">
-              <a:solidFill>
-                <a:srgbClr val="ffffff"/>
+          <a:lstStyle/>
+          <a:p>
+            <a:endParaRPr lang="es-ES" sz="3000" b="0" strike="noStrike" spc="-1">
+              <a:solidFill>
+                <a:srgbClr val="FFFFFF"/>
               </a:solidFill>
               <a:latin typeface="Century Gothic"/>
             </a:endParaRPr>
@@ -1555,13 +1728,14 @@
           </a:prstGeom>
         </p:spPr>
         <p:txBody>
-          <a:bodyPr lIns="0" rIns="0" tIns="0" bIns="0">
+          <a:bodyPr lIns="0" tIns="0" rIns="0" bIns="0">
             <a:normAutofit/>
           </a:bodyPr>
-          <a:p>
-            <a:endParaRPr b="0" lang="es-ES" sz="3000" spc="-1" strike="noStrike">
-              <a:solidFill>
-                <a:srgbClr val="ffffff"/>
+          <a:lstStyle/>
+          <a:p>
+            <a:endParaRPr lang="es-ES" sz="3000" b="0" strike="noStrike" spc="-1">
+              <a:solidFill>
+                <a:srgbClr val="FFFFFF"/>
               </a:solidFill>
               <a:latin typeface="Century Gothic"/>
             </a:endParaRPr>
@@ -1570,11 +1744,14 @@
       </p:sp>
     </p:spTree>
   </p:cSld>
+  <p:clrMapOvr>
+    <a:masterClrMapping/>
+  </p:clrMapOvr>
 </p:sldLayout>
 </file>
 
 <file path=ppt/slideLayouts/slideLayout22.xml><?xml version="1.0" encoding="utf-8"?>
-<p:sldLayout xmlns:a="http://schemas.openxmlformats.org/drawingml/2006/main" xmlns:p="http://schemas.openxmlformats.org/presentationml/2006/main" xmlns:r="http://schemas.openxmlformats.org/officeDocument/2006/relationships" xmlns:p14="http://schemas.microsoft.com/office/powerpoint/2010/main" xmlns:p15="http://schemas.microsoft.com/office/powerpoint/2012/main" xmlns:mc="http://schemas.openxmlformats.org/markup-compatibility/2006" type="objOverTx" preserve="1">
+<p:sldLayout xmlns:a="http://schemas.openxmlformats.org/drawingml/2006/main" xmlns:r="http://schemas.openxmlformats.org/officeDocument/2006/relationships" xmlns:p="http://schemas.openxmlformats.org/presentationml/2006/main" type="objOverTx" preserve="1">
   <p:cSld name="Title, Content over Content">
     <p:spTree>
       <p:nvGrpSpPr>
@@ -1610,13 +1787,14 @@
           </a:prstGeom>
         </p:spPr>
         <p:txBody>
-          <a:bodyPr lIns="0" rIns="0" tIns="0" bIns="0" anchor="ctr">
+          <a:bodyPr lIns="0" tIns="0" rIns="0" bIns="0" anchor="ctr">
             <a:spAutoFit/>
           </a:bodyPr>
-          <a:p>
-            <a:endParaRPr b="0" lang="es-ES" sz="1800" spc="-1" strike="noStrike">
-              <a:solidFill>
-                <a:srgbClr val="ffffff"/>
+          <a:lstStyle/>
+          <a:p>
+            <a:endParaRPr lang="es-ES" sz="1800" b="0" strike="noStrike" spc="-1">
+              <a:solidFill>
+                <a:srgbClr val="FFFFFF"/>
               </a:solidFill>
               <a:latin typeface="Century Gothic"/>
             </a:endParaRPr>
@@ -1643,13 +1821,14 @@
           </a:prstGeom>
         </p:spPr>
         <p:txBody>
-          <a:bodyPr lIns="0" rIns="0" tIns="0" bIns="0">
+          <a:bodyPr lIns="0" tIns="0" rIns="0" bIns="0">
             <a:normAutofit/>
           </a:bodyPr>
-          <a:p>
-            <a:endParaRPr b="0" lang="es-ES" sz="3000" spc="-1" strike="noStrike">
-              <a:solidFill>
-                <a:srgbClr val="ffffff"/>
+          <a:lstStyle/>
+          <a:p>
+            <a:endParaRPr lang="es-ES" sz="3000" b="0" strike="noStrike" spc="-1">
+              <a:solidFill>
+                <a:srgbClr val="FFFFFF"/>
               </a:solidFill>
               <a:latin typeface="Century Gothic"/>
             </a:endParaRPr>
@@ -1676,13 +1855,14 @@
           </a:prstGeom>
         </p:spPr>
         <p:txBody>
-          <a:bodyPr lIns="0" rIns="0" tIns="0" bIns="0">
+          <a:bodyPr lIns="0" tIns="0" rIns="0" bIns="0">
             <a:normAutofit/>
           </a:bodyPr>
-          <a:p>
-            <a:endParaRPr b="0" lang="es-ES" sz="3000" spc="-1" strike="noStrike">
-              <a:solidFill>
-                <a:srgbClr val="ffffff"/>
+          <a:lstStyle/>
+          <a:p>
+            <a:endParaRPr lang="es-ES" sz="3000" b="0" strike="noStrike" spc="-1">
+              <a:solidFill>
+                <a:srgbClr val="FFFFFF"/>
               </a:solidFill>
               <a:latin typeface="Century Gothic"/>
             </a:endParaRPr>
@@ -1691,11 +1871,14 @@
       </p:sp>
     </p:spTree>
   </p:cSld>
+  <p:clrMapOvr>
+    <a:masterClrMapping/>
+  </p:clrMapOvr>
 </p:sldLayout>
 </file>
 
 <file path=ppt/slideLayouts/slideLayout23.xml><?xml version="1.0" encoding="utf-8"?>
-<p:sldLayout xmlns:a="http://schemas.openxmlformats.org/drawingml/2006/main" xmlns:p="http://schemas.openxmlformats.org/presentationml/2006/main" xmlns:r="http://schemas.openxmlformats.org/officeDocument/2006/relationships" xmlns:p14="http://schemas.microsoft.com/office/powerpoint/2010/main" xmlns:p15="http://schemas.microsoft.com/office/powerpoint/2012/main" xmlns:mc="http://schemas.openxmlformats.org/markup-compatibility/2006" type="fourObj" preserve="1">
+<p:sldLayout xmlns:a="http://schemas.openxmlformats.org/drawingml/2006/main" xmlns:r="http://schemas.openxmlformats.org/officeDocument/2006/relationships" xmlns:p="http://schemas.openxmlformats.org/presentationml/2006/main" type="fourObj" preserve="1">
   <p:cSld name="Title, 4 Content">
     <p:spTree>
       <p:nvGrpSpPr>
@@ -1731,13 +1914,14 @@
           </a:prstGeom>
         </p:spPr>
         <p:txBody>
-          <a:bodyPr lIns="0" rIns="0" tIns="0" bIns="0" anchor="ctr">
+          <a:bodyPr lIns="0" tIns="0" rIns="0" bIns="0" anchor="ctr">
             <a:spAutoFit/>
           </a:bodyPr>
-          <a:p>
-            <a:endParaRPr b="0" lang="es-ES" sz="1800" spc="-1" strike="noStrike">
-              <a:solidFill>
-                <a:srgbClr val="ffffff"/>
+          <a:lstStyle/>
+          <a:p>
+            <a:endParaRPr lang="es-ES" sz="1800" b="0" strike="noStrike" spc="-1">
+              <a:solidFill>
+                <a:srgbClr val="FFFFFF"/>
               </a:solidFill>
               <a:latin typeface="Century Gothic"/>
             </a:endParaRPr>
@@ -1764,13 +1948,14 @@
           </a:prstGeom>
         </p:spPr>
         <p:txBody>
-          <a:bodyPr lIns="0" rIns="0" tIns="0" bIns="0">
+          <a:bodyPr lIns="0" tIns="0" rIns="0" bIns="0">
             <a:normAutofit/>
           </a:bodyPr>
-          <a:p>
-            <a:endParaRPr b="0" lang="es-ES" sz="3000" spc="-1" strike="noStrike">
-              <a:solidFill>
-                <a:srgbClr val="ffffff"/>
+          <a:lstStyle/>
+          <a:p>
+            <a:endParaRPr lang="es-ES" sz="3000" b="0" strike="noStrike" spc="-1">
+              <a:solidFill>
+                <a:srgbClr val="FFFFFF"/>
               </a:solidFill>
               <a:latin typeface="Century Gothic"/>
             </a:endParaRPr>
@@ -1797,13 +1982,14 @@
           </a:prstGeom>
         </p:spPr>
         <p:txBody>
-          <a:bodyPr lIns="0" rIns="0" tIns="0" bIns="0">
+          <a:bodyPr lIns="0" tIns="0" rIns="0" bIns="0">
             <a:normAutofit/>
           </a:bodyPr>
-          <a:p>
-            <a:endParaRPr b="0" lang="es-ES" sz="3000" spc="-1" strike="noStrike">
-              <a:solidFill>
-                <a:srgbClr val="ffffff"/>
+          <a:lstStyle/>
+          <a:p>
+            <a:endParaRPr lang="es-ES" sz="3000" b="0" strike="noStrike" spc="-1">
+              <a:solidFill>
+                <a:srgbClr val="FFFFFF"/>
               </a:solidFill>
               <a:latin typeface="Century Gothic"/>
             </a:endParaRPr>
@@ -1830,13 +2016,14 @@
           </a:prstGeom>
         </p:spPr>
         <p:txBody>
-          <a:bodyPr lIns="0" rIns="0" tIns="0" bIns="0">
+          <a:bodyPr lIns="0" tIns="0" rIns="0" bIns="0">
             <a:normAutofit/>
           </a:bodyPr>
-          <a:p>
-            <a:endParaRPr b="0" lang="es-ES" sz="3000" spc="-1" strike="noStrike">
-              <a:solidFill>
-                <a:srgbClr val="ffffff"/>
+          <a:lstStyle/>
+          <a:p>
+            <a:endParaRPr lang="es-ES" sz="3000" b="0" strike="noStrike" spc="-1">
+              <a:solidFill>
+                <a:srgbClr val="FFFFFF"/>
               </a:solidFill>
               <a:latin typeface="Century Gothic"/>
             </a:endParaRPr>
@@ -1863,13 +2050,14 @@
           </a:prstGeom>
         </p:spPr>
         <p:txBody>
-          <a:bodyPr lIns="0" rIns="0" tIns="0" bIns="0">
+          <a:bodyPr lIns="0" tIns="0" rIns="0" bIns="0">
             <a:normAutofit/>
           </a:bodyPr>
-          <a:p>
-            <a:endParaRPr b="0" lang="es-ES" sz="3000" spc="-1" strike="noStrike">
-              <a:solidFill>
-                <a:srgbClr val="ffffff"/>
+          <a:lstStyle/>
+          <a:p>
+            <a:endParaRPr lang="es-ES" sz="3000" b="0" strike="noStrike" spc="-1">
+              <a:solidFill>
+                <a:srgbClr val="FFFFFF"/>
               </a:solidFill>
               <a:latin typeface="Century Gothic"/>
             </a:endParaRPr>
@@ -1878,11 +2066,14 @@
       </p:sp>
     </p:spTree>
   </p:cSld>
+  <p:clrMapOvr>
+    <a:masterClrMapping/>
+  </p:clrMapOvr>
 </p:sldLayout>
 </file>
 
 <file path=ppt/slideLayouts/slideLayout24.xml><?xml version="1.0" encoding="utf-8"?>
-<p:sldLayout xmlns:a="http://schemas.openxmlformats.org/drawingml/2006/main" xmlns:p="http://schemas.openxmlformats.org/presentationml/2006/main" xmlns:r="http://schemas.openxmlformats.org/officeDocument/2006/relationships" xmlns:p14="http://schemas.microsoft.com/office/powerpoint/2010/main" xmlns:p15="http://schemas.microsoft.com/office/powerpoint/2012/main" xmlns:mc="http://schemas.openxmlformats.org/markup-compatibility/2006" type="blank" preserve="1">
+<p:sldLayout xmlns:a="http://schemas.openxmlformats.org/drawingml/2006/main" xmlns:r="http://schemas.openxmlformats.org/officeDocument/2006/relationships" xmlns:p="http://schemas.openxmlformats.org/presentationml/2006/main" type="blank" preserve="1">
   <p:cSld name="Title, 6 Content">
     <p:spTree>
       <p:nvGrpSpPr>
@@ -1918,13 +2109,14 @@
           </a:prstGeom>
         </p:spPr>
         <p:txBody>
-          <a:bodyPr lIns="0" rIns="0" tIns="0" bIns="0" anchor="ctr">
+          <a:bodyPr lIns="0" tIns="0" rIns="0" bIns="0" anchor="ctr">
             <a:spAutoFit/>
           </a:bodyPr>
-          <a:p>
-            <a:endParaRPr b="0" lang="es-ES" sz="1800" spc="-1" strike="noStrike">
-              <a:solidFill>
-                <a:srgbClr val="ffffff"/>
+          <a:lstStyle/>
+          <a:p>
+            <a:endParaRPr lang="es-ES" sz="1800" b="0" strike="noStrike" spc="-1">
+              <a:solidFill>
+                <a:srgbClr val="FFFFFF"/>
               </a:solidFill>
               <a:latin typeface="Century Gothic"/>
             </a:endParaRPr>
@@ -1951,13 +2143,14 @@
           </a:prstGeom>
         </p:spPr>
         <p:txBody>
-          <a:bodyPr lIns="0" rIns="0" tIns="0" bIns="0">
+          <a:bodyPr lIns="0" tIns="0" rIns="0" bIns="0">
             <a:normAutofit/>
           </a:bodyPr>
-          <a:p>
-            <a:endParaRPr b="0" lang="es-ES" sz="3000" spc="-1" strike="noStrike">
-              <a:solidFill>
-                <a:srgbClr val="ffffff"/>
+          <a:lstStyle/>
+          <a:p>
+            <a:endParaRPr lang="es-ES" sz="3000" b="0" strike="noStrike" spc="-1">
+              <a:solidFill>
+                <a:srgbClr val="FFFFFF"/>
               </a:solidFill>
               <a:latin typeface="Century Gothic"/>
             </a:endParaRPr>
@@ -1984,13 +2177,14 @@
           </a:prstGeom>
         </p:spPr>
         <p:txBody>
-          <a:bodyPr lIns="0" rIns="0" tIns="0" bIns="0">
+          <a:bodyPr lIns="0" tIns="0" rIns="0" bIns="0">
             <a:normAutofit/>
           </a:bodyPr>
-          <a:p>
-            <a:endParaRPr b="0" lang="es-ES" sz="3000" spc="-1" strike="noStrike">
-              <a:solidFill>
-                <a:srgbClr val="ffffff"/>
+          <a:lstStyle/>
+          <a:p>
+            <a:endParaRPr lang="es-ES" sz="3000" b="0" strike="noStrike" spc="-1">
+              <a:solidFill>
+                <a:srgbClr val="FFFFFF"/>
               </a:solidFill>
               <a:latin typeface="Century Gothic"/>
             </a:endParaRPr>
@@ -2017,13 +2211,14 @@
           </a:prstGeom>
         </p:spPr>
         <p:txBody>
-          <a:bodyPr lIns="0" rIns="0" tIns="0" bIns="0">
+          <a:bodyPr lIns="0" tIns="0" rIns="0" bIns="0">
             <a:normAutofit/>
           </a:bodyPr>
-          <a:p>
-            <a:endParaRPr b="0" lang="es-ES" sz="3000" spc="-1" strike="noStrike">
-              <a:solidFill>
-                <a:srgbClr val="ffffff"/>
+          <a:lstStyle/>
+          <a:p>
+            <a:endParaRPr lang="es-ES" sz="3000" b="0" strike="noStrike" spc="-1">
+              <a:solidFill>
+                <a:srgbClr val="FFFFFF"/>
               </a:solidFill>
               <a:latin typeface="Century Gothic"/>
             </a:endParaRPr>
@@ -2050,13 +2245,14 @@
           </a:prstGeom>
         </p:spPr>
         <p:txBody>
-          <a:bodyPr lIns="0" rIns="0" tIns="0" bIns="0">
+          <a:bodyPr lIns="0" tIns="0" rIns="0" bIns="0">
             <a:normAutofit/>
           </a:bodyPr>
-          <a:p>
-            <a:endParaRPr b="0" lang="es-ES" sz="3000" spc="-1" strike="noStrike">
-              <a:solidFill>
-                <a:srgbClr val="ffffff"/>
+          <a:lstStyle/>
+          <a:p>
+            <a:endParaRPr lang="es-ES" sz="3000" b="0" strike="noStrike" spc="-1">
+              <a:solidFill>
+                <a:srgbClr val="FFFFFF"/>
               </a:solidFill>
               <a:latin typeface="Century Gothic"/>
             </a:endParaRPr>
@@ -2083,13 +2279,14 @@
           </a:prstGeom>
         </p:spPr>
         <p:txBody>
-          <a:bodyPr lIns="0" rIns="0" tIns="0" bIns="0">
+          <a:bodyPr lIns="0" tIns="0" rIns="0" bIns="0">
             <a:normAutofit/>
           </a:bodyPr>
-          <a:p>
-            <a:endParaRPr b="0" lang="es-ES" sz="3000" spc="-1" strike="noStrike">
-              <a:solidFill>
-                <a:srgbClr val="ffffff"/>
+          <a:lstStyle/>
+          <a:p>
+            <a:endParaRPr lang="es-ES" sz="3000" b="0" strike="noStrike" spc="-1">
+              <a:solidFill>
+                <a:srgbClr val="FFFFFF"/>
               </a:solidFill>
               <a:latin typeface="Century Gothic"/>
             </a:endParaRPr>
@@ -2116,13 +2313,14 @@
           </a:prstGeom>
         </p:spPr>
         <p:txBody>
-          <a:bodyPr lIns="0" rIns="0" tIns="0" bIns="0">
+          <a:bodyPr lIns="0" tIns="0" rIns="0" bIns="0">
             <a:normAutofit/>
           </a:bodyPr>
-          <a:p>
-            <a:endParaRPr b="0" lang="es-ES" sz="3000" spc="-1" strike="noStrike">
-              <a:solidFill>
-                <a:srgbClr val="ffffff"/>
+          <a:lstStyle/>
+          <a:p>
+            <a:endParaRPr lang="es-ES" sz="3000" b="0" strike="noStrike" spc="-1">
+              <a:solidFill>
+                <a:srgbClr val="FFFFFF"/>
               </a:solidFill>
               <a:latin typeface="Century Gothic"/>
             </a:endParaRPr>
@@ -2131,11 +2329,14 @@
       </p:sp>
     </p:spTree>
   </p:cSld>
+  <p:clrMapOvr>
+    <a:masterClrMapping/>
+  </p:clrMapOvr>
 </p:sldLayout>
 </file>
 
 <file path=ppt/slideLayouts/slideLayout3.xml><?xml version="1.0" encoding="utf-8"?>
-<p:sldLayout xmlns:a="http://schemas.openxmlformats.org/drawingml/2006/main" xmlns:p="http://schemas.openxmlformats.org/presentationml/2006/main" xmlns:r="http://schemas.openxmlformats.org/officeDocument/2006/relationships" xmlns:p14="http://schemas.microsoft.com/office/powerpoint/2010/main" xmlns:p15="http://schemas.microsoft.com/office/powerpoint/2012/main" xmlns:mc="http://schemas.openxmlformats.org/markup-compatibility/2006" type="obj" preserve="1">
+<p:sldLayout xmlns:a="http://schemas.openxmlformats.org/drawingml/2006/main" xmlns:r="http://schemas.openxmlformats.org/officeDocument/2006/relationships" xmlns:p="http://schemas.openxmlformats.org/presentationml/2006/main" type="obj" preserve="1">
   <p:cSld name="Title, Content">
     <p:spTree>
       <p:nvGrpSpPr>
@@ -2171,13 +2372,14 @@
           </a:prstGeom>
         </p:spPr>
         <p:txBody>
-          <a:bodyPr lIns="0" rIns="0" tIns="0" bIns="0" anchor="ctr">
+          <a:bodyPr lIns="0" tIns="0" rIns="0" bIns="0" anchor="ctr">
             <a:spAutoFit/>
           </a:bodyPr>
-          <a:p>
-            <a:endParaRPr b="0" lang="es-ES" sz="1800" spc="-1" strike="noStrike">
-              <a:solidFill>
-                <a:srgbClr val="ffffff"/>
+          <a:lstStyle/>
+          <a:p>
+            <a:endParaRPr lang="es-ES" sz="1800" b="0" strike="noStrike" spc="-1">
+              <a:solidFill>
+                <a:srgbClr val="FFFFFF"/>
               </a:solidFill>
               <a:latin typeface="Century Gothic"/>
             </a:endParaRPr>
@@ -2204,13 +2406,14 @@
           </a:prstGeom>
         </p:spPr>
         <p:txBody>
-          <a:bodyPr lIns="0" rIns="0" tIns="0" bIns="0">
+          <a:bodyPr lIns="0" tIns="0" rIns="0" bIns="0">
             <a:normAutofit/>
           </a:bodyPr>
-          <a:p>
-            <a:endParaRPr b="0" lang="es-ES" sz="3000" spc="-1" strike="noStrike">
-              <a:solidFill>
-                <a:srgbClr val="ffffff"/>
+          <a:lstStyle/>
+          <a:p>
+            <a:endParaRPr lang="es-ES" sz="3000" b="0" strike="noStrike" spc="-1">
+              <a:solidFill>
+                <a:srgbClr val="FFFFFF"/>
               </a:solidFill>
               <a:latin typeface="Century Gothic"/>
             </a:endParaRPr>
@@ -2219,11 +2422,14 @@
       </p:sp>
     </p:spTree>
   </p:cSld>
+  <p:clrMapOvr>
+    <a:masterClrMapping/>
+  </p:clrMapOvr>
 </p:sldLayout>
 </file>
 
 <file path=ppt/slideLayouts/slideLayout4.xml><?xml version="1.0" encoding="utf-8"?>
-<p:sldLayout xmlns:a="http://schemas.openxmlformats.org/drawingml/2006/main" xmlns:p="http://schemas.openxmlformats.org/presentationml/2006/main" xmlns:r="http://schemas.openxmlformats.org/officeDocument/2006/relationships" xmlns:p14="http://schemas.microsoft.com/office/powerpoint/2010/main" xmlns:p15="http://schemas.microsoft.com/office/powerpoint/2012/main" xmlns:mc="http://schemas.openxmlformats.org/markup-compatibility/2006" type="twoObj" preserve="1">
+<p:sldLayout xmlns:a="http://schemas.openxmlformats.org/drawingml/2006/main" xmlns:r="http://schemas.openxmlformats.org/officeDocument/2006/relationships" xmlns:p="http://schemas.openxmlformats.org/presentationml/2006/main" type="twoObj" preserve="1">
   <p:cSld name="Title, 2 Content">
     <p:spTree>
       <p:nvGrpSpPr>
@@ -2259,13 +2465,14 @@
           </a:prstGeom>
         </p:spPr>
         <p:txBody>
-          <a:bodyPr lIns="0" rIns="0" tIns="0" bIns="0" anchor="ctr">
+          <a:bodyPr lIns="0" tIns="0" rIns="0" bIns="0" anchor="ctr">
             <a:spAutoFit/>
           </a:bodyPr>
-          <a:p>
-            <a:endParaRPr b="0" lang="es-ES" sz="1800" spc="-1" strike="noStrike">
-              <a:solidFill>
-                <a:srgbClr val="ffffff"/>
+          <a:lstStyle/>
+          <a:p>
+            <a:endParaRPr lang="es-ES" sz="1800" b="0" strike="noStrike" spc="-1">
+              <a:solidFill>
+                <a:srgbClr val="FFFFFF"/>
               </a:solidFill>
               <a:latin typeface="Century Gothic"/>
             </a:endParaRPr>
@@ -2292,13 +2499,14 @@
           </a:prstGeom>
         </p:spPr>
         <p:txBody>
-          <a:bodyPr lIns="0" rIns="0" tIns="0" bIns="0">
+          <a:bodyPr lIns="0" tIns="0" rIns="0" bIns="0">
             <a:normAutofit/>
           </a:bodyPr>
-          <a:p>
-            <a:endParaRPr b="0" lang="es-ES" sz="3000" spc="-1" strike="noStrike">
-              <a:solidFill>
-                <a:srgbClr val="ffffff"/>
+          <a:lstStyle/>
+          <a:p>
+            <a:endParaRPr lang="es-ES" sz="3000" b="0" strike="noStrike" spc="-1">
+              <a:solidFill>
+                <a:srgbClr val="FFFFFF"/>
               </a:solidFill>
               <a:latin typeface="Century Gothic"/>
             </a:endParaRPr>
@@ -2325,13 +2533,14 @@
           </a:prstGeom>
         </p:spPr>
         <p:txBody>
-          <a:bodyPr lIns="0" rIns="0" tIns="0" bIns="0">
+          <a:bodyPr lIns="0" tIns="0" rIns="0" bIns="0">
             <a:normAutofit/>
           </a:bodyPr>
-          <a:p>
-            <a:endParaRPr b="0" lang="es-ES" sz="3000" spc="-1" strike="noStrike">
-              <a:solidFill>
-                <a:srgbClr val="ffffff"/>
+          <a:lstStyle/>
+          <a:p>
+            <a:endParaRPr lang="es-ES" sz="3000" b="0" strike="noStrike" spc="-1">
+              <a:solidFill>
+                <a:srgbClr val="FFFFFF"/>
               </a:solidFill>
               <a:latin typeface="Century Gothic"/>
             </a:endParaRPr>
@@ -2340,11 +2549,14 @@
       </p:sp>
     </p:spTree>
   </p:cSld>
+  <p:clrMapOvr>
+    <a:masterClrMapping/>
+  </p:clrMapOvr>
 </p:sldLayout>
 </file>
 
 <file path=ppt/slideLayouts/slideLayout5.xml><?xml version="1.0" encoding="utf-8"?>
-<p:sldLayout xmlns:a="http://schemas.openxmlformats.org/drawingml/2006/main" xmlns:p="http://schemas.openxmlformats.org/presentationml/2006/main" xmlns:r="http://schemas.openxmlformats.org/officeDocument/2006/relationships" xmlns:p14="http://schemas.microsoft.com/office/powerpoint/2010/main" xmlns:p15="http://schemas.microsoft.com/office/powerpoint/2012/main" xmlns:mc="http://schemas.openxmlformats.org/markup-compatibility/2006" type="titleOnly" preserve="1">
+<p:sldLayout xmlns:a="http://schemas.openxmlformats.org/drawingml/2006/main" xmlns:r="http://schemas.openxmlformats.org/officeDocument/2006/relationships" xmlns:p="http://schemas.openxmlformats.org/presentationml/2006/main" type="titleOnly" preserve="1">
   <p:cSld name="Title Only">
     <p:spTree>
       <p:nvGrpSpPr>
@@ -2380,13 +2592,14 @@
           </a:prstGeom>
         </p:spPr>
         <p:txBody>
-          <a:bodyPr lIns="0" rIns="0" tIns="0" bIns="0" anchor="ctr">
+          <a:bodyPr lIns="0" tIns="0" rIns="0" bIns="0" anchor="ctr">
             <a:spAutoFit/>
           </a:bodyPr>
-          <a:p>
-            <a:endParaRPr b="0" lang="es-ES" sz="1800" spc="-1" strike="noStrike">
-              <a:solidFill>
-                <a:srgbClr val="ffffff"/>
+          <a:lstStyle/>
+          <a:p>
+            <a:endParaRPr lang="es-ES" sz="1800" b="0" strike="noStrike" spc="-1">
+              <a:solidFill>
+                <a:srgbClr val="FFFFFF"/>
               </a:solidFill>
               <a:latin typeface="Century Gothic"/>
             </a:endParaRPr>
@@ -2395,11 +2608,14 @@
       </p:sp>
     </p:spTree>
   </p:cSld>
+  <p:clrMapOvr>
+    <a:masterClrMapping/>
+  </p:clrMapOvr>
 </p:sldLayout>
 </file>
 
 <file path=ppt/slideLayouts/slideLayout6.xml><?xml version="1.0" encoding="utf-8"?>
-<p:sldLayout xmlns:a="http://schemas.openxmlformats.org/drawingml/2006/main" xmlns:p="http://schemas.openxmlformats.org/presentationml/2006/main" xmlns:r="http://schemas.openxmlformats.org/officeDocument/2006/relationships" xmlns:p14="http://schemas.microsoft.com/office/powerpoint/2010/main" xmlns:p15="http://schemas.microsoft.com/office/powerpoint/2012/main" xmlns:mc="http://schemas.openxmlformats.org/markup-compatibility/2006" type="objOnly" preserve="1">
+<p:sldLayout xmlns:a="http://schemas.openxmlformats.org/drawingml/2006/main" xmlns:r="http://schemas.openxmlformats.org/officeDocument/2006/relationships" xmlns:p="http://schemas.openxmlformats.org/presentationml/2006/main" type="objOnly" preserve="1">
   <p:cSld name="Centered Text">
     <p:spTree>
       <p:nvGrpSpPr>
@@ -2435,12 +2651,13 @@
           </a:prstGeom>
         </p:spPr>
         <p:txBody>
-          <a:bodyPr lIns="0" rIns="0" tIns="0" bIns="0" anchor="ctr">
+          <a:bodyPr lIns="0" tIns="0" rIns="0" bIns="0" anchor="ctr">
             <a:spAutoFit/>
           </a:bodyPr>
+          <a:lstStyle/>
           <a:p>
             <a:pPr algn="ctr"/>
-            <a:endParaRPr b="0" lang="es-ES" sz="3200" spc="-1" strike="noStrike">
+            <a:endParaRPr lang="es-ES" sz="3200" b="0" strike="noStrike" spc="-1">
               <a:latin typeface="Arial"/>
             </a:endParaRPr>
           </a:p>
@@ -2448,11 +2665,14 @@
       </p:sp>
     </p:spTree>
   </p:cSld>
+  <p:clrMapOvr>
+    <a:masterClrMapping/>
+  </p:clrMapOvr>
 </p:sldLayout>
 </file>
 
 <file path=ppt/slideLayouts/slideLayout7.xml><?xml version="1.0" encoding="utf-8"?>
-<p:sldLayout xmlns:a="http://schemas.openxmlformats.org/drawingml/2006/main" xmlns:p="http://schemas.openxmlformats.org/presentationml/2006/main" xmlns:r="http://schemas.openxmlformats.org/officeDocument/2006/relationships" xmlns:p14="http://schemas.microsoft.com/office/powerpoint/2010/main" xmlns:p15="http://schemas.microsoft.com/office/powerpoint/2012/main" xmlns:mc="http://schemas.openxmlformats.org/markup-compatibility/2006" type="twoObjAndObj" preserve="1">
+<p:sldLayout xmlns:a="http://schemas.openxmlformats.org/drawingml/2006/main" xmlns:r="http://schemas.openxmlformats.org/officeDocument/2006/relationships" xmlns:p="http://schemas.openxmlformats.org/presentationml/2006/main" type="twoObjAndObj" preserve="1">
   <p:cSld name="Title, 2 Content and Content">
     <p:spTree>
       <p:nvGrpSpPr>
@@ -2488,13 +2708,14 @@
           </a:prstGeom>
         </p:spPr>
         <p:txBody>
-          <a:bodyPr lIns="0" rIns="0" tIns="0" bIns="0" anchor="ctr">
+          <a:bodyPr lIns="0" tIns="0" rIns="0" bIns="0" anchor="ctr">
             <a:spAutoFit/>
           </a:bodyPr>
-          <a:p>
-            <a:endParaRPr b="0" lang="es-ES" sz="1800" spc="-1" strike="noStrike">
-              <a:solidFill>
-                <a:srgbClr val="ffffff"/>
+          <a:lstStyle/>
+          <a:p>
+            <a:endParaRPr lang="es-ES" sz="1800" b="0" strike="noStrike" spc="-1">
+              <a:solidFill>
+                <a:srgbClr val="FFFFFF"/>
               </a:solidFill>
               <a:latin typeface="Century Gothic"/>
             </a:endParaRPr>
@@ -2521,13 +2742,14 @@
           </a:prstGeom>
         </p:spPr>
         <p:txBody>
-          <a:bodyPr lIns="0" rIns="0" tIns="0" bIns="0">
+          <a:bodyPr lIns="0" tIns="0" rIns="0" bIns="0">
             <a:normAutofit/>
           </a:bodyPr>
-          <a:p>
-            <a:endParaRPr b="0" lang="es-ES" sz="3000" spc="-1" strike="noStrike">
-              <a:solidFill>
-                <a:srgbClr val="ffffff"/>
+          <a:lstStyle/>
+          <a:p>
+            <a:endParaRPr lang="es-ES" sz="3000" b="0" strike="noStrike" spc="-1">
+              <a:solidFill>
+                <a:srgbClr val="FFFFFF"/>
               </a:solidFill>
               <a:latin typeface="Century Gothic"/>
             </a:endParaRPr>
@@ -2554,13 +2776,14 @@
           </a:prstGeom>
         </p:spPr>
         <p:txBody>
-          <a:bodyPr lIns="0" rIns="0" tIns="0" bIns="0">
+          <a:bodyPr lIns="0" tIns="0" rIns="0" bIns="0">
             <a:normAutofit/>
           </a:bodyPr>
-          <a:p>
-            <a:endParaRPr b="0" lang="es-ES" sz="3000" spc="-1" strike="noStrike">
-              <a:solidFill>
-                <a:srgbClr val="ffffff"/>
+          <a:lstStyle/>
+          <a:p>
+            <a:endParaRPr lang="es-ES" sz="3000" b="0" strike="noStrike" spc="-1">
+              <a:solidFill>
+                <a:srgbClr val="FFFFFF"/>
               </a:solidFill>
               <a:latin typeface="Century Gothic"/>
             </a:endParaRPr>
@@ -2587,13 +2810,14 @@
           </a:prstGeom>
         </p:spPr>
         <p:txBody>
-          <a:bodyPr lIns="0" rIns="0" tIns="0" bIns="0">
+          <a:bodyPr lIns="0" tIns="0" rIns="0" bIns="0">
             <a:normAutofit/>
           </a:bodyPr>
-          <a:p>
-            <a:endParaRPr b="0" lang="es-ES" sz="3000" spc="-1" strike="noStrike">
-              <a:solidFill>
-                <a:srgbClr val="ffffff"/>
+          <a:lstStyle/>
+          <a:p>
+            <a:endParaRPr lang="es-ES" sz="3000" b="0" strike="noStrike" spc="-1">
+              <a:solidFill>
+                <a:srgbClr val="FFFFFF"/>
               </a:solidFill>
               <a:latin typeface="Century Gothic"/>
             </a:endParaRPr>
@@ -2602,11 +2826,14 @@
       </p:sp>
     </p:spTree>
   </p:cSld>
+  <p:clrMapOvr>
+    <a:masterClrMapping/>
+  </p:clrMapOvr>
 </p:sldLayout>
 </file>
 
 <file path=ppt/slideLayouts/slideLayout8.xml><?xml version="1.0" encoding="utf-8"?>
-<p:sldLayout xmlns:a="http://schemas.openxmlformats.org/drawingml/2006/main" xmlns:p="http://schemas.openxmlformats.org/presentationml/2006/main" xmlns:r="http://schemas.openxmlformats.org/officeDocument/2006/relationships" xmlns:p14="http://schemas.microsoft.com/office/powerpoint/2010/main" xmlns:p15="http://schemas.microsoft.com/office/powerpoint/2012/main" xmlns:mc="http://schemas.openxmlformats.org/markup-compatibility/2006" type="objAndTwoObj" preserve="1">
+<p:sldLayout xmlns:a="http://schemas.openxmlformats.org/drawingml/2006/main" xmlns:r="http://schemas.openxmlformats.org/officeDocument/2006/relationships" xmlns:p="http://schemas.openxmlformats.org/presentationml/2006/main" type="objAndTwoObj" preserve="1">
   <p:cSld name="Title Content and 2 Content">
     <p:spTree>
       <p:nvGrpSpPr>
@@ -2642,13 +2869,14 @@
           </a:prstGeom>
         </p:spPr>
         <p:txBody>
-          <a:bodyPr lIns="0" rIns="0" tIns="0" bIns="0" anchor="ctr">
+          <a:bodyPr lIns="0" tIns="0" rIns="0" bIns="0" anchor="ctr">
             <a:spAutoFit/>
           </a:bodyPr>
-          <a:p>
-            <a:endParaRPr b="0" lang="es-ES" sz="1800" spc="-1" strike="noStrike">
-              <a:solidFill>
-                <a:srgbClr val="ffffff"/>
+          <a:lstStyle/>
+          <a:p>
+            <a:endParaRPr lang="es-ES" sz="1800" b="0" strike="noStrike" spc="-1">
+              <a:solidFill>
+                <a:srgbClr val="FFFFFF"/>
               </a:solidFill>
               <a:latin typeface="Century Gothic"/>
             </a:endParaRPr>
@@ -2675,13 +2903,14 @@
           </a:prstGeom>
         </p:spPr>
         <p:txBody>
-          <a:bodyPr lIns="0" rIns="0" tIns="0" bIns="0">
+          <a:bodyPr lIns="0" tIns="0" rIns="0" bIns="0">
             <a:normAutofit/>
           </a:bodyPr>
-          <a:p>
-            <a:endParaRPr b="0" lang="es-ES" sz="3000" spc="-1" strike="noStrike">
-              <a:solidFill>
-                <a:srgbClr val="ffffff"/>
+          <a:lstStyle/>
+          <a:p>
+            <a:endParaRPr lang="es-ES" sz="3000" b="0" strike="noStrike" spc="-1">
+              <a:solidFill>
+                <a:srgbClr val="FFFFFF"/>
               </a:solidFill>
               <a:latin typeface="Century Gothic"/>
             </a:endParaRPr>
@@ -2708,13 +2937,14 @@
           </a:prstGeom>
         </p:spPr>
         <p:txBody>
-          <a:bodyPr lIns="0" rIns="0" tIns="0" bIns="0">
+          <a:bodyPr lIns="0" tIns="0" rIns="0" bIns="0">
             <a:normAutofit/>
           </a:bodyPr>
-          <a:p>
-            <a:endParaRPr b="0" lang="es-ES" sz="3000" spc="-1" strike="noStrike">
-              <a:solidFill>
-                <a:srgbClr val="ffffff"/>
+          <a:lstStyle/>
+          <a:p>
+            <a:endParaRPr lang="es-ES" sz="3000" b="0" strike="noStrike" spc="-1">
+              <a:solidFill>
+                <a:srgbClr val="FFFFFF"/>
               </a:solidFill>
               <a:latin typeface="Century Gothic"/>
             </a:endParaRPr>
@@ -2741,13 +2971,14 @@
           </a:prstGeom>
         </p:spPr>
         <p:txBody>
-          <a:bodyPr lIns="0" rIns="0" tIns="0" bIns="0">
+          <a:bodyPr lIns="0" tIns="0" rIns="0" bIns="0">
             <a:normAutofit/>
           </a:bodyPr>
-          <a:p>
-            <a:endParaRPr b="0" lang="es-ES" sz="3000" spc="-1" strike="noStrike">
-              <a:solidFill>
-                <a:srgbClr val="ffffff"/>
+          <a:lstStyle/>
+          <a:p>
+            <a:endParaRPr lang="es-ES" sz="3000" b="0" strike="noStrike" spc="-1">
+              <a:solidFill>
+                <a:srgbClr val="FFFFFF"/>
               </a:solidFill>
               <a:latin typeface="Century Gothic"/>
             </a:endParaRPr>
@@ -2756,11 +2987,14 @@
       </p:sp>
     </p:spTree>
   </p:cSld>
+  <p:clrMapOvr>
+    <a:masterClrMapping/>
+  </p:clrMapOvr>
 </p:sldLayout>
 </file>
 
 <file path=ppt/slideLayouts/slideLayout9.xml><?xml version="1.0" encoding="utf-8"?>
-<p:sldLayout xmlns:a="http://schemas.openxmlformats.org/drawingml/2006/main" xmlns:p="http://schemas.openxmlformats.org/presentationml/2006/main" xmlns:r="http://schemas.openxmlformats.org/officeDocument/2006/relationships" xmlns:p14="http://schemas.microsoft.com/office/powerpoint/2010/main" xmlns:p15="http://schemas.microsoft.com/office/powerpoint/2012/main" xmlns:mc="http://schemas.openxmlformats.org/markup-compatibility/2006" type="twoObjOverTx" preserve="1">
+<p:sldLayout xmlns:a="http://schemas.openxmlformats.org/drawingml/2006/main" xmlns:r="http://schemas.openxmlformats.org/officeDocument/2006/relationships" xmlns:p="http://schemas.openxmlformats.org/presentationml/2006/main" type="twoObjOverTx" preserve="1">
   <p:cSld name="Title, 2 Content over Content">
     <p:spTree>
       <p:nvGrpSpPr>
@@ -2796,13 +3030,14 @@
           </a:prstGeom>
         </p:spPr>
         <p:txBody>
-          <a:bodyPr lIns="0" rIns="0" tIns="0" bIns="0" anchor="ctr">
+          <a:bodyPr lIns="0" tIns="0" rIns="0" bIns="0" anchor="ctr">
             <a:spAutoFit/>
           </a:bodyPr>
-          <a:p>
-            <a:endParaRPr b="0" lang="es-ES" sz="1800" spc="-1" strike="noStrike">
-              <a:solidFill>
-                <a:srgbClr val="ffffff"/>
+          <a:lstStyle/>
+          <a:p>
+            <a:endParaRPr lang="es-ES" sz="1800" b="0" strike="noStrike" spc="-1">
+              <a:solidFill>
+                <a:srgbClr val="FFFFFF"/>
               </a:solidFill>
               <a:latin typeface="Century Gothic"/>
             </a:endParaRPr>
@@ -2829,13 +3064,14 @@
           </a:prstGeom>
         </p:spPr>
         <p:txBody>
-          <a:bodyPr lIns="0" rIns="0" tIns="0" bIns="0">
+          <a:bodyPr lIns="0" tIns="0" rIns="0" bIns="0">
             <a:normAutofit/>
           </a:bodyPr>
-          <a:p>
-            <a:endParaRPr b="0" lang="es-ES" sz="3000" spc="-1" strike="noStrike">
-              <a:solidFill>
-                <a:srgbClr val="ffffff"/>
+          <a:lstStyle/>
+          <a:p>
+            <a:endParaRPr lang="es-ES" sz="3000" b="0" strike="noStrike" spc="-1">
+              <a:solidFill>
+                <a:srgbClr val="FFFFFF"/>
               </a:solidFill>
               <a:latin typeface="Century Gothic"/>
             </a:endParaRPr>
@@ -2862,13 +3098,14 @@
           </a:prstGeom>
         </p:spPr>
         <p:txBody>
-          <a:bodyPr lIns="0" rIns="0" tIns="0" bIns="0">
+          <a:bodyPr lIns="0" tIns="0" rIns="0" bIns="0">
             <a:normAutofit/>
           </a:bodyPr>
-          <a:p>
-            <a:endParaRPr b="0" lang="es-ES" sz="3000" spc="-1" strike="noStrike">
-              <a:solidFill>
-                <a:srgbClr val="ffffff"/>
+          <a:lstStyle/>
+          <a:p>
+            <a:endParaRPr lang="es-ES" sz="3000" b="0" strike="noStrike" spc="-1">
+              <a:solidFill>
+                <a:srgbClr val="FFFFFF"/>
               </a:solidFill>
               <a:latin typeface="Century Gothic"/>
             </a:endParaRPr>
@@ -2895,13 +3132,14 @@
           </a:prstGeom>
         </p:spPr>
         <p:txBody>
-          <a:bodyPr lIns="0" rIns="0" tIns="0" bIns="0">
+          <a:bodyPr lIns="0" tIns="0" rIns="0" bIns="0">
             <a:normAutofit/>
           </a:bodyPr>
-          <a:p>
-            <a:endParaRPr b="0" lang="es-ES" sz="3000" spc="-1" strike="noStrike">
-              <a:solidFill>
-                <a:srgbClr val="ffffff"/>
+          <a:lstStyle/>
+          <a:p>
+            <a:endParaRPr lang="es-ES" sz="3000" b="0" strike="noStrike" spc="-1">
+              <a:solidFill>
+                <a:srgbClr val="FFFFFF"/>
               </a:solidFill>
               <a:latin typeface="Century Gothic"/>
             </a:endParaRPr>
@@ -2910,11 +3148,14 @@
       </p:sp>
     </p:spTree>
   </p:cSld>
+  <p:clrMapOvr>
+    <a:masterClrMapping/>
+  </p:clrMapOvr>
 </p:sldLayout>
 </file>
 
 <file path=ppt/slideMasters/slideMaster1.xml><?xml version="1.0" encoding="utf-8"?>
-<p:sldMaster xmlns:a="http://schemas.openxmlformats.org/drawingml/2006/main" xmlns:p="http://schemas.openxmlformats.org/presentationml/2006/main" xmlns:r="http://schemas.openxmlformats.org/officeDocument/2006/relationships" xmlns:p14="http://schemas.microsoft.com/office/powerpoint/2010/main" xmlns:p15="http://schemas.microsoft.com/office/powerpoint/2012/main" xmlns:mc="http://schemas.openxmlformats.org/markup-compatibility/2006">
+<p:sldMaster xmlns:a="http://schemas.openxmlformats.org/drawingml/2006/main" xmlns:r="http://schemas.openxmlformats.org/officeDocument/2006/relationships" xmlns:p="http://schemas.openxmlformats.org/presentationml/2006/main">
   <p:cSld>
     <p:spTree>
       <p:nvGrpSpPr>
@@ -2932,7 +3173,7 @@
       </p:grpSpPr>
       <p:sp>
         <p:nvSpPr>
-          <p:cNvPr id="0" name="CustomShape 1"/>
+          <p:cNvPr id="9" name="CustomShape 1"/>
           <p:cNvSpPr/>
           <p:nvPr/>
         </p:nvSpPr>
@@ -2947,12 +3188,12 @@
           <a:gradFill rotWithShape="0">
             <a:gsLst>
               <a:gs pos="0">
-                <a:srgbClr val="d2d2d2">
+                <a:srgbClr val="D2D2D2">
                   <a:alpha val="10196"/>
                 </a:srgbClr>
               </a:gs>
               <a:gs pos="100000">
-                <a:srgbClr val="d2d2d2">
+                <a:srgbClr val="D2D2D2">
                   <a:alpha val="8235"/>
                 </a:srgbClr>
               </a:gs>
@@ -2963,7 +3204,7 @@
             <a:noFill/>
           </a:ln>
           <a:effectLst>
-            <a:outerShdw algn="t" blurRad="63500" dir="14693110" dist="25445" rotWithShape="0">
+            <a:outerShdw blurRad="63500" dist="25445" dir="14693110" algn="t" rotWithShape="0">
               <a:srgbClr val="000000">
                 <a:alpha val="50000"/>
               </a:srgbClr>
@@ -2985,7 +3226,7 @@
       </p:sp>
       <p:sp>
         <p:nvSpPr>
-          <p:cNvPr id="1" name="Line 2"/>
+          <p:cNvPr id="10" name="Line 2"/>
           <p:cNvSpPr/>
           <p:nvPr/>
         </p:nvSpPr>
@@ -3078,10 +3319,10 @@
           <a:gradFill rotWithShape="0">
             <a:gsLst>
               <a:gs pos="0">
-                <a:srgbClr val="b7014c"/>
+                <a:srgbClr val="B7014C"/>
               </a:gs>
               <a:gs pos="100000">
-                <a:srgbClr val="ff388c">
+                <a:srgbClr val="FF388C">
                   <a:alpha val="0"/>
                 </a:srgbClr>
               </a:gs>
@@ -3092,7 +3333,7 @@
             <a:noFill/>
           </a:ln>
           <a:effectLst>
-            <a:outerShdw algn="t" blurRad="63500" dir="14693110" dist="25445" rotWithShape="0">
+            <a:outerShdw blurRad="63500" dist="25445" dir="14693110" algn="t" rotWithShape="0">
               <a:srgbClr val="000000">
                 <a:alpha val="50000"/>
               </a:srgbClr>
@@ -3132,9 +3373,10 @@
           </a:prstGeom>
         </p:spPr>
         <p:txBody>
-          <a:bodyPr lIns="90000" rIns="90000" tIns="45000" bIns="45000" anchor="b">
+          <a:bodyPr lIns="90000" tIns="45000" rIns="90000" bIns="45000" anchor="b">
             <a:normAutofit/>
           </a:bodyPr>
+          <a:lstStyle/>
           <a:p>
             <a:pPr marL="484560" algn="r">
               <a:lnSpc>
@@ -3142,17 +3384,17 @@
               </a:lnSpc>
             </a:pPr>
             <a:r>
-              <a:rPr b="0" lang="es-ES" sz="4400" spc="-1" strike="noStrike">
+              <a:rPr lang="es-ES" sz="4400" b="0" strike="noStrike" spc="-1">
                 <a:solidFill>
-                  <a:srgbClr val="d26785"/>
+                  <a:srgbClr val="D26785"/>
                 </a:solidFill>
                 <a:latin typeface="Century Gothic"/>
               </a:rPr>
               <a:t>Haga clic para modificar el estilo de título del patrón</a:t>
             </a:r>
-            <a:endParaRPr b="0" lang="es-ES" sz="4400" spc="-1" strike="noStrike">
-              <a:solidFill>
-                <a:srgbClr val="ffffff"/>
+            <a:endParaRPr lang="es-ES" sz="4400" b="0" strike="noStrike" spc="-1">
+              <a:solidFill>
+                <a:srgbClr val="FFFFFF"/>
               </a:solidFill>
               <a:latin typeface="Century Gothic"/>
             </a:endParaRPr>
@@ -3179,9 +3421,10 @@
           </a:prstGeom>
         </p:spPr>
         <p:txBody>
-          <a:bodyPr lIns="90000" rIns="90000" tIns="0" bIns="0">
+          <a:bodyPr lIns="90000" tIns="0" rIns="90000" bIns="0">
             <a:noAutofit/>
           </a:bodyPr>
+          <a:lstStyle/>
           <a:p>
             <a:pPr algn="r">
               <a:lnSpc>
@@ -3189,15 +3432,20 @@
               </a:lnSpc>
             </a:pPr>
             <a:fld id="{A59F93E1-1934-484B-AFFA-A86E81E4CC8C}" type="datetime">
-              <a:rPr b="0" lang="es-ES" sz="1000" spc="-1" strike="noStrike">
+              <a:rPr lang="es-ES" sz="1000" b="0" strike="noStrike" spc="-1">
                 <a:solidFill>
-                  <a:srgbClr val="ffffff"/>
+                  <a:srgbClr val="FFFFFF"/>
                 </a:solidFill>
                 <a:latin typeface="Century Gothic"/>
               </a:rPr>
-              <a:t>2/06/21</a:t>
+              <a:pPr algn="r">
+                <a:lnSpc>
+                  <a:spcPct val="100000"/>
+                </a:lnSpc>
+              </a:pPr>
+              <a:t>03/06/2021</a:t>
             </a:fld>
-            <a:endParaRPr b="0" lang="es-ES" sz="1000" spc="-1" strike="noStrike">
+            <a:endParaRPr lang="es-ES" sz="1000" b="0" strike="noStrike" spc="-1">
               <a:latin typeface="Times New Roman"/>
             </a:endParaRPr>
           </a:p>
@@ -3223,11 +3471,12 @@
           </a:prstGeom>
         </p:spPr>
         <p:txBody>
-          <a:bodyPr lIns="90000" rIns="90000" tIns="0" bIns="0" anchor="b">
+          <a:bodyPr lIns="90000" tIns="0" rIns="90000" bIns="0" anchor="b">
             <a:noAutofit/>
           </a:bodyPr>
-          <a:p>
-            <a:endParaRPr b="0" lang="es-ES" sz="2400" spc="-1" strike="noStrike">
+          <a:lstStyle/>
+          <a:p>
+            <a:endParaRPr lang="es-ES" sz="2400" b="0" strike="noStrike" spc="-1">
               <a:latin typeface="Times New Roman"/>
             </a:endParaRPr>
           </a:p>
@@ -3253,9 +3502,10 @@
           </a:prstGeom>
         </p:spPr>
         <p:txBody>
-          <a:bodyPr lIns="90000" rIns="90000" tIns="45000" bIns="45000" anchor="ctr">
+          <a:bodyPr lIns="90000" tIns="45000" rIns="90000" bIns="45000" anchor="ctr">
             <a:noAutofit/>
           </a:bodyPr>
+          <a:lstStyle/>
           <a:p>
             <a:pPr algn="ctr">
               <a:lnSpc>
@@ -3263,15 +3513,20 @@
               </a:lnSpc>
             </a:pPr>
             <a:fld id="{13B2FF79-F95E-46F2-9343-D8445564D619}" type="slidenum">
-              <a:rPr b="0" lang="es-ES" sz="1300" spc="-1" strike="noStrike">
+              <a:rPr lang="es-ES" sz="1300" b="0" strike="noStrike" spc="-1">
                 <a:solidFill>
-                  <a:srgbClr val="ffffff"/>
+                  <a:srgbClr val="FFFFFF"/>
                 </a:solidFill>
                 <a:latin typeface="Century Gothic"/>
               </a:rPr>
-              <a:t>&lt;número&gt;</a:t>
+              <a:pPr algn="ctr">
+                <a:lnSpc>
+                  <a:spcPct val="100000"/>
+                </a:lnSpc>
+              </a:pPr>
+              <a:t>‹Nº›</a:t>
             </a:fld>
-            <a:endParaRPr b="0" lang="es-ES" sz="1300" spc="-1" strike="noStrike">
+            <a:endParaRPr lang="es-ES" sz="1300" b="0" strike="noStrike" spc="-1">
               <a:latin typeface="Times New Roman"/>
             </a:endParaRPr>
           </a:p>
@@ -3297,9 +3552,10 @@
           </a:prstGeom>
         </p:spPr>
         <p:txBody>
-          <a:bodyPr lIns="0" rIns="0" tIns="0" bIns="0">
+          <a:bodyPr lIns="0" tIns="0" rIns="0" bIns="0">
             <a:normAutofit/>
           </a:bodyPr>
+          <a:lstStyle/>
           <a:p>
             <a:pPr marL="432000" indent="-324000">
               <a:spcBef>
@@ -3313,23 +3569,17 @@
               <a:buChar char=""/>
             </a:pPr>
             <a:r>
-              <a:rPr b="0" lang="es-ES" sz="3000" spc="-1" strike="noStrike">
+              <a:rPr lang="es-ES" sz="3000" b="0" strike="noStrike" spc="-1">
                 <a:solidFill>
-                  <a:srgbClr val="ffffff"/>
+                  <a:srgbClr val="FFFFFF"/>
                 </a:solidFill>
                 <a:latin typeface="Century Gothic"/>
               </a:rPr>
               <a:t>Pulse para editar el formato de esquema del texto</a:t>
             </a:r>
-            <a:endParaRPr b="0" lang="es-ES" sz="3000" spc="-1" strike="noStrike">
-              <a:solidFill>
-                <a:srgbClr val="ffffff"/>
-              </a:solidFill>
-              <a:latin typeface="Century Gothic"/>
-            </a:endParaRPr>
-          </a:p>
-          <a:p>
-            <a:pPr lvl="1" marL="864000" indent="-324000">
+          </a:p>
+          <a:p>
+            <a:pPr marL="864000" lvl="1" indent="-324000">
               <a:spcBef>
                 <a:spcPts val="1134"/>
               </a:spcBef>
@@ -3341,23 +3591,17 @@
               <a:buChar char=""/>
             </a:pPr>
             <a:r>
-              <a:rPr b="0" lang="es-ES" sz="2400" spc="-1" strike="noStrike">
+              <a:rPr lang="es-ES" sz="2400" b="0" strike="noStrike" spc="-1">
                 <a:solidFill>
-                  <a:srgbClr val="ffffff"/>
+                  <a:srgbClr val="FFFFFF"/>
                 </a:solidFill>
                 <a:latin typeface="Century Gothic"/>
               </a:rPr>
               <a:t>Segundo nivel del esquema</a:t>
             </a:r>
-            <a:endParaRPr b="0" lang="es-ES" sz="2400" spc="-1" strike="noStrike">
-              <a:solidFill>
-                <a:srgbClr val="ffffff"/>
-              </a:solidFill>
-              <a:latin typeface="Century Gothic"/>
-            </a:endParaRPr>
-          </a:p>
-          <a:p>
-            <a:pPr lvl="2" marL="1296000" indent="-288000">
+          </a:p>
+          <a:p>
+            <a:pPr marL="1296000" lvl="2" indent="-288000">
               <a:spcBef>
                 <a:spcPts val="850"/>
               </a:spcBef>
@@ -3369,23 +3613,17 @@
               <a:buChar char=""/>
             </a:pPr>
             <a:r>
-              <a:rPr b="0" lang="es-ES" sz="2000" spc="-1" strike="noStrike">
+              <a:rPr lang="es-ES" sz="2000" b="0" strike="noStrike" spc="-1">
                 <a:solidFill>
-                  <a:srgbClr val="ffffff"/>
+                  <a:srgbClr val="FFFFFF"/>
                 </a:solidFill>
                 <a:latin typeface="Century Gothic"/>
               </a:rPr>
               <a:t>Tercer nivel del esquema</a:t>
             </a:r>
-            <a:endParaRPr b="0" lang="es-ES" sz="2000" spc="-1" strike="noStrike">
-              <a:solidFill>
-                <a:srgbClr val="ffffff"/>
-              </a:solidFill>
-              <a:latin typeface="Century Gothic"/>
-            </a:endParaRPr>
-          </a:p>
-          <a:p>
-            <a:pPr lvl="3" marL="1728000" indent="-216000">
+          </a:p>
+          <a:p>
+            <a:pPr marL="1728000" lvl="3" indent="-216000">
               <a:spcBef>
                 <a:spcPts val="567"/>
               </a:spcBef>
@@ -3397,23 +3635,17 @@
               <a:buChar char=""/>
             </a:pPr>
             <a:r>
-              <a:rPr b="0" lang="es-ES" sz="1900" spc="-1" strike="noStrike">
+              <a:rPr lang="es-ES" sz="1900" b="0" strike="noStrike" spc="-1">
                 <a:solidFill>
-                  <a:srgbClr val="ffffff"/>
+                  <a:srgbClr val="FFFFFF"/>
                 </a:solidFill>
                 <a:latin typeface="Century Gothic"/>
               </a:rPr>
               <a:t>Cuarto nivel del esquema</a:t>
             </a:r>
-            <a:endParaRPr b="0" lang="es-ES" sz="1900" spc="-1" strike="noStrike">
-              <a:solidFill>
-                <a:srgbClr val="ffffff"/>
-              </a:solidFill>
-              <a:latin typeface="Century Gothic"/>
-            </a:endParaRPr>
-          </a:p>
-          <a:p>
-            <a:pPr lvl="4" marL="2160000" indent="-216000">
+          </a:p>
+          <a:p>
+            <a:pPr marL="2160000" lvl="4" indent="-216000">
               <a:spcBef>
                 <a:spcPts val="283"/>
               </a:spcBef>
@@ -3425,23 +3657,17 @@
               <a:buChar char=""/>
             </a:pPr>
             <a:r>
-              <a:rPr b="0" lang="es-ES" sz="2000" spc="-1" strike="noStrike">
+              <a:rPr lang="es-ES" sz="2000" b="0" strike="noStrike" spc="-1">
                 <a:solidFill>
-                  <a:srgbClr val="ffffff"/>
+                  <a:srgbClr val="FFFFFF"/>
                 </a:solidFill>
                 <a:latin typeface="Century Gothic"/>
               </a:rPr>
               <a:t>Quinto nivel del esquema</a:t>
             </a:r>
-            <a:endParaRPr b="0" lang="es-ES" sz="2000" spc="-1" strike="noStrike">
-              <a:solidFill>
-                <a:srgbClr val="ffffff"/>
-              </a:solidFill>
-              <a:latin typeface="Century Gothic"/>
-            </a:endParaRPr>
-          </a:p>
-          <a:p>
-            <a:pPr lvl="5" marL="2592000" indent="-216000">
+          </a:p>
+          <a:p>
+            <a:pPr marL="2592000" lvl="5" indent="-216000">
               <a:spcBef>
                 <a:spcPts val="283"/>
               </a:spcBef>
@@ -3453,23 +3679,17 @@
               <a:buChar char=""/>
             </a:pPr>
             <a:r>
-              <a:rPr b="0" lang="es-ES" sz="2000" spc="-1" strike="noStrike">
+              <a:rPr lang="es-ES" sz="2000" b="0" strike="noStrike" spc="-1">
                 <a:solidFill>
-                  <a:srgbClr val="ffffff"/>
+                  <a:srgbClr val="FFFFFF"/>
                 </a:solidFill>
                 <a:latin typeface="Century Gothic"/>
               </a:rPr>
               <a:t>Sexto nivel del esquema</a:t>
             </a:r>
-            <a:endParaRPr b="0" lang="es-ES" sz="2000" spc="-1" strike="noStrike">
-              <a:solidFill>
-                <a:srgbClr val="ffffff"/>
-              </a:solidFill>
-              <a:latin typeface="Century Gothic"/>
-            </a:endParaRPr>
-          </a:p>
-          <a:p>
-            <a:pPr lvl="6" marL="3024000" indent="-216000">
+          </a:p>
+          <a:p>
+            <a:pPr marL="3024000" lvl="6" indent="-216000">
               <a:spcBef>
                 <a:spcPts val="283"/>
               </a:spcBef>
@@ -3481,45 +3701,44 @@
               <a:buChar char=""/>
             </a:pPr>
             <a:r>
-              <a:rPr b="0" lang="es-ES" sz="2000" spc="-1" strike="noStrike">
+              <a:rPr lang="es-ES" sz="2000" b="0" strike="noStrike" spc="-1">
                 <a:solidFill>
-                  <a:srgbClr val="ffffff"/>
+                  <a:srgbClr val="FFFFFF"/>
                 </a:solidFill>
                 <a:latin typeface="Century Gothic"/>
               </a:rPr>
               <a:t>Séptimo nivel del esquema</a:t>
             </a:r>
-            <a:endParaRPr b="0" lang="es-ES" sz="2000" spc="-1" strike="noStrike">
-              <a:solidFill>
-                <a:srgbClr val="ffffff"/>
-              </a:solidFill>
-              <a:latin typeface="Century Gothic"/>
-            </a:endParaRPr>
           </a:p>
         </p:txBody>
       </p:sp>
     </p:spTree>
   </p:cSld>
-  <p:clrMap bg1="lt1" bg2="lt2" tx1="dk1" tx2="dk2" accent1="accent1" accent2="accent2" accent3="accent3" accent4="accent4" accent5="accent5" accent6="accent6" hlink="hlink" folHlink="folHlink"/>
+  <p:clrMap bg1="lt1" tx1="dk1" bg2="lt2" tx2="dk2" accent1="accent1" accent2="accent2" accent3="accent3" accent4="accent4" accent5="accent5" accent6="accent6" hlink="hlink" folHlink="folHlink"/>
   <p:sldLayoutIdLst>
-    <p:sldLayoutId id="2147483649" r:id="rId2"/>
-    <p:sldLayoutId id="2147483650" r:id="rId3"/>
-    <p:sldLayoutId id="2147483651" r:id="rId4"/>
-    <p:sldLayoutId id="2147483652" r:id="rId5"/>
-    <p:sldLayoutId id="2147483653" r:id="rId6"/>
-    <p:sldLayoutId id="2147483654" r:id="rId7"/>
-    <p:sldLayoutId id="2147483655" r:id="rId8"/>
-    <p:sldLayoutId id="2147483656" r:id="rId9"/>
-    <p:sldLayoutId id="2147483657" r:id="rId10"/>
-    <p:sldLayoutId id="2147483658" r:id="rId11"/>
-    <p:sldLayoutId id="2147483659" r:id="rId12"/>
-    <p:sldLayoutId id="2147483660" r:id="rId13"/>
+    <p:sldLayoutId id="2147483649" r:id="rId1"/>
+    <p:sldLayoutId id="2147483650" r:id="rId2"/>
+    <p:sldLayoutId id="2147483651" r:id="rId3"/>
+    <p:sldLayoutId id="2147483652" r:id="rId4"/>
+    <p:sldLayoutId id="2147483653" r:id="rId5"/>
+    <p:sldLayoutId id="2147483654" r:id="rId6"/>
+    <p:sldLayoutId id="2147483655" r:id="rId7"/>
+    <p:sldLayoutId id="2147483656" r:id="rId8"/>
+    <p:sldLayoutId id="2147483657" r:id="rId9"/>
+    <p:sldLayoutId id="2147483658" r:id="rId10"/>
+    <p:sldLayoutId id="2147483659" r:id="rId11"/>
+    <p:sldLayoutId id="2147483660" r:id="rId12"/>
   </p:sldLayoutIdLst>
+  <p:txStyles>
+    <p:titleStyle/>
+    <p:bodyStyle/>
+    <p:otherStyle/>
+  </p:txStyles>
 </p:sldMaster>
 </file>
 
 <file path=ppt/slideMasters/slideMaster2.xml><?xml version="1.0" encoding="utf-8"?>
-<p:sldMaster xmlns:a="http://schemas.openxmlformats.org/drawingml/2006/main" xmlns:p="http://schemas.openxmlformats.org/presentationml/2006/main" xmlns:r="http://schemas.openxmlformats.org/officeDocument/2006/relationships" xmlns:p14="http://schemas.microsoft.com/office/powerpoint/2010/main" xmlns:p15="http://schemas.microsoft.com/office/powerpoint/2012/main" xmlns:mc="http://schemas.openxmlformats.org/markup-compatibility/2006">
+<p:sldMaster xmlns:a="http://schemas.openxmlformats.org/drawingml/2006/main" xmlns:r="http://schemas.openxmlformats.org/officeDocument/2006/relationships" xmlns:p="http://schemas.openxmlformats.org/presentationml/2006/main">
   <p:cSld>
     <p:spTree>
       <p:nvGrpSpPr>
@@ -3552,12 +3771,12 @@
           <a:gradFill rotWithShape="0">
             <a:gsLst>
               <a:gs pos="0">
-                <a:srgbClr val="d2d2d2">
+                <a:srgbClr val="D2D2D2">
                   <a:alpha val="10196"/>
                 </a:srgbClr>
               </a:gs>
               <a:gs pos="100000">
-                <a:srgbClr val="d2d2d2">
+                <a:srgbClr val="D2D2D2">
                   <a:alpha val="8235"/>
                 </a:srgbClr>
               </a:gs>
@@ -3568,7 +3787,7 @@
             <a:noFill/>
           </a:ln>
           <a:effectLst>
-            <a:outerShdw algn="t" blurRad="63500" dir="14693110" dist="25445" rotWithShape="0">
+            <a:outerShdw blurRad="63500" dist="25445" dir="14693110" algn="t" rotWithShape="0">
               <a:srgbClr val="000000">
                 <a:alpha val="50000"/>
               </a:srgbClr>
@@ -3684,9 +3903,10 @@
           </a:prstGeom>
         </p:spPr>
         <p:txBody>
-          <a:bodyPr lIns="90000" rIns="90000" tIns="45000" bIns="45000" anchor="ctr">
+          <a:bodyPr lIns="90000" tIns="45000" rIns="90000" bIns="45000" anchor="ctr">
             <a:noAutofit/>
           </a:bodyPr>
+          <a:lstStyle/>
           <a:p>
             <a:pPr marL="484560">
               <a:lnSpc>
@@ -3694,17 +3914,17 @@
               </a:lnSpc>
             </a:pPr>
             <a:r>
-              <a:rPr b="0" lang="es-ES" sz="4200" spc="-1" strike="noStrike">
+              <a:rPr lang="es-ES" sz="4200" b="0" strike="noStrike" spc="-1">
                 <a:solidFill>
-                  <a:srgbClr val="d26785"/>
+                  <a:srgbClr val="D26785"/>
                 </a:solidFill>
                 <a:latin typeface="Century Gothic"/>
               </a:rPr>
               <a:t>Haga clic para modificar el estilo de título del patrón</a:t>
             </a:r>
-            <a:endParaRPr b="0" lang="es-ES" sz="4200" spc="-1" strike="noStrike">
-              <a:solidFill>
-                <a:srgbClr val="ffffff"/>
+            <a:endParaRPr lang="es-ES" sz="4200" b="0" strike="noStrike" spc="-1">
+              <a:solidFill>
+                <a:srgbClr val="FFFFFF"/>
               </a:solidFill>
               <a:latin typeface="Century Gothic"/>
             </a:endParaRPr>
@@ -3731,9 +3951,10 @@
           </a:prstGeom>
         </p:spPr>
         <p:txBody>
-          <a:bodyPr lIns="90000" rIns="90000" tIns="45000" bIns="45000">
+          <a:bodyPr lIns="90000" tIns="45000" rIns="90000" bIns="45000">
             <a:noAutofit/>
           </a:bodyPr>
+          <a:lstStyle/>
           <a:p>
             <a:pPr marL="448200" indent="-383760">
               <a:lnSpc>
@@ -3743,30 +3964,24 @@
                 <a:spcPts val="601"/>
               </a:spcBef>
               <a:buClr>
-                <a:srgbClr val="ff388c"/>
+                <a:srgbClr val="FF388C"/>
               </a:buClr>
               <a:buSzPct val="80000"/>
               <a:buFont typeface="Wingdings 2" charset="2"/>
               <a:buChar char=""/>
             </a:pPr>
             <a:r>
-              <a:rPr b="0" lang="es-ES" sz="3000" spc="-1" strike="noStrike">
+              <a:rPr lang="es-ES" sz="3000" b="0" strike="noStrike" spc="-1">
                 <a:solidFill>
-                  <a:srgbClr val="ffffff"/>
+                  <a:srgbClr val="FFFFFF"/>
                 </a:solidFill>
                 <a:latin typeface="Century Gothic"/>
               </a:rPr>
               <a:t>Haga clic para modificar el estilo de texto del patrón</a:t>
             </a:r>
-            <a:endParaRPr b="0" lang="es-ES" sz="3000" spc="-1" strike="noStrike">
-              <a:solidFill>
-                <a:srgbClr val="ffffff"/>
-              </a:solidFill>
-              <a:latin typeface="Century Gothic"/>
-            </a:endParaRPr>
-          </a:p>
-          <a:p>
-            <a:pPr lvl="1" marL="822960" indent="-285480">
+          </a:p>
+          <a:p>
+            <a:pPr marL="822960" lvl="1" indent="-285480">
               <a:lnSpc>
                 <a:spcPct val="100000"/>
               </a:lnSpc>
@@ -3774,30 +3989,24 @@
                 <a:spcPts val="519"/>
               </a:spcBef>
               <a:buClr>
-                <a:srgbClr val="ff388c"/>
+                <a:srgbClr val="FF388C"/>
               </a:buClr>
               <a:buSzPct val="95000"/>
               <a:buFont typeface="Verdana"/>
               <a:buChar char="›"/>
             </a:pPr>
             <a:r>
-              <a:rPr b="0" lang="es-ES" sz="2600" spc="-1" strike="noStrike">
+              <a:rPr lang="es-ES" sz="2600" b="0" strike="noStrike" spc="-1">
                 <a:solidFill>
-                  <a:srgbClr val="ffffff"/>
+                  <a:srgbClr val="FFFFFF"/>
                 </a:solidFill>
                 <a:latin typeface="Century Gothic"/>
               </a:rPr>
               <a:t>Segundo nivel</a:t>
             </a:r>
-            <a:endParaRPr b="0" lang="es-ES" sz="2600" spc="-1" strike="noStrike">
-              <a:solidFill>
-                <a:srgbClr val="ffffff"/>
-              </a:solidFill>
-              <a:latin typeface="Century Gothic"/>
-            </a:endParaRPr>
-          </a:p>
-          <a:p>
-            <a:pPr lvl="2" marL="1106280" indent="-228240">
+          </a:p>
+          <a:p>
+            <a:pPr marL="1106280" lvl="2" indent="-228240">
               <a:lnSpc>
                 <a:spcPct val="100000"/>
               </a:lnSpc>
@@ -3805,29 +4014,23 @@
                 <a:spcPts val="479"/>
               </a:spcBef>
               <a:buClr>
-                <a:srgbClr val="ff388c"/>
+                <a:srgbClr val="FF388C"/>
               </a:buClr>
               <a:buFont typeface="Wingdings 2" charset="2"/>
               <a:buChar char=""/>
             </a:pPr>
             <a:r>
-              <a:rPr b="0" lang="es-ES" sz="2400" spc="-1" strike="noStrike">
+              <a:rPr lang="es-ES" sz="2400" b="0" strike="noStrike" spc="-1">
                 <a:solidFill>
-                  <a:srgbClr val="ffffff"/>
+                  <a:srgbClr val="FFFFFF"/>
                 </a:solidFill>
                 <a:latin typeface="Century Gothic"/>
               </a:rPr>
               <a:t>Tercer nivel</a:t>
             </a:r>
-            <a:endParaRPr b="0" lang="es-ES" sz="2400" spc="-1" strike="noStrike">
-              <a:solidFill>
-                <a:srgbClr val="ffffff"/>
-              </a:solidFill>
-              <a:latin typeface="Century Gothic"/>
-            </a:endParaRPr>
-          </a:p>
-          <a:p>
-            <a:pPr lvl="3" marL="1371600" indent="-209880">
+          </a:p>
+          <a:p>
+            <a:pPr marL="1371600" lvl="3" indent="-209880">
               <a:lnSpc>
                 <a:spcPct val="100000"/>
               </a:lnSpc>
@@ -3835,29 +4038,23 @@
                 <a:spcPts val="400"/>
               </a:spcBef>
               <a:buClr>
-                <a:srgbClr val="ff388c"/>
+                <a:srgbClr val="FF388C"/>
               </a:buClr>
               <a:buFont typeface="Wingdings 2" charset="2"/>
               <a:buChar char=""/>
             </a:pPr>
             <a:r>
-              <a:rPr b="0" lang="es-ES" sz="2000" spc="-1" strike="noStrike">
+              <a:rPr lang="es-ES" sz="2000" b="0" strike="noStrike" spc="-1">
                 <a:solidFill>
-                  <a:srgbClr val="ffffff"/>
+                  <a:srgbClr val="FFFFFF"/>
                 </a:solidFill>
                 <a:latin typeface="Century Gothic"/>
               </a:rPr>
               <a:t>Cuarto nivel</a:t>
             </a:r>
-            <a:endParaRPr b="0" lang="es-ES" sz="2000" spc="-1" strike="noStrike">
-              <a:solidFill>
-                <a:srgbClr val="ffffff"/>
-              </a:solidFill>
-              <a:latin typeface="Century Gothic"/>
-            </a:endParaRPr>
-          </a:p>
-          <a:p>
-            <a:pPr lvl="4" marL="1600200" indent="-209880">
+          </a:p>
+          <a:p>
+            <a:pPr marL="1600200" lvl="4" indent="-209880">
               <a:lnSpc>
                 <a:spcPct val="100000"/>
               </a:lnSpc>
@@ -3865,26 +4062,20 @@
                 <a:spcPts val="380"/>
               </a:spcBef>
               <a:buClr>
-                <a:srgbClr val="ff90b2"/>
+                <a:srgbClr val="FF90B2"/>
               </a:buClr>
               <a:buFont typeface="Wingdings 2" charset="2"/>
               <a:buChar char=""/>
             </a:pPr>
             <a:r>
-              <a:rPr b="0" lang="es-ES" sz="1900" spc="-1" strike="noStrike">
+              <a:rPr lang="es-ES" sz="1900" b="0" strike="noStrike" spc="-1">
                 <a:solidFill>
-                  <a:srgbClr val="ffffff"/>
+                  <a:srgbClr val="FFFFFF"/>
                 </a:solidFill>
                 <a:latin typeface="Century Gothic"/>
               </a:rPr>
               <a:t>Quinto nivel</a:t>
             </a:r>
-            <a:endParaRPr b="0" lang="es-ES" sz="1900" spc="-1" strike="noStrike">
-              <a:solidFill>
-                <a:srgbClr val="ffffff"/>
-              </a:solidFill>
-              <a:latin typeface="Century Gothic"/>
-            </a:endParaRPr>
           </a:p>
         </p:txBody>
       </p:sp>
@@ -3908,9 +4099,10 @@
           </a:prstGeom>
         </p:spPr>
         <p:txBody>
-          <a:bodyPr lIns="90000" rIns="90000" tIns="45000" bIns="45000" anchor="b">
+          <a:bodyPr lIns="90000" tIns="45000" rIns="90000" bIns="45000" anchor="b">
             <a:noAutofit/>
           </a:bodyPr>
+          <a:lstStyle/>
           <a:p>
             <a:pPr>
               <a:lnSpc>
@@ -3918,15 +4110,20 @@
               </a:lnSpc>
             </a:pPr>
             <a:fld id="{4FED6A5E-B118-4A29-97E7-F388E476592B}" type="datetime">
-              <a:rPr b="0" lang="es-ES" sz="1000" spc="-1" strike="noStrike">
+              <a:rPr lang="es-ES" sz="1000" b="0" strike="noStrike" spc="-1">
                 <a:solidFill>
-                  <a:srgbClr val="ffffff"/>
+                  <a:srgbClr val="FFFFFF"/>
                 </a:solidFill>
                 <a:latin typeface="Century Gothic"/>
               </a:rPr>
-              <a:t>2/06/21</a:t>
+              <a:pPr>
+                <a:lnSpc>
+                  <a:spcPct val="100000"/>
+                </a:lnSpc>
+              </a:pPr>
+              <a:t>03/06/2021</a:t>
             </a:fld>
-            <a:endParaRPr b="0" lang="es-ES" sz="1000" spc="-1" strike="noStrike">
+            <a:endParaRPr lang="es-ES" sz="1000" b="0" strike="noStrike" spc="-1">
               <a:latin typeface="Times New Roman"/>
             </a:endParaRPr>
           </a:p>
@@ -3952,11 +4149,12 @@
           </a:prstGeom>
         </p:spPr>
         <p:txBody>
-          <a:bodyPr lIns="90000" rIns="90000" tIns="45000" bIns="45000" anchor="b">
+          <a:bodyPr lIns="90000" tIns="45000" rIns="90000" bIns="45000" anchor="b">
             <a:noAutofit/>
           </a:bodyPr>
-          <a:p>
-            <a:endParaRPr b="0" lang="es-ES" sz="2400" spc="-1" strike="noStrike">
+          <a:lstStyle/>
+          <a:p>
+            <a:endParaRPr lang="es-ES" sz="2400" b="0" strike="noStrike" spc="-1">
               <a:latin typeface="Times New Roman"/>
             </a:endParaRPr>
           </a:p>
@@ -3982,9 +4180,10 @@
           </a:prstGeom>
         </p:spPr>
         <p:txBody>
-          <a:bodyPr lIns="90000" rIns="90000" tIns="45000" bIns="45000" anchor="b">
+          <a:bodyPr lIns="90000" tIns="45000" rIns="90000" bIns="45000" anchor="b">
             <a:noAutofit/>
           </a:bodyPr>
+          <a:lstStyle/>
           <a:p>
             <a:pPr algn="ctr">
               <a:lnSpc>
@@ -3992,15 +4191,20 @@
               </a:lnSpc>
             </a:pPr>
             <a:fld id="{824994CE-E28F-4B7B-B536-2EE45F39EDE5}" type="slidenum">
-              <a:rPr b="0" lang="es-ES" sz="1200" spc="-1" strike="noStrike">
+              <a:rPr lang="es-ES" sz="1200" b="0" strike="noStrike" spc="-1">
                 <a:solidFill>
-                  <a:srgbClr val="ffffff"/>
+                  <a:srgbClr val="FFFFFF"/>
                 </a:solidFill>
                 <a:latin typeface="Century Gothic"/>
               </a:rPr>
-              <a:t>1</a:t>
+              <a:pPr algn="ctr">
+                <a:lnSpc>
+                  <a:spcPct val="100000"/>
+                </a:lnSpc>
+              </a:pPr>
+              <a:t>‹Nº›</a:t>
             </a:fld>
-            <a:endParaRPr b="0" lang="es-ES" sz="1200" spc="-1" strike="noStrike">
+            <a:endParaRPr lang="es-ES" sz="1200" b="0" strike="noStrike" spc="-1">
               <a:latin typeface="Times New Roman"/>
             </a:endParaRPr>
           </a:p>
@@ -4008,26 +4212,31 @@
       </p:sp>
     </p:spTree>
   </p:cSld>
-  <p:clrMap bg1="lt1" bg2="lt2" tx1="dk1" tx2="dk2" accent1="accent1" accent2="accent2" accent3="accent3" accent4="accent4" accent5="accent5" accent6="accent6" hlink="hlink" folHlink="folHlink"/>
+  <p:clrMap bg1="lt1" tx1="dk1" bg2="lt2" tx2="dk2" accent1="accent1" accent2="accent2" accent3="accent3" accent4="accent4" accent5="accent5" accent6="accent6" hlink="hlink" folHlink="folHlink"/>
   <p:sldLayoutIdLst>
-    <p:sldLayoutId id="2147483662" r:id="rId2"/>
-    <p:sldLayoutId id="2147483663" r:id="rId3"/>
-    <p:sldLayoutId id="2147483664" r:id="rId4"/>
-    <p:sldLayoutId id="2147483665" r:id="rId5"/>
-    <p:sldLayoutId id="2147483666" r:id="rId6"/>
-    <p:sldLayoutId id="2147483667" r:id="rId7"/>
-    <p:sldLayoutId id="2147483668" r:id="rId8"/>
-    <p:sldLayoutId id="2147483669" r:id="rId9"/>
-    <p:sldLayoutId id="2147483670" r:id="rId10"/>
-    <p:sldLayoutId id="2147483671" r:id="rId11"/>
-    <p:sldLayoutId id="2147483672" r:id="rId12"/>
-    <p:sldLayoutId id="2147483673" r:id="rId13"/>
+    <p:sldLayoutId id="2147483662" r:id="rId1"/>
+    <p:sldLayoutId id="2147483663" r:id="rId2"/>
+    <p:sldLayoutId id="2147483664" r:id="rId3"/>
+    <p:sldLayoutId id="2147483665" r:id="rId4"/>
+    <p:sldLayoutId id="2147483666" r:id="rId5"/>
+    <p:sldLayoutId id="2147483667" r:id="rId6"/>
+    <p:sldLayoutId id="2147483668" r:id="rId7"/>
+    <p:sldLayoutId id="2147483669" r:id="rId8"/>
+    <p:sldLayoutId id="2147483670" r:id="rId9"/>
+    <p:sldLayoutId id="2147483671" r:id="rId10"/>
+    <p:sldLayoutId id="2147483672" r:id="rId11"/>
+    <p:sldLayoutId id="2147483673" r:id="rId12"/>
   </p:sldLayoutIdLst>
+  <p:txStyles>
+    <p:titleStyle/>
+    <p:bodyStyle/>
+    <p:otherStyle/>
+  </p:txStyles>
 </p:sldMaster>
 </file>
 
 <file path=ppt/slides/slide1.xml><?xml version="1.0" encoding="utf-8"?>
-<p:sld xmlns:a="http://schemas.openxmlformats.org/drawingml/2006/main" xmlns:p="http://schemas.openxmlformats.org/presentationml/2006/main" xmlns:r="http://schemas.openxmlformats.org/officeDocument/2006/relationships" xmlns:p14="http://schemas.microsoft.com/office/powerpoint/2010/main" xmlns:p15="http://schemas.microsoft.com/office/powerpoint/2012/main" xmlns:mc="http://schemas.openxmlformats.org/markup-compatibility/2006">
+<p:sld xmlns:a="http://schemas.openxmlformats.org/drawingml/2006/main" xmlns:r="http://schemas.openxmlformats.org/officeDocument/2006/relationships" xmlns:p="http://schemas.openxmlformats.org/presentationml/2006/main">
   <p:cSld>
     <p:spTree>
       <p:nvGrpSpPr>
@@ -4063,9 +4272,10 @@
           </a:ln>
         </p:spPr>
         <p:txBody>
-          <a:bodyPr lIns="90000" rIns="90000" tIns="45000" bIns="45000" anchor="b">
+          <a:bodyPr lIns="90000" tIns="45000" rIns="90000" bIns="45000" anchor="b">
             <a:noAutofit/>
           </a:bodyPr>
+          <a:lstStyle/>
           <a:p>
             <a:pPr marL="484560" algn="r">
               <a:lnSpc>
@@ -4073,17 +4283,17 @@
               </a:lnSpc>
             </a:pPr>
             <a:r>
-              <a:rPr b="0" lang="es-ES" sz="4400" spc="-1" strike="noStrike">
+              <a:rPr lang="es-ES" sz="4400" b="0" strike="noStrike" spc="-1" dirty="0">
                 <a:solidFill>
-                  <a:srgbClr val="d26785"/>
+                  <a:srgbClr val="D26785"/>
                 </a:solidFill>
                 <a:latin typeface="Century Gothic"/>
               </a:rPr>
               <a:t>Proyecto fin de curso</a:t>
             </a:r>
-            <a:endParaRPr b="0" lang="es-ES" sz="4400" spc="-1" strike="noStrike">
-              <a:solidFill>
-                <a:srgbClr val="ffffff"/>
+            <a:endParaRPr lang="es-ES" sz="4400" b="0" strike="noStrike" spc="-1" dirty="0">
+              <a:solidFill>
+                <a:srgbClr val="FFFFFF"/>
               </a:solidFill>
               <a:latin typeface="Century Gothic"/>
             </a:endParaRPr>
@@ -4110,9 +4320,10 @@
           </a:ln>
         </p:spPr>
         <p:txBody>
-          <a:bodyPr lIns="90000" rIns="90000" tIns="45000" bIns="45000">
+          <a:bodyPr lIns="90000" tIns="45000" rIns="90000" bIns="45000">
             <a:noAutofit/>
           </a:bodyPr>
+          <a:lstStyle/>
           <a:p>
             <a:pPr algn="r">
               <a:lnSpc>
@@ -4120,15 +4331,15 @@
               </a:lnSpc>
             </a:pPr>
             <a:r>
-              <a:rPr b="0" lang="es-ES" sz="3000" spc="-1" strike="noStrike">
+              <a:rPr lang="es-ES" sz="3000" b="0" strike="noStrike" spc="-1">
                 <a:solidFill>
-                  <a:srgbClr val="ffffff"/>
+                  <a:srgbClr val="FFFFFF"/>
                 </a:solidFill>
                 <a:latin typeface="Century Gothic"/>
               </a:rPr>
               <a:t>Aplicación web para el control y seguimiento de valores bursátiles</a:t>
             </a:r>
-            <a:endParaRPr b="0" lang="es-ES" sz="3000" spc="-1" strike="noStrike">
+            <a:endParaRPr lang="es-ES" sz="3000" b="0" strike="noStrike" spc="-1">
               <a:latin typeface="Arial"/>
             </a:endParaRPr>
           </a:p>
@@ -4136,12 +4347,12 @@
       </p:sp>
       <p:pic>
         <p:nvPicPr>
-          <p:cNvPr id="91" name="" descr=""/>
+          <p:cNvPr id="91" name="90 Imagen"/>
           <p:cNvPicPr/>
           <p:nvPr/>
         </p:nvPicPr>
         <p:blipFill>
-          <a:blip r:embed="rId1"/>
+          <a:blip r:embed="rId2"/>
           <a:stretch/>
         </p:blipFill>
         <p:spPr>
@@ -4159,8 +4370,11 @@
       </p:pic>
     </p:spTree>
   </p:cSld>
-  <mc:AlternateContent>
-    <mc:Choice Requires="p14">
+  <p:clrMapOvr>
+    <a:masterClrMapping/>
+  </p:clrMapOvr>
+  <mc:AlternateContent xmlns:mc="http://schemas.openxmlformats.org/markup-compatibility/2006">
+    <mc:Choice xmlns:p15="http://schemas.microsoft.com/office/powerpoint/2012/main" xmlns:p14="http://schemas.microsoft.com/office/powerpoint/2010/main" xmlns="" Requires="p14">
       <p:transition spd="slow" p14:dur="2000"/>
     </mc:Choice>
     <mc:Fallback>
@@ -4171,7 +4385,7 @@
 </file>
 
 <file path=ppt/slides/slide2.xml><?xml version="1.0" encoding="utf-8"?>
-<p:sld xmlns:a="http://schemas.openxmlformats.org/drawingml/2006/main" xmlns:p="http://schemas.openxmlformats.org/presentationml/2006/main" xmlns:r="http://schemas.openxmlformats.org/officeDocument/2006/relationships" xmlns:p14="http://schemas.microsoft.com/office/powerpoint/2010/main" xmlns:p15="http://schemas.microsoft.com/office/powerpoint/2012/main" xmlns:mc="http://schemas.openxmlformats.org/markup-compatibility/2006">
+<p:sld xmlns:a="http://schemas.openxmlformats.org/drawingml/2006/main" xmlns:r="http://schemas.openxmlformats.org/officeDocument/2006/relationships" xmlns:p="http://schemas.openxmlformats.org/presentationml/2006/main">
   <p:cSld>
     <p:spTree>
       <p:nvGrpSpPr>
@@ -4207,9 +4421,10 @@
           </a:ln>
         </p:spPr>
         <p:txBody>
-          <a:bodyPr lIns="90000" rIns="90000" tIns="45000" bIns="45000" anchor="ctr">
+          <a:bodyPr lIns="90000" tIns="45000" rIns="90000" bIns="45000" anchor="ctr">
             <a:noAutofit/>
           </a:bodyPr>
+          <a:lstStyle/>
           <a:p>
             <a:pPr marL="484560">
               <a:lnSpc>
@@ -4217,17 +4432,17 @@
               </a:lnSpc>
             </a:pPr>
             <a:r>
-              <a:rPr b="0" lang="es-ES" sz="4200" spc="-1" strike="noStrike">
+              <a:rPr lang="es-ES" sz="4200" b="0" strike="noStrike" spc="-1" dirty="0">
                 <a:solidFill>
-                  <a:srgbClr val="d26785"/>
+                  <a:srgbClr val="D26785"/>
                 </a:solidFill>
                 <a:latin typeface="Century Gothic"/>
               </a:rPr>
               <a:t>Especificaciones funcionales</a:t>
             </a:r>
-            <a:endParaRPr b="0" lang="es-ES" sz="4200" spc="-1" strike="noStrike">
-              <a:solidFill>
-                <a:srgbClr val="ffffff"/>
+            <a:endParaRPr lang="es-ES" sz="4200" b="0" strike="noStrike" spc="-1" dirty="0">
+              <a:solidFill>
+                <a:srgbClr val="FFFFFF"/>
               </a:solidFill>
               <a:latin typeface="Century Gothic"/>
             </a:endParaRPr>
@@ -4254,9 +4469,10 @@
           </a:ln>
         </p:spPr>
         <p:txBody>
-          <a:bodyPr lIns="90000" rIns="90000" tIns="45000" bIns="45000">
+          <a:bodyPr lIns="90000" tIns="45000" rIns="90000" bIns="45000">
             <a:noAutofit/>
           </a:bodyPr>
+          <a:lstStyle/>
           <a:p>
             <a:pPr marL="448200" indent="-383760">
               <a:lnSpc>
@@ -4266,27 +4482,21 @@
                 <a:spcPts val="601"/>
               </a:spcBef>
               <a:buClr>
-                <a:srgbClr val="ff388c"/>
+                <a:srgbClr val="FF388C"/>
               </a:buClr>
               <a:buSzPct val="80000"/>
               <a:buFont typeface="Wingdings 2" charset="2"/>
               <a:buChar char=""/>
             </a:pPr>
             <a:r>
-              <a:rPr b="0" lang="es-ES" sz="3000" spc="-1" strike="noStrike">
+              <a:rPr lang="es-ES" sz="2800" spc="-1" dirty="0">
                 <a:solidFill>
-                  <a:srgbClr val="ffffff"/>
+                  <a:srgbClr val="D26785"/>
                 </a:solidFill>
                 <a:latin typeface="Century Gothic"/>
               </a:rPr>
               <a:t>CRUD de entidades: mercados, valores y divisas.</a:t>
             </a:r>
-            <a:endParaRPr b="0" lang="es-ES" sz="3000" spc="-1" strike="noStrike">
-              <a:solidFill>
-                <a:srgbClr val="ffffff"/>
-              </a:solidFill>
-              <a:latin typeface="Century Gothic"/>
-            </a:endParaRPr>
           </a:p>
           <a:p>
             <a:pPr marL="448200" indent="-383760">
@@ -4297,27 +4507,21 @@
                 <a:spcPts val="601"/>
               </a:spcBef>
               <a:buClr>
-                <a:srgbClr val="ff388c"/>
+                <a:srgbClr val="FF388C"/>
               </a:buClr>
               <a:buSzPct val="80000"/>
               <a:buFont typeface="Wingdings 2" charset="2"/>
               <a:buChar char=""/>
             </a:pPr>
             <a:r>
-              <a:rPr b="0" lang="es-ES" sz="3000" spc="-1" strike="noStrike">
+              <a:rPr lang="es-ES" sz="2800" spc="-1" dirty="0">
                 <a:solidFill>
-                  <a:srgbClr val="ffffff"/>
+                  <a:srgbClr val="D26785"/>
                 </a:solidFill>
                 <a:latin typeface="Century Gothic"/>
               </a:rPr>
               <a:t>Historial de evolución de cotizaciones</a:t>
             </a:r>
-            <a:endParaRPr b="0" lang="es-ES" sz="3000" spc="-1" strike="noStrike">
-              <a:solidFill>
-                <a:srgbClr val="ffffff"/>
-              </a:solidFill>
-              <a:latin typeface="Century Gothic"/>
-            </a:endParaRPr>
           </a:p>
           <a:p>
             <a:pPr marL="448200" indent="-383760">
@@ -4328,27 +4532,21 @@
                 <a:spcPts val="601"/>
               </a:spcBef>
               <a:buClr>
-                <a:srgbClr val="ff388c"/>
+                <a:srgbClr val="FF388C"/>
               </a:buClr>
               <a:buSzPct val="80000"/>
               <a:buFont typeface="Wingdings 2" charset="2"/>
               <a:buChar char=""/>
             </a:pPr>
             <a:r>
-              <a:rPr b="0" lang="es-ES" sz="3000" spc="-1" strike="noStrike">
+              <a:rPr lang="es-ES" sz="2800" spc="-1" dirty="0">
                 <a:solidFill>
-                  <a:srgbClr val="ffffff"/>
+                  <a:srgbClr val="D26785"/>
                 </a:solidFill>
                 <a:latin typeface="Century Gothic"/>
               </a:rPr>
               <a:t>Evolución y comparación gráfica de valores.</a:t>
             </a:r>
-            <a:endParaRPr b="0" lang="es-ES" sz="3000" spc="-1" strike="noStrike">
-              <a:solidFill>
-                <a:srgbClr val="ffffff"/>
-              </a:solidFill>
-              <a:latin typeface="Century Gothic"/>
-            </a:endParaRPr>
           </a:p>
           <a:p>
             <a:pPr marL="448200" indent="-383760">
@@ -4359,27 +4557,21 @@
                 <a:spcPts val="601"/>
               </a:spcBef>
               <a:buClr>
-                <a:srgbClr val="ff388c"/>
+                <a:srgbClr val="FF388C"/>
               </a:buClr>
               <a:buSzPct val="80000"/>
               <a:buFont typeface="Wingdings 2" charset="2"/>
               <a:buChar char=""/>
             </a:pPr>
             <a:r>
-              <a:rPr b="0" lang="es-ES" sz="3000" spc="-1" strike="noStrike">
+              <a:rPr lang="es-ES" sz="2800" spc="-1" dirty="0">
                 <a:solidFill>
-                  <a:srgbClr val="ffffff"/>
+                  <a:srgbClr val="D26785"/>
                 </a:solidFill>
                 <a:latin typeface="Century Gothic"/>
               </a:rPr>
               <a:t>Compra de valores y evolución de la bolsa de compra</a:t>
             </a:r>
-            <a:endParaRPr b="0" lang="es-ES" sz="3000" spc="-1" strike="noStrike">
-              <a:solidFill>
-                <a:srgbClr val="ffffff"/>
-              </a:solidFill>
-              <a:latin typeface="Century Gothic"/>
-            </a:endParaRPr>
           </a:p>
           <a:p>
             <a:pPr>
@@ -4390,9 +4582,9 @@
                 <a:spcPts val="601"/>
               </a:spcBef>
             </a:pPr>
-            <a:endParaRPr b="0" lang="es-ES" sz="3000" spc="-1" strike="noStrike">
-              <a:solidFill>
-                <a:srgbClr val="ffffff"/>
+            <a:endParaRPr lang="es-ES" sz="3000" b="0" strike="noStrike" spc="-1" dirty="0">
+              <a:solidFill>
+                <a:srgbClr val="FFFFFF"/>
               </a:solidFill>
               <a:latin typeface="Century Gothic"/>
             </a:endParaRPr>
@@ -4401,8 +4593,11 @@
       </p:sp>
     </p:spTree>
   </p:cSld>
-  <mc:AlternateContent>
-    <mc:Choice Requires="p14">
+  <p:clrMapOvr>
+    <a:masterClrMapping/>
+  </p:clrMapOvr>
+  <mc:AlternateContent xmlns:mc="http://schemas.openxmlformats.org/markup-compatibility/2006">
+    <mc:Choice xmlns:p15="http://schemas.microsoft.com/office/powerpoint/2012/main" xmlns:p14="http://schemas.microsoft.com/office/powerpoint/2010/main" xmlns="" Requires="p14">
       <p:transition spd="slow" p14:dur="2000"/>
     </mc:Choice>
     <mc:Fallback>
@@ -4413,7 +4608,7 @@
 </file>
 
 <file path=ppt/slides/slide3.xml><?xml version="1.0" encoding="utf-8"?>
-<p:sld xmlns:a="http://schemas.openxmlformats.org/drawingml/2006/main" xmlns:p="http://schemas.openxmlformats.org/presentationml/2006/main" xmlns:r="http://schemas.openxmlformats.org/officeDocument/2006/relationships" xmlns:p14="http://schemas.microsoft.com/office/powerpoint/2010/main" xmlns:p15="http://schemas.microsoft.com/office/powerpoint/2012/main" xmlns:mc="http://schemas.openxmlformats.org/markup-compatibility/2006">
+<p:sld xmlns:a="http://schemas.openxmlformats.org/drawingml/2006/main" xmlns:r="http://schemas.openxmlformats.org/officeDocument/2006/relationships" xmlns:p="http://schemas.openxmlformats.org/presentationml/2006/main">
   <p:cSld>
     <p:spTree>
       <p:nvGrpSpPr>
@@ -4431,14 +4626,76 @@
       </p:grpSpPr>
       <p:sp>
         <p:nvSpPr>
-          <p:cNvPr id="94" name="TextShape 1"/>
+          <p:cNvPr id="2" name="1 Título"/>
+          <p:cNvSpPr>
+            <a:spLocks noGrp="1"/>
+          </p:cNvSpPr>
+          <p:nvPr>
+            <p:ph type="title"/>
+          </p:nvPr>
+        </p:nvSpPr>
+        <p:spPr>
+          <a:xfrm>
+            <a:off x="500034" y="714356"/>
+            <a:ext cx="8229240" cy="646331"/>
+          </a:xfrm>
+        </p:spPr>
+        <p:txBody>
+          <a:bodyPr/>
+          <a:lstStyle/>
+          <a:p>
+            <a:r>
+              <a:rPr lang="es-ES" sz="4200" kern="1200" spc="-1" dirty="0" smtClean="0">
+                <a:solidFill>
+                  <a:srgbClr val="D26785"/>
+                </a:solidFill>
+                <a:latin typeface="Century Gothic"/>
+                <a:ea typeface="+mn-ea"/>
+                <a:cs typeface="+mn-cs"/>
+              </a:rPr>
+              <a:t>Análisis </a:t>
+            </a:r>
+            <a:r>
+              <a:rPr lang="es-ES" spc="-1" dirty="0" smtClean="0">
+                <a:solidFill>
+                  <a:srgbClr val="D26785"/>
+                </a:solidFill>
+                <a:latin typeface="Century Gothic"/>
+              </a:rPr>
+              <a:t> </a:t>
+            </a:r>
+            <a:r>
+              <a:rPr lang="es-ES" sz="4200" kern="1200" spc="-1" dirty="0">
+                <a:solidFill>
+                  <a:srgbClr val="D26785"/>
+                </a:solidFill>
+                <a:latin typeface="Century Gothic"/>
+                <a:ea typeface="+mn-ea"/>
+                <a:cs typeface="+mn-cs"/>
+              </a:rPr>
+              <a:t>previo</a:t>
+            </a:r>
+            <a:endParaRPr lang="es-ES" sz="4200" kern="1200" spc="-1" dirty="0">
+              <a:solidFill>
+                <a:srgbClr val="D26785"/>
+              </a:solidFill>
+              <a:latin typeface="Century Gothic"/>
+              <a:ea typeface="+mn-ea"/>
+              <a:cs typeface="+mn-cs"/>
+            </a:endParaRPr>
+          </a:p>
+        </p:txBody>
+      </p:sp>
+      <p:sp>
+        <p:nvSpPr>
+          <p:cNvPr id="4" name="TextShape 2"/>
           <p:cNvSpPr txBox="1"/>
           <p:nvPr/>
         </p:nvSpPr>
         <p:spPr>
           <a:xfrm>
-            <a:off x="457200" y="267480"/>
-            <a:ext cx="8229240" cy="1398600"/>
+            <a:off x="500034" y="1785926"/>
+            <a:ext cx="8229240" cy="4571640"/>
           </a:xfrm>
           <a:prstGeom prst="rect">
             <a:avLst/>
@@ -4449,66 +4706,178 @@
           </a:ln>
         </p:spPr>
         <p:txBody>
-          <a:bodyPr lIns="0" rIns="0" tIns="0" bIns="0" anchor="ctr">
-            <a:spAutoFit/>
-          </a:bodyPr>
-          <a:p>
+          <a:bodyPr lIns="90000" tIns="45000" rIns="90000" bIns="45000">
+            <a:noAutofit/>
+          </a:bodyPr>
+          <a:lstStyle/>
+          <a:p>
+            <a:pPr marL="448200" indent="-383760">
+              <a:lnSpc>
+                <a:spcPct val="100000"/>
+              </a:lnSpc>
+              <a:spcBef>
+                <a:spcPts val="601"/>
+              </a:spcBef>
+              <a:buClr>
+                <a:srgbClr val="FF388C"/>
+              </a:buClr>
+              <a:buSzPct val="80000"/>
+              <a:buFont typeface="Wingdings 2" charset="2"/>
+              <a:buChar char=""/>
+            </a:pPr>
             <a:r>
-              <a:rPr b="0" lang="es-ES" sz="4200" spc="-1" strike="noStrike">
+              <a:rPr lang="es-ES" sz="2800" spc="-1" dirty="0" smtClean="0">
                 <a:solidFill>
-                  <a:srgbClr val="d26785"/>
+                  <a:srgbClr val="D26785"/>
                 </a:solidFill>
                 <a:latin typeface="Century Gothic"/>
               </a:rPr>
-              <a:t>Estructura global del proyecto</a:t>
+              <a:t>Fácil mantenimiento: </a:t>
             </a:r>
-            <a:endParaRPr b="0" lang="es-ES" sz="4200" spc="-1" strike="noStrike">
-              <a:solidFill>
-                <a:srgbClr val="ffffff"/>
-              </a:solidFill>
-              <a:latin typeface="Century Gothic"/>
-            </a:endParaRPr>
-          </a:p>
-        </p:txBody>
-      </p:sp>
-      <p:pic>
-        <p:nvPicPr>
-          <p:cNvPr id="95" name="" descr=""/>
-          <p:cNvPicPr/>
-          <p:nvPr/>
-        </p:nvPicPr>
-        <p:blipFill>
-          <a:blip r:embed="rId1"/>
-          <a:stretch/>
-        </p:blipFill>
-        <p:spPr>
-          <a:xfrm>
-            <a:off x="936000" y="1721160"/>
-            <a:ext cx="4974840" cy="4974840"/>
-          </a:xfrm>
-          <a:prstGeom prst="rect">
-            <a:avLst/>
-          </a:prstGeom>
-          <a:ln>
-            <a:noFill/>
-          </a:ln>
-        </p:spPr>
-      </p:pic>
+            <a:r>
+              <a:rPr lang="es-ES" sz="2800" spc="-1" dirty="0" err="1" smtClean="0">
+                <a:solidFill>
+                  <a:srgbClr val="D26785"/>
+                </a:solidFill>
+                <a:latin typeface="Century Gothic"/>
+              </a:rPr>
+              <a:t>backend</a:t>
+            </a:r>
+            <a:r>
+              <a:rPr lang="es-ES" sz="2800" spc="-1" dirty="0" smtClean="0">
+                <a:solidFill>
+                  <a:srgbClr val="D26785"/>
+                </a:solidFill>
+                <a:latin typeface="Century Gothic"/>
+              </a:rPr>
+              <a:t> - </a:t>
+            </a:r>
+            <a:r>
+              <a:rPr lang="es-ES" sz="2800" spc="-1" dirty="0" err="1" smtClean="0">
+                <a:solidFill>
+                  <a:srgbClr val="D26785"/>
+                </a:solidFill>
+                <a:latin typeface="Century Gothic"/>
+              </a:rPr>
+              <a:t>frontend</a:t>
+            </a:r>
+            <a:endParaRPr lang="es-ES" sz="2800" spc="-1" dirty="0">
+              <a:solidFill>
+                <a:srgbClr val="D26785"/>
+              </a:solidFill>
+              <a:latin typeface="Century Gothic"/>
+            </a:endParaRPr>
+          </a:p>
+          <a:p>
+            <a:pPr marL="448200" indent="-383760">
+              <a:lnSpc>
+                <a:spcPct val="100000"/>
+              </a:lnSpc>
+              <a:spcBef>
+                <a:spcPts val="601"/>
+              </a:spcBef>
+              <a:buClr>
+                <a:srgbClr val="FF388C"/>
+              </a:buClr>
+              <a:buSzPct val="80000"/>
+              <a:buFont typeface="Wingdings 2" charset="2"/>
+              <a:buChar char=""/>
+            </a:pPr>
+            <a:r>
+              <a:rPr lang="es-ES" sz="2800" spc="-1" dirty="0" smtClean="0">
+                <a:solidFill>
+                  <a:srgbClr val="D26785"/>
+                </a:solidFill>
+                <a:latin typeface="Century Gothic"/>
+              </a:rPr>
+              <a:t>Seguridad: despliegue separado</a:t>
+            </a:r>
+            <a:endParaRPr lang="es-ES" sz="2800" spc="-1" dirty="0">
+              <a:solidFill>
+                <a:srgbClr val="D26785"/>
+              </a:solidFill>
+              <a:latin typeface="Century Gothic"/>
+            </a:endParaRPr>
+          </a:p>
+          <a:p>
+            <a:pPr marL="448200" indent="-383760">
+              <a:lnSpc>
+                <a:spcPct val="100000"/>
+              </a:lnSpc>
+              <a:spcBef>
+                <a:spcPts val="601"/>
+              </a:spcBef>
+              <a:buClr>
+                <a:srgbClr val="FF388C"/>
+              </a:buClr>
+              <a:buSzPct val="80000"/>
+              <a:buFont typeface="Wingdings 2" charset="2"/>
+              <a:buChar char=""/>
+            </a:pPr>
+            <a:r>
+              <a:rPr lang="es-ES" sz="2800" spc="-1" dirty="0" smtClean="0">
+                <a:solidFill>
+                  <a:srgbClr val="D26785"/>
+                </a:solidFill>
+                <a:latin typeface="Century Gothic"/>
+              </a:rPr>
+              <a:t>Interoperabilidad: reutilizar la API</a:t>
+            </a:r>
+            <a:endParaRPr lang="es-ES" sz="2800" spc="-1" dirty="0">
+              <a:solidFill>
+                <a:srgbClr val="D26785"/>
+              </a:solidFill>
+              <a:latin typeface="Century Gothic"/>
+            </a:endParaRPr>
+          </a:p>
+          <a:p>
+            <a:pPr marL="448200" indent="-383760">
+              <a:lnSpc>
+                <a:spcPct val="100000"/>
+              </a:lnSpc>
+              <a:spcBef>
+                <a:spcPts val="601"/>
+              </a:spcBef>
+              <a:buClr>
+                <a:srgbClr val="FF388C"/>
+              </a:buClr>
+              <a:buSzPct val="80000"/>
+            </a:pPr>
+            <a:endParaRPr lang="es-ES" sz="2800" spc="-1" dirty="0">
+              <a:solidFill>
+                <a:srgbClr val="D26785"/>
+              </a:solidFill>
+              <a:latin typeface="Century Gothic"/>
+            </a:endParaRPr>
+          </a:p>
+          <a:p>
+            <a:pPr>
+              <a:lnSpc>
+                <a:spcPct val="100000"/>
+              </a:lnSpc>
+              <a:spcBef>
+                <a:spcPts val="601"/>
+              </a:spcBef>
+            </a:pPr>
+            <a:endParaRPr lang="es-ES" sz="3000" b="0" strike="noStrike" spc="-1" dirty="0">
+              <a:solidFill>
+                <a:srgbClr val="FFFFFF"/>
+              </a:solidFill>
+              <a:latin typeface="Century Gothic"/>
+            </a:endParaRPr>
+          </a:p>
+        </p:txBody>
+      </p:sp>
     </p:spTree>
   </p:cSld>
-  <mc:AlternateContent>
-    <mc:Choice Requires="p14">
-      <p:transition spd="slow" p14:dur="2000"/>
-    </mc:Choice>
-    <mc:Fallback>
-      <p:transition spd="slow"/>
-    </mc:Fallback>
-  </mc:AlternateContent>
+  <p:clrMapOvr>
+    <a:masterClrMapping/>
+  </p:clrMapOvr>
 </p:sld>
 </file>
 
 <file path=ppt/slides/slide4.xml><?xml version="1.0" encoding="utf-8"?>
-<p:sld xmlns:a="http://schemas.openxmlformats.org/drawingml/2006/main" xmlns:p="http://schemas.openxmlformats.org/presentationml/2006/main" xmlns:r="http://schemas.openxmlformats.org/officeDocument/2006/relationships" xmlns:p14="http://schemas.microsoft.com/office/powerpoint/2010/main" xmlns:p15="http://schemas.microsoft.com/office/powerpoint/2012/main" xmlns:mc="http://schemas.openxmlformats.org/markup-compatibility/2006">
+<p:sld xmlns:a="http://schemas.openxmlformats.org/drawingml/2006/main" xmlns:r="http://schemas.openxmlformats.org/officeDocument/2006/relationships" xmlns:p="http://schemas.openxmlformats.org/presentationml/2006/main">
   <p:cSld>
     <p:spTree>
       <p:nvGrpSpPr>
@@ -4526,14 +4895,56 @@
       </p:grpSpPr>
       <p:sp>
         <p:nvSpPr>
-          <p:cNvPr id="96" name="TextShape 1"/>
+          <p:cNvPr id="2" name="1 Título"/>
+          <p:cNvSpPr>
+            <a:spLocks noGrp="1"/>
+          </p:cNvSpPr>
+          <p:nvPr>
+            <p:ph type="title"/>
+          </p:nvPr>
+        </p:nvSpPr>
+        <p:spPr>
+          <a:xfrm>
+            <a:off x="457200" y="267480"/>
+            <a:ext cx="8229240" cy="646331"/>
+          </a:xfrm>
+        </p:spPr>
+        <p:txBody>
+          <a:bodyPr/>
+          <a:lstStyle/>
+          <a:p>
+            <a:r>
+              <a:rPr lang="es-ES" sz="4200" kern="1200" spc="-1" dirty="0" smtClean="0">
+                <a:solidFill>
+                  <a:srgbClr val="D26785"/>
+                </a:solidFill>
+                <a:latin typeface="Century Gothic"/>
+                <a:ea typeface="+mn-ea"/>
+                <a:cs typeface="+mn-cs"/>
+              </a:rPr>
+              <a:t>Recursos</a:t>
+            </a:r>
+            <a:endParaRPr lang="es-ES" sz="4200" kern="1200" spc="-1" dirty="0">
+              <a:solidFill>
+                <a:srgbClr val="D26785"/>
+              </a:solidFill>
+              <a:latin typeface="Century Gothic"/>
+              <a:ea typeface="+mn-ea"/>
+              <a:cs typeface="+mn-cs"/>
+            </a:endParaRPr>
+          </a:p>
+        </p:txBody>
+      </p:sp>
+      <p:sp>
+        <p:nvSpPr>
+          <p:cNvPr id="5" name="TextShape 2"/>
           <p:cNvSpPr txBox="1"/>
           <p:nvPr/>
         </p:nvSpPr>
         <p:spPr>
           <a:xfrm>
-            <a:off x="457200" y="267480"/>
-            <a:ext cx="8229240" cy="1398600"/>
+            <a:off x="357158" y="1428736"/>
+            <a:ext cx="8229240" cy="4571640"/>
           </a:xfrm>
           <a:prstGeom prst="rect">
             <a:avLst/>
@@ -4544,71 +4955,254 @@
           </a:ln>
         </p:spPr>
         <p:txBody>
-          <a:bodyPr lIns="90000" rIns="90000" tIns="45000" bIns="45000" anchor="ctr">
+          <a:bodyPr lIns="90000" tIns="45000" rIns="90000" bIns="45000">
             <a:noAutofit/>
           </a:bodyPr>
-          <a:p>
-            <a:pPr marL="484560">
+          <a:lstStyle/>
+          <a:p>
+            <a:pPr marL="448200" indent="-383760">
               <a:lnSpc>
                 <a:spcPct val="100000"/>
               </a:lnSpc>
+              <a:spcBef>
+                <a:spcPts val="601"/>
+              </a:spcBef>
+              <a:buClr>
+                <a:srgbClr val="FF388C"/>
+              </a:buClr>
+              <a:buSzPct val="80000"/>
+              <a:buFont typeface="Wingdings 2" charset="2"/>
+              <a:buChar char=""/>
             </a:pPr>
             <a:r>
-              <a:rPr b="0" lang="es-ES" sz="4200" spc="-1" strike="noStrike">
+              <a:rPr lang="es-ES" sz="2800" spc="-1" dirty="0" smtClean="0">
                 <a:solidFill>
-                  <a:srgbClr val="d26785"/>
+                  <a:srgbClr val="D26785"/>
                 </a:solidFill>
                 <a:latin typeface="Century Gothic"/>
               </a:rPr>
-              <a:t>Modelo de datos</a:t>
+              <a:t>Hardware: i7, 3Ghz y 32Gb RAM</a:t>
             </a:r>
-            <a:endParaRPr b="0" lang="es-ES" sz="4200" spc="-1" strike="noStrike">
-              <a:solidFill>
-                <a:srgbClr val="ffffff"/>
-              </a:solidFill>
-              <a:latin typeface="Century Gothic"/>
-            </a:endParaRPr>
-          </a:p>
-        </p:txBody>
-      </p:sp>
-      <p:pic>
-        <p:nvPicPr>
-          <p:cNvPr id="97" name="" descr=""/>
-          <p:cNvPicPr/>
-          <p:nvPr/>
-        </p:nvPicPr>
-        <p:blipFill>
-          <a:blip r:embed="rId1"/>
-          <a:stretch/>
-        </p:blipFill>
-        <p:spPr>
-          <a:xfrm>
-            <a:off x="1080000" y="1449720"/>
-            <a:ext cx="6048000" cy="5030280"/>
-          </a:xfrm>
-          <a:prstGeom prst="rect">
-            <a:avLst/>
-          </a:prstGeom>
-          <a:ln>
-            <a:noFill/>
-          </a:ln>
-        </p:spPr>
-      </p:pic>
+            <a:endParaRPr lang="es-ES" sz="2800" spc="-1" dirty="0">
+              <a:solidFill>
+                <a:srgbClr val="D26785"/>
+              </a:solidFill>
+              <a:latin typeface="Century Gothic"/>
+            </a:endParaRPr>
+          </a:p>
+          <a:p>
+            <a:pPr marL="448200" indent="-383760">
+              <a:lnSpc>
+                <a:spcPct val="100000"/>
+              </a:lnSpc>
+              <a:spcBef>
+                <a:spcPts val="601"/>
+              </a:spcBef>
+              <a:buClr>
+                <a:srgbClr val="FF388C"/>
+              </a:buClr>
+              <a:buSzPct val="80000"/>
+              <a:buFont typeface="Wingdings 2" charset="2"/>
+              <a:buChar char=""/>
+            </a:pPr>
+            <a:r>
+              <a:rPr lang="es-ES" sz="2800" spc="-1" dirty="0" smtClean="0">
+                <a:solidFill>
+                  <a:srgbClr val="D26785"/>
+                </a:solidFill>
+                <a:latin typeface="Century Gothic"/>
+              </a:rPr>
+              <a:t>Software: IDE, SGBD, pruebas y documentación</a:t>
+            </a:r>
+            <a:endParaRPr lang="es-ES" sz="2800" spc="-1" dirty="0">
+              <a:solidFill>
+                <a:srgbClr val="D26785"/>
+              </a:solidFill>
+              <a:latin typeface="Century Gothic"/>
+            </a:endParaRPr>
+          </a:p>
+          <a:p>
+            <a:pPr marL="448200" indent="-383760">
+              <a:lnSpc>
+                <a:spcPct val="100000"/>
+              </a:lnSpc>
+              <a:spcBef>
+                <a:spcPts val="601"/>
+              </a:spcBef>
+              <a:buClr>
+                <a:srgbClr val="FF388C"/>
+              </a:buClr>
+              <a:buSzPct val="80000"/>
+              <a:buFont typeface="Wingdings 2" charset="2"/>
+              <a:buChar char=""/>
+            </a:pPr>
+            <a:r>
+              <a:rPr lang="es-ES" sz="2800" spc="-1" dirty="0" smtClean="0">
+                <a:solidFill>
+                  <a:srgbClr val="D26785"/>
+                </a:solidFill>
+                <a:latin typeface="Century Gothic"/>
+              </a:rPr>
+              <a:t>Repositorios: </a:t>
+            </a:r>
+            <a:r>
+              <a:rPr lang="es-ES" sz="2800" spc="-1" dirty="0" err="1" smtClean="0">
+                <a:solidFill>
+                  <a:srgbClr val="D26785"/>
+                </a:solidFill>
+                <a:latin typeface="Century Gothic"/>
+              </a:rPr>
+              <a:t>Github</a:t>
+            </a:r>
+            <a:endParaRPr lang="es-ES" sz="2800" spc="-1" dirty="0" smtClean="0">
+              <a:solidFill>
+                <a:srgbClr val="D26785"/>
+              </a:solidFill>
+              <a:latin typeface="Century Gothic"/>
+            </a:endParaRPr>
+          </a:p>
+          <a:p>
+            <a:pPr marL="448200" indent="-383760">
+              <a:lnSpc>
+                <a:spcPct val="100000"/>
+              </a:lnSpc>
+              <a:spcBef>
+                <a:spcPts val="601"/>
+              </a:spcBef>
+              <a:buClr>
+                <a:srgbClr val="FF388C"/>
+              </a:buClr>
+              <a:buSzPct val="80000"/>
+              <a:buFont typeface="Wingdings 2" charset="2"/>
+              <a:buChar char=""/>
+            </a:pPr>
+            <a:r>
+              <a:rPr lang="es-ES" sz="2800" spc="-1" dirty="0" smtClean="0">
+                <a:solidFill>
+                  <a:srgbClr val="D26785"/>
+                </a:solidFill>
+                <a:latin typeface="Century Gothic"/>
+              </a:rPr>
+              <a:t>Servicios online: </a:t>
+            </a:r>
+            <a:r>
+              <a:rPr lang="es-ES" sz="2800" spc="-1" dirty="0" err="1" smtClean="0">
+                <a:solidFill>
+                  <a:srgbClr val="D26785"/>
+                </a:solidFill>
+                <a:latin typeface="Century Gothic"/>
+              </a:rPr>
+              <a:t>Heroku</a:t>
+            </a:r>
+            <a:r>
+              <a:rPr lang="es-ES" sz="2800" spc="-1" dirty="0" smtClean="0">
+                <a:solidFill>
+                  <a:srgbClr val="D26785"/>
+                </a:solidFill>
+                <a:latin typeface="Century Gothic"/>
+              </a:rPr>
+              <a:t>, </a:t>
+            </a:r>
+            <a:r>
+              <a:rPr lang="es-ES" sz="2800" spc="-1" dirty="0" err="1" smtClean="0">
+                <a:solidFill>
+                  <a:srgbClr val="D26785"/>
+                </a:solidFill>
+                <a:latin typeface="Century Gothic"/>
+              </a:rPr>
+              <a:t>Vercel</a:t>
+            </a:r>
+            <a:r>
+              <a:rPr lang="es-ES" sz="2800" spc="-1" dirty="0">
+                <a:solidFill>
+                  <a:srgbClr val="D26785"/>
+                </a:solidFill>
+                <a:latin typeface="Century Gothic"/>
+              </a:rPr>
+              <a:t> </a:t>
+            </a:r>
+            <a:r>
+              <a:rPr lang="es-ES" sz="2800" spc="-1" dirty="0" smtClean="0">
+                <a:solidFill>
+                  <a:srgbClr val="D26785"/>
+                </a:solidFill>
+                <a:latin typeface="Century Gothic"/>
+              </a:rPr>
+              <a:t>y </a:t>
+            </a:r>
+            <a:r>
+              <a:rPr lang="es-ES" sz="2800" spc="-1" dirty="0" err="1" smtClean="0">
+                <a:solidFill>
+                  <a:srgbClr val="D26785"/>
+                </a:solidFill>
+                <a:latin typeface="Century Gothic"/>
+              </a:rPr>
+              <a:t>Gearhost</a:t>
+            </a:r>
+            <a:r>
+              <a:rPr lang="es-ES" sz="2800" spc="-1" dirty="0" smtClean="0">
+                <a:solidFill>
+                  <a:srgbClr val="D26785"/>
+                </a:solidFill>
+                <a:latin typeface="Century Gothic"/>
+              </a:rPr>
+              <a:t>.</a:t>
+            </a:r>
+            <a:endParaRPr lang="es-ES" sz="2800" spc="-1" dirty="0">
+              <a:solidFill>
+                <a:srgbClr val="D26785"/>
+              </a:solidFill>
+              <a:latin typeface="Century Gothic"/>
+            </a:endParaRPr>
+          </a:p>
+          <a:p>
+            <a:pPr marL="448200" indent="-383760">
+              <a:lnSpc>
+                <a:spcPct val="100000"/>
+              </a:lnSpc>
+              <a:spcBef>
+                <a:spcPts val="601"/>
+              </a:spcBef>
+              <a:buClr>
+                <a:srgbClr val="FF388C"/>
+              </a:buClr>
+              <a:buSzPct val="80000"/>
+            </a:pPr>
+            <a:endParaRPr lang="es-ES" sz="2800" spc="-1" dirty="0">
+              <a:solidFill>
+                <a:srgbClr val="D26785"/>
+              </a:solidFill>
+              <a:latin typeface="Century Gothic"/>
+            </a:endParaRPr>
+          </a:p>
+          <a:p>
+            <a:pPr>
+              <a:lnSpc>
+                <a:spcPct val="100000"/>
+              </a:lnSpc>
+              <a:spcBef>
+                <a:spcPts val="601"/>
+              </a:spcBef>
+            </a:pPr>
+            <a:endParaRPr lang="es-ES" sz="3000" b="0" strike="noStrike" spc="-1" dirty="0">
+              <a:solidFill>
+                <a:srgbClr val="FFFFFF"/>
+              </a:solidFill>
+              <a:latin typeface="Century Gothic"/>
+            </a:endParaRPr>
+          </a:p>
+        </p:txBody>
+      </p:sp>
     </p:spTree>
   </p:cSld>
-  <mc:AlternateContent>
-    <mc:Choice Requires="p14">
-      <p:transition spd="slow" p14:dur="2000"/>
-    </mc:Choice>
-    <mc:Fallback>
-      <p:transition spd="slow"/>
-    </mc:Fallback>
-  </mc:AlternateContent>
+  <p:clrMapOvr>
+    <a:masterClrMapping/>
+  </p:clrMapOvr>
 </p:sld>
 </file>
 
 <file path=ppt/slides/slide5.xml><?xml version="1.0" encoding="utf-8"?>
-<p:sld xmlns:a="http://schemas.openxmlformats.org/drawingml/2006/main" xmlns:p="http://schemas.openxmlformats.org/presentationml/2006/main" xmlns:r="http://schemas.openxmlformats.org/officeDocument/2006/relationships" xmlns:p14="http://schemas.microsoft.com/office/powerpoint/2010/main" xmlns:p15="http://schemas.microsoft.com/office/powerpoint/2012/main" xmlns:mc="http://schemas.openxmlformats.org/markup-compatibility/2006">
+<p:sld xmlns:a="http://schemas.openxmlformats.org/drawingml/2006/main" xmlns:r="http://schemas.openxmlformats.org/officeDocument/2006/relationships" xmlns:p="http://schemas.openxmlformats.org/presentationml/2006/main">
   <p:cSld>
     <p:spTree>
       <p:nvGrpSpPr>
@@ -4626,14 +5220,14 @@
       </p:grpSpPr>
       <p:sp>
         <p:nvSpPr>
-          <p:cNvPr id="98" name="TextShape 1"/>
+          <p:cNvPr id="94" name="TextShape 1"/>
           <p:cNvSpPr txBox="1"/>
           <p:nvPr/>
         </p:nvSpPr>
         <p:spPr>
           <a:xfrm>
             <a:off x="457200" y="267480"/>
-            <a:ext cx="8229240" cy="654120"/>
+            <a:ext cx="8229240" cy="1398600"/>
           </a:xfrm>
           <a:prstGeom prst="rect">
             <a:avLst/>
@@ -4644,22 +5238,226 @@
           </a:ln>
         </p:spPr>
         <p:txBody>
-          <a:bodyPr lIns="0" rIns="0" tIns="0" bIns="0">
+          <a:bodyPr lIns="0" tIns="0" rIns="0" bIns="0" anchor="ctr">
             <a:spAutoFit/>
           </a:bodyPr>
+          <a:lstStyle/>
           <a:p>
             <a:r>
-              <a:rPr b="0" lang="es-ES" sz="4200" spc="-1" strike="noStrike">
+              <a:rPr lang="es-ES" sz="4200" b="0" strike="noStrike" spc="-1">
                 <a:solidFill>
-                  <a:srgbClr val="d26785"/>
+                  <a:srgbClr val="D26785"/>
+                </a:solidFill>
+                <a:latin typeface="Century Gothic"/>
+              </a:rPr>
+              <a:t>Estructura global del proyecto</a:t>
+            </a:r>
+            <a:endParaRPr lang="es-ES" sz="4200" b="0" strike="noStrike" spc="-1">
+              <a:solidFill>
+                <a:srgbClr val="FFFFFF"/>
+              </a:solidFill>
+              <a:latin typeface="Century Gothic"/>
+            </a:endParaRPr>
+          </a:p>
+        </p:txBody>
+      </p:sp>
+      <p:pic>
+        <p:nvPicPr>
+          <p:cNvPr id="95" name="94 Imagen"/>
+          <p:cNvPicPr/>
+          <p:nvPr/>
+        </p:nvPicPr>
+        <p:blipFill>
+          <a:blip r:embed="rId2"/>
+          <a:stretch/>
+        </p:blipFill>
+        <p:spPr>
+          <a:xfrm>
+            <a:off x="1142976" y="1643050"/>
+            <a:ext cx="6922148" cy="4974840"/>
+          </a:xfrm>
+          <a:prstGeom prst="rect">
+            <a:avLst/>
+          </a:prstGeom>
+          <a:ln>
+            <a:noFill/>
+          </a:ln>
+        </p:spPr>
+      </p:pic>
+    </p:spTree>
+  </p:cSld>
+  <p:clrMapOvr>
+    <a:masterClrMapping/>
+  </p:clrMapOvr>
+  <mc:AlternateContent xmlns:mc="http://schemas.openxmlformats.org/markup-compatibility/2006">
+    <mc:Choice xmlns:p15="http://schemas.microsoft.com/office/powerpoint/2012/main" xmlns:p14="http://schemas.microsoft.com/office/powerpoint/2010/main" xmlns="" Requires="p14">
+      <p:transition spd="slow" p14:dur="2000"/>
+    </mc:Choice>
+    <mc:Fallback>
+      <p:transition spd="slow"/>
+    </mc:Fallback>
+  </mc:AlternateContent>
+</p:sld>
+</file>
+
+<file path=ppt/slides/slide6.xml><?xml version="1.0" encoding="utf-8"?>
+<p:sld xmlns:a="http://schemas.openxmlformats.org/drawingml/2006/main" xmlns:r="http://schemas.openxmlformats.org/officeDocument/2006/relationships" xmlns:p="http://schemas.openxmlformats.org/presentationml/2006/main">
+  <p:cSld>
+    <p:spTree>
+      <p:nvGrpSpPr>
+        <p:cNvPr id="1" name=""/>
+        <p:cNvGrpSpPr/>
+        <p:nvPr/>
+      </p:nvGrpSpPr>
+      <p:grpSpPr>
+        <a:xfrm>
+          <a:off x="0" y="0"/>
+          <a:ext cx="0" cy="0"/>
+          <a:chOff x="0" y="0"/>
+          <a:chExt cx="0" cy="0"/>
+        </a:xfrm>
+      </p:grpSpPr>
+      <p:sp>
+        <p:nvSpPr>
+          <p:cNvPr id="96" name="TextShape 1"/>
+          <p:cNvSpPr txBox="1"/>
+          <p:nvPr/>
+        </p:nvSpPr>
+        <p:spPr>
+          <a:xfrm>
+            <a:off x="457200" y="267480"/>
+            <a:ext cx="8229240" cy="1398600"/>
+          </a:xfrm>
+          <a:prstGeom prst="rect">
+            <a:avLst/>
+          </a:prstGeom>
+          <a:noFill/>
+          <a:ln>
+            <a:noFill/>
+          </a:ln>
+        </p:spPr>
+        <p:txBody>
+          <a:bodyPr lIns="90000" tIns="45000" rIns="90000" bIns="45000" anchor="ctr">
+            <a:noAutofit/>
+          </a:bodyPr>
+          <a:lstStyle/>
+          <a:p>
+            <a:pPr marL="484560">
+              <a:lnSpc>
+                <a:spcPct val="100000"/>
+              </a:lnSpc>
+            </a:pPr>
+            <a:r>
+              <a:rPr lang="es-ES" sz="4200" b="0" strike="noStrike" spc="-1">
+                <a:solidFill>
+                  <a:srgbClr val="D26785"/>
+                </a:solidFill>
+                <a:latin typeface="Century Gothic"/>
+              </a:rPr>
+              <a:t>Modelo de datos</a:t>
+            </a:r>
+            <a:endParaRPr lang="es-ES" sz="4200" b="0" strike="noStrike" spc="-1">
+              <a:solidFill>
+                <a:srgbClr val="FFFFFF"/>
+              </a:solidFill>
+              <a:latin typeface="Century Gothic"/>
+            </a:endParaRPr>
+          </a:p>
+        </p:txBody>
+      </p:sp>
+      <p:pic>
+        <p:nvPicPr>
+          <p:cNvPr id="97" name="96 Imagen"/>
+          <p:cNvPicPr/>
+          <p:nvPr/>
+        </p:nvPicPr>
+        <p:blipFill>
+          <a:blip r:embed="rId2"/>
+          <a:stretch/>
+        </p:blipFill>
+        <p:spPr>
+          <a:xfrm>
+            <a:off x="1080000" y="1449720"/>
+            <a:ext cx="7063900" cy="5030280"/>
+          </a:xfrm>
+          <a:prstGeom prst="rect">
+            <a:avLst/>
+          </a:prstGeom>
+          <a:ln>
+            <a:noFill/>
+          </a:ln>
+        </p:spPr>
+      </p:pic>
+    </p:spTree>
+  </p:cSld>
+  <p:clrMapOvr>
+    <a:masterClrMapping/>
+  </p:clrMapOvr>
+  <mc:AlternateContent xmlns:mc="http://schemas.openxmlformats.org/markup-compatibility/2006">
+    <mc:Choice xmlns:p15="http://schemas.microsoft.com/office/powerpoint/2012/main" xmlns:p14="http://schemas.microsoft.com/office/powerpoint/2010/main" xmlns="" Requires="p14">
+      <p:transition spd="slow" p14:dur="2000"/>
+    </mc:Choice>
+    <mc:Fallback>
+      <p:transition spd="slow"/>
+    </mc:Fallback>
+  </mc:AlternateContent>
+</p:sld>
+</file>
+
+<file path=ppt/slides/slide7.xml><?xml version="1.0" encoding="utf-8"?>
+<p:sld xmlns:a="http://schemas.openxmlformats.org/drawingml/2006/main" xmlns:r="http://schemas.openxmlformats.org/officeDocument/2006/relationships" xmlns:p="http://schemas.openxmlformats.org/presentationml/2006/main">
+  <p:cSld>
+    <p:spTree>
+      <p:nvGrpSpPr>
+        <p:cNvPr id="1" name=""/>
+        <p:cNvGrpSpPr/>
+        <p:nvPr/>
+      </p:nvGrpSpPr>
+      <p:grpSpPr>
+        <a:xfrm>
+          <a:off x="0" y="0"/>
+          <a:ext cx="0" cy="0"/>
+          <a:chOff x="0" y="0"/>
+          <a:chExt cx="0" cy="0"/>
+        </a:xfrm>
+      </p:grpSpPr>
+      <p:sp>
+        <p:nvSpPr>
+          <p:cNvPr id="98" name="TextShape 1"/>
+          <p:cNvSpPr txBox="1"/>
+          <p:nvPr/>
+        </p:nvSpPr>
+        <p:spPr>
+          <a:xfrm>
+            <a:off x="457200" y="267480"/>
+            <a:ext cx="8229240" cy="654120"/>
+          </a:xfrm>
+          <a:prstGeom prst="rect">
+            <a:avLst/>
+          </a:prstGeom>
+          <a:noFill/>
+          <a:ln>
+            <a:noFill/>
+          </a:ln>
+        </p:spPr>
+        <p:txBody>
+          <a:bodyPr lIns="0" tIns="0" rIns="0" bIns="0">
+            <a:spAutoFit/>
+          </a:bodyPr>
+          <a:lstStyle/>
+          <a:p>
+            <a:r>
+              <a:rPr lang="es-ES" sz="4200" b="0" strike="noStrike" spc="-1">
+                <a:solidFill>
+                  <a:srgbClr val="D26785"/>
                 </a:solidFill>
                 <a:latin typeface="Century Gothic"/>
               </a:rPr>
               <a:t>Modelización de clases</a:t>
             </a:r>
-            <a:endParaRPr b="0" lang="es-ES" sz="4200" spc="-1" strike="noStrike">
-              <a:solidFill>
-                <a:srgbClr val="d26785"/>
+            <a:endParaRPr lang="es-ES" sz="4200" b="0" strike="noStrike" spc="-1">
+              <a:solidFill>
+                <a:srgbClr val="D26785"/>
               </a:solidFill>
               <a:latin typeface="Century Gothic"/>
               <a:ea typeface="Microsoft YaHei"/>
@@ -4669,12 +5467,12 @@
       </p:sp>
       <p:pic>
         <p:nvPicPr>
-          <p:cNvPr id="99" name="" descr=""/>
+          <p:cNvPr id="99" name="98 Imagen"/>
           <p:cNvPicPr/>
           <p:nvPr/>
         </p:nvPicPr>
         <p:blipFill>
-          <a:blip r:embed="rId1"/>
+          <a:blip r:embed="rId2" cstate="print"/>
           <a:stretch/>
         </p:blipFill>
         <p:spPr>
@@ -4692,8 +5490,11 @@
       </p:pic>
     </p:spTree>
   </p:cSld>
-  <mc:AlternateContent>
-    <mc:Choice Requires="p14">
+  <p:clrMapOvr>
+    <a:masterClrMapping/>
+  </p:clrMapOvr>
+  <mc:AlternateContent xmlns:mc="http://schemas.openxmlformats.org/markup-compatibility/2006">
+    <mc:Choice xmlns:p15="http://schemas.microsoft.com/office/powerpoint/2012/main" xmlns:p14="http://schemas.microsoft.com/office/powerpoint/2010/main" xmlns="" Requires="p14">
       <p:transition spd="slow" p14:dur="2000"/>
     </mc:Choice>
     <mc:Fallback>
@@ -4717,31 +5518,31 @@
         <a:srgbClr val="666666"/>
       </a:dk2>
       <a:lt2>
-        <a:srgbClr val="d2d2d2"/>
+        <a:srgbClr val="D2D2D2"/>
       </a:lt2>
       <a:accent1>
-        <a:srgbClr val="ff388c"/>
+        <a:srgbClr val="FF388C"/>
       </a:accent1>
       <a:accent2>
-        <a:srgbClr val="e40059"/>
+        <a:srgbClr val="E40059"/>
       </a:accent2>
       <a:accent3>
-        <a:srgbClr val="9c007f"/>
+        <a:srgbClr val="9C007F"/>
       </a:accent3>
       <a:accent4>
-        <a:srgbClr val="68007f"/>
+        <a:srgbClr val="68007F"/>
       </a:accent4>
       <a:accent5>
-        <a:srgbClr val="005bd3"/>
+        <a:srgbClr val="005BD3"/>
       </a:accent5>
       <a:accent6>
-        <a:srgbClr val="00349e"/>
+        <a:srgbClr val="00349E"/>
       </a:accent6>
       <a:hlink>
-        <a:srgbClr val="17bbfd"/>
+        <a:srgbClr val="17BBFD"/>
       </a:hlink>
       <a:folHlink>
-        <a:srgbClr val="ff79c2"/>
+        <a:srgbClr val="FF79C2"/>
       </a:folHlink>
     </a:clrScheme>
     <a:fontScheme name="Office">
@@ -4923,6 +5724,8 @@
       </a:bgFillStyleLst>
     </a:fmtScheme>
   </a:themeElements>
+  <a:objectDefaults/>
+  <a:extraClrSchemeLst/>
 </a:theme>
 </file>
 
@@ -4940,31 +5743,31 @@
         <a:srgbClr val="666666"/>
       </a:dk2>
       <a:lt2>
-        <a:srgbClr val="d2d2d2"/>
+        <a:srgbClr val="D2D2D2"/>
       </a:lt2>
       <a:accent1>
-        <a:srgbClr val="ff388c"/>
+        <a:srgbClr val="FF388C"/>
       </a:accent1>
       <a:accent2>
-        <a:srgbClr val="e40059"/>
+        <a:srgbClr val="E40059"/>
       </a:accent2>
       <a:accent3>
-        <a:srgbClr val="9c007f"/>
+        <a:srgbClr val="9C007F"/>
       </a:accent3>
       <a:accent4>
-        <a:srgbClr val="68007f"/>
+        <a:srgbClr val="68007F"/>
       </a:accent4>
       <a:accent5>
-        <a:srgbClr val="005bd3"/>
+        <a:srgbClr val="005BD3"/>
       </a:accent5>
       <a:accent6>
-        <a:srgbClr val="00349e"/>
+        <a:srgbClr val="00349E"/>
       </a:accent6>
       <a:hlink>
-        <a:srgbClr val="17bbfd"/>
+        <a:srgbClr val="17BBFD"/>
       </a:hlink>
       <a:folHlink>
-        <a:srgbClr val="ff79c2"/>
+        <a:srgbClr val="FF79C2"/>
       </a:folHlink>
     </a:clrScheme>
     <a:fontScheme name="Office">
@@ -5146,5 +5949,7 @@
       </a:bgFillStyleLst>
     </a:fmtScheme>
   </a:themeElements>
+  <a:objectDefaults/>
+  <a:extraClrSchemeLst/>
 </a:theme>
 </file>
--- a/Presentación/Proyecto fin de curso.pptx
+++ b/Presentación/Proyecto fin de curso.pptx
@@ -13,6 +13,8 @@
     <p:sldId id="258" r:id="rId7"/>
     <p:sldId id="259" r:id="rId8"/>
     <p:sldId id="260" r:id="rId9"/>
+    <p:sldId id="263" r:id="rId10"/>
+    <p:sldId id="264" r:id="rId11"/>
   </p:sldIdLst>
   <p:sldSz cx="9144000" cy="6858000" type="screen4x3"/>
   <p:notesSz cx="7559675" cy="10691813"/>
@@ -4260,8 +4262,8 @@
         </p:nvSpPr>
         <p:spPr>
           <a:xfrm>
-            <a:off x="540720" y="776160"/>
-            <a:ext cx="8062560" cy="1469520"/>
+            <a:off x="428596" y="500042"/>
+            <a:ext cx="8062560" cy="816944"/>
           </a:xfrm>
           <a:prstGeom prst="rect">
             <a:avLst/>
@@ -4277,7 +4279,7 @@
           </a:bodyPr>
           <a:lstStyle/>
           <a:p>
-            <a:pPr marL="484560" algn="r">
+            <a:pPr marL="484560" algn="ctr">
               <a:lnSpc>
                 <a:spcPct val="100000"/>
               </a:lnSpc>
@@ -4331,7 +4333,7 @@
               </a:lnSpc>
             </a:pPr>
             <a:r>
-              <a:rPr lang="es-ES" sz="3000" b="0" strike="noStrike" spc="-1">
+              <a:rPr lang="es-ES" sz="3000" b="0" strike="noStrike" spc="-1" dirty="0">
                 <a:solidFill>
                   <a:srgbClr val="FFFFFF"/>
                 </a:solidFill>
@@ -4339,7 +4341,7 @@
               </a:rPr>
               <a:t>Aplicación web para el control y seguimiento de valores bursátiles</a:t>
             </a:r>
-            <a:endParaRPr lang="es-ES" sz="3000" b="0" strike="noStrike" spc="-1">
+            <a:endParaRPr lang="es-ES" sz="3000" b="0" strike="noStrike" spc="-1" dirty="0">
               <a:latin typeface="Arial"/>
             </a:endParaRPr>
           </a:p>
@@ -4357,7 +4359,7 @@
         </p:blipFill>
         <p:spPr>
           <a:xfrm>
-            <a:off x="2428200" y="3456000"/>
+            <a:off x="2786050" y="2928934"/>
             <a:ext cx="3547800" cy="3096000"/>
           </a:xfrm>
           <a:prstGeom prst="rect">
@@ -4368,13 +4370,61 @@
           </a:ln>
         </p:spPr>
       </p:pic>
+      <p:sp>
+        <p:nvSpPr>
+          <p:cNvPr id="5" name="TextShape 1"/>
+          <p:cNvSpPr txBox="1"/>
+          <p:nvPr/>
+        </p:nvSpPr>
+        <p:spPr>
+          <a:xfrm>
+            <a:off x="500034" y="1714488"/>
+            <a:ext cx="8062560" cy="816944"/>
+          </a:xfrm>
+          <a:prstGeom prst="rect">
+            <a:avLst/>
+          </a:prstGeom>
+          <a:noFill/>
+          <a:ln>
+            <a:noFill/>
+          </a:ln>
+        </p:spPr>
+        <p:txBody>
+          <a:bodyPr lIns="90000" tIns="45000" rIns="90000" bIns="45000" anchor="b">
+            <a:noAutofit/>
+          </a:bodyPr>
+          <a:lstStyle/>
+          <a:p>
+            <a:pPr marL="484560" algn="ctr">
+              <a:lnSpc>
+                <a:spcPct val="100000"/>
+              </a:lnSpc>
+            </a:pPr>
+            <a:r>
+              <a:rPr lang="es-ES" sz="4400" b="0" strike="noStrike" spc="-1" dirty="0" err="1" smtClean="0">
+                <a:solidFill>
+                  <a:srgbClr val="D26785"/>
+                </a:solidFill>
+                <a:latin typeface="Century Gothic"/>
+              </a:rPr>
+              <a:t>Appvalores</a:t>
+            </a:r>
+            <a:endParaRPr lang="es-ES" sz="4400" b="0" strike="noStrike" spc="-1" dirty="0">
+              <a:solidFill>
+                <a:srgbClr val="FFFFFF"/>
+              </a:solidFill>
+              <a:latin typeface="Century Gothic"/>
+            </a:endParaRPr>
+          </a:p>
+        </p:txBody>
+      </p:sp>
     </p:spTree>
   </p:cSld>
   <p:clrMapOvr>
     <a:masterClrMapping/>
   </p:clrMapOvr>
   <mc:AlternateContent xmlns:mc="http://schemas.openxmlformats.org/markup-compatibility/2006">
-    <mc:Choice xmlns:p15="http://schemas.microsoft.com/office/powerpoint/2012/main" xmlns:p14="http://schemas.microsoft.com/office/powerpoint/2010/main" xmlns="" Requires="p14">
+    <mc:Choice xmlns="" xmlns:p14="http://schemas.microsoft.com/office/powerpoint/2010/main" xmlns:p15="http://schemas.microsoft.com/office/powerpoint/2012/main" Requires="p14">
       <p:transition spd="slow" p14:dur="2000"/>
     </mc:Choice>
     <mc:Fallback>
@@ -4597,7 +4647,7 @@
     <a:masterClrMapping/>
   </p:clrMapOvr>
   <mc:AlternateContent xmlns:mc="http://schemas.openxmlformats.org/markup-compatibility/2006">
-    <mc:Choice xmlns:p15="http://schemas.microsoft.com/office/powerpoint/2012/main" xmlns:p14="http://schemas.microsoft.com/office/powerpoint/2010/main" xmlns="" Requires="p14">
+    <mc:Choice xmlns="" xmlns:p14="http://schemas.microsoft.com/office/powerpoint/2010/main" xmlns:p15="http://schemas.microsoft.com/office/powerpoint/2012/main" Requires="p14">
       <p:transition spd="slow" p14:dur="2000"/>
     </mc:Choice>
     <mc:Fallback>
@@ -4675,14 +4725,6 @@
               </a:rPr>
               <a:t>previo</a:t>
             </a:r>
-            <a:endParaRPr lang="es-ES" sz="4200" kern="1200" spc="-1" dirty="0">
-              <a:solidFill>
-                <a:srgbClr val="D26785"/>
-              </a:solidFill>
-              <a:latin typeface="Century Gothic"/>
-              <a:ea typeface="+mn-ea"/>
-              <a:cs typeface="+mn-cs"/>
-            </a:endParaRPr>
           </a:p>
         </p:txBody>
       </p:sp>
@@ -5226,8 +5268,8 @@
         </p:nvSpPr>
         <p:spPr>
           <a:xfrm>
-            <a:off x="457200" y="267480"/>
-            <a:ext cx="8229240" cy="1398600"/>
+            <a:off x="428596" y="357166"/>
+            <a:ext cx="8229240" cy="646331"/>
           </a:xfrm>
           <a:prstGeom prst="rect">
             <a:avLst/>
@@ -5238,13 +5280,13 @@
           </a:ln>
         </p:spPr>
         <p:txBody>
-          <a:bodyPr lIns="0" tIns="0" rIns="0" bIns="0" anchor="ctr">
+          <a:bodyPr wrap="square" lIns="0" tIns="0" rIns="0" bIns="0" anchor="ctr">
             <a:spAutoFit/>
           </a:bodyPr>
           <a:lstStyle/>
           <a:p>
             <a:r>
-              <a:rPr lang="es-ES" sz="4200" b="0" strike="noStrike" spc="-1">
+              <a:rPr lang="es-ES" sz="4200" b="0" strike="noStrike" spc="-1" dirty="0">
                 <a:solidFill>
                   <a:srgbClr val="D26785"/>
                 </a:solidFill>
@@ -5252,7 +5294,7 @@
               </a:rPr>
               <a:t>Estructura global del proyecto</a:t>
             </a:r>
-            <a:endParaRPr lang="es-ES" sz="4200" b="0" strike="noStrike" spc="-1">
+            <a:endParaRPr lang="es-ES" sz="4200" b="0" strike="noStrike" spc="-1" dirty="0">
               <a:solidFill>
                 <a:srgbClr val="FFFFFF"/>
               </a:solidFill>
@@ -5273,8 +5315,8 @@
         </p:blipFill>
         <p:spPr>
           <a:xfrm>
-            <a:off x="1142976" y="1643050"/>
-            <a:ext cx="6922148" cy="4974840"/>
+            <a:off x="500034" y="1142984"/>
+            <a:ext cx="7858180" cy="5429288"/>
           </a:xfrm>
           <a:prstGeom prst="rect">
             <a:avLst/>
@@ -5290,7 +5332,7 @@
     <a:masterClrMapping/>
   </p:clrMapOvr>
   <mc:AlternateContent xmlns:mc="http://schemas.openxmlformats.org/markup-compatibility/2006">
-    <mc:Choice xmlns:p15="http://schemas.microsoft.com/office/powerpoint/2012/main" xmlns:p14="http://schemas.microsoft.com/office/powerpoint/2010/main" xmlns="" Requires="p14">
+    <mc:Choice xmlns="" xmlns:p14="http://schemas.microsoft.com/office/powerpoint/2010/main" xmlns:p15="http://schemas.microsoft.com/office/powerpoint/2012/main" Requires="p14">
       <p:transition spd="slow" p14:dur="2000"/>
     </mc:Choice>
     <mc:Fallback>
@@ -5325,8 +5367,8 @@
         </p:nvSpPr>
         <p:spPr>
           <a:xfrm>
-            <a:off x="457200" y="267480"/>
-            <a:ext cx="8229240" cy="1398600"/>
+            <a:off x="428596" y="357166"/>
+            <a:ext cx="8229240" cy="951724"/>
           </a:xfrm>
           <a:prstGeom prst="rect">
             <a:avLst/>
@@ -5348,7 +5390,7 @@
               </a:lnSpc>
             </a:pPr>
             <a:r>
-              <a:rPr lang="es-ES" sz="4200" b="0" strike="noStrike" spc="-1">
+              <a:rPr lang="es-ES" sz="4200" b="0" strike="noStrike" spc="-1" dirty="0">
                 <a:solidFill>
                   <a:srgbClr val="D26785"/>
                 </a:solidFill>
@@ -5356,7 +5398,7 @@
               </a:rPr>
               <a:t>Modelo de datos</a:t>
             </a:r>
-            <a:endParaRPr lang="es-ES" sz="4200" b="0" strike="noStrike" spc="-1">
+            <a:endParaRPr lang="es-ES" sz="4200" b="0" strike="noStrike" spc="-1" dirty="0">
               <a:solidFill>
                 <a:srgbClr val="FFFFFF"/>
               </a:solidFill>
@@ -5377,8 +5419,8 @@
         </p:blipFill>
         <p:spPr>
           <a:xfrm>
-            <a:off x="1080000" y="1449720"/>
-            <a:ext cx="7063900" cy="5030280"/>
+            <a:off x="500034" y="1428736"/>
+            <a:ext cx="7286676" cy="5072098"/>
           </a:xfrm>
           <a:prstGeom prst="rect">
             <a:avLst/>
@@ -5394,7 +5436,7 @@
     <a:masterClrMapping/>
   </p:clrMapOvr>
   <mc:AlternateContent xmlns:mc="http://schemas.openxmlformats.org/markup-compatibility/2006">
-    <mc:Choice xmlns:p15="http://schemas.microsoft.com/office/powerpoint/2012/main" xmlns:p14="http://schemas.microsoft.com/office/powerpoint/2010/main" xmlns="" Requires="p14">
+    <mc:Choice xmlns="" xmlns:p14="http://schemas.microsoft.com/office/powerpoint/2010/main" xmlns:p15="http://schemas.microsoft.com/office/powerpoint/2012/main" Requires="p14">
       <p:transition spd="slow" p14:dur="2000"/>
     </mc:Choice>
     <mc:Fallback>
@@ -5447,7 +5489,7 @@
           <a:lstStyle/>
           <a:p>
             <a:r>
-              <a:rPr lang="es-ES" sz="4200" b="0" strike="noStrike" spc="-1">
+              <a:rPr lang="es-ES" sz="4200" b="0" strike="noStrike" spc="-1" dirty="0">
                 <a:solidFill>
                   <a:srgbClr val="D26785"/>
                 </a:solidFill>
@@ -5455,7 +5497,7 @@
               </a:rPr>
               <a:t>Modelización de clases</a:t>
             </a:r>
-            <a:endParaRPr lang="es-ES" sz="4200" b="0" strike="noStrike" spc="-1">
+            <a:endParaRPr lang="es-ES" sz="4200" b="0" strike="noStrike" spc="-1" dirty="0">
               <a:solidFill>
                 <a:srgbClr val="D26785"/>
               </a:solidFill>
@@ -5494,13 +5536,957 @@
     <a:masterClrMapping/>
   </p:clrMapOvr>
   <mc:AlternateContent xmlns:mc="http://schemas.openxmlformats.org/markup-compatibility/2006">
-    <mc:Choice xmlns:p15="http://schemas.microsoft.com/office/powerpoint/2012/main" xmlns:p14="http://schemas.microsoft.com/office/powerpoint/2010/main" xmlns="" Requires="p14">
+    <mc:Choice xmlns="" xmlns:p14="http://schemas.microsoft.com/office/powerpoint/2010/main" xmlns:p15="http://schemas.microsoft.com/office/powerpoint/2012/main" Requires="p14">
       <p:transition spd="slow" p14:dur="2000"/>
     </mc:Choice>
     <mc:Fallback>
       <p:transition spd="slow"/>
     </mc:Fallback>
   </mc:AlternateContent>
+</p:sld>
+</file>
+
+<file path=ppt/slides/slide8.xml><?xml version="1.0" encoding="utf-8"?>
+<p:sld xmlns:a="http://schemas.openxmlformats.org/drawingml/2006/main" xmlns:r="http://schemas.openxmlformats.org/officeDocument/2006/relationships" xmlns:p="http://schemas.openxmlformats.org/presentationml/2006/main">
+  <p:cSld>
+    <p:spTree>
+      <p:nvGrpSpPr>
+        <p:cNvPr id="1" name=""/>
+        <p:cNvGrpSpPr/>
+        <p:nvPr/>
+      </p:nvGrpSpPr>
+      <p:grpSpPr>
+        <a:xfrm>
+          <a:off x="0" y="0"/>
+          <a:ext cx="0" cy="0"/>
+          <a:chOff x="0" y="0"/>
+          <a:chExt cx="0" cy="0"/>
+        </a:xfrm>
+      </p:grpSpPr>
+      <p:sp>
+        <p:nvSpPr>
+          <p:cNvPr id="4" name="3 Marcador de texto"/>
+          <p:cNvSpPr>
+            <a:spLocks noGrp="1"/>
+          </p:cNvSpPr>
+          <p:nvPr>
+            <p:ph type="body"/>
+          </p:nvPr>
+        </p:nvSpPr>
+        <p:spPr>
+          <a:xfrm>
+            <a:off x="500034" y="1571612"/>
+            <a:ext cx="4015800" cy="2714644"/>
+          </a:xfrm>
+        </p:spPr>
+        <p:txBody>
+          <a:bodyPr>
+            <a:normAutofit lnSpcReduction="10000"/>
+          </a:bodyPr>
+          <a:lstStyle/>
+          <a:p>
+            <a:r>
+              <a:rPr lang="es-ES" sz="2800" b="1" kern="1200" spc="-1" dirty="0" err="1" smtClean="0">
+                <a:solidFill>
+                  <a:srgbClr val="D26785"/>
+                </a:solidFill>
+                <a:latin typeface="Century Gothic"/>
+                <a:ea typeface="+mn-ea"/>
+                <a:cs typeface="+mn-cs"/>
+              </a:rPr>
+              <a:t>Backend</a:t>
+            </a:r>
+            <a:endParaRPr lang="es-ES" sz="2800" b="1" kern="1200" spc="-1" dirty="0" smtClean="0">
+              <a:solidFill>
+                <a:srgbClr val="D26785"/>
+              </a:solidFill>
+              <a:latin typeface="Century Gothic"/>
+              <a:ea typeface="+mn-ea"/>
+              <a:cs typeface="+mn-cs"/>
+            </a:endParaRPr>
+          </a:p>
+          <a:p>
+            <a:endParaRPr lang="es-ES" sz="2800" kern="1200" spc="-1" dirty="0" smtClean="0">
+              <a:solidFill>
+                <a:srgbClr val="D26785"/>
+              </a:solidFill>
+              <a:latin typeface="Century Gothic"/>
+              <a:ea typeface="+mn-ea"/>
+              <a:cs typeface="+mn-cs"/>
+            </a:endParaRPr>
+          </a:p>
+          <a:p>
+            <a:pPr>
+              <a:buFont typeface="Arial" pitchFamily="34" charset="0"/>
+              <a:buChar char="•"/>
+            </a:pPr>
+            <a:r>
+              <a:rPr lang="es-ES" sz="2800" kern="1200" spc="-1" dirty="0">
+                <a:solidFill>
+                  <a:srgbClr val="D26785"/>
+                </a:solidFill>
+                <a:latin typeface="Century Gothic"/>
+                <a:ea typeface="+mn-ea"/>
+                <a:cs typeface="+mn-cs"/>
+              </a:rPr>
+              <a:t> </a:t>
+            </a:r>
+            <a:r>
+              <a:rPr lang="es-ES" sz="2800" kern="1200" spc="-1" dirty="0" smtClean="0">
+                <a:solidFill>
+                  <a:srgbClr val="D26785"/>
+                </a:solidFill>
+                <a:latin typeface="Century Gothic"/>
+                <a:ea typeface="+mn-ea"/>
+                <a:cs typeface="+mn-cs"/>
+              </a:rPr>
+              <a:t>Transacciones Spring</a:t>
+            </a:r>
+          </a:p>
+          <a:p>
+            <a:pPr>
+              <a:buFont typeface="Arial" pitchFamily="34" charset="0"/>
+              <a:buChar char="•"/>
+            </a:pPr>
+            <a:r>
+              <a:rPr lang="es-ES" sz="2800" kern="1200" spc="-1" dirty="0">
+                <a:solidFill>
+                  <a:srgbClr val="D26785"/>
+                </a:solidFill>
+                <a:latin typeface="Century Gothic"/>
+                <a:ea typeface="+mn-ea"/>
+                <a:cs typeface="+mn-cs"/>
+              </a:rPr>
+              <a:t> </a:t>
+            </a:r>
+            <a:r>
+              <a:rPr lang="es-ES" sz="2800" kern="1200" spc="-1" dirty="0" smtClean="0">
+                <a:solidFill>
+                  <a:srgbClr val="D26785"/>
+                </a:solidFill>
+                <a:latin typeface="Century Gothic"/>
+                <a:ea typeface="+mn-ea"/>
+                <a:cs typeface="+mn-cs"/>
+              </a:rPr>
+              <a:t>Clases Id (clave)</a:t>
+            </a:r>
+          </a:p>
+          <a:p>
+            <a:pPr>
+              <a:buFont typeface="Arial" pitchFamily="34" charset="0"/>
+              <a:buChar char="•"/>
+            </a:pPr>
+            <a:r>
+              <a:rPr lang="es-ES" sz="2800" kern="1200" spc="-1" dirty="0" smtClean="0">
+                <a:solidFill>
+                  <a:srgbClr val="D26785"/>
+                </a:solidFill>
+                <a:latin typeface="Century Gothic"/>
+                <a:ea typeface="+mn-ea"/>
+                <a:cs typeface="+mn-cs"/>
+              </a:rPr>
+              <a:t> Formato de fechas</a:t>
+            </a:r>
+          </a:p>
+          <a:p>
+            <a:pPr>
+              <a:buFont typeface="Arial" pitchFamily="34" charset="0"/>
+              <a:buChar char="•"/>
+            </a:pPr>
+            <a:r>
+              <a:rPr lang="es-ES" sz="2800" kern="1200" spc="-1" dirty="0" smtClean="0">
+                <a:solidFill>
+                  <a:srgbClr val="D26785"/>
+                </a:solidFill>
+                <a:latin typeface="Century Gothic"/>
+                <a:ea typeface="+mn-ea"/>
+                <a:cs typeface="+mn-cs"/>
+              </a:rPr>
+              <a:t> Carga inicial de datos</a:t>
+            </a:r>
+            <a:endParaRPr lang="es-ES" sz="2800" kern="1200" spc="-1" dirty="0">
+              <a:solidFill>
+                <a:srgbClr val="D26785"/>
+              </a:solidFill>
+              <a:latin typeface="Century Gothic"/>
+              <a:ea typeface="+mn-ea"/>
+              <a:cs typeface="+mn-cs"/>
+            </a:endParaRPr>
+          </a:p>
+        </p:txBody>
+      </p:sp>
+      <p:sp>
+        <p:nvSpPr>
+          <p:cNvPr id="5" name="4 Marcador de texto"/>
+          <p:cNvSpPr>
+            <a:spLocks noGrp="1"/>
+          </p:cNvSpPr>
+          <p:nvPr>
+            <p:ph type="body"/>
+          </p:nvPr>
+        </p:nvSpPr>
+        <p:spPr>
+          <a:xfrm>
+            <a:off x="4643438" y="1571612"/>
+            <a:ext cx="4015800" cy="2714644"/>
+          </a:xfrm>
+        </p:spPr>
+        <p:txBody>
+          <a:bodyPr/>
+          <a:lstStyle/>
+          <a:p>
+            <a:r>
+              <a:rPr lang="es-ES" sz="2800" b="1" kern="1200" spc="-1" dirty="0" err="1" smtClean="0">
+                <a:solidFill>
+                  <a:srgbClr val="D26785"/>
+                </a:solidFill>
+                <a:latin typeface="Century Gothic"/>
+                <a:ea typeface="+mn-ea"/>
+                <a:cs typeface="+mn-cs"/>
+              </a:rPr>
+              <a:t>Frontend</a:t>
+            </a:r>
+            <a:endParaRPr lang="es-ES" sz="2800" kern="1200" spc="-1" dirty="0" smtClean="0">
+              <a:solidFill>
+                <a:srgbClr val="D26785"/>
+              </a:solidFill>
+              <a:latin typeface="Century Gothic"/>
+              <a:ea typeface="+mn-ea"/>
+              <a:cs typeface="+mn-cs"/>
+            </a:endParaRPr>
+          </a:p>
+          <a:p>
+            <a:endParaRPr lang="es-ES" sz="2800" kern="1200" spc="-1" dirty="0" smtClean="0">
+              <a:solidFill>
+                <a:srgbClr val="D26785"/>
+              </a:solidFill>
+              <a:latin typeface="Century Gothic"/>
+              <a:ea typeface="+mn-ea"/>
+              <a:cs typeface="+mn-cs"/>
+            </a:endParaRPr>
+          </a:p>
+          <a:p>
+            <a:pPr>
+              <a:buFont typeface="Arial" pitchFamily="34" charset="0"/>
+              <a:buChar char="•"/>
+            </a:pPr>
+            <a:r>
+              <a:rPr lang="es-ES" sz="2800" kern="1200" spc="-1" dirty="0" smtClean="0">
+                <a:solidFill>
+                  <a:srgbClr val="D26785"/>
+                </a:solidFill>
+                <a:latin typeface="Century Gothic"/>
+                <a:ea typeface="+mn-ea"/>
+                <a:cs typeface="+mn-cs"/>
+              </a:rPr>
+              <a:t> Llamadas a </a:t>
+            </a:r>
+            <a:r>
+              <a:rPr lang="es-ES" sz="2800" kern="1200" spc="-1" dirty="0" err="1" smtClean="0">
+                <a:solidFill>
+                  <a:srgbClr val="D26785"/>
+                </a:solidFill>
+                <a:latin typeface="Century Gothic"/>
+                <a:ea typeface="+mn-ea"/>
+                <a:cs typeface="+mn-cs"/>
+              </a:rPr>
+              <a:t>Ajax</a:t>
+            </a:r>
+            <a:endParaRPr lang="es-ES" sz="2800" kern="1200" spc="-1" dirty="0" smtClean="0">
+              <a:solidFill>
+                <a:srgbClr val="D26785"/>
+              </a:solidFill>
+              <a:latin typeface="Century Gothic"/>
+              <a:ea typeface="+mn-ea"/>
+              <a:cs typeface="+mn-cs"/>
+            </a:endParaRPr>
+          </a:p>
+          <a:p>
+            <a:pPr>
+              <a:buFont typeface="Arial" pitchFamily="34" charset="0"/>
+              <a:buChar char="•"/>
+            </a:pPr>
+            <a:r>
+              <a:rPr lang="es-ES" sz="2800" kern="1200" spc="-1" dirty="0">
+                <a:solidFill>
+                  <a:srgbClr val="D26785"/>
+                </a:solidFill>
+                <a:latin typeface="Century Gothic"/>
+                <a:ea typeface="+mn-ea"/>
+                <a:cs typeface="+mn-cs"/>
+              </a:rPr>
+              <a:t> </a:t>
+            </a:r>
+            <a:r>
+              <a:rPr lang="es-ES" sz="2800" kern="1200" spc="-1" dirty="0" smtClean="0">
+                <a:solidFill>
+                  <a:srgbClr val="D26785"/>
+                </a:solidFill>
+                <a:latin typeface="Century Gothic"/>
+                <a:ea typeface="+mn-ea"/>
+                <a:cs typeface="+mn-cs"/>
+              </a:rPr>
+              <a:t>Objeto Chart.js</a:t>
+            </a:r>
+          </a:p>
+          <a:p>
+            <a:pPr>
+              <a:buFont typeface="Arial" pitchFamily="34" charset="0"/>
+              <a:buChar char="•"/>
+            </a:pPr>
+            <a:r>
+              <a:rPr lang="es-ES" sz="2800" kern="1200" spc="-1" dirty="0">
+                <a:solidFill>
+                  <a:srgbClr val="D26785"/>
+                </a:solidFill>
+                <a:latin typeface="Century Gothic"/>
+                <a:ea typeface="+mn-ea"/>
+                <a:cs typeface="+mn-cs"/>
+              </a:rPr>
+              <a:t> </a:t>
+            </a:r>
+            <a:r>
+              <a:rPr lang="es-ES" sz="2800" kern="1200" spc="-1" dirty="0" smtClean="0">
+                <a:solidFill>
+                  <a:srgbClr val="D26785"/>
+                </a:solidFill>
+                <a:latin typeface="Century Gothic"/>
+                <a:ea typeface="+mn-ea"/>
+                <a:cs typeface="+mn-cs"/>
+              </a:rPr>
+              <a:t>Versiones </a:t>
+            </a:r>
+            <a:r>
+              <a:rPr lang="es-ES" sz="2800" kern="1200" spc="-1" dirty="0" err="1" smtClean="0">
+                <a:solidFill>
+                  <a:srgbClr val="D26785"/>
+                </a:solidFill>
+                <a:latin typeface="Century Gothic"/>
+                <a:ea typeface="+mn-ea"/>
+                <a:cs typeface="+mn-cs"/>
+              </a:rPr>
+              <a:t>Bootstrap</a:t>
+            </a:r>
+            <a:endParaRPr lang="es-ES" sz="2800" kern="1200" spc="-1" dirty="0" smtClean="0">
+              <a:solidFill>
+                <a:srgbClr val="D26785"/>
+              </a:solidFill>
+              <a:latin typeface="Century Gothic"/>
+              <a:ea typeface="+mn-ea"/>
+              <a:cs typeface="+mn-cs"/>
+            </a:endParaRPr>
+          </a:p>
+          <a:p>
+            <a:endParaRPr lang="es-ES" sz="2800" kern="1200" spc="-1" dirty="0" smtClean="0">
+              <a:solidFill>
+                <a:srgbClr val="D26785"/>
+              </a:solidFill>
+              <a:latin typeface="Century Gothic"/>
+              <a:ea typeface="+mn-ea"/>
+              <a:cs typeface="+mn-cs"/>
+            </a:endParaRPr>
+          </a:p>
+          <a:p>
+            <a:pPr>
+              <a:buFont typeface="Arial" pitchFamily="34" charset="0"/>
+              <a:buChar char="•"/>
+            </a:pPr>
+            <a:endParaRPr lang="es-ES" sz="2800" kern="1200" spc="-1" dirty="0" smtClean="0">
+              <a:solidFill>
+                <a:srgbClr val="D26785"/>
+              </a:solidFill>
+              <a:latin typeface="Century Gothic"/>
+              <a:ea typeface="+mn-ea"/>
+              <a:cs typeface="+mn-cs"/>
+            </a:endParaRPr>
+          </a:p>
+          <a:p>
+            <a:pPr>
+              <a:buFont typeface="Arial" pitchFamily="34" charset="0"/>
+              <a:buChar char="•"/>
+            </a:pPr>
+            <a:endParaRPr lang="es-ES" sz="2800" kern="1200" spc="-1" dirty="0">
+              <a:solidFill>
+                <a:srgbClr val="D26785"/>
+              </a:solidFill>
+              <a:latin typeface="Century Gothic"/>
+              <a:ea typeface="+mn-ea"/>
+              <a:cs typeface="+mn-cs"/>
+            </a:endParaRPr>
+          </a:p>
+        </p:txBody>
+      </p:sp>
+      <p:sp>
+        <p:nvSpPr>
+          <p:cNvPr id="6" name="5 Marcador de texto"/>
+          <p:cNvSpPr>
+            <a:spLocks noGrp="1"/>
+          </p:cNvSpPr>
+          <p:nvPr>
+            <p:ph type="body"/>
+          </p:nvPr>
+        </p:nvSpPr>
+        <p:spPr>
+          <a:xfrm>
+            <a:off x="357158" y="4714884"/>
+            <a:ext cx="8229240" cy="1285884"/>
+          </a:xfrm>
+        </p:spPr>
+        <p:txBody>
+          <a:bodyPr/>
+          <a:lstStyle/>
+          <a:p>
+            <a:r>
+              <a:rPr lang="es-ES" sz="2800" b="1" kern="1200" spc="-1" dirty="0" smtClean="0">
+                <a:solidFill>
+                  <a:srgbClr val="D26785"/>
+                </a:solidFill>
+                <a:latin typeface="Century Gothic"/>
+                <a:ea typeface="+mn-ea"/>
+                <a:cs typeface="+mn-cs"/>
+              </a:rPr>
+              <a:t>Despliegue</a:t>
+            </a:r>
+          </a:p>
+          <a:p>
+            <a:r>
+              <a:rPr lang="es-ES" sz="2800" kern="1200" spc="-1" dirty="0" err="1">
+                <a:solidFill>
+                  <a:srgbClr val="D26785"/>
+                </a:solidFill>
+                <a:latin typeface="Century Gothic"/>
+                <a:ea typeface="+mn-ea"/>
+                <a:cs typeface="+mn-cs"/>
+              </a:rPr>
+              <a:t>Vercel</a:t>
+            </a:r>
+            <a:r>
+              <a:rPr lang="es-ES" sz="2800" kern="1200" spc="-1" dirty="0" smtClean="0">
+                <a:solidFill>
+                  <a:srgbClr val="D26785"/>
+                </a:solidFill>
+                <a:latin typeface="Century Gothic"/>
+                <a:ea typeface="+mn-ea"/>
+                <a:cs typeface="+mn-cs"/>
+              </a:rPr>
+              <a:t> despliega sólo sobre </a:t>
+            </a:r>
+            <a:r>
+              <a:rPr lang="es-ES" sz="2800" kern="1200" spc="-1" dirty="0" err="1" smtClean="0">
+                <a:solidFill>
+                  <a:srgbClr val="D26785"/>
+                </a:solidFill>
+                <a:latin typeface="Century Gothic"/>
+                <a:ea typeface="+mn-ea"/>
+                <a:cs typeface="+mn-cs"/>
+              </a:rPr>
+              <a:t>main</a:t>
+            </a:r>
+            <a:r>
+              <a:rPr lang="es-ES" sz="2800" kern="1200" spc="-1" dirty="0" smtClean="0">
+                <a:solidFill>
+                  <a:srgbClr val="D26785"/>
+                </a:solidFill>
+                <a:latin typeface="Century Gothic"/>
+                <a:ea typeface="+mn-ea"/>
+                <a:cs typeface="+mn-cs"/>
+              </a:rPr>
+              <a:t>.</a:t>
+            </a:r>
+          </a:p>
+          <a:p>
+            <a:endParaRPr lang="es-ES" sz="2800" kern="1200" spc="-1" dirty="0" smtClean="0">
+              <a:solidFill>
+                <a:srgbClr val="D26785"/>
+              </a:solidFill>
+              <a:latin typeface="Century Gothic"/>
+              <a:ea typeface="+mn-ea"/>
+              <a:cs typeface="+mn-cs"/>
+            </a:endParaRPr>
+          </a:p>
+          <a:p>
+            <a:endParaRPr lang="es-ES" sz="2800" kern="1200" spc="-1" dirty="0" smtClean="0">
+              <a:solidFill>
+                <a:srgbClr val="D26785"/>
+              </a:solidFill>
+              <a:latin typeface="Century Gothic"/>
+              <a:ea typeface="+mn-ea"/>
+              <a:cs typeface="+mn-cs"/>
+            </a:endParaRPr>
+          </a:p>
+          <a:p>
+            <a:endParaRPr lang="es-ES" sz="2800" kern="1200" spc="-1" dirty="0">
+              <a:solidFill>
+                <a:srgbClr val="D26785"/>
+              </a:solidFill>
+              <a:latin typeface="Century Gothic"/>
+              <a:ea typeface="+mn-ea"/>
+              <a:cs typeface="+mn-cs"/>
+            </a:endParaRPr>
+          </a:p>
+        </p:txBody>
+      </p:sp>
+      <p:sp>
+        <p:nvSpPr>
+          <p:cNvPr id="2" name="1 Título"/>
+          <p:cNvSpPr>
+            <a:spLocks noGrp="1"/>
+          </p:cNvSpPr>
+          <p:nvPr>
+            <p:ph type="title"/>
+          </p:nvPr>
+        </p:nvSpPr>
+        <p:spPr>
+          <a:xfrm>
+            <a:off x="457200" y="267480"/>
+            <a:ext cx="8229240" cy="646331"/>
+          </a:xfrm>
+        </p:spPr>
+        <p:txBody>
+          <a:bodyPr/>
+          <a:lstStyle/>
+          <a:p>
+            <a:pPr algn="ctr"/>
+            <a:r>
+              <a:rPr lang="es-ES" sz="4200" kern="1200" spc="-1" dirty="0" err="1">
+                <a:solidFill>
+                  <a:srgbClr val="D26785"/>
+                </a:solidFill>
+                <a:latin typeface="Century Gothic"/>
+                <a:ea typeface="+mn-ea"/>
+                <a:cs typeface="+mn-cs"/>
+              </a:rPr>
+              <a:t>Dificulatades</a:t>
+            </a:r>
+            <a:r>
+              <a:rPr lang="es-ES" dirty="0" smtClean="0"/>
+              <a:t>  </a:t>
+            </a:r>
+            <a:r>
+              <a:rPr lang="es-ES" sz="4200" kern="1200" spc="-1" dirty="0" smtClean="0">
+                <a:solidFill>
+                  <a:srgbClr val="D26785"/>
+                </a:solidFill>
+                <a:latin typeface="Century Gothic"/>
+                <a:ea typeface="+mn-ea"/>
+                <a:cs typeface="+mn-cs"/>
+              </a:rPr>
+              <a:t>encontradas</a:t>
+            </a:r>
+            <a:endParaRPr lang="es-ES" sz="4200" kern="1200" spc="-1" dirty="0">
+              <a:solidFill>
+                <a:srgbClr val="D26785"/>
+              </a:solidFill>
+              <a:latin typeface="Century Gothic"/>
+              <a:ea typeface="+mn-ea"/>
+              <a:cs typeface="+mn-cs"/>
+            </a:endParaRPr>
+          </a:p>
+        </p:txBody>
+      </p:sp>
+    </p:spTree>
+  </p:cSld>
+  <p:clrMapOvr>
+    <a:masterClrMapping/>
+  </p:clrMapOvr>
+</p:sld>
+</file>
+
+<file path=ppt/slides/slide9.xml><?xml version="1.0" encoding="utf-8"?>
+<p:sld xmlns:a="http://schemas.openxmlformats.org/drawingml/2006/main" xmlns:r="http://schemas.openxmlformats.org/officeDocument/2006/relationships" xmlns:p="http://schemas.openxmlformats.org/presentationml/2006/main">
+  <p:cSld>
+    <p:spTree>
+      <p:nvGrpSpPr>
+        <p:cNvPr id="1" name=""/>
+        <p:cNvGrpSpPr/>
+        <p:nvPr/>
+      </p:nvGrpSpPr>
+      <p:grpSpPr>
+        <a:xfrm>
+          <a:off x="0" y="0"/>
+          <a:ext cx="0" cy="0"/>
+          <a:chOff x="0" y="0"/>
+          <a:chExt cx="0" cy="0"/>
+        </a:xfrm>
+      </p:grpSpPr>
+      <p:sp>
+        <p:nvSpPr>
+          <p:cNvPr id="4" name="3 Marcador de texto"/>
+          <p:cNvSpPr>
+            <a:spLocks noGrp="1"/>
+          </p:cNvSpPr>
+          <p:nvPr>
+            <p:ph type="body"/>
+          </p:nvPr>
+        </p:nvSpPr>
+        <p:spPr>
+          <a:xfrm>
+            <a:off x="500034" y="2928934"/>
+            <a:ext cx="4015800" cy="2714644"/>
+          </a:xfrm>
+        </p:spPr>
+        <p:txBody>
+          <a:bodyPr>
+            <a:normAutofit fontScale="85000" lnSpcReduction="10000"/>
+          </a:bodyPr>
+          <a:lstStyle/>
+          <a:p>
+            <a:r>
+              <a:rPr lang="es-ES" sz="2800" b="1" kern="1200" spc="-1" dirty="0" err="1" smtClean="0">
+                <a:solidFill>
+                  <a:srgbClr val="D26785"/>
+                </a:solidFill>
+                <a:latin typeface="Century Gothic"/>
+                <a:ea typeface="+mn-ea"/>
+                <a:cs typeface="+mn-cs"/>
+              </a:rPr>
+              <a:t>Backend</a:t>
+            </a:r>
+            <a:endParaRPr lang="es-ES" sz="2800" b="1" kern="1200" spc="-1" dirty="0" smtClean="0">
+              <a:solidFill>
+                <a:srgbClr val="D26785"/>
+              </a:solidFill>
+              <a:latin typeface="Century Gothic"/>
+              <a:ea typeface="+mn-ea"/>
+              <a:cs typeface="+mn-cs"/>
+            </a:endParaRPr>
+          </a:p>
+          <a:p>
+            <a:endParaRPr lang="es-ES" sz="2800" kern="1200" spc="-1" dirty="0" smtClean="0">
+              <a:solidFill>
+                <a:srgbClr val="D26785"/>
+              </a:solidFill>
+              <a:latin typeface="Century Gothic"/>
+              <a:ea typeface="+mn-ea"/>
+              <a:cs typeface="+mn-cs"/>
+            </a:endParaRPr>
+          </a:p>
+          <a:p>
+            <a:pPr>
+              <a:buFont typeface="Arial" pitchFamily="34" charset="0"/>
+              <a:buChar char="•"/>
+            </a:pPr>
+            <a:r>
+              <a:rPr lang="es-ES" sz="2800" kern="1200" spc="-1" dirty="0">
+                <a:solidFill>
+                  <a:srgbClr val="D26785"/>
+                </a:solidFill>
+                <a:latin typeface="Century Gothic"/>
+                <a:ea typeface="+mn-ea"/>
+                <a:cs typeface="+mn-cs"/>
+              </a:rPr>
+              <a:t> </a:t>
+            </a:r>
+            <a:r>
+              <a:rPr lang="es-ES" sz="2800" kern="1200" spc="-1" dirty="0" smtClean="0">
+                <a:solidFill>
+                  <a:srgbClr val="D26785"/>
+                </a:solidFill>
+                <a:latin typeface="Century Gothic"/>
+                <a:ea typeface="+mn-ea"/>
+                <a:cs typeface="+mn-cs"/>
+              </a:rPr>
+              <a:t>Consultas JPA deben devolver un objeto</a:t>
+            </a:r>
+          </a:p>
+          <a:p>
+            <a:pPr>
+              <a:buFont typeface="Arial" pitchFamily="34" charset="0"/>
+              <a:buChar char="•"/>
+            </a:pPr>
+            <a:r>
+              <a:rPr lang="es-ES" sz="2800" kern="1200" spc="-1" dirty="0">
+                <a:solidFill>
+                  <a:srgbClr val="D26785"/>
+                </a:solidFill>
+                <a:latin typeface="Century Gothic"/>
+                <a:ea typeface="+mn-ea"/>
+                <a:cs typeface="+mn-cs"/>
+              </a:rPr>
+              <a:t> </a:t>
+            </a:r>
+            <a:r>
+              <a:rPr lang="es-ES" sz="2800" kern="1200" spc="-1" dirty="0" smtClean="0">
+                <a:solidFill>
+                  <a:srgbClr val="D26785"/>
+                </a:solidFill>
+                <a:latin typeface="Century Gothic"/>
+                <a:ea typeface="+mn-ea"/>
+                <a:cs typeface="+mn-cs"/>
+              </a:rPr>
+              <a:t>Interfaces separadas</a:t>
+            </a:r>
+          </a:p>
+          <a:p>
+            <a:pPr>
+              <a:buFont typeface="Arial" pitchFamily="34" charset="0"/>
+              <a:buChar char="•"/>
+            </a:pPr>
+            <a:r>
+              <a:rPr lang="es-ES" sz="2800" kern="1200" spc="-1" dirty="0" smtClean="0">
+                <a:solidFill>
+                  <a:srgbClr val="D26785"/>
+                </a:solidFill>
+                <a:latin typeface="Century Gothic"/>
+                <a:ea typeface="+mn-ea"/>
+                <a:cs typeface="+mn-cs"/>
+              </a:rPr>
+              <a:t> Formato de fechas</a:t>
+            </a:r>
+          </a:p>
+          <a:p>
+            <a:pPr>
+              <a:buFont typeface="Arial" pitchFamily="34" charset="0"/>
+              <a:buChar char="•"/>
+            </a:pPr>
+            <a:r>
+              <a:rPr lang="es-ES" sz="2800" kern="1200" spc="-1" dirty="0" smtClean="0">
+                <a:solidFill>
+                  <a:srgbClr val="D26785"/>
+                </a:solidFill>
+                <a:latin typeface="Century Gothic"/>
+                <a:ea typeface="+mn-ea"/>
+                <a:cs typeface="+mn-cs"/>
+              </a:rPr>
+              <a:t> JPA administra las claves y relaciones en la BB.DD.</a:t>
+            </a:r>
+            <a:endParaRPr lang="es-ES" sz="2800" kern="1200" spc="-1" dirty="0">
+              <a:solidFill>
+                <a:srgbClr val="D26785"/>
+              </a:solidFill>
+              <a:latin typeface="Century Gothic"/>
+              <a:ea typeface="+mn-ea"/>
+              <a:cs typeface="+mn-cs"/>
+            </a:endParaRPr>
+          </a:p>
+        </p:txBody>
+      </p:sp>
+      <p:sp>
+        <p:nvSpPr>
+          <p:cNvPr id="5" name="4 Marcador de texto"/>
+          <p:cNvSpPr>
+            <a:spLocks noGrp="1"/>
+          </p:cNvSpPr>
+          <p:nvPr>
+            <p:ph type="body"/>
+          </p:nvPr>
+        </p:nvSpPr>
+        <p:spPr>
+          <a:xfrm>
+            <a:off x="4643438" y="2857496"/>
+            <a:ext cx="4015800" cy="2585323"/>
+          </a:xfrm>
+        </p:spPr>
+        <p:txBody>
+          <a:bodyPr/>
+          <a:lstStyle/>
+          <a:p>
+            <a:r>
+              <a:rPr lang="es-ES" sz="2800" b="1" kern="1200" spc="-1" dirty="0" err="1">
+                <a:solidFill>
+                  <a:srgbClr val="D26785"/>
+                </a:solidFill>
+                <a:latin typeface="Century Gothic"/>
+              </a:rPr>
+              <a:t>Frontend</a:t>
+            </a:r>
+            <a:endParaRPr lang="es-ES" sz="2800" kern="1200" spc="-1" dirty="0" smtClean="0">
+              <a:solidFill>
+                <a:srgbClr val="D26785"/>
+              </a:solidFill>
+              <a:latin typeface="Century Gothic"/>
+              <a:ea typeface="+mn-ea"/>
+              <a:cs typeface="+mn-cs"/>
+            </a:endParaRPr>
+          </a:p>
+          <a:p>
+            <a:endParaRPr lang="es-ES" sz="2800" kern="1200" spc="-1" dirty="0" smtClean="0">
+              <a:solidFill>
+                <a:srgbClr val="D26785"/>
+              </a:solidFill>
+              <a:latin typeface="Century Gothic"/>
+              <a:ea typeface="+mn-ea"/>
+              <a:cs typeface="+mn-cs"/>
+            </a:endParaRPr>
+          </a:p>
+          <a:p>
+            <a:pPr>
+              <a:buFont typeface="Arial" pitchFamily="34" charset="0"/>
+              <a:buChar char="•"/>
+            </a:pPr>
+            <a:r>
+              <a:rPr lang="es-ES" sz="2800" kern="1200" spc="-1" dirty="0" smtClean="0">
+                <a:solidFill>
+                  <a:srgbClr val="D26785"/>
+                </a:solidFill>
+                <a:latin typeface="Century Gothic"/>
+                <a:ea typeface="+mn-ea"/>
+                <a:cs typeface="+mn-cs"/>
+              </a:rPr>
+              <a:t> Uso correcto de la API (dependencias)</a:t>
+            </a:r>
+          </a:p>
+          <a:p>
+            <a:pPr>
+              <a:buFont typeface="Arial" pitchFamily="34" charset="0"/>
+              <a:buChar char="•"/>
+            </a:pPr>
+            <a:r>
+              <a:rPr lang="es-ES" sz="2800" kern="1200" spc="-1" dirty="0">
+                <a:solidFill>
+                  <a:srgbClr val="D26785"/>
+                </a:solidFill>
+                <a:latin typeface="Century Gothic"/>
+                <a:ea typeface="+mn-ea"/>
+                <a:cs typeface="+mn-cs"/>
+              </a:rPr>
+              <a:t> </a:t>
+            </a:r>
+            <a:r>
+              <a:rPr lang="es-ES" sz="2800" kern="1200" spc="-1" dirty="0" smtClean="0">
+                <a:solidFill>
+                  <a:srgbClr val="D26785"/>
+                </a:solidFill>
+                <a:latin typeface="Century Gothic"/>
+                <a:ea typeface="+mn-ea"/>
+                <a:cs typeface="+mn-cs"/>
+              </a:rPr>
+              <a:t>Versiones de componentes</a:t>
+            </a:r>
+          </a:p>
+        </p:txBody>
+      </p:sp>
+      <p:sp>
+        <p:nvSpPr>
+          <p:cNvPr id="6" name="5 Marcador de texto"/>
+          <p:cNvSpPr>
+            <a:spLocks noGrp="1"/>
+          </p:cNvSpPr>
+          <p:nvPr>
+            <p:ph type="body"/>
+          </p:nvPr>
+        </p:nvSpPr>
+        <p:spPr>
+          <a:xfrm>
+            <a:off x="571472" y="1071546"/>
+            <a:ext cx="8229240" cy="1292662"/>
+          </a:xfrm>
+        </p:spPr>
+        <p:txBody>
+          <a:bodyPr/>
+          <a:lstStyle/>
+          <a:p>
+            <a:r>
+              <a:rPr lang="es-ES" sz="2800" b="1" kern="1200" spc="-1" dirty="0" smtClean="0">
+                <a:solidFill>
+                  <a:srgbClr val="D26785"/>
+                </a:solidFill>
+                <a:latin typeface="Century Gothic"/>
+              </a:rPr>
+              <a:t>Generales</a:t>
+            </a:r>
+            <a:endParaRPr lang="es-ES" sz="2800" b="1" kern="1200" spc="-1" dirty="0">
+              <a:solidFill>
+                <a:srgbClr val="D26785"/>
+              </a:solidFill>
+              <a:latin typeface="Century Gothic"/>
+            </a:endParaRPr>
+          </a:p>
+          <a:p>
+            <a:pPr>
+              <a:buFont typeface="Arial" pitchFamily="34" charset="0"/>
+              <a:buChar char="•"/>
+            </a:pPr>
+            <a:r>
+              <a:rPr lang="es-ES" sz="2800" kern="1200" spc="-1" dirty="0" smtClean="0">
+                <a:solidFill>
+                  <a:srgbClr val="D26785"/>
+                </a:solidFill>
+                <a:latin typeface="Century Gothic"/>
+                <a:ea typeface="+mn-ea"/>
+                <a:cs typeface="+mn-cs"/>
+              </a:rPr>
+              <a:t> La primera solución no es la mejor.</a:t>
+            </a:r>
+          </a:p>
+          <a:p>
+            <a:pPr>
+              <a:buFont typeface="Arial" pitchFamily="34" charset="0"/>
+              <a:buChar char="•"/>
+            </a:pPr>
+            <a:r>
+              <a:rPr lang="es-ES" sz="2800" kern="1200" spc="-1" dirty="0">
+                <a:solidFill>
+                  <a:srgbClr val="D26785"/>
+                </a:solidFill>
+                <a:latin typeface="Century Gothic"/>
+                <a:ea typeface="+mn-ea"/>
+                <a:cs typeface="+mn-cs"/>
+              </a:rPr>
+              <a:t> </a:t>
+            </a:r>
+            <a:r>
+              <a:rPr lang="es-ES" sz="2800" kern="1200" spc="-1" dirty="0" smtClean="0">
+                <a:solidFill>
+                  <a:srgbClr val="D26785"/>
+                </a:solidFill>
+                <a:latin typeface="Century Gothic"/>
+                <a:ea typeface="+mn-ea"/>
+                <a:cs typeface="+mn-cs"/>
+              </a:rPr>
+              <a:t>Atender las especificaciones funcionales</a:t>
+            </a:r>
+          </a:p>
+        </p:txBody>
+      </p:sp>
+      <p:sp>
+        <p:nvSpPr>
+          <p:cNvPr id="2" name="1 Título"/>
+          <p:cNvSpPr>
+            <a:spLocks noGrp="1"/>
+          </p:cNvSpPr>
+          <p:nvPr>
+            <p:ph type="title"/>
+          </p:nvPr>
+        </p:nvSpPr>
+        <p:spPr>
+          <a:xfrm>
+            <a:off x="457200" y="267480"/>
+            <a:ext cx="8229240" cy="646331"/>
+          </a:xfrm>
+        </p:spPr>
+        <p:txBody>
+          <a:bodyPr/>
+          <a:lstStyle/>
+          <a:p>
+            <a:pPr algn="ctr"/>
+            <a:r>
+              <a:rPr lang="es-ES" sz="4200" kern="1200" spc="-1" dirty="0" smtClean="0">
+                <a:solidFill>
+                  <a:srgbClr val="D26785"/>
+                </a:solidFill>
+                <a:latin typeface="Century Gothic"/>
+                <a:ea typeface="+mn-ea"/>
+                <a:cs typeface="+mn-cs"/>
+              </a:rPr>
+              <a:t>Conclusiones</a:t>
+            </a:r>
+            <a:endParaRPr lang="es-ES" sz="4200" kern="1200" spc="-1" dirty="0">
+              <a:solidFill>
+                <a:srgbClr val="D26785"/>
+              </a:solidFill>
+              <a:latin typeface="Century Gothic"/>
+              <a:ea typeface="+mn-ea"/>
+              <a:cs typeface="+mn-cs"/>
+            </a:endParaRPr>
+          </a:p>
+        </p:txBody>
+      </p:sp>
+    </p:spTree>
+  </p:cSld>
+  <p:clrMapOvr>
+    <a:masterClrMapping/>
+  </p:clrMapOvr>
 </p:sld>
 </file>
 

--- a/Presentación/Proyecto fin de curso.pptx
+++ b/Presentación/Proyecto fin de curso.pptx
@@ -13,8 +13,9 @@
     <p:sldId id="258" r:id="rId7"/>
     <p:sldId id="259" r:id="rId8"/>
     <p:sldId id="260" r:id="rId9"/>
-    <p:sldId id="263" r:id="rId10"/>
-    <p:sldId id="264" r:id="rId11"/>
+    <p:sldId id="265" r:id="rId10"/>
+    <p:sldId id="263" r:id="rId11"/>
+    <p:sldId id="264" r:id="rId12"/>
   </p:sldIdLst>
   <p:sldSz cx="9144000" cy="6858000" type="screen4x3"/>
   <p:notesSz cx="7559675" cy="10691813"/>
@@ -3445,7 +3446,7 @@
                   <a:spcPct val="100000"/>
                 </a:lnSpc>
               </a:pPr>
-              <a:t>03/06/2021</a:t>
+              <a:t>04/06/2021</a:t>
             </a:fld>
             <a:endParaRPr lang="es-ES" sz="1000" b="0" strike="noStrike" spc="-1">
               <a:latin typeface="Times New Roman"/>
@@ -4123,7 +4124,7 @@
                   <a:spcPct val="100000"/>
                 </a:lnSpc>
               </a:pPr>
-              <a:t>03/06/2021</a:t>
+              <a:t>04/06/2021</a:t>
             </a:fld>
             <a:endParaRPr lang="es-ES" sz="1000" b="0" strike="noStrike" spc="-1">
               <a:latin typeface="Times New Roman"/>
@@ -4424,13 +4425,411 @@
     <a:masterClrMapping/>
   </p:clrMapOvr>
   <mc:AlternateContent xmlns:mc="http://schemas.openxmlformats.org/markup-compatibility/2006">
-    <mc:Choice xmlns="" xmlns:p14="http://schemas.microsoft.com/office/powerpoint/2010/main" xmlns:p15="http://schemas.microsoft.com/office/powerpoint/2012/main" Requires="p14">
+    <mc:Choice xmlns:p15="http://schemas.microsoft.com/office/powerpoint/2012/main" xmlns:p14="http://schemas.microsoft.com/office/powerpoint/2010/main" xmlns="" Requires="p14">
       <p:transition spd="slow" p14:dur="2000"/>
     </mc:Choice>
     <mc:Fallback>
       <p:transition spd="slow"/>
     </mc:Fallback>
   </mc:AlternateContent>
+</p:sld>
+</file>
+
+<file path=ppt/slides/slide10.xml><?xml version="1.0" encoding="utf-8"?>
+<p:sld xmlns:a="http://schemas.openxmlformats.org/drawingml/2006/main" xmlns:r="http://schemas.openxmlformats.org/officeDocument/2006/relationships" xmlns:p="http://schemas.openxmlformats.org/presentationml/2006/main">
+  <p:cSld>
+    <p:spTree>
+      <p:nvGrpSpPr>
+        <p:cNvPr id="1" name=""/>
+        <p:cNvGrpSpPr/>
+        <p:nvPr/>
+      </p:nvGrpSpPr>
+      <p:grpSpPr>
+        <a:xfrm>
+          <a:off x="0" y="0"/>
+          <a:ext cx="0" cy="0"/>
+          <a:chOff x="0" y="0"/>
+          <a:chExt cx="0" cy="0"/>
+        </a:xfrm>
+      </p:grpSpPr>
+      <p:sp>
+        <p:nvSpPr>
+          <p:cNvPr id="4" name="3 Marcador de texto"/>
+          <p:cNvSpPr>
+            <a:spLocks noGrp="1"/>
+          </p:cNvSpPr>
+          <p:nvPr>
+            <p:ph type="body"/>
+          </p:nvPr>
+        </p:nvSpPr>
+        <p:spPr>
+          <a:xfrm>
+            <a:off x="500034" y="2928934"/>
+            <a:ext cx="4015800" cy="2714644"/>
+          </a:xfrm>
+        </p:spPr>
+        <p:txBody>
+          <a:bodyPr>
+            <a:normAutofit fontScale="85000" lnSpcReduction="10000"/>
+          </a:bodyPr>
+          <a:lstStyle/>
+          <a:p>
+            <a:r>
+              <a:rPr lang="es-ES" sz="2800" b="1" kern="1200" spc="-1" dirty="0" err="1" smtClean="0">
+                <a:solidFill>
+                  <a:srgbClr val="D26785"/>
+                </a:solidFill>
+                <a:latin typeface="Century Gothic"/>
+                <a:ea typeface="+mn-ea"/>
+                <a:cs typeface="+mn-cs"/>
+              </a:rPr>
+              <a:t>Backend</a:t>
+            </a:r>
+            <a:endParaRPr lang="es-ES" sz="2800" b="1" kern="1200" spc="-1" dirty="0" smtClean="0">
+              <a:solidFill>
+                <a:srgbClr val="D26785"/>
+              </a:solidFill>
+              <a:latin typeface="Century Gothic"/>
+              <a:ea typeface="+mn-ea"/>
+              <a:cs typeface="+mn-cs"/>
+            </a:endParaRPr>
+          </a:p>
+          <a:p>
+            <a:endParaRPr lang="es-ES" sz="2800" kern="1200" spc="-1" dirty="0" smtClean="0">
+              <a:solidFill>
+                <a:srgbClr val="D26785"/>
+              </a:solidFill>
+              <a:latin typeface="Century Gothic"/>
+              <a:ea typeface="+mn-ea"/>
+              <a:cs typeface="+mn-cs"/>
+            </a:endParaRPr>
+          </a:p>
+          <a:p>
+            <a:pPr>
+              <a:buFont typeface="Arial" pitchFamily="34" charset="0"/>
+              <a:buChar char="•"/>
+            </a:pPr>
+            <a:r>
+              <a:rPr lang="es-ES" sz="2800" kern="1200" spc="-1" dirty="0">
+                <a:solidFill>
+                  <a:srgbClr val="D26785"/>
+                </a:solidFill>
+                <a:latin typeface="Century Gothic"/>
+                <a:ea typeface="+mn-ea"/>
+                <a:cs typeface="+mn-cs"/>
+              </a:rPr>
+              <a:t> </a:t>
+            </a:r>
+            <a:r>
+              <a:rPr lang="es-ES" sz="2800" kern="1200" spc="-1" dirty="0" smtClean="0">
+                <a:solidFill>
+                  <a:srgbClr val="D26785"/>
+                </a:solidFill>
+                <a:latin typeface="Century Gothic"/>
+                <a:ea typeface="+mn-ea"/>
+                <a:cs typeface="+mn-cs"/>
+              </a:rPr>
+              <a:t>Consultas JPA deben devolver un objeto</a:t>
+            </a:r>
+          </a:p>
+          <a:p>
+            <a:pPr>
+              <a:buFont typeface="Arial" pitchFamily="34" charset="0"/>
+              <a:buChar char="•"/>
+            </a:pPr>
+            <a:r>
+              <a:rPr lang="es-ES" sz="2800" kern="1200" spc="-1" dirty="0">
+                <a:solidFill>
+                  <a:srgbClr val="D26785"/>
+                </a:solidFill>
+                <a:latin typeface="Century Gothic"/>
+                <a:ea typeface="+mn-ea"/>
+                <a:cs typeface="+mn-cs"/>
+              </a:rPr>
+              <a:t> </a:t>
+            </a:r>
+            <a:r>
+              <a:rPr lang="es-ES" sz="2800" kern="1200" spc="-1" dirty="0" smtClean="0">
+                <a:solidFill>
+                  <a:srgbClr val="D26785"/>
+                </a:solidFill>
+                <a:latin typeface="Century Gothic"/>
+                <a:ea typeface="+mn-ea"/>
+                <a:cs typeface="+mn-cs"/>
+              </a:rPr>
+              <a:t>Interfaces separadas</a:t>
+            </a:r>
+          </a:p>
+          <a:p>
+            <a:pPr>
+              <a:buFont typeface="Arial" pitchFamily="34" charset="0"/>
+              <a:buChar char="•"/>
+            </a:pPr>
+            <a:r>
+              <a:rPr lang="es-ES" sz="2800" kern="1200" spc="-1" dirty="0" smtClean="0">
+                <a:solidFill>
+                  <a:srgbClr val="D26785"/>
+                </a:solidFill>
+                <a:latin typeface="Century Gothic"/>
+                <a:ea typeface="+mn-ea"/>
+                <a:cs typeface="+mn-cs"/>
+              </a:rPr>
+              <a:t> Formato de fechas</a:t>
+            </a:r>
+          </a:p>
+          <a:p>
+            <a:pPr>
+              <a:buFont typeface="Arial" pitchFamily="34" charset="0"/>
+              <a:buChar char="•"/>
+            </a:pPr>
+            <a:r>
+              <a:rPr lang="es-ES" sz="2800" kern="1200" spc="-1" dirty="0" smtClean="0">
+                <a:solidFill>
+                  <a:srgbClr val="D26785"/>
+                </a:solidFill>
+                <a:latin typeface="Century Gothic"/>
+                <a:ea typeface="+mn-ea"/>
+                <a:cs typeface="+mn-cs"/>
+              </a:rPr>
+              <a:t> JPA administra las claves y relaciones en la BB.DD.</a:t>
+            </a:r>
+            <a:endParaRPr lang="es-ES" sz="2800" kern="1200" spc="-1" dirty="0">
+              <a:solidFill>
+                <a:srgbClr val="D26785"/>
+              </a:solidFill>
+              <a:latin typeface="Century Gothic"/>
+              <a:ea typeface="+mn-ea"/>
+              <a:cs typeface="+mn-cs"/>
+            </a:endParaRPr>
+          </a:p>
+        </p:txBody>
+      </p:sp>
+      <p:sp>
+        <p:nvSpPr>
+          <p:cNvPr id="5" name="4 Marcador de texto"/>
+          <p:cNvSpPr>
+            <a:spLocks noGrp="1"/>
+          </p:cNvSpPr>
+          <p:nvPr>
+            <p:ph type="body"/>
+          </p:nvPr>
+        </p:nvSpPr>
+        <p:spPr>
+          <a:xfrm>
+            <a:off x="4643438" y="2857496"/>
+            <a:ext cx="4015800" cy="2585323"/>
+          </a:xfrm>
+        </p:spPr>
+        <p:txBody>
+          <a:bodyPr/>
+          <a:lstStyle/>
+          <a:p>
+            <a:r>
+              <a:rPr lang="es-ES" sz="2800" b="1" kern="1200" spc="-1" dirty="0" err="1">
+                <a:solidFill>
+                  <a:srgbClr val="D26785"/>
+                </a:solidFill>
+                <a:latin typeface="Century Gothic"/>
+              </a:rPr>
+              <a:t>Frontend</a:t>
+            </a:r>
+            <a:endParaRPr lang="es-ES" sz="2800" kern="1200" spc="-1" dirty="0" smtClean="0">
+              <a:solidFill>
+                <a:srgbClr val="D26785"/>
+              </a:solidFill>
+              <a:latin typeface="Century Gothic"/>
+              <a:ea typeface="+mn-ea"/>
+              <a:cs typeface="+mn-cs"/>
+            </a:endParaRPr>
+          </a:p>
+          <a:p>
+            <a:endParaRPr lang="es-ES" sz="2800" kern="1200" spc="-1" dirty="0" smtClean="0">
+              <a:solidFill>
+                <a:srgbClr val="D26785"/>
+              </a:solidFill>
+              <a:latin typeface="Century Gothic"/>
+              <a:ea typeface="+mn-ea"/>
+              <a:cs typeface="+mn-cs"/>
+            </a:endParaRPr>
+          </a:p>
+          <a:p>
+            <a:pPr>
+              <a:buFont typeface="Arial" pitchFamily="34" charset="0"/>
+              <a:buChar char="•"/>
+            </a:pPr>
+            <a:r>
+              <a:rPr lang="es-ES" sz="2800" kern="1200" spc="-1" dirty="0" smtClean="0">
+                <a:solidFill>
+                  <a:srgbClr val="D26785"/>
+                </a:solidFill>
+                <a:latin typeface="Century Gothic"/>
+                <a:ea typeface="+mn-ea"/>
+                <a:cs typeface="+mn-cs"/>
+              </a:rPr>
+              <a:t> Uso correcto de la API (dependencias)</a:t>
+            </a:r>
+          </a:p>
+          <a:p>
+            <a:pPr>
+              <a:buFont typeface="Arial" pitchFamily="34" charset="0"/>
+              <a:buChar char="•"/>
+            </a:pPr>
+            <a:r>
+              <a:rPr lang="es-ES" sz="2800" kern="1200" spc="-1" dirty="0">
+                <a:solidFill>
+                  <a:srgbClr val="D26785"/>
+                </a:solidFill>
+                <a:latin typeface="Century Gothic"/>
+                <a:ea typeface="+mn-ea"/>
+                <a:cs typeface="+mn-cs"/>
+              </a:rPr>
+              <a:t> </a:t>
+            </a:r>
+            <a:r>
+              <a:rPr lang="es-ES" sz="2800" kern="1200" spc="-1" dirty="0" smtClean="0">
+                <a:solidFill>
+                  <a:srgbClr val="D26785"/>
+                </a:solidFill>
+                <a:latin typeface="Century Gothic"/>
+                <a:ea typeface="+mn-ea"/>
+                <a:cs typeface="+mn-cs"/>
+              </a:rPr>
+              <a:t>Versiones de componentes</a:t>
+            </a:r>
+          </a:p>
+        </p:txBody>
+      </p:sp>
+      <p:sp>
+        <p:nvSpPr>
+          <p:cNvPr id="6" name="5 Marcador de texto"/>
+          <p:cNvSpPr>
+            <a:spLocks noGrp="1"/>
+          </p:cNvSpPr>
+          <p:nvPr>
+            <p:ph type="body"/>
+          </p:nvPr>
+        </p:nvSpPr>
+        <p:spPr>
+          <a:xfrm>
+            <a:off x="571472" y="1071546"/>
+            <a:ext cx="8229240" cy="1292662"/>
+          </a:xfrm>
+        </p:spPr>
+        <p:txBody>
+          <a:bodyPr/>
+          <a:lstStyle/>
+          <a:p>
+            <a:r>
+              <a:rPr lang="es-ES" sz="2800" b="1" kern="1200" spc="-1" dirty="0" smtClean="0">
+                <a:solidFill>
+                  <a:srgbClr val="D26785"/>
+                </a:solidFill>
+                <a:latin typeface="Century Gothic"/>
+              </a:rPr>
+              <a:t>Generales</a:t>
+            </a:r>
+            <a:endParaRPr lang="es-ES" sz="2800" b="1" kern="1200" spc="-1" dirty="0">
+              <a:solidFill>
+                <a:srgbClr val="D26785"/>
+              </a:solidFill>
+              <a:latin typeface="Century Gothic"/>
+            </a:endParaRPr>
+          </a:p>
+          <a:p>
+            <a:pPr>
+              <a:buFont typeface="Arial" pitchFamily="34" charset="0"/>
+              <a:buChar char="•"/>
+            </a:pPr>
+            <a:r>
+              <a:rPr lang="es-ES" sz="2800" kern="1200" spc="-1" dirty="0" smtClean="0">
+                <a:solidFill>
+                  <a:srgbClr val="D26785"/>
+                </a:solidFill>
+                <a:latin typeface="Century Gothic"/>
+                <a:ea typeface="+mn-ea"/>
+                <a:cs typeface="+mn-cs"/>
+              </a:rPr>
+              <a:t> La primera solución no es la mejor.</a:t>
+            </a:r>
+          </a:p>
+          <a:p>
+            <a:pPr>
+              <a:buFont typeface="Arial" pitchFamily="34" charset="0"/>
+              <a:buChar char="•"/>
+            </a:pPr>
+            <a:r>
+              <a:rPr lang="es-ES" sz="2800" kern="1200" spc="-1" dirty="0">
+                <a:solidFill>
+                  <a:srgbClr val="D26785"/>
+                </a:solidFill>
+                <a:latin typeface="Century Gothic"/>
+                <a:ea typeface="+mn-ea"/>
+                <a:cs typeface="+mn-cs"/>
+              </a:rPr>
+              <a:t> </a:t>
+            </a:r>
+            <a:r>
+              <a:rPr lang="es-ES" sz="2800" kern="1200" spc="-1" dirty="0" smtClean="0">
+                <a:solidFill>
+                  <a:srgbClr val="D26785"/>
+                </a:solidFill>
+                <a:latin typeface="Century Gothic"/>
+                <a:ea typeface="+mn-ea"/>
+                <a:cs typeface="+mn-cs"/>
+              </a:rPr>
+              <a:t>Atender las especificaciones funcionales</a:t>
+            </a:r>
+          </a:p>
+        </p:txBody>
+      </p:sp>
+      <p:sp>
+        <p:nvSpPr>
+          <p:cNvPr id="2" name="1 Título"/>
+          <p:cNvSpPr>
+            <a:spLocks noGrp="1"/>
+          </p:cNvSpPr>
+          <p:nvPr>
+            <p:ph type="title"/>
+          </p:nvPr>
+        </p:nvSpPr>
+        <p:spPr>
+          <a:xfrm>
+            <a:off x="457200" y="267480"/>
+            <a:ext cx="8229240" cy="646331"/>
+          </a:xfrm>
+        </p:spPr>
+        <p:txBody>
+          <a:bodyPr/>
+          <a:lstStyle/>
+          <a:p>
+            <a:pPr algn="ctr"/>
+            <a:r>
+              <a:rPr lang="es-ES" sz="4200" kern="1200" spc="-1" dirty="0" smtClean="0">
+                <a:solidFill>
+                  <a:srgbClr val="D26785"/>
+                </a:solidFill>
+                <a:latin typeface="Century Gothic"/>
+                <a:ea typeface="+mn-ea"/>
+                <a:cs typeface="+mn-cs"/>
+              </a:rPr>
+              <a:t>Conclusiones</a:t>
+            </a:r>
+            <a:endParaRPr lang="es-ES" sz="4200" kern="1200" spc="-1" dirty="0">
+              <a:solidFill>
+                <a:srgbClr val="D26785"/>
+              </a:solidFill>
+              <a:latin typeface="Century Gothic"/>
+              <a:ea typeface="+mn-ea"/>
+              <a:cs typeface="+mn-cs"/>
+            </a:endParaRPr>
+          </a:p>
+        </p:txBody>
+      </p:sp>
+    </p:spTree>
+  </p:cSld>
+  <p:clrMapOvr>
+    <a:masterClrMapping/>
+  </p:clrMapOvr>
 </p:sld>
 </file>
 
@@ -4647,7 +5046,7 @@
     <a:masterClrMapping/>
   </p:clrMapOvr>
   <mc:AlternateContent xmlns:mc="http://schemas.openxmlformats.org/markup-compatibility/2006">
-    <mc:Choice xmlns="" xmlns:p14="http://schemas.microsoft.com/office/powerpoint/2010/main" xmlns:p15="http://schemas.microsoft.com/office/powerpoint/2012/main" Requires="p14">
+    <mc:Choice xmlns:p15="http://schemas.microsoft.com/office/powerpoint/2012/main" xmlns:p14="http://schemas.microsoft.com/office/powerpoint/2010/main" xmlns="" Requires="p14">
       <p:transition spd="slow" p14:dur="2000"/>
     </mc:Choice>
     <mc:Fallback>
@@ -5332,7 +5731,7 @@
     <a:masterClrMapping/>
   </p:clrMapOvr>
   <mc:AlternateContent xmlns:mc="http://schemas.openxmlformats.org/markup-compatibility/2006">
-    <mc:Choice xmlns="" xmlns:p14="http://schemas.microsoft.com/office/powerpoint/2010/main" xmlns:p15="http://schemas.microsoft.com/office/powerpoint/2012/main" Requires="p14">
+    <mc:Choice xmlns:p15="http://schemas.microsoft.com/office/powerpoint/2012/main" xmlns:p14="http://schemas.microsoft.com/office/powerpoint/2010/main" xmlns="" Requires="p14">
       <p:transition spd="slow" p14:dur="2000"/>
     </mc:Choice>
     <mc:Fallback>
@@ -5436,7 +5835,7 @@
     <a:masterClrMapping/>
   </p:clrMapOvr>
   <mc:AlternateContent xmlns:mc="http://schemas.openxmlformats.org/markup-compatibility/2006">
-    <mc:Choice xmlns="" xmlns:p14="http://schemas.microsoft.com/office/powerpoint/2010/main" xmlns:p15="http://schemas.microsoft.com/office/powerpoint/2012/main" Requires="p14">
+    <mc:Choice xmlns:p15="http://schemas.microsoft.com/office/powerpoint/2012/main" xmlns:p14="http://schemas.microsoft.com/office/powerpoint/2010/main" xmlns="" Requires="p14">
       <p:transition spd="slow" p14:dur="2000"/>
     </mc:Choice>
     <mc:Fallback>
@@ -5536,7 +5935,7 @@
     <a:masterClrMapping/>
   </p:clrMapOvr>
   <mc:AlternateContent xmlns:mc="http://schemas.openxmlformats.org/markup-compatibility/2006">
-    <mc:Choice xmlns="" xmlns:p14="http://schemas.microsoft.com/office/powerpoint/2010/main" xmlns:p15="http://schemas.microsoft.com/office/powerpoint/2012/main" Requires="p14">
+    <mc:Choice xmlns:p15="http://schemas.microsoft.com/office/powerpoint/2012/main" xmlns:p14="http://schemas.microsoft.com/office/powerpoint/2010/main" xmlns="" Requires="p14">
       <p:transition spd="slow" p14:dur="2000"/>
     </mc:Choice>
     <mc:Fallback>
@@ -5565,28 +5964,26 @@
       </p:grpSpPr>
       <p:sp>
         <p:nvSpPr>
-          <p:cNvPr id="4" name="3 Marcador de texto"/>
-          <p:cNvSpPr>
-            <a:spLocks noGrp="1"/>
-          </p:cNvSpPr>
-          <p:nvPr>
-            <p:ph type="body"/>
-          </p:nvPr>
-        </p:nvSpPr>
-        <p:spPr>
-          <a:xfrm>
-            <a:off x="500034" y="1571612"/>
-            <a:ext cx="4015800" cy="2714644"/>
-          </a:xfrm>
-        </p:spPr>
-        <p:txBody>
-          <a:bodyPr>
-            <a:normAutofit lnSpcReduction="10000"/>
-          </a:bodyPr>
-          <a:lstStyle/>
-          <a:p>
-            <a:r>
-              <a:rPr lang="es-ES" sz="2800" b="1" kern="1200" spc="-1" dirty="0" err="1" smtClean="0">
+          <p:cNvPr id="2" name="1 Título"/>
+          <p:cNvSpPr>
+            <a:spLocks noGrp="1"/>
+          </p:cNvSpPr>
+          <p:nvPr>
+            <p:ph type="title"/>
+          </p:nvPr>
+        </p:nvSpPr>
+        <p:spPr>
+          <a:xfrm>
+            <a:off x="457200" y="267480"/>
+            <a:ext cx="8229240" cy="646331"/>
+          </a:xfrm>
+        </p:spPr>
+        <p:txBody>
+          <a:bodyPr/>
+          <a:lstStyle/>
+          <a:p>
+            <a:r>
+              <a:rPr lang="es-ES" sz="4200" kern="1200" spc="-1" dirty="0">
                 <a:solidFill>
                   <a:srgbClr val="D26785"/>
                 </a:solidFill>
@@ -5594,9 +5991,9 @@
                 <a:ea typeface="+mn-ea"/>
                 <a:cs typeface="+mn-cs"/>
               </a:rPr>
-              <a:t>Backend</a:t>
-            </a:r>
-            <a:endParaRPr lang="es-ES" sz="2800" b="1" kern="1200" spc="-1" dirty="0" smtClean="0">
+              <a:t>Programación</a:t>
+            </a:r>
+            <a:endParaRPr lang="es-ES" sz="4200" kern="1200" spc="-1" dirty="0">
               <a:solidFill>
                 <a:srgbClr val="D26785"/>
               </a:solidFill>
@@ -5605,481 +6002,199 @@
               <a:cs typeface="+mn-cs"/>
             </a:endParaRPr>
           </a:p>
-          <a:p>
-            <a:endParaRPr lang="es-ES" sz="2800" kern="1200" spc="-1" dirty="0" smtClean="0">
+        </p:txBody>
+      </p:sp>
+      <p:sp>
+        <p:nvSpPr>
+          <p:cNvPr id="4" name="TextShape 2"/>
+          <p:cNvSpPr txBox="1">
+            <a:spLocks noGrp="1"/>
+          </p:cNvSpPr>
+          <p:nvPr>
+            <p:ph type="subTitle"/>
+          </p:nvPr>
+        </p:nvSpPr>
+        <p:spPr>
+          <a:prstGeom prst="rect">
+            <a:avLst/>
+          </a:prstGeom>
+          <a:noFill/>
+          <a:ln>
+            <a:noFill/>
+          </a:ln>
+        </p:spPr>
+        <p:txBody>
+          <a:bodyPr lIns="90000" tIns="45000" rIns="90000" bIns="45000">
+            <a:noAutofit/>
+          </a:bodyPr>
+          <a:lstStyle/>
+          <a:p>
+            <a:pPr marL="448200" indent="-383760">
+              <a:lnSpc>
+                <a:spcPct val="100000"/>
+              </a:lnSpc>
+              <a:spcBef>
+                <a:spcPts val="601"/>
+              </a:spcBef>
+              <a:buClr>
+                <a:srgbClr val="FF388C"/>
+              </a:buClr>
+              <a:buSzPct val="80000"/>
+              <a:buFont typeface="Wingdings 2" charset="2"/>
+              <a:buChar char=""/>
+            </a:pPr>
+            <a:r>
+              <a:rPr lang="es-ES" sz="2800" spc="-1" dirty="0" smtClean="0">
+                <a:solidFill>
+                  <a:srgbClr val="D26785"/>
+                </a:solidFill>
+                <a:latin typeface="Century Gothic"/>
+              </a:rPr>
+              <a:t>Guía de estilo</a:t>
+            </a:r>
+            <a:endParaRPr lang="es-ES" sz="2800" spc="-1" dirty="0">
               <a:solidFill>
                 <a:srgbClr val="D26785"/>
               </a:solidFill>
               <a:latin typeface="Century Gothic"/>
-              <a:ea typeface="+mn-ea"/>
-              <a:cs typeface="+mn-cs"/>
+            </a:endParaRPr>
+          </a:p>
+          <a:p>
+            <a:pPr marL="448200" indent="-383760">
+              <a:lnSpc>
+                <a:spcPct val="100000"/>
+              </a:lnSpc>
+              <a:spcBef>
+                <a:spcPts val="601"/>
+              </a:spcBef>
+              <a:buClr>
+                <a:srgbClr val="FF388C"/>
+              </a:buClr>
+              <a:buSzPct val="80000"/>
+              <a:buFont typeface="Wingdings 2" charset="2"/>
+              <a:buChar char=""/>
+            </a:pPr>
+            <a:r>
+              <a:rPr lang="es-ES" sz="2800" spc="-1" dirty="0" smtClean="0">
+                <a:solidFill>
+                  <a:srgbClr val="D26785"/>
+                </a:solidFill>
+                <a:latin typeface="Century Gothic"/>
+              </a:rPr>
+              <a:t>Organización del código</a:t>
+            </a:r>
+            <a:endParaRPr lang="es-ES" sz="2800" spc="-1" dirty="0">
+              <a:solidFill>
+                <a:srgbClr val="D26785"/>
+              </a:solidFill>
+              <a:latin typeface="Century Gothic"/>
+            </a:endParaRPr>
+          </a:p>
+          <a:p>
+            <a:pPr marL="448200" indent="-383760">
+              <a:lnSpc>
+                <a:spcPct val="100000"/>
+              </a:lnSpc>
+              <a:spcBef>
+                <a:spcPts val="601"/>
+              </a:spcBef>
+              <a:buClr>
+                <a:srgbClr val="FF388C"/>
+              </a:buClr>
+              <a:buSzPct val="80000"/>
+              <a:buFont typeface="Wingdings 2" charset="2"/>
+              <a:buChar char=""/>
+            </a:pPr>
+            <a:r>
+              <a:rPr lang="es-ES" sz="2800" spc="-1" dirty="0" smtClean="0">
+                <a:solidFill>
+                  <a:srgbClr val="D26785"/>
+                </a:solidFill>
+                <a:latin typeface="Century Gothic"/>
+              </a:rPr>
+              <a:t>Arquitectura de clases</a:t>
+            </a:r>
+            <a:endParaRPr lang="es-ES" sz="2800" spc="-1" dirty="0" smtClean="0">
+              <a:solidFill>
+                <a:srgbClr val="D26785"/>
+              </a:solidFill>
+              <a:latin typeface="Century Gothic"/>
+            </a:endParaRPr>
+          </a:p>
+          <a:p>
+            <a:pPr marL="448200" indent="-383760">
+              <a:lnSpc>
+                <a:spcPct val="100000"/>
+              </a:lnSpc>
+              <a:spcBef>
+                <a:spcPts val="601"/>
+              </a:spcBef>
+              <a:buClr>
+                <a:srgbClr val="FF388C"/>
+              </a:buClr>
+              <a:buSzPct val="80000"/>
+              <a:buFont typeface="Wingdings 2" charset="2"/>
+              <a:buChar char=""/>
+            </a:pPr>
+            <a:r>
+              <a:rPr lang="es-ES" sz="2800" spc="-1" dirty="0" smtClean="0">
+                <a:solidFill>
+                  <a:srgbClr val="D26785"/>
+                </a:solidFill>
+                <a:latin typeface="Century Gothic"/>
+              </a:rPr>
+              <a:t>Pruebas: </a:t>
+            </a:r>
+            <a:r>
+              <a:rPr lang="es-ES" sz="2800" spc="-1" smtClean="0">
+                <a:solidFill>
+                  <a:srgbClr val="D26785"/>
+                </a:solidFill>
+                <a:latin typeface="Century Gothic"/>
+              </a:rPr>
+              <a:t>Postman</a:t>
+            </a:r>
+            <a:endParaRPr lang="es-ES" sz="2800" spc="-1" dirty="0">
+              <a:solidFill>
+                <a:srgbClr val="D26785"/>
+              </a:solidFill>
+              <a:latin typeface="Century Gothic"/>
+            </a:endParaRPr>
+          </a:p>
+          <a:p>
+            <a:pPr marL="448200" indent="-383760">
+              <a:lnSpc>
+                <a:spcPct val="100000"/>
+              </a:lnSpc>
+              <a:spcBef>
+                <a:spcPts val="601"/>
+              </a:spcBef>
+              <a:buClr>
+                <a:srgbClr val="FF388C"/>
+              </a:buClr>
+              <a:buSzPct val="80000"/>
+            </a:pPr>
+            <a:endParaRPr lang="es-ES" sz="2800" spc="-1" dirty="0">
+              <a:solidFill>
+                <a:srgbClr val="D26785"/>
+              </a:solidFill>
+              <a:latin typeface="Century Gothic"/>
             </a:endParaRPr>
           </a:p>
           <a:p>
             <a:pPr>
-              <a:buFont typeface="Arial" pitchFamily="34" charset="0"/>
-              <a:buChar char="•"/>
+              <a:lnSpc>
+                <a:spcPct val="100000"/>
+              </a:lnSpc>
+              <a:spcBef>
+                <a:spcPts val="601"/>
+              </a:spcBef>
             </a:pPr>
-            <a:r>
-              <a:rPr lang="es-ES" sz="2800" kern="1200" spc="-1" dirty="0">
-                <a:solidFill>
-                  <a:srgbClr val="D26785"/>
-                </a:solidFill>
-                <a:latin typeface="Century Gothic"/>
-                <a:ea typeface="+mn-ea"/>
-                <a:cs typeface="+mn-cs"/>
-              </a:rPr>
-              <a:t> </a:t>
-            </a:r>
-            <a:r>
-              <a:rPr lang="es-ES" sz="2800" kern="1200" spc="-1" dirty="0" smtClean="0">
-                <a:solidFill>
-                  <a:srgbClr val="D26785"/>
-                </a:solidFill>
-                <a:latin typeface="Century Gothic"/>
-                <a:ea typeface="+mn-ea"/>
-                <a:cs typeface="+mn-cs"/>
-              </a:rPr>
-              <a:t>Transacciones Spring</a:t>
-            </a:r>
-          </a:p>
-          <a:p>
-            <a:pPr>
-              <a:buFont typeface="Arial" pitchFamily="34" charset="0"/>
-              <a:buChar char="•"/>
-            </a:pPr>
-            <a:r>
-              <a:rPr lang="es-ES" sz="2800" kern="1200" spc="-1" dirty="0">
-                <a:solidFill>
-                  <a:srgbClr val="D26785"/>
-                </a:solidFill>
-                <a:latin typeface="Century Gothic"/>
-                <a:ea typeface="+mn-ea"/>
-                <a:cs typeface="+mn-cs"/>
-              </a:rPr>
-              <a:t> </a:t>
-            </a:r>
-            <a:r>
-              <a:rPr lang="es-ES" sz="2800" kern="1200" spc="-1" dirty="0" smtClean="0">
-                <a:solidFill>
-                  <a:srgbClr val="D26785"/>
-                </a:solidFill>
-                <a:latin typeface="Century Gothic"/>
-                <a:ea typeface="+mn-ea"/>
-                <a:cs typeface="+mn-cs"/>
-              </a:rPr>
-              <a:t>Clases Id (clave)</a:t>
-            </a:r>
-          </a:p>
-          <a:p>
-            <a:pPr>
-              <a:buFont typeface="Arial" pitchFamily="34" charset="0"/>
-              <a:buChar char="•"/>
-            </a:pPr>
-            <a:r>
-              <a:rPr lang="es-ES" sz="2800" kern="1200" spc="-1" dirty="0" smtClean="0">
-                <a:solidFill>
-                  <a:srgbClr val="D26785"/>
-                </a:solidFill>
-                <a:latin typeface="Century Gothic"/>
-                <a:ea typeface="+mn-ea"/>
-                <a:cs typeface="+mn-cs"/>
-              </a:rPr>
-              <a:t> Formato de fechas</a:t>
-            </a:r>
-          </a:p>
-          <a:p>
-            <a:pPr>
-              <a:buFont typeface="Arial" pitchFamily="34" charset="0"/>
-              <a:buChar char="•"/>
-            </a:pPr>
-            <a:r>
-              <a:rPr lang="es-ES" sz="2800" kern="1200" spc="-1" dirty="0" smtClean="0">
-                <a:solidFill>
-                  <a:srgbClr val="D26785"/>
-                </a:solidFill>
-                <a:latin typeface="Century Gothic"/>
-                <a:ea typeface="+mn-ea"/>
-                <a:cs typeface="+mn-cs"/>
-              </a:rPr>
-              <a:t> Carga inicial de datos</a:t>
-            </a:r>
-            <a:endParaRPr lang="es-ES" sz="2800" kern="1200" spc="-1" dirty="0">
-              <a:solidFill>
-                <a:srgbClr val="D26785"/>
-              </a:solidFill>
-              <a:latin typeface="Century Gothic"/>
-              <a:ea typeface="+mn-ea"/>
-              <a:cs typeface="+mn-cs"/>
-            </a:endParaRPr>
-          </a:p>
-        </p:txBody>
-      </p:sp>
-      <p:sp>
-        <p:nvSpPr>
-          <p:cNvPr id="5" name="4 Marcador de texto"/>
-          <p:cNvSpPr>
-            <a:spLocks noGrp="1"/>
-          </p:cNvSpPr>
-          <p:nvPr>
-            <p:ph type="body"/>
-          </p:nvPr>
-        </p:nvSpPr>
-        <p:spPr>
-          <a:xfrm>
-            <a:off x="4643438" y="1571612"/>
-            <a:ext cx="4015800" cy="2714644"/>
-          </a:xfrm>
-        </p:spPr>
-        <p:txBody>
-          <a:bodyPr/>
-          <a:lstStyle/>
-          <a:p>
-            <a:r>
-              <a:rPr lang="es-ES" sz="2800" b="1" kern="1200" spc="-1" dirty="0" err="1" smtClean="0">
-                <a:solidFill>
-                  <a:srgbClr val="D26785"/>
-                </a:solidFill>
-                <a:latin typeface="Century Gothic"/>
-                <a:ea typeface="+mn-ea"/>
-                <a:cs typeface="+mn-cs"/>
-              </a:rPr>
-              <a:t>Frontend</a:t>
-            </a:r>
-            <a:endParaRPr lang="es-ES" sz="2800" kern="1200" spc="-1" dirty="0" smtClean="0">
-              <a:solidFill>
-                <a:srgbClr val="D26785"/>
-              </a:solidFill>
-              <a:latin typeface="Century Gothic"/>
-              <a:ea typeface="+mn-ea"/>
-              <a:cs typeface="+mn-cs"/>
-            </a:endParaRPr>
-          </a:p>
-          <a:p>
-            <a:endParaRPr lang="es-ES" sz="2800" kern="1200" spc="-1" dirty="0" smtClean="0">
-              <a:solidFill>
-                <a:srgbClr val="D26785"/>
-              </a:solidFill>
-              <a:latin typeface="Century Gothic"/>
-              <a:ea typeface="+mn-ea"/>
-              <a:cs typeface="+mn-cs"/>
-            </a:endParaRPr>
-          </a:p>
-          <a:p>
-            <a:pPr>
-              <a:buFont typeface="Arial" pitchFamily="34" charset="0"/>
-              <a:buChar char="•"/>
-            </a:pPr>
-            <a:r>
-              <a:rPr lang="es-ES" sz="2800" kern="1200" spc="-1" dirty="0" smtClean="0">
-                <a:solidFill>
-                  <a:srgbClr val="D26785"/>
-                </a:solidFill>
-                <a:latin typeface="Century Gothic"/>
-                <a:ea typeface="+mn-ea"/>
-                <a:cs typeface="+mn-cs"/>
-              </a:rPr>
-              <a:t> Llamadas a </a:t>
-            </a:r>
-            <a:r>
-              <a:rPr lang="es-ES" sz="2800" kern="1200" spc="-1" dirty="0" err="1" smtClean="0">
-                <a:solidFill>
-                  <a:srgbClr val="D26785"/>
-                </a:solidFill>
-                <a:latin typeface="Century Gothic"/>
-                <a:ea typeface="+mn-ea"/>
-                <a:cs typeface="+mn-cs"/>
-              </a:rPr>
-              <a:t>Ajax</a:t>
-            </a:r>
-            <a:endParaRPr lang="es-ES" sz="2800" kern="1200" spc="-1" dirty="0" smtClean="0">
-              <a:solidFill>
-                <a:srgbClr val="D26785"/>
-              </a:solidFill>
-              <a:latin typeface="Century Gothic"/>
-              <a:ea typeface="+mn-ea"/>
-              <a:cs typeface="+mn-cs"/>
-            </a:endParaRPr>
-          </a:p>
-          <a:p>
-            <a:pPr>
-              <a:buFont typeface="Arial" pitchFamily="34" charset="0"/>
-              <a:buChar char="•"/>
-            </a:pPr>
-            <a:r>
-              <a:rPr lang="es-ES" sz="2800" kern="1200" spc="-1" dirty="0">
-                <a:solidFill>
-                  <a:srgbClr val="D26785"/>
-                </a:solidFill>
-                <a:latin typeface="Century Gothic"/>
-                <a:ea typeface="+mn-ea"/>
-                <a:cs typeface="+mn-cs"/>
-              </a:rPr>
-              <a:t> </a:t>
-            </a:r>
-            <a:r>
-              <a:rPr lang="es-ES" sz="2800" kern="1200" spc="-1" dirty="0" smtClean="0">
-                <a:solidFill>
-                  <a:srgbClr val="D26785"/>
-                </a:solidFill>
-                <a:latin typeface="Century Gothic"/>
-                <a:ea typeface="+mn-ea"/>
-                <a:cs typeface="+mn-cs"/>
-              </a:rPr>
-              <a:t>Objeto Chart.js</a:t>
-            </a:r>
-          </a:p>
-          <a:p>
-            <a:pPr>
-              <a:buFont typeface="Arial" pitchFamily="34" charset="0"/>
-              <a:buChar char="•"/>
-            </a:pPr>
-            <a:r>
-              <a:rPr lang="es-ES" sz="2800" kern="1200" spc="-1" dirty="0">
-                <a:solidFill>
-                  <a:srgbClr val="D26785"/>
-                </a:solidFill>
-                <a:latin typeface="Century Gothic"/>
-                <a:ea typeface="+mn-ea"/>
-                <a:cs typeface="+mn-cs"/>
-              </a:rPr>
-              <a:t> </a:t>
-            </a:r>
-            <a:r>
-              <a:rPr lang="es-ES" sz="2800" kern="1200" spc="-1" dirty="0" smtClean="0">
-                <a:solidFill>
-                  <a:srgbClr val="D26785"/>
-                </a:solidFill>
-                <a:latin typeface="Century Gothic"/>
-                <a:ea typeface="+mn-ea"/>
-                <a:cs typeface="+mn-cs"/>
-              </a:rPr>
-              <a:t>Versiones </a:t>
-            </a:r>
-            <a:r>
-              <a:rPr lang="es-ES" sz="2800" kern="1200" spc="-1" dirty="0" err="1" smtClean="0">
-                <a:solidFill>
-                  <a:srgbClr val="D26785"/>
-                </a:solidFill>
-                <a:latin typeface="Century Gothic"/>
-                <a:ea typeface="+mn-ea"/>
-                <a:cs typeface="+mn-cs"/>
-              </a:rPr>
-              <a:t>Bootstrap</a:t>
-            </a:r>
-            <a:endParaRPr lang="es-ES" sz="2800" kern="1200" spc="-1" dirty="0" smtClean="0">
-              <a:solidFill>
-                <a:srgbClr val="D26785"/>
-              </a:solidFill>
-              <a:latin typeface="Century Gothic"/>
-              <a:ea typeface="+mn-ea"/>
-              <a:cs typeface="+mn-cs"/>
-            </a:endParaRPr>
-          </a:p>
-          <a:p>
-            <a:endParaRPr lang="es-ES" sz="2800" kern="1200" spc="-1" dirty="0" smtClean="0">
-              <a:solidFill>
-                <a:srgbClr val="D26785"/>
-              </a:solidFill>
-              <a:latin typeface="Century Gothic"/>
-              <a:ea typeface="+mn-ea"/>
-              <a:cs typeface="+mn-cs"/>
-            </a:endParaRPr>
-          </a:p>
-          <a:p>
-            <a:pPr>
-              <a:buFont typeface="Arial" pitchFamily="34" charset="0"/>
-              <a:buChar char="•"/>
-            </a:pPr>
-            <a:endParaRPr lang="es-ES" sz="2800" kern="1200" spc="-1" dirty="0" smtClean="0">
-              <a:solidFill>
-                <a:srgbClr val="D26785"/>
-              </a:solidFill>
-              <a:latin typeface="Century Gothic"/>
-              <a:ea typeface="+mn-ea"/>
-              <a:cs typeface="+mn-cs"/>
-            </a:endParaRPr>
-          </a:p>
-          <a:p>
-            <a:pPr>
-              <a:buFont typeface="Arial" pitchFamily="34" charset="0"/>
-              <a:buChar char="•"/>
-            </a:pPr>
-            <a:endParaRPr lang="es-ES" sz="2800" kern="1200" spc="-1" dirty="0">
-              <a:solidFill>
-                <a:srgbClr val="D26785"/>
-              </a:solidFill>
-              <a:latin typeface="Century Gothic"/>
-              <a:ea typeface="+mn-ea"/>
-              <a:cs typeface="+mn-cs"/>
-            </a:endParaRPr>
-          </a:p>
-        </p:txBody>
-      </p:sp>
-      <p:sp>
-        <p:nvSpPr>
-          <p:cNvPr id="6" name="5 Marcador de texto"/>
-          <p:cNvSpPr>
-            <a:spLocks noGrp="1"/>
-          </p:cNvSpPr>
-          <p:nvPr>
-            <p:ph type="body"/>
-          </p:nvPr>
-        </p:nvSpPr>
-        <p:spPr>
-          <a:xfrm>
-            <a:off x="357158" y="4714884"/>
-            <a:ext cx="8229240" cy="1285884"/>
-          </a:xfrm>
-        </p:spPr>
-        <p:txBody>
-          <a:bodyPr/>
-          <a:lstStyle/>
-          <a:p>
-            <a:r>
-              <a:rPr lang="es-ES" sz="2800" b="1" kern="1200" spc="-1" dirty="0" smtClean="0">
-                <a:solidFill>
-                  <a:srgbClr val="D26785"/>
-                </a:solidFill>
-                <a:latin typeface="Century Gothic"/>
-                <a:ea typeface="+mn-ea"/>
-                <a:cs typeface="+mn-cs"/>
-              </a:rPr>
-              <a:t>Despliegue</a:t>
-            </a:r>
-          </a:p>
-          <a:p>
-            <a:r>
-              <a:rPr lang="es-ES" sz="2800" kern="1200" spc="-1" dirty="0" err="1">
-                <a:solidFill>
-                  <a:srgbClr val="D26785"/>
-                </a:solidFill>
-                <a:latin typeface="Century Gothic"/>
-                <a:ea typeface="+mn-ea"/>
-                <a:cs typeface="+mn-cs"/>
-              </a:rPr>
-              <a:t>Vercel</a:t>
-            </a:r>
-            <a:r>
-              <a:rPr lang="es-ES" sz="2800" kern="1200" spc="-1" dirty="0" smtClean="0">
-                <a:solidFill>
-                  <a:srgbClr val="D26785"/>
-                </a:solidFill>
-                <a:latin typeface="Century Gothic"/>
-                <a:ea typeface="+mn-ea"/>
-                <a:cs typeface="+mn-cs"/>
-              </a:rPr>
-              <a:t> despliega sólo sobre </a:t>
-            </a:r>
-            <a:r>
-              <a:rPr lang="es-ES" sz="2800" kern="1200" spc="-1" dirty="0" err="1" smtClean="0">
-                <a:solidFill>
-                  <a:srgbClr val="D26785"/>
-                </a:solidFill>
-                <a:latin typeface="Century Gothic"/>
-                <a:ea typeface="+mn-ea"/>
-                <a:cs typeface="+mn-cs"/>
-              </a:rPr>
-              <a:t>main</a:t>
-            </a:r>
-            <a:r>
-              <a:rPr lang="es-ES" sz="2800" kern="1200" spc="-1" dirty="0" smtClean="0">
-                <a:solidFill>
-                  <a:srgbClr val="D26785"/>
-                </a:solidFill>
-                <a:latin typeface="Century Gothic"/>
-                <a:ea typeface="+mn-ea"/>
-                <a:cs typeface="+mn-cs"/>
-              </a:rPr>
-              <a:t>.</a:t>
-            </a:r>
-          </a:p>
-          <a:p>
-            <a:endParaRPr lang="es-ES" sz="2800" kern="1200" spc="-1" dirty="0" smtClean="0">
-              <a:solidFill>
-                <a:srgbClr val="D26785"/>
-              </a:solidFill>
-              <a:latin typeface="Century Gothic"/>
-              <a:ea typeface="+mn-ea"/>
-              <a:cs typeface="+mn-cs"/>
-            </a:endParaRPr>
-          </a:p>
-          <a:p>
-            <a:endParaRPr lang="es-ES" sz="2800" kern="1200" spc="-1" dirty="0" smtClean="0">
-              <a:solidFill>
-                <a:srgbClr val="D26785"/>
-              </a:solidFill>
-              <a:latin typeface="Century Gothic"/>
-              <a:ea typeface="+mn-ea"/>
-              <a:cs typeface="+mn-cs"/>
-            </a:endParaRPr>
-          </a:p>
-          <a:p>
-            <a:endParaRPr lang="es-ES" sz="2800" kern="1200" spc="-1" dirty="0">
-              <a:solidFill>
-                <a:srgbClr val="D26785"/>
-              </a:solidFill>
-              <a:latin typeface="Century Gothic"/>
-              <a:ea typeface="+mn-ea"/>
-              <a:cs typeface="+mn-cs"/>
-            </a:endParaRPr>
-          </a:p>
-        </p:txBody>
-      </p:sp>
-      <p:sp>
-        <p:nvSpPr>
-          <p:cNvPr id="2" name="1 Título"/>
-          <p:cNvSpPr>
-            <a:spLocks noGrp="1"/>
-          </p:cNvSpPr>
-          <p:nvPr>
-            <p:ph type="title"/>
-          </p:nvPr>
-        </p:nvSpPr>
-        <p:spPr>
-          <a:xfrm>
-            <a:off x="457200" y="267480"/>
-            <a:ext cx="8229240" cy="646331"/>
-          </a:xfrm>
-        </p:spPr>
-        <p:txBody>
-          <a:bodyPr/>
-          <a:lstStyle/>
-          <a:p>
-            <a:pPr algn="ctr"/>
-            <a:r>
-              <a:rPr lang="es-ES" sz="4200" kern="1200" spc="-1" dirty="0" err="1">
-                <a:solidFill>
-                  <a:srgbClr val="D26785"/>
-                </a:solidFill>
-                <a:latin typeface="Century Gothic"/>
-                <a:ea typeface="+mn-ea"/>
-                <a:cs typeface="+mn-cs"/>
-              </a:rPr>
-              <a:t>Dificulatades</a:t>
-            </a:r>
-            <a:r>
-              <a:rPr lang="es-ES" dirty="0" smtClean="0"/>
-              <a:t>  </a:t>
-            </a:r>
-            <a:r>
-              <a:rPr lang="es-ES" sz="4200" kern="1200" spc="-1" dirty="0" smtClean="0">
-                <a:solidFill>
-                  <a:srgbClr val="D26785"/>
-                </a:solidFill>
-                <a:latin typeface="Century Gothic"/>
-                <a:ea typeface="+mn-ea"/>
-                <a:cs typeface="+mn-cs"/>
-              </a:rPr>
-              <a:t>encontradas</a:t>
-            </a:r>
-            <a:endParaRPr lang="es-ES" sz="4200" kern="1200" spc="-1" dirty="0">
-              <a:solidFill>
-                <a:srgbClr val="D26785"/>
-              </a:solidFill>
-              <a:latin typeface="Century Gothic"/>
-              <a:ea typeface="+mn-ea"/>
-              <a:cs typeface="+mn-cs"/>
+            <a:endParaRPr lang="es-ES" sz="3000" b="0" strike="noStrike" spc="-1" dirty="0">
+              <a:solidFill>
+                <a:srgbClr val="FFFFFF"/>
+              </a:solidFill>
+              <a:latin typeface="Century Gothic"/>
             </a:endParaRPr>
           </a:p>
         </p:txBody>
@@ -6121,13 +6236,13 @@
         </p:nvSpPr>
         <p:spPr>
           <a:xfrm>
-            <a:off x="500034" y="2928934"/>
+            <a:off x="500034" y="1571612"/>
             <a:ext cx="4015800" cy="2714644"/>
           </a:xfrm>
         </p:spPr>
         <p:txBody>
           <a:bodyPr>
-            <a:normAutofit fontScale="85000" lnSpcReduction="10000"/>
+            <a:normAutofit lnSpcReduction="10000"/>
           </a:bodyPr>
           <a:lstStyle/>
           <a:p>
@@ -6186,7 +6301,7 @@
                 <a:ea typeface="+mn-ea"/>
                 <a:cs typeface="+mn-cs"/>
               </a:rPr>
-              <a:t>Consultas JPA deben devolver un objeto</a:t>
+              <a:t>Transacciones Spring</a:t>
             </a:r>
           </a:p>
           <a:p>
@@ -6214,7 +6329,7 @@
                 <a:ea typeface="+mn-ea"/>
                 <a:cs typeface="+mn-cs"/>
               </a:rPr>
-              <a:t>Interfaces separadas</a:t>
+              <a:t>Clases Id (clave)</a:t>
             </a:r>
           </a:p>
           <a:p>
@@ -6248,7 +6363,7 @@
                 <a:ea typeface="+mn-ea"/>
                 <a:cs typeface="+mn-cs"/>
               </a:rPr>
-              <a:t> JPA administra las claves y relaciones en la BB.DD.</a:t>
+              <a:t> Carga inicial de datos</a:t>
             </a:r>
             <a:endParaRPr lang="es-ES" sz="2800" kern="1200" spc="-1" dirty="0">
               <a:solidFill>
@@ -6273,8 +6388,8 @@
         </p:nvSpPr>
         <p:spPr>
           <a:xfrm>
-            <a:off x="4643438" y="2857496"/>
-            <a:ext cx="4015800" cy="2585323"/>
+            <a:off x="4643438" y="1571612"/>
+            <a:ext cx="4015800" cy="2714644"/>
           </a:xfrm>
         </p:spPr>
         <p:txBody>
@@ -6282,11 +6397,13 @@
           <a:lstStyle/>
           <a:p>
             <a:r>
-              <a:rPr lang="es-ES" sz="2800" b="1" kern="1200" spc="-1" dirty="0" err="1">
-                <a:solidFill>
-                  <a:srgbClr val="D26785"/>
-                </a:solidFill>
-                <a:latin typeface="Century Gothic"/>
+              <a:rPr lang="es-ES" sz="2800" b="1" kern="1200" spc="-1" dirty="0" err="1" smtClean="0">
+                <a:solidFill>
+                  <a:srgbClr val="D26785"/>
+                </a:solidFill>
+                <a:latin typeface="Century Gothic"/>
+                <a:ea typeface="+mn-ea"/>
+                <a:cs typeface="+mn-cs"/>
               </a:rPr>
               <a:t>Frontend</a:t>
             </a:r>
@@ -6323,8 +6440,27 @@
                 <a:ea typeface="+mn-ea"/>
                 <a:cs typeface="+mn-cs"/>
               </a:rPr>
-              <a:t> Uso correcto de la API (dependencias)</a:t>
-            </a:r>
+              <a:t> Llamadas a </a:t>
+            </a:r>
+            <a:r>
+              <a:rPr lang="es-ES" sz="2800" kern="1200" spc="-1" dirty="0" err="1" smtClean="0">
+                <a:solidFill>
+                  <a:srgbClr val="D26785"/>
+                </a:solidFill>
+                <a:latin typeface="Century Gothic"/>
+                <a:ea typeface="+mn-ea"/>
+                <a:cs typeface="+mn-cs"/>
+              </a:rPr>
+              <a:t>Ajax</a:t>
+            </a:r>
+            <a:endParaRPr lang="es-ES" sz="2800" kern="1200" spc="-1" dirty="0" smtClean="0">
+              <a:solidFill>
+                <a:srgbClr val="D26785"/>
+              </a:solidFill>
+              <a:latin typeface="Century Gothic"/>
+              <a:ea typeface="+mn-ea"/>
+              <a:cs typeface="+mn-cs"/>
+            </a:endParaRPr>
           </a:p>
           <a:p>
             <a:pPr>
@@ -6351,46 +6487,8 @@
                 <a:ea typeface="+mn-ea"/>
                 <a:cs typeface="+mn-cs"/>
               </a:rPr>
-              <a:t>Versiones de componentes</a:t>
-            </a:r>
-          </a:p>
-        </p:txBody>
-      </p:sp>
-      <p:sp>
-        <p:nvSpPr>
-          <p:cNvPr id="6" name="5 Marcador de texto"/>
-          <p:cNvSpPr>
-            <a:spLocks noGrp="1"/>
-          </p:cNvSpPr>
-          <p:nvPr>
-            <p:ph type="body"/>
-          </p:nvPr>
-        </p:nvSpPr>
-        <p:spPr>
-          <a:xfrm>
-            <a:off x="571472" y="1071546"/>
-            <a:ext cx="8229240" cy="1292662"/>
-          </a:xfrm>
-        </p:spPr>
-        <p:txBody>
-          <a:bodyPr/>
-          <a:lstStyle/>
-          <a:p>
-            <a:r>
-              <a:rPr lang="es-ES" sz="2800" b="1" kern="1200" spc="-1" dirty="0" smtClean="0">
-                <a:solidFill>
-                  <a:srgbClr val="D26785"/>
-                </a:solidFill>
-                <a:latin typeface="Century Gothic"/>
-              </a:rPr>
-              <a:t>Generales</a:t>
-            </a:r>
-            <a:endParaRPr lang="es-ES" sz="2800" b="1" kern="1200" spc="-1" dirty="0">
-              <a:solidFill>
-                <a:srgbClr val="D26785"/>
-              </a:solidFill>
-              <a:latin typeface="Century Gothic"/>
-            </a:endParaRPr>
+              <a:t>Objeto Chart.js</a:t>
+            </a:r>
           </a:p>
           <a:p>
             <a:pPr>
@@ -6398,7 +6496,7 @@
               <a:buChar char="•"/>
             </a:pPr>
             <a:r>
-              <a:rPr lang="es-ES" sz="2800" kern="1200" spc="-1" dirty="0" smtClean="0">
+              <a:rPr lang="es-ES" sz="2800" kern="1200" spc="-1" dirty="0">
                 <a:solidFill>
                   <a:srgbClr val="D26785"/>
                 </a:solidFill>
@@ -6406,16 +6504,101 @@
                 <a:ea typeface="+mn-ea"/>
                 <a:cs typeface="+mn-cs"/>
               </a:rPr>
-              <a:t> La primera solución no es la mejor.</a:t>
-            </a:r>
+              <a:t> </a:t>
+            </a:r>
+            <a:r>
+              <a:rPr lang="es-ES" sz="2800" kern="1200" spc="-1" dirty="0" smtClean="0">
+                <a:solidFill>
+                  <a:srgbClr val="D26785"/>
+                </a:solidFill>
+                <a:latin typeface="Century Gothic"/>
+                <a:ea typeface="+mn-ea"/>
+                <a:cs typeface="+mn-cs"/>
+              </a:rPr>
+              <a:t>Versiones </a:t>
+            </a:r>
+            <a:r>
+              <a:rPr lang="es-ES" sz="2800" kern="1200" spc="-1" dirty="0" err="1" smtClean="0">
+                <a:solidFill>
+                  <a:srgbClr val="D26785"/>
+                </a:solidFill>
+                <a:latin typeface="Century Gothic"/>
+                <a:ea typeface="+mn-ea"/>
+                <a:cs typeface="+mn-cs"/>
+              </a:rPr>
+              <a:t>Bootstrap</a:t>
+            </a:r>
+            <a:endParaRPr lang="es-ES" sz="2800" kern="1200" spc="-1" dirty="0" smtClean="0">
+              <a:solidFill>
+                <a:srgbClr val="D26785"/>
+              </a:solidFill>
+              <a:latin typeface="Century Gothic"/>
+              <a:ea typeface="+mn-ea"/>
+              <a:cs typeface="+mn-cs"/>
+            </a:endParaRPr>
+          </a:p>
+          <a:p>
+            <a:endParaRPr lang="es-ES" sz="2800" kern="1200" spc="-1" dirty="0" smtClean="0">
+              <a:solidFill>
+                <a:srgbClr val="D26785"/>
+              </a:solidFill>
+              <a:latin typeface="Century Gothic"/>
+              <a:ea typeface="+mn-ea"/>
+              <a:cs typeface="+mn-cs"/>
+            </a:endParaRPr>
           </a:p>
           <a:p>
             <a:pPr>
               <a:buFont typeface="Arial" pitchFamily="34" charset="0"/>
               <a:buChar char="•"/>
             </a:pPr>
-            <a:r>
-              <a:rPr lang="es-ES" sz="2800" kern="1200" spc="-1" dirty="0">
+            <a:endParaRPr lang="es-ES" sz="2800" kern="1200" spc="-1" dirty="0" smtClean="0">
+              <a:solidFill>
+                <a:srgbClr val="D26785"/>
+              </a:solidFill>
+              <a:latin typeface="Century Gothic"/>
+              <a:ea typeface="+mn-ea"/>
+              <a:cs typeface="+mn-cs"/>
+            </a:endParaRPr>
+          </a:p>
+          <a:p>
+            <a:pPr>
+              <a:buFont typeface="Arial" pitchFamily="34" charset="0"/>
+              <a:buChar char="•"/>
+            </a:pPr>
+            <a:endParaRPr lang="es-ES" sz="2800" kern="1200" spc="-1" dirty="0">
+              <a:solidFill>
+                <a:srgbClr val="D26785"/>
+              </a:solidFill>
+              <a:latin typeface="Century Gothic"/>
+              <a:ea typeface="+mn-ea"/>
+              <a:cs typeface="+mn-cs"/>
+            </a:endParaRPr>
+          </a:p>
+        </p:txBody>
+      </p:sp>
+      <p:sp>
+        <p:nvSpPr>
+          <p:cNvPr id="6" name="5 Marcador de texto"/>
+          <p:cNvSpPr>
+            <a:spLocks noGrp="1"/>
+          </p:cNvSpPr>
+          <p:nvPr>
+            <p:ph type="body"/>
+          </p:nvPr>
+        </p:nvSpPr>
+        <p:spPr>
+          <a:xfrm>
+            <a:off x="357158" y="4714884"/>
+            <a:ext cx="8229240" cy="1285884"/>
+          </a:xfrm>
+        </p:spPr>
+        <p:txBody>
+          <a:bodyPr/>
+          <a:lstStyle/>
+          <a:p>
+            <a:r>
+              <a:rPr lang="es-ES" sz="2800" b="1" kern="1200" spc="-1" dirty="0" smtClean="0">
                 <a:solidFill>
                   <a:srgbClr val="D26785"/>
                 </a:solidFill>
@@ -6423,10 +6606,12 @@
                 <a:ea typeface="+mn-ea"/>
                 <a:cs typeface="+mn-cs"/>
               </a:rPr>
-              <a:t> </a:t>
-            </a:r>
-            <a:r>
-              <a:rPr lang="es-ES" sz="2800" kern="1200" spc="-1" dirty="0" smtClean="0">
+              <a:t>Despliegue</a:t>
+            </a:r>
+          </a:p>
+          <a:p>
+            <a:r>
+              <a:rPr lang="es-ES" sz="2800" kern="1200" spc="-1" dirty="0" err="1">
                 <a:solidFill>
                   <a:srgbClr val="D26785"/>
                 </a:solidFill>
@@ -6434,8 +6619,71 @@
                 <a:ea typeface="+mn-ea"/>
                 <a:cs typeface="+mn-cs"/>
               </a:rPr>
-              <a:t>Atender las especificaciones funcionales</a:t>
-            </a:r>
+              <a:t>Vercel</a:t>
+            </a:r>
+            <a:r>
+              <a:rPr lang="es-ES" sz="2800" kern="1200" spc="-1" dirty="0" smtClean="0">
+                <a:solidFill>
+                  <a:srgbClr val="D26785"/>
+                </a:solidFill>
+                <a:latin typeface="Century Gothic"/>
+                <a:ea typeface="+mn-ea"/>
+                <a:cs typeface="+mn-cs"/>
+              </a:rPr>
+              <a:t> despliega sólo sobre </a:t>
+            </a:r>
+            <a:r>
+              <a:rPr lang="es-ES" sz="2800" kern="1200" spc="-1" dirty="0" err="1" smtClean="0">
+                <a:solidFill>
+                  <a:srgbClr val="D26785"/>
+                </a:solidFill>
+                <a:latin typeface="Century Gothic"/>
+                <a:ea typeface="+mn-ea"/>
+                <a:cs typeface="+mn-cs"/>
+              </a:rPr>
+              <a:t>main</a:t>
+            </a:r>
+            <a:r>
+              <a:rPr lang="es-ES" sz="2800" kern="1200" spc="-1" dirty="0" smtClean="0">
+                <a:solidFill>
+                  <a:srgbClr val="D26785"/>
+                </a:solidFill>
+                <a:latin typeface="Century Gothic"/>
+                <a:ea typeface="+mn-ea"/>
+                <a:cs typeface="+mn-cs"/>
+              </a:rPr>
+              <a:t>.</a:t>
+            </a:r>
+          </a:p>
+          <a:p>
+            <a:endParaRPr lang="es-ES" sz="2800" kern="1200" spc="-1" dirty="0" smtClean="0">
+              <a:solidFill>
+                <a:srgbClr val="D26785"/>
+              </a:solidFill>
+              <a:latin typeface="Century Gothic"/>
+              <a:ea typeface="+mn-ea"/>
+              <a:cs typeface="+mn-cs"/>
+            </a:endParaRPr>
+          </a:p>
+          <a:p>
+            <a:endParaRPr lang="es-ES" sz="2800" kern="1200" spc="-1" dirty="0" smtClean="0">
+              <a:solidFill>
+                <a:srgbClr val="D26785"/>
+              </a:solidFill>
+              <a:latin typeface="Century Gothic"/>
+              <a:ea typeface="+mn-ea"/>
+              <a:cs typeface="+mn-cs"/>
+            </a:endParaRPr>
+          </a:p>
+          <a:p>
+            <a:endParaRPr lang="es-ES" sz="2800" kern="1200" spc="-1" dirty="0">
+              <a:solidFill>
+                <a:srgbClr val="D26785"/>
+              </a:solidFill>
+              <a:latin typeface="Century Gothic"/>
+              <a:ea typeface="+mn-ea"/>
+              <a:cs typeface="+mn-cs"/>
+            </a:endParaRPr>
           </a:p>
         </p:txBody>
       </p:sp>
@@ -6461,7 +6709,7 @@
           <a:p>
             <a:pPr algn="ctr"/>
             <a:r>
-              <a:rPr lang="es-ES" sz="4200" kern="1200" spc="-1" dirty="0" smtClean="0">
+              <a:rPr lang="es-ES" sz="4200" kern="1200" spc="-1" dirty="0" err="1">
                 <a:solidFill>
                   <a:srgbClr val="D26785"/>
                 </a:solidFill>
@@ -6469,7 +6717,22 @@
                 <a:ea typeface="+mn-ea"/>
                 <a:cs typeface="+mn-cs"/>
               </a:rPr>
-              <a:t>Conclusiones</a:t>
+              <a:t>Dificulatades</a:t>
+            </a:r>
+            <a:r>
+              <a:rPr lang="es-ES" dirty="0" smtClean="0"/>
+              <a:t>  </a:t>
+            </a:r>
+            <a:r>
+              <a:rPr lang="es-ES" sz="4200" kern="1200" spc="-1" dirty="0" smtClean="0">
+                <a:solidFill>
+                  <a:srgbClr val="D26785"/>
+                </a:solidFill>
+                <a:latin typeface="Century Gothic"/>
+                <a:ea typeface="+mn-ea"/>
+                <a:cs typeface="+mn-cs"/>
+              </a:rPr>
+              <a:t>encontradas</a:t>
             </a:r>
             <a:endParaRPr lang="es-ES" sz="4200" kern="1200" spc="-1" dirty="0">
               <a:solidFill>

--- a/Presentación/Proyecto fin de curso.pptx
+++ b/Presentación/Proyecto fin de curso.pptx
@@ -14,8 +14,9 @@
     <p:sldId id="259" r:id="rId8"/>
     <p:sldId id="260" r:id="rId9"/>
     <p:sldId id="265" r:id="rId10"/>
-    <p:sldId id="263" r:id="rId11"/>
-    <p:sldId id="264" r:id="rId12"/>
+    <p:sldId id="266" r:id="rId11"/>
+    <p:sldId id="263" r:id="rId12"/>
+    <p:sldId id="264" r:id="rId13"/>
   </p:sldIdLst>
   <p:sldSz cx="9144000" cy="6858000" type="screen4x3"/>
   <p:notesSz cx="7559675" cy="10691813"/>
@@ -4425,7 +4426,7 @@
     <a:masterClrMapping/>
   </p:clrMapOvr>
   <mc:AlternateContent xmlns:mc="http://schemas.openxmlformats.org/markup-compatibility/2006">
-    <mc:Choice xmlns:p15="http://schemas.microsoft.com/office/powerpoint/2012/main" xmlns:p14="http://schemas.microsoft.com/office/powerpoint/2010/main" xmlns="" Requires="p14">
+    <mc:Choice xmlns="" xmlns:p14="http://schemas.microsoft.com/office/powerpoint/2010/main" xmlns:p15="http://schemas.microsoft.com/office/powerpoint/2012/main" Requires="p14">
       <p:transition spd="slow" p14:dur="2000"/>
     </mc:Choice>
     <mc:Fallback>
@@ -4464,6 +4465,552 @@
         </p:nvSpPr>
         <p:spPr>
           <a:xfrm>
+            <a:off x="500034" y="1571612"/>
+            <a:ext cx="4015800" cy="2714644"/>
+          </a:xfrm>
+        </p:spPr>
+        <p:txBody>
+          <a:bodyPr>
+            <a:normAutofit lnSpcReduction="10000"/>
+          </a:bodyPr>
+          <a:lstStyle/>
+          <a:p>
+            <a:r>
+              <a:rPr lang="es-ES" sz="2800" b="1" kern="1200" spc="-1" dirty="0" err="1" smtClean="0">
+                <a:solidFill>
+                  <a:srgbClr val="D26785"/>
+                </a:solidFill>
+                <a:latin typeface="Century Gothic"/>
+                <a:ea typeface="+mn-ea"/>
+                <a:cs typeface="+mn-cs"/>
+              </a:rPr>
+              <a:t>Backend</a:t>
+            </a:r>
+            <a:endParaRPr lang="es-ES" sz="2800" b="1" kern="1200" spc="-1" dirty="0" smtClean="0">
+              <a:solidFill>
+                <a:srgbClr val="D26785"/>
+              </a:solidFill>
+              <a:latin typeface="Century Gothic"/>
+              <a:ea typeface="+mn-ea"/>
+              <a:cs typeface="+mn-cs"/>
+            </a:endParaRPr>
+          </a:p>
+          <a:p>
+            <a:endParaRPr lang="es-ES" sz="2800" kern="1200" spc="-1" dirty="0" smtClean="0">
+              <a:solidFill>
+                <a:srgbClr val="D26785"/>
+              </a:solidFill>
+              <a:latin typeface="Century Gothic"/>
+              <a:ea typeface="+mn-ea"/>
+              <a:cs typeface="+mn-cs"/>
+            </a:endParaRPr>
+          </a:p>
+          <a:p>
+            <a:pPr>
+              <a:buFont typeface="Arial" pitchFamily="34" charset="0"/>
+              <a:buChar char="•"/>
+            </a:pPr>
+            <a:r>
+              <a:rPr lang="es-ES" sz="2800" kern="1200" spc="-1" dirty="0">
+                <a:solidFill>
+                  <a:srgbClr val="D26785"/>
+                </a:solidFill>
+                <a:latin typeface="Century Gothic"/>
+                <a:ea typeface="+mn-ea"/>
+                <a:cs typeface="+mn-cs"/>
+              </a:rPr>
+              <a:t> </a:t>
+            </a:r>
+            <a:r>
+              <a:rPr lang="es-ES" sz="2800" kern="1200" spc="-1" dirty="0" smtClean="0">
+                <a:solidFill>
+                  <a:srgbClr val="D26785"/>
+                </a:solidFill>
+                <a:latin typeface="Century Gothic"/>
+                <a:ea typeface="+mn-ea"/>
+                <a:cs typeface="+mn-cs"/>
+              </a:rPr>
+              <a:t>Transacciones Spring</a:t>
+            </a:r>
+          </a:p>
+          <a:p>
+            <a:pPr>
+              <a:buFont typeface="Arial" pitchFamily="34" charset="0"/>
+              <a:buChar char="•"/>
+            </a:pPr>
+            <a:r>
+              <a:rPr lang="es-ES" sz="2800" kern="1200" spc="-1" dirty="0">
+                <a:solidFill>
+                  <a:srgbClr val="D26785"/>
+                </a:solidFill>
+                <a:latin typeface="Century Gothic"/>
+                <a:ea typeface="+mn-ea"/>
+                <a:cs typeface="+mn-cs"/>
+              </a:rPr>
+              <a:t> </a:t>
+            </a:r>
+            <a:r>
+              <a:rPr lang="es-ES" sz="2800" kern="1200" spc="-1" dirty="0" smtClean="0">
+                <a:solidFill>
+                  <a:srgbClr val="D26785"/>
+                </a:solidFill>
+                <a:latin typeface="Century Gothic"/>
+                <a:ea typeface="+mn-ea"/>
+                <a:cs typeface="+mn-cs"/>
+              </a:rPr>
+              <a:t>Clases Id (clave)</a:t>
+            </a:r>
+          </a:p>
+          <a:p>
+            <a:pPr>
+              <a:buFont typeface="Arial" pitchFamily="34" charset="0"/>
+              <a:buChar char="•"/>
+            </a:pPr>
+            <a:r>
+              <a:rPr lang="es-ES" sz="2800" kern="1200" spc="-1" dirty="0" smtClean="0">
+                <a:solidFill>
+                  <a:srgbClr val="D26785"/>
+                </a:solidFill>
+                <a:latin typeface="Century Gothic"/>
+                <a:ea typeface="+mn-ea"/>
+                <a:cs typeface="+mn-cs"/>
+              </a:rPr>
+              <a:t> Formato de fechas</a:t>
+            </a:r>
+          </a:p>
+          <a:p>
+            <a:pPr>
+              <a:buFont typeface="Arial" pitchFamily="34" charset="0"/>
+              <a:buChar char="•"/>
+            </a:pPr>
+            <a:r>
+              <a:rPr lang="es-ES" sz="2800" kern="1200" spc="-1" dirty="0" smtClean="0">
+                <a:solidFill>
+                  <a:srgbClr val="D26785"/>
+                </a:solidFill>
+                <a:latin typeface="Century Gothic"/>
+                <a:ea typeface="+mn-ea"/>
+                <a:cs typeface="+mn-cs"/>
+              </a:rPr>
+              <a:t> Carga inicial de datos</a:t>
+            </a:r>
+            <a:endParaRPr lang="es-ES" sz="2800" kern="1200" spc="-1" dirty="0">
+              <a:solidFill>
+                <a:srgbClr val="D26785"/>
+              </a:solidFill>
+              <a:latin typeface="Century Gothic"/>
+              <a:ea typeface="+mn-ea"/>
+              <a:cs typeface="+mn-cs"/>
+            </a:endParaRPr>
+          </a:p>
+        </p:txBody>
+      </p:sp>
+      <p:sp>
+        <p:nvSpPr>
+          <p:cNvPr id="5" name="4 Marcador de texto"/>
+          <p:cNvSpPr>
+            <a:spLocks noGrp="1"/>
+          </p:cNvSpPr>
+          <p:nvPr>
+            <p:ph type="body"/>
+          </p:nvPr>
+        </p:nvSpPr>
+        <p:spPr>
+          <a:xfrm>
+            <a:off x="4643438" y="1571612"/>
+            <a:ext cx="4015800" cy="2714644"/>
+          </a:xfrm>
+        </p:spPr>
+        <p:txBody>
+          <a:bodyPr/>
+          <a:lstStyle/>
+          <a:p>
+            <a:r>
+              <a:rPr lang="es-ES" sz="2800" b="1" kern="1200" spc="-1" dirty="0" err="1" smtClean="0">
+                <a:solidFill>
+                  <a:srgbClr val="D26785"/>
+                </a:solidFill>
+                <a:latin typeface="Century Gothic"/>
+                <a:ea typeface="+mn-ea"/>
+                <a:cs typeface="+mn-cs"/>
+              </a:rPr>
+              <a:t>Frontend</a:t>
+            </a:r>
+            <a:endParaRPr lang="es-ES" sz="2800" kern="1200" spc="-1" dirty="0" smtClean="0">
+              <a:solidFill>
+                <a:srgbClr val="D26785"/>
+              </a:solidFill>
+              <a:latin typeface="Century Gothic"/>
+              <a:ea typeface="+mn-ea"/>
+              <a:cs typeface="+mn-cs"/>
+            </a:endParaRPr>
+          </a:p>
+          <a:p>
+            <a:endParaRPr lang="es-ES" sz="2800" kern="1200" spc="-1" dirty="0" smtClean="0">
+              <a:solidFill>
+                <a:srgbClr val="D26785"/>
+              </a:solidFill>
+              <a:latin typeface="Century Gothic"/>
+              <a:ea typeface="+mn-ea"/>
+              <a:cs typeface="+mn-cs"/>
+            </a:endParaRPr>
+          </a:p>
+          <a:p>
+            <a:pPr>
+              <a:buFont typeface="Arial" pitchFamily="34" charset="0"/>
+              <a:buChar char="•"/>
+            </a:pPr>
+            <a:r>
+              <a:rPr lang="es-ES" sz="2800" kern="1200" spc="-1" dirty="0" smtClean="0">
+                <a:solidFill>
+                  <a:srgbClr val="D26785"/>
+                </a:solidFill>
+                <a:latin typeface="Century Gothic"/>
+                <a:ea typeface="+mn-ea"/>
+                <a:cs typeface="+mn-cs"/>
+              </a:rPr>
+              <a:t> Llamadas a </a:t>
+            </a:r>
+            <a:r>
+              <a:rPr lang="es-ES" sz="2800" kern="1200" spc="-1" dirty="0" err="1" smtClean="0">
+                <a:solidFill>
+                  <a:srgbClr val="D26785"/>
+                </a:solidFill>
+                <a:latin typeface="Century Gothic"/>
+                <a:ea typeface="+mn-ea"/>
+                <a:cs typeface="+mn-cs"/>
+              </a:rPr>
+              <a:t>Ajax</a:t>
+            </a:r>
+            <a:endParaRPr lang="es-ES" sz="2800" kern="1200" spc="-1" dirty="0" smtClean="0">
+              <a:solidFill>
+                <a:srgbClr val="D26785"/>
+              </a:solidFill>
+              <a:latin typeface="Century Gothic"/>
+              <a:ea typeface="+mn-ea"/>
+              <a:cs typeface="+mn-cs"/>
+            </a:endParaRPr>
+          </a:p>
+          <a:p>
+            <a:pPr>
+              <a:buFont typeface="Arial" pitchFamily="34" charset="0"/>
+              <a:buChar char="•"/>
+            </a:pPr>
+            <a:r>
+              <a:rPr lang="es-ES" sz="2800" kern="1200" spc="-1" dirty="0">
+                <a:solidFill>
+                  <a:srgbClr val="D26785"/>
+                </a:solidFill>
+                <a:latin typeface="Century Gothic"/>
+                <a:ea typeface="+mn-ea"/>
+                <a:cs typeface="+mn-cs"/>
+              </a:rPr>
+              <a:t> </a:t>
+            </a:r>
+            <a:r>
+              <a:rPr lang="es-ES" sz="2800" kern="1200" spc="-1" dirty="0" smtClean="0">
+                <a:solidFill>
+                  <a:srgbClr val="D26785"/>
+                </a:solidFill>
+                <a:latin typeface="Century Gothic"/>
+                <a:ea typeface="+mn-ea"/>
+                <a:cs typeface="+mn-cs"/>
+              </a:rPr>
+              <a:t>Objeto Chart.js</a:t>
+            </a:r>
+          </a:p>
+          <a:p>
+            <a:pPr>
+              <a:buFont typeface="Arial" pitchFamily="34" charset="0"/>
+              <a:buChar char="•"/>
+            </a:pPr>
+            <a:r>
+              <a:rPr lang="es-ES" sz="2800" kern="1200" spc="-1" dirty="0">
+                <a:solidFill>
+                  <a:srgbClr val="D26785"/>
+                </a:solidFill>
+                <a:latin typeface="Century Gothic"/>
+                <a:ea typeface="+mn-ea"/>
+                <a:cs typeface="+mn-cs"/>
+              </a:rPr>
+              <a:t> </a:t>
+            </a:r>
+            <a:r>
+              <a:rPr lang="es-ES" sz="2800" kern="1200" spc="-1" dirty="0" smtClean="0">
+                <a:solidFill>
+                  <a:srgbClr val="D26785"/>
+                </a:solidFill>
+                <a:latin typeface="Century Gothic"/>
+                <a:ea typeface="+mn-ea"/>
+                <a:cs typeface="+mn-cs"/>
+              </a:rPr>
+              <a:t>Versiones </a:t>
+            </a:r>
+            <a:r>
+              <a:rPr lang="es-ES" sz="2800" kern="1200" spc="-1" dirty="0" err="1" smtClean="0">
+                <a:solidFill>
+                  <a:srgbClr val="D26785"/>
+                </a:solidFill>
+                <a:latin typeface="Century Gothic"/>
+                <a:ea typeface="+mn-ea"/>
+                <a:cs typeface="+mn-cs"/>
+              </a:rPr>
+              <a:t>Bootstrap</a:t>
+            </a:r>
+            <a:endParaRPr lang="es-ES" sz="2800" kern="1200" spc="-1" dirty="0" smtClean="0">
+              <a:solidFill>
+                <a:srgbClr val="D26785"/>
+              </a:solidFill>
+              <a:latin typeface="Century Gothic"/>
+              <a:ea typeface="+mn-ea"/>
+              <a:cs typeface="+mn-cs"/>
+            </a:endParaRPr>
+          </a:p>
+          <a:p>
+            <a:endParaRPr lang="es-ES" sz="2800" kern="1200" spc="-1" dirty="0" smtClean="0">
+              <a:solidFill>
+                <a:srgbClr val="D26785"/>
+              </a:solidFill>
+              <a:latin typeface="Century Gothic"/>
+              <a:ea typeface="+mn-ea"/>
+              <a:cs typeface="+mn-cs"/>
+            </a:endParaRPr>
+          </a:p>
+          <a:p>
+            <a:pPr>
+              <a:buFont typeface="Arial" pitchFamily="34" charset="0"/>
+              <a:buChar char="•"/>
+            </a:pPr>
+            <a:endParaRPr lang="es-ES" sz="2800" kern="1200" spc="-1" dirty="0" smtClean="0">
+              <a:solidFill>
+                <a:srgbClr val="D26785"/>
+              </a:solidFill>
+              <a:latin typeface="Century Gothic"/>
+              <a:ea typeface="+mn-ea"/>
+              <a:cs typeface="+mn-cs"/>
+            </a:endParaRPr>
+          </a:p>
+          <a:p>
+            <a:pPr>
+              <a:buFont typeface="Arial" pitchFamily="34" charset="0"/>
+              <a:buChar char="•"/>
+            </a:pPr>
+            <a:endParaRPr lang="es-ES" sz="2800" kern="1200" spc="-1" dirty="0">
+              <a:solidFill>
+                <a:srgbClr val="D26785"/>
+              </a:solidFill>
+              <a:latin typeface="Century Gothic"/>
+              <a:ea typeface="+mn-ea"/>
+              <a:cs typeface="+mn-cs"/>
+            </a:endParaRPr>
+          </a:p>
+        </p:txBody>
+      </p:sp>
+      <p:sp>
+        <p:nvSpPr>
+          <p:cNvPr id="6" name="5 Marcador de texto"/>
+          <p:cNvSpPr>
+            <a:spLocks noGrp="1"/>
+          </p:cNvSpPr>
+          <p:nvPr>
+            <p:ph type="body"/>
+          </p:nvPr>
+        </p:nvSpPr>
+        <p:spPr>
+          <a:xfrm>
+            <a:off x="357158" y="4714884"/>
+            <a:ext cx="8229240" cy="1285884"/>
+          </a:xfrm>
+        </p:spPr>
+        <p:txBody>
+          <a:bodyPr/>
+          <a:lstStyle/>
+          <a:p>
+            <a:r>
+              <a:rPr lang="es-ES" sz="2800" b="1" kern="1200" spc="-1" dirty="0" smtClean="0">
+                <a:solidFill>
+                  <a:srgbClr val="D26785"/>
+                </a:solidFill>
+                <a:latin typeface="Century Gothic"/>
+                <a:ea typeface="+mn-ea"/>
+                <a:cs typeface="+mn-cs"/>
+              </a:rPr>
+              <a:t>Despliegue</a:t>
+            </a:r>
+          </a:p>
+          <a:p>
+            <a:r>
+              <a:rPr lang="es-ES" sz="2800" kern="1200" spc="-1" dirty="0" err="1">
+                <a:solidFill>
+                  <a:srgbClr val="D26785"/>
+                </a:solidFill>
+                <a:latin typeface="Century Gothic"/>
+                <a:ea typeface="+mn-ea"/>
+                <a:cs typeface="+mn-cs"/>
+              </a:rPr>
+              <a:t>Vercel</a:t>
+            </a:r>
+            <a:r>
+              <a:rPr lang="es-ES" sz="2800" kern="1200" spc="-1" dirty="0" smtClean="0">
+                <a:solidFill>
+                  <a:srgbClr val="D26785"/>
+                </a:solidFill>
+                <a:latin typeface="Century Gothic"/>
+                <a:ea typeface="+mn-ea"/>
+                <a:cs typeface="+mn-cs"/>
+              </a:rPr>
+              <a:t> despliega sólo sobre </a:t>
+            </a:r>
+            <a:r>
+              <a:rPr lang="es-ES" sz="2800" kern="1200" spc="-1" dirty="0" err="1" smtClean="0">
+                <a:solidFill>
+                  <a:srgbClr val="D26785"/>
+                </a:solidFill>
+                <a:latin typeface="Century Gothic"/>
+                <a:ea typeface="+mn-ea"/>
+                <a:cs typeface="+mn-cs"/>
+              </a:rPr>
+              <a:t>main</a:t>
+            </a:r>
+            <a:r>
+              <a:rPr lang="es-ES" sz="2800" kern="1200" spc="-1" dirty="0" smtClean="0">
+                <a:solidFill>
+                  <a:srgbClr val="D26785"/>
+                </a:solidFill>
+                <a:latin typeface="Century Gothic"/>
+                <a:ea typeface="+mn-ea"/>
+                <a:cs typeface="+mn-cs"/>
+              </a:rPr>
+              <a:t>.</a:t>
+            </a:r>
+          </a:p>
+          <a:p>
+            <a:endParaRPr lang="es-ES" sz="2800" kern="1200" spc="-1" dirty="0" smtClean="0">
+              <a:solidFill>
+                <a:srgbClr val="D26785"/>
+              </a:solidFill>
+              <a:latin typeface="Century Gothic"/>
+              <a:ea typeface="+mn-ea"/>
+              <a:cs typeface="+mn-cs"/>
+            </a:endParaRPr>
+          </a:p>
+          <a:p>
+            <a:endParaRPr lang="es-ES" sz="2800" kern="1200" spc="-1" dirty="0" smtClean="0">
+              <a:solidFill>
+                <a:srgbClr val="D26785"/>
+              </a:solidFill>
+              <a:latin typeface="Century Gothic"/>
+              <a:ea typeface="+mn-ea"/>
+              <a:cs typeface="+mn-cs"/>
+            </a:endParaRPr>
+          </a:p>
+          <a:p>
+            <a:endParaRPr lang="es-ES" sz="2800" kern="1200" spc="-1" dirty="0">
+              <a:solidFill>
+                <a:srgbClr val="D26785"/>
+              </a:solidFill>
+              <a:latin typeface="Century Gothic"/>
+              <a:ea typeface="+mn-ea"/>
+              <a:cs typeface="+mn-cs"/>
+            </a:endParaRPr>
+          </a:p>
+        </p:txBody>
+      </p:sp>
+      <p:sp>
+        <p:nvSpPr>
+          <p:cNvPr id="2" name="1 Título"/>
+          <p:cNvSpPr>
+            <a:spLocks noGrp="1"/>
+          </p:cNvSpPr>
+          <p:nvPr>
+            <p:ph type="title"/>
+          </p:nvPr>
+        </p:nvSpPr>
+        <p:spPr>
+          <a:xfrm>
+            <a:off x="457200" y="267480"/>
+            <a:ext cx="8229240" cy="646331"/>
+          </a:xfrm>
+        </p:spPr>
+        <p:txBody>
+          <a:bodyPr/>
+          <a:lstStyle/>
+          <a:p>
+            <a:pPr algn="ctr"/>
+            <a:r>
+              <a:rPr lang="es-ES" sz="4200" kern="1200" spc="-1" dirty="0" err="1">
+                <a:solidFill>
+                  <a:srgbClr val="D26785"/>
+                </a:solidFill>
+                <a:latin typeface="Century Gothic"/>
+                <a:ea typeface="+mn-ea"/>
+                <a:cs typeface="+mn-cs"/>
+              </a:rPr>
+              <a:t>Dificulatades</a:t>
+            </a:r>
+            <a:r>
+              <a:rPr lang="es-ES" dirty="0" smtClean="0"/>
+              <a:t>  </a:t>
+            </a:r>
+            <a:r>
+              <a:rPr lang="es-ES" sz="4200" kern="1200" spc="-1" dirty="0" smtClean="0">
+                <a:solidFill>
+                  <a:srgbClr val="D26785"/>
+                </a:solidFill>
+                <a:latin typeface="Century Gothic"/>
+                <a:ea typeface="+mn-ea"/>
+                <a:cs typeface="+mn-cs"/>
+              </a:rPr>
+              <a:t>encontradas</a:t>
+            </a:r>
+            <a:endParaRPr lang="es-ES" sz="4200" kern="1200" spc="-1" dirty="0">
+              <a:solidFill>
+                <a:srgbClr val="D26785"/>
+              </a:solidFill>
+              <a:latin typeface="Century Gothic"/>
+              <a:ea typeface="+mn-ea"/>
+              <a:cs typeface="+mn-cs"/>
+            </a:endParaRPr>
+          </a:p>
+        </p:txBody>
+      </p:sp>
+    </p:spTree>
+  </p:cSld>
+  <p:clrMapOvr>
+    <a:masterClrMapping/>
+  </p:clrMapOvr>
+</p:sld>
+</file>
+
+<file path=ppt/slides/slide11.xml><?xml version="1.0" encoding="utf-8"?>
+<p:sld xmlns:a="http://schemas.openxmlformats.org/drawingml/2006/main" xmlns:r="http://schemas.openxmlformats.org/officeDocument/2006/relationships" xmlns:p="http://schemas.openxmlformats.org/presentationml/2006/main">
+  <p:cSld>
+    <p:spTree>
+      <p:nvGrpSpPr>
+        <p:cNvPr id="1" name=""/>
+        <p:cNvGrpSpPr/>
+        <p:nvPr/>
+      </p:nvGrpSpPr>
+      <p:grpSpPr>
+        <a:xfrm>
+          <a:off x="0" y="0"/>
+          <a:ext cx="0" cy="0"/>
+          <a:chOff x="0" y="0"/>
+          <a:chExt cx="0" cy="0"/>
+        </a:xfrm>
+      </p:grpSpPr>
+      <p:sp>
+        <p:nvSpPr>
+          <p:cNvPr id="4" name="3 Marcador de texto"/>
+          <p:cNvSpPr>
+            <a:spLocks noGrp="1"/>
+          </p:cNvSpPr>
+          <p:nvPr>
+            <p:ph type="body"/>
+          </p:nvPr>
+        </p:nvSpPr>
+        <p:spPr>
+          <a:xfrm>
             <a:off x="500034" y="2928934"/>
             <a:ext cx="4015800" cy="2714644"/>
           </a:xfrm>
@@ -5046,7 +5593,7 @@
     <a:masterClrMapping/>
   </p:clrMapOvr>
   <mc:AlternateContent xmlns:mc="http://schemas.openxmlformats.org/markup-compatibility/2006">
-    <mc:Choice xmlns:p15="http://schemas.microsoft.com/office/powerpoint/2012/main" xmlns:p14="http://schemas.microsoft.com/office/powerpoint/2010/main" xmlns="" Requires="p14">
+    <mc:Choice xmlns="" xmlns:p14="http://schemas.microsoft.com/office/powerpoint/2010/main" xmlns:p15="http://schemas.microsoft.com/office/powerpoint/2012/main" Requires="p14">
       <p:transition spd="slow" p14:dur="2000"/>
     </mc:Choice>
     <mc:Fallback>
@@ -5173,7 +5720,41 @@
                 </a:solidFill>
                 <a:latin typeface="Century Gothic"/>
               </a:rPr>
-              <a:t>Fácil mantenimiento: </a:t>
+              <a:t>Desarrollo centralizado pero no monolítico</a:t>
+            </a:r>
+          </a:p>
+          <a:p>
+            <a:pPr marL="448200" indent="-383760">
+              <a:lnSpc>
+                <a:spcPct val="100000"/>
+              </a:lnSpc>
+              <a:spcBef>
+                <a:spcPts val="601"/>
+              </a:spcBef>
+              <a:buClr>
+                <a:srgbClr val="FF388C"/>
+              </a:buClr>
+              <a:buSzPct val="80000"/>
+              <a:buFont typeface="Wingdings 2" charset="2"/>
+              <a:buChar char=""/>
+            </a:pPr>
+            <a:r>
+              <a:rPr lang="es-ES" sz="2800" spc="-1" dirty="0" smtClean="0">
+                <a:solidFill>
+                  <a:srgbClr val="D26785"/>
+                </a:solidFill>
+                <a:latin typeface="Century Gothic"/>
+              </a:rPr>
+              <a:t>Fácil </a:t>
+            </a:r>
+            <a:r>
+              <a:rPr lang="es-ES" sz="2800" spc="-1" dirty="0" smtClean="0">
+                <a:solidFill>
+                  <a:srgbClr val="D26785"/>
+                </a:solidFill>
+                <a:latin typeface="Century Gothic"/>
+              </a:rPr>
+              <a:t>mantenimiento: </a:t>
             </a:r>
             <a:r>
               <a:rPr lang="es-ES" sz="2800" spc="-1" dirty="0" err="1" smtClean="0">
@@ -5731,7 +6312,7 @@
     <a:masterClrMapping/>
   </p:clrMapOvr>
   <mc:AlternateContent xmlns:mc="http://schemas.openxmlformats.org/markup-compatibility/2006">
-    <mc:Choice xmlns:p15="http://schemas.microsoft.com/office/powerpoint/2012/main" xmlns:p14="http://schemas.microsoft.com/office/powerpoint/2010/main" xmlns="" Requires="p14">
+    <mc:Choice xmlns="" xmlns:p14="http://schemas.microsoft.com/office/powerpoint/2010/main" xmlns:p15="http://schemas.microsoft.com/office/powerpoint/2012/main" Requires="p14">
       <p:transition spd="slow" p14:dur="2000"/>
     </mc:Choice>
     <mc:Fallback>
@@ -5835,7 +6416,7 @@
     <a:masterClrMapping/>
   </p:clrMapOvr>
   <mc:AlternateContent xmlns:mc="http://schemas.openxmlformats.org/markup-compatibility/2006">
-    <mc:Choice xmlns:p15="http://schemas.microsoft.com/office/powerpoint/2012/main" xmlns:p14="http://schemas.microsoft.com/office/powerpoint/2010/main" xmlns="" Requires="p14">
+    <mc:Choice xmlns="" xmlns:p14="http://schemas.microsoft.com/office/powerpoint/2010/main" xmlns:p15="http://schemas.microsoft.com/office/powerpoint/2012/main" Requires="p14">
       <p:transition spd="slow" p14:dur="2000"/>
     </mc:Choice>
     <mc:Fallback>
@@ -5935,7 +6516,7 @@
     <a:masterClrMapping/>
   </p:clrMapOvr>
   <mc:AlternateContent xmlns:mc="http://schemas.openxmlformats.org/markup-compatibility/2006">
-    <mc:Choice xmlns:p15="http://schemas.microsoft.com/office/powerpoint/2012/main" xmlns:p14="http://schemas.microsoft.com/office/powerpoint/2010/main" xmlns="" Requires="p14">
+    <mc:Choice xmlns="" xmlns:p14="http://schemas.microsoft.com/office/powerpoint/2010/main" xmlns:p15="http://schemas.microsoft.com/office/powerpoint/2012/main" Requires="p14">
       <p:transition spd="slow" p14:dur="2000"/>
     </mc:Choice>
     <mc:Fallback>
@@ -5982,6 +6563,7 @@
           <a:bodyPr/>
           <a:lstStyle/>
           <a:p>
+            <a:pPr algn="ctr"/>
             <a:r>
               <a:rPr lang="es-ES" sz="4200" kern="1200" spc="-1" dirty="0">
                 <a:solidFill>
@@ -5993,14 +6575,6 @@
               </a:rPr>
               <a:t>Programación</a:t>
             </a:r>
-            <a:endParaRPr lang="es-ES" sz="4200" kern="1200" spc="-1" dirty="0">
-              <a:solidFill>
-                <a:srgbClr val="D26785"/>
-              </a:solidFill>
-              <a:latin typeface="Century Gothic"/>
-              <a:ea typeface="+mn-ea"/>
-              <a:cs typeface="+mn-cs"/>
-            </a:endParaRPr>
           </a:p>
         </p:txBody>
       </p:sp>
@@ -6015,6 +6589,10 @@
           </p:nvPr>
         </p:nvSpPr>
         <p:spPr>
+          <a:xfrm>
+            <a:off x="571472" y="1928802"/>
+            <a:ext cx="8229240" cy="2857520"/>
+          </a:xfrm>
           <a:prstGeom prst="rect">
             <a:avLst/>
           </a:prstGeom>
@@ -6114,12 +6692,6 @@
               </a:rPr>
               <a:t>Arquitectura de clases</a:t>
             </a:r>
-            <a:endParaRPr lang="es-ES" sz="2800" spc="-1" dirty="0" smtClean="0">
-              <a:solidFill>
-                <a:srgbClr val="D26785"/>
-              </a:solidFill>
-              <a:latin typeface="Century Gothic"/>
-            </a:endParaRPr>
           </a:p>
           <a:p>
             <a:pPr marL="448200" indent="-383760">
@@ -6146,7 +6718,7 @@
               <a:t>Pruebas: </a:t>
             </a:r>
             <a:r>
-              <a:rPr lang="es-ES" sz="2800" spc="-1" smtClean="0">
+              <a:rPr lang="es-ES" sz="2800" spc="-1" dirty="0" err="1" smtClean="0">
                 <a:solidFill>
                   <a:srgbClr val="D26785"/>
                 </a:solidFill>
@@ -6154,26 +6726,6 @@
               </a:rPr>
               <a:t>Postman</a:t>
             </a:r>
-            <a:endParaRPr lang="es-ES" sz="2800" spc="-1" dirty="0">
-              <a:solidFill>
-                <a:srgbClr val="D26785"/>
-              </a:solidFill>
-              <a:latin typeface="Century Gothic"/>
-            </a:endParaRPr>
-          </a:p>
-          <a:p>
-            <a:pPr marL="448200" indent="-383760">
-              <a:lnSpc>
-                <a:spcPct val="100000"/>
-              </a:lnSpc>
-              <a:spcBef>
-                <a:spcPts val="601"/>
-              </a:spcBef>
-              <a:buClr>
-                <a:srgbClr val="FF388C"/>
-              </a:buClr>
-              <a:buSzPct val="80000"/>
-            </a:pPr>
             <a:endParaRPr lang="es-ES" sz="2800" spc="-1" dirty="0">
               <a:solidFill>
                 <a:srgbClr val="D26785"/>
@@ -6226,28 +6778,27 @@
       </p:grpSpPr>
       <p:sp>
         <p:nvSpPr>
-          <p:cNvPr id="4" name="3 Marcador de texto"/>
-          <p:cNvSpPr>
-            <a:spLocks noGrp="1"/>
-          </p:cNvSpPr>
-          <p:nvPr>
-            <p:ph type="body"/>
-          </p:nvPr>
-        </p:nvSpPr>
-        <p:spPr>
-          <a:xfrm>
-            <a:off x="500034" y="1571612"/>
-            <a:ext cx="4015800" cy="2714644"/>
-          </a:xfrm>
-        </p:spPr>
-        <p:txBody>
-          <a:bodyPr>
-            <a:normAutofit lnSpcReduction="10000"/>
-          </a:bodyPr>
-          <a:lstStyle/>
-          <a:p>
-            <a:r>
-              <a:rPr lang="es-ES" sz="2800" b="1" kern="1200" spc="-1" dirty="0" err="1" smtClean="0">
+          <p:cNvPr id="2" name="1 Título"/>
+          <p:cNvSpPr>
+            <a:spLocks noGrp="1"/>
+          </p:cNvSpPr>
+          <p:nvPr>
+            <p:ph type="title"/>
+          </p:nvPr>
+        </p:nvSpPr>
+        <p:spPr>
+          <a:xfrm>
+            <a:off x="457200" y="267480"/>
+            <a:ext cx="8229240" cy="646331"/>
+          </a:xfrm>
+        </p:spPr>
+        <p:txBody>
+          <a:bodyPr/>
+          <a:lstStyle/>
+          <a:p>
+            <a:pPr algn="ctr"/>
+            <a:r>
+              <a:rPr lang="es-ES" sz="4200" kern="1200" spc="-1" dirty="0" smtClean="0">
                 <a:solidFill>
                   <a:srgbClr val="D26785"/>
                 </a:solidFill>
@@ -6255,9 +6806,9 @@
                 <a:ea typeface="+mn-ea"/>
                 <a:cs typeface="+mn-cs"/>
               </a:rPr>
-              <a:t>Backend</a:t>
-            </a:r>
-            <a:endParaRPr lang="es-ES" sz="2800" b="1" kern="1200" spc="-1" dirty="0" smtClean="0">
+              <a:t>Desarrollo web</a:t>
+            </a:r>
+            <a:endParaRPr lang="es-ES" sz="4200" kern="1200" spc="-1" dirty="0">
               <a:solidFill>
                 <a:srgbClr val="D26785"/>
               </a:solidFill>
@@ -6266,481 +6817,210 @@
               <a:cs typeface="+mn-cs"/>
             </a:endParaRPr>
           </a:p>
-          <a:p>
-            <a:endParaRPr lang="es-ES" sz="2800" kern="1200" spc="-1" dirty="0" smtClean="0">
+        </p:txBody>
+      </p:sp>
+      <p:sp>
+        <p:nvSpPr>
+          <p:cNvPr id="4" name="TextShape 2"/>
+          <p:cNvSpPr txBox="1">
+            <a:spLocks noGrp="1"/>
+          </p:cNvSpPr>
+          <p:nvPr>
+            <p:ph type="subTitle"/>
+          </p:nvPr>
+        </p:nvSpPr>
+        <p:spPr>
+          <a:xfrm>
+            <a:off x="571472" y="1928802"/>
+            <a:ext cx="8229240" cy="2857520"/>
+          </a:xfrm>
+          <a:prstGeom prst="rect">
+            <a:avLst/>
+          </a:prstGeom>
+          <a:noFill/>
+          <a:ln>
+            <a:noFill/>
+          </a:ln>
+        </p:spPr>
+        <p:txBody>
+          <a:bodyPr lIns="90000" tIns="45000" rIns="90000" bIns="45000">
+            <a:noAutofit/>
+          </a:bodyPr>
+          <a:lstStyle/>
+          <a:p>
+            <a:pPr marL="448200" indent="-383760">
+              <a:lnSpc>
+                <a:spcPct val="100000"/>
+              </a:lnSpc>
+              <a:spcBef>
+                <a:spcPts val="601"/>
+              </a:spcBef>
+              <a:buClr>
+                <a:srgbClr val="FF388C"/>
+              </a:buClr>
+              <a:buSzPct val="80000"/>
+              <a:buFont typeface="Wingdings 2" charset="2"/>
+              <a:buChar char=""/>
+            </a:pPr>
+            <a:r>
+              <a:rPr lang="es-ES" sz="2800" spc="-1" dirty="0" smtClean="0">
+                <a:solidFill>
+                  <a:srgbClr val="D26785"/>
+                </a:solidFill>
+                <a:latin typeface="Century Gothic"/>
+              </a:rPr>
+              <a:t>Sitio web: </a:t>
+            </a:r>
+            <a:r>
+              <a:rPr lang="es-ES" sz="2800" spc="-1" dirty="0" err="1" smtClean="0">
+                <a:solidFill>
+                  <a:srgbClr val="D26785"/>
+                </a:solidFill>
+                <a:latin typeface="Century Gothic"/>
+              </a:rPr>
+              <a:t>llamdas</a:t>
+            </a:r>
+            <a:r>
+              <a:rPr lang="es-ES" sz="2800" spc="-1" dirty="0" smtClean="0">
+                <a:solidFill>
+                  <a:srgbClr val="D26785"/>
+                </a:solidFill>
+                <a:latin typeface="Century Gothic"/>
+              </a:rPr>
+              <a:t> a la API</a:t>
+            </a:r>
+            <a:endParaRPr lang="es-ES" sz="2800" spc="-1" dirty="0">
               <a:solidFill>
                 <a:srgbClr val="D26785"/>
               </a:solidFill>
               <a:latin typeface="Century Gothic"/>
-              <a:ea typeface="+mn-ea"/>
-              <a:cs typeface="+mn-cs"/>
+            </a:endParaRPr>
+          </a:p>
+          <a:p>
+            <a:pPr marL="448200" indent="-383760">
+              <a:lnSpc>
+                <a:spcPct val="100000"/>
+              </a:lnSpc>
+              <a:spcBef>
+                <a:spcPts val="601"/>
+              </a:spcBef>
+              <a:buClr>
+                <a:srgbClr val="FF388C"/>
+              </a:buClr>
+              <a:buSzPct val="80000"/>
+              <a:buFont typeface="Wingdings 2" charset="2"/>
+              <a:buChar char=""/>
+            </a:pPr>
+            <a:r>
+              <a:rPr lang="es-ES" sz="2800" spc="-1" dirty="0" smtClean="0">
+                <a:solidFill>
+                  <a:srgbClr val="D26785"/>
+                </a:solidFill>
+                <a:latin typeface="Century Gothic"/>
+              </a:rPr>
+              <a:t>Maquetación</a:t>
+            </a:r>
+            <a:endParaRPr lang="es-ES" sz="2800" spc="-1" dirty="0">
+              <a:solidFill>
+                <a:srgbClr val="D26785"/>
+              </a:solidFill>
+              <a:latin typeface="Century Gothic"/>
+            </a:endParaRPr>
+          </a:p>
+          <a:p>
+            <a:pPr marL="448200" indent="-383760">
+              <a:lnSpc>
+                <a:spcPct val="100000"/>
+              </a:lnSpc>
+              <a:spcBef>
+                <a:spcPts val="601"/>
+              </a:spcBef>
+              <a:buClr>
+                <a:srgbClr val="FF388C"/>
+              </a:buClr>
+              <a:buSzPct val="80000"/>
+              <a:buFont typeface="Wingdings 2" charset="2"/>
+              <a:buChar char=""/>
+            </a:pPr>
+            <a:r>
+              <a:rPr lang="es-ES" sz="2800" spc="-1" dirty="0" smtClean="0">
+                <a:solidFill>
+                  <a:srgbClr val="D26785"/>
+                </a:solidFill>
+                <a:latin typeface="Century Gothic"/>
+              </a:rPr>
+              <a:t>Estilo: </a:t>
+            </a:r>
+            <a:r>
+              <a:rPr lang="es-ES" sz="2800" spc="-1" smtClean="0">
+                <a:solidFill>
+                  <a:srgbClr val="D26785"/>
+                </a:solidFill>
+                <a:latin typeface="Century Gothic"/>
+              </a:rPr>
+              <a:t>bootstrap</a:t>
+            </a:r>
+            <a:endParaRPr lang="es-ES" sz="2800" spc="-1" dirty="0" smtClean="0">
+              <a:solidFill>
+                <a:srgbClr val="D26785"/>
+              </a:solidFill>
+              <a:latin typeface="Century Gothic"/>
+            </a:endParaRPr>
+          </a:p>
+          <a:p>
+            <a:pPr marL="448200" indent="-383760">
+              <a:lnSpc>
+                <a:spcPct val="100000"/>
+              </a:lnSpc>
+              <a:spcBef>
+                <a:spcPts val="601"/>
+              </a:spcBef>
+              <a:buClr>
+                <a:srgbClr val="FF388C"/>
+              </a:buClr>
+              <a:buSzPct val="80000"/>
+              <a:buFont typeface="Wingdings 2" charset="2"/>
+              <a:buChar char=""/>
+            </a:pPr>
+            <a:r>
+              <a:rPr lang="es-ES" sz="2800" spc="-1" dirty="0" smtClean="0">
+                <a:solidFill>
+                  <a:srgbClr val="D26785"/>
+                </a:solidFill>
+                <a:latin typeface="Century Gothic"/>
+              </a:rPr>
+              <a:t>Pruebas: </a:t>
+            </a:r>
+            <a:r>
+              <a:rPr lang="es-ES" sz="2800" spc="-1" dirty="0" err="1" smtClean="0">
+                <a:solidFill>
+                  <a:srgbClr val="D26785"/>
+                </a:solidFill>
+                <a:latin typeface="Century Gothic"/>
+              </a:rPr>
+              <a:t>Postman</a:t>
+            </a:r>
+            <a:endParaRPr lang="es-ES" sz="2800" spc="-1" dirty="0">
+              <a:solidFill>
+                <a:srgbClr val="D26785"/>
+              </a:solidFill>
+              <a:latin typeface="Century Gothic"/>
             </a:endParaRPr>
           </a:p>
           <a:p>
             <a:pPr>
-              <a:buFont typeface="Arial" pitchFamily="34" charset="0"/>
-              <a:buChar char="•"/>
+              <a:lnSpc>
+                <a:spcPct val="100000"/>
+              </a:lnSpc>
+              <a:spcBef>
+                <a:spcPts val="601"/>
+              </a:spcBef>
             </a:pPr>
-            <a:r>
-              <a:rPr lang="es-ES" sz="2800" kern="1200" spc="-1" dirty="0">
-                <a:solidFill>
-                  <a:srgbClr val="D26785"/>
-                </a:solidFill>
-                <a:latin typeface="Century Gothic"/>
-                <a:ea typeface="+mn-ea"/>
-                <a:cs typeface="+mn-cs"/>
-              </a:rPr>
-              <a:t> </a:t>
-            </a:r>
-            <a:r>
-              <a:rPr lang="es-ES" sz="2800" kern="1200" spc="-1" dirty="0" smtClean="0">
-                <a:solidFill>
-                  <a:srgbClr val="D26785"/>
-                </a:solidFill>
-                <a:latin typeface="Century Gothic"/>
-                <a:ea typeface="+mn-ea"/>
-                <a:cs typeface="+mn-cs"/>
-              </a:rPr>
-              <a:t>Transacciones Spring</a:t>
-            </a:r>
-          </a:p>
-          <a:p>
-            <a:pPr>
-              <a:buFont typeface="Arial" pitchFamily="34" charset="0"/>
-              <a:buChar char="•"/>
-            </a:pPr>
-            <a:r>
-              <a:rPr lang="es-ES" sz="2800" kern="1200" spc="-1" dirty="0">
-                <a:solidFill>
-                  <a:srgbClr val="D26785"/>
-                </a:solidFill>
-                <a:latin typeface="Century Gothic"/>
-                <a:ea typeface="+mn-ea"/>
-                <a:cs typeface="+mn-cs"/>
-              </a:rPr>
-              <a:t> </a:t>
-            </a:r>
-            <a:r>
-              <a:rPr lang="es-ES" sz="2800" kern="1200" spc="-1" dirty="0" smtClean="0">
-                <a:solidFill>
-                  <a:srgbClr val="D26785"/>
-                </a:solidFill>
-                <a:latin typeface="Century Gothic"/>
-                <a:ea typeface="+mn-ea"/>
-                <a:cs typeface="+mn-cs"/>
-              </a:rPr>
-              <a:t>Clases Id (clave)</a:t>
-            </a:r>
-          </a:p>
-          <a:p>
-            <a:pPr>
-              <a:buFont typeface="Arial" pitchFamily="34" charset="0"/>
-              <a:buChar char="•"/>
-            </a:pPr>
-            <a:r>
-              <a:rPr lang="es-ES" sz="2800" kern="1200" spc="-1" dirty="0" smtClean="0">
-                <a:solidFill>
-                  <a:srgbClr val="D26785"/>
-                </a:solidFill>
-                <a:latin typeface="Century Gothic"/>
-                <a:ea typeface="+mn-ea"/>
-                <a:cs typeface="+mn-cs"/>
-              </a:rPr>
-              <a:t> Formato de fechas</a:t>
-            </a:r>
-          </a:p>
-          <a:p>
-            <a:pPr>
-              <a:buFont typeface="Arial" pitchFamily="34" charset="0"/>
-              <a:buChar char="•"/>
-            </a:pPr>
-            <a:r>
-              <a:rPr lang="es-ES" sz="2800" kern="1200" spc="-1" dirty="0" smtClean="0">
-                <a:solidFill>
-                  <a:srgbClr val="D26785"/>
-                </a:solidFill>
-                <a:latin typeface="Century Gothic"/>
-                <a:ea typeface="+mn-ea"/>
-                <a:cs typeface="+mn-cs"/>
-              </a:rPr>
-              <a:t> Carga inicial de datos</a:t>
-            </a:r>
-            <a:endParaRPr lang="es-ES" sz="2800" kern="1200" spc="-1" dirty="0">
-              <a:solidFill>
-                <a:srgbClr val="D26785"/>
-              </a:solidFill>
-              <a:latin typeface="Century Gothic"/>
-              <a:ea typeface="+mn-ea"/>
-              <a:cs typeface="+mn-cs"/>
-            </a:endParaRPr>
-          </a:p>
-        </p:txBody>
-      </p:sp>
-      <p:sp>
-        <p:nvSpPr>
-          <p:cNvPr id="5" name="4 Marcador de texto"/>
-          <p:cNvSpPr>
-            <a:spLocks noGrp="1"/>
-          </p:cNvSpPr>
-          <p:nvPr>
-            <p:ph type="body"/>
-          </p:nvPr>
-        </p:nvSpPr>
-        <p:spPr>
-          <a:xfrm>
-            <a:off x="4643438" y="1571612"/>
-            <a:ext cx="4015800" cy="2714644"/>
-          </a:xfrm>
-        </p:spPr>
-        <p:txBody>
-          <a:bodyPr/>
-          <a:lstStyle/>
-          <a:p>
-            <a:r>
-              <a:rPr lang="es-ES" sz="2800" b="1" kern="1200" spc="-1" dirty="0" err="1" smtClean="0">
-                <a:solidFill>
-                  <a:srgbClr val="D26785"/>
-                </a:solidFill>
-                <a:latin typeface="Century Gothic"/>
-                <a:ea typeface="+mn-ea"/>
-                <a:cs typeface="+mn-cs"/>
-              </a:rPr>
-              <a:t>Frontend</a:t>
-            </a:r>
-            <a:endParaRPr lang="es-ES" sz="2800" kern="1200" spc="-1" dirty="0" smtClean="0">
-              <a:solidFill>
-                <a:srgbClr val="D26785"/>
-              </a:solidFill>
-              <a:latin typeface="Century Gothic"/>
-              <a:ea typeface="+mn-ea"/>
-              <a:cs typeface="+mn-cs"/>
-            </a:endParaRPr>
-          </a:p>
-          <a:p>
-            <a:endParaRPr lang="es-ES" sz="2800" kern="1200" spc="-1" dirty="0" smtClean="0">
-              <a:solidFill>
-                <a:srgbClr val="D26785"/>
-              </a:solidFill>
-              <a:latin typeface="Century Gothic"/>
-              <a:ea typeface="+mn-ea"/>
-              <a:cs typeface="+mn-cs"/>
-            </a:endParaRPr>
-          </a:p>
-          <a:p>
-            <a:pPr>
-              <a:buFont typeface="Arial" pitchFamily="34" charset="0"/>
-              <a:buChar char="•"/>
-            </a:pPr>
-            <a:r>
-              <a:rPr lang="es-ES" sz="2800" kern="1200" spc="-1" dirty="0" smtClean="0">
-                <a:solidFill>
-                  <a:srgbClr val="D26785"/>
-                </a:solidFill>
-                <a:latin typeface="Century Gothic"/>
-                <a:ea typeface="+mn-ea"/>
-                <a:cs typeface="+mn-cs"/>
-              </a:rPr>
-              <a:t> Llamadas a </a:t>
-            </a:r>
-            <a:r>
-              <a:rPr lang="es-ES" sz="2800" kern="1200" spc="-1" dirty="0" err="1" smtClean="0">
-                <a:solidFill>
-                  <a:srgbClr val="D26785"/>
-                </a:solidFill>
-                <a:latin typeface="Century Gothic"/>
-                <a:ea typeface="+mn-ea"/>
-                <a:cs typeface="+mn-cs"/>
-              </a:rPr>
-              <a:t>Ajax</a:t>
-            </a:r>
-            <a:endParaRPr lang="es-ES" sz="2800" kern="1200" spc="-1" dirty="0" smtClean="0">
-              <a:solidFill>
-                <a:srgbClr val="D26785"/>
-              </a:solidFill>
-              <a:latin typeface="Century Gothic"/>
-              <a:ea typeface="+mn-ea"/>
-              <a:cs typeface="+mn-cs"/>
-            </a:endParaRPr>
-          </a:p>
-          <a:p>
-            <a:pPr>
-              <a:buFont typeface="Arial" pitchFamily="34" charset="0"/>
-              <a:buChar char="•"/>
-            </a:pPr>
-            <a:r>
-              <a:rPr lang="es-ES" sz="2800" kern="1200" spc="-1" dirty="0">
-                <a:solidFill>
-                  <a:srgbClr val="D26785"/>
-                </a:solidFill>
-                <a:latin typeface="Century Gothic"/>
-                <a:ea typeface="+mn-ea"/>
-                <a:cs typeface="+mn-cs"/>
-              </a:rPr>
-              <a:t> </a:t>
-            </a:r>
-            <a:r>
-              <a:rPr lang="es-ES" sz="2800" kern="1200" spc="-1" dirty="0" smtClean="0">
-                <a:solidFill>
-                  <a:srgbClr val="D26785"/>
-                </a:solidFill>
-                <a:latin typeface="Century Gothic"/>
-                <a:ea typeface="+mn-ea"/>
-                <a:cs typeface="+mn-cs"/>
-              </a:rPr>
-              <a:t>Objeto Chart.js</a:t>
-            </a:r>
-          </a:p>
-          <a:p>
-            <a:pPr>
-              <a:buFont typeface="Arial" pitchFamily="34" charset="0"/>
-              <a:buChar char="•"/>
-            </a:pPr>
-            <a:r>
-              <a:rPr lang="es-ES" sz="2800" kern="1200" spc="-1" dirty="0">
-                <a:solidFill>
-                  <a:srgbClr val="D26785"/>
-                </a:solidFill>
-                <a:latin typeface="Century Gothic"/>
-                <a:ea typeface="+mn-ea"/>
-                <a:cs typeface="+mn-cs"/>
-              </a:rPr>
-              <a:t> </a:t>
-            </a:r>
-            <a:r>
-              <a:rPr lang="es-ES" sz="2800" kern="1200" spc="-1" dirty="0" smtClean="0">
-                <a:solidFill>
-                  <a:srgbClr val="D26785"/>
-                </a:solidFill>
-                <a:latin typeface="Century Gothic"/>
-                <a:ea typeface="+mn-ea"/>
-                <a:cs typeface="+mn-cs"/>
-              </a:rPr>
-              <a:t>Versiones </a:t>
-            </a:r>
-            <a:r>
-              <a:rPr lang="es-ES" sz="2800" kern="1200" spc="-1" dirty="0" err="1" smtClean="0">
-                <a:solidFill>
-                  <a:srgbClr val="D26785"/>
-                </a:solidFill>
-                <a:latin typeface="Century Gothic"/>
-                <a:ea typeface="+mn-ea"/>
-                <a:cs typeface="+mn-cs"/>
-              </a:rPr>
-              <a:t>Bootstrap</a:t>
-            </a:r>
-            <a:endParaRPr lang="es-ES" sz="2800" kern="1200" spc="-1" dirty="0" smtClean="0">
-              <a:solidFill>
-                <a:srgbClr val="D26785"/>
-              </a:solidFill>
-              <a:latin typeface="Century Gothic"/>
-              <a:ea typeface="+mn-ea"/>
-              <a:cs typeface="+mn-cs"/>
-            </a:endParaRPr>
-          </a:p>
-          <a:p>
-            <a:endParaRPr lang="es-ES" sz="2800" kern="1200" spc="-1" dirty="0" smtClean="0">
-              <a:solidFill>
-                <a:srgbClr val="D26785"/>
-              </a:solidFill>
-              <a:latin typeface="Century Gothic"/>
-              <a:ea typeface="+mn-ea"/>
-              <a:cs typeface="+mn-cs"/>
-            </a:endParaRPr>
-          </a:p>
-          <a:p>
-            <a:pPr>
-              <a:buFont typeface="Arial" pitchFamily="34" charset="0"/>
-              <a:buChar char="•"/>
-            </a:pPr>
-            <a:endParaRPr lang="es-ES" sz="2800" kern="1200" spc="-1" dirty="0" smtClean="0">
-              <a:solidFill>
-                <a:srgbClr val="D26785"/>
-              </a:solidFill>
-              <a:latin typeface="Century Gothic"/>
-              <a:ea typeface="+mn-ea"/>
-              <a:cs typeface="+mn-cs"/>
-            </a:endParaRPr>
-          </a:p>
-          <a:p>
-            <a:pPr>
-              <a:buFont typeface="Arial" pitchFamily="34" charset="0"/>
-              <a:buChar char="•"/>
-            </a:pPr>
-            <a:endParaRPr lang="es-ES" sz="2800" kern="1200" spc="-1" dirty="0">
-              <a:solidFill>
-                <a:srgbClr val="D26785"/>
-              </a:solidFill>
-              <a:latin typeface="Century Gothic"/>
-              <a:ea typeface="+mn-ea"/>
-              <a:cs typeface="+mn-cs"/>
-            </a:endParaRPr>
-          </a:p>
-        </p:txBody>
-      </p:sp>
-      <p:sp>
-        <p:nvSpPr>
-          <p:cNvPr id="6" name="5 Marcador de texto"/>
-          <p:cNvSpPr>
-            <a:spLocks noGrp="1"/>
-          </p:cNvSpPr>
-          <p:nvPr>
-            <p:ph type="body"/>
-          </p:nvPr>
-        </p:nvSpPr>
-        <p:spPr>
-          <a:xfrm>
-            <a:off x="357158" y="4714884"/>
-            <a:ext cx="8229240" cy="1285884"/>
-          </a:xfrm>
-        </p:spPr>
-        <p:txBody>
-          <a:bodyPr/>
-          <a:lstStyle/>
-          <a:p>
-            <a:r>
-              <a:rPr lang="es-ES" sz="2800" b="1" kern="1200" spc="-1" dirty="0" smtClean="0">
-                <a:solidFill>
-                  <a:srgbClr val="D26785"/>
-                </a:solidFill>
-                <a:latin typeface="Century Gothic"/>
-                <a:ea typeface="+mn-ea"/>
-                <a:cs typeface="+mn-cs"/>
-              </a:rPr>
-              <a:t>Despliegue</a:t>
-            </a:r>
-          </a:p>
-          <a:p>
-            <a:r>
-              <a:rPr lang="es-ES" sz="2800" kern="1200" spc="-1" dirty="0" err="1">
-                <a:solidFill>
-                  <a:srgbClr val="D26785"/>
-                </a:solidFill>
-                <a:latin typeface="Century Gothic"/>
-                <a:ea typeface="+mn-ea"/>
-                <a:cs typeface="+mn-cs"/>
-              </a:rPr>
-              <a:t>Vercel</a:t>
-            </a:r>
-            <a:r>
-              <a:rPr lang="es-ES" sz="2800" kern="1200" spc="-1" dirty="0" smtClean="0">
-                <a:solidFill>
-                  <a:srgbClr val="D26785"/>
-                </a:solidFill>
-                <a:latin typeface="Century Gothic"/>
-                <a:ea typeface="+mn-ea"/>
-                <a:cs typeface="+mn-cs"/>
-              </a:rPr>
-              <a:t> despliega sólo sobre </a:t>
-            </a:r>
-            <a:r>
-              <a:rPr lang="es-ES" sz="2800" kern="1200" spc="-1" dirty="0" err="1" smtClean="0">
-                <a:solidFill>
-                  <a:srgbClr val="D26785"/>
-                </a:solidFill>
-                <a:latin typeface="Century Gothic"/>
-                <a:ea typeface="+mn-ea"/>
-                <a:cs typeface="+mn-cs"/>
-              </a:rPr>
-              <a:t>main</a:t>
-            </a:r>
-            <a:r>
-              <a:rPr lang="es-ES" sz="2800" kern="1200" spc="-1" dirty="0" smtClean="0">
-                <a:solidFill>
-                  <a:srgbClr val="D26785"/>
-                </a:solidFill>
-                <a:latin typeface="Century Gothic"/>
-                <a:ea typeface="+mn-ea"/>
-                <a:cs typeface="+mn-cs"/>
-              </a:rPr>
-              <a:t>.</a:t>
-            </a:r>
-          </a:p>
-          <a:p>
-            <a:endParaRPr lang="es-ES" sz="2800" kern="1200" spc="-1" dirty="0" smtClean="0">
-              <a:solidFill>
-                <a:srgbClr val="D26785"/>
-              </a:solidFill>
-              <a:latin typeface="Century Gothic"/>
-              <a:ea typeface="+mn-ea"/>
-              <a:cs typeface="+mn-cs"/>
-            </a:endParaRPr>
-          </a:p>
-          <a:p>
-            <a:endParaRPr lang="es-ES" sz="2800" kern="1200" spc="-1" dirty="0" smtClean="0">
-              <a:solidFill>
-                <a:srgbClr val="D26785"/>
-              </a:solidFill>
-              <a:latin typeface="Century Gothic"/>
-              <a:ea typeface="+mn-ea"/>
-              <a:cs typeface="+mn-cs"/>
-            </a:endParaRPr>
-          </a:p>
-          <a:p>
-            <a:endParaRPr lang="es-ES" sz="2800" kern="1200" spc="-1" dirty="0">
-              <a:solidFill>
-                <a:srgbClr val="D26785"/>
-              </a:solidFill>
-              <a:latin typeface="Century Gothic"/>
-              <a:ea typeface="+mn-ea"/>
-              <a:cs typeface="+mn-cs"/>
-            </a:endParaRPr>
-          </a:p>
-        </p:txBody>
-      </p:sp>
-      <p:sp>
-        <p:nvSpPr>
-          <p:cNvPr id="2" name="1 Título"/>
-          <p:cNvSpPr>
-            <a:spLocks noGrp="1"/>
-          </p:cNvSpPr>
-          <p:nvPr>
-            <p:ph type="title"/>
-          </p:nvPr>
-        </p:nvSpPr>
-        <p:spPr>
-          <a:xfrm>
-            <a:off x="457200" y="267480"/>
-            <a:ext cx="8229240" cy="646331"/>
-          </a:xfrm>
-        </p:spPr>
-        <p:txBody>
-          <a:bodyPr/>
-          <a:lstStyle/>
-          <a:p>
-            <a:pPr algn="ctr"/>
-            <a:r>
-              <a:rPr lang="es-ES" sz="4200" kern="1200" spc="-1" dirty="0" err="1">
-                <a:solidFill>
-                  <a:srgbClr val="D26785"/>
-                </a:solidFill>
-                <a:latin typeface="Century Gothic"/>
-                <a:ea typeface="+mn-ea"/>
-                <a:cs typeface="+mn-cs"/>
-              </a:rPr>
-              <a:t>Dificulatades</a:t>
-            </a:r>
-            <a:r>
-              <a:rPr lang="es-ES" dirty="0" smtClean="0"/>
-              <a:t>  </a:t>
-            </a:r>
-            <a:r>
-              <a:rPr lang="es-ES" sz="4200" kern="1200" spc="-1" dirty="0" smtClean="0">
-                <a:solidFill>
-                  <a:srgbClr val="D26785"/>
-                </a:solidFill>
-                <a:latin typeface="Century Gothic"/>
-                <a:ea typeface="+mn-ea"/>
-                <a:cs typeface="+mn-cs"/>
-              </a:rPr>
-              <a:t>encontradas</a:t>
-            </a:r>
-            <a:endParaRPr lang="es-ES" sz="4200" kern="1200" spc="-1" dirty="0">
-              <a:solidFill>
-                <a:srgbClr val="D26785"/>
-              </a:solidFill>
-              <a:latin typeface="Century Gothic"/>
-              <a:ea typeface="+mn-ea"/>
-              <a:cs typeface="+mn-cs"/>
+            <a:endParaRPr lang="es-ES" sz="3000" b="0" strike="noStrike" spc="-1" dirty="0">
+              <a:solidFill>
+                <a:srgbClr val="FFFFFF"/>
+              </a:solidFill>
+              <a:latin typeface="Century Gothic"/>
             </a:endParaRPr>
           </a:p>
         </p:txBody>

--- a/Presentación/Proyecto fin de curso.pptx
+++ b/Presentación/Proyecto fin de curso.pptx
@@ -77,7 +77,7 @@
         <p:spPr>
           <a:xfrm>
             <a:off x="457200" y="393840"/>
-            <a:ext cx="8228880" cy="1145160"/>
+            <a:ext cx="8228520" cy="1144800"/>
           </a:xfrm>
           <a:prstGeom prst="rect">
             <a:avLst/>
@@ -88,10 +88,8 @@
             <a:noAutofit/>
           </a:bodyPr>
           <a:p>
-            <a:endParaRPr b="0" lang="es-ES" sz="1800" spc="-1" strike="noStrike">
-              <a:solidFill>
-                <a:srgbClr val="000000"/>
-              </a:solidFill>
+            <a:pPr algn="ctr"/>
+            <a:endParaRPr b="0" lang="es-ES" sz="4400" spc="-1" strike="noStrike">
               <a:latin typeface="Arial"/>
             </a:endParaRPr>
           </a:p>
@@ -110,7 +108,7 @@
         <p:spPr>
           <a:xfrm>
             <a:off x="457200" y="1882800"/>
-            <a:ext cx="4015440" cy="1039680"/>
+            <a:ext cx="1959120" cy="495720"/>
           </a:xfrm>
           <a:prstGeom prst="rect">
             <a:avLst/>
@@ -118,13 +116,10 @@
         </p:spPr>
         <p:txBody>
           <a:bodyPr lIns="0" rIns="0" tIns="0" bIns="0">
-            <a:normAutofit/>
-          </a:bodyPr>
-          <a:p>
-            <a:endParaRPr b="0" lang="es-ES" sz="1800" spc="-1" strike="noStrike">
-              <a:solidFill>
-                <a:srgbClr val="000000"/>
-              </a:solidFill>
+            <a:normAutofit fontScale="14000"/>
+          </a:bodyPr>
+          <a:p>
+            <a:endParaRPr b="0" lang="es-ES" sz="3200" spc="-1" strike="noStrike">
               <a:latin typeface="Arial"/>
             </a:endParaRPr>
           </a:p>
@@ -142,8 +137,8 @@
         </p:nvSpPr>
         <p:spPr>
           <a:xfrm>
-            <a:off x="457200" y="3021480"/>
-            <a:ext cx="4015440" cy="1039680"/>
+            <a:off x="457200" y="2426040"/>
+            <a:ext cx="1959120" cy="495720"/>
           </a:xfrm>
           <a:prstGeom prst="rect">
             <a:avLst/>
@@ -151,13 +146,10 @@
         </p:spPr>
         <p:txBody>
           <a:bodyPr lIns="0" rIns="0" tIns="0" bIns="0">
-            <a:normAutofit/>
-          </a:bodyPr>
-          <a:p>
-            <a:endParaRPr b="0" lang="es-ES" sz="1800" spc="-1" strike="noStrike">
-              <a:solidFill>
-                <a:srgbClr val="000000"/>
-              </a:solidFill>
+            <a:normAutofit fontScale="14000"/>
+          </a:bodyPr>
+          <a:p>
+            <a:endParaRPr b="0" lang="es-ES" sz="3200" spc="-1" strike="noStrike">
               <a:latin typeface="Arial"/>
             </a:endParaRPr>
           </a:p>
@@ -198,7 +190,7 @@
         <p:spPr>
           <a:xfrm>
             <a:off x="457200" y="393840"/>
-            <a:ext cx="8228880" cy="1145160"/>
+            <a:ext cx="8228520" cy="1144800"/>
           </a:xfrm>
           <a:prstGeom prst="rect">
             <a:avLst/>
@@ -209,10 +201,8 @@
             <a:noAutofit/>
           </a:bodyPr>
           <a:p>
-            <a:endParaRPr b="0" lang="es-ES" sz="1800" spc="-1" strike="noStrike">
-              <a:solidFill>
-                <a:srgbClr val="000000"/>
-              </a:solidFill>
+            <a:pPr algn="ctr"/>
+            <a:endParaRPr b="0" lang="es-ES" sz="4400" spc="-1" strike="noStrike">
               <a:latin typeface="Arial"/>
             </a:endParaRPr>
           </a:p>
@@ -231,7 +221,7 @@
         <p:spPr>
           <a:xfrm>
             <a:off x="457200" y="1882800"/>
-            <a:ext cx="1959480" cy="1039680"/>
+            <a:ext cx="955800" cy="495720"/>
           </a:xfrm>
           <a:prstGeom prst="rect">
             <a:avLst/>
@@ -239,13 +229,10 @@
         </p:spPr>
         <p:txBody>
           <a:bodyPr lIns="0" rIns="0" tIns="0" bIns="0">
-            <a:normAutofit/>
-          </a:bodyPr>
-          <a:p>
-            <a:endParaRPr b="0" lang="es-ES" sz="1800" spc="-1" strike="noStrike">
-              <a:solidFill>
-                <a:srgbClr val="000000"/>
-              </a:solidFill>
+            <a:normAutofit fontScale="3000"/>
+          </a:bodyPr>
+          <a:p>
+            <a:endParaRPr b="0" lang="es-ES" sz="3200" spc="-1" strike="noStrike">
               <a:latin typeface="Arial"/>
             </a:endParaRPr>
           </a:p>
@@ -263,8 +250,8 @@
         </p:nvSpPr>
         <p:spPr>
           <a:xfrm>
-            <a:off x="2514960" y="1882800"/>
-            <a:ext cx="1959480" cy="1039680"/>
+            <a:off x="1461240" y="1882800"/>
+            <a:ext cx="955800" cy="495720"/>
           </a:xfrm>
           <a:prstGeom prst="rect">
             <a:avLst/>
@@ -272,13 +259,10 @@
         </p:spPr>
         <p:txBody>
           <a:bodyPr lIns="0" rIns="0" tIns="0" bIns="0">
-            <a:normAutofit/>
-          </a:bodyPr>
-          <a:p>
-            <a:endParaRPr b="0" lang="es-ES" sz="1800" spc="-1" strike="noStrike">
-              <a:solidFill>
-                <a:srgbClr val="000000"/>
-              </a:solidFill>
+            <a:normAutofit fontScale="3000"/>
+          </a:bodyPr>
+          <a:p>
+            <a:endParaRPr b="0" lang="es-ES" sz="3200" spc="-1" strike="noStrike">
               <a:latin typeface="Arial"/>
             </a:endParaRPr>
           </a:p>
@@ -296,8 +280,8 @@
         </p:nvSpPr>
         <p:spPr>
           <a:xfrm>
-            <a:off x="457200" y="3021480"/>
-            <a:ext cx="1959480" cy="1039680"/>
+            <a:off x="457200" y="2426040"/>
+            <a:ext cx="955800" cy="495720"/>
           </a:xfrm>
           <a:prstGeom prst="rect">
             <a:avLst/>
@@ -305,13 +289,10 @@
         </p:spPr>
         <p:txBody>
           <a:bodyPr lIns="0" rIns="0" tIns="0" bIns="0">
-            <a:normAutofit/>
-          </a:bodyPr>
-          <a:p>
-            <a:endParaRPr b="0" lang="es-ES" sz="1800" spc="-1" strike="noStrike">
-              <a:solidFill>
-                <a:srgbClr val="000000"/>
-              </a:solidFill>
+            <a:normAutofit fontScale="3000"/>
+          </a:bodyPr>
+          <a:p>
+            <a:endParaRPr b="0" lang="es-ES" sz="3200" spc="-1" strike="noStrike">
               <a:latin typeface="Arial"/>
             </a:endParaRPr>
           </a:p>
@@ -329,8 +310,8 @@
         </p:nvSpPr>
         <p:spPr>
           <a:xfrm>
-            <a:off x="2514960" y="3021480"/>
-            <a:ext cx="1959480" cy="1039680"/>
+            <a:off x="1461240" y="2426040"/>
+            <a:ext cx="955800" cy="495720"/>
           </a:xfrm>
           <a:prstGeom prst="rect">
             <a:avLst/>
@@ -338,13 +319,10 @@
         </p:spPr>
         <p:txBody>
           <a:bodyPr lIns="0" rIns="0" tIns="0" bIns="0">
-            <a:normAutofit/>
-          </a:bodyPr>
-          <a:p>
-            <a:endParaRPr b="0" lang="es-ES" sz="1800" spc="-1" strike="noStrike">
-              <a:solidFill>
-                <a:srgbClr val="000000"/>
-              </a:solidFill>
+            <a:normAutofit fontScale="3000"/>
+          </a:bodyPr>
+          <a:p>
+            <a:endParaRPr b="0" lang="es-ES" sz="3200" spc="-1" strike="noStrike">
               <a:latin typeface="Arial"/>
             </a:endParaRPr>
           </a:p>
@@ -385,7 +363,7 @@
         <p:spPr>
           <a:xfrm>
             <a:off x="457200" y="393840"/>
-            <a:ext cx="8228880" cy="1145160"/>
+            <a:ext cx="8228520" cy="1144800"/>
           </a:xfrm>
           <a:prstGeom prst="rect">
             <a:avLst/>
@@ -396,10 +374,8 @@
             <a:noAutofit/>
           </a:bodyPr>
           <a:p>
-            <a:endParaRPr b="0" lang="es-ES" sz="1800" spc="-1" strike="noStrike">
-              <a:solidFill>
-                <a:srgbClr val="000000"/>
-              </a:solidFill>
+            <a:pPr algn="ctr"/>
+            <a:endParaRPr b="0" lang="es-ES" sz="4400" spc="-1" strike="noStrike">
               <a:latin typeface="Arial"/>
             </a:endParaRPr>
           </a:p>
@@ -418,7 +394,7 @@
         <p:spPr>
           <a:xfrm>
             <a:off x="457200" y="1882800"/>
-            <a:ext cx="1292760" cy="1039680"/>
+            <a:ext cx="630720" cy="495720"/>
           </a:xfrm>
           <a:prstGeom prst="rect">
             <a:avLst/>
@@ -429,10 +405,7 @@
             <a:normAutofit/>
           </a:bodyPr>
           <a:p>
-            <a:endParaRPr b="0" lang="es-ES" sz="1800" spc="-1" strike="noStrike">
-              <a:solidFill>
-                <a:srgbClr val="000000"/>
-              </a:solidFill>
+            <a:endParaRPr b="0" lang="es-ES" sz="3200" spc="-1" strike="noStrike">
               <a:latin typeface="Arial"/>
             </a:endParaRPr>
           </a:p>
@@ -450,8 +423,8 @@
         </p:nvSpPr>
         <p:spPr>
           <a:xfrm>
-            <a:off x="1815120" y="1882800"/>
-            <a:ext cx="1292760" cy="1039680"/>
+            <a:off x="1119960" y="1882800"/>
+            <a:ext cx="630720" cy="495720"/>
           </a:xfrm>
           <a:prstGeom prst="rect">
             <a:avLst/>
@@ -462,10 +435,7 @@
             <a:normAutofit/>
           </a:bodyPr>
           <a:p>
-            <a:endParaRPr b="0" lang="es-ES" sz="1800" spc="-1" strike="noStrike">
-              <a:solidFill>
-                <a:srgbClr val="000000"/>
-              </a:solidFill>
+            <a:endParaRPr b="0" lang="es-ES" sz="3200" spc="-1" strike="noStrike">
               <a:latin typeface="Arial"/>
             </a:endParaRPr>
           </a:p>
@@ -483,8 +453,8 @@
         </p:nvSpPr>
         <p:spPr>
           <a:xfrm>
-            <a:off x="3172680" y="1882800"/>
-            <a:ext cx="1292760" cy="1039680"/>
+            <a:off x="1782360" y="1882800"/>
+            <a:ext cx="630720" cy="495720"/>
           </a:xfrm>
           <a:prstGeom prst="rect">
             <a:avLst/>
@@ -495,10 +465,7 @@
             <a:normAutofit/>
           </a:bodyPr>
           <a:p>
-            <a:endParaRPr b="0" lang="es-ES" sz="1800" spc="-1" strike="noStrike">
-              <a:solidFill>
-                <a:srgbClr val="000000"/>
-              </a:solidFill>
+            <a:endParaRPr b="0" lang="es-ES" sz="3200" spc="-1" strike="noStrike">
               <a:latin typeface="Arial"/>
             </a:endParaRPr>
           </a:p>
@@ -516,8 +483,8 @@
         </p:nvSpPr>
         <p:spPr>
           <a:xfrm>
-            <a:off x="457200" y="3021480"/>
-            <a:ext cx="1292760" cy="1039680"/>
+            <a:off x="457200" y="2426040"/>
+            <a:ext cx="630720" cy="495720"/>
           </a:xfrm>
           <a:prstGeom prst="rect">
             <a:avLst/>
@@ -528,10 +495,7 @@
             <a:normAutofit/>
           </a:bodyPr>
           <a:p>
-            <a:endParaRPr b="0" lang="es-ES" sz="1800" spc="-1" strike="noStrike">
-              <a:solidFill>
-                <a:srgbClr val="000000"/>
-              </a:solidFill>
+            <a:endParaRPr b="0" lang="es-ES" sz="3200" spc="-1" strike="noStrike">
               <a:latin typeface="Arial"/>
             </a:endParaRPr>
           </a:p>
@@ -549,8 +513,8 @@
         </p:nvSpPr>
         <p:spPr>
           <a:xfrm>
-            <a:off x="1815120" y="3021480"/>
-            <a:ext cx="1292760" cy="1039680"/>
+            <a:off x="1119960" y="2426040"/>
+            <a:ext cx="630720" cy="495720"/>
           </a:xfrm>
           <a:prstGeom prst="rect">
             <a:avLst/>
@@ -561,10 +525,7 @@
             <a:normAutofit/>
           </a:bodyPr>
           <a:p>
-            <a:endParaRPr b="0" lang="es-ES" sz="1800" spc="-1" strike="noStrike">
-              <a:solidFill>
-                <a:srgbClr val="000000"/>
-              </a:solidFill>
+            <a:endParaRPr b="0" lang="es-ES" sz="3200" spc="-1" strike="noStrike">
               <a:latin typeface="Arial"/>
             </a:endParaRPr>
           </a:p>
@@ -582,8 +543,8 @@
         </p:nvSpPr>
         <p:spPr>
           <a:xfrm>
-            <a:off x="3172680" y="3021480"/>
-            <a:ext cx="1292760" cy="1039680"/>
+            <a:off x="1782360" y="2426040"/>
+            <a:ext cx="630720" cy="495720"/>
           </a:xfrm>
           <a:prstGeom prst="rect">
             <a:avLst/>
@@ -594,10 +555,7 @@
             <a:normAutofit/>
           </a:bodyPr>
           <a:p>
-            <a:endParaRPr b="0" lang="es-ES" sz="1800" spc="-1" strike="noStrike">
-              <a:solidFill>
-                <a:srgbClr val="000000"/>
-              </a:solidFill>
+            <a:endParaRPr b="0" lang="es-ES" sz="3200" spc="-1" strike="noStrike">
               <a:latin typeface="Arial"/>
             </a:endParaRPr>
           </a:p>
@@ -660,7 +618,7 @@
         <p:spPr>
           <a:xfrm>
             <a:off x="457200" y="393840"/>
-            <a:ext cx="8228880" cy="1145160"/>
+            <a:ext cx="8228520" cy="1144800"/>
           </a:xfrm>
           <a:prstGeom prst="rect">
             <a:avLst/>
@@ -671,10 +629,8 @@
             <a:noAutofit/>
           </a:bodyPr>
           <a:p>
-            <a:endParaRPr b="0" lang="es-ES" sz="1800" spc="-1" strike="noStrike">
-              <a:solidFill>
-                <a:srgbClr val="000000"/>
-              </a:solidFill>
+            <a:pPr algn="ctr"/>
+            <a:endParaRPr b="0" lang="es-ES" sz="4400" spc="-1" strike="noStrike">
               <a:latin typeface="Arial"/>
             </a:endParaRPr>
           </a:p>
@@ -692,8 +648,8 @@
         </p:nvSpPr>
         <p:spPr>
           <a:xfrm>
-            <a:off x="457200" y="1882800"/>
-            <a:ext cx="4015440" cy="2180160"/>
+            <a:off x="457200" y="1718640"/>
+            <a:ext cx="1959120" cy="1367640"/>
           </a:xfrm>
           <a:prstGeom prst="rect">
             <a:avLst/>
@@ -746,7 +702,7 @@
         <p:spPr>
           <a:xfrm>
             <a:off x="457200" y="393840"/>
-            <a:ext cx="8228880" cy="1145160"/>
+            <a:ext cx="8228520" cy="1144800"/>
           </a:xfrm>
           <a:prstGeom prst="rect">
             <a:avLst/>
@@ -757,10 +713,8 @@
             <a:noAutofit/>
           </a:bodyPr>
           <a:p>
-            <a:endParaRPr b="0" lang="es-ES" sz="1800" spc="-1" strike="noStrike">
-              <a:solidFill>
-                <a:srgbClr val="000000"/>
-              </a:solidFill>
+            <a:pPr algn="ctr"/>
+            <a:endParaRPr b="0" lang="es-ES" sz="4400" spc="-1" strike="noStrike">
               <a:latin typeface="Arial"/>
             </a:endParaRPr>
           </a:p>
@@ -779,7 +733,7 @@
         <p:spPr>
           <a:xfrm>
             <a:off x="457200" y="1882800"/>
-            <a:ext cx="4015440" cy="2180160"/>
+            <a:ext cx="1959120" cy="1039320"/>
           </a:xfrm>
           <a:prstGeom prst="rect">
             <a:avLst/>
@@ -787,13 +741,10 @@
         </p:spPr>
         <p:txBody>
           <a:bodyPr lIns="0" rIns="0" tIns="0" bIns="0">
-            <a:normAutofit/>
-          </a:bodyPr>
-          <a:p>
-            <a:endParaRPr b="0" lang="es-ES" sz="1800" spc="-1" strike="noStrike">
-              <a:solidFill>
-                <a:srgbClr val="000000"/>
-              </a:solidFill>
+            <a:normAutofit fontScale="42000"/>
+          </a:bodyPr>
+          <a:p>
+            <a:endParaRPr b="0" lang="es-ES" sz="3200" spc="-1" strike="noStrike">
               <a:latin typeface="Arial"/>
             </a:endParaRPr>
           </a:p>
@@ -834,7 +785,7 @@
         <p:spPr>
           <a:xfrm>
             <a:off x="457200" y="393840"/>
-            <a:ext cx="8228880" cy="1145160"/>
+            <a:ext cx="8228520" cy="1144800"/>
           </a:xfrm>
           <a:prstGeom prst="rect">
             <a:avLst/>
@@ -845,10 +796,8 @@
             <a:noAutofit/>
           </a:bodyPr>
           <a:p>
-            <a:endParaRPr b="0" lang="es-ES" sz="1800" spc="-1" strike="noStrike">
-              <a:solidFill>
-                <a:srgbClr val="000000"/>
-              </a:solidFill>
+            <a:pPr algn="ctr"/>
+            <a:endParaRPr b="0" lang="es-ES" sz="4400" spc="-1" strike="noStrike">
               <a:latin typeface="Arial"/>
             </a:endParaRPr>
           </a:p>
@@ -867,7 +816,7 @@
         <p:spPr>
           <a:xfrm>
             <a:off x="457200" y="1882800"/>
-            <a:ext cx="1959480" cy="2180160"/>
+            <a:ext cx="955800" cy="1039320"/>
           </a:xfrm>
           <a:prstGeom prst="rect">
             <a:avLst/>
@@ -875,13 +824,10 @@
         </p:spPr>
         <p:txBody>
           <a:bodyPr lIns="0" rIns="0" tIns="0" bIns="0">
-            <a:normAutofit/>
-          </a:bodyPr>
-          <a:p>
-            <a:endParaRPr b="0" lang="es-ES" sz="1800" spc="-1" strike="noStrike">
-              <a:solidFill>
-                <a:srgbClr val="000000"/>
-              </a:solidFill>
+            <a:normAutofit fontScale="10000"/>
+          </a:bodyPr>
+          <a:p>
+            <a:endParaRPr b="0" lang="es-ES" sz="3200" spc="-1" strike="noStrike">
               <a:latin typeface="Arial"/>
             </a:endParaRPr>
           </a:p>
@@ -899,8 +845,8 @@
         </p:nvSpPr>
         <p:spPr>
           <a:xfrm>
-            <a:off x="2514960" y="1882800"/>
-            <a:ext cx="1959480" cy="2180160"/>
+            <a:off x="1461240" y="1882800"/>
+            <a:ext cx="955800" cy="1039320"/>
           </a:xfrm>
           <a:prstGeom prst="rect">
             <a:avLst/>
@@ -908,13 +854,10 @@
         </p:spPr>
         <p:txBody>
           <a:bodyPr lIns="0" rIns="0" tIns="0" bIns="0">
-            <a:normAutofit/>
-          </a:bodyPr>
-          <a:p>
-            <a:endParaRPr b="0" lang="es-ES" sz="1800" spc="-1" strike="noStrike">
-              <a:solidFill>
-                <a:srgbClr val="000000"/>
-              </a:solidFill>
+            <a:normAutofit fontScale="10000"/>
+          </a:bodyPr>
+          <a:p>
+            <a:endParaRPr b="0" lang="es-ES" sz="3200" spc="-1" strike="noStrike">
               <a:latin typeface="Arial"/>
             </a:endParaRPr>
           </a:p>
@@ -955,7 +898,7 @@
         <p:spPr>
           <a:xfrm>
             <a:off x="457200" y="393840"/>
-            <a:ext cx="8228880" cy="1145160"/>
+            <a:ext cx="8228520" cy="1144800"/>
           </a:xfrm>
           <a:prstGeom prst="rect">
             <a:avLst/>
@@ -966,10 +909,8 @@
             <a:noAutofit/>
           </a:bodyPr>
           <a:p>
-            <a:endParaRPr b="0" lang="es-ES" sz="1800" spc="-1" strike="noStrike">
-              <a:solidFill>
-                <a:srgbClr val="000000"/>
-              </a:solidFill>
+            <a:pPr algn="ctr"/>
+            <a:endParaRPr b="0" lang="es-ES" sz="4400" spc="-1" strike="noStrike">
               <a:latin typeface="Arial"/>
             </a:endParaRPr>
           </a:p>
@@ -1010,7 +951,7 @@
         <p:spPr>
           <a:xfrm>
             <a:off x="457200" y="393840"/>
-            <a:ext cx="8228880" cy="5309640"/>
+            <a:ext cx="8228520" cy="5307840"/>
           </a:xfrm>
           <a:prstGeom prst="rect">
             <a:avLst/>
@@ -1063,7 +1004,7 @@
         <p:spPr>
           <a:xfrm>
             <a:off x="457200" y="393840"/>
-            <a:ext cx="8228880" cy="1145160"/>
+            <a:ext cx="8228520" cy="1144800"/>
           </a:xfrm>
           <a:prstGeom prst="rect">
             <a:avLst/>
@@ -1074,10 +1015,8 @@
             <a:noAutofit/>
           </a:bodyPr>
           <a:p>
-            <a:endParaRPr b="0" lang="es-ES" sz="1800" spc="-1" strike="noStrike">
-              <a:solidFill>
-                <a:srgbClr val="000000"/>
-              </a:solidFill>
+            <a:pPr algn="ctr"/>
+            <a:endParaRPr b="0" lang="es-ES" sz="4400" spc="-1" strike="noStrike">
               <a:latin typeface="Arial"/>
             </a:endParaRPr>
           </a:p>
@@ -1096,7 +1035,7 @@
         <p:spPr>
           <a:xfrm>
             <a:off x="457200" y="1882800"/>
-            <a:ext cx="1959480" cy="1039680"/>
+            <a:ext cx="955800" cy="495720"/>
           </a:xfrm>
           <a:prstGeom prst="rect">
             <a:avLst/>
@@ -1104,13 +1043,10 @@
         </p:spPr>
         <p:txBody>
           <a:bodyPr lIns="0" rIns="0" tIns="0" bIns="0">
-            <a:normAutofit/>
-          </a:bodyPr>
-          <a:p>
-            <a:endParaRPr b="0" lang="es-ES" sz="1800" spc="-1" strike="noStrike">
-              <a:solidFill>
-                <a:srgbClr val="000000"/>
-              </a:solidFill>
+            <a:normAutofit fontScale="3000"/>
+          </a:bodyPr>
+          <a:p>
+            <a:endParaRPr b="0" lang="es-ES" sz="3200" spc="-1" strike="noStrike">
               <a:latin typeface="Arial"/>
             </a:endParaRPr>
           </a:p>
@@ -1128,8 +1064,8 @@
         </p:nvSpPr>
         <p:spPr>
           <a:xfrm>
-            <a:off x="2514960" y="1882800"/>
-            <a:ext cx="1959480" cy="2180160"/>
+            <a:off x="1461240" y="1882800"/>
+            <a:ext cx="955800" cy="1039320"/>
           </a:xfrm>
           <a:prstGeom prst="rect">
             <a:avLst/>
@@ -1137,13 +1073,10 @@
         </p:spPr>
         <p:txBody>
           <a:bodyPr lIns="0" rIns="0" tIns="0" bIns="0">
-            <a:normAutofit/>
-          </a:bodyPr>
-          <a:p>
-            <a:endParaRPr b="0" lang="es-ES" sz="1800" spc="-1" strike="noStrike">
-              <a:solidFill>
-                <a:srgbClr val="000000"/>
-              </a:solidFill>
+            <a:normAutofit fontScale="10000"/>
+          </a:bodyPr>
+          <a:p>
+            <a:endParaRPr b="0" lang="es-ES" sz="3200" spc="-1" strike="noStrike">
               <a:latin typeface="Arial"/>
             </a:endParaRPr>
           </a:p>
@@ -1161,8 +1094,8 @@
         </p:nvSpPr>
         <p:spPr>
           <a:xfrm>
-            <a:off x="457200" y="3021480"/>
-            <a:ext cx="1959480" cy="1039680"/>
+            <a:off x="457200" y="2426040"/>
+            <a:ext cx="955800" cy="495720"/>
           </a:xfrm>
           <a:prstGeom prst="rect">
             <a:avLst/>
@@ -1170,13 +1103,10 @@
         </p:spPr>
         <p:txBody>
           <a:bodyPr lIns="0" rIns="0" tIns="0" bIns="0">
-            <a:normAutofit/>
-          </a:bodyPr>
-          <a:p>
-            <a:endParaRPr b="0" lang="es-ES" sz="1800" spc="-1" strike="noStrike">
-              <a:solidFill>
-                <a:srgbClr val="000000"/>
-              </a:solidFill>
+            <a:normAutofit fontScale="3000"/>
+          </a:bodyPr>
+          <a:p>
+            <a:endParaRPr b="0" lang="es-ES" sz="3200" spc="-1" strike="noStrike">
               <a:latin typeface="Arial"/>
             </a:endParaRPr>
           </a:p>
@@ -1217,7 +1147,7 @@
         <p:spPr>
           <a:xfrm>
             <a:off x="457200" y="393840"/>
-            <a:ext cx="8228880" cy="1145160"/>
+            <a:ext cx="8228520" cy="1144800"/>
           </a:xfrm>
           <a:prstGeom prst="rect">
             <a:avLst/>
@@ -1228,10 +1158,8 @@
             <a:noAutofit/>
           </a:bodyPr>
           <a:p>
-            <a:endParaRPr b="0" lang="es-ES" sz="1800" spc="-1" strike="noStrike">
-              <a:solidFill>
-                <a:srgbClr val="000000"/>
-              </a:solidFill>
+            <a:pPr algn="ctr"/>
+            <a:endParaRPr b="0" lang="es-ES" sz="4400" spc="-1" strike="noStrike">
               <a:latin typeface="Arial"/>
             </a:endParaRPr>
           </a:p>
@@ -1249,8 +1177,8 @@
         </p:nvSpPr>
         <p:spPr>
           <a:xfrm>
-            <a:off x="457200" y="1882800"/>
-            <a:ext cx="4015440" cy="2180160"/>
+            <a:off x="457200" y="1718640"/>
+            <a:ext cx="1959120" cy="1367640"/>
           </a:xfrm>
           <a:prstGeom prst="rect">
             <a:avLst/>
@@ -1303,7 +1231,7 @@
         <p:spPr>
           <a:xfrm>
             <a:off x="457200" y="393840"/>
-            <a:ext cx="8228880" cy="1145160"/>
+            <a:ext cx="8228520" cy="1144800"/>
           </a:xfrm>
           <a:prstGeom prst="rect">
             <a:avLst/>
@@ -1314,10 +1242,8 @@
             <a:noAutofit/>
           </a:bodyPr>
           <a:p>
-            <a:endParaRPr b="0" lang="es-ES" sz="1800" spc="-1" strike="noStrike">
-              <a:solidFill>
-                <a:srgbClr val="000000"/>
-              </a:solidFill>
+            <a:pPr algn="ctr"/>
+            <a:endParaRPr b="0" lang="es-ES" sz="4400" spc="-1" strike="noStrike">
               <a:latin typeface="Arial"/>
             </a:endParaRPr>
           </a:p>
@@ -1336,7 +1262,7 @@
         <p:spPr>
           <a:xfrm>
             <a:off x="457200" y="1882800"/>
-            <a:ext cx="1959480" cy="2180160"/>
+            <a:ext cx="955800" cy="1039320"/>
           </a:xfrm>
           <a:prstGeom prst="rect">
             <a:avLst/>
@@ -1344,13 +1270,10 @@
         </p:spPr>
         <p:txBody>
           <a:bodyPr lIns="0" rIns="0" tIns="0" bIns="0">
-            <a:normAutofit/>
-          </a:bodyPr>
-          <a:p>
-            <a:endParaRPr b="0" lang="es-ES" sz="1800" spc="-1" strike="noStrike">
-              <a:solidFill>
-                <a:srgbClr val="000000"/>
-              </a:solidFill>
+            <a:normAutofit fontScale="10000"/>
+          </a:bodyPr>
+          <a:p>
+            <a:endParaRPr b="0" lang="es-ES" sz="3200" spc="-1" strike="noStrike">
               <a:latin typeface="Arial"/>
             </a:endParaRPr>
           </a:p>
@@ -1368,8 +1291,8 @@
         </p:nvSpPr>
         <p:spPr>
           <a:xfrm>
-            <a:off x="2514960" y="1882800"/>
-            <a:ext cx="1959480" cy="1039680"/>
+            <a:off x="1461240" y="1882800"/>
+            <a:ext cx="955800" cy="495720"/>
           </a:xfrm>
           <a:prstGeom prst="rect">
             <a:avLst/>
@@ -1377,13 +1300,10 @@
         </p:spPr>
         <p:txBody>
           <a:bodyPr lIns="0" rIns="0" tIns="0" bIns="0">
-            <a:normAutofit/>
-          </a:bodyPr>
-          <a:p>
-            <a:endParaRPr b="0" lang="es-ES" sz="1800" spc="-1" strike="noStrike">
-              <a:solidFill>
-                <a:srgbClr val="000000"/>
-              </a:solidFill>
+            <a:normAutofit fontScale="3000"/>
+          </a:bodyPr>
+          <a:p>
+            <a:endParaRPr b="0" lang="es-ES" sz="3200" spc="-1" strike="noStrike">
               <a:latin typeface="Arial"/>
             </a:endParaRPr>
           </a:p>
@@ -1401,8 +1321,8 @@
         </p:nvSpPr>
         <p:spPr>
           <a:xfrm>
-            <a:off x="2514960" y="3021480"/>
-            <a:ext cx="1959480" cy="1039680"/>
+            <a:off x="1461240" y="2426040"/>
+            <a:ext cx="955800" cy="495720"/>
           </a:xfrm>
           <a:prstGeom prst="rect">
             <a:avLst/>
@@ -1410,13 +1330,10 @@
         </p:spPr>
         <p:txBody>
           <a:bodyPr lIns="0" rIns="0" tIns="0" bIns="0">
-            <a:normAutofit/>
-          </a:bodyPr>
-          <a:p>
-            <a:endParaRPr b="0" lang="es-ES" sz="1800" spc="-1" strike="noStrike">
-              <a:solidFill>
-                <a:srgbClr val="000000"/>
-              </a:solidFill>
+            <a:normAutofit fontScale="3000"/>
+          </a:bodyPr>
+          <a:p>
+            <a:endParaRPr b="0" lang="es-ES" sz="3200" spc="-1" strike="noStrike">
               <a:latin typeface="Arial"/>
             </a:endParaRPr>
           </a:p>
@@ -1457,7 +1374,7 @@
         <p:spPr>
           <a:xfrm>
             <a:off x="457200" y="393840"/>
-            <a:ext cx="8228880" cy="1145160"/>
+            <a:ext cx="8228520" cy="1144800"/>
           </a:xfrm>
           <a:prstGeom prst="rect">
             <a:avLst/>
@@ -1468,10 +1385,8 @@
             <a:noAutofit/>
           </a:bodyPr>
           <a:p>
-            <a:endParaRPr b="0" lang="es-ES" sz="1800" spc="-1" strike="noStrike">
-              <a:solidFill>
-                <a:srgbClr val="000000"/>
-              </a:solidFill>
+            <a:pPr algn="ctr"/>
+            <a:endParaRPr b="0" lang="es-ES" sz="4400" spc="-1" strike="noStrike">
               <a:latin typeface="Arial"/>
             </a:endParaRPr>
           </a:p>
@@ -1490,7 +1405,7 @@
         <p:spPr>
           <a:xfrm>
             <a:off x="457200" y="1882800"/>
-            <a:ext cx="1959480" cy="1039680"/>
+            <a:ext cx="955800" cy="495720"/>
           </a:xfrm>
           <a:prstGeom prst="rect">
             <a:avLst/>
@@ -1498,13 +1413,10 @@
         </p:spPr>
         <p:txBody>
           <a:bodyPr lIns="0" rIns="0" tIns="0" bIns="0">
-            <a:normAutofit/>
-          </a:bodyPr>
-          <a:p>
-            <a:endParaRPr b="0" lang="es-ES" sz="1800" spc="-1" strike="noStrike">
-              <a:solidFill>
-                <a:srgbClr val="000000"/>
-              </a:solidFill>
+            <a:normAutofit fontScale="3000"/>
+          </a:bodyPr>
+          <a:p>
+            <a:endParaRPr b="0" lang="es-ES" sz="3200" spc="-1" strike="noStrike">
               <a:latin typeface="Arial"/>
             </a:endParaRPr>
           </a:p>
@@ -1522,8 +1434,8 @@
         </p:nvSpPr>
         <p:spPr>
           <a:xfrm>
-            <a:off x="2514960" y="1882800"/>
-            <a:ext cx="1959480" cy="1039680"/>
+            <a:off x="1461240" y="1882800"/>
+            <a:ext cx="955800" cy="495720"/>
           </a:xfrm>
           <a:prstGeom prst="rect">
             <a:avLst/>
@@ -1531,13 +1443,10 @@
         </p:spPr>
         <p:txBody>
           <a:bodyPr lIns="0" rIns="0" tIns="0" bIns="0">
-            <a:normAutofit/>
-          </a:bodyPr>
-          <a:p>
-            <a:endParaRPr b="0" lang="es-ES" sz="1800" spc="-1" strike="noStrike">
-              <a:solidFill>
-                <a:srgbClr val="000000"/>
-              </a:solidFill>
+            <a:normAutofit fontScale="3000"/>
+          </a:bodyPr>
+          <a:p>
+            <a:endParaRPr b="0" lang="es-ES" sz="3200" spc="-1" strike="noStrike">
               <a:latin typeface="Arial"/>
             </a:endParaRPr>
           </a:p>
@@ -1555,8 +1464,8 @@
         </p:nvSpPr>
         <p:spPr>
           <a:xfrm>
-            <a:off x="457200" y="3021480"/>
-            <a:ext cx="4015440" cy="1039680"/>
+            <a:off x="457200" y="2426040"/>
+            <a:ext cx="1959120" cy="495720"/>
           </a:xfrm>
           <a:prstGeom prst="rect">
             <a:avLst/>
@@ -1564,13 +1473,10 @@
         </p:spPr>
         <p:txBody>
           <a:bodyPr lIns="0" rIns="0" tIns="0" bIns="0">
-            <a:normAutofit/>
-          </a:bodyPr>
-          <a:p>
-            <a:endParaRPr b="0" lang="es-ES" sz="1800" spc="-1" strike="noStrike">
-              <a:solidFill>
-                <a:srgbClr val="000000"/>
-              </a:solidFill>
+            <a:normAutofit fontScale="14000"/>
+          </a:bodyPr>
+          <a:p>
+            <a:endParaRPr b="0" lang="es-ES" sz="3200" spc="-1" strike="noStrike">
               <a:latin typeface="Arial"/>
             </a:endParaRPr>
           </a:p>
@@ -1611,7 +1517,7 @@
         <p:spPr>
           <a:xfrm>
             <a:off x="457200" y="393840"/>
-            <a:ext cx="8228880" cy="1145160"/>
+            <a:ext cx="8228520" cy="1144800"/>
           </a:xfrm>
           <a:prstGeom prst="rect">
             <a:avLst/>
@@ -1622,10 +1528,8 @@
             <a:noAutofit/>
           </a:bodyPr>
           <a:p>
-            <a:endParaRPr b="0" lang="es-ES" sz="1800" spc="-1" strike="noStrike">
-              <a:solidFill>
-                <a:srgbClr val="000000"/>
-              </a:solidFill>
+            <a:pPr algn="ctr"/>
+            <a:endParaRPr b="0" lang="es-ES" sz="4400" spc="-1" strike="noStrike">
               <a:latin typeface="Arial"/>
             </a:endParaRPr>
           </a:p>
@@ -1644,7 +1548,7 @@
         <p:spPr>
           <a:xfrm>
             <a:off x="457200" y="1882800"/>
-            <a:ext cx="4015440" cy="1039680"/>
+            <a:ext cx="1959120" cy="495720"/>
           </a:xfrm>
           <a:prstGeom prst="rect">
             <a:avLst/>
@@ -1652,13 +1556,10 @@
         </p:spPr>
         <p:txBody>
           <a:bodyPr lIns="0" rIns="0" tIns="0" bIns="0">
-            <a:normAutofit/>
-          </a:bodyPr>
-          <a:p>
-            <a:endParaRPr b="0" lang="es-ES" sz="1800" spc="-1" strike="noStrike">
-              <a:solidFill>
-                <a:srgbClr val="000000"/>
-              </a:solidFill>
+            <a:normAutofit fontScale="14000"/>
+          </a:bodyPr>
+          <a:p>
+            <a:endParaRPr b="0" lang="es-ES" sz="3200" spc="-1" strike="noStrike">
               <a:latin typeface="Arial"/>
             </a:endParaRPr>
           </a:p>
@@ -1676,8 +1577,8 @@
         </p:nvSpPr>
         <p:spPr>
           <a:xfrm>
-            <a:off x="457200" y="3021480"/>
-            <a:ext cx="4015440" cy="1039680"/>
+            <a:off x="457200" y="2426040"/>
+            <a:ext cx="1959120" cy="495720"/>
           </a:xfrm>
           <a:prstGeom prst="rect">
             <a:avLst/>
@@ -1685,13 +1586,10 @@
         </p:spPr>
         <p:txBody>
           <a:bodyPr lIns="0" rIns="0" tIns="0" bIns="0">
-            <a:normAutofit/>
-          </a:bodyPr>
-          <a:p>
-            <a:endParaRPr b="0" lang="es-ES" sz="1800" spc="-1" strike="noStrike">
-              <a:solidFill>
-                <a:srgbClr val="000000"/>
-              </a:solidFill>
+            <a:normAutofit fontScale="14000"/>
+          </a:bodyPr>
+          <a:p>
+            <a:endParaRPr b="0" lang="es-ES" sz="3200" spc="-1" strike="noStrike">
               <a:latin typeface="Arial"/>
             </a:endParaRPr>
           </a:p>
@@ -1732,7 +1630,7 @@
         <p:spPr>
           <a:xfrm>
             <a:off x="457200" y="393840"/>
-            <a:ext cx="8228880" cy="1145160"/>
+            <a:ext cx="8228520" cy="1144800"/>
           </a:xfrm>
           <a:prstGeom prst="rect">
             <a:avLst/>
@@ -1743,10 +1641,8 @@
             <a:noAutofit/>
           </a:bodyPr>
           <a:p>
-            <a:endParaRPr b="0" lang="es-ES" sz="1800" spc="-1" strike="noStrike">
-              <a:solidFill>
-                <a:srgbClr val="000000"/>
-              </a:solidFill>
+            <a:pPr algn="ctr"/>
+            <a:endParaRPr b="0" lang="es-ES" sz="4400" spc="-1" strike="noStrike">
               <a:latin typeface="Arial"/>
             </a:endParaRPr>
           </a:p>
@@ -1765,7 +1661,7 @@
         <p:spPr>
           <a:xfrm>
             <a:off x="457200" y="1882800"/>
-            <a:ext cx="1959480" cy="1039680"/>
+            <a:ext cx="955800" cy="495720"/>
           </a:xfrm>
           <a:prstGeom prst="rect">
             <a:avLst/>
@@ -1773,13 +1669,10 @@
         </p:spPr>
         <p:txBody>
           <a:bodyPr lIns="0" rIns="0" tIns="0" bIns="0">
-            <a:normAutofit/>
-          </a:bodyPr>
-          <a:p>
-            <a:endParaRPr b="0" lang="es-ES" sz="1800" spc="-1" strike="noStrike">
-              <a:solidFill>
-                <a:srgbClr val="000000"/>
-              </a:solidFill>
+            <a:normAutofit fontScale="3000"/>
+          </a:bodyPr>
+          <a:p>
+            <a:endParaRPr b="0" lang="es-ES" sz="3200" spc="-1" strike="noStrike">
               <a:latin typeface="Arial"/>
             </a:endParaRPr>
           </a:p>
@@ -1797,8 +1690,8 @@
         </p:nvSpPr>
         <p:spPr>
           <a:xfrm>
-            <a:off x="2514960" y="1882800"/>
-            <a:ext cx="1959480" cy="1039680"/>
+            <a:off x="1461240" y="1882800"/>
+            <a:ext cx="955800" cy="495720"/>
           </a:xfrm>
           <a:prstGeom prst="rect">
             <a:avLst/>
@@ -1806,13 +1699,10 @@
         </p:spPr>
         <p:txBody>
           <a:bodyPr lIns="0" rIns="0" tIns="0" bIns="0">
-            <a:normAutofit/>
-          </a:bodyPr>
-          <a:p>
-            <a:endParaRPr b="0" lang="es-ES" sz="1800" spc="-1" strike="noStrike">
-              <a:solidFill>
-                <a:srgbClr val="000000"/>
-              </a:solidFill>
+            <a:normAutofit fontScale="3000"/>
+          </a:bodyPr>
+          <a:p>
+            <a:endParaRPr b="0" lang="es-ES" sz="3200" spc="-1" strike="noStrike">
               <a:latin typeface="Arial"/>
             </a:endParaRPr>
           </a:p>
@@ -1830,8 +1720,8 @@
         </p:nvSpPr>
         <p:spPr>
           <a:xfrm>
-            <a:off x="457200" y="3021480"/>
-            <a:ext cx="1959480" cy="1039680"/>
+            <a:off x="457200" y="2426040"/>
+            <a:ext cx="955800" cy="495720"/>
           </a:xfrm>
           <a:prstGeom prst="rect">
             <a:avLst/>
@@ -1839,13 +1729,10 @@
         </p:spPr>
         <p:txBody>
           <a:bodyPr lIns="0" rIns="0" tIns="0" bIns="0">
-            <a:normAutofit/>
-          </a:bodyPr>
-          <a:p>
-            <a:endParaRPr b="0" lang="es-ES" sz="1800" spc="-1" strike="noStrike">
-              <a:solidFill>
-                <a:srgbClr val="000000"/>
-              </a:solidFill>
+            <a:normAutofit fontScale="3000"/>
+          </a:bodyPr>
+          <a:p>
+            <a:endParaRPr b="0" lang="es-ES" sz="3200" spc="-1" strike="noStrike">
               <a:latin typeface="Arial"/>
             </a:endParaRPr>
           </a:p>
@@ -1863,8 +1750,8 @@
         </p:nvSpPr>
         <p:spPr>
           <a:xfrm>
-            <a:off x="2514960" y="3021480"/>
-            <a:ext cx="1959480" cy="1039680"/>
+            <a:off x="1461240" y="2426040"/>
+            <a:ext cx="955800" cy="495720"/>
           </a:xfrm>
           <a:prstGeom prst="rect">
             <a:avLst/>
@@ -1872,13 +1759,10 @@
         </p:spPr>
         <p:txBody>
           <a:bodyPr lIns="0" rIns="0" tIns="0" bIns="0">
-            <a:normAutofit/>
-          </a:bodyPr>
-          <a:p>
-            <a:endParaRPr b="0" lang="es-ES" sz="1800" spc="-1" strike="noStrike">
-              <a:solidFill>
-                <a:srgbClr val="000000"/>
-              </a:solidFill>
+            <a:normAutofit fontScale="3000"/>
+          </a:bodyPr>
+          <a:p>
+            <a:endParaRPr b="0" lang="es-ES" sz="3200" spc="-1" strike="noStrike">
               <a:latin typeface="Arial"/>
             </a:endParaRPr>
           </a:p>
@@ -1919,7 +1803,7 @@
         <p:spPr>
           <a:xfrm>
             <a:off x="457200" y="393840"/>
-            <a:ext cx="8228880" cy="1145160"/>
+            <a:ext cx="8228520" cy="1144800"/>
           </a:xfrm>
           <a:prstGeom prst="rect">
             <a:avLst/>
@@ -1930,10 +1814,8 @@
             <a:noAutofit/>
           </a:bodyPr>
           <a:p>
-            <a:endParaRPr b="0" lang="es-ES" sz="1800" spc="-1" strike="noStrike">
-              <a:solidFill>
-                <a:srgbClr val="000000"/>
-              </a:solidFill>
+            <a:pPr algn="ctr"/>
+            <a:endParaRPr b="0" lang="es-ES" sz="4400" spc="-1" strike="noStrike">
               <a:latin typeface="Arial"/>
             </a:endParaRPr>
           </a:p>
@@ -1952,7 +1834,7 @@
         <p:spPr>
           <a:xfrm>
             <a:off x="457200" y="1882800"/>
-            <a:ext cx="1292760" cy="1039680"/>
+            <a:ext cx="630720" cy="495720"/>
           </a:xfrm>
           <a:prstGeom prst="rect">
             <a:avLst/>
@@ -1963,10 +1845,7 @@
             <a:normAutofit/>
           </a:bodyPr>
           <a:p>
-            <a:endParaRPr b="0" lang="es-ES" sz="1800" spc="-1" strike="noStrike">
-              <a:solidFill>
-                <a:srgbClr val="000000"/>
-              </a:solidFill>
+            <a:endParaRPr b="0" lang="es-ES" sz="3200" spc="-1" strike="noStrike">
               <a:latin typeface="Arial"/>
             </a:endParaRPr>
           </a:p>
@@ -1984,8 +1863,8 @@
         </p:nvSpPr>
         <p:spPr>
           <a:xfrm>
-            <a:off x="1815120" y="1882800"/>
-            <a:ext cx="1292760" cy="1039680"/>
+            <a:off x="1119960" y="1882800"/>
+            <a:ext cx="630720" cy="495720"/>
           </a:xfrm>
           <a:prstGeom prst="rect">
             <a:avLst/>
@@ -1996,10 +1875,7 @@
             <a:normAutofit/>
           </a:bodyPr>
           <a:p>
-            <a:endParaRPr b="0" lang="es-ES" sz="1800" spc="-1" strike="noStrike">
-              <a:solidFill>
-                <a:srgbClr val="000000"/>
-              </a:solidFill>
+            <a:endParaRPr b="0" lang="es-ES" sz="3200" spc="-1" strike="noStrike">
               <a:latin typeface="Arial"/>
             </a:endParaRPr>
           </a:p>
@@ -2017,8 +1893,8 @@
         </p:nvSpPr>
         <p:spPr>
           <a:xfrm>
-            <a:off x="3172680" y="1882800"/>
-            <a:ext cx="1292760" cy="1039680"/>
+            <a:off x="1782360" y="1882800"/>
+            <a:ext cx="630720" cy="495720"/>
           </a:xfrm>
           <a:prstGeom prst="rect">
             <a:avLst/>
@@ -2029,10 +1905,7 @@
             <a:normAutofit/>
           </a:bodyPr>
           <a:p>
-            <a:endParaRPr b="0" lang="es-ES" sz="1800" spc="-1" strike="noStrike">
-              <a:solidFill>
-                <a:srgbClr val="000000"/>
-              </a:solidFill>
+            <a:endParaRPr b="0" lang="es-ES" sz="3200" spc="-1" strike="noStrike">
               <a:latin typeface="Arial"/>
             </a:endParaRPr>
           </a:p>
@@ -2050,8 +1923,8 @@
         </p:nvSpPr>
         <p:spPr>
           <a:xfrm>
-            <a:off x="457200" y="3021480"/>
-            <a:ext cx="1292760" cy="1039680"/>
+            <a:off x="457200" y="2426040"/>
+            <a:ext cx="630720" cy="495720"/>
           </a:xfrm>
           <a:prstGeom prst="rect">
             <a:avLst/>
@@ -2062,10 +1935,7 @@
             <a:normAutofit/>
           </a:bodyPr>
           <a:p>
-            <a:endParaRPr b="0" lang="es-ES" sz="1800" spc="-1" strike="noStrike">
-              <a:solidFill>
-                <a:srgbClr val="000000"/>
-              </a:solidFill>
+            <a:endParaRPr b="0" lang="es-ES" sz="3200" spc="-1" strike="noStrike">
               <a:latin typeface="Arial"/>
             </a:endParaRPr>
           </a:p>
@@ -2083,8 +1953,8 @@
         </p:nvSpPr>
         <p:spPr>
           <a:xfrm>
-            <a:off x="1815120" y="3021480"/>
-            <a:ext cx="1292760" cy="1039680"/>
+            <a:off x="1119960" y="2426040"/>
+            <a:ext cx="630720" cy="495720"/>
           </a:xfrm>
           <a:prstGeom prst="rect">
             <a:avLst/>
@@ -2095,10 +1965,7 @@
             <a:normAutofit/>
           </a:bodyPr>
           <a:p>
-            <a:endParaRPr b="0" lang="es-ES" sz="1800" spc="-1" strike="noStrike">
-              <a:solidFill>
-                <a:srgbClr val="000000"/>
-              </a:solidFill>
+            <a:endParaRPr b="0" lang="es-ES" sz="3200" spc="-1" strike="noStrike">
               <a:latin typeface="Arial"/>
             </a:endParaRPr>
           </a:p>
@@ -2116,8 +1983,8 @@
         </p:nvSpPr>
         <p:spPr>
           <a:xfrm>
-            <a:off x="3172680" y="3021480"/>
-            <a:ext cx="1292760" cy="1039680"/>
+            <a:off x="1782360" y="2426040"/>
+            <a:ext cx="630720" cy="495720"/>
           </a:xfrm>
           <a:prstGeom prst="rect">
             <a:avLst/>
@@ -2128,10 +1995,7 @@
             <a:normAutofit/>
           </a:bodyPr>
           <a:p>
-            <a:endParaRPr b="0" lang="es-ES" sz="1800" spc="-1" strike="noStrike">
-              <a:solidFill>
-                <a:srgbClr val="000000"/>
-              </a:solidFill>
+            <a:endParaRPr b="0" lang="es-ES" sz="3200" spc="-1" strike="noStrike">
               <a:latin typeface="Arial"/>
             </a:endParaRPr>
           </a:p>
@@ -2194,7 +2058,7 @@
         <p:spPr>
           <a:xfrm>
             <a:off x="457200" y="393840"/>
-            <a:ext cx="8228880" cy="1145160"/>
+            <a:ext cx="8228520" cy="1144800"/>
           </a:xfrm>
           <a:prstGeom prst="rect">
             <a:avLst/>
@@ -2205,10 +2069,8 @@
             <a:noAutofit/>
           </a:bodyPr>
           <a:p>
-            <a:endParaRPr b="0" lang="es-ES" sz="1800" spc="-1" strike="noStrike">
-              <a:solidFill>
-                <a:srgbClr val="000000"/>
-              </a:solidFill>
+            <a:pPr algn="ctr"/>
+            <a:endParaRPr b="0" lang="es-ES" sz="4400" spc="-1" strike="noStrike">
               <a:latin typeface="Arial"/>
             </a:endParaRPr>
           </a:p>
@@ -2226,8 +2088,8 @@
         </p:nvSpPr>
         <p:spPr>
           <a:xfrm>
-            <a:off x="457200" y="1882800"/>
-            <a:ext cx="4015440" cy="2180160"/>
+            <a:off x="457200" y="1718640"/>
+            <a:ext cx="1959120" cy="1367640"/>
           </a:xfrm>
           <a:prstGeom prst="rect">
             <a:avLst/>
@@ -2280,7 +2142,7 @@
         <p:spPr>
           <a:xfrm>
             <a:off x="457200" y="393840"/>
-            <a:ext cx="8228880" cy="1145160"/>
+            <a:ext cx="8228520" cy="1144800"/>
           </a:xfrm>
           <a:prstGeom prst="rect">
             <a:avLst/>
@@ -2291,10 +2153,8 @@
             <a:noAutofit/>
           </a:bodyPr>
           <a:p>
-            <a:endParaRPr b="0" lang="es-ES" sz="1800" spc="-1" strike="noStrike">
-              <a:solidFill>
-                <a:srgbClr val="000000"/>
-              </a:solidFill>
+            <a:pPr algn="ctr"/>
+            <a:endParaRPr b="0" lang="es-ES" sz="4400" spc="-1" strike="noStrike">
               <a:latin typeface="Arial"/>
             </a:endParaRPr>
           </a:p>
@@ -2313,7 +2173,7 @@
         <p:spPr>
           <a:xfrm>
             <a:off x="457200" y="1882800"/>
-            <a:ext cx="4015440" cy="2180160"/>
+            <a:ext cx="1959120" cy="1039320"/>
           </a:xfrm>
           <a:prstGeom prst="rect">
             <a:avLst/>
@@ -2321,13 +2181,10 @@
         </p:spPr>
         <p:txBody>
           <a:bodyPr lIns="0" rIns="0" tIns="0" bIns="0">
-            <a:normAutofit/>
-          </a:bodyPr>
-          <a:p>
-            <a:endParaRPr b="0" lang="es-ES" sz="1800" spc="-1" strike="noStrike">
-              <a:solidFill>
-                <a:srgbClr val="000000"/>
-              </a:solidFill>
+            <a:normAutofit fontScale="42000"/>
+          </a:bodyPr>
+          <a:p>
+            <a:endParaRPr b="0" lang="es-ES" sz="3200" spc="-1" strike="noStrike">
               <a:latin typeface="Arial"/>
             </a:endParaRPr>
           </a:p>
@@ -2368,7 +2225,7 @@
         <p:spPr>
           <a:xfrm>
             <a:off x="457200" y="393840"/>
-            <a:ext cx="8228880" cy="1145160"/>
+            <a:ext cx="8228520" cy="1144800"/>
           </a:xfrm>
           <a:prstGeom prst="rect">
             <a:avLst/>
@@ -2379,10 +2236,8 @@
             <a:noAutofit/>
           </a:bodyPr>
           <a:p>
-            <a:endParaRPr b="0" lang="es-ES" sz="1800" spc="-1" strike="noStrike">
-              <a:solidFill>
-                <a:srgbClr val="000000"/>
-              </a:solidFill>
+            <a:pPr algn="ctr"/>
+            <a:endParaRPr b="0" lang="es-ES" sz="4400" spc="-1" strike="noStrike">
               <a:latin typeface="Arial"/>
             </a:endParaRPr>
           </a:p>
@@ -2401,7 +2256,7 @@
         <p:spPr>
           <a:xfrm>
             <a:off x="457200" y="1882800"/>
-            <a:ext cx="1959480" cy="2180160"/>
+            <a:ext cx="955800" cy="1039320"/>
           </a:xfrm>
           <a:prstGeom prst="rect">
             <a:avLst/>
@@ -2409,13 +2264,10 @@
         </p:spPr>
         <p:txBody>
           <a:bodyPr lIns="0" rIns="0" tIns="0" bIns="0">
-            <a:normAutofit/>
-          </a:bodyPr>
-          <a:p>
-            <a:endParaRPr b="0" lang="es-ES" sz="1800" spc="-1" strike="noStrike">
-              <a:solidFill>
-                <a:srgbClr val="000000"/>
-              </a:solidFill>
+            <a:normAutofit fontScale="10000"/>
+          </a:bodyPr>
+          <a:p>
+            <a:endParaRPr b="0" lang="es-ES" sz="3200" spc="-1" strike="noStrike">
               <a:latin typeface="Arial"/>
             </a:endParaRPr>
           </a:p>
@@ -2433,8 +2285,8 @@
         </p:nvSpPr>
         <p:spPr>
           <a:xfrm>
-            <a:off x="2514960" y="1882800"/>
-            <a:ext cx="1959480" cy="2180160"/>
+            <a:off x="1461240" y="1882800"/>
+            <a:ext cx="955800" cy="1039320"/>
           </a:xfrm>
           <a:prstGeom prst="rect">
             <a:avLst/>
@@ -2442,13 +2294,10 @@
         </p:spPr>
         <p:txBody>
           <a:bodyPr lIns="0" rIns="0" tIns="0" bIns="0">
-            <a:normAutofit/>
-          </a:bodyPr>
-          <a:p>
-            <a:endParaRPr b="0" lang="es-ES" sz="1800" spc="-1" strike="noStrike">
-              <a:solidFill>
-                <a:srgbClr val="000000"/>
-              </a:solidFill>
+            <a:normAutofit fontScale="10000"/>
+          </a:bodyPr>
+          <a:p>
+            <a:endParaRPr b="0" lang="es-ES" sz="3200" spc="-1" strike="noStrike">
               <a:latin typeface="Arial"/>
             </a:endParaRPr>
           </a:p>
@@ -2489,7 +2338,7 @@
         <p:spPr>
           <a:xfrm>
             <a:off x="457200" y="393840"/>
-            <a:ext cx="8228880" cy="1145160"/>
+            <a:ext cx="8228520" cy="1144800"/>
           </a:xfrm>
           <a:prstGeom prst="rect">
             <a:avLst/>
@@ -2500,10 +2349,8 @@
             <a:noAutofit/>
           </a:bodyPr>
           <a:p>
-            <a:endParaRPr b="0" lang="es-ES" sz="1800" spc="-1" strike="noStrike">
-              <a:solidFill>
-                <a:srgbClr val="000000"/>
-              </a:solidFill>
+            <a:pPr algn="ctr"/>
+            <a:endParaRPr b="0" lang="es-ES" sz="4400" spc="-1" strike="noStrike">
               <a:latin typeface="Arial"/>
             </a:endParaRPr>
           </a:p>
@@ -2544,7 +2391,7 @@
         <p:spPr>
           <a:xfrm>
             <a:off x="457200" y="393840"/>
-            <a:ext cx="8228880" cy="1145160"/>
+            <a:ext cx="8228520" cy="1144800"/>
           </a:xfrm>
           <a:prstGeom prst="rect">
             <a:avLst/>
@@ -2555,10 +2402,8 @@
             <a:noAutofit/>
           </a:bodyPr>
           <a:p>
-            <a:endParaRPr b="0" lang="es-ES" sz="1800" spc="-1" strike="noStrike">
-              <a:solidFill>
-                <a:srgbClr val="000000"/>
-              </a:solidFill>
+            <a:pPr algn="ctr"/>
+            <a:endParaRPr b="0" lang="es-ES" sz="4400" spc="-1" strike="noStrike">
               <a:latin typeface="Arial"/>
             </a:endParaRPr>
           </a:p>
@@ -2577,7 +2422,7 @@
         <p:spPr>
           <a:xfrm>
             <a:off x="457200" y="1882800"/>
-            <a:ext cx="4015440" cy="2180160"/>
+            <a:ext cx="1959120" cy="1039320"/>
           </a:xfrm>
           <a:prstGeom prst="rect">
             <a:avLst/>
@@ -2585,13 +2430,10 @@
         </p:spPr>
         <p:txBody>
           <a:bodyPr lIns="0" rIns="0" tIns="0" bIns="0">
-            <a:normAutofit/>
-          </a:bodyPr>
-          <a:p>
-            <a:endParaRPr b="0" lang="es-ES" sz="1800" spc="-1" strike="noStrike">
-              <a:solidFill>
-                <a:srgbClr val="000000"/>
-              </a:solidFill>
+            <a:normAutofit fontScale="42000"/>
+          </a:bodyPr>
+          <a:p>
+            <a:endParaRPr b="0" lang="es-ES" sz="3200" spc="-1" strike="noStrike">
               <a:latin typeface="Arial"/>
             </a:endParaRPr>
           </a:p>
@@ -2632,7 +2474,7 @@
         <p:spPr>
           <a:xfrm>
             <a:off x="457200" y="393840"/>
-            <a:ext cx="8228880" cy="5309640"/>
+            <a:ext cx="8228520" cy="5307840"/>
           </a:xfrm>
           <a:prstGeom prst="rect">
             <a:avLst/>
@@ -2685,7 +2527,7 @@
         <p:spPr>
           <a:xfrm>
             <a:off x="457200" y="393840"/>
-            <a:ext cx="8228880" cy="1145160"/>
+            <a:ext cx="8228520" cy="1144800"/>
           </a:xfrm>
           <a:prstGeom prst="rect">
             <a:avLst/>
@@ -2696,10 +2538,8 @@
             <a:noAutofit/>
           </a:bodyPr>
           <a:p>
-            <a:endParaRPr b="0" lang="es-ES" sz="1800" spc="-1" strike="noStrike">
-              <a:solidFill>
-                <a:srgbClr val="000000"/>
-              </a:solidFill>
+            <a:pPr algn="ctr"/>
+            <a:endParaRPr b="0" lang="es-ES" sz="4400" spc="-1" strike="noStrike">
               <a:latin typeface="Arial"/>
             </a:endParaRPr>
           </a:p>
@@ -2718,7 +2558,7 @@
         <p:spPr>
           <a:xfrm>
             <a:off x="457200" y="1882800"/>
-            <a:ext cx="1959480" cy="1039680"/>
+            <a:ext cx="955800" cy="495720"/>
           </a:xfrm>
           <a:prstGeom prst="rect">
             <a:avLst/>
@@ -2726,13 +2566,10 @@
         </p:spPr>
         <p:txBody>
           <a:bodyPr lIns="0" rIns="0" tIns="0" bIns="0">
-            <a:normAutofit/>
-          </a:bodyPr>
-          <a:p>
-            <a:endParaRPr b="0" lang="es-ES" sz="1800" spc="-1" strike="noStrike">
-              <a:solidFill>
-                <a:srgbClr val="000000"/>
-              </a:solidFill>
+            <a:normAutofit fontScale="3000"/>
+          </a:bodyPr>
+          <a:p>
+            <a:endParaRPr b="0" lang="es-ES" sz="3200" spc="-1" strike="noStrike">
               <a:latin typeface="Arial"/>
             </a:endParaRPr>
           </a:p>
@@ -2750,8 +2587,8 @@
         </p:nvSpPr>
         <p:spPr>
           <a:xfrm>
-            <a:off x="2514960" y="1882800"/>
-            <a:ext cx="1959480" cy="2180160"/>
+            <a:off x="1461240" y="1882800"/>
+            <a:ext cx="955800" cy="1039320"/>
           </a:xfrm>
           <a:prstGeom prst="rect">
             <a:avLst/>
@@ -2759,13 +2596,10 @@
         </p:spPr>
         <p:txBody>
           <a:bodyPr lIns="0" rIns="0" tIns="0" bIns="0">
-            <a:normAutofit/>
-          </a:bodyPr>
-          <a:p>
-            <a:endParaRPr b="0" lang="es-ES" sz="1800" spc="-1" strike="noStrike">
-              <a:solidFill>
-                <a:srgbClr val="000000"/>
-              </a:solidFill>
+            <a:normAutofit fontScale="10000"/>
+          </a:bodyPr>
+          <a:p>
+            <a:endParaRPr b="0" lang="es-ES" sz="3200" spc="-1" strike="noStrike">
               <a:latin typeface="Arial"/>
             </a:endParaRPr>
           </a:p>
@@ -2783,8 +2617,8 @@
         </p:nvSpPr>
         <p:spPr>
           <a:xfrm>
-            <a:off x="457200" y="3021480"/>
-            <a:ext cx="1959480" cy="1039680"/>
+            <a:off x="457200" y="2426040"/>
+            <a:ext cx="955800" cy="495720"/>
           </a:xfrm>
           <a:prstGeom prst="rect">
             <a:avLst/>
@@ -2792,13 +2626,10 @@
         </p:spPr>
         <p:txBody>
           <a:bodyPr lIns="0" rIns="0" tIns="0" bIns="0">
-            <a:normAutofit/>
-          </a:bodyPr>
-          <a:p>
-            <a:endParaRPr b="0" lang="es-ES" sz="1800" spc="-1" strike="noStrike">
-              <a:solidFill>
-                <a:srgbClr val="000000"/>
-              </a:solidFill>
+            <a:normAutofit fontScale="3000"/>
+          </a:bodyPr>
+          <a:p>
+            <a:endParaRPr b="0" lang="es-ES" sz="3200" spc="-1" strike="noStrike">
               <a:latin typeface="Arial"/>
             </a:endParaRPr>
           </a:p>
@@ -2839,7 +2670,7 @@
         <p:spPr>
           <a:xfrm>
             <a:off x="457200" y="393840"/>
-            <a:ext cx="8228880" cy="1145160"/>
+            <a:ext cx="8228520" cy="1144800"/>
           </a:xfrm>
           <a:prstGeom prst="rect">
             <a:avLst/>
@@ -2850,10 +2681,8 @@
             <a:noAutofit/>
           </a:bodyPr>
           <a:p>
-            <a:endParaRPr b="0" lang="es-ES" sz="1800" spc="-1" strike="noStrike">
-              <a:solidFill>
-                <a:srgbClr val="000000"/>
-              </a:solidFill>
+            <a:pPr algn="ctr"/>
+            <a:endParaRPr b="0" lang="es-ES" sz="4400" spc="-1" strike="noStrike">
               <a:latin typeface="Arial"/>
             </a:endParaRPr>
           </a:p>
@@ -2872,7 +2701,7 @@
         <p:spPr>
           <a:xfrm>
             <a:off x="457200" y="1882800"/>
-            <a:ext cx="1959480" cy="2180160"/>
+            <a:ext cx="955800" cy="1039320"/>
           </a:xfrm>
           <a:prstGeom prst="rect">
             <a:avLst/>
@@ -2880,13 +2709,10 @@
         </p:spPr>
         <p:txBody>
           <a:bodyPr lIns="0" rIns="0" tIns="0" bIns="0">
-            <a:normAutofit/>
-          </a:bodyPr>
-          <a:p>
-            <a:endParaRPr b="0" lang="es-ES" sz="1800" spc="-1" strike="noStrike">
-              <a:solidFill>
-                <a:srgbClr val="000000"/>
-              </a:solidFill>
+            <a:normAutofit fontScale="10000"/>
+          </a:bodyPr>
+          <a:p>
+            <a:endParaRPr b="0" lang="es-ES" sz="3200" spc="-1" strike="noStrike">
               <a:latin typeface="Arial"/>
             </a:endParaRPr>
           </a:p>
@@ -2904,8 +2730,8 @@
         </p:nvSpPr>
         <p:spPr>
           <a:xfrm>
-            <a:off x="2514960" y="1882800"/>
-            <a:ext cx="1959480" cy="1039680"/>
+            <a:off x="1461240" y="1882800"/>
+            <a:ext cx="955800" cy="495720"/>
           </a:xfrm>
           <a:prstGeom prst="rect">
             <a:avLst/>
@@ -2913,13 +2739,10 @@
         </p:spPr>
         <p:txBody>
           <a:bodyPr lIns="0" rIns="0" tIns="0" bIns="0">
-            <a:normAutofit/>
-          </a:bodyPr>
-          <a:p>
-            <a:endParaRPr b="0" lang="es-ES" sz="1800" spc="-1" strike="noStrike">
-              <a:solidFill>
-                <a:srgbClr val="000000"/>
-              </a:solidFill>
+            <a:normAutofit fontScale="3000"/>
+          </a:bodyPr>
+          <a:p>
+            <a:endParaRPr b="0" lang="es-ES" sz="3200" spc="-1" strike="noStrike">
               <a:latin typeface="Arial"/>
             </a:endParaRPr>
           </a:p>
@@ -2937,8 +2760,8 @@
         </p:nvSpPr>
         <p:spPr>
           <a:xfrm>
-            <a:off x="2514960" y="3021480"/>
-            <a:ext cx="1959480" cy="1039680"/>
+            <a:off x="1461240" y="2426040"/>
+            <a:ext cx="955800" cy="495720"/>
           </a:xfrm>
           <a:prstGeom prst="rect">
             <a:avLst/>
@@ -2946,13 +2769,10 @@
         </p:spPr>
         <p:txBody>
           <a:bodyPr lIns="0" rIns="0" tIns="0" bIns="0">
-            <a:normAutofit/>
-          </a:bodyPr>
-          <a:p>
-            <a:endParaRPr b="0" lang="es-ES" sz="1800" spc="-1" strike="noStrike">
-              <a:solidFill>
-                <a:srgbClr val="000000"/>
-              </a:solidFill>
+            <a:normAutofit fontScale="3000"/>
+          </a:bodyPr>
+          <a:p>
+            <a:endParaRPr b="0" lang="es-ES" sz="3200" spc="-1" strike="noStrike">
               <a:latin typeface="Arial"/>
             </a:endParaRPr>
           </a:p>
@@ -2993,7 +2813,7 @@
         <p:spPr>
           <a:xfrm>
             <a:off x="457200" y="393840"/>
-            <a:ext cx="8228880" cy="1145160"/>
+            <a:ext cx="8228520" cy="1144800"/>
           </a:xfrm>
           <a:prstGeom prst="rect">
             <a:avLst/>
@@ -3004,10 +2824,8 @@
             <a:noAutofit/>
           </a:bodyPr>
           <a:p>
-            <a:endParaRPr b="0" lang="es-ES" sz="1800" spc="-1" strike="noStrike">
-              <a:solidFill>
-                <a:srgbClr val="000000"/>
-              </a:solidFill>
+            <a:pPr algn="ctr"/>
+            <a:endParaRPr b="0" lang="es-ES" sz="4400" spc="-1" strike="noStrike">
               <a:latin typeface="Arial"/>
             </a:endParaRPr>
           </a:p>
@@ -3026,7 +2844,7 @@
         <p:spPr>
           <a:xfrm>
             <a:off x="457200" y="1882800"/>
-            <a:ext cx="1959480" cy="1039680"/>
+            <a:ext cx="955800" cy="495720"/>
           </a:xfrm>
           <a:prstGeom prst="rect">
             <a:avLst/>
@@ -3034,13 +2852,10 @@
         </p:spPr>
         <p:txBody>
           <a:bodyPr lIns="0" rIns="0" tIns="0" bIns="0">
-            <a:normAutofit/>
-          </a:bodyPr>
-          <a:p>
-            <a:endParaRPr b="0" lang="es-ES" sz="1800" spc="-1" strike="noStrike">
-              <a:solidFill>
-                <a:srgbClr val="000000"/>
-              </a:solidFill>
+            <a:normAutofit fontScale="3000"/>
+          </a:bodyPr>
+          <a:p>
+            <a:endParaRPr b="0" lang="es-ES" sz="3200" spc="-1" strike="noStrike">
               <a:latin typeface="Arial"/>
             </a:endParaRPr>
           </a:p>
@@ -3058,8 +2873,8 @@
         </p:nvSpPr>
         <p:spPr>
           <a:xfrm>
-            <a:off x="2514960" y="1882800"/>
-            <a:ext cx="1959480" cy="1039680"/>
+            <a:off x="1461240" y="1882800"/>
+            <a:ext cx="955800" cy="495720"/>
           </a:xfrm>
           <a:prstGeom prst="rect">
             <a:avLst/>
@@ -3067,13 +2882,10 @@
         </p:spPr>
         <p:txBody>
           <a:bodyPr lIns="0" rIns="0" tIns="0" bIns="0">
-            <a:normAutofit/>
-          </a:bodyPr>
-          <a:p>
-            <a:endParaRPr b="0" lang="es-ES" sz="1800" spc="-1" strike="noStrike">
-              <a:solidFill>
-                <a:srgbClr val="000000"/>
-              </a:solidFill>
+            <a:normAutofit fontScale="3000"/>
+          </a:bodyPr>
+          <a:p>
+            <a:endParaRPr b="0" lang="es-ES" sz="3200" spc="-1" strike="noStrike">
               <a:latin typeface="Arial"/>
             </a:endParaRPr>
           </a:p>
@@ -3091,8 +2903,8 @@
         </p:nvSpPr>
         <p:spPr>
           <a:xfrm>
-            <a:off x="457200" y="3021480"/>
-            <a:ext cx="4015440" cy="1039680"/>
+            <a:off x="457200" y="2426040"/>
+            <a:ext cx="1959120" cy="495720"/>
           </a:xfrm>
           <a:prstGeom prst="rect">
             <a:avLst/>
@@ -3100,13 +2912,10 @@
         </p:spPr>
         <p:txBody>
           <a:bodyPr lIns="0" rIns="0" tIns="0" bIns="0">
-            <a:normAutofit/>
-          </a:bodyPr>
-          <a:p>
-            <a:endParaRPr b="0" lang="es-ES" sz="1800" spc="-1" strike="noStrike">
-              <a:solidFill>
-                <a:srgbClr val="000000"/>
-              </a:solidFill>
+            <a:normAutofit fontScale="14000"/>
+          </a:bodyPr>
+          <a:p>
+            <a:endParaRPr b="0" lang="es-ES" sz="3200" spc="-1" strike="noStrike">
               <a:latin typeface="Arial"/>
             </a:endParaRPr>
           </a:p>
@@ -3147,7 +2956,7 @@
         <p:spPr>
           <a:xfrm>
             <a:off x="457200" y="393840"/>
-            <a:ext cx="8228880" cy="1145160"/>
+            <a:ext cx="8228520" cy="1144800"/>
           </a:xfrm>
           <a:prstGeom prst="rect">
             <a:avLst/>
@@ -3158,10 +2967,8 @@
             <a:noAutofit/>
           </a:bodyPr>
           <a:p>
-            <a:endParaRPr b="0" lang="es-ES" sz="1800" spc="-1" strike="noStrike">
-              <a:solidFill>
-                <a:srgbClr val="000000"/>
-              </a:solidFill>
+            <a:pPr algn="ctr"/>
+            <a:endParaRPr b="0" lang="es-ES" sz="4400" spc="-1" strike="noStrike">
               <a:latin typeface="Arial"/>
             </a:endParaRPr>
           </a:p>
@@ -3180,7 +2987,7 @@
         <p:spPr>
           <a:xfrm>
             <a:off x="457200" y="1882800"/>
-            <a:ext cx="4015440" cy="1039680"/>
+            <a:ext cx="1959120" cy="495720"/>
           </a:xfrm>
           <a:prstGeom prst="rect">
             <a:avLst/>
@@ -3188,13 +2995,10 @@
         </p:spPr>
         <p:txBody>
           <a:bodyPr lIns="0" rIns="0" tIns="0" bIns="0">
-            <a:normAutofit/>
-          </a:bodyPr>
-          <a:p>
-            <a:endParaRPr b="0" lang="es-ES" sz="1800" spc="-1" strike="noStrike">
-              <a:solidFill>
-                <a:srgbClr val="000000"/>
-              </a:solidFill>
+            <a:normAutofit fontScale="14000"/>
+          </a:bodyPr>
+          <a:p>
+            <a:endParaRPr b="0" lang="es-ES" sz="3200" spc="-1" strike="noStrike">
               <a:latin typeface="Arial"/>
             </a:endParaRPr>
           </a:p>
@@ -3212,8 +3016,8 @@
         </p:nvSpPr>
         <p:spPr>
           <a:xfrm>
-            <a:off x="457200" y="3021480"/>
-            <a:ext cx="4015440" cy="1039680"/>
+            <a:off x="457200" y="2426040"/>
+            <a:ext cx="1959120" cy="495720"/>
           </a:xfrm>
           <a:prstGeom prst="rect">
             <a:avLst/>
@@ -3221,13 +3025,10 @@
         </p:spPr>
         <p:txBody>
           <a:bodyPr lIns="0" rIns="0" tIns="0" bIns="0">
-            <a:normAutofit/>
-          </a:bodyPr>
-          <a:p>
-            <a:endParaRPr b="0" lang="es-ES" sz="1800" spc="-1" strike="noStrike">
-              <a:solidFill>
-                <a:srgbClr val="000000"/>
-              </a:solidFill>
+            <a:normAutofit fontScale="14000"/>
+          </a:bodyPr>
+          <a:p>
+            <a:endParaRPr b="0" lang="es-ES" sz="3200" spc="-1" strike="noStrike">
               <a:latin typeface="Arial"/>
             </a:endParaRPr>
           </a:p>
@@ -3268,7 +3069,7 @@
         <p:spPr>
           <a:xfrm>
             <a:off x="457200" y="393840"/>
-            <a:ext cx="8228880" cy="1145160"/>
+            <a:ext cx="8228520" cy="1144800"/>
           </a:xfrm>
           <a:prstGeom prst="rect">
             <a:avLst/>
@@ -3279,10 +3080,8 @@
             <a:noAutofit/>
           </a:bodyPr>
           <a:p>
-            <a:endParaRPr b="0" lang="es-ES" sz="1800" spc="-1" strike="noStrike">
-              <a:solidFill>
-                <a:srgbClr val="000000"/>
-              </a:solidFill>
+            <a:pPr algn="ctr"/>
+            <a:endParaRPr b="0" lang="es-ES" sz="4400" spc="-1" strike="noStrike">
               <a:latin typeface="Arial"/>
             </a:endParaRPr>
           </a:p>
@@ -3301,7 +3100,7 @@
         <p:spPr>
           <a:xfrm>
             <a:off x="457200" y="1882800"/>
-            <a:ext cx="1959480" cy="1039680"/>
+            <a:ext cx="955800" cy="495720"/>
           </a:xfrm>
           <a:prstGeom prst="rect">
             <a:avLst/>
@@ -3309,13 +3108,10 @@
         </p:spPr>
         <p:txBody>
           <a:bodyPr lIns="0" rIns="0" tIns="0" bIns="0">
-            <a:normAutofit/>
-          </a:bodyPr>
-          <a:p>
-            <a:endParaRPr b="0" lang="es-ES" sz="1800" spc="-1" strike="noStrike">
-              <a:solidFill>
-                <a:srgbClr val="000000"/>
-              </a:solidFill>
+            <a:normAutofit fontScale="3000"/>
+          </a:bodyPr>
+          <a:p>
+            <a:endParaRPr b="0" lang="es-ES" sz="3200" spc="-1" strike="noStrike">
               <a:latin typeface="Arial"/>
             </a:endParaRPr>
           </a:p>
@@ -3333,8 +3129,8 @@
         </p:nvSpPr>
         <p:spPr>
           <a:xfrm>
-            <a:off x="2514960" y="1882800"/>
-            <a:ext cx="1959480" cy="1039680"/>
+            <a:off x="1461240" y="1882800"/>
+            <a:ext cx="955800" cy="495720"/>
           </a:xfrm>
           <a:prstGeom prst="rect">
             <a:avLst/>
@@ -3342,13 +3138,10 @@
         </p:spPr>
         <p:txBody>
           <a:bodyPr lIns="0" rIns="0" tIns="0" bIns="0">
-            <a:normAutofit/>
-          </a:bodyPr>
-          <a:p>
-            <a:endParaRPr b="0" lang="es-ES" sz="1800" spc="-1" strike="noStrike">
-              <a:solidFill>
-                <a:srgbClr val="000000"/>
-              </a:solidFill>
+            <a:normAutofit fontScale="3000"/>
+          </a:bodyPr>
+          <a:p>
+            <a:endParaRPr b="0" lang="es-ES" sz="3200" spc="-1" strike="noStrike">
               <a:latin typeface="Arial"/>
             </a:endParaRPr>
           </a:p>
@@ -3366,8 +3159,8 @@
         </p:nvSpPr>
         <p:spPr>
           <a:xfrm>
-            <a:off x="457200" y="3021480"/>
-            <a:ext cx="1959480" cy="1039680"/>
+            <a:off x="457200" y="2426040"/>
+            <a:ext cx="955800" cy="495720"/>
           </a:xfrm>
           <a:prstGeom prst="rect">
             <a:avLst/>
@@ -3375,13 +3168,10 @@
         </p:spPr>
         <p:txBody>
           <a:bodyPr lIns="0" rIns="0" tIns="0" bIns="0">
-            <a:normAutofit/>
-          </a:bodyPr>
-          <a:p>
-            <a:endParaRPr b="0" lang="es-ES" sz="1800" spc="-1" strike="noStrike">
-              <a:solidFill>
-                <a:srgbClr val="000000"/>
-              </a:solidFill>
+            <a:normAutofit fontScale="3000"/>
+          </a:bodyPr>
+          <a:p>
+            <a:endParaRPr b="0" lang="es-ES" sz="3200" spc="-1" strike="noStrike">
               <a:latin typeface="Arial"/>
             </a:endParaRPr>
           </a:p>
@@ -3399,8 +3189,8 @@
         </p:nvSpPr>
         <p:spPr>
           <a:xfrm>
-            <a:off x="2514960" y="3021480"/>
-            <a:ext cx="1959480" cy="1039680"/>
+            <a:off x="1461240" y="2426040"/>
+            <a:ext cx="955800" cy="495720"/>
           </a:xfrm>
           <a:prstGeom prst="rect">
             <a:avLst/>
@@ -3408,13 +3198,10 @@
         </p:spPr>
         <p:txBody>
           <a:bodyPr lIns="0" rIns="0" tIns="0" bIns="0">
-            <a:normAutofit/>
-          </a:bodyPr>
-          <a:p>
-            <a:endParaRPr b="0" lang="es-ES" sz="1800" spc="-1" strike="noStrike">
-              <a:solidFill>
-                <a:srgbClr val="000000"/>
-              </a:solidFill>
+            <a:normAutofit fontScale="3000"/>
+          </a:bodyPr>
+          <a:p>
+            <a:endParaRPr b="0" lang="es-ES" sz="3200" spc="-1" strike="noStrike">
               <a:latin typeface="Arial"/>
             </a:endParaRPr>
           </a:p>
@@ -3455,7 +3242,7 @@
         <p:spPr>
           <a:xfrm>
             <a:off x="457200" y="393840"/>
-            <a:ext cx="8228880" cy="1145160"/>
+            <a:ext cx="8228520" cy="1144800"/>
           </a:xfrm>
           <a:prstGeom prst="rect">
             <a:avLst/>
@@ -3466,10 +3253,8 @@
             <a:noAutofit/>
           </a:bodyPr>
           <a:p>
-            <a:endParaRPr b="0" lang="es-ES" sz="1800" spc="-1" strike="noStrike">
-              <a:solidFill>
-                <a:srgbClr val="000000"/>
-              </a:solidFill>
+            <a:pPr algn="ctr"/>
+            <a:endParaRPr b="0" lang="es-ES" sz="4400" spc="-1" strike="noStrike">
               <a:latin typeface="Arial"/>
             </a:endParaRPr>
           </a:p>
@@ -3488,7 +3273,7 @@
         <p:spPr>
           <a:xfrm>
             <a:off x="457200" y="1882800"/>
-            <a:ext cx="1292760" cy="1039680"/>
+            <a:ext cx="630720" cy="495720"/>
           </a:xfrm>
           <a:prstGeom prst="rect">
             <a:avLst/>
@@ -3499,10 +3284,7 @@
             <a:normAutofit/>
           </a:bodyPr>
           <a:p>
-            <a:endParaRPr b="0" lang="es-ES" sz="1800" spc="-1" strike="noStrike">
-              <a:solidFill>
-                <a:srgbClr val="000000"/>
-              </a:solidFill>
+            <a:endParaRPr b="0" lang="es-ES" sz="3200" spc="-1" strike="noStrike">
               <a:latin typeface="Arial"/>
             </a:endParaRPr>
           </a:p>
@@ -3520,8 +3302,8 @@
         </p:nvSpPr>
         <p:spPr>
           <a:xfrm>
-            <a:off x="1815120" y="1882800"/>
-            <a:ext cx="1292760" cy="1039680"/>
+            <a:off x="1119960" y="1882800"/>
+            <a:ext cx="630720" cy="495720"/>
           </a:xfrm>
           <a:prstGeom prst="rect">
             <a:avLst/>
@@ -3532,10 +3314,7 @@
             <a:normAutofit/>
           </a:bodyPr>
           <a:p>
-            <a:endParaRPr b="0" lang="es-ES" sz="1800" spc="-1" strike="noStrike">
-              <a:solidFill>
-                <a:srgbClr val="000000"/>
-              </a:solidFill>
+            <a:endParaRPr b="0" lang="es-ES" sz="3200" spc="-1" strike="noStrike">
               <a:latin typeface="Arial"/>
             </a:endParaRPr>
           </a:p>
@@ -3553,8 +3332,8 @@
         </p:nvSpPr>
         <p:spPr>
           <a:xfrm>
-            <a:off x="3172680" y="1882800"/>
-            <a:ext cx="1292760" cy="1039680"/>
+            <a:off x="1782360" y="1882800"/>
+            <a:ext cx="630720" cy="495720"/>
           </a:xfrm>
           <a:prstGeom prst="rect">
             <a:avLst/>
@@ -3565,10 +3344,7 @@
             <a:normAutofit/>
           </a:bodyPr>
           <a:p>
-            <a:endParaRPr b="0" lang="es-ES" sz="1800" spc="-1" strike="noStrike">
-              <a:solidFill>
-                <a:srgbClr val="000000"/>
-              </a:solidFill>
+            <a:endParaRPr b="0" lang="es-ES" sz="3200" spc="-1" strike="noStrike">
               <a:latin typeface="Arial"/>
             </a:endParaRPr>
           </a:p>
@@ -3586,8 +3362,8 @@
         </p:nvSpPr>
         <p:spPr>
           <a:xfrm>
-            <a:off x="457200" y="3021480"/>
-            <a:ext cx="1292760" cy="1039680"/>
+            <a:off x="457200" y="2426040"/>
+            <a:ext cx="630720" cy="495720"/>
           </a:xfrm>
           <a:prstGeom prst="rect">
             <a:avLst/>
@@ -3598,10 +3374,7 @@
             <a:normAutofit/>
           </a:bodyPr>
           <a:p>
-            <a:endParaRPr b="0" lang="es-ES" sz="1800" spc="-1" strike="noStrike">
-              <a:solidFill>
-                <a:srgbClr val="000000"/>
-              </a:solidFill>
+            <a:endParaRPr b="0" lang="es-ES" sz="3200" spc="-1" strike="noStrike">
               <a:latin typeface="Arial"/>
             </a:endParaRPr>
           </a:p>
@@ -3619,8 +3392,8 @@
         </p:nvSpPr>
         <p:spPr>
           <a:xfrm>
-            <a:off x="1815120" y="3021480"/>
-            <a:ext cx="1292760" cy="1039680"/>
+            <a:off x="1119960" y="2426040"/>
+            <a:ext cx="630720" cy="495720"/>
           </a:xfrm>
           <a:prstGeom prst="rect">
             <a:avLst/>
@@ -3631,10 +3404,7 @@
             <a:normAutofit/>
           </a:bodyPr>
           <a:p>
-            <a:endParaRPr b="0" lang="es-ES" sz="1800" spc="-1" strike="noStrike">
-              <a:solidFill>
-                <a:srgbClr val="000000"/>
-              </a:solidFill>
+            <a:endParaRPr b="0" lang="es-ES" sz="3200" spc="-1" strike="noStrike">
               <a:latin typeface="Arial"/>
             </a:endParaRPr>
           </a:p>
@@ -3652,8 +3422,8 @@
         </p:nvSpPr>
         <p:spPr>
           <a:xfrm>
-            <a:off x="3172680" y="3021480"/>
-            <a:ext cx="1292760" cy="1039680"/>
+            <a:off x="1782360" y="2426040"/>
+            <a:ext cx="630720" cy="495720"/>
           </a:xfrm>
           <a:prstGeom prst="rect">
             <a:avLst/>
@@ -3664,10 +3434,7 @@
             <a:normAutofit/>
           </a:bodyPr>
           <a:p>
-            <a:endParaRPr b="0" lang="es-ES" sz="1800" spc="-1" strike="noStrike">
-              <a:solidFill>
-                <a:srgbClr val="000000"/>
-              </a:solidFill>
+            <a:endParaRPr b="0" lang="es-ES" sz="3200" spc="-1" strike="noStrike">
               <a:latin typeface="Arial"/>
             </a:endParaRPr>
           </a:p>
@@ -3730,7 +3497,7 @@
         <p:spPr>
           <a:xfrm>
             <a:off x="457200" y="393840"/>
-            <a:ext cx="8228880" cy="1145160"/>
+            <a:ext cx="8228520" cy="1144800"/>
           </a:xfrm>
           <a:prstGeom prst="rect">
             <a:avLst/>
@@ -3741,10 +3508,8 @@
             <a:noAutofit/>
           </a:bodyPr>
           <a:p>
-            <a:endParaRPr b="0" lang="es-ES" sz="1800" spc="-1" strike="noStrike">
-              <a:solidFill>
-                <a:srgbClr val="000000"/>
-              </a:solidFill>
+            <a:pPr algn="ctr"/>
+            <a:endParaRPr b="0" lang="es-ES" sz="4400" spc="-1" strike="noStrike">
               <a:latin typeface="Arial"/>
             </a:endParaRPr>
           </a:p>
@@ -3762,8 +3527,8 @@
         </p:nvSpPr>
         <p:spPr>
           <a:xfrm>
-            <a:off x="457200" y="1882800"/>
-            <a:ext cx="4015440" cy="2180160"/>
+            <a:off x="457200" y="1718640"/>
+            <a:ext cx="1959120" cy="1367640"/>
           </a:xfrm>
           <a:prstGeom prst="rect">
             <a:avLst/>
@@ -3816,7 +3581,7 @@
         <p:spPr>
           <a:xfrm>
             <a:off x="457200" y="393840"/>
-            <a:ext cx="8228880" cy="1145160"/>
+            <a:ext cx="8228520" cy="1144800"/>
           </a:xfrm>
           <a:prstGeom prst="rect">
             <a:avLst/>
@@ -3827,10 +3592,8 @@
             <a:noAutofit/>
           </a:bodyPr>
           <a:p>
-            <a:endParaRPr b="0" lang="es-ES" sz="1800" spc="-1" strike="noStrike">
-              <a:solidFill>
-                <a:srgbClr val="000000"/>
-              </a:solidFill>
+            <a:pPr algn="ctr"/>
+            <a:endParaRPr b="0" lang="es-ES" sz="4400" spc="-1" strike="noStrike">
               <a:latin typeface="Arial"/>
             </a:endParaRPr>
           </a:p>
@@ -3849,7 +3612,7 @@
         <p:spPr>
           <a:xfrm>
             <a:off x="457200" y="1882800"/>
-            <a:ext cx="4015440" cy="2180160"/>
+            <a:ext cx="1959120" cy="1039320"/>
           </a:xfrm>
           <a:prstGeom prst="rect">
             <a:avLst/>
@@ -3857,13 +3620,10 @@
         </p:spPr>
         <p:txBody>
           <a:bodyPr lIns="0" rIns="0" tIns="0" bIns="0">
-            <a:normAutofit/>
-          </a:bodyPr>
-          <a:p>
-            <a:endParaRPr b="0" lang="es-ES" sz="1800" spc="-1" strike="noStrike">
-              <a:solidFill>
-                <a:srgbClr val="000000"/>
-              </a:solidFill>
+            <a:normAutofit fontScale="42000"/>
+          </a:bodyPr>
+          <a:p>
+            <a:endParaRPr b="0" lang="es-ES" sz="3200" spc="-1" strike="noStrike">
               <a:latin typeface="Arial"/>
             </a:endParaRPr>
           </a:p>
@@ -3904,7 +3664,7 @@
         <p:spPr>
           <a:xfrm>
             <a:off x="457200" y="393840"/>
-            <a:ext cx="8228880" cy="1145160"/>
+            <a:ext cx="8228520" cy="1144800"/>
           </a:xfrm>
           <a:prstGeom prst="rect">
             <a:avLst/>
@@ -3915,10 +3675,8 @@
             <a:noAutofit/>
           </a:bodyPr>
           <a:p>
-            <a:endParaRPr b="0" lang="es-ES" sz="1800" spc="-1" strike="noStrike">
-              <a:solidFill>
-                <a:srgbClr val="000000"/>
-              </a:solidFill>
+            <a:pPr algn="ctr"/>
+            <a:endParaRPr b="0" lang="es-ES" sz="4400" spc="-1" strike="noStrike">
               <a:latin typeface="Arial"/>
             </a:endParaRPr>
           </a:p>
@@ -3937,7 +3695,7 @@
         <p:spPr>
           <a:xfrm>
             <a:off x="457200" y="1882800"/>
-            <a:ext cx="1959480" cy="2180160"/>
+            <a:ext cx="955800" cy="1039320"/>
           </a:xfrm>
           <a:prstGeom prst="rect">
             <a:avLst/>
@@ -3945,13 +3703,10 @@
         </p:spPr>
         <p:txBody>
           <a:bodyPr lIns="0" rIns="0" tIns="0" bIns="0">
-            <a:normAutofit/>
-          </a:bodyPr>
-          <a:p>
-            <a:endParaRPr b="0" lang="es-ES" sz="1800" spc="-1" strike="noStrike">
-              <a:solidFill>
-                <a:srgbClr val="000000"/>
-              </a:solidFill>
+            <a:normAutofit fontScale="10000"/>
+          </a:bodyPr>
+          <a:p>
+            <a:endParaRPr b="0" lang="es-ES" sz="3200" spc="-1" strike="noStrike">
               <a:latin typeface="Arial"/>
             </a:endParaRPr>
           </a:p>
@@ -3969,8 +3724,8 @@
         </p:nvSpPr>
         <p:spPr>
           <a:xfrm>
-            <a:off x="2514960" y="1882800"/>
-            <a:ext cx="1959480" cy="2180160"/>
+            <a:off x="1461240" y="1882800"/>
+            <a:ext cx="955800" cy="1039320"/>
           </a:xfrm>
           <a:prstGeom prst="rect">
             <a:avLst/>
@@ -3978,13 +3733,10 @@
         </p:spPr>
         <p:txBody>
           <a:bodyPr lIns="0" rIns="0" tIns="0" bIns="0">
-            <a:normAutofit/>
-          </a:bodyPr>
-          <a:p>
-            <a:endParaRPr b="0" lang="es-ES" sz="1800" spc="-1" strike="noStrike">
-              <a:solidFill>
-                <a:srgbClr val="000000"/>
-              </a:solidFill>
+            <a:normAutofit fontScale="10000"/>
+          </a:bodyPr>
+          <a:p>
+            <a:endParaRPr b="0" lang="es-ES" sz="3200" spc="-1" strike="noStrike">
               <a:latin typeface="Arial"/>
             </a:endParaRPr>
           </a:p>
@@ -4025,7 +3777,7 @@
         <p:spPr>
           <a:xfrm>
             <a:off x="457200" y="393840"/>
-            <a:ext cx="8228880" cy="1145160"/>
+            <a:ext cx="8228520" cy="1144800"/>
           </a:xfrm>
           <a:prstGeom prst="rect">
             <a:avLst/>
@@ -4036,10 +3788,8 @@
             <a:noAutofit/>
           </a:bodyPr>
           <a:p>
-            <a:endParaRPr b="0" lang="es-ES" sz="1800" spc="-1" strike="noStrike">
-              <a:solidFill>
-                <a:srgbClr val="000000"/>
-              </a:solidFill>
+            <a:pPr algn="ctr"/>
+            <a:endParaRPr b="0" lang="es-ES" sz="4400" spc="-1" strike="noStrike">
               <a:latin typeface="Arial"/>
             </a:endParaRPr>
           </a:p>
@@ -4058,7 +3808,7 @@
         <p:spPr>
           <a:xfrm>
             <a:off x="457200" y="1882800"/>
-            <a:ext cx="1959480" cy="2180160"/>
+            <a:ext cx="955800" cy="1039320"/>
           </a:xfrm>
           <a:prstGeom prst="rect">
             <a:avLst/>
@@ -4066,13 +3816,10 @@
         </p:spPr>
         <p:txBody>
           <a:bodyPr lIns="0" rIns="0" tIns="0" bIns="0">
-            <a:normAutofit/>
-          </a:bodyPr>
-          <a:p>
-            <a:endParaRPr b="0" lang="es-ES" sz="1800" spc="-1" strike="noStrike">
-              <a:solidFill>
-                <a:srgbClr val="000000"/>
-              </a:solidFill>
+            <a:normAutofit fontScale="10000"/>
+          </a:bodyPr>
+          <a:p>
+            <a:endParaRPr b="0" lang="es-ES" sz="3200" spc="-1" strike="noStrike">
               <a:latin typeface="Arial"/>
             </a:endParaRPr>
           </a:p>
@@ -4090,8 +3837,8 @@
         </p:nvSpPr>
         <p:spPr>
           <a:xfrm>
-            <a:off x="2514960" y="1882800"/>
-            <a:ext cx="1959480" cy="2180160"/>
+            <a:off x="1461240" y="1882800"/>
+            <a:ext cx="955800" cy="1039320"/>
           </a:xfrm>
           <a:prstGeom prst="rect">
             <a:avLst/>
@@ -4099,13 +3846,10 @@
         </p:spPr>
         <p:txBody>
           <a:bodyPr lIns="0" rIns="0" tIns="0" bIns="0">
-            <a:normAutofit/>
-          </a:bodyPr>
-          <a:p>
-            <a:endParaRPr b="0" lang="es-ES" sz="1800" spc="-1" strike="noStrike">
-              <a:solidFill>
-                <a:srgbClr val="000000"/>
-              </a:solidFill>
+            <a:normAutofit fontScale="10000"/>
+          </a:bodyPr>
+          <a:p>
+            <a:endParaRPr b="0" lang="es-ES" sz="3200" spc="-1" strike="noStrike">
               <a:latin typeface="Arial"/>
             </a:endParaRPr>
           </a:p>
@@ -4146,7 +3890,7 @@
         <p:spPr>
           <a:xfrm>
             <a:off x="457200" y="393840"/>
-            <a:ext cx="8228880" cy="1145160"/>
+            <a:ext cx="8228520" cy="1144800"/>
           </a:xfrm>
           <a:prstGeom prst="rect">
             <a:avLst/>
@@ -4157,10 +3901,8 @@
             <a:noAutofit/>
           </a:bodyPr>
           <a:p>
-            <a:endParaRPr b="0" lang="es-ES" sz="1800" spc="-1" strike="noStrike">
-              <a:solidFill>
-                <a:srgbClr val="000000"/>
-              </a:solidFill>
+            <a:pPr algn="ctr"/>
+            <a:endParaRPr b="0" lang="es-ES" sz="4400" spc="-1" strike="noStrike">
               <a:latin typeface="Arial"/>
             </a:endParaRPr>
           </a:p>
@@ -4201,7 +3943,7 @@
         <p:spPr>
           <a:xfrm>
             <a:off x="457200" y="393840"/>
-            <a:ext cx="8228880" cy="5309640"/>
+            <a:ext cx="8228520" cy="5307840"/>
           </a:xfrm>
           <a:prstGeom prst="rect">
             <a:avLst/>
@@ -4254,7 +3996,7 @@
         <p:spPr>
           <a:xfrm>
             <a:off x="457200" y="393840"/>
-            <a:ext cx="8228880" cy="1145160"/>
+            <a:ext cx="8228520" cy="1144800"/>
           </a:xfrm>
           <a:prstGeom prst="rect">
             <a:avLst/>
@@ -4265,10 +4007,8 @@
             <a:noAutofit/>
           </a:bodyPr>
           <a:p>
-            <a:endParaRPr b="0" lang="es-ES" sz="1800" spc="-1" strike="noStrike">
-              <a:solidFill>
-                <a:srgbClr val="000000"/>
-              </a:solidFill>
+            <a:pPr algn="ctr"/>
+            <a:endParaRPr b="0" lang="es-ES" sz="4400" spc="-1" strike="noStrike">
               <a:latin typeface="Arial"/>
             </a:endParaRPr>
           </a:p>
@@ -4287,7 +4027,7 @@
         <p:spPr>
           <a:xfrm>
             <a:off x="457200" y="1882800"/>
-            <a:ext cx="1959480" cy="1039680"/>
+            <a:ext cx="955800" cy="495720"/>
           </a:xfrm>
           <a:prstGeom prst="rect">
             <a:avLst/>
@@ -4295,13 +4035,10 @@
         </p:spPr>
         <p:txBody>
           <a:bodyPr lIns="0" rIns="0" tIns="0" bIns="0">
-            <a:normAutofit/>
-          </a:bodyPr>
-          <a:p>
-            <a:endParaRPr b="0" lang="es-ES" sz="1800" spc="-1" strike="noStrike">
-              <a:solidFill>
-                <a:srgbClr val="000000"/>
-              </a:solidFill>
+            <a:normAutofit fontScale="3000"/>
+          </a:bodyPr>
+          <a:p>
+            <a:endParaRPr b="0" lang="es-ES" sz="3200" spc="-1" strike="noStrike">
               <a:latin typeface="Arial"/>
             </a:endParaRPr>
           </a:p>
@@ -4319,8 +4056,8 @@
         </p:nvSpPr>
         <p:spPr>
           <a:xfrm>
-            <a:off x="2514960" y="1882800"/>
-            <a:ext cx="1959480" cy="2180160"/>
+            <a:off x="1461240" y="1882800"/>
+            <a:ext cx="955800" cy="1039320"/>
           </a:xfrm>
           <a:prstGeom prst="rect">
             <a:avLst/>
@@ -4328,13 +4065,10 @@
         </p:spPr>
         <p:txBody>
           <a:bodyPr lIns="0" rIns="0" tIns="0" bIns="0">
-            <a:normAutofit/>
-          </a:bodyPr>
-          <a:p>
-            <a:endParaRPr b="0" lang="es-ES" sz="1800" spc="-1" strike="noStrike">
-              <a:solidFill>
-                <a:srgbClr val="000000"/>
-              </a:solidFill>
+            <a:normAutofit fontScale="10000"/>
+          </a:bodyPr>
+          <a:p>
+            <a:endParaRPr b="0" lang="es-ES" sz="3200" spc="-1" strike="noStrike">
               <a:latin typeface="Arial"/>
             </a:endParaRPr>
           </a:p>
@@ -4352,8 +4086,8 @@
         </p:nvSpPr>
         <p:spPr>
           <a:xfrm>
-            <a:off x="457200" y="3021480"/>
-            <a:ext cx="1959480" cy="1039680"/>
+            <a:off x="457200" y="2426040"/>
+            <a:ext cx="955800" cy="495720"/>
           </a:xfrm>
           <a:prstGeom prst="rect">
             <a:avLst/>
@@ -4361,13 +4095,10 @@
         </p:spPr>
         <p:txBody>
           <a:bodyPr lIns="0" rIns="0" tIns="0" bIns="0">
-            <a:normAutofit/>
-          </a:bodyPr>
-          <a:p>
-            <a:endParaRPr b="0" lang="es-ES" sz="1800" spc="-1" strike="noStrike">
-              <a:solidFill>
-                <a:srgbClr val="000000"/>
-              </a:solidFill>
+            <a:normAutofit fontScale="3000"/>
+          </a:bodyPr>
+          <a:p>
+            <a:endParaRPr b="0" lang="es-ES" sz="3200" spc="-1" strike="noStrike">
               <a:latin typeface="Arial"/>
             </a:endParaRPr>
           </a:p>
@@ -4408,7 +4139,7 @@
         <p:spPr>
           <a:xfrm>
             <a:off x="457200" y="393840"/>
-            <a:ext cx="8228880" cy="1145160"/>
+            <a:ext cx="8228520" cy="1144800"/>
           </a:xfrm>
           <a:prstGeom prst="rect">
             <a:avLst/>
@@ -4419,10 +4150,8 @@
             <a:noAutofit/>
           </a:bodyPr>
           <a:p>
-            <a:endParaRPr b="0" lang="es-ES" sz="1800" spc="-1" strike="noStrike">
-              <a:solidFill>
-                <a:srgbClr val="000000"/>
-              </a:solidFill>
+            <a:pPr algn="ctr"/>
+            <a:endParaRPr b="0" lang="es-ES" sz="4400" spc="-1" strike="noStrike">
               <a:latin typeface="Arial"/>
             </a:endParaRPr>
           </a:p>
@@ -4441,7 +4170,7 @@
         <p:spPr>
           <a:xfrm>
             <a:off x="457200" y="1882800"/>
-            <a:ext cx="1959480" cy="2180160"/>
+            <a:ext cx="955800" cy="1039320"/>
           </a:xfrm>
           <a:prstGeom prst="rect">
             <a:avLst/>
@@ -4449,13 +4178,10 @@
         </p:spPr>
         <p:txBody>
           <a:bodyPr lIns="0" rIns="0" tIns="0" bIns="0">
-            <a:normAutofit/>
-          </a:bodyPr>
-          <a:p>
-            <a:endParaRPr b="0" lang="es-ES" sz="1800" spc="-1" strike="noStrike">
-              <a:solidFill>
-                <a:srgbClr val="000000"/>
-              </a:solidFill>
+            <a:normAutofit fontScale="10000"/>
+          </a:bodyPr>
+          <a:p>
+            <a:endParaRPr b="0" lang="es-ES" sz="3200" spc="-1" strike="noStrike">
               <a:latin typeface="Arial"/>
             </a:endParaRPr>
           </a:p>
@@ -4473,8 +4199,8 @@
         </p:nvSpPr>
         <p:spPr>
           <a:xfrm>
-            <a:off x="2514960" y="1882800"/>
-            <a:ext cx="1959480" cy="1039680"/>
+            <a:off x="1461240" y="1882800"/>
+            <a:ext cx="955800" cy="495720"/>
           </a:xfrm>
           <a:prstGeom prst="rect">
             <a:avLst/>
@@ -4482,13 +4208,10 @@
         </p:spPr>
         <p:txBody>
           <a:bodyPr lIns="0" rIns="0" tIns="0" bIns="0">
-            <a:normAutofit/>
-          </a:bodyPr>
-          <a:p>
-            <a:endParaRPr b="0" lang="es-ES" sz="1800" spc="-1" strike="noStrike">
-              <a:solidFill>
-                <a:srgbClr val="000000"/>
-              </a:solidFill>
+            <a:normAutofit fontScale="3000"/>
+          </a:bodyPr>
+          <a:p>
+            <a:endParaRPr b="0" lang="es-ES" sz="3200" spc="-1" strike="noStrike">
               <a:latin typeface="Arial"/>
             </a:endParaRPr>
           </a:p>
@@ -4506,8 +4229,8 @@
         </p:nvSpPr>
         <p:spPr>
           <a:xfrm>
-            <a:off x="2514960" y="3021480"/>
-            <a:ext cx="1959480" cy="1039680"/>
+            <a:off x="1461240" y="2426040"/>
+            <a:ext cx="955800" cy="495720"/>
           </a:xfrm>
           <a:prstGeom prst="rect">
             <a:avLst/>
@@ -4515,13 +4238,10 @@
         </p:spPr>
         <p:txBody>
           <a:bodyPr lIns="0" rIns="0" tIns="0" bIns="0">
-            <a:normAutofit/>
-          </a:bodyPr>
-          <a:p>
-            <a:endParaRPr b="0" lang="es-ES" sz="1800" spc="-1" strike="noStrike">
-              <a:solidFill>
-                <a:srgbClr val="000000"/>
-              </a:solidFill>
+            <a:normAutofit fontScale="3000"/>
+          </a:bodyPr>
+          <a:p>
+            <a:endParaRPr b="0" lang="es-ES" sz="3200" spc="-1" strike="noStrike">
               <a:latin typeface="Arial"/>
             </a:endParaRPr>
           </a:p>
@@ -4562,7 +4282,7 @@
         <p:spPr>
           <a:xfrm>
             <a:off x="457200" y="393840"/>
-            <a:ext cx="8228880" cy="1145160"/>
+            <a:ext cx="8228520" cy="1144800"/>
           </a:xfrm>
           <a:prstGeom prst="rect">
             <a:avLst/>
@@ -4573,10 +4293,8 @@
             <a:noAutofit/>
           </a:bodyPr>
           <a:p>
-            <a:endParaRPr b="0" lang="es-ES" sz="1800" spc="-1" strike="noStrike">
-              <a:solidFill>
-                <a:srgbClr val="000000"/>
-              </a:solidFill>
+            <a:pPr algn="ctr"/>
+            <a:endParaRPr b="0" lang="es-ES" sz="4400" spc="-1" strike="noStrike">
               <a:latin typeface="Arial"/>
             </a:endParaRPr>
           </a:p>
@@ -4595,7 +4313,7 @@
         <p:spPr>
           <a:xfrm>
             <a:off x="457200" y="1882800"/>
-            <a:ext cx="1959480" cy="1039680"/>
+            <a:ext cx="955800" cy="495720"/>
           </a:xfrm>
           <a:prstGeom prst="rect">
             <a:avLst/>
@@ -4603,13 +4321,10 @@
         </p:spPr>
         <p:txBody>
           <a:bodyPr lIns="0" rIns="0" tIns="0" bIns="0">
-            <a:normAutofit/>
-          </a:bodyPr>
-          <a:p>
-            <a:endParaRPr b="0" lang="es-ES" sz="1800" spc="-1" strike="noStrike">
-              <a:solidFill>
-                <a:srgbClr val="000000"/>
-              </a:solidFill>
+            <a:normAutofit fontScale="3000"/>
+          </a:bodyPr>
+          <a:p>
+            <a:endParaRPr b="0" lang="es-ES" sz="3200" spc="-1" strike="noStrike">
               <a:latin typeface="Arial"/>
             </a:endParaRPr>
           </a:p>
@@ -4627,8 +4342,8 @@
         </p:nvSpPr>
         <p:spPr>
           <a:xfrm>
-            <a:off x="2514960" y="1882800"/>
-            <a:ext cx="1959480" cy="1039680"/>
+            <a:off x="1461240" y="1882800"/>
+            <a:ext cx="955800" cy="495720"/>
           </a:xfrm>
           <a:prstGeom prst="rect">
             <a:avLst/>
@@ -4636,13 +4351,10 @@
         </p:spPr>
         <p:txBody>
           <a:bodyPr lIns="0" rIns="0" tIns="0" bIns="0">
-            <a:normAutofit/>
-          </a:bodyPr>
-          <a:p>
-            <a:endParaRPr b="0" lang="es-ES" sz="1800" spc="-1" strike="noStrike">
-              <a:solidFill>
-                <a:srgbClr val="000000"/>
-              </a:solidFill>
+            <a:normAutofit fontScale="3000"/>
+          </a:bodyPr>
+          <a:p>
+            <a:endParaRPr b="0" lang="es-ES" sz="3200" spc="-1" strike="noStrike">
               <a:latin typeface="Arial"/>
             </a:endParaRPr>
           </a:p>
@@ -4660,8 +4372,8 @@
         </p:nvSpPr>
         <p:spPr>
           <a:xfrm>
-            <a:off x="457200" y="3021480"/>
-            <a:ext cx="4015440" cy="1039680"/>
+            <a:off x="457200" y="2426040"/>
+            <a:ext cx="1959120" cy="495720"/>
           </a:xfrm>
           <a:prstGeom prst="rect">
             <a:avLst/>
@@ -4669,13 +4381,10 @@
         </p:spPr>
         <p:txBody>
           <a:bodyPr lIns="0" rIns="0" tIns="0" bIns="0">
-            <a:normAutofit/>
-          </a:bodyPr>
-          <a:p>
-            <a:endParaRPr b="0" lang="es-ES" sz="1800" spc="-1" strike="noStrike">
-              <a:solidFill>
-                <a:srgbClr val="000000"/>
-              </a:solidFill>
+            <a:normAutofit fontScale="14000"/>
+          </a:bodyPr>
+          <a:p>
+            <a:endParaRPr b="0" lang="es-ES" sz="3200" spc="-1" strike="noStrike">
               <a:latin typeface="Arial"/>
             </a:endParaRPr>
           </a:p>
@@ -4716,7 +4425,7 @@
         <p:spPr>
           <a:xfrm>
             <a:off x="457200" y="393840"/>
-            <a:ext cx="8228880" cy="1145160"/>
+            <a:ext cx="8228520" cy="1144800"/>
           </a:xfrm>
           <a:prstGeom prst="rect">
             <a:avLst/>
@@ -4727,10 +4436,8 @@
             <a:noAutofit/>
           </a:bodyPr>
           <a:p>
-            <a:endParaRPr b="0" lang="es-ES" sz="1800" spc="-1" strike="noStrike">
-              <a:solidFill>
-                <a:srgbClr val="000000"/>
-              </a:solidFill>
+            <a:pPr algn="ctr"/>
+            <a:endParaRPr b="0" lang="es-ES" sz="4400" spc="-1" strike="noStrike">
               <a:latin typeface="Arial"/>
             </a:endParaRPr>
           </a:p>
@@ -4749,7 +4456,7 @@
         <p:spPr>
           <a:xfrm>
             <a:off x="457200" y="1882800"/>
-            <a:ext cx="4015440" cy="1039680"/>
+            <a:ext cx="1959120" cy="495720"/>
           </a:xfrm>
           <a:prstGeom prst="rect">
             <a:avLst/>
@@ -4757,13 +4464,10 @@
         </p:spPr>
         <p:txBody>
           <a:bodyPr lIns="0" rIns="0" tIns="0" bIns="0">
-            <a:normAutofit/>
-          </a:bodyPr>
-          <a:p>
-            <a:endParaRPr b="0" lang="es-ES" sz="1800" spc="-1" strike="noStrike">
-              <a:solidFill>
-                <a:srgbClr val="000000"/>
-              </a:solidFill>
+            <a:normAutofit fontScale="14000"/>
+          </a:bodyPr>
+          <a:p>
+            <a:endParaRPr b="0" lang="es-ES" sz="3200" spc="-1" strike="noStrike">
               <a:latin typeface="Arial"/>
             </a:endParaRPr>
           </a:p>
@@ -4781,8 +4485,8 @@
         </p:nvSpPr>
         <p:spPr>
           <a:xfrm>
-            <a:off x="457200" y="3021480"/>
-            <a:ext cx="4015440" cy="1039680"/>
+            <a:off x="457200" y="2426040"/>
+            <a:ext cx="1959120" cy="495720"/>
           </a:xfrm>
           <a:prstGeom prst="rect">
             <a:avLst/>
@@ -4790,13 +4494,10 @@
         </p:spPr>
         <p:txBody>
           <a:bodyPr lIns="0" rIns="0" tIns="0" bIns="0">
-            <a:normAutofit/>
-          </a:bodyPr>
-          <a:p>
-            <a:endParaRPr b="0" lang="es-ES" sz="1800" spc="-1" strike="noStrike">
-              <a:solidFill>
-                <a:srgbClr val="000000"/>
-              </a:solidFill>
+            <a:normAutofit fontScale="14000"/>
+          </a:bodyPr>
+          <a:p>
+            <a:endParaRPr b="0" lang="es-ES" sz="3200" spc="-1" strike="noStrike">
               <a:latin typeface="Arial"/>
             </a:endParaRPr>
           </a:p>
@@ -4837,7 +4538,7 @@
         <p:spPr>
           <a:xfrm>
             <a:off x="457200" y="393840"/>
-            <a:ext cx="8228880" cy="1145160"/>
+            <a:ext cx="8228520" cy="1144800"/>
           </a:xfrm>
           <a:prstGeom prst="rect">
             <a:avLst/>
@@ -4848,10 +4549,8 @@
             <a:noAutofit/>
           </a:bodyPr>
           <a:p>
-            <a:endParaRPr b="0" lang="es-ES" sz="1800" spc="-1" strike="noStrike">
-              <a:solidFill>
-                <a:srgbClr val="000000"/>
-              </a:solidFill>
+            <a:pPr algn="ctr"/>
+            <a:endParaRPr b="0" lang="es-ES" sz="4400" spc="-1" strike="noStrike">
               <a:latin typeface="Arial"/>
             </a:endParaRPr>
           </a:p>
@@ -4870,7 +4569,7 @@
         <p:spPr>
           <a:xfrm>
             <a:off x="457200" y="1882800"/>
-            <a:ext cx="1959480" cy="1039680"/>
+            <a:ext cx="955800" cy="495720"/>
           </a:xfrm>
           <a:prstGeom prst="rect">
             <a:avLst/>
@@ -4878,13 +4577,10 @@
         </p:spPr>
         <p:txBody>
           <a:bodyPr lIns="0" rIns="0" tIns="0" bIns="0">
-            <a:normAutofit/>
-          </a:bodyPr>
-          <a:p>
-            <a:endParaRPr b="0" lang="es-ES" sz="1800" spc="-1" strike="noStrike">
-              <a:solidFill>
-                <a:srgbClr val="000000"/>
-              </a:solidFill>
+            <a:normAutofit fontScale="3000"/>
+          </a:bodyPr>
+          <a:p>
+            <a:endParaRPr b="0" lang="es-ES" sz="3200" spc="-1" strike="noStrike">
               <a:latin typeface="Arial"/>
             </a:endParaRPr>
           </a:p>
@@ -4902,8 +4598,8 @@
         </p:nvSpPr>
         <p:spPr>
           <a:xfrm>
-            <a:off x="2514960" y="1882800"/>
-            <a:ext cx="1959480" cy="1039680"/>
+            <a:off x="1461240" y="1882800"/>
+            <a:ext cx="955800" cy="495720"/>
           </a:xfrm>
           <a:prstGeom prst="rect">
             <a:avLst/>
@@ -4911,13 +4607,10 @@
         </p:spPr>
         <p:txBody>
           <a:bodyPr lIns="0" rIns="0" tIns="0" bIns="0">
-            <a:normAutofit/>
-          </a:bodyPr>
-          <a:p>
-            <a:endParaRPr b="0" lang="es-ES" sz="1800" spc="-1" strike="noStrike">
-              <a:solidFill>
-                <a:srgbClr val="000000"/>
-              </a:solidFill>
+            <a:normAutofit fontScale="3000"/>
+          </a:bodyPr>
+          <a:p>
+            <a:endParaRPr b="0" lang="es-ES" sz="3200" spc="-1" strike="noStrike">
               <a:latin typeface="Arial"/>
             </a:endParaRPr>
           </a:p>
@@ -4935,8 +4628,8 @@
         </p:nvSpPr>
         <p:spPr>
           <a:xfrm>
-            <a:off x="457200" y="3021480"/>
-            <a:ext cx="1959480" cy="1039680"/>
+            <a:off x="457200" y="2426040"/>
+            <a:ext cx="955800" cy="495720"/>
           </a:xfrm>
           <a:prstGeom prst="rect">
             <a:avLst/>
@@ -4944,13 +4637,10 @@
         </p:spPr>
         <p:txBody>
           <a:bodyPr lIns="0" rIns="0" tIns="0" bIns="0">
-            <a:normAutofit/>
-          </a:bodyPr>
-          <a:p>
-            <a:endParaRPr b="0" lang="es-ES" sz="1800" spc="-1" strike="noStrike">
-              <a:solidFill>
-                <a:srgbClr val="000000"/>
-              </a:solidFill>
+            <a:normAutofit fontScale="3000"/>
+          </a:bodyPr>
+          <a:p>
+            <a:endParaRPr b="0" lang="es-ES" sz="3200" spc="-1" strike="noStrike">
               <a:latin typeface="Arial"/>
             </a:endParaRPr>
           </a:p>
@@ -4968,8 +4658,8 @@
         </p:nvSpPr>
         <p:spPr>
           <a:xfrm>
-            <a:off x="2514960" y="3021480"/>
-            <a:ext cx="1959480" cy="1039680"/>
+            <a:off x="1461240" y="2426040"/>
+            <a:ext cx="955800" cy="495720"/>
           </a:xfrm>
           <a:prstGeom prst="rect">
             <a:avLst/>
@@ -4977,13 +4667,10 @@
         </p:spPr>
         <p:txBody>
           <a:bodyPr lIns="0" rIns="0" tIns="0" bIns="0">
-            <a:normAutofit/>
-          </a:bodyPr>
-          <a:p>
-            <a:endParaRPr b="0" lang="es-ES" sz="1800" spc="-1" strike="noStrike">
-              <a:solidFill>
-                <a:srgbClr val="000000"/>
-              </a:solidFill>
+            <a:normAutofit fontScale="3000"/>
+          </a:bodyPr>
+          <a:p>
+            <a:endParaRPr b="0" lang="es-ES" sz="3200" spc="-1" strike="noStrike">
               <a:latin typeface="Arial"/>
             </a:endParaRPr>
           </a:p>
@@ -5024,7 +4711,7 @@
         <p:spPr>
           <a:xfrm>
             <a:off x="457200" y="393840"/>
-            <a:ext cx="8228880" cy="1145160"/>
+            <a:ext cx="8228520" cy="1144800"/>
           </a:xfrm>
           <a:prstGeom prst="rect">
             <a:avLst/>
@@ -5035,10 +4722,8 @@
             <a:noAutofit/>
           </a:bodyPr>
           <a:p>
-            <a:endParaRPr b="0" lang="es-ES" sz="1800" spc="-1" strike="noStrike">
-              <a:solidFill>
-                <a:srgbClr val="000000"/>
-              </a:solidFill>
+            <a:pPr algn="ctr"/>
+            <a:endParaRPr b="0" lang="es-ES" sz="4400" spc="-1" strike="noStrike">
               <a:latin typeface="Arial"/>
             </a:endParaRPr>
           </a:p>
@@ -5057,7 +4742,7 @@
         <p:spPr>
           <a:xfrm>
             <a:off x="457200" y="1882800"/>
-            <a:ext cx="1292760" cy="1039680"/>
+            <a:ext cx="630720" cy="495720"/>
           </a:xfrm>
           <a:prstGeom prst="rect">
             <a:avLst/>
@@ -5068,10 +4753,7 @@
             <a:normAutofit/>
           </a:bodyPr>
           <a:p>
-            <a:endParaRPr b="0" lang="es-ES" sz="1800" spc="-1" strike="noStrike">
-              <a:solidFill>
-                <a:srgbClr val="000000"/>
-              </a:solidFill>
+            <a:endParaRPr b="0" lang="es-ES" sz="3200" spc="-1" strike="noStrike">
               <a:latin typeface="Arial"/>
             </a:endParaRPr>
           </a:p>
@@ -5089,8 +4771,8 @@
         </p:nvSpPr>
         <p:spPr>
           <a:xfrm>
-            <a:off x="1815120" y="1882800"/>
-            <a:ext cx="1292760" cy="1039680"/>
+            <a:off x="1119960" y="1882800"/>
+            <a:ext cx="630720" cy="495720"/>
           </a:xfrm>
           <a:prstGeom prst="rect">
             <a:avLst/>
@@ -5101,10 +4783,7 @@
             <a:normAutofit/>
           </a:bodyPr>
           <a:p>
-            <a:endParaRPr b="0" lang="es-ES" sz="1800" spc="-1" strike="noStrike">
-              <a:solidFill>
-                <a:srgbClr val="000000"/>
-              </a:solidFill>
+            <a:endParaRPr b="0" lang="es-ES" sz="3200" spc="-1" strike="noStrike">
               <a:latin typeface="Arial"/>
             </a:endParaRPr>
           </a:p>
@@ -5122,8 +4801,8 @@
         </p:nvSpPr>
         <p:spPr>
           <a:xfrm>
-            <a:off x="3172680" y="1882800"/>
-            <a:ext cx="1292760" cy="1039680"/>
+            <a:off x="1782360" y="1882800"/>
+            <a:ext cx="630720" cy="495720"/>
           </a:xfrm>
           <a:prstGeom prst="rect">
             <a:avLst/>
@@ -5134,10 +4813,7 @@
             <a:normAutofit/>
           </a:bodyPr>
           <a:p>
-            <a:endParaRPr b="0" lang="es-ES" sz="1800" spc="-1" strike="noStrike">
-              <a:solidFill>
-                <a:srgbClr val="000000"/>
-              </a:solidFill>
+            <a:endParaRPr b="0" lang="es-ES" sz="3200" spc="-1" strike="noStrike">
               <a:latin typeface="Arial"/>
             </a:endParaRPr>
           </a:p>
@@ -5155,8 +4831,8 @@
         </p:nvSpPr>
         <p:spPr>
           <a:xfrm>
-            <a:off x="457200" y="3021480"/>
-            <a:ext cx="1292760" cy="1039680"/>
+            <a:off x="457200" y="2426040"/>
+            <a:ext cx="630720" cy="495720"/>
           </a:xfrm>
           <a:prstGeom prst="rect">
             <a:avLst/>
@@ -5167,10 +4843,7 @@
             <a:normAutofit/>
           </a:bodyPr>
           <a:p>
-            <a:endParaRPr b="0" lang="es-ES" sz="1800" spc="-1" strike="noStrike">
-              <a:solidFill>
-                <a:srgbClr val="000000"/>
-              </a:solidFill>
+            <a:endParaRPr b="0" lang="es-ES" sz="3200" spc="-1" strike="noStrike">
               <a:latin typeface="Arial"/>
             </a:endParaRPr>
           </a:p>
@@ -5188,8 +4861,8 @@
         </p:nvSpPr>
         <p:spPr>
           <a:xfrm>
-            <a:off x="1815120" y="3021480"/>
-            <a:ext cx="1292760" cy="1039680"/>
+            <a:off x="1119960" y="2426040"/>
+            <a:ext cx="630720" cy="495720"/>
           </a:xfrm>
           <a:prstGeom prst="rect">
             <a:avLst/>
@@ -5200,10 +4873,7 @@
             <a:normAutofit/>
           </a:bodyPr>
           <a:p>
-            <a:endParaRPr b="0" lang="es-ES" sz="1800" spc="-1" strike="noStrike">
-              <a:solidFill>
-                <a:srgbClr val="000000"/>
-              </a:solidFill>
+            <a:endParaRPr b="0" lang="es-ES" sz="3200" spc="-1" strike="noStrike">
               <a:latin typeface="Arial"/>
             </a:endParaRPr>
           </a:p>
@@ -5221,8 +4891,8 @@
         </p:nvSpPr>
         <p:spPr>
           <a:xfrm>
-            <a:off x="3172680" y="3021480"/>
-            <a:ext cx="1292760" cy="1039680"/>
+            <a:off x="1782360" y="2426040"/>
+            <a:ext cx="630720" cy="495720"/>
           </a:xfrm>
           <a:prstGeom prst="rect">
             <a:avLst/>
@@ -5233,10 +4903,7 @@
             <a:normAutofit/>
           </a:bodyPr>
           <a:p>
-            <a:endParaRPr b="0" lang="es-ES" sz="1800" spc="-1" strike="noStrike">
-              <a:solidFill>
-                <a:srgbClr val="000000"/>
-              </a:solidFill>
+            <a:endParaRPr b="0" lang="es-ES" sz="3200" spc="-1" strike="noStrike">
               <a:latin typeface="Arial"/>
             </a:endParaRPr>
           </a:p>
@@ -5277,7 +4944,7 @@
         <p:spPr>
           <a:xfrm>
             <a:off x="457200" y="393840"/>
-            <a:ext cx="8228880" cy="1145160"/>
+            <a:ext cx="8228520" cy="1144800"/>
           </a:xfrm>
           <a:prstGeom prst="rect">
             <a:avLst/>
@@ -5288,10 +4955,8 @@
             <a:noAutofit/>
           </a:bodyPr>
           <a:p>
-            <a:endParaRPr b="0" lang="es-ES" sz="1800" spc="-1" strike="noStrike">
-              <a:solidFill>
-                <a:srgbClr val="000000"/>
-              </a:solidFill>
+            <a:pPr algn="ctr"/>
+            <a:endParaRPr b="0" lang="es-ES" sz="4400" spc="-1" strike="noStrike">
               <a:latin typeface="Arial"/>
             </a:endParaRPr>
           </a:p>
@@ -5332,7 +4997,7 @@
         <p:spPr>
           <a:xfrm>
             <a:off x="457200" y="393840"/>
-            <a:ext cx="8228880" cy="5309640"/>
+            <a:ext cx="8228520" cy="5307840"/>
           </a:xfrm>
           <a:prstGeom prst="rect">
             <a:avLst/>
@@ -5385,7 +5050,7 @@
         <p:spPr>
           <a:xfrm>
             <a:off x="457200" y="393840"/>
-            <a:ext cx="8228880" cy="1145160"/>
+            <a:ext cx="8228520" cy="1144800"/>
           </a:xfrm>
           <a:prstGeom prst="rect">
             <a:avLst/>
@@ -5396,10 +5061,8 @@
             <a:noAutofit/>
           </a:bodyPr>
           <a:p>
-            <a:endParaRPr b="0" lang="es-ES" sz="1800" spc="-1" strike="noStrike">
-              <a:solidFill>
-                <a:srgbClr val="000000"/>
-              </a:solidFill>
+            <a:pPr algn="ctr"/>
+            <a:endParaRPr b="0" lang="es-ES" sz="4400" spc="-1" strike="noStrike">
               <a:latin typeface="Arial"/>
             </a:endParaRPr>
           </a:p>
@@ -5418,7 +5081,7 @@
         <p:spPr>
           <a:xfrm>
             <a:off x="457200" y="1882800"/>
-            <a:ext cx="1959480" cy="1039680"/>
+            <a:ext cx="955800" cy="495720"/>
           </a:xfrm>
           <a:prstGeom prst="rect">
             <a:avLst/>
@@ -5426,13 +5089,10 @@
         </p:spPr>
         <p:txBody>
           <a:bodyPr lIns="0" rIns="0" tIns="0" bIns="0">
-            <a:normAutofit/>
-          </a:bodyPr>
-          <a:p>
-            <a:endParaRPr b="0" lang="es-ES" sz="1800" spc="-1" strike="noStrike">
-              <a:solidFill>
-                <a:srgbClr val="000000"/>
-              </a:solidFill>
+            <a:normAutofit fontScale="3000"/>
+          </a:bodyPr>
+          <a:p>
+            <a:endParaRPr b="0" lang="es-ES" sz="3200" spc="-1" strike="noStrike">
               <a:latin typeface="Arial"/>
             </a:endParaRPr>
           </a:p>
@@ -5450,8 +5110,8 @@
         </p:nvSpPr>
         <p:spPr>
           <a:xfrm>
-            <a:off x="2514960" y="1882800"/>
-            <a:ext cx="1959480" cy="2180160"/>
+            <a:off x="1461240" y="1882800"/>
+            <a:ext cx="955800" cy="1039320"/>
           </a:xfrm>
           <a:prstGeom prst="rect">
             <a:avLst/>
@@ -5459,13 +5119,10 @@
         </p:spPr>
         <p:txBody>
           <a:bodyPr lIns="0" rIns="0" tIns="0" bIns="0">
-            <a:normAutofit/>
-          </a:bodyPr>
-          <a:p>
-            <a:endParaRPr b="0" lang="es-ES" sz="1800" spc="-1" strike="noStrike">
-              <a:solidFill>
-                <a:srgbClr val="000000"/>
-              </a:solidFill>
+            <a:normAutofit fontScale="10000"/>
+          </a:bodyPr>
+          <a:p>
+            <a:endParaRPr b="0" lang="es-ES" sz="3200" spc="-1" strike="noStrike">
               <a:latin typeface="Arial"/>
             </a:endParaRPr>
           </a:p>
@@ -5483,8 +5140,8 @@
         </p:nvSpPr>
         <p:spPr>
           <a:xfrm>
-            <a:off x="457200" y="3021480"/>
-            <a:ext cx="1959480" cy="1039680"/>
+            <a:off x="457200" y="2426040"/>
+            <a:ext cx="955800" cy="495720"/>
           </a:xfrm>
           <a:prstGeom prst="rect">
             <a:avLst/>
@@ -5492,13 +5149,10 @@
         </p:spPr>
         <p:txBody>
           <a:bodyPr lIns="0" rIns="0" tIns="0" bIns="0">
-            <a:normAutofit/>
-          </a:bodyPr>
-          <a:p>
-            <a:endParaRPr b="0" lang="es-ES" sz="1800" spc="-1" strike="noStrike">
-              <a:solidFill>
-                <a:srgbClr val="000000"/>
-              </a:solidFill>
+            <a:normAutofit fontScale="3000"/>
+          </a:bodyPr>
+          <a:p>
+            <a:endParaRPr b="0" lang="es-ES" sz="3200" spc="-1" strike="noStrike">
               <a:latin typeface="Arial"/>
             </a:endParaRPr>
           </a:p>
@@ -5539,7 +5193,7 @@
         <p:spPr>
           <a:xfrm>
             <a:off x="457200" y="393840"/>
-            <a:ext cx="8228880" cy="1145160"/>
+            <a:ext cx="8228520" cy="1144800"/>
           </a:xfrm>
           <a:prstGeom prst="rect">
             <a:avLst/>
@@ -5550,10 +5204,8 @@
             <a:noAutofit/>
           </a:bodyPr>
           <a:p>
-            <a:endParaRPr b="0" lang="es-ES" sz="1800" spc="-1" strike="noStrike">
-              <a:solidFill>
-                <a:srgbClr val="000000"/>
-              </a:solidFill>
+            <a:pPr algn="ctr"/>
+            <a:endParaRPr b="0" lang="es-ES" sz="4400" spc="-1" strike="noStrike">
               <a:latin typeface="Arial"/>
             </a:endParaRPr>
           </a:p>
@@ -5572,7 +5224,7 @@
         <p:spPr>
           <a:xfrm>
             <a:off x="457200" y="1882800"/>
-            <a:ext cx="1959480" cy="2180160"/>
+            <a:ext cx="955800" cy="1039320"/>
           </a:xfrm>
           <a:prstGeom prst="rect">
             <a:avLst/>
@@ -5580,13 +5232,10 @@
         </p:spPr>
         <p:txBody>
           <a:bodyPr lIns="0" rIns="0" tIns="0" bIns="0">
-            <a:normAutofit/>
-          </a:bodyPr>
-          <a:p>
-            <a:endParaRPr b="0" lang="es-ES" sz="1800" spc="-1" strike="noStrike">
-              <a:solidFill>
-                <a:srgbClr val="000000"/>
-              </a:solidFill>
+            <a:normAutofit fontScale="10000"/>
+          </a:bodyPr>
+          <a:p>
+            <a:endParaRPr b="0" lang="es-ES" sz="3200" spc="-1" strike="noStrike">
               <a:latin typeface="Arial"/>
             </a:endParaRPr>
           </a:p>
@@ -5604,8 +5253,8 @@
         </p:nvSpPr>
         <p:spPr>
           <a:xfrm>
-            <a:off x="2514960" y="1882800"/>
-            <a:ext cx="1959480" cy="1039680"/>
+            <a:off x="1461240" y="1882800"/>
+            <a:ext cx="955800" cy="495720"/>
           </a:xfrm>
           <a:prstGeom prst="rect">
             <a:avLst/>
@@ -5613,13 +5262,10 @@
         </p:spPr>
         <p:txBody>
           <a:bodyPr lIns="0" rIns="0" tIns="0" bIns="0">
-            <a:normAutofit/>
-          </a:bodyPr>
-          <a:p>
-            <a:endParaRPr b="0" lang="es-ES" sz="1800" spc="-1" strike="noStrike">
-              <a:solidFill>
-                <a:srgbClr val="000000"/>
-              </a:solidFill>
+            <a:normAutofit fontScale="3000"/>
+          </a:bodyPr>
+          <a:p>
+            <a:endParaRPr b="0" lang="es-ES" sz="3200" spc="-1" strike="noStrike">
               <a:latin typeface="Arial"/>
             </a:endParaRPr>
           </a:p>
@@ -5637,8 +5283,8 @@
         </p:nvSpPr>
         <p:spPr>
           <a:xfrm>
-            <a:off x="2514960" y="3021480"/>
-            <a:ext cx="1959480" cy="1039680"/>
+            <a:off x="1461240" y="2426040"/>
+            <a:ext cx="955800" cy="495720"/>
           </a:xfrm>
           <a:prstGeom prst="rect">
             <a:avLst/>
@@ -5646,13 +5292,10 @@
         </p:spPr>
         <p:txBody>
           <a:bodyPr lIns="0" rIns="0" tIns="0" bIns="0">
-            <a:normAutofit/>
-          </a:bodyPr>
-          <a:p>
-            <a:endParaRPr b="0" lang="es-ES" sz="1800" spc="-1" strike="noStrike">
-              <a:solidFill>
-                <a:srgbClr val="000000"/>
-              </a:solidFill>
+            <a:normAutofit fontScale="3000"/>
+          </a:bodyPr>
+          <a:p>
+            <a:endParaRPr b="0" lang="es-ES" sz="3200" spc="-1" strike="noStrike">
               <a:latin typeface="Arial"/>
             </a:endParaRPr>
           </a:p>
@@ -5693,7 +5336,7 @@
         <p:spPr>
           <a:xfrm>
             <a:off x="457200" y="393840"/>
-            <a:ext cx="8228880" cy="1145160"/>
+            <a:ext cx="8228520" cy="1144800"/>
           </a:xfrm>
           <a:prstGeom prst="rect">
             <a:avLst/>
@@ -5704,10 +5347,8 @@
             <a:noAutofit/>
           </a:bodyPr>
           <a:p>
-            <a:endParaRPr b="0" lang="es-ES" sz="1800" spc="-1" strike="noStrike">
-              <a:solidFill>
-                <a:srgbClr val="000000"/>
-              </a:solidFill>
+            <a:pPr algn="ctr"/>
+            <a:endParaRPr b="0" lang="es-ES" sz="4400" spc="-1" strike="noStrike">
               <a:latin typeface="Arial"/>
             </a:endParaRPr>
           </a:p>
@@ -5726,7 +5367,7 @@
         <p:spPr>
           <a:xfrm>
             <a:off x="457200" y="1882800"/>
-            <a:ext cx="1959480" cy="1039680"/>
+            <a:ext cx="955800" cy="495720"/>
           </a:xfrm>
           <a:prstGeom prst="rect">
             <a:avLst/>
@@ -5734,13 +5375,10 @@
         </p:spPr>
         <p:txBody>
           <a:bodyPr lIns="0" rIns="0" tIns="0" bIns="0">
-            <a:normAutofit/>
-          </a:bodyPr>
-          <a:p>
-            <a:endParaRPr b="0" lang="es-ES" sz="1800" spc="-1" strike="noStrike">
-              <a:solidFill>
-                <a:srgbClr val="000000"/>
-              </a:solidFill>
+            <a:normAutofit fontScale="3000"/>
+          </a:bodyPr>
+          <a:p>
+            <a:endParaRPr b="0" lang="es-ES" sz="3200" spc="-1" strike="noStrike">
               <a:latin typeface="Arial"/>
             </a:endParaRPr>
           </a:p>
@@ -5758,8 +5396,8 @@
         </p:nvSpPr>
         <p:spPr>
           <a:xfrm>
-            <a:off x="2514960" y="1882800"/>
-            <a:ext cx="1959480" cy="1039680"/>
+            <a:off x="1461240" y="1882800"/>
+            <a:ext cx="955800" cy="495720"/>
           </a:xfrm>
           <a:prstGeom prst="rect">
             <a:avLst/>
@@ -5767,13 +5405,10 @@
         </p:spPr>
         <p:txBody>
           <a:bodyPr lIns="0" rIns="0" tIns="0" bIns="0">
-            <a:normAutofit/>
-          </a:bodyPr>
-          <a:p>
-            <a:endParaRPr b="0" lang="es-ES" sz="1800" spc="-1" strike="noStrike">
-              <a:solidFill>
-                <a:srgbClr val="000000"/>
-              </a:solidFill>
+            <a:normAutofit fontScale="3000"/>
+          </a:bodyPr>
+          <a:p>
+            <a:endParaRPr b="0" lang="es-ES" sz="3200" spc="-1" strike="noStrike">
               <a:latin typeface="Arial"/>
             </a:endParaRPr>
           </a:p>
@@ -5791,8 +5426,8 @@
         </p:nvSpPr>
         <p:spPr>
           <a:xfrm>
-            <a:off x="457200" y="3021480"/>
-            <a:ext cx="4015440" cy="1039680"/>
+            <a:off x="457200" y="2426040"/>
+            <a:ext cx="1959120" cy="495720"/>
           </a:xfrm>
           <a:prstGeom prst="rect">
             <a:avLst/>
@@ -5800,13 +5435,10 @@
         </p:spPr>
         <p:txBody>
           <a:bodyPr lIns="0" rIns="0" tIns="0" bIns="0">
-            <a:normAutofit/>
-          </a:bodyPr>
-          <a:p>
-            <a:endParaRPr b="0" lang="es-ES" sz="1800" spc="-1" strike="noStrike">
-              <a:solidFill>
-                <a:srgbClr val="000000"/>
-              </a:solidFill>
+            <a:normAutofit fontScale="14000"/>
+          </a:bodyPr>
+          <a:p>
+            <a:endParaRPr b="0" lang="es-ES" sz="3200" spc="-1" strike="noStrike">
               <a:latin typeface="Arial"/>
             </a:endParaRPr>
           </a:p>
@@ -5843,7 +5475,7 @@
         <p:spPr>
           <a:xfrm>
             <a:off x="7200" y="14040"/>
-            <a:ext cx="9129240" cy="6836040"/>
+            <a:ext cx="9128880" cy="6835680"/>
           </a:xfrm>
           <a:prstGeom prst="rtTriangle">
             <a:avLst/>
@@ -5971,8 +5603,8 @@
         </p:nvSpPr>
         <p:spPr>
           <a:xfrm rot="16200000">
-            <a:off x="7554240" y="5254920"/>
-            <a:ext cx="1892160" cy="1293480"/>
+            <a:off x="7554240" y="5255280"/>
+            <a:ext cx="1891800" cy="1293120"/>
           </a:xfrm>
           <a:prstGeom prst="triangle">
             <a:avLst>
@@ -6029,7 +5661,7 @@
         <p:spPr>
           <a:xfrm>
             <a:off x="457200" y="393840"/>
-            <a:ext cx="8228880" cy="1145160"/>
+            <a:ext cx="8228520" cy="1144800"/>
           </a:xfrm>
           <a:prstGeom prst="rect">
             <a:avLst/>
@@ -6043,17 +5675,11 @@
             <a:pPr algn="ctr"/>
             <a:r>
               <a:rPr b="0" lang="es-ES" sz="1800" spc="-1" strike="noStrike">
-                <a:solidFill>
-                  <a:srgbClr val="000000"/>
-                </a:solidFill>
                 <a:latin typeface="Arial"/>
               </a:rPr>
               <a:t>Pulse para editar el formato del texto de título</a:t>
             </a:r>
             <a:endParaRPr b="0" lang="es-ES" sz="1800" spc="-1" strike="noStrike">
-              <a:solidFill>
-                <a:srgbClr val="000000"/>
-              </a:solidFill>
               <a:latin typeface="Arial"/>
             </a:endParaRPr>
           </a:p>
@@ -6071,8 +5697,8 @@
         </p:nvSpPr>
         <p:spPr>
           <a:xfrm>
-            <a:off x="457200" y="1604520"/>
-            <a:ext cx="8229240" cy="3977280"/>
+            <a:off x="457200" y="1882800"/>
+            <a:ext cx="4015080" cy="2179800"/>
           </a:xfrm>
           <a:prstGeom prst="rect">
             <a:avLst/>
@@ -6080,10 +5706,10 @@
         </p:spPr>
         <p:txBody>
           <a:bodyPr lIns="0" rIns="0" tIns="0" bIns="0">
-            <a:normAutofit/>
-          </a:bodyPr>
-          <a:p>
-            <a:pPr marL="432000" indent="-324000">
+            <a:normAutofit fontScale="39000"/>
+          </a:bodyPr>
+          <a:p>
+            <a:pPr marL="432000" indent="-324000" algn="ctr">
               <a:spcBef>
                 <a:spcPts val="1417"/>
               </a:spcBef>
@@ -6096,22 +5722,16 @@
             </a:pPr>
             <a:r>
               <a:rPr b="0" lang="es-ES" sz="1800" spc="-1" strike="noStrike">
-                <a:solidFill>
-                  <a:srgbClr val="000000"/>
-                </a:solidFill>
                 <a:latin typeface="Arial"/>
               </a:rPr>
               <a:t>Pulse para editar el formato de texto del esquema</a:t>
             </a:r>
             <a:endParaRPr b="0" lang="es-ES" sz="1800" spc="-1" strike="noStrike">
-              <a:solidFill>
-                <a:srgbClr val="000000"/>
-              </a:solidFill>
-              <a:latin typeface="Arial"/>
-            </a:endParaRPr>
-          </a:p>
-          <a:p>
-            <a:pPr lvl="1" marL="864000" indent="-324000">
+              <a:latin typeface="Arial"/>
+            </a:endParaRPr>
+          </a:p>
+          <a:p>
+            <a:pPr lvl="1" marL="864000" indent="-324000" algn="ctr">
               <a:spcBef>
                 <a:spcPts val="1134"/>
               </a:spcBef>
@@ -6124,22 +5744,16 @@
             </a:pPr>
             <a:r>
               <a:rPr b="0" lang="es-ES" sz="1800" spc="-1" strike="noStrike">
-                <a:solidFill>
-                  <a:srgbClr val="000000"/>
-                </a:solidFill>
                 <a:latin typeface="Arial"/>
               </a:rPr>
               <a:t>Segundo nivel del esquema</a:t>
             </a:r>
             <a:endParaRPr b="0" lang="es-ES" sz="1800" spc="-1" strike="noStrike">
-              <a:solidFill>
-                <a:srgbClr val="000000"/>
-              </a:solidFill>
-              <a:latin typeface="Arial"/>
-            </a:endParaRPr>
-          </a:p>
-          <a:p>
-            <a:pPr lvl="2" marL="1296000" indent="-288000">
+              <a:latin typeface="Arial"/>
+            </a:endParaRPr>
+          </a:p>
+          <a:p>
+            <a:pPr lvl="2" marL="1296000" indent="-288000" algn="ctr">
               <a:spcBef>
                 <a:spcPts val="850"/>
               </a:spcBef>
@@ -6152,22 +5766,16 @@
             </a:pPr>
             <a:r>
               <a:rPr b="0" lang="es-ES" sz="1800" spc="-1" strike="noStrike">
-                <a:solidFill>
-                  <a:srgbClr val="000000"/>
-                </a:solidFill>
                 <a:latin typeface="Arial"/>
               </a:rPr>
               <a:t>Tercer nivel del esquema</a:t>
             </a:r>
             <a:endParaRPr b="0" lang="es-ES" sz="1800" spc="-1" strike="noStrike">
-              <a:solidFill>
-                <a:srgbClr val="000000"/>
-              </a:solidFill>
-              <a:latin typeface="Arial"/>
-            </a:endParaRPr>
-          </a:p>
-          <a:p>
-            <a:pPr lvl="3" marL="1728000" indent="-216000">
+              <a:latin typeface="Arial"/>
+            </a:endParaRPr>
+          </a:p>
+          <a:p>
+            <a:pPr lvl="3" marL="1728000" indent="-216000" algn="ctr">
               <a:spcBef>
                 <a:spcPts val="567"/>
               </a:spcBef>
@@ -6180,22 +5788,16 @@
             </a:pPr>
             <a:r>
               <a:rPr b="0" lang="es-ES" sz="1800" spc="-1" strike="noStrike">
-                <a:solidFill>
-                  <a:srgbClr val="000000"/>
-                </a:solidFill>
                 <a:latin typeface="Arial"/>
               </a:rPr>
               <a:t>Cuarto nivel del esquema</a:t>
             </a:r>
             <a:endParaRPr b="0" lang="es-ES" sz="1800" spc="-1" strike="noStrike">
-              <a:solidFill>
-                <a:srgbClr val="000000"/>
-              </a:solidFill>
-              <a:latin typeface="Arial"/>
-            </a:endParaRPr>
-          </a:p>
-          <a:p>
-            <a:pPr lvl="4" marL="2160000" indent="-216000">
+              <a:latin typeface="Arial"/>
+            </a:endParaRPr>
+          </a:p>
+          <a:p>
+            <a:pPr lvl="4" marL="2160000" indent="-216000" algn="ctr">
               <a:spcBef>
                 <a:spcPts val="283"/>
               </a:spcBef>
@@ -6207,23 +5809,17 @@
               <a:buChar char=""/>
             </a:pPr>
             <a:r>
-              <a:rPr b="0" lang="es-ES" sz="2000" spc="-1" strike="noStrike">
-                <a:solidFill>
-                  <a:srgbClr val="000000"/>
-                </a:solidFill>
+              <a:rPr b="0" lang="es-ES" sz="1800" spc="-1" strike="noStrike">
                 <a:latin typeface="Arial"/>
               </a:rPr>
               <a:t>Quinto nivel del esquema</a:t>
             </a:r>
-            <a:endParaRPr b="0" lang="es-ES" sz="2000" spc="-1" strike="noStrike">
-              <a:solidFill>
-                <a:srgbClr val="000000"/>
-              </a:solidFill>
-              <a:latin typeface="Arial"/>
-            </a:endParaRPr>
-          </a:p>
-          <a:p>
-            <a:pPr lvl="5" marL="2592000" indent="-216000">
+            <a:endParaRPr b="0" lang="es-ES" sz="1800" spc="-1" strike="noStrike">
+              <a:latin typeface="Arial"/>
+            </a:endParaRPr>
+          </a:p>
+          <a:p>
+            <a:pPr lvl="5" marL="2592000" indent="-216000" algn="ctr">
               <a:spcBef>
                 <a:spcPts val="283"/>
               </a:spcBef>
@@ -6235,23 +5831,17 @@
               <a:buChar char=""/>
             </a:pPr>
             <a:r>
-              <a:rPr b="0" lang="es-ES" sz="2000" spc="-1" strike="noStrike">
-                <a:solidFill>
-                  <a:srgbClr val="000000"/>
-                </a:solidFill>
+              <a:rPr b="0" lang="es-ES" sz="1800" spc="-1" strike="noStrike">
                 <a:latin typeface="Arial"/>
               </a:rPr>
               <a:t>Sexto nivel del esquema</a:t>
             </a:r>
-            <a:endParaRPr b="0" lang="es-ES" sz="2000" spc="-1" strike="noStrike">
-              <a:solidFill>
-                <a:srgbClr val="000000"/>
-              </a:solidFill>
-              <a:latin typeface="Arial"/>
-            </a:endParaRPr>
-          </a:p>
-          <a:p>
-            <a:pPr lvl="6" marL="3024000" indent="-216000">
+            <a:endParaRPr b="0" lang="es-ES" sz="1800" spc="-1" strike="noStrike">
+              <a:latin typeface="Arial"/>
+            </a:endParaRPr>
+          </a:p>
+          <a:p>
+            <a:pPr lvl="6" marL="3024000" indent="-216000" algn="ctr">
               <a:spcBef>
                 <a:spcPts val="283"/>
               </a:spcBef>
@@ -6263,18 +5853,12 @@
               <a:buChar char=""/>
             </a:pPr>
             <a:r>
-              <a:rPr b="0" lang="es-ES" sz="2000" spc="-1" strike="noStrike">
-                <a:solidFill>
-                  <a:srgbClr val="000000"/>
-                </a:solidFill>
+              <a:rPr b="0" lang="es-ES" sz="1800" spc="-1" strike="noStrike">
                 <a:latin typeface="Arial"/>
               </a:rPr>
               <a:t>Séptimo nivel del esquema</a:t>
             </a:r>
-            <a:endParaRPr b="0" lang="es-ES" sz="2000" spc="-1" strike="noStrike">
-              <a:solidFill>
-                <a:srgbClr val="000000"/>
-              </a:solidFill>
+            <a:endParaRPr b="0" lang="es-ES" sz="1800" spc="-1" strike="noStrike">
               <a:latin typeface="Arial"/>
             </a:endParaRPr>
           </a:p>
@@ -6326,7 +5910,7 @@
         <p:spPr>
           <a:xfrm>
             <a:off x="7200" y="14040"/>
-            <a:ext cx="9129240" cy="6836040"/>
+            <a:ext cx="9128880" cy="6835680"/>
           </a:xfrm>
           <a:prstGeom prst="rtTriangle">
             <a:avLst/>
@@ -6470,19 +6054,14 @@
             <a:noAutofit/>
           </a:bodyPr>
           <a:p>
-            <a:r>
-              <a:rPr b="0" lang="es-ES" sz="1800" spc="-1" strike="noStrike">
-                <a:solidFill>
-                  <a:srgbClr val="000000"/>
-                </a:solidFill>
+            <a:pPr algn="ctr"/>
+            <a:r>
+              <a:rPr b="0" lang="es-ES" sz="4400" spc="-1" strike="noStrike">
                 <a:latin typeface="Arial"/>
               </a:rPr>
               <a:t>Pulse para editar el formato del texto de título</a:t>
             </a:r>
-            <a:endParaRPr b="0" lang="es-ES" sz="1800" spc="-1" strike="noStrike">
-              <a:solidFill>
-                <a:srgbClr val="000000"/>
-              </a:solidFill>
+            <a:endParaRPr b="0" lang="es-ES" sz="4400" spc="-1" strike="noStrike">
               <a:latin typeface="Arial"/>
             </a:endParaRPr>
           </a:p>
@@ -6524,18 +6103,12 @@
               <a:buChar char=""/>
             </a:pPr>
             <a:r>
-              <a:rPr b="0" lang="es-ES" sz="1800" spc="-1" strike="noStrike">
-                <a:solidFill>
-                  <a:srgbClr val="000000"/>
-                </a:solidFill>
+              <a:rPr b="0" lang="es-ES" sz="3200" spc="-1" strike="noStrike">
                 <a:latin typeface="Arial"/>
               </a:rPr>
               <a:t>Pulse para editar el formato de texto del esquema</a:t>
             </a:r>
-            <a:endParaRPr b="0" lang="es-ES" sz="1800" spc="-1" strike="noStrike">
-              <a:solidFill>
-                <a:srgbClr val="000000"/>
-              </a:solidFill>
+            <a:endParaRPr b="0" lang="es-ES" sz="3200" spc="-1" strike="noStrike">
               <a:latin typeface="Arial"/>
             </a:endParaRPr>
           </a:p>
@@ -6552,18 +6125,12 @@
               <a:buChar char=""/>
             </a:pPr>
             <a:r>
-              <a:rPr b="0" lang="es-ES" sz="1800" spc="-1" strike="noStrike">
-                <a:solidFill>
-                  <a:srgbClr val="000000"/>
-                </a:solidFill>
+              <a:rPr b="0" lang="es-ES" sz="2800" spc="-1" strike="noStrike">
                 <a:latin typeface="Arial"/>
               </a:rPr>
               <a:t>Segundo nivel del esquema</a:t>
             </a:r>
-            <a:endParaRPr b="0" lang="es-ES" sz="1800" spc="-1" strike="noStrike">
-              <a:solidFill>
-                <a:srgbClr val="000000"/>
-              </a:solidFill>
+            <a:endParaRPr b="0" lang="es-ES" sz="2800" spc="-1" strike="noStrike">
               <a:latin typeface="Arial"/>
             </a:endParaRPr>
           </a:p>
@@ -6580,18 +6147,12 @@
               <a:buChar char=""/>
             </a:pPr>
             <a:r>
-              <a:rPr b="0" lang="es-ES" sz="1800" spc="-1" strike="noStrike">
-                <a:solidFill>
-                  <a:srgbClr val="000000"/>
-                </a:solidFill>
+              <a:rPr b="0" lang="es-ES" sz="2400" spc="-1" strike="noStrike">
                 <a:latin typeface="Arial"/>
               </a:rPr>
               <a:t>Tercer nivel del esquema</a:t>
             </a:r>
-            <a:endParaRPr b="0" lang="es-ES" sz="1800" spc="-1" strike="noStrike">
-              <a:solidFill>
-                <a:srgbClr val="000000"/>
-              </a:solidFill>
+            <a:endParaRPr b="0" lang="es-ES" sz="2400" spc="-1" strike="noStrike">
               <a:latin typeface="Arial"/>
             </a:endParaRPr>
           </a:p>
@@ -6608,18 +6169,12 @@
               <a:buChar char=""/>
             </a:pPr>
             <a:r>
-              <a:rPr b="0" lang="es-ES" sz="1800" spc="-1" strike="noStrike">
-                <a:solidFill>
-                  <a:srgbClr val="000000"/>
-                </a:solidFill>
+              <a:rPr b="0" lang="es-ES" sz="2000" spc="-1" strike="noStrike">
                 <a:latin typeface="Arial"/>
               </a:rPr>
               <a:t>Cuarto nivel del esquema</a:t>
             </a:r>
-            <a:endParaRPr b="0" lang="es-ES" sz="1800" spc="-1" strike="noStrike">
-              <a:solidFill>
-                <a:srgbClr val="000000"/>
-              </a:solidFill>
+            <a:endParaRPr b="0" lang="es-ES" sz="2000" spc="-1" strike="noStrike">
               <a:latin typeface="Arial"/>
             </a:endParaRPr>
           </a:p>
@@ -6637,17 +6192,11 @@
             </a:pPr>
             <a:r>
               <a:rPr b="0" lang="es-ES" sz="2000" spc="-1" strike="noStrike">
-                <a:solidFill>
-                  <a:srgbClr val="000000"/>
-                </a:solidFill>
                 <a:latin typeface="Arial"/>
               </a:rPr>
               <a:t>Quinto nivel del esquema</a:t>
             </a:r>
             <a:endParaRPr b="0" lang="es-ES" sz="2000" spc="-1" strike="noStrike">
-              <a:solidFill>
-                <a:srgbClr val="000000"/>
-              </a:solidFill>
               <a:latin typeface="Arial"/>
             </a:endParaRPr>
           </a:p>
@@ -6665,17 +6214,11 @@
             </a:pPr>
             <a:r>
               <a:rPr b="0" lang="es-ES" sz="2000" spc="-1" strike="noStrike">
-                <a:solidFill>
-                  <a:srgbClr val="000000"/>
-                </a:solidFill>
                 <a:latin typeface="Arial"/>
               </a:rPr>
               <a:t>Sexto nivel del esquema</a:t>
             </a:r>
             <a:endParaRPr b="0" lang="es-ES" sz="2000" spc="-1" strike="noStrike">
-              <a:solidFill>
-                <a:srgbClr val="000000"/>
-              </a:solidFill>
               <a:latin typeface="Arial"/>
             </a:endParaRPr>
           </a:p>
@@ -6693,17 +6236,11 @@
             </a:pPr>
             <a:r>
               <a:rPr b="0" lang="es-ES" sz="2000" spc="-1" strike="noStrike">
-                <a:solidFill>
-                  <a:srgbClr val="000000"/>
-                </a:solidFill>
                 <a:latin typeface="Arial"/>
               </a:rPr>
               <a:t>Séptimo nivel del esquema</a:t>
             </a:r>
             <a:endParaRPr b="0" lang="es-ES" sz="2000" spc="-1" strike="noStrike">
-              <a:solidFill>
-                <a:srgbClr val="000000"/>
-              </a:solidFill>
               <a:latin typeface="Arial"/>
             </a:endParaRPr>
           </a:p>
@@ -6755,7 +6292,7 @@
         <p:spPr>
           <a:xfrm>
             <a:off x="7200" y="14040"/>
-            <a:ext cx="9129240" cy="6836040"/>
+            <a:ext cx="9128880" cy="6835680"/>
           </a:xfrm>
           <a:prstGeom prst="rtTriangle">
             <a:avLst/>
@@ -6888,7 +6425,7 @@
         <p:spPr>
           <a:xfrm>
             <a:off x="457200" y="393840"/>
-            <a:ext cx="8228880" cy="1145160"/>
+            <a:ext cx="8228520" cy="1144800"/>
           </a:xfrm>
           <a:prstGeom prst="rect">
             <a:avLst/>
@@ -6902,17 +6439,11 @@
             <a:pPr algn="ctr"/>
             <a:r>
               <a:rPr b="0" lang="es-ES" sz="1800" spc="-1" strike="noStrike">
-                <a:solidFill>
-                  <a:srgbClr val="000000"/>
-                </a:solidFill>
                 <a:latin typeface="Arial"/>
               </a:rPr>
               <a:t>Pulse para editar el formato del texto de título</a:t>
             </a:r>
             <a:endParaRPr b="0" lang="es-ES" sz="1800" spc="-1" strike="noStrike">
-              <a:solidFill>
-                <a:srgbClr val="000000"/>
-              </a:solidFill>
               <a:latin typeface="Arial"/>
             </a:endParaRPr>
           </a:p>
@@ -6930,8 +6461,8 @@
         </p:nvSpPr>
         <p:spPr>
           <a:xfrm>
-            <a:off x="457200" y="1604520"/>
-            <a:ext cx="8229240" cy="3977280"/>
+            <a:off x="457200" y="1882800"/>
+            <a:ext cx="4015080" cy="2179800"/>
           </a:xfrm>
           <a:prstGeom prst="rect">
             <a:avLst/>
@@ -6939,10 +6470,10 @@
         </p:spPr>
         <p:txBody>
           <a:bodyPr lIns="0" rIns="0" tIns="0" bIns="0">
-            <a:normAutofit/>
-          </a:bodyPr>
-          <a:p>
-            <a:pPr marL="432000" indent="-324000">
+            <a:normAutofit fontScale="43000"/>
+          </a:bodyPr>
+          <a:p>
+            <a:pPr marL="432000" indent="-324000" algn="ctr">
               <a:spcBef>
                 <a:spcPts val="1417"/>
               </a:spcBef>
@@ -6955,22 +6486,16 @@
             </a:pPr>
             <a:r>
               <a:rPr b="0" lang="es-ES" sz="1800" spc="-1" strike="noStrike">
-                <a:solidFill>
-                  <a:srgbClr val="000000"/>
-                </a:solidFill>
                 <a:latin typeface="Arial"/>
               </a:rPr>
               <a:t>Pulse para editar el formato de texto del esquema</a:t>
             </a:r>
             <a:endParaRPr b="0" lang="es-ES" sz="1800" spc="-1" strike="noStrike">
-              <a:solidFill>
-                <a:srgbClr val="000000"/>
-              </a:solidFill>
-              <a:latin typeface="Arial"/>
-            </a:endParaRPr>
-          </a:p>
-          <a:p>
-            <a:pPr lvl="1" marL="864000" indent="-324000">
+              <a:latin typeface="Arial"/>
+            </a:endParaRPr>
+          </a:p>
+          <a:p>
+            <a:pPr lvl="1" marL="864000" indent="-324000" algn="ctr">
               <a:spcBef>
                 <a:spcPts val="1134"/>
               </a:spcBef>
@@ -6983,22 +6508,16 @@
             </a:pPr>
             <a:r>
               <a:rPr b="0" lang="es-ES" sz="1800" spc="-1" strike="noStrike">
-                <a:solidFill>
-                  <a:srgbClr val="000000"/>
-                </a:solidFill>
                 <a:latin typeface="Arial"/>
               </a:rPr>
               <a:t>Segundo nivel del esquema</a:t>
             </a:r>
             <a:endParaRPr b="0" lang="es-ES" sz="1800" spc="-1" strike="noStrike">
-              <a:solidFill>
-                <a:srgbClr val="000000"/>
-              </a:solidFill>
-              <a:latin typeface="Arial"/>
-            </a:endParaRPr>
-          </a:p>
-          <a:p>
-            <a:pPr lvl="2" marL="1296000" indent="-288000">
+              <a:latin typeface="Arial"/>
+            </a:endParaRPr>
+          </a:p>
+          <a:p>
+            <a:pPr lvl="2" marL="1296000" indent="-288000" algn="ctr">
               <a:spcBef>
                 <a:spcPts val="850"/>
               </a:spcBef>
@@ -7011,22 +6530,16 @@
             </a:pPr>
             <a:r>
               <a:rPr b="0" lang="es-ES" sz="1800" spc="-1" strike="noStrike">
-                <a:solidFill>
-                  <a:srgbClr val="000000"/>
-                </a:solidFill>
                 <a:latin typeface="Arial"/>
               </a:rPr>
               <a:t>Tercer nivel del esquema</a:t>
             </a:r>
             <a:endParaRPr b="0" lang="es-ES" sz="1800" spc="-1" strike="noStrike">
-              <a:solidFill>
-                <a:srgbClr val="000000"/>
-              </a:solidFill>
-              <a:latin typeface="Arial"/>
-            </a:endParaRPr>
-          </a:p>
-          <a:p>
-            <a:pPr lvl="3" marL="1728000" indent="-216000">
+              <a:latin typeface="Arial"/>
+            </a:endParaRPr>
+          </a:p>
+          <a:p>
+            <a:pPr lvl="3" marL="1728000" indent="-216000" algn="ctr">
               <a:spcBef>
                 <a:spcPts val="567"/>
               </a:spcBef>
@@ -7039,22 +6552,16 @@
             </a:pPr>
             <a:r>
               <a:rPr b="0" lang="es-ES" sz="1800" spc="-1" strike="noStrike">
-                <a:solidFill>
-                  <a:srgbClr val="000000"/>
-                </a:solidFill>
                 <a:latin typeface="Arial"/>
               </a:rPr>
               <a:t>Cuarto nivel del esquema</a:t>
             </a:r>
             <a:endParaRPr b="0" lang="es-ES" sz="1800" spc="-1" strike="noStrike">
-              <a:solidFill>
-                <a:srgbClr val="000000"/>
-              </a:solidFill>
-              <a:latin typeface="Arial"/>
-            </a:endParaRPr>
-          </a:p>
-          <a:p>
-            <a:pPr lvl="4" marL="2160000" indent="-216000">
+              <a:latin typeface="Arial"/>
+            </a:endParaRPr>
+          </a:p>
+          <a:p>
+            <a:pPr lvl="4" marL="2160000" indent="-216000" algn="ctr">
               <a:spcBef>
                 <a:spcPts val="283"/>
               </a:spcBef>
@@ -7066,23 +6573,17 @@
               <a:buChar char=""/>
             </a:pPr>
             <a:r>
-              <a:rPr b="0" lang="es-ES" sz="2000" spc="-1" strike="noStrike">
-                <a:solidFill>
-                  <a:srgbClr val="000000"/>
-                </a:solidFill>
+              <a:rPr b="0" lang="es-ES" sz="1800" spc="-1" strike="noStrike">
                 <a:latin typeface="Arial"/>
               </a:rPr>
               <a:t>Quinto nivel del esquema</a:t>
             </a:r>
-            <a:endParaRPr b="0" lang="es-ES" sz="2000" spc="-1" strike="noStrike">
-              <a:solidFill>
-                <a:srgbClr val="000000"/>
-              </a:solidFill>
-              <a:latin typeface="Arial"/>
-            </a:endParaRPr>
-          </a:p>
-          <a:p>
-            <a:pPr lvl="5" marL="2592000" indent="-216000">
+            <a:endParaRPr b="0" lang="es-ES" sz="1800" spc="-1" strike="noStrike">
+              <a:latin typeface="Arial"/>
+            </a:endParaRPr>
+          </a:p>
+          <a:p>
+            <a:pPr lvl="5" marL="2592000" indent="-216000" algn="ctr">
               <a:spcBef>
                 <a:spcPts val="283"/>
               </a:spcBef>
@@ -7094,23 +6595,17 @@
               <a:buChar char=""/>
             </a:pPr>
             <a:r>
-              <a:rPr b="0" lang="es-ES" sz="2000" spc="-1" strike="noStrike">
-                <a:solidFill>
-                  <a:srgbClr val="000000"/>
-                </a:solidFill>
+              <a:rPr b="0" lang="es-ES" sz="1800" spc="-1" strike="noStrike">
                 <a:latin typeface="Arial"/>
               </a:rPr>
               <a:t>Sexto nivel del esquema</a:t>
             </a:r>
-            <a:endParaRPr b="0" lang="es-ES" sz="2000" spc="-1" strike="noStrike">
-              <a:solidFill>
-                <a:srgbClr val="000000"/>
-              </a:solidFill>
-              <a:latin typeface="Arial"/>
-            </a:endParaRPr>
-          </a:p>
-          <a:p>
-            <a:pPr lvl="6" marL="3024000" indent="-216000">
+            <a:endParaRPr b="0" lang="es-ES" sz="1800" spc="-1" strike="noStrike">
+              <a:latin typeface="Arial"/>
+            </a:endParaRPr>
+          </a:p>
+          <a:p>
+            <a:pPr lvl="6" marL="3024000" indent="-216000" algn="ctr">
               <a:spcBef>
                 <a:spcPts val="283"/>
               </a:spcBef>
@@ -7122,18 +6617,12 @@
               <a:buChar char=""/>
             </a:pPr>
             <a:r>
-              <a:rPr b="0" lang="es-ES" sz="2000" spc="-1" strike="noStrike">
-                <a:solidFill>
-                  <a:srgbClr val="000000"/>
-                </a:solidFill>
+              <a:rPr b="0" lang="es-ES" sz="1800" spc="-1" strike="noStrike">
                 <a:latin typeface="Arial"/>
               </a:rPr>
               <a:t>Séptimo nivel del esquema</a:t>
             </a:r>
-            <a:endParaRPr b="0" lang="es-ES" sz="2000" spc="-1" strike="noStrike">
-              <a:solidFill>
-                <a:srgbClr val="000000"/>
-              </a:solidFill>
+            <a:endParaRPr b="0" lang="es-ES" sz="1800" spc="-1" strike="noStrike">
               <a:latin typeface="Arial"/>
             </a:endParaRPr>
           </a:p>
@@ -7185,7 +6674,7 @@
         <p:spPr>
           <a:xfrm>
             <a:off x="7200" y="14040"/>
-            <a:ext cx="9129240" cy="6836040"/>
+            <a:ext cx="9128880" cy="6835680"/>
           </a:xfrm>
           <a:prstGeom prst="rtTriangle">
             <a:avLst/>
@@ -7318,7 +6807,7 @@
         <p:spPr>
           <a:xfrm>
             <a:off x="457200" y="393840"/>
-            <a:ext cx="8228880" cy="1145160"/>
+            <a:ext cx="8228520" cy="1144800"/>
           </a:xfrm>
           <a:prstGeom prst="rect">
             <a:avLst/>
@@ -7332,17 +6821,11 @@
             <a:pPr algn="ctr"/>
             <a:r>
               <a:rPr b="0" lang="es-ES" sz="1800" spc="-1" strike="noStrike">
-                <a:solidFill>
-                  <a:srgbClr val="000000"/>
-                </a:solidFill>
                 <a:latin typeface="Arial"/>
               </a:rPr>
               <a:t>Pulse para editar el formato del texto de título</a:t>
             </a:r>
             <a:endParaRPr b="0" lang="es-ES" sz="1800" spc="-1" strike="noStrike">
-              <a:solidFill>
-                <a:srgbClr val="000000"/>
-              </a:solidFill>
               <a:latin typeface="Arial"/>
             </a:endParaRPr>
           </a:p>
@@ -7361,7 +6844,7 @@
         <p:spPr>
           <a:xfrm>
             <a:off x="457200" y="1882800"/>
-            <a:ext cx="4015440" cy="2180160"/>
+            <a:ext cx="1959120" cy="1039320"/>
           </a:xfrm>
           <a:prstGeom prst="rect">
             <a:avLst/>
@@ -7369,7 +6852,7 @@
         </p:spPr>
         <p:txBody>
           <a:bodyPr lIns="0" rIns="0" tIns="0" bIns="0">
-            <a:normAutofit fontScale="43000"/>
+            <a:normAutofit/>
           </a:bodyPr>
           <a:p>
             <a:pPr marL="432000" indent="-324000" algn="ctr">
@@ -7385,17 +6868,11 @@
             </a:pPr>
             <a:r>
               <a:rPr b="0" lang="es-ES" sz="1800" spc="-1" strike="noStrike">
-                <a:solidFill>
-                  <a:srgbClr val="000000"/>
-                </a:solidFill>
                 <a:latin typeface="Arial"/>
               </a:rPr>
               <a:t>Pulse para editar el formato de texto del esquema</a:t>
             </a:r>
             <a:endParaRPr b="0" lang="es-ES" sz="1800" spc="-1" strike="noStrike">
-              <a:solidFill>
-                <a:srgbClr val="000000"/>
-              </a:solidFill>
               <a:latin typeface="Arial"/>
             </a:endParaRPr>
           </a:p>
@@ -7413,17 +6890,11 @@
             </a:pPr>
             <a:r>
               <a:rPr b="0" lang="es-ES" sz="1800" spc="-1" strike="noStrike">
-                <a:solidFill>
-                  <a:srgbClr val="000000"/>
-                </a:solidFill>
                 <a:latin typeface="Arial"/>
               </a:rPr>
               <a:t>Segundo nivel del esquema</a:t>
             </a:r>
             <a:endParaRPr b="0" lang="es-ES" sz="1800" spc="-1" strike="noStrike">
-              <a:solidFill>
-                <a:srgbClr val="000000"/>
-              </a:solidFill>
               <a:latin typeface="Arial"/>
             </a:endParaRPr>
           </a:p>
@@ -7441,17 +6912,11 @@
             </a:pPr>
             <a:r>
               <a:rPr b="0" lang="es-ES" sz="1800" spc="-1" strike="noStrike">
-                <a:solidFill>
-                  <a:srgbClr val="000000"/>
-                </a:solidFill>
                 <a:latin typeface="Arial"/>
               </a:rPr>
               <a:t>Tercer nivel del esquema</a:t>
             </a:r>
             <a:endParaRPr b="0" lang="es-ES" sz="1800" spc="-1" strike="noStrike">
-              <a:solidFill>
-                <a:srgbClr val="000000"/>
-              </a:solidFill>
               <a:latin typeface="Arial"/>
             </a:endParaRPr>
           </a:p>
@@ -7469,17 +6934,11 @@
             </a:pPr>
             <a:r>
               <a:rPr b="0" lang="es-ES" sz="1800" spc="-1" strike="noStrike">
-                <a:solidFill>
-                  <a:srgbClr val="000000"/>
-                </a:solidFill>
                 <a:latin typeface="Arial"/>
               </a:rPr>
               <a:t>Cuarto nivel del esquema</a:t>
             </a:r>
             <a:endParaRPr b="0" lang="es-ES" sz="1800" spc="-1" strike="noStrike">
-              <a:solidFill>
-                <a:srgbClr val="000000"/>
-              </a:solidFill>
               <a:latin typeface="Arial"/>
             </a:endParaRPr>
           </a:p>
@@ -7497,17 +6956,11 @@
             </a:pPr>
             <a:r>
               <a:rPr b="0" lang="es-ES" sz="1800" spc="-1" strike="noStrike">
-                <a:solidFill>
-                  <a:srgbClr val="000000"/>
-                </a:solidFill>
                 <a:latin typeface="Arial"/>
               </a:rPr>
               <a:t>Quinto nivel del esquema</a:t>
             </a:r>
             <a:endParaRPr b="0" lang="es-ES" sz="1800" spc="-1" strike="noStrike">
-              <a:solidFill>
-                <a:srgbClr val="000000"/>
-              </a:solidFill>
               <a:latin typeface="Arial"/>
             </a:endParaRPr>
           </a:p>
@@ -7525,17 +6978,11 @@
             </a:pPr>
             <a:r>
               <a:rPr b="0" lang="es-ES" sz="1800" spc="-1" strike="noStrike">
-                <a:solidFill>
-                  <a:srgbClr val="000000"/>
-                </a:solidFill>
                 <a:latin typeface="Arial"/>
               </a:rPr>
               <a:t>Sexto nivel del esquema</a:t>
             </a:r>
             <a:endParaRPr b="0" lang="es-ES" sz="1800" spc="-1" strike="noStrike">
-              <a:solidFill>
-                <a:srgbClr val="000000"/>
-              </a:solidFill>
               <a:latin typeface="Arial"/>
             </a:endParaRPr>
           </a:p>
@@ -7553,17 +7000,11 @@
             </a:pPr>
             <a:r>
               <a:rPr b="0" lang="es-ES" sz="1800" spc="-1" strike="noStrike">
-                <a:solidFill>
-                  <a:srgbClr val="000000"/>
-                </a:solidFill>
                 <a:latin typeface="Arial"/>
               </a:rPr>
               <a:t>Séptimo nivel del esquema</a:t>
             </a:r>
             <a:endParaRPr b="0" lang="es-ES" sz="1800" spc="-1" strike="noStrike">
-              <a:solidFill>
-                <a:srgbClr val="000000"/>
-              </a:solidFill>
               <a:latin typeface="Arial"/>
             </a:endParaRPr>
           </a:p>
@@ -7581,8 +7022,8 @@
         </p:nvSpPr>
         <p:spPr>
           <a:xfrm>
-            <a:off x="4674240" y="1882800"/>
-            <a:ext cx="4015440" cy="2180160"/>
+            <a:off x="2514960" y="1882800"/>
+            <a:ext cx="1959120" cy="1039320"/>
           </a:xfrm>
           <a:prstGeom prst="rect">
             <a:avLst/>
@@ -7590,7 +7031,7 @@
         </p:spPr>
         <p:txBody>
           <a:bodyPr lIns="0" rIns="0" tIns="0" bIns="0">
-            <a:normAutofit fontScale="43000"/>
+            <a:normAutofit/>
           </a:bodyPr>
           <a:p>
             <a:pPr marL="432000" indent="-324000" algn="ctr">
@@ -7606,17 +7047,11 @@
             </a:pPr>
             <a:r>
               <a:rPr b="0" lang="es-ES" sz="1800" spc="-1" strike="noStrike">
-                <a:solidFill>
-                  <a:srgbClr val="000000"/>
-                </a:solidFill>
                 <a:latin typeface="Arial"/>
               </a:rPr>
               <a:t>Pulse para editar el formato de texto del esquema</a:t>
             </a:r>
             <a:endParaRPr b="0" lang="es-ES" sz="1800" spc="-1" strike="noStrike">
-              <a:solidFill>
-                <a:srgbClr val="000000"/>
-              </a:solidFill>
               <a:latin typeface="Arial"/>
             </a:endParaRPr>
           </a:p>
@@ -7634,17 +7069,11 @@
             </a:pPr>
             <a:r>
               <a:rPr b="0" lang="es-ES" sz="1800" spc="-1" strike="noStrike">
-                <a:solidFill>
-                  <a:srgbClr val="000000"/>
-                </a:solidFill>
                 <a:latin typeface="Arial"/>
               </a:rPr>
               <a:t>Segundo nivel del esquema</a:t>
             </a:r>
             <a:endParaRPr b="0" lang="es-ES" sz="1800" spc="-1" strike="noStrike">
-              <a:solidFill>
-                <a:srgbClr val="000000"/>
-              </a:solidFill>
               <a:latin typeface="Arial"/>
             </a:endParaRPr>
           </a:p>
@@ -7662,17 +7091,11 @@
             </a:pPr>
             <a:r>
               <a:rPr b="0" lang="es-ES" sz="1800" spc="-1" strike="noStrike">
-                <a:solidFill>
-                  <a:srgbClr val="000000"/>
-                </a:solidFill>
                 <a:latin typeface="Arial"/>
               </a:rPr>
               <a:t>Tercer nivel del esquema</a:t>
             </a:r>
             <a:endParaRPr b="0" lang="es-ES" sz="1800" spc="-1" strike="noStrike">
-              <a:solidFill>
-                <a:srgbClr val="000000"/>
-              </a:solidFill>
               <a:latin typeface="Arial"/>
             </a:endParaRPr>
           </a:p>
@@ -7690,17 +7113,11 @@
             </a:pPr>
             <a:r>
               <a:rPr b="0" lang="es-ES" sz="1800" spc="-1" strike="noStrike">
-                <a:solidFill>
-                  <a:srgbClr val="000000"/>
-                </a:solidFill>
                 <a:latin typeface="Arial"/>
               </a:rPr>
               <a:t>Cuarto nivel del esquema</a:t>
             </a:r>
             <a:endParaRPr b="0" lang="es-ES" sz="1800" spc="-1" strike="noStrike">
-              <a:solidFill>
-                <a:srgbClr val="000000"/>
-              </a:solidFill>
               <a:latin typeface="Arial"/>
             </a:endParaRPr>
           </a:p>
@@ -7718,17 +7135,11 @@
             </a:pPr>
             <a:r>
               <a:rPr b="0" lang="es-ES" sz="1800" spc="-1" strike="noStrike">
-                <a:solidFill>
-                  <a:srgbClr val="000000"/>
-                </a:solidFill>
                 <a:latin typeface="Arial"/>
               </a:rPr>
               <a:t>Quinto nivel del esquema</a:t>
             </a:r>
             <a:endParaRPr b="0" lang="es-ES" sz="1800" spc="-1" strike="noStrike">
-              <a:solidFill>
-                <a:srgbClr val="000000"/>
-              </a:solidFill>
               <a:latin typeface="Arial"/>
             </a:endParaRPr>
           </a:p>
@@ -7746,17 +7157,11 @@
             </a:pPr>
             <a:r>
               <a:rPr b="0" lang="es-ES" sz="1800" spc="-1" strike="noStrike">
-                <a:solidFill>
-                  <a:srgbClr val="000000"/>
-                </a:solidFill>
                 <a:latin typeface="Arial"/>
               </a:rPr>
               <a:t>Sexto nivel del esquema</a:t>
             </a:r>
             <a:endParaRPr b="0" lang="es-ES" sz="1800" spc="-1" strike="noStrike">
-              <a:solidFill>
-                <a:srgbClr val="000000"/>
-              </a:solidFill>
               <a:latin typeface="Arial"/>
             </a:endParaRPr>
           </a:p>
@@ -7774,17 +7179,11 @@
             </a:pPr>
             <a:r>
               <a:rPr b="0" lang="es-ES" sz="1800" spc="-1" strike="noStrike">
-                <a:solidFill>
-                  <a:srgbClr val="000000"/>
-                </a:solidFill>
                 <a:latin typeface="Arial"/>
               </a:rPr>
               <a:t>Séptimo nivel del esquema</a:t>
             </a:r>
             <a:endParaRPr b="0" lang="es-ES" sz="1800" spc="-1" strike="noStrike">
-              <a:solidFill>
-                <a:srgbClr val="000000"/>
-              </a:solidFill>
               <a:latin typeface="Arial"/>
             </a:endParaRPr>
           </a:p>
@@ -7802,8 +7201,8 @@
         </p:nvSpPr>
         <p:spPr>
           <a:xfrm>
-            <a:off x="457200" y="4271040"/>
-            <a:ext cx="8228880" cy="2180160"/>
+            <a:off x="457200" y="3021480"/>
+            <a:ext cx="4015080" cy="1039320"/>
           </a:xfrm>
           <a:prstGeom prst="rect">
             <a:avLst/>
@@ -7811,7 +7210,7 @@
         </p:spPr>
         <p:txBody>
           <a:bodyPr lIns="0" rIns="0" tIns="0" bIns="0">
-            <a:normAutofit fontScale="97000"/>
+            <a:normAutofit fontScale="14000"/>
           </a:bodyPr>
           <a:p>
             <a:pPr marL="432000" indent="-324000" algn="ctr">
@@ -7827,17 +7226,11 @@
             </a:pPr>
             <a:r>
               <a:rPr b="0" lang="es-ES" sz="1800" spc="-1" strike="noStrike">
-                <a:solidFill>
-                  <a:srgbClr val="000000"/>
-                </a:solidFill>
                 <a:latin typeface="Arial"/>
               </a:rPr>
               <a:t>Pulse para editar el formato de texto del esquema</a:t>
             </a:r>
             <a:endParaRPr b="0" lang="es-ES" sz="1800" spc="-1" strike="noStrike">
-              <a:solidFill>
-                <a:srgbClr val="000000"/>
-              </a:solidFill>
               <a:latin typeface="Arial"/>
             </a:endParaRPr>
           </a:p>
@@ -7855,17 +7248,11 @@
             </a:pPr>
             <a:r>
               <a:rPr b="0" lang="es-ES" sz="1800" spc="-1" strike="noStrike">
-                <a:solidFill>
-                  <a:srgbClr val="000000"/>
-                </a:solidFill>
                 <a:latin typeface="Arial"/>
               </a:rPr>
               <a:t>Segundo nivel del esquema</a:t>
             </a:r>
             <a:endParaRPr b="0" lang="es-ES" sz="1800" spc="-1" strike="noStrike">
-              <a:solidFill>
-                <a:srgbClr val="000000"/>
-              </a:solidFill>
               <a:latin typeface="Arial"/>
             </a:endParaRPr>
           </a:p>
@@ -7883,17 +7270,11 @@
             </a:pPr>
             <a:r>
               <a:rPr b="0" lang="es-ES" sz="1800" spc="-1" strike="noStrike">
-                <a:solidFill>
-                  <a:srgbClr val="000000"/>
-                </a:solidFill>
                 <a:latin typeface="Arial"/>
               </a:rPr>
               <a:t>Tercer nivel del esquema</a:t>
             </a:r>
             <a:endParaRPr b="0" lang="es-ES" sz="1800" spc="-1" strike="noStrike">
-              <a:solidFill>
-                <a:srgbClr val="000000"/>
-              </a:solidFill>
               <a:latin typeface="Arial"/>
             </a:endParaRPr>
           </a:p>
@@ -7911,17 +7292,11 @@
             </a:pPr>
             <a:r>
               <a:rPr b="0" lang="es-ES" sz="1800" spc="-1" strike="noStrike">
-                <a:solidFill>
-                  <a:srgbClr val="000000"/>
-                </a:solidFill>
                 <a:latin typeface="Arial"/>
               </a:rPr>
               <a:t>Cuarto nivel del esquema</a:t>
             </a:r>
             <a:endParaRPr b="0" lang="es-ES" sz="1800" spc="-1" strike="noStrike">
-              <a:solidFill>
-                <a:srgbClr val="000000"/>
-              </a:solidFill>
               <a:latin typeface="Arial"/>
             </a:endParaRPr>
           </a:p>
@@ -7939,17 +7314,11 @@
             </a:pPr>
             <a:r>
               <a:rPr b="0" lang="es-ES" sz="1800" spc="-1" strike="noStrike">
-                <a:solidFill>
-                  <a:srgbClr val="000000"/>
-                </a:solidFill>
                 <a:latin typeface="Arial"/>
               </a:rPr>
               <a:t>Quinto nivel del esquema</a:t>
             </a:r>
             <a:endParaRPr b="0" lang="es-ES" sz="1800" spc="-1" strike="noStrike">
-              <a:solidFill>
-                <a:srgbClr val="000000"/>
-              </a:solidFill>
               <a:latin typeface="Arial"/>
             </a:endParaRPr>
           </a:p>
@@ -7967,17 +7336,11 @@
             </a:pPr>
             <a:r>
               <a:rPr b="0" lang="es-ES" sz="1800" spc="-1" strike="noStrike">
-                <a:solidFill>
-                  <a:srgbClr val="000000"/>
-                </a:solidFill>
                 <a:latin typeface="Arial"/>
               </a:rPr>
               <a:t>Sexto nivel del esquema</a:t>
             </a:r>
             <a:endParaRPr b="0" lang="es-ES" sz="1800" spc="-1" strike="noStrike">
-              <a:solidFill>
-                <a:srgbClr val="000000"/>
-              </a:solidFill>
               <a:latin typeface="Arial"/>
             </a:endParaRPr>
           </a:p>
@@ -7995,17 +7358,11 @@
             </a:pPr>
             <a:r>
               <a:rPr b="0" lang="es-ES" sz="1800" spc="-1" strike="noStrike">
-                <a:solidFill>
-                  <a:srgbClr val="000000"/>
-                </a:solidFill>
                 <a:latin typeface="Arial"/>
               </a:rPr>
               <a:t>Séptimo nivel del esquema</a:t>
             </a:r>
             <a:endParaRPr b="0" lang="es-ES" sz="1800" spc="-1" strike="noStrike">
-              <a:solidFill>
-                <a:srgbClr val="000000"/>
-              </a:solidFill>
               <a:latin typeface="Arial"/>
             </a:endParaRPr>
           </a:p>
@@ -8057,7 +7414,7 @@
         <p:spPr>
           <a:xfrm>
             <a:off x="428760" y="500040"/>
-            <a:ext cx="8062200" cy="816480"/>
+            <a:ext cx="8061840" cy="816120"/>
           </a:xfrm>
           <a:prstGeom prst="rect">
             <a:avLst/>
@@ -8099,60 +7456,9 @@
           </a:p>
         </p:txBody>
       </p:sp>
-      <p:sp>
-        <p:nvSpPr>
-          <p:cNvPr id="168" name="CustomShape 2"/>
-          <p:cNvSpPr/>
-          <p:nvPr/>
-        </p:nvSpPr>
-        <p:spPr>
-          <a:xfrm>
-            <a:off x="540720" y="2245680"/>
-            <a:ext cx="8062200" cy="1751760"/>
-          </a:xfrm>
-          <a:prstGeom prst="rect">
-            <a:avLst/>
-          </a:prstGeom>
-          <a:noFill/>
-          <a:ln>
-            <a:noFill/>
-          </a:ln>
-        </p:spPr>
-        <p:style>
-          <a:lnRef idx="0"/>
-          <a:fillRef idx="0"/>
-          <a:effectRef idx="0"/>
-          <a:fontRef idx="minor"/>
-        </p:style>
-        <p:txBody>
-          <a:bodyPr lIns="90000" rIns="90000" tIns="45000" bIns="45000">
-            <a:noAutofit/>
-          </a:bodyPr>
-          <a:p>
-            <a:pPr algn="r">
-              <a:lnSpc>
-                <a:spcPct val="100000"/>
-              </a:lnSpc>
-            </a:pPr>
-            <a:r>
-              <a:rPr b="0" lang="es-ES" sz="3000" spc="-1" strike="noStrike">
-                <a:solidFill>
-                  <a:srgbClr val="ffffff"/>
-                </a:solidFill>
-                <a:latin typeface="Century Gothic"/>
-                <a:ea typeface="DejaVu Sans"/>
-              </a:rPr>
-              <a:t>Aplicación web para el control y seguimiento de valores bursátiles</a:t>
-            </a:r>
-            <a:endParaRPr b="0" lang="es-ES" sz="3000" spc="-1" strike="noStrike">
-              <a:latin typeface="Arial"/>
-            </a:endParaRPr>
-          </a:p>
-        </p:txBody>
-      </p:sp>
       <p:pic>
         <p:nvPicPr>
-          <p:cNvPr id="169" name="90 Imagen" descr=""/>
+          <p:cNvPr id="168" name="90 Imagen" descr=""/>
           <p:cNvPicPr/>
           <p:nvPr/>
         </p:nvPicPr>
@@ -8163,7 +7469,7 @@
         <p:spPr>
           <a:xfrm>
             <a:off x="2786040" y="2928960"/>
-            <a:ext cx="3547440" cy="3095640"/>
+            <a:ext cx="3547080" cy="3095280"/>
           </a:xfrm>
           <a:prstGeom prst="rect">
             <a:avLst/>
@@ -8175,14 +7481,14 @@
       </p:pic>
       <p:sp>
         <p:nvSpPr>
-          <p:cNvPr id="170" name="CustomShape 3"/>
+          <p:cNvPr id="169" name="CustomShape 2"/>
           <p:cNvSpPr/>
           <p:nvPr/>
         </p:nvSpPr>
         <p:spPr>
           <a:xfrm>
-            <a:off x="500040" y="1714320"/>
-            <a:ext cx="8062200" cy="816480"/>
+            <a:off x="500040" y="1775880"/>
+            <a:ext cx="8061840" cy="816120"/>
           </a:xfrm>
           <a:prstGeom prst="rect">
             <a:avLst/>
@@ -8256,14 +7562,14 @@
       </p:grpSpPr>
       <p:sp>
         <p:nvSpPr>
-          <p:cNvPr id="187" name="TextShape 1"/>
-          <p:cNvSpPr txBox="1"/>
+          <p:cNvPr id="186" name="CustomShape 1"/>
+          <p:cNvSpPr/>
           <p:nvPr/>
         </p:nvSpPr>
         <p:spPr>
           <a:xfrm>
             <a:off x="500040" y="1571760"/>
-            <a:ext cx="4015440" cy="2714400"/>
+            <a:ext cx="4015080" cy="2714040"/>
           </a:xfrm>
           <a:prstGeom prst="rect">
             <a:avLst/>
@@ -8273,6 +7579,12 @@
             <a:noFill/>
           </a:ln>
         </p:spPr>
+        <p:style>
+          <a:lnRef idx="0"/>
+          <a:fillRef idx="0"/>
+          <a:effectRef idx="0"/>
+          <a:fontRef idx="minor"/>
+        </p:style>
         <p:txBody>
           <a:bodyPr lIns="0" rIns="0" tIns="0" bIns="0">
             <a:normAutofit/>
@@ -8294,9 +7606,6 @@
               <a:t>Backend</a:t>
             </a:r>
             <a:endParaRPr b="0" lang="es-ES" sz="2800" spc="-1" strike="noStrike">
-              <a:solidFill>
-                <a:srgbClr val="000000"/>
-              </a:solidFill>
               <a:latin typeface="Arial"/>
             </a:endParaRPr>
           </a:p>
@@ -8307,14 +7616,11 @@
               </a:lnSpc>
             </a:pPr>
             <a:endParaRPr b="0" lang="es-ES" sz="2800" spc="-1" strike="noStrike">
-              <a:solidFill>
-                <a:srgbClr val="000000"/>
-              </a:solidFill>
-              <a:latin typeface="Arial"/>
-            </a:endParaRPr>
-          </a:p>
-          <a:p>
-            <a:pPr marL="432000" indent="-324000">
+              <a:latin typeface="Arial"/>
+            </a:endParaRPr>
+          </a:p>
+          <a:p>
+            <a:pPr marL="432000" indent="-323640">
               <a:lnSpc>
                 <a:spcPct val="100000"/>
               </a:lnSpc>
@@ -8345,14 +7651,11 @@
               <a:t>Transacciones Spring</a:t>
             </a:r>
             <a:endParaRPr b="0" lang="es-ES" sz="2800" spc="-1" strike="noStrike">
-              <a:solidFill>
-                <a:srgbClr val="000000"/>
-              </a:solidFill>
-              <a:latin typeface="Arial"/>
-            </a:endParaRPr>
-          </a:p>
-          <a:p>
-            <a:pPr marL="432000" indent="-324000">
+              <a:latin typeface="Arial"/>
+            </a:endParaRPr>
+          </a:p>
+          <a:p>
+            <a:pPr marL="432000" indent="-323640">
               <a:lnSpc>
                 <a:spcPct val="100000"/>
               </a:lnSpc>
@@ -8383,14 +7686,11 @@
               <a:t>Clases Id (clave)</a:t>
             </a:r>
             <a:endParaRPr b="0" lang="es-ES" sz="2800" spc="-1" strike="noStrike">
-              <a:solidFill>
-                <a:srgbClr val="000000"/>
-              </a:solidFill>
-              <a:latin typeface="Arial"/>
-            </a:endParaRPr>
-          </a:p>
-          <a:p>
-            <a:pPr marL="432000" indent="-324000">
+              <a:latin typeface="Arial"/>
+            </a:endParaRPr>
+          </a:p>
+          <a:p>
+            <a:pPr marL="432000" indent="-323640">
               <a:lnSpc>
                 <a:spcPct val="100000"/>
               </a:lnSpc>
@@ -8421,14 +7721,11 @@
               <a:t>Formato de fechas</a:t>
             </a:r>
             <a:endParaRPr b="0" lang="es-ES" sz="2800" spc="-1" strike="noStrike">
-              <a:solidFill>
-                <a:srgbClr val="000000"/>
-              </a:solidFill>
-              <a:latin typeface="Arial"/>
-            </a:endParaRPr>
-          </a:p>
-          <a:p>
-            <a:pPr marL="432000" indent="-324000">
+              <a:latin typeface="Arial"/>
+            </a:endParaRPr>
+          </a:p>
+          <a:p>
+            <a:pPr marL="432000" indent="-323640">
               <a:lnSpc>
                 <a:spcPct val="100000"/>
               </a:lnSpc>
@@ -8459,24 +7756,21 @@
               <a:t>Carga inicial de datos</a:t>
             </a:r>
             <a:endParaRPr b="0" lang="es-ES" sz="2800" spc="-1" strike="noStrike">
-              <a:solidFill>
-                <a:srgbClr val="000000"/>
-              </a:solidFill>
-              <a:latin typeface="Arial"/>
-            </a:endParaRPr>
-          </a:p>
-        </p:txBody>
-      </p:sp>
-      <p:sp>
-        <p:nvSpPr>
-          <p:cNvPr id="188" name="TextShape 2"/>
-          <p:cNvSpPr txBox="1"/>
+              <a:latin typeface="Arial"/>
+            </a:endParaRPr>
+          </a:p>
+        </p:txBody>
+      </p:sp>
+      <p:sp>
+        <p:nvSpPr>
+          <p:cNvPr id="187" name="CustomShape 2"/>
+          <p:cNvSpPr/>
           <p:nvPr/>
         </p:nvSpPr>
         <p:spPr>
           <a:xfrm>
             <a:off x="4643280" y="1571760"/>
-            <a:ext cx="4015440" cy="2714400"/>
+            <a:ext cx="4015080" cy="2714040"/>
           </a:xfrm>
           <a:prstGeom prst="rect">
             <a:avLst/>
@@ -8486,6 +7780,12 @@
             <a:noFill/>
           </a:ln>
         </p:spPr>
+        <p:style>
+          <a:lnRef idx="0"/>
+          <a:fillRef idx="0"/>
+          <a:effectRef idx="0"/>
+          <a:fontRef idx="minor"/>
+        </p:style>
         <p:txBody>
           <a:bodyPr lIns="0" rIns="0" tIns="0" bIns="0">
             <a:noAutofit/>
@@ -8507,9 +7807,6 @@
               <a:t>Frontend</a:t>
             </a:r>
             <a:endParaRPr b="0" lang="es-ES" sz="2800" spc="-1" strike="noStrike">
-              <a:solidFill>
-                <a:srgbClr val="000000"/>
-              </a:solidFill>
               <a:latin typeface="Arial"/>
             </a:endParaRPr>
           </a:p>
@@ -8520,14 +7817,11 @@
               </a:lnSpc>
             </a:pPr>
             <a:endParaRPr b="0" lang="es-ES" sz="2800" spc="-1" strike="noStrike">
-              <a:solidFill>
-                <a:srgbClr val="000000"/>
-              </a:solidFill>
-              <a:latin typeface="Arial"/>
-            </a:endParaRPr>
-          </a:p>
-          <a:p>
-            <a:pPr marL="432000" indent="-324000">
+              <a:latin typeface="Arial"/>
+            </a:endParaRPr>
+          </a:p>
+          <a:p>
+            <a:pPr marL="432000" indent="-323640">
               <a:lnSpc>
                 <a:spcPct val="100000"/>
               </a:lnSpc>
@@ -8558,14 +7852,11 @@
               <a:t>Llamadas a Ajax</a:t>
             </a:r>
             <a:endParaRPr b="0" lang="es-ES" sz="2800" spc="-1" strike="noStrike">
-              <a:solidFill>
-                <a:srgbClr val="000000"/>
-              </a:solidFill>
-              <a:latin typeface="Arial"/>
-            </a:endParaRPr>
-          </a:p>
-          <a:p>
-            <a:pPr marL="432000" indent="-324000">
+              <a:latin typeface="Arial"/>
+            </a:endParaRPr>
+          </a:p>
+          <a:p>
+            <a:pPr marL="432000" indent="-323640">
               <a:lnSpc>
                 <a:spcPct val="100000"/>
               </a:lnSpc>
@@ -8596,14 +7887,11 @@
               <a:t>Objeto Chart.js</a:t>
             </a:r>
             <a:endParaRPr b="0" lang="es-ES" sz="2800" spc="-1" strike="noStrike">
-              <a:solidFill>
-                <a:srgbClr val="000000"/>
-              </a:solidFill>
-              <a:latin typeface="Arial"/>
-            </a:endParaRPr>
-          </a:p>
-          <a:p>
-            <a:pPr marL="432000" indent="-324000">
+              <a:latin typeface="Arial"/>
+            </a:endParaRPr>
+          </a:p>
+          <a:p>
+            <a:pPr marL="432000" indent="-323640">
               <a:lnSpc>
                 <a:spcPct val="100000"/>
               </a:lnSpc>
@@ -8634,9 +7922,6 @@
               <a:t>Versiones Bootstrap</a:t>
             </a:r>
             <a:endParaRPr b="0" lang="es-ES" sz="2800" spc="-1" strike="noStrike">
-              <a:solidFill>
-                <a:srgbClr val="000000"/>
-              </a:solidFill>
               <a:latin typeface="Arial"/>
             </a:endParaRPr>
           </a:p>
@@ -8647,9 +7932,6 @@
               </a:lnSpc>
             </a:pPr>
             <a:endParaRPr b="0" lang="es-ES" sz="2800" spc="-1" strike="noStrike">
-              <a:solidFill>
-                <a:srgbClr val="000000"/>
-              </a:solidFill>
               <a:latin typeface="Arial"/>
             </a:endParaRPr>
           </a:p>
@@ -8660,9 +7942,6 @@
               </a:lnSpc>
             </a:pPr>
             <a:endParaRPr b="0" lang="es-ES" sz="2800" spc="-1" strike="noStrike">
-              <a:solidFill>
-                <a:srgbClr val="000000"/>
-              </a:solidFill>
               <a:latin typeface="Arial"/>
             </a:endParaRPr>
           </a:p>
@@ -8673,24 +7952,21 @@
               </a:lnSpc>
             </a:pPr>
             <a:endParaRPr b="0" lang="es-ES" sz="2800" spc="-1" strike="noStrike">
-              <a:solidFill>
-                <a:srgbClr val="000000"/>
-              </a:solidFill>
-              <a:latin typeface="Arial"/>
-            </a:endParaRPr>
-          </a:p>
-        </p:txBody>
-      </p:sp>
-      <p:sp>
-        <p:nvSpPr>
-          <p:cNvPr id="189" name="TextShape 3"/>
-          <p:cNvSpPr txBox="1"/>
+              <a:latin typeface="Arial"/>
+            </a:endParaRPr>
+          </a:p>
+        </p:txBody>
+      </p:sp>
+      <p:sp>
+        <p:nvSpPr>
+          <p:cNvPr id="188" name="CustomShape 3"/>
+          <p:cNvSpPr/>
           <p:nvPr/>
         </p:nvSpPr>
         <p:spPr>
           <a:xfrm>
             <a:off x="357120" y="4714920"/>
-            <a:ext cx="8228880" cy="1285560"/>
+            <a:ext cx="8228520" cy="1285200"/>
           </a:xfrm>
           <a:prstGeom prst="rect">
             <a:avLst/>
@@ -8700,6 +7976,12 @@
             <a:noFill/>
           </a:ln>
         </p:spPr>
+        <p:style>
+          <a:lnRef idx="0"/>
+          <a:fillRef idx="0"/>
+          <a:effectRef idx="0"/>
+          <a:fontRef idx="minor"/>
+        </p:style>
         <p:txBody>
           <a:bodyPr lIns="0" rIns="0" tIns="0" bIns="0">
             <a:noAutofit/>
@@ -8721,9 +8003,6 @@
               <a:t>Despliegue</a:t>
             </a:r>
             <a:endParaRPr b="0" lang="es-ES" sz="2800" spc="-1" strike="noStrike">
-              <a:solidFill>
-                <a:srgbClr val="000000"/>
-              </a:solidFill>
               <a:latin typeface="Arial"/>
             </a:endParaRPr>
           </a:p>
@@ -8744,9 +8023,6 @@
               <a:t>Vercel despliega sólo sobre main.</a:t>
             </a:r>
             <a:endParaRPr b="0" lang="es-ES" sz="2800" spc="-1" strike="noStrike">
-              <a:solidFill>
-                <a:srgbClr val="000000"/>
-              </a:solidFill>
               <a:latin typeface="Arial"/>
             </a:endParaRPr>
           </a:p>
@@ -8757,9 +8033,6 @@
               </a:lnSpc>
             </a:pPr>
             <a:endParaRPr b="0" lang="es-ES" sz="2800" spc="-1" strike="noStrike">
-              <a:solidFill>
-                <a:srgbClr val="000000"/>
-              </a:solidFill>
               <a:latin typeface="Arial"/>
             </a:endParaRPr>
           </a:p>
@@ -8770,9 +8043,6 @@
               </a:lnSpc>
             </a:pPr>
             <a:endParaRPr b="0" lang="es-ES" sz="2800" spc="-1" strike="noStrike">
-              <a:solidFill>
-                <a:srgbClr val="000000"/>
-              </a:solidFill>
               <a:latin typeface="Arial"/>
             </a:endParaRPr>
           </a:p>
@@ -8783,24 +8053,21 @@
               </a:lnSpc>
             </a:pPr>
             <a:endParaRPr b="0" lang="es-ES" sz="2800" spc="-1" strike="noStrike">
-              <a:solidFill>
-                <a:srgbClr val="000000"/>
-              </a:solidFill>
-              <a:latin typeface="Arial"/>
-            </a:endParaRPr>
-          </a:p>
-        </p:txBody>
-      </p:sp>
-      <p:sp>
-        <p:nvSpPr>
-          <p:cNvPr id="190" name="TextShape 4"/>
-          <p:cNvSpPr txBox="1"/>
+              <a:latin typeface="Arial"/>
+            </a:endParaRPr>
+          </a:p>
+        </p:txBody>
+      </p:sp>
+      <p:sp>
+        <p:nvSpPr>
+          <p:cNvPr id="189" name="CustomShape 4"/>
+          <p:cNvSpPr/>
           <p:nvPr/>
         </p:nvSpPr>
         <p:spPr>
           <a:xfrm>
             <a:off x="457200" y="267480"/>
-            <a:ext cx="8228880" cy="645840"/>
+            <a:ext cx="8228520" cy="645480"/>
           </a:xfrm>
           <a:prstGeom prst="rect">
             <a:avLst/>
@@ -8810,6 +8077,12 @@
             <a:noFill/>
           </a:ln>
         </p:spPr>
+        <p:style>
+          <a:lnRef idx="0"/>
+          <a:fillRef idx="0"/>
+          <a:effectRef idx="0"/>
+          <a:fontRef idx="minor"/>
+        </p:style>
         <p:txBody>
           <a:bodyPr lIns="0" rIns="0" tIns="0" bIns="0" anchor="ctr">
             <a:noAutofit/>
@@ -8851,9 +8124,6 @@
               <a:t>encontradas</a:t>
             </a:r>
             <a:endParaRPr b="0" lang="es-ES" sz="4200" spc="-1" strike="noStrike">
-              <a:solidFill>
-                <a:srgbClr val="000000"/>
-              </a:solidFill>
               <a:latin typeface="Arial"/>
             </a:endParaRPr>
           </a:p>
@@ -8891,14 +8161,14 @@
       </p:grpSpPr>
       <p:sp>
         <p:nvSpPr>
-          <p:cNvPr id="191" name="TextShape 1"/>
-          <p:cNvSpPr txBox="1"/>
+          <p:cNvPr id="190" name="CustomShape 1"/>
+          <p:cNvSpPr/>
           <p:nvPr/>
         </p:nvSpPr>
         <p:spPr>
           <a:xfrm>
             <a:off x="500040" y="2928960"/>
-            <a:ext cx="4015440" cy="2714400"/>
+            <a:ext cx="4015080" cy="2714040"/>
           </a:xfrm>
           <a:prstGeom prst="rect">
             <a:avLst/>
@@ -8908,6 +8178,12 @@
             <a:noFill/>
           </a:ln>
         </p:spPr>
+        <p:style>
+          <a:lnRef idx="0"/>
+          <a:fillRef idx="0"/>
+          <a:effectRef idx="0"/>
+          <a:fontRef idx="minor"/>
+        </p:style>
         <p:txBody>
           <a:bodyPr lIns="0" rIns="0" tIns="0" bIns="0">
             <a:normAutofit fontScale="65000"/>
@@ -8929,9 +8205,6 @@
               <a:t>Backend</a:t>
             </a:r>
             <a:endParaRPr b="0" lang="es-ES" sz="2800" spc="-1" strike="noStrike">
-              <a:solidFill>
-                <a:srgbClr val="000000"/>
-              </a:solidFill>
               <a:latin typeface="Arial"/>
             </a:endParaRPr>
           </a:p>
@@ -8942,14 +8215,11 @@
               </a:lnSpc>
             </a:pPr>
             <a:endParaRPr b="0" lang="es-ES" sz="2800" spc="-1" strike="noStrike">
-              <a:solidFill>
-                <a:srgbClr val="000000"/>
-              </a:solidFill>
-              <a:latin typeface="Arial"/>
-            </a:endParaRPr>
-          </a:p>
-          <a:p>
-            <a:pPr marL="432000" indent="-324000">
+              <a:latin typeface="Arial"/>
+            </a:endParaRPr>
+          </a:p>
+          <a:p>
+            <a:pPr marL="432000" indent="-323640">
               <a:lnSpc>
                 <a:spcPct val="100000"/>
               </a:lnSpc>
@@ -8980,14 +8250,11 @@
               <a:t>Consultas JPA deben devolver un objeto</a:t>
             </a:r>
             <a:endParaRPr b="0" lang="es-ES" sz="2800" spc="-1" strike="noStrike">
-              <a:solidFill>
-                <a:srgbClr val="000000"/>
-              </a:solidFill>
-              <a:latin typeface="Arial"/>
-            </a:endParaRPr>
-          </a:p>
-          <a:p>
-            <a:pPr marL="432000" indent="-324000">
+              <a:latin typeface="Arial"/>
+            </a:endParaRPr>
+          </a:p>
+          <a:p>
+            <a:pPr marL="432000" indent="-323640">
               <a:lnSpc>
                 <a:spcPct val="100000"/>
               </a:lnSpc>
@@ -9018,14 +8285,11 @@
               <a:t>Interfaces separadas</a:t>
             </a:r>
             <a:endParaRPr b="0" lang="es-ES" sz="2800" spc="-1" strike="noStrike">
-              <a:solidFill>
-                <a:srgbClr val="000000"/>
-              </a:solidFill>
-              <a:latin typeface="Arial"/>
-            </a:endParaRPr>
-          </a:p>
-          <a:p>
-            <a:pPr marL="432000" indent="-324000">
+              <a:latin typeface="Arial"/>
+            </a:endParaRPr>
+          </a:p>
+          <a:p>
+            <a:pPr marL="432000" indent="-323640">
               <a:lnSpc>
                 <a:spcPct val="100000"/>
               </a:lnSpc>
@@ -9056,14 +8320,11 @@
               <a:t>Formato de fechas</a:t>
             </a:r>
             <a:endParaRPr b="0" lang="es-ES" sz="2800" spc="-1" strike="noStrike">
-              <a:solidFill>
-                <a:srgbClr val="000000"/>
-              </a:solidFill>
-              <a:latin typeface="Arial"/>
-            </a:endParaRPr>
-          </a:p>
-          <a:p>
-            <a:pPr marL="432000" indent="-324000">
+              <a:latin typeface="Arial"/>
+            </a:endParaRPr>
+          </a:p>
+          <a:p>
+            <a:pPr marL="432000" indent="-323640">
               <a:lnSpc>
                 <a:spcPct val="100000"/>
               </a:lnSpc>
@@ -9094,24 +8355,21 @@
               <a:t>JPA administra las claves y relaciones en la BB.DD.</a:t>
             </a:r>
             <a:endParaRPr b="0" lang="es-ES" sz="2800" spc="-1" strike="noStrike">
-              <a:solidFill>
-                <a:srgbClr val="000000"/>
-              </a:solidFill>
-              <a:latin typeface="Arial"/>
-            </a:endParaRPr>
-          </a:p>
-        </p:txBody>
-      </p:sp>
-      <p:sp>
-        <p:nvSpPr>
-          <p:cNvPr id="192" name="TextShape 2"/>
-          <p:cNvSpPr txBox="1"/>
+              <a:latin typeface="Arial"/>
+            </a:endParaRPr>
+          </a:p>
+        </p:txBody>
+      </p:sp>
+      <p:sp>
+        <p:nvSpPr>
+          <p:cNvPr id="191" name="CustomShape 2"/>
+          <p:cNvSpPr/>
           <p:nvPr/>
         </p:nvSpPr>
         <p:spPr>
           <a:xfrm>
             <a:off x="4643280" y="2857320"/>
-            <a:ext cx="4015440" cy="2584800"/>
+            <a:ext cx="4015080" cy="2584440"/>
           </a:xfrm>
           <a:prstGeom prst="rect">
             <a:avLst/>
@@ -9121,6 +8379,12 @@
             <a:noFill/>
           </a:ln>
         </p:spPr>
+        <p:style>
+          <a:lnRef idx="0"/>
+          <a:fillRef idx="0"/>
+          <a:effectRef idx="0"/>
+          <a:fontRef idx="minor"/>
+        </p:style>
         <p:txBody>
           <a:bodyPr lIns="0" rIns="0" tIns="0" bIns="0">
             <a:noAutofit/>
@@ -9141,9 +8405,6 @@
               <a:t>Frontend</a:t>
             </a:r>
             <a:endParaRPr b="0" lang="es-ES" sz="2800" spc="-1" strike="noStrike">
-              <a:solidFill>
-                <a:srgbClr val="000000"/>
-              </a:solidFill>
               <a:latin typeface="Arial"/>
             </a:endParaRPr>
           </a:p>
@@ -9154,14 +8415,11 @@
               </a:lnSpc>
             </a:pPr>
             <a:endParaRPr b="0" lang="es-ES" sz="2800" spc="-1" strike="noStrike">
-              <a:solidFill>
-                <a:srgbClr val="000000"/>
-              </a:solidFill>
-              <a:latin typeface="Arial"/>
-            </a:endParaRPr>
-          </a:p>
-          <a:p>
-            <a:pPr marL="432000" indent="-324000">
+              <a:latin typeface="Arial"/>
+            </a:endParaRPr>
+          </a:p>
+          <a:p>
+            <a:pPr marL="432000" indent="-323640">
               <a:lnSpc>
                 <a:spcPct val="100000"/>
               </a:lnSpc>
@@ -9192,14 +8450,11 @@
               <a:t>Uso correcto de la API (dependencias)</a:t>
             </a:r>
             <a:endParaRPr b="0" lang="es-ES" sz="2800" spc="-1" strike="noStrike">
-              <a:solidFill>
-                <a:srgbClr val="000000"/>
-              </a:solidFill>
-              <a:latin typeface="Arial"/>
-            </a:endParaRPr>
-          </a:p>
-          <a:p>
-            <a:pPr marL="432000" indent="-324000">
+              <a:latin typeface="Arial"/>
+            </a:endParaRPr>
+          </a:p>
+          <a:p>
+            <a:pPr marL="432000" indent="-323640">
               <a:lnSpc>
                 <a:spcPct val="100000"/>
               </a:lnSpc>
@@ -9230,24 +8485,21 @@
               <a:t>Versiones de componentes</a:t>
             </a:r>
             <a:endParaRPr b="0" lang="es-ES" sz="2800" spc="-1" strike="noStrike">
-              <a:solidFill>
-                <a:srgbClr val="000000"/>
-              </a:solidFill>
-              <a:latin typeface="Arial"/>
-            </a:endParaRPr>
-          </a:p>
-        </p:txBody>
-      </p:sp>
-      <p:sp>
-        <p:nvSpPr>
-          <p:cNvPr id="193" name="TextShape 3"/>
-          <p:cNvSpPr txBox="1"/>
+              <a:latin typeface="Arial"/>
+            </a:endParaRPr>
+          </a:p>
+        </p:txBody>
+      </p:sp>
+      <p:sp>
+        <p:nvSpPr>
+          <p:cNvPr id="192" name="CustomShape 3"/>
+          <p:cNvSpPr/>
           <p:nvPr/>
         </p:nvSpPr>
         <p:spPr>
           <a:xfrm>
             <a:off x="571320" y="1071720"/>
-            <a:ext cx="8228880" cy="1292400"/>
+            <a:ext cx="8228520" cy="1292040"/>
           </a:xfrm>
           <a:prstGeom prst="rect">
             <a:avLst/>
@@ -9257,6 +8509,12 @@
             <a:noFill/>
           </a:ln>
         </p:spPr>
+        <p:style>
+          <a:lnRef idx="0"/>
+          <a:fillRef idx="0"/>
+          <a:effectRef idx="0"/>
+          <a:fontRef idx="minor"/>
+        </p:style>
         <p:txBody>
           <a:bodyPr lIns="0" rIns="0" tIns="0" bIns="0">
             <a:noAutofit/>
@@ -9277,14 +8535,11 @@
               <a:t>Generales</a:t>
             </a:r>
             <a:endParaRPr b="0" lang="es-ES" sz="2800" spc="-1" strike="noStrike">
-              <a:solidFill>
-                <a:srgbClr val="000000"/>
-              </a:solidFill>
-              <a:latin typeface="Arial"/>
-            </a:endParaRPr>
-          </a:p>
-          <a:p>
-            <a:pPr marL="432000" indent="-324000">
+              <a:latin typeface="Arial"/>
+            </a:endParaRPr>
+          </a:p>
+          <a:p>
+            <a:pPr marL="432000" indent="-323640">
               <a:lnSpc>
                 <a:spcPct val="100000"/>
               </a:lnSpc>
@@ -9315,14 +8570,11 @@
               <a:t>La primera solución no es la mejor.</a:t>
             </a:r>
             <a:endParaRPr b="0" lang="es-ES" sz="2800" spc="-1" strike="noStrike">
-              <a:solidFill>
-                <a:srgbClr val="000000"/>
-              </a:solidFill>
-              <a:latin typeface="Arial"/>
-            </a:endParaRPr>
-          </a:p>
-          <a:p>
-            <a:pPr marL="432000" indent="-324000">
+              <a:latin typeface="Arial"/>
+            </a:endParaRPr>
+          </a:p>
+          <a:p>
+            <a:pPr marL="432000" indent="-323640">
               <a:lnSpc>
                 <a:spcPct val="100000"/>
               </a:lnSpc>
@@ -9353,24 +8605,21 @@
               <a:t>Atender las especificaciones funcionales</a:t>
             </a:r>
             <a:endParaRPr b="0" lang="es-ES" sz="2800" spc="-1" strike="noStrike">
-              <a:solidFill>
-                <a:srgbClr val="000000"/>
-              </a:solidFill>
-              <a:latin typeface="Arial"/>
-            </a:endParaRPr>
-          </a:p>
-        </p:txBody>
-      </p:sp>
-      <p:sp>
-        <p:nvSpPr>
-          <p:cNvPr id="194" name="TextShape 4"/>
-          <p:cNvSpPr txBox="1"/>
+              <a:latin typeface="Arial"/>
+            </a:endParaRPr>
+          </a:p>
+        </p:txBody>
+      </p:sp>
+      <p:sp>
+        <p:nvSpPr>
+          <p:cNvPr id="193" name="CustomShape 4"/>
+          <p:cNvSpPr/>
           <p:nvPr/>
         </p:nvSpPr>
         <p:spPr>
           <a:xfrm>
             <a:off x="457200" y="267480"/>
-            <a:ext cx="8228880" cy="645840"/>
+            <a:ext cx="8228520" cy="645480"/>
           </a:xfrm>
           <a:prstGeom prst="rect">
             <a:avLst/>
@@ -9380,6 +8629,12 @@
             <a:noFill/>
           </a:ln>
         </p:spPr>
+        <p:style>
+          <a:lnRef idx="0"/>
+          <a:fillRef idx="0"/>
+          <a:effectRef idx="0"/>
+          <a:fontRef idx="minor"/>
+        </p:style>
         <p:txBody>
           <a:bodyPr lIns="0" rIns="0" tIns="0" bIns="0" anchor="ctr">
             <a:noAutofit/>
@@ -9401,9 +8656,6 @@
               <a:t>Conclusiones</a:t>
             </a:r>
             <a:endParaRPr b="0" lang="es-ES" sz="4200" spc="-1" strike="noStrike">
-              <a:solidFill>
-                <a:srgbClr val="000000"/>
-              </a:solidFill>
               <a:latin typeface="Arial"/>
             </a:endParaRPr>
           </a:p>
@@ -9441,14 +8693,14 @@
       </p:grpSpPr>
       <p:sp>
         <p:nvSpPr>
-          <p:cNvPr id="171" name="CustomShape 1"/>
+          <p:cNvPr id="170" name="CustomShape 1"/>
           <p:cNvSpPr/>
           <p:nvPr/>
         </p:nvSpPr>
         <p:spPr>
           <a:xfrm>
             <a:off x="457200" y="267480"/>
-            <a:ext cx="8228880" cy="1398240"/>
+            <a:ext cx="8228520" cy="1397880"/>
           </a:xfrm>
           <a:prstGeom prst="rect">
             <a:avLst/>
@@ -9492,14 +8744,14 @@
       </p:sp>
       <p:sp>
         <p:nvSpPr>
-          <p:cNvPr id="172" name="CustomShape 2"/>
+          <p:cNvPr id="171" name="CustomShape 2"/>
           <p:cNvSpPr/>
           <p:nvPr/>
         </p:nvSpPr>
         <p:spPr>
           <a:xfrm>
             <a:off x="457200" y="1882800"/>
-            <a:ext cx="8228880" cy="4571280"/>
+            <a:ext cx="8228520" cy="4570920"/>
           </a:xfrm>
           <a:prstGeom prst="rect">
             <a:avLst/>
@@ -9520,7 +8772,7 @@
             <a:noAutofit/>
           </a:bodyPr>
           <a:p>
-            <a:pPr marL="448200" indent="-383400">
+            <a:pPr marL="448200" indent="-383040">
               <a:lnSpc>
                 <a:spcPct val="100000"/>
               </a:lnSpc>
@@ -9549,7 +8801,7 @@
             </a:endParaRPr>
           </a:p>
           <a:p>
-            <a:pPr marL="448200" indent="-383400">
+            <a:pPr marL="448200" indent="-383040">
               <a:lnSpc>
                 <a:spcPct val="100000"/>
               </a:lnSpc>
@@ -9578,7 +8830,7 @@
             </a:endParaRPr>
           </a:p>
           <a:p>
-            <a:pPr marL="448200" indent="-383400">
+            <a:pPr marL="448200" indent="-383040">
               <a:lnSpc>
                 <a:spcPct val="100000"/>
               </a:lnSpc>
@@ -9607,7 +8859,7 @@
             </a:endParaRPr>
           </a:p>
           <a:p>
-            <a:pPr marL="448200" indent="-383400">
+            <a:pPr marL="448200" indent="-383040">
               <a:lnSpc>
                 <a:spcPct val="100000"/>
               </a:lnSpc>
@@ -9682,14 +8934,14 @@
       </p:grpSpPr>
       <p:sp>
         <p:nvSpPr>
-          <p:cNvPr id="173" name="TextShape 1"/>
-          <p:cNvSpPr txBox="1"/>
+          <p:cNvPr id="172" name="CustomShape 1"/>
+          <p:cNvSpPr/>
           <p:nvPr/>
         </p:nvSpPr>
         <p:spPr>
           <a:xfrm>
             <a:off x="500040" y="714240"/>
-            <a:ext cx="8228880" cy="645840"/>
+            <a:ext cx="8228520" cy="645480"/>
           </a:xfrm>
           <a:prstGeom prst="rect">
             <a:avLst/>
@@ -9699,6 +8951,12 @@
             <a:noFill/>
           </a:ln>
         </p:spPr>
+        <p:style>
+          <a:lnRef idx="0"/>
+          <a:fillRef idx="0"/>
+          <a:effectRef idx="0"/>
+          <a:fontRef idx="minor"/>
+        </p:style>
         <p:txBody>
           <a:bodyPr lIns="0" rIns="0" tIns="0" bIns="0" anchor="ctr">
             <a:noAutofit/>
@@ -9740,24 +8998,21 @@
               <a:t>previo</a:t>
             </a:r>
             <a:endParaRPr b="0" lang="es-ES" sz="4200" spc="-1" strike="noStrike">
-              <a:solidFill>
-                <a:srgbClr val="000000"/>
-              </a:solidFill>
-              <a:latin typeface="Arial"/>
-            </a:endParaRPr>
-          </a:p>
-        </p:txBody>
-      </p:sp>
-      <p:sp>
-        <p:nvSpPr>
-          <p:cNvPr id="174" name="CustomShape 2"/>
+              <a:latin typeface="Arial"/>
+            </a:endParaRPr>
+          </a:p>
+        </p:txBody>
+      </p:sp>
+      <p:sp>
+        <p:nvSpPr>
+          <p:cNvPr id="173" name="CustomShape 2"/>
           <p:cNvSpPr/>
           <p:nvPr/>
         </p:nvSpPr>
         <p:spPr>
           <a:xfrm>
             <a:off x="500040" y="1785960"/>
-            <a:ext cx="8228880" cy="4571280"/>
+            <a:ext cx="8228520" cy="4570920"/>
           </a:xfrm>
           <a:prstGeom prst="rect">
             <a:avLst/>
@@ -9778,7 +9033,7 @@
             <a:noAutofit/>
           </a:bodyPr>
           <a:p>
-            <a:pPr marL="448200" indent="-383400">
+            <a:pPr marL="448200" indent="-383040">
               <a:lnSpc>
                 <a:spcPct val="100000"/>
               </a:lnSpc>
@@ -9807,7 +9062,7 @@
             </a:endParaRPr>
           </a:p>
           <a:p>
-            <a:pPr marL="448200" indent="-383400">
+            <a:pPr marL="448200" indent="-383040">
               <a:lnSpc>
                 <a:spcPct val="100000"/>
               </a:lnSpc>
@@ -9836,7 +9091,7 @@
             </a:endParaRPr>
           </a:p>
           <a:p>
-            <a:pPr marL="448200" indent="-383400">
+            <a:pPr marL="448200" indent="-383040">
               <a:lnSpc>
                 <a:spcPct val="100000"/>
               </a:lnSpc>
@@ -9865,7 +9120,7 @@
             </a:endParaRPr>
           </a:p>
           <a:p>
-            <a:pPr marL="448200" indent="-383400">
+            <a:pPr marL="448200" indent="-383040">
               <a:lnSpc>
                 <a:spcPct val="100000"/>
               </a:lnSpc>
@@ -9894,7 +9149,7 @@
             </a:endParaRPr>
           </a:p>
           <a:p>
-            <a:pPr marL="448200" indent="-383400">
+            <a:pPr marL="448200" indent="-383040">
               <a:lnSpc>
                 <a:spcPct val="100000"/>
               </a:lnSpc>
@@ -9910,7 +9165,7 @@
             </a:endParaRPr>
           </a:p>
           <a:p>
-            <a:pPr>
+            <a:pPr marL="448200" indent="-383040">
               <a:lnSpc>
                 <a:spcPct val="100000"/>
               </a:lnSpc>
@@ -9959,14 +9214,14 @@
       </p:grpSpPr>
       <p:sp>
         <p:nvSpPr>
-          <p:cNvPr id="175" name="TextShape 1"/>
-          <p:cNvSpPr txBox="1"/>
+          <p:cNvPr id="174" name="CustomShape 1"/>
+          <p:cNvSpPr/>
           <p:nvPr/>
         </p:nvSpPr>
         <p:spPr>
           <a:xfrm>
             <a:off x="457200" y="267480"/>
-            <a:ext cx="8228880" cy="645840"/>
+            <a:ext cx="8228520" cy="645480"/>
           </a:xfrm>
           <a:prstGeom prst="rect">
             <a:avLst/>
@@ -9976,6 +9231,12 @@
             <a:noFill/>
           </a:ln>
         </p:spPr>
+        <p:style>
+          <a:lnRef idx="0"/>
+          <a:fillRef idx="0"/>
+          <a:effectRef idx="0"/>
+          <a:fontRef idx="minor"/>
+        </p:style>
         <p:txBody>
           <a:bodyPr lIns="0" rIns="0" tIns="0" bIns="0" anchor="ctr">
             <a:noAutofit/>
@@ -9997,24 +9258,21 @@
               <a:t>Recursos</a:t>
             </a:r>
             <a:endParaRPr b="0" lang="es-ES" sz="4200" spc="-1" strike="noStrike">
-              <a:solidFill>
-                <a:srgbClr val="000000"/>
-              </a:solidFill>
-              <a:latin typeface="Arial"/>
-            </a:endParaRPr>
-          </a:p>
-        </p:txBody>
-      </p:sp>
-      <p:sp>
-        <p:nvSpPr>
-          <p:cNvPr id="176" name="CustomShape 2"/>
+              <a:latin typeface="Arial"/>
+            </a:endParaRPr>
+          </a:p>
+        </p:txBody>
+      </p:sp>
+      <p:sp>
+        <p:nvSpPr>
+          <p:cNvPr id="175" name="CustomShape 2"/>
           <p:cNvSpPr/>
           <p:nvPr/>
         </p:nvSpPr>
         <p:spPr>
           <a:xfrm>
             <a:off x="357120" y="1428840"/>
-            <a:ext cx="8228880" cy="4571280"/>
+            <a:ext cx="8228520" cy="4570920"/>
           </a:xfrm>
           <a:prstGeom prst="rect">
             <a:avLst/>
@@ -10035,7 +9293,7 @@
             <a:noAutofit/>
           </a:bodyPr>
           <a:p>
-            <a:pPr marL="448200" indent="-383400">
+            <a:pPr marL="448200" indent="-383040">
               <a:lnSpc>
                 <a:spcPct val="100000"/>
               </a:lnSpc>
@@ -10064,7 +9322,7 @@
             </a:endParaRPr>
           </a:p>
           <a:p>
-            <a:pPr marL="448200" indent="-383400">
+            <a:pPr marL="448200" indent="-383040">
               <a:lnSpc>
                 <a:spcPct val="100000"/>
               </a:lnSpc>
@@ -10093,7 +9351,7 @@
             </a:endParaRPr>
           </a:p>
           <a:p>
-            <a:pPr marL="448200" indent="-383400">
+            <a:pPr marL="448200" indent="-383040">
               <a:lnSpc>
                 <a:spcPct val="100000"/>
               </a:lnSpc>
@@ -10122,7 +9380,7 @@
             </a:endParaRPr>
           </a:p>
           <a:p>
-            <a:pPr marL="448200" indent="-383400">
+            <a:pPr marL="448200" indent="-383040">
               <a:lnSpc>
                 <a:spcPct val="100000"/>
               </a:lnSpc>
@@ -10151,7 +9409,7 @@
             </a:endParaRPr>
           </a:p>
           <a:p>
-            <a:pPr marL="448200" indent="-383400">
+            <a:pPr marL="448200" indent="-383040">
               <a:lnSpc>
                 <a:spcPct val="100000"/>
               </a:lnSpc>
@@ -10167,7 +9425,7 @@
             </a:endParaRPr>
           </a:p>
           <a:p>
-            <a:pPr>
+            <a:pPr marL="448200" indent="-383040">
               <a:lnSpc>
                 <a:spcPct val="100000"/>
               </a:lnSpc>
@@ -10216,14 +9474,14 @@
       </p:grpSpPr>
       <p:sp>
         <p:nvSpPr>
-          <p:cNvPr id="177" name="CustomShape 1"/>
+          <p:cNvPr id="176" name="CustomShape 1"/>
           <p:cNvSpPr/>
           <p:nvPr/>
         </p:nvSpPr>
         <p:spPr>
           <a:xfrm>
             <a:off x="428760" y="359640"/>
-            <a:ext cx="8228880" cy="640800"/>
+            <a:ext cx="8228520" cy="640440"/>
           </a:xfrm>
           <a:prstGeom prst="rect">
             <a:avLst/>
@@ -10267,7 +9525,7 @@
       </p:sp>
       <p:pic>
         <p:nvPicPr>
-          <p:cNvPr id="178" name="94 Imagen" descr=""/>
+          <p:cNvPr id="177" name="94 Imagen" descr=""/>
           <p:cNvPicPr/>
           <p:nvPr/>
         </p:nvPicPr>
@@ -10278,7 +9536,7 @@
         <p:spPr>
           <a:xfrm>
             <a:off x="500040" y="1143000"/>
-            <a:ext cx="7857720" cy="5428800"/>
+            <a:ext cx="7857360" cy="5428440"/>
           </a:xfrm>
           <a:prstGeom prst="rect">
             <a:avLst/>
@@ -10320,14 +9578,14 @@
       </p:grpSpPr>
       <p:sp>
         <p:nvSpPr>
-          <p:cNvPr id="179" name="CustomShape 1"/>
+          <p:cNvPr id="178" name="CustomShape 1"/>
           <p:cNvSpPr/>
           <p:nvPr/>
         </p:nvSpPr>
         <p:spPr>
           <a:xfrm>
             <a:off x="428760" y="357120"/>
-            <a:ext cx="8228880" cy="951480"/>
+            <a:ext cx="8228520" cy="951120"/>
           </a:xfrm>
           <a:prstGeom prst="rect">
             <a:avLst/>
@@ -10371,7 +9629,7 @@
       </p:sp>
       <p:pic>
         <p:nvPicPr>
-          <p:cNvPr id="180" name="96 Imagen" descr=""/>
+          <p:cNvPr id="179" name="96 Imagen" descr=""/>
           <p:cNvPicPr/>
           <p:nvPr/>
         </p:nvPicPr>
@@ -10382,7 +9640,7 @@
         <p:spPr>
           <a:xfrm>
             <a:off x="500040" y="1428840"/>
-            <a:ext cx="7286400" cy="5071680"/>
+            <a:ext cx="7286040" cy="5071320"/>
           </a:xfrm>
           <a:prstGeom prst="rect">
             <a:avLst/>
@@ -10424,14 +9682,14 @@
       </p:grpSpPr>
       <p:sp>
         <p:nvSpPr>
-          <p:cNvPr id="181" name="CustomShape 1"/>
+          <p:cNvPr id="180" name="CustomShape 1"/>
           <p:cNvSpPr/>
           <p:nvPr/>
         </p:nvSpPr>
         <p:spPr>
           <a:xfrm>
             <a:off x="457200" y="267480"/>
-            <a:ext cx="8228880" cy="640440"/>
+            <a:ext cx="8228520" cy="640080"/>
           </a:xfrm>
           <a:prstGeom prst="rect">
             <a:avLst/>
@@ -10475,7 +9733,7 @@
       </p:sp>
       <p:pic>
         <p:nvPicPr>
-          <p:cNvPr id="182" name="98 Imagen" descr=""/>
+          <p:cNvPr id="181" name="98 Imagen" descr=""/>
           <p:cNvPicPr/>
           <p:nvPr/>
         </p:nvPicPr>
@@ -10486,7 +9744,7 @@
         <p:spPr>
           <a:xfrm>
             <a:off x="864000" y="1069560"/>
-            <a:ext cx="3239640" cy="5338080"/>
+            <a:ext cx="3239280" cy="5337720"/>
           </a:xfrm>
           <a:prstGeom prst="rect">
             <a:avLst/>
@@ -10528,14 +9786,14 @@
       </p:grpSpPr>
       <p:sp>
         <p:nvSpPr>
-          <p:cNvPr id="183" name="TextShape 1"/>
-          <p:cNvSpPr txBox="1"/>
+          <p:cNvPr id="182" name="CustomShape 1"/>
+          <p:cNvSpPr/>
           <p:nvPr/>
         </p:nvSpPr>
         <p:spPr>
           <a:xfrm>
             <a:off x="457200" y="267480"/>
-            <a:ext cx="8228880" cy="645840"/>
+            <a:ext cx="8228520" cy="645480"/>
           </a:xfrm>
           <a:prstGeom prst="rect">
             <a:avLst/>
@@ -10545,6 +9803,12 @@
             <a:noFill/>
           </a:ln>
         </p:spPr>
+        <p:style>
+          <a:lnRef idx="0"/>
+          <a:fillRef idx="0"/>
+          <a:effectRef idx="0"/>
+          <a:fontRef idx="minor"/>
+        </p:style>
         <p:txBody>
           <a:bodyPr lIns="0" rIns="0" tIns="0" bIns="0" anchor="ctr">
             <a:noAutofit/>
@@ -10566,24 +9830,21 @@
               <a:t>Programación</a:t>
             </a:r>
             <a:endParaRPr b="0" lang="es-ES" sz="4200" spc="-1" strike="noStrike">
-              <a:solidFill>
-                <a:srgbClr val="000000"/>
-              </a:solidFill>
-              <a:latin typeface="Arial"/>
-            </a:endParaRPr>
-          </a:p>
-        </p:txBody>
-      </p:sp>
-      <p:sp>
-        <p:nvSpPr>
-          <p:cNvPr id="184" name="TextShape 2"/>
-          <p:cNvSpPr txBox="1"/>
+              <a:latin typeface="Arial"/>
+            </a:endParaRPr>
+          </a:p>
+        </p:txBody>
+      </p:sp>
+      <p:sp>
+        <p:nvSpPr>
+          <p:cNvPr id="183" name="CustomShape 2"/>
+          <p:cNvSpPr/>
           <p:nvPr/>
         </p:nvSpPr>
         <p:spPr>
           <a:xfrm>
             <a:off x="571320" y="1928880"/>
-            <a:ext cx="8228880" cy="2857320"/>
+            <a:ext cx="8228520" cy="2856960"/>
           </a:xfrm>
           <a:prstGeom prst="rect">
             <a:avLst/>
@@ -10593,12 +9854,18 @@
             <a:noFill/>
           </a:ln>
         </p:spPr>
+        <p:style>
+          <a:lnRef idx="0"/>
+          <a:fillRef idx="0"/>
+          <a:effectRef idx="0"/>
+          <a:fontRef idx="minor"/>
+        </p:style>
         <p:txBody>
           <a:bodyPr lIns="90000" rIns="90000" tIns="45000" bIns="45000" anchor="ctr">
             <a:noAutofit/>
           </a:bodyPr>
           <a:p>
-            <a:pPr marL="448200" indent="-383400">
+            <a:pPr marL="448200" indent="-383040">
               <a:lnSpc>
                 <a:spcPct val="100000"/>
               </a:lnSpc>
@@ -10626,7 +9893,7 @@
             </a:endParaRPr>
           </a:p>
           <a:p>
-            <a:pPr marL="448200" indent="-383400">
+            <a:pPr marL="448200" indent="-383040">
               <a:lnSpc>
                 <a:spcPct val="100000"/>
               </a:lnSpc>
@@ -10654,7 +9921,7 @@
             </a:endParaRPr>
           </a:p>
           <a:p>
-            <a:pPr marL="448200" indent="-383400">
+            <a:pPr marL="448200" indent="-383040">
               <a:lnSpc>
                 <a:spcPct val="100000"/>
               </a:lnSpc>
@@ -10682,7 +9949,7 @@
             </a:endParaRPr>
           </a:p>
           <a:p>
-            <a:pPr marL="448200" indent="-383400">
+            <a:pPr marL="448200" indent="-383040">
               <a:lnSpc>
                 <a:spcPct val="100000"/>
               </a:lnSpc>
@@ -10756,14 +10023,14 @@
       </p:grpSpPr>
       <p:sp>
         <p:nvSpPr>
-          <p:cNvPr id="185" name="TextShape 1"/>
-          <p:cNvSpPr txBox="1"/>
+          <p:cNvPr id="184" name="CustomShape 1"/>
+          <p:cNvSpPr/>
           <p:nvPr/>
         </p:nvSpPr>
         <p:spPr>
           <a:xfrm>
             <a:off x="457200" y="267480"/>
-            <a:ext cx="8228880" cy="645840"/>
+            <a:ext cx="8228520" cy="645480"/>
           </a:xfrm>
           <a:prstGeom prst="rect">
             <a:avLst/>
@@ -10773,6 +10040,12 @@
             <a:noFill/>
           </a:ln>
         </p:spPr>
+        <p:style>
+          <a:lnRef idx="0"/>
+          <a:fillRef idx="0"/>
+          <a:effectRef idx="0"/>
+          <a:fontRef idx="minor"/>
+        </p:style>
         <p:txBody>
           <a:bodyPr lIns="0" rIns="0" tIns="0" bIns="0" anchor="ctr">
             <a:noAutofit/>
@@ -10794,24 +10067,21 @@
               <a:t>Desarrollo web</a:t>
             </a:r>
             <a:endParaRPr b="0" lang="es-ES" sz="4200" spc="-1" strike="noStrike">
-              <a:solidFill>
-                <a:srgbClr val="000000"/>
-              </a:solidFill>
-              <a:latin typeface="Arial"/>
-            </a:endParaRPr>
-          </a:p>
-        </p:txBody>
-      </p:sp>
-      <p:sp>
-        <p:nvSpPr>
-          <p:cNvPr id="186" name="TextShape 2"/>
-          <p:cNvSpPr txBox="1"/>
+              <a:latin typeface="Arial"/>
+            </a:endParaRPr>
+          </a:p>
+        </p:txBody>
+      </p:sp>
+      <p:sp>
+        <p:nvSpPr>
+          <p:cNvPr id="185" name="CustomShape 2"/>
+          <p:cNvSpPr/>
           <p:nvPr/>
         </p:nvSpPr>
         <p:spPr>
           <a:xfrm>
             <a:off x="571320" y="1928880"/>
-            <a:ext cx="8228880" cy="2857320"/>
+            <a:ext cx="8228520" cy="2856960"/>
           </a:xfrm>
           <a:prstGeom prst="rect">
             <a:avLst/>
@@ -10821,12 +10091,18 @@
             <a:noFill/>
           </a:ln>
         </p:spPr>
+        <p:style>
+          <a:lnRef idx="0"/>
+          <a:fillRef idx="0"/>
+          <a:effectRef idx="0"/>
+          <a:fontRef idx="minor"/>
+        </p:style>
         <p:txBody>
           <a:bodyPr lIns="90000" rIns="90000" tIns="45000" bIns="45000" anchor="ctr">
             <a:noAutofit/>
           </a:bodyPr>
           <a:p>
-            <a:pPr marL="448200" indent="-383400">
+            <a:pPr marL="448200" indent="-383040">
               <a:lnSpc>
                 <a:spcPct val="100000"/>
               </a:lnSpc>
@@ -10854,7 +10130,7 @@
             </a:endParaRPr>
           </a:p>
           <a:p>
-            <a:pPr marL="448200" indent="-383400">
+            <a:pPr marL="448200" indent="-383040">
               <a:lnSpc>
                 <a:spcPct val="100000"/>
               </a:lnSpc>
@@ -10882,7 +10158,7 @@
             </a:endParaRPr>
           </a:p>
           <a:p>
-            <a:pPr marL="448200" indent="-383400">
+            <a:pPr marL="448200" indent="-383040">
               <a:lnSpc>
                 <a:spcPct val="100000"/>
               </a:lnSpc>
@@ -10910,7 +10186,7 @@
             </a:endParaRPr>
           </a:p>
           <a:p>
-            <a:pPr marL="448200" indent="-383400">
+            <a:pPr marL="448200" indent="-383040">
               <a:lnSpc>
                 <a:spcPct val="100000"/>
               </a:lnSpc>

--- a/Presentación/Proyecto fin de curso.pptx
+++ b/Presentación/Proyecto fin de curso.pptx
@@ -1,32 +1,127 @@
 
 <file path=ppt/presentation.xml><?xml version="1.0" encoding="utf-8"?>
-<p:presentation xmlns:a="http://schemas.openxmlformats.org/drawingml/2006/main" xmlns:p="http://schemas.openxmlformats.org/presentationml/2006/main" xmlns:r="http://schemas.openxmlformats.org/officeDocument/2006/relationships" xmlns:p14="http://schemas.microsoft.com/office/powerpoint/2010/main" xmlns:p15="http://schemas.microsoft.com/office/powerpoint/2012/main" xmlns:mc="http://schemas.openxmlformats.org/markup-compatibility/2006">
+<p:presentation xmlns:a="http://schemas.openxmlformats.org/drawingml/2006/main" xmlns:r="http://schemas.openxmlformats.org/officeDocument/2006/relationships" xmlns:p="http://schemas.openxmlformats.org/presentationml/2006/main">
   <p:sldMasterIdLst>
-    <p:sldMasterId id="2147483648" r:id="rId2"/>
-    <p:sldMasterId id="2147483661" r:id="rId3"/>
-    <p:sldMasterId id="2147483674" r:id="rId4"/>
-    <p:sldMasterId id="2147483687" r:id="rId5"/>
+    <p:sldMasterId id="2147483648" r:id="rId1"/>
+    <p:sldMasterId id="2147483661" r:id="rId2"/>
+    <p:sldMasterId id="2147483674" r:id="rId3"/>
+    <p:sldMasterId id="2147483687" r:id="rId4"/>
   </p:sldMasterIdLst>
   <p:sldIdLst>
-    <p:sldId id="256" r:id="rId6"/>
-    <p:sldId id="257" r:id="rId7"/>
-    <p:sldId id="258" r:id="rId8"/>
-    <p:sldId id="259" r:id="rId9"/>
-    <p:sldId id="260" r:id="rId10"/>
-    <p:sldId id="261" r:id="rId11"/>
-    <p:sldId id="262" r:id="rId12"/>
-    <p:sldId id="263" r:id="rId13"/>
-    <p:sldId id="264" r:id="rId14"/>
-    <p:sldId id="265" r:id="rId15"/>
-    <p:sldId id="266" r:id="rId16"/>
+    <p:sldId id="256" r:id="rId5"/>
+    <p:sldId id="257" r:id="rId6"/>
+    <p:sldId id="258" r:id="rId7"/>
+    <p:sldId id="259" r:id="rId8"/>
+    <p:sldId id="260" r:id="rId9"/>
+    <p:sldId id="261" r:id="rId10"/>
+    <p:sldId id="262" r:id="rId11"/>
+    <p:sldId id="263" r:id="rId12"/>
+    <p:sldId id="264" r:id="rId13"/>
+    <p:sldId id="265" r:id="rId14"/>
+    <p:sldId id="266" r:id="rId15"/>
   </p:sldIdLst>
-  <p:sldSz cx="9144000" cy="6858000"/>
-  <p:notesSz cx="7559675" cy="10691812"/>
+  <p:sldSz cx="9144000" cy="6858000" type="screen4x3"/>
+  <p:notesSz cx="7559675" cy="10691813"/>
+  <p:defaultTextStyle>
+    <a:defPPr>
+      <a:defRPr lang="es-ES"/>
+    </a:defPPr>
+    <a:lvl1pPr marL="0" algn="l" defTabSz="914400" rtl="0" eaLnBrk="1" latinLnBrk="0" hangingPunct="1">
+      <a:defRPr sz="1800" kern="1200">
+        <a:solidFill>
+          <a:schemeClr val="tx1"/>
+        </a:solidFill>
+        <a:latin typeface="+mn-lt"/>
+        <a:ea typeface="+mn-ea"/>
+        <a:cs typeface="+mn-cs"/>
+      </a:defRPr>
+    </a:lvl1pPr>
+    <a:lvl2pPr marL="457200" algn="l" defTabSz="914400" rtl="0" eaLnBrk="1" latinLnBrk="0" hangingPunct="1">
+      <a:defRPr sz="1800" kern="1200">
+        <a:solidFill>
+          <a:schemeClr val="tx1"/>
+        </a:solidFill>
+        <a:latin typeface="+mn-lt"/>
+        <a:ea typeface="+mn-ea"/>
+        <a:cs typeface="+mn-cs"/>
+      </a:defRPr>
+    </a:lvl2pPr>
+    <a:lvl3pPr marL="914400" algn="l" defTabSz="914400" rtl="0" eaLnBrk="1" latinLnBrk="0" hangingPunct="1">
+      <a:defRPr sz="1800" kern="1200">
+        <a:solidFill>
+          <a:schemeClr val="tx1"/>
+        </a:solidFill>
+        <a:latin typeface="+mn-lt"/>
+        <a:ea typeface="+mn-ea"/>
+        <a:cs typeface="+mn-cs"/>
+      </a:defRPr>
+    </a:lvl3pPr>
+    <a:lvl4pPr marL="1371600" algn="l" defTabSz="914400" rtl="0" eaLnBrk="1" latinLnBrk="0" hangingPunct="1">
+      <a:defRPr sz="1800" kern="1200">
+        <a:solidFill>
+          <a:schemeClr val="tx1"/>
+        </a:solidFill>
+        <a:latin typeface="+mn-lt"/>
+        <a:ea typeface="+mn-ea"/>
+        <a:cs typeface="+mn-cs"/>
+      </a:defRPr>
+    </a:lvl4pPr>
+    <a:lvl5pPr marL="1828800" algn="l" defTabSz="914400" rtl="0" eaLnBrk="1" latinLnBrk="0" hangingPunct="1">
+      <a:defRPr sz="1800" kern="1200">
+        <a:solidFill>
+          <a:schemeClr val="tx1"/>
+        </a:solidFill>
+        <a:latin typeface="+mn-lt"/>
+        <a:ea typeface="+mn-ea"/>
+        <a:cs typeface="+mn-cs"/>
+      </a:defRPr>
+    </a:lvl5pPr>
+    <a:lvl6pPr marL="2286000" algn="l" defTabSz="914400" rtl="0" eaLnBrk="1" latinLnBrk="0" hangingPunct="1">
+      <a:defRPr sz="1800" kern="1200">
+        <a:solidFill>
+          <a:schemeClr val="tx1"/>
+        </a:solidFill>
+        <a:latin typeface="+mn-lt"/>
+        <a:ea typeface="+mn-ea"/>
+        <a:cs typeface="+mn-cs"/>
+      </a:defRPr>
+    </a:lvl6pPr>
+    <a:lvl7pPr marL="2743200" algn="l" defTabSz="914400" rtl="0" eaLnBrk="1" latinLnBrk="0" hangingPunct="1">
+      <a:defRPr sz="1800" kern="1200">
+        <a:solidFill>
+          <a:schemeClr val="tx1"/>
+        </a:solidFill>
+        <a:latin typeface="+mn-lt"/>
+        <a:ea typeface="+mn-ea"/>
+        <a:cs typeface="+mn-cs"/>
+      </a:defRPr>
+    </a:lvl7pPr>
+    <a:lvl8pPr marL="3200400" algn="l" defTabSz="914400" rtl="0" eaLnBrk="1" latinLnBrk="0" hangingPunct="1">
+      <a:defRPr sz="1800" kern="1200">
+        <a:solidFill>
+          <a:schemeClr val="tx1"/>
+        </a:solidFill>
+        <a:latin typeface="+mn-lt"/>
+        <a:ea typeface="+mn-ea"/>
+        <a:cs typeface="+mn-cs"/>
+      </a:defRPr>
+    </a:lvl8pPr>
+    <a:lvl9pPr marL="3657600" algn="l" defTabSz="914400" rtl="0" eaLnBrk="1" latinLnBrk="0" hangingPunct="1">
+      <a:defRPr sz="1800" kern="1200">
+        <a:solidFill>
+          <a:schemeClr val="tx1"/>
+        </a:solidFill>
+        <a:latin typeface="+mn-lt"/>
+        <a:ea typeface="+mn-ea"/>
+        <a:cs typeface="+mn-cs"/>
+      </a:defRPr>
+    </a:lvl9pPr>
+  </p:defaultTextStyle>
 </p:presentation>
 </file>
 
 <file path=ppt/slideLayouts/slideLayout1.xml><?xml version="1.0" encoding="utf-8"?>
-<p:sldLayout xmlns:a="http://schemas.openxmlformats.org/drawingml/2006/main" xmlns:p="http://schemas.openxmlformats.org/presentationml/2006/main" xmlns:r="http://schemas.openxmlformats.org/officeDocument/2006/relationships" xmlns:p14="http://schemas.microsoft.com/office/powerpoint/2010/main" xmlns:p15="http://schemas.microsoft.com/office/powerpoint/2012/main" xmlns:mc="http://schemas.openxmlformats.org/markup-compatibility/2006" type="blank" preserve="1">
+<p:sldLayout xmlns:a="http://schemas.openxmlformats.org/drawingml/2006/main" xmlns:r="http://schemas.openxmlformats.org/officeDocument/2006/relationships" xmlns:p="http://schemas.openxmlformats.org/presentationml/2006/main" type="blank" preserve="1">
   <p:cSld name="Blank Slide">
     <p:spTree>
       <p:nvGrpSpPr>
@@ -44,11 +139,14 @@
       </p:grpSpPr>
     </p:spTree>
   </p:cSld>
+  <p:clrMapOvr>
+    <a:masterClrMapping/>
+  </p:clrMapOvr>
 </p:sldLayout>
 </file>
 
 <file path=ppt/slideLayouts/slideLayout10.xml><?xml version="1.0" encoding="utf-8"?>
-<p:sldLayout xmlns:a="http://schemas.openxmlformats.org/drawingml/2006/main" xmlns:p="http://schemas.openxmlformats.org/presentationml/2006/main" xmlns:r="http://schemas.openxmlformats.org/officeDocument/2006/relationships" xmlns:p14="http://schemas.microsoft.com/office/powerpoint/2010/main" xmlns:p15="http://schemas.microsoft.com/office/powerpoint/2012/main" xmlns:mc="http://schemas.openxmlformats.org/markup-compatibility/2006" type="objOverTx" preserve="1">
+<p:sldLayout xmlns:a="http://schemas.openxmlformats.org/drawingml/2006/main" xmlns:r="http://schemas.openxmlformats.org/officeDocument/2006/relationships" xmlns:p="http://schemas.openxmlformats.org/presentationml/2006/main" type="objOverTx" preserve="1">
   <p:cSld name="Title, Content over Content">
     <p:spTree>
       <p:nvGrpSpPr>
@@ -84,12 +182,13 @@
           </a:prstGeom>
         </p:spPr>
         <p:txBody>
-          <a:bodyPr lIns="0" rIns="0" tIns="0" bIns="0" anchor="ctr">
+          <a:bodyPr lIns="0" tIns="0" rIns="0" bIns="0" anchor="ctr">
             <a:noAutofit/>
           </a:bodyPr>
+          <a:lstStyle/>
           <a:p>
             <a:pPr algn="ctr"/>
-            <a:endParaRPr b="0" lang="es-ES" sz="4400" spc="-1" strike="noStrike">
+            <a:endParaRPr lang="es-ES" sz="4400" b="0" strike="noStrike" spc="-1">
               <a:latin typeface="Arial"/>
             </a:endParaRPr>
           </a:p>
@@ -115,11 +214,12 @@
           </a:prstGeom>
         </p:spPr>
         <p:txBody>
-          <a:bodyPr lIns="0" rIns="0" tIns="0" bIns="0">
+          <a:bodyPr lIns="0" tIns="0" rIns="0" bIns="0">
             <a:normAutofit fontScale="14000"/>
           </a:bodyPr>
-          <a:p>
-            <a:endParaRPr b="0" lang="es-ES" sz="3200" spc="-1" strike="noStrike">
+          <a:lstStyle/>
+          <a:p>
+            <a:endParaRPr lang="es-ES" sz="3200" b="0" strike="noStrike" spc="-1">
               <a:latin typeface="Arial"/>
             </a:endParaRPr>
           </a:p>
@@ -145,11 +245,12 @@
           </a:prstGeom>
         </p:spPr>
         <p:txBody>
-          <a:bodyPr lIns="0" rIns="0" tIns="0" bIns="0">
+          <a:bodyPr lIns="0" tIns="0" rIns="0" bIns="0">
             <a:normAutofit fontScale="14000"/>
           </a:bodyPr>
-          <a:p>
-            <a:endParaRPr b="0" lang="es-ES" sz="3200" spc="-1" strike="noStrike">
+          <a:lstStyle/>
+          <a:p>
+            <a:endParaRPr lang="es-ES" sz="3200" b="0" strike="noStrike" spc="-1">
               <a:latin typeface="Arial"/>
             </a:endParaRPr>
           </a:p>
@@ -157,11 +258,14 @@
       </p:sp>
     </p:spTree>
   </p:cSld>
+  <p:clrMapOvr>
+    <a:masterClrMapping/>
+  </p:clrMapOvr>
 </p:sldLayout>
 </file>
 
 <file path=ppt/slideLayouts/slideLayout11.xml><?xml version="1.0" encoding="utf-8"?>
-<p:sldLayout xmlns:a="http://schemas.openxmlformats.org/drawingml/2006/main" xmlns:p="http://schemas.openxmlformats.org/presentationml/2006/main" xmlns:r="http://schemas.openxmlformats.org/officeDocument/2006/relationships" xmlns:p14="http://schemas.microsoft.com/office/powerpoint/2010/main" xmlns:p15="http://schemas.microsoft.com/office/powerpoint/2012/main" xmlns:mc="http://schemas.openxmlformats.org/markup-compatibility/2006" type="fourObj" preserve="1">
+<p:sldLayout xmlns:a="http://schemas.openxmlformats.org/drawingml/2006/main" xmlns:r="http://schemas.openxmlformats.org/officeDocument/2006/relationships" xmlns:p="http://schemas.openxmlformats.org/presentationml/2006/main" type="fourObj" preserve="1">
   <p:cSld name="Title, 4 Content">
     <p:spTree>
       <p:nvGrpSpPr>
@@ -197,12 +301,13 @@
           </a:prstGeom>
         </p:spPr>
         <p:txBody>
-          <a:bodyPr lIns="0" rIns="0" tIns="0" bIns="0" anchor="ctr">
+          <a:bodyPr lIns="0" tIns="0" rIns="0" bIns="0" anchor="ctr">
             <a:noAutofit/>
           </a:bodyPr>
+          <a:lstStyle/>
           <a:p>
             <a:pPr algn="ctr"/>
-            <a:endParaRPr b="0" lang="es-ES" sz="4400" spc="-1" strike="noStrike">
+            <a:endParaRPr lang="es-ES" sz="4400" b="0" strike="noStrike" spc="-1">
               <a:latin typeface="Arial"/>
             </a:endParaRPr>
           </a:p>
@@ -228,11 +333,12 @@
           </a:prstGeom>
         </p:spPr>
         <p:txBody>
-          <a:bodyPr lIns="0" rIns="0" tIns="0" bIns="0">
+          <a:bodyPr lIns="0" tIns="0" rIns="0" bIns="0">
             <a:normAutofit fontScale="3000"/>
           </a:bodyPr>
-          <a:p>
-            <a:endParaRPr b="0" lang="es-ES" sz="3200" spc="-1" strike="noStrike">
+          <a:lstStyle/>
+          <a:p>
+            <a:endParaRPr lang="es-ES" sz="3200" b="0" strike="noStrike" spc="-1">
               <a:latin typeface="Arial"/>
             </a:endParaRPr>
           </a:p>
@@ -258,11 +364,12 @@
           </a:prstGeom>
         </p:spPr>
         <p:txBody>
-          <a:bodyPr lIns="0" rIns="0" tIns="0" bIns="0">
+          <a:bodyPr lIns="0" tIns="0" rIns="0" bIns="0">
             <a:normAutofit fontScale="3000"/>
           </a:bodyPr>
-          <a:p>
-            <a:endParaRPr b="0" lang="es-ES" sz="3200" spc="-1" strike="noStrike">
+          <a:lstStyle/>
+          <a:p>
+            <a:endParaRPr lang="es-ES" sz="3200" b="0" strike="noStrike" spc="-1">
               <a:latin typeface="Arial"/>
             </a:endParaRPr>
           </a:p>
@@ -288,11 +395,12 @@
           </a:prstGeom>
         </p:spPr>
         <p:txBody>
-          <a:bodyPr lIns="0" rIns="0" tIns="0" bIns="0">
+          <a:bodyPr lIns="0" tIns="0" rIns="0" bIns="0">
             <a:normAutofit fontScale="3000"/>
           </a:bodyPr>
-          <a:p>
-            <a:endParaRPr b="0" lang="es-ES" sz="3200" spc="-1" strike="noStrike">
+          <a:lstStyle/>
+          <a:p>
+            <a:endParaRPr lang="es-ES" sz="3200" b="0" strike="noStrike" spc="-1">
               <a:latin typeface="Arial"/>
             </a:endParaRPr>
           </a:p>
@@ -318,11 +426,12 @@
           </a:prstGeom>
         </p:spPr>
         <p:txBody>
-          <a:bodyPr lIns="0" rIns="0" tIns="0" bIns="0">
+          <a:bodyPr lIns="0" tIns="0" rIns="0" bIns="0">
             <a:normAutofit fontScale="3000"/>
           </a:bodyPr>
-          <a:p>
-            <a:endParaRPr b="0" lang="es-ES" sz="3200" spc="-1" strike="noStrike">
+          <a:lstStyle/>
+          <a:p>
+            <a:endParaRPr lang="es-ES" sz="3200" b="0" strike="noStrike" spc="-1">
               <a:latin typeface="Arial"/>
             </a:endParaRPr>
           </a:p>
@@ -330,11 +439,14 @@
       </p:sp>
     </p:spTree>
   </p:cSld>
+  <p:clrMapOvr>
+    <a:masterClrMapping/>
+  </p:clrMapOvr>
 </p:sldLayout>
 </file>
 
 <file path=ppt/slideLayouts/slideLayout12.xml><?xml version="1.0" encoding="utf-8"?>
-<p:sldLayout xmlns:a="http://schemas.openxmlformats.org/drawingml/2006/main" xmlns:p="http://schemas.openxmlformats.org/presentationml/2006/main" xmlns:r="http://schemas.openxmlformats.org/officeDocument/2006/relationships" xmlns:p14="http://schemas.microsoft.com/office/powerpoint/2010/main" xmlns:p15="http://schemas.microsoft.com/office/powerpoint/2012/main" xmlns:mc="http://schemas.openxmlformats.org/markup-compatibility/2006" type="blank" preserve="1">
+<p:sldLayout xmlns:a="http://schemas.openxmlformats.org/drawingml/2006/main" xmlns:r="http://schemas.openxmlformats.org/officeDocument/2006/relationships" xmlns:p="http://schemas.openxmlformats.org/presentationml/2006/main" type="blank" preserve="1">
   <p:cSld name="Title, 6 Content">
     <p:spTree>
       <p:nvGrpSpPr>
@@ -370,12 +482,13 @@
           </a:prstGeom>
         </p:spPr>
         <p:txBody>
-          <a:bodyPr lIns="0" rIns="0" tIns="0" bIns="0" anchor="ctr">
+          <a:bodyPr lIns="0" tIns="0" rIns="0" bIns="0" anchor="ctr">
             <a:noAutofit/>
           </a:bodyPr>
+          <a:lstStyle/>
           <a:p>
             <a:pPr algn="ctr"/>
-            <a:endParaRPr b="0" lang="es-ES" sz="4400" spc="-1" strike="noStrike">
+            <a:endParaRPr lang="es-ES" sz="4400" b="0" strike="noStrike" spc="-1">
               <a:latin typeface="Arial"/>
             </a:endParaRPr>
           </a:p>
@@ -401,11 +514,12 @@
           </a:prstGeom>
         </p:spPr>
         <p:txBody>
-          <a:bodyPr lIns="0" rIns="0" tIns="0" bIns="0">
+          <a:bodyPr lIns="0" tIns="0" rIns="0" bIns="0">
             <a:normAutofit/>
           </a:bodyPr>
-          <a:p>
-            <a:endParaRPr b="0" lang="es-ES" sz="3200" spc="-1" strike="noStrike">
+          <a:lstStyle/>
+          <a:p>
+            <a:endParaRPr lang="es-ES" sz="3200" b="0" strike="noStrike" spc="-1">
               <a:latin typeface="Arial"/>
             </a:endParaRPr>
           </a:p>
@@ -431,11 +545,12 @@
           </a:prstGeom>
         </p:spPr>
         <p:txBody>
-          <a:bodyPr lIns="0" rIns="0" tIns="0" bIns="0">
+          <a:bodyPr lIns="0" tIns="0" rIns="0" bIns="0">
             <a:normAutofit/>
           </a:bodyPr>
-          <a:p>
-            <a:endParaRPr b="0" lang="es-ES" sz="3200" spc="-1" strike="noStrike">
+          <a:lstStyle/>
+          <a:p>
+            <a:endParaRPr lang="es-ES" sz="3200" b="0" strike="noStrike" spc="-1">
               <a:latin typeface="Arial"/>
             </a:endParaRPr>
           </a:p>
@@ -461,11 +576,12 @@
           </a:prstGeom>
         </p:spPr>
         <p:txBody>
-          <a:bodyPr lIns="0" rIns="0" tIns="0" bIns="0">
+          <a:bodyPr lIns="0" tIns="0" rIns="0" bIns="0">
             <a:normAutofit/>
           </a:bodyPr>
-          <a:p>
-            <a:endParaRPr b="0" lang="es-ES" sz="3200" spc="-1" strike="noStrike">
+          <a:lstStyle/>
+          <a:p>
+            <a:endParaRPr lang="es-ES" sz="3200" b="0" strike="noStrike" spc="-1">
               <a:latin typeface="Arial"/>
             </a:endParaRPr>
           </a:p>
@@ -491,11 +607,12 @@
           </a:prstGeom>
         </p:spPr>
         <p:txBody>
-          <a:bodyPr lIns="0" rIns="0" tIns="0" bIns="0">
+          <a:bodyPr lIns="0" tIns="0" rIns="0" bIns="0">
             <a:normAutofit/>
           </a:bodyPr>
-          <a:p>
-            <a:endParaRPr b="0" lang="es-ES" sz="3200" spc="-1" strike="noStrike">
+          <a:lstStyle/>
+          <a:p>
+            <a:endParaRPr lang="es-ES" sz="3200" b="0" strike="noStrike" spc="-1">
               <a:latin typeface="Arial"/>
             </a:endParaRPr>
           </a:p>
@@ -521,11 +638,12 @@
           </a:prstGeom>
         </p:spPr>
         <p:txBody>
-          <a:bodyPr lIns="0" rIns="0" tIns="0" bIns="0">
+          <a:bodyPr lIns="0" tIns="0" rIns="0" bIns="0">
             <a:normAutofit/>
           </a:bodyPr>
-          <a:p>
-            <a:endParaRPr b="0" lang="es-ES" sz="3200" spc="-1" strike="noStrike">
+          <a:lstStyle/>
+          <a:p>
+            <a:endParaRPr lang="es-ES" sz="3200" b="0" strike="noStrike" spc="-1">
               <a:latin typeface="Arial"/>
             </a:endParaRPr>
           </a:p>
@@ -551,11 +669,12 @@
           </a:prstGeom>
         </p:spPr>
         <p:txBody>
-          <a:bodyPr lIns="0" rIns="0" tIns="0" bIns="0">
+          <a:bodyPr lIns="0" tIns="0" rIns="0" bIns="0">
             <a:normAutofit/>
           </a:bodyPr>
-          <a:p>
-            <a:endParaRPr b="0" lang="es-ES" sz="3200" spc="-1" strike="noStrike">
+          <a:lstStyle/>
+          <a:p>
+            <a:endParaRPr lang="es-ES" sz="3200" b="0" strike="noStrike" spc="-1">
               <a:latin typeface="Arial"/>
             </a:endParaRPr>
           </a:p>
@@ -563,11 +682,14 @@
       </p:sp>
     </p:spTree>
   </p:cSld>
+  <p:clrMapOvr>
+    <a:masterClrMapping/>
+  </p:clrMapOvr>
 </p:sldLayout>
 </file>
 
 <file path=ppt/slideLayouts/slideLayout13.xml><?xml version="1.0" encoding="utf-8"?>
-<p:sldLayout xmlns:a="http://schemas.openxmlformats.org/drawingml/2006/main" xmlns:p="http://schemas.openxmlformats.org/presentationml/2006/main" xmlns:r="http://schemas.openxmlformats.org/officeDocument/2006/relationships" xmlns:p14="http://schemas.microsoft.com/office/powerpoint/2010/main" xmlns:p15="http://schemas.microsoft.com/office/powerpoint/2012/main" xmlns:mc="http://schemas.openxmlformats.org/markup-compatibility/2006" type="blank" preserve="1">
+<p:sldLayout xmlns:a="http://schemas.openxmlformats.org/drawingml/2006/main" xmlns:r="http://schemas.openxmlformats.org/officeDocument/2006/relationships" xmlns:p="http://schemas.openxmlformats.org/presentationml/2006/main" type="blank" preserve="1">
   <p:cSld name="Blank Slide">
     <p:spTree>
       <p:nvGrpSpPr>
@@ -585,11 +707,14 @@
       </p:grpSpPr>
     </p:spTree>
   </p:cSld>
+  <p:clrMapOvr>
+    <a:masterClrMapping/>
+  </p:clrMapOvr>
 </p:sldLayout>
 </file>
 
 <file path=ppt/slideLayouts/slideLayout14.xml><?xml version="1.0" encoding="utf-8"?>
-<p:sldLayout xmlns:a="http://schemas.openxmlformats.org/drawingml/2006/main" xmlns:p="http://schemas.openxmlformats.org/presentationml/2006/main" xmlns:r="http://schemas.openxmlformats.org/officeDocument/2006/relationships" xmlns:p14="http://schemas.microsoft.com/office/powerpoint/2010/main" xmlns:p15="http://schemas.microsoft.com/office/powerpoint/2012/main" xmlns:mc="http://schemas.openxmlformats.org/markup-compatibility/2006" type="tx" preserve="1">
+<p:sldLayout xmlns:a="http://schemas.openxmlformats.org/drawingml/2006/main" xmlns:r="http://schemas.openxmlformats.org/officeDocument/2006/relationships" xmlns:p="http://schemas.openxmlformats.org/presentationml/2006/main" type="tx" preserve="1">
   <p:cSld name="Title Slide">
     <p:spTree>
       <p:nvGrpSpPr>
@@ -625,12 +750,13 @@
           </a:prstGeom>
         </p:spPr>
         <p:txBody>
-          <a:bodyPr lIns="0" rIns="0" tIns="0" bIns="0" anchor="ctr">
+          <a:bodyPr lIns="0" tIns="0" rIns="0" bIns="0" anchor="ctr">
             <a:noAutofit/>
           </a:bodyPr>
+          <a:lstStyle/>
           <a:p>
             <a:pPr algn="ctr"/>
-            <a:endParaRPr b="0" lang="es-ES" sz="4400" spc="-1" strike="noStrike">
+            <a:endParaRPr lang="es-ES" sz="4400" b="0" strike="noStrike" spc="-1">
               <a:latin typeface="Arial"/>
             </a:endParaRPr>
           </a:p>
@@ -656,12 +782,13 @@
           </a:prstGeom>
         </p:spPr>
         <p:txBody>
-          <a:bodyPr lIns="0" rIns="0" tIns="0" bIns="0" anchor="ctr">
+          <a:bodyPr lIns="0" tIns="0" rIns="0" bIns="0" anchor="ctr">
             <a:noAutofit/>
           </a:bodyPr>
+          <a:lstStyle/>
           <a:p>
             <a:pPr algn="ctr"/>
-            <a:endParaRPr b="0" lang="es-ES" sz="3200" spc="-1" strike="noStrike">
+            <a:endParaRPr lang="es-ES" sz="3200" b="0" strike="noStrike" spc="-1">
               <a:latin typeface="Arial"/>
             </a:endParaRPr>
           </a:p>
@@ -669,11 +796,14 @@
       </p:sp>
     </p:spTree>
   </p:cSld>
+  <p:clrMapOvr>
+    <a:masterClrMapping/>
+  </p:clrMapOvr>
 </p:sldLayout>
 </file>
 
 <file path=ppt/slideLayouts/slideLayout15.xml><?xml version="1.0" encoding="utf-8"?>
-<p:sldLayout xmlns:a="http://schemas.openxmlformats.org/drawingml/2006/main" xmlns:p="http://schemas.openxmlformats.org/presentationml/2006/main" xmlns:r="http://schemas.openxmlformats.org/officeDocument/2006/relationships" xmlns:p14="http://schemas.microsoft.com/office/powerpoint/2010/main" xmlns:p15="http://schemas.microsoft.com/office/powerpoint/2012/main" xmlns:mc="http://schemas.openxmlformats.org/markup-compatibility/2006" type="obj" preserve="1">
+<p:sldLayout xmlns:a="http://schemas.openxmlformats.org/drawingml/2006/main" xmlns:r="http://schemas.openxmlformats.org/officeDocument/2006/relationships" xmlns:p="http://schemas.openxmlformats.org/presentationml/2006/main" type="obj" preserve="1">
   <p:cSld name="Title, Content">
     <p:spTree>
       <p:nvGrpSpPr>
@@ -709,12 +839,13 @@
           </a:prstGeom>
         </p:spPr>
         <p:txBody>
-          <a:bodyPr lIns="0" rIns="0" tIns="0" bIns="0" anchor="ctr">
+          <a:bodyPr lIns="0" tIns="0" rIns="0" bIns="0" anchor="ctr">
             <a:noAutofit/>
           </a:bodyPr>
+          <a:lstStyle/>
           <a:p>
             <a:pPr algn="ctr"/>
-            <a:endParaRPr b="0" lang="es-ES" sz="4400" spc="-1" strike="noStrike">
+            <a:endParaRPr lang="es-ES" sz="4400" b="0" strike="noStrike" spc="-1">
               <a:latin typeface="Arial"/>
             </a:endParaRPr>
           </a:p>
@@ -740,11 +871,12 @@
           </a:prstGeom>
         </p:spPr>
         <p:txBody>
-          <a:bodyPr lIns="0" rIns="0" tIns="0" bIns="0">
+          <a:bodyPr lIns="0" tIns="0" rIns="0" bIns="0">
             <a:normAutofit fontScale="42000"/>
           </a:bodyPr>
-          <a:p>
-            <a:endParaRPr b="0" lang="es-ES" sz="3200" spc="-1" strike="noStrike">
+          <a:lstStyle/>
+          <a:p>
+            <a:endParaRPr lang="es-ES" sz="3200" b="0" strike="noStrike" spc="-1">
               <a:latin typeface="Arial"/>
             </a:endParaRPr>
           </a:p>
@@ -752,11 +884,14 @@
       </p:sp>
     </p:spTree>
   </p:cSld>
+  <p:clrMapOvr>
+    <a:masterClrMapping/>
+  </p:clrMapOvr>
 </p:sldLayout>
 </file>
 
 <file path=ppt/slideLayouts/slideLayout16.xml><?xml version="1.0" encoding="utf-8"?>
-<p:sldLayout xmlns:a="http://schemas.openxmlformats.org/drawingml/2006/main" xmlns:p="http://schemas.openxmlformats.org/presentationml/2006/main" xmlns:r="http://schemas.openxmlformats.org/officeDocument/2006/relationships" xmlns:p14="http://schemas.microsoft.com/office/powerpoint/2010/main" xmlns:p15="http://schemas.microsoft.com/office/powerpoint/2012/main" xmlns:mc="http://schemas.openxmlformats.org/markup-compatibility/2006" type="twoObj" preserve="1">
+<p:sldLayout xmlns:a="http://schemas.openxmlformats.org/drawingml/2006/main" xmlns:r="http://schemas.openxmlformats.org/officeDocument/2006/relationships" xmlns:p="http://schemas.openxmlformats.org/presentationml/2006/main" type="twoObj" preserve="1">
   <p:cSld name="Title, 2 Content">
     <p:spTree>
       <p:nvGrpSpPr>
@@ -792,12 +927,13 @@
           </a:prstGeom>
         </p:spPr>
         <p:txBody>
-          <a:bodyPr lIns="0" rIns="0" tIns="0" bIns="0" anchor="ctr">
+          <a:bodyPr lIns="0" tIns="0" rIns="0" bIns="0" anchor="ctr">
             <a:noAutofit/>
           </a:bodyPr>
+          <a:lstStyle/>
           <a:p>
             <a:pPr algn="ctr"/>
-            <a:endParaRPr b="0" lang="es-ES" sz="4400" spc="-1" strike="noStrike">
+            <a:endParaRPr lang="es-ES" sz="4400" b="0" strike="noStrike" spc="-1">
               <a:latin typeface="Arial"/>
             </a:endParaRPr>
           </a:p>
@@ -823,11 +959,12 @@
           </a:prstGeom>
         </p:spPr>
         <p:txBody>
-          <a:bodyPr lIns="0" rIns="0" tIns="0" bIns="0">
+          <a:bodyPr lIns="0" tIns="0" rIns="0" bIns="0">
             <a:normAutofit fontScale="10000"/>
           </a:bodyPr>
-          <a:p>
-            <a:endParaRPr b="0" lang="es-ES" sz="3200" spc="-1" strike="noStrike">
+          <a:lstStyle/>
+          <a:p>
+            <a:endParaRPr lang="es-ES" sz="3200" b="0" strike="noStrike" spc="-1">
               <a:latin typeface="Arial"/>
             </a:endParaRPr>
           </a:p>
@@ -853,11 +990,12 @@
           </a:prstGeom>
         </p:spPr>
         <p:txBody>
-          <a:bodyPr lIns="0" rIns="0" tIns="0" bIns="0">
+          <a:bodyPr lIns="0" tIns="0" rIns="0" bIns="0">
             <a:normAutofit fontScale="10000"/>
           </a:bodyPr>
-          <a:p>
-            <a:endParaRPr b="0" lang="es-ES" sz="3200" spc="-1" strike="noStrike">
+          <a:lstStyle/>
+          <a:p>
+            <a:endParaRPr lang="es-ES" sz="3200" b="0" strike="noStrike" spc="-1">
               <a:latin typeface="Arial"/>
             </a:endParaRPr>
           </a:p>
@@ -865,11 +1003,14 @@
       </p:sp>
     </p:spTree>
   </p:cSld>
+  <p:clrMapOvr>
+    <a:masterClrMapping/>
+  </p:clrMapOvr>
 </p:sldLayout>
 </file>
 
 <file path=ppt/slideLayouts/slideLayout17.xml><?xml version="1.0" encoding="utf-8"?>
-<p:sldLayout xmlns:a="http://schemas.openxmlformats.org/drawingml/2006/main" xmlns:p="http://schemas.openxmlformats.org/presentationml/2006/main" xmlns:r="http://schemas.openxmlformats.org/officeDocument/2006/relationships" xmlns:p14="http://schemas.microsoft.com/office/powerpoint/2010/main" xmlns:p15="http://schemas.microsoft.com/office/powerpoint/2012/main" xmlns:mc="http://schemas.openxmlformats.org/markup-compatibility/2006" type="titleOnly" preserve="1">
+<p:sldLayout xmlns:a="http://schemas.openxmlformats.org/drawingml/2006/main" xmlns:r="http://schemas.openxmlformats.org/officeDocument/2006/relationships" xmlns:p="http://schemas.openxmlformats.org/presentationml/2006/main" type="titleOnly" preserve="1">
   <p:cSld name="Title Only">
     <p:spTree>
       <p:nvGrpSpPr>
@@ -905,12 +1046,13 @@
           </a:prstGeom>
         </p:spPr>
         <p:txBody>
-          <a:bodyPr lIns="0" rIns="0" tIns="0" bIns="0" anchor="ctr">
+          <a:bodyPr lIns="0" tIns="0" rIns="0" bIns="0" anchor="ctr">
             <a:noAutofit/>
           </a:bodyPr>
+          <a:lstStyle/>
           <a:p>
             <a:pPr algn="ctr"/>
-            <a:endParaRPr b="0" lang="es-ES" sz="4400" spc="-1" strike="noStrike">
+            <a:endParaRPr lang="es-ES" sz="4400" b="0" strike="noStrike" spc="-1">
               <a:latin typeface="Arial"/>
             </a:endParaRPr>
           </a:p>
@@ -918,11 +1060,14 @@
       </p:sp>
     </p:spTree>
   </p:cSld>
+  <p:clrMapOvr>
+    <a:masterClrMapping/>
+  </p:clrMapOvr>
 </p:sldLayout>
 </file>
 
 <file path=ppt/slideLayouts/slideLayout18.xml><?xml version="1.0" encoding="utf-8"?>
-<p:sldLayout xmlns:a="http://schemas.openxmlformats.org/drawingml/2006/main" xmlns:p="http://schemas.openxmlformats.org/presentationml/2006/main" xmlns:r="http://schemas.openxmlformats.org/officeDocument/2006/relationships" xmlns:p14="http://schemas.microsoft.com/office/powerpoint/2010/main" xmlns:p15="http://schemas.microsoft.com/office/powerpoint/2012/main" xmlns:mc="http://schemas.openxmlformats.org/markup-compatibility/2006" type="objOnly" preserve="1">
+<p:sldLayout xmlns:a="http://schemas.openxmlformats.org/drawingml/2006/main" xmlns:r="http://schemas.openxmlformats.org/officeDocument/2006/relationships" xmlns:p="http://schemas.openxmlformats.org/presentationml/2006/main" type="objOnly" preserve="1">
   <p:cSld name="Centered Text">
     <p:spTree>
       <p:nvGrpSpPr>
@@ -958,12 +1103,13 @@
           </a:prstGeom>
         </p:spPr>
         <p:txBody>
-          <a:bodyPr lIns="0" rIns="0" tIns="0" bIns="0" anchor="ctr">
+          <a:bodyPr lIns="0" tIns="0" rIns="0" bIns="0" anchor="ctr">
             <a:noAutofit/>
           </a:bodyPr>
+          <a:lstStyle/>
           <a:p>
             <a:pPr algn="ctr"/>
-            <a:endParaRPr b="0" lang="es-ES" sz="3200" spc="-1" strike="noStrike">
+            <a:endParaRPr lang="es-ES" sz="3200" b="0" strike="noStrike" spc="-1">
               <a:latin typeface="Arial"/>
             </a:endParaRPr>
           </a:p>
@@ -971,11 +1117,14 @@
       </p:sp>
     </p:spTree>
   </p:cSld>
+  <p:clrMapOvr>
+    <a:masterClrMapping/>
+  </p:clrMapOvr>
 </p:sldLayout>
 </file>
 
 <file path=ppt/slideLayouts/slideLayout19.xml><?xml version="1.0" encoding="utf-8"?>
-<p:sldLayout xmlns:a="http://schemas.openxmlformats.org/drawingml/2006/main" xmlns:p="http://schemas.openxmlformats.org/presentationml/2006/main" xmlns:r="http://schemas.openxmlformats.org/officeDocument/2006/relationships" xmlns:p14="http://schemas.microsoft.com/office/powerpoint/2010/main" xmlns:p15="http://schemas.microsoft.com/office/powerpoint/2012/main" xmlns:mc="http://schemas.openxmlformats.org/markup-compatibility/2006" type="twoObjAndObj" preserve="1">
+<p:sldLayout xmlns:a="http://schemas.openxmlformats.org/drawingml/2006/main" xmlns:r="http://schemas.openxmlformats.org/officeDocument/2006/relationships" xmlns:p="http://schemas.openxmlformats.org/presentationml/2006/main" type="twoObjAndObj" preserve="1">
   <p:cSld name="Title, 2 Content and Content">
     <p:spTree>
       <p:nvGrpSpPr>
@@ -1011,12 +1160,13 @@
           </a:prstGeom>
         </p:spPr>
         <p:txBody>
-          <a:bodyPr lIns="0" rIns="0" tIns="0" bIns="0" anchor="ctr">
+          <a:bodyPr lIns="0" tIns="0" rIns="0" bIns="0" anchor="ctr">
             <a:noAutofit/>
           </a:bodyPr>
+          <a:lstStyle/>
           <a:p>
             <a:pPr algn="ctr"/>
-            <a:endParaRPr b="0" lang="es-ES" sz="4400" spc="-1" strike="noStrike">
+            <a:endParaRPr lang="es-ES" sz="4400" b="0" strike="noStrike" spc="-1">
               <a:latin typeface="Arial"/>
             </a:endParaRPr>
           </a:p>
@@ -1042,11 +1192,12 @@
           </a:prstGeom>
         </p:spPr>
         <p:txBody>
-          <a:bodyPr lIns="0" rIns="0" tIns="0" bIns="0">
+          <a:bodyPr lIns="0" tIns="0" rIns="0" bIns="0">
             <a:normAutofit fontScale="3000"/>
           </a:bodyPr>
-          <a:p>
-            <a:endParaRPr b="0" lang="es-ES" sz="3200" spc="-1" strike="noStrike">
+          <a:lstStyle/>
+          <a:p>
+            <a:endParaRPr lang="es-ES" sz="3200" b="0" strike="noStrike" spc="-1">
               <a:latin typeface="Arial"/>
             </a:endParaRPr>
           </a:p>
@@ -1072,11 +1223,12 @@
           </a:prstGeom>
         </p:spPr>
         <p:txBody>
-          <a:bodyPr lIns="0" rIns="0" tIns="0" bIns="0">
+          <a:bodyPr lIns="0" tIns="0" rIns="0" bIns="0">
             <a:normAutofit fontScale="10000"/>
           </a:bodyPr>
-          <a:p>
-            <a:endParaRPr b="0" lang="es-ES" sz="3200" spc="-1" strike="noStrike">
+          <a:lstStyle/>
+          <a:p>
+            <a:endParaRPr lang="es-ES" sz="3200" b="0" strike="noStrike" spc="-1">
               <a:latin typeface="Arial"/>
             </a:endParaRPr>
           </a:p>
@@ -1102,11 +1254,12 @@
           </a:prstGeom>
         </p:spPr>
         <p:txBody>
-          <a:bodyPr lIns="0" rIns="0" tIns="0" bIns="0">
+          <a:bodyPr lIns="0" tIns="0" rIns="0" bIns="0">
             <a:normAutofit fontScale="3000"/>
           </a:bodyPr>
-          <a:p>
-            <a:endParaRPr b="0" lang="es-ES" sz="3200" spc="-1" strike="noStrike">
+          <a:lstStyle/>
+          <a:p>
+            <a:endParaRPr lang="es-ES" sz="3200" b="0" strike="noStrike" spc="-1">
               <a:latin typeface="Arial"/>
             </a:endParaRPr>
           </a:p>
@@ -1114,11 +1267,14 @@
       </p:sp>
     </p:spTree>
   </p:cSld>
+  <p:clrMapOvr>
+    <a:masterClrMapping/>
+  </p:clrMapOvr>
 </p:sldLayout>
 </file>
 
 <file path=ppt/slideLayouts/slideLayout2.xml><?xml version="1.0" encoding="utf-8"?>
-<p:sldLayout xmlns:a="http://schemas.openxmlformats.org/drawingml/2006/main" xmlns:p="http://schemas.openxmlformats.org/presentationml/2006/main" xmlns:r="http://schemas.openxmlformats.org/officeDocument/2006/relationships" xmlns:p14="http://schemas.microsoft.com/office/powerpoint/2010/main" xmlns:p15="http://schemas.microsoft.com/office/powerpoint/2012/main" xmlns:mc="http://schemas.openxmlformats.org/markup-compatibility/2006" type="tx" preserve="1">
+<p:sldLayout xmlns:a="http://schemas.openxmlformats.org/drawingml/2006/main" xmlns:r="http://schemas.openxmlformats.org/officeDocument/2006/relationships" xmlns:p="http://schemas.openxmlformats.org/presentationml/2006/main" type="tx" preserve="1">
   <p:cSld name="Title Slide">
     <p:spTree>
       <p:nvGrpSpPr>
@@ -1154,12 +1310,13 @@
           </a:prstGeom>
         </p:spPr>
         <p:txBody>
-          <a:bodyPr lIns="0" rIns="0" tIns="0" bIns="0" anchor="ctr">
+          <a:bodyPr lIns="0" tIns="0" rIns="0" bIns="0" anchor="ctr">
             <a:noAutofit/>
           </a:bodyPr>
+          <a:lstStyle/>
           <a:p>
             <a:pPr algn="ctr"/>
-            <a:endParaRPr b="0" lang="es-ES" sz="4400" spc="-1" strike="noStrike">
+            <a:endParaRPr lang="es-ES" sz="4400" b="0" strike="noStrike" spc="-1">
               <a:latin typeface="Arial"/>
             </a:endParaRPr>
           </a:p>
@@ -1185,12 +1342,13 @@
           </a:prstGeom>
         </p:spPr>
         <p:txBody>
-          <a:bodyPr lIns="0" rIns="0" tIns="0" bIns="0" anchor="ctr">
+          <a:bodyPr lIns="0" tIns="0" rIns="0" bIns="0" anchor="ctr">
             <a:noAutofit/>
           </a:bodyPr>
+          <a:lstStyle/>
           <a:p>
             <a:pPr algn="ctr"/>
-            <a:endParaRPr b="0" lang="es-ES" sz="3200" spc="-1" strike="noStrike">
+            <a:endParaRPr lang="es-ES" sz="3200" b="0" strike="noStrike" spc="-1">
               <a:latin typeface="Arial"/>
             </a:endParaRPr>
           </a:p>
@@ -1198,11 +1356,14 @@
       </p:sp>
     </p:spTree>
   </p:cSld>
+  <p:clrMapOvr>
+    <a:masterClrMapping/>
+  </p:clrMapOvr>
 </p:sldLayout>
 </file>
 
 <file path=ppt/slideLayouts/slideLayout20.xml><?xml version="1.0" encoding="utf-8"?>
-<p:sldLayout xmlns:a="http://schemas.openxmlformats.org/drawingml/2006/main" xmlns:p="http://schemas.openxmlformats.org/presentationml/2006/main" xmlns:r="http://schemas.openxmlformats.org/officeDocument/2006/relationships" xmlns:p14="http://schemas.microsoft.com/office/powerpoint/2010/main" xmlns:p15="http://schemas.microsoft.com/office/powerpoint/2012/main" xmlns:mc="http://schemas.openxmlformats.org/markup-compatibility/2006" type="objAndTwoObj" preserve="1">
+<p:sldLayout xmlns:a="http://schemas.openxmlformats.org/drawingml/2006/main" xmlns:r="http://schemas.openxmlformats.org/officeDocument/2006/relationships" xmlns:p="http://schemas.openxmlformats.org/presentationml/2006/main" type="objAndTwoObj" preserve="1">
   <p:cSld name="Title Content and 2 Content">
     <p:spTree>
       <p:nvGrpSpPr>
@@ -1238,12 +1399,13 @@
           </a:prstGeom>
         </p:spPr>
         <p:txBody>
-          <a:bodyPr lIns="0" rIns="0" tIns="0" bIns="0" anchor="ctr">
+          <a:bodyPr lIns="0" tIns="0" rIns="0" bIns="0" anchor="ctr">
             <a:noAutofit/>
           </a:bodyPr>
+          <a:lstStyle/>
           <a:p>
             <a:pPr algn="ctr"/>
-            <a:endParaRPr b="0" lang="es-ES" sz="4400" spc="-1" strike="noStrike">
+            <a:endParaRPr lang="es-ES" sz="4400" b="0" strike="noStrike" spc="-1">
               <a:latin typeface="Arial"/>
             </a:endParaRPr>
           </a:p>
@@ -1269,11 +1431,12 @@
           </a:prstGeom>
         </p:spPr>
         <p:txBody>
-          <a:bodyPr lIns="0" rIns="0" tIns="0" bIns="0">
+          <a:bodyPr lIns="0" tIns="0" rIns="0" bIns="0">
             <a:normAutofit fontScale="10000"/>
           </a:bodyPr>
-          <a:p>
-            <a:endParaRPr b="0" lang="es-ES" sz="3200" spc="-1" strike="noStrike">
+          <a:lstStyle/>
+          <a:p>
+            <a:endParaRPr lang="es-ES" sz="3200" b="0" strike="noStrike" spc="-1">
               <a:latin typeface="Arial"/>
             </a:endParaRPr>
           </a:p>
@@ -1299,11 +1462,12 @@
           </a:prstGeom>
         </p:spPr>
         <p:txBody>
-          <a:bodyPr lIns="0" rIns="0" tIns="0" bIns="0">
+          <a:bodyPr lIns="0" tIns="0" rIns="0" bIns="0">
             <a:normAutofit fontScale="3000"/>
           </a:bodyPr>
-          <a:p>
-            <a:endParaRPr b="0" lang="es-ES" sz="3200" spc="-1" strike="noStrike">
+          <a:lstStyle/>
+          <a:p>
+            <a:endParaRPr lang="es-ES" sz="3200" b="0" strike="noStrike" spc="-1">
               <a:latin typeface="Arial"/>
             </a:endParaRPr>
           </a:p>
@@ -1329,11 +1493,12 @@
           </a:prstGeom>
         </p:spPr>
         <p:txBody>
-          <a:bodyPr lIns="0" rIns="0" tIns="0" bIns="0">
+          <a:bodyPr lIns="0" tIns="0" rIns="0" bIns="0">
             <a:normAutofit fontScale="3000"/>
           </a:bodyPr>
-          <a:p>
-            <a:endParaRPr b="0" lang="es-ES" sz="3200" spc="-1" strike="noStrike">
+          <a:lstStyle/>
+          <a:p>
+            <a:endParaRPr lang="es-ES" sz="3200" b="0" strike="noStrike" spc="-1">
               <a:latin typeface="Arial"/>
             </a:endParaRPr>
           </a:p>
@@ -1341,11 +1506,14 @@
       </p:sp>
     </p:spTree>
   </p:cSld>
+  <p:clrMapOvr>
+    <a:masterClrMapping/>
+  </p:clrMapOvr>
 </p:sldLayout>
 </file>
 
 <file path=ppt/slideLayouts/slideLayout21.xml><?xml version="1.0" encoding="utf-8"?>
-<p:sldLayout xmlns:a="http://schemas.openxmlformats.org/drawingml/2006/main" xmlns:p="http://schemas.openxmlformats.org/presentationml/2006/main" xmlns:r="http://schemas.openxmlformats.org/officeDocument/2006/relationships" xmlns:p14="http://schemas.microsoft.com/office/powerpoint/2010/main" xmlns:p15="http://schemas.microsoft.com/office/powerpoint/2012/main" xmlns:mc="http://schemas.openxmlformats.org/markup-compatibility/2006" type="twoObjOverTx" preserve="1">
+<p:sldLayout xmlns:a="http://schemas.openxmlformats.org/drawingml/2006/main" xmlns:r="http://schemas.openxmlformats.org/officeDocument/2006/relationships" xmlns:p="http://schemas.openxmlformats.org/presentationml/2006/main" type="twoObjOverTx" preserve="1">
   <p:cSld name="Title, 2 Content over Content">
     <p:spTree>
       <p:nvGrpSpPr>
@@ -1381,12 +1549,13 @@
           </a:prstGeom>
         </p:spPr>
         <p:txBody>
-          <a:bodyPr lIns="0" rIns="0" tIns="0" bIns="0" anchor="ctr">
+          <a:bodyPr lIns="0" tIns="0" rIns="0" bIns="0" anchor="ctr">
             <a:noAutofit/>
           </a:bodyPr>
+          <a:lstStyle/>
           <a:p>
             <a:pPr algn="ctr"/>
-            <a:endParaRPr b="0" lang="es-ES" sz="4400" spc="-1" strike="noStrike">
+            <a:endParaRPr lang="es-ES" sz="4400" b="0" strike="noStrike" spc="-1">
               <a:latin typeface="Arial"/>
             </a:endParaRPr>
           </a:p>
@@ -1412,11 +1581,12 @@
           </a:prstGeom>
         </p:spPr>
         <p:txBody>
-          <a:bodyPr lIns="0" rIns="0" tIns="0" bIns="0">
+          <a:bodyPr lIns="0" tIns="0" rIns="0" bIns="0">
             <a:normAutofit fontScale="3000"/>
           </a:bodyPr>
-          <a:p>
-            <a:endParaRPr b="0" lang="es-ES" sz="3200" spc="-1" strike="noStrike">
+          <a:lstStyle/>
+          <a:p>
+            <a:endParaRPr lang="es-ES" sz="3200" b="0" strike="noStrike" spc="-1">
               <a:latin typeface="Arial"/>
             </a:endParaRPr>
           </a:p>
@@ -1442,11 +1612,12 @@
           </a:prstGeom>
         </p:spPr>
         <p:txBody>
-          <a:bodyPr lIns="0" rIns="0" tIns="0" bIns="0">
+          <a:bodyPr lIns="0" tIns="0" rIns="0" bIns="0">
             <a:normAutofit fontScale="3000"/>
           </a:bodyPr>
-          <a:p>
-            <a:endParaRPr b="0" lang="es-ES" sz="3200" spc="-1" strike="noStrike">
+          <a:lstStyle/>
+          <a:p>
+            <a:endParaRPr lang="es-ES" sz="3200" b="0" strike="noStrike" spc="-1">
               <a:latin typeface="Arial"/>
             </a:endParaRPr>
           </a:p>
@@ -1472,11 +1643,12 @@
           </a:prstGeom>
         </p:spPr>
         <p:txBody>
-          <a:bodyPr lIns="0" rIns="0" tIns="0" bIns="0">
+          <a:bodyPr lIns="0" tIns="0" rIns="0" bIns="0">
             <a:normAutofit fontScale="14000"/>
           </a:bodyPr>
-          <a:p>
-            <a:endParaRPr b="0" lang="es-ES" sz="3200" spc="-1" strike="noStrike">
+          <a:lstStyle/>
+          <a:p>
+            <a:endParaRPr lang="es-ES" sz="3200" b="0" strike="noStrike" spc="-1">
               <a:latin typeface="Arial"/>
             </a:endParaRPr>
           </a:p>
@@ -1484,11 +1656,14 @@
       </p:sp>
     </p:spTree>
   </p:cSld>
+  <p:clrMapOvr>
+    <a:masterClrMapping/>
+  </p:clrMapOvr>
 </p:sldLayout>
 </file>
 
 <file path=ppt/slideLayouts/slideLayout22.xml><?xml version="1.0" encoding="utf-8"?>
-<p:sldLayout xmlns:a="http://schemas.openxmlformats.org/drawingml/2006/main" xmlns:p="http://schemas.openxmlformats.org/presentationml/2006/main" xmlns:r="http://schemas.openxmlformats.org/officeDocument/2006/relationships" xmlns:p14="http://schemas.microsoft.com/office/powerpoint/2010/main" xmlns:p15="http://schemas.microsoft.com/office/powerpoint/2012/main" xmlns:mc="http://schemas.openxmlformats.org/markup-compatibility/2006" type="objOverTx" preserve="1">
+<p:sldLayout xmlns:a="http://schemas.openxmlformats.org/drawingml/2006/main" xmlns:r="http://schemas.openxmlformats.org/officeDocument/2006/relationships" xmlns:p="http://schemas.openxmlformats.org/presentationml/2006/main" type="objOverTx" preserve="1">
   <p:cSld name="Title, Content over Content">
     <p:spTree>
       <p:nvGrpSpPr>
@@ -1524,12 +1699,13 @@
           </a:prstGeom>
         </p:spPr>
         <p:txBody>
-          <a:bodyPr lIns="0" rIns="0" tIns="0" bIns="0" anchor="ctr">
+          <a:bodyPr lIns="0" tIns="0" rIns="0" bIns="0" anchor="ctr">
             <a:noAutofit/>
           </a:bodyPr>
+          <a:lstStyle/>
           <a:p>
             <a:pPr algn="ctr"/>
-            <a:endParaRPr b="0" lang="es-ES" sz="4400" spc="-1" strike="noStrike">
+            <a:endParaRPr lang="es-ES" sz="4400" b="0" strike="noStrike" spc="-1">
               <a:latin typeface="Arial"/>
             </a:endParaRPr>
           </a:p>
@@ -1555,11 +1731,12 @@
           </a:prstGeom>
         </p:spPr>
         <p:txBody>
-          <a:bodyPr lIns="0" rIns="0" tIns="0" bIns="0">
+          <a:bodyPr lIns="0" tIns="0" rIns="0" bIns="0">
             <a:normAutofit fontScale="14000"/>
           </a:bodyPr>
-          <a:p>
-            <a:endParaRPr b="0" lang="es-ES" sz="3200" spc="-1" strike="noStrike">
+          <a:lstStyle/>
+          <a:p>
+            <a:endParaRPr lang="es-ES" sz="3200" b="0" strike="noStrike" spc="-1">
               <a:latin typeface="Arial"/>
             </a:endParaRPr>
           </a:p>
@@ -1585,11 +1762,12 @@
           </a:prstGeom>
         </p:spPr>
         <p:txBody>
-          <a:bodyPr lIns="0" rIns="0" tIns="0" bIns="0">
+          <a:bodyPr lIns="0" tIns="0" rIns="0" bIns="0">
             <a:normAutofit fontScale="14000"/>
           </a:bodyPr>
-          <a:p>
-            <a:endParaRPr b="0" lang="es-ES" sz="3200" spc="-1" strike="noStrike">
+          <a:lstStyle/>
+          <a:p>
+            <a:endParaRPr lang="es-ES" sz="3200" b="0" strike="noStrike" spc="-1">
               <a:latin typeface="Arial"/>
             </a:endParaRPr>
           </a:p>
@@ -1597,11 +1775,14 @@
       </p:sp>
     </p:spTree>
   </p:cSld>
+  <p:clrMapOvr>
+    <a:masterClrMapping/>
+  </p:clrMapOvr>
 </p:sldLayout>
 </file>
 
 <file path=ppt/slideLayouts/slideLayout23.xml><?xml version="1.0" encoding="utf-8"?>
-<p:sldLayout xmlns:a="http://schemas.openxmlformats.org/drawingml/2006/main" xmlns:p="http://schemas.openxmlformats.org/presentationml/2006/main" xmlns:r="http://schemas.openxmlformats.org/officeDocument/2006/relationships" xmlns:p14="http://schemas.microsoft.com/office/powerpoint/2010/main" xmlns:p15="http://schemas.microsoft.com/office/powerpoint/2012/main" xmlns:mc="http://schemas.openxmlformats.org/markup-compatibility/2006" type="fourObj" preserve="1">
+<p:sldLayout xmlns:a="http://schemas.openxmlformats.org/drawingml/2006/main" xmlns:r="http://schemas.openxmlformats.org/officeDocument/2006/relationships" xmlns:p="http://schemas.openxmlformats.org/presentationml/2006/main" type="fourObj" preserve="1">
   <p:cSld name="Title, 4 Content">
     <p:spTree>
       <p:nvGrpSpPr>
@@ -1637,12 +1818,13 @@
           </a:prstGeom>
         </p:spPr>
         <p:txBody>
-          <a:bodyPr lIns="0" rIns="0" tIns="0" bIns="0" anchor="ctr">
+          <a:bodyPr lIns="0" tIns="0" rIns="0" bIns="0" anchor="ctr">
             <a:noAutofit/>
           </a:bodyPr>
+          <a:lstStyle/>
           <a:p>
             <a:pPr algn="ctr"/>
-            <a:endParaRPr b="0" lang="es-ES" sz="4400" spc="-1" strike="noStrike">
+            <a:endParaRPr lang="es-ES" sz="4400" b="0" strike="noStrike" spc="-1">
               <a:latin typeface="Arial"/>
             </a:endParaRPr>
           </a:p>
@@ -1668,11 +1850,12 @@
           </a:prstGeom>
         </p:spPr>
         <p:txBody>
-          <a:bodyPr lIns="0" rIns="0" tIns="0" bIns="0">
+          <a:bodyPr lIns="0" tIns="0" rIns="0" bIns="0">
             <a:normAutofit fontScale="3000"/>
           </a:bodyPr>
-          <a:p>
-            <a:endParaRPr b="0" lang="es-ES" sz="3200" spc="-1" strike="noStrike">
+          <a:lstStyle/>
+          <a:p>
+            <a:endParaRPr lang="es-ES" sz="3200" b="0" strike="noStrike" spc="-1">
               <a:latin typeface="Arial"/>
             </a:endParaRPr>
           </a:p>
@@ -1698,11 +1881,12 @@
           </a:prstGeom>
         </p:spPr>
         <p:txBody>
-          <a:bodyPr lIns="0" rIns="0" tIns="0" bIns="0">
+          <a:bodyPr lIns="0" tIns="0" rIns="0" bIns="0">
             <a:normAutofit fontScale="3000"/>
           </a:bodyPr>
-          <a:p>
-            <a:endParaRPr b="0" lang="es-ES" sz="3200" spc="-1" strike="noStrike">
+          <a:lstStyle/>
+          <a:p>
+            <a:endParaRPr lang="es-ES" sz="3200" b="0" strike="noStrike" spc="-1">
               <a:latin typeface="Arial"/>
             </a:endParaRPr>
           </a:p>
@@ -1728,11 +1912,12 @@
           </a:prstGeom>
         </p:spPr>
         <p:txBody>
-          <a:bodyPr lIns="0" rIns="0" tIns="0" bIns="0">
+          <a:bodyPr lIns="0" tIns="0" rIns="0" bIns="0">
             <a:normAutofit fontScale="3000"/>
           </a:bodyPr>
-          <a:p>
-            <a:endParaRPr b="0" lang="es-ES" sz="3200" spc="-1" strike="noStrike">
+          <a:lstStyle/>
+          <a:p>
+            <a:endParaRPr lang="es-ES" sz="3200" b="0" strike="noStrike" spc="-1">
               <a:latin typeface="Arial"/>
             </a:endParaRPr>
           </a:p>
@@ -1758,11 +1943,12 @@
           </a:prstGeom>
         </p:spPr>
         <p:txBody>
-          <a:bodyPr lIns="0" rIns="0" tIns="0" bIns="0">
+          <a:bodyPr lIns="0" tIns="0" rIns="0" bIns="0">
             <a:normAutofit fontScale="3000"/>
           </a:bodyPr>
-          <a:p>
-            <a:endParaRPr b="0" lang="es-ES" sz="3200" spc="-1" strike="noStrike">
+          <a:lstStyle/>
+          <a:p>
+            <a:endParaRPr lang="es-ES" sz="3200" b="0" strike="noStrike" spc="-1">
               <a:latin typeface="Arial"/>
             </a:endParaRPr>
           </a:p>
@@ -1770,11 +1956,14 @@
       </p:sp>
     </p:spTree>
   </p:cSld>
+  <p:clrMapOvr>
+    <a:masterClrMapping/>
+  </p:clrMapOvr>
 </p:sldLayout>
 </file>
 
 <file path=ppt/slideLayouts/slideLayout24.xml><?xml version="1.0" encoding="utf-8"?>
-<p:sldLayout xmlns:a="http://schemas.openxmlformats.org/drawingml/2006/main" xmlns:p="http://schemas.openxmlformats.org/presentationml/2006/main" xmlns:r="http://schemas.openxmlformats.org/officeDocument/2006/relationships" xmlns:p14="http://schemas.microsoft.com/office/powerpoint/2010/main" xmlns:p15="http://schemas.microsoft.com/office/powerpoint/2012/main" xmlns:mc="http://schemas.openxmlformats.org/markup-compatibility/2006" type="blank" preserve="1">
+<p:sldLayout xmlns:a="http://schemas.openxmlformats.org/drawingml/2006/main" xmlns:r="http://schemas.openxmlformats.org/officeDocument/2006/relationships" xmlns:p="http://schemas.openxmlformats.org/presentationml/2006/main" type="blank" preserve="1">
   <p:cSld name="Title, 6 Content">
     <p:spTree>
       <p:nvGrpSpPr>
@@ -1810,12 +1999,13 @@
           </a:prstGeom>
         </p:spPr>
         <p:txBody>
-          <a:bodyPr lIns="0" rIns="0" tIns="0" bIns="0" anchor="ctr">
+          <a:bodyPr lIns="0" tIns="0" rIns="0" bIns="0" anchor="ctr">
             <a:noAutofit/>
           </a:bodyPr>
+          <a:lstStyle/>
           <a:p>
             <a:pPr algn="ctr"/>
-            <a:endParaRPr b="0" lang="es-ES" sz="4400" spc="-1" strike="noStrike">
+            <a:endParaRPr lang="es-ES" sz="4400" b="0" strike="noStrike" spc="-1">
               <a:latin typeface="Arial"/>
             </a:endParaRPr>
           </a:p>
@@ -1841,11 +2031,12 @@
           </a:prstGeom>
         </p:spPr>
         <p:txBody>
-          <a:bodyPr lIns="0" rIns="0" tIns="0" bIns="0">
+          <a:bodyPr lIns="0" tIns="0" rIns="0" bIns="0">
             <a:normAutofit/>
           </a:bodyPr>
-          <a:p>
-            <a:endParaRPr b="0" lang="es-ES" sz="3200" spc="-1" strike="noStrike">
+          <a:lstStyle/>
+          <a:p>
+            <a:endParaRPr lang="es-ES" sz="3200" b="0" strike="noStrike" spc="-1">
               <a:latin typeface="Arial"/>
             </a:endParaRPr>
           </a:p>
@@ -1871,11 +2062,12 @@
           </a:prstGeom>
         </p:spPr>
         <p:txBody>
-          <a:bodyPr lIns="0" rIns="0" tIns="0" bIns="0">
+          <a:bodyPr lIns="0" tIns="0" rIns="0" bIns="0">
             <a:normAutofit/>
           </a:bodyPr>
-          <a:p>
-            <a:endParaRPr b="0" lang="es-ES" sz="3200" spc="-1" strike="noStrike">
+          <a:lstStyle/>
+          <a:p>
+            <a:endParaRPr lang="es-ES" sz="3200" b="0" strike="noStrike" spc="-1">
               <a:latin typeface="Arial"/>
             </a:endParaRPr>
           </a:p>
@@ -1901,11 +2093,12 @@
           </a:prstGeom>
         </p:spPr>
         <p:txBody>
-          <a:bodyPr lIns="0" rIns="0" tIns="0" bIns="0">
+          <a:bodyPr lIns="0" tIns="0" rIns="0" bIns="0">
             <a:normAutofit/>
           </a:bodyPr>
-          <a:p>
-            <a:endParaRPr b="0" lang="es-ES" sz="3200" spc="-1" strike="noStrike">
+          <a:lstStyle/>
+          <a:p>
+            <a:endParaRPr lang="es-ES" sz="3200" b="0" strike="noStrike" spc="-1">
               <a:latin typeface="Arial"/>
             </a:endParaRPr>
           </a:p>
@@ -1931,11 +2124,12 @@
           </a:prstGeom>
         </p:spPr>
         <p:txBody>
-          <a:bodyPr lIns="0" rIns="0" tIns="0" bIns="0">
+          <a:bodyPr lIns="0" tIns="0" rIns="0" bIns="0">
             <a:normAutofit/>
           </a:bodyPr>
-          <a:p>
-            <a:endParaRPr b="0" lang="es-ES" sz="3200" spc="-1" strike="noStrike">
+          <a:lstStyle/>
+          <a:p>
+            <a:endParaRPr lang="es-ES" sz="3200" b="0" strike="noStrike" spc="-1">
               <a:latin typeface="Arial"/>
             </a:endParaRPr>
           </a:p>
@@ -1961,11 +2155,12 @@
           </a:prstGeom>
         </p:spPr>
         <p:txBody>
-          <a:bodyPr lIns="0" rIns="0" tIns="0" bIns="0">
+          <a:bodyPr lIns="0" tIns="0" rIns="0" bIns="0">
             <a:normAutofit/>
           </a:bodyPr>
-          <a:p>
-            <a:endParaRPr b="0" lang="es-ES" sz="3200" spc="-1" strike="noStrike">
+          <a:lstStyle/>
+          <a:p>
+            <a:endParaRPr lang="es-ES" sz="3200" b="0" strike="noStrike" spc="-1">
               <a:latin typeface="Arial"/>
             </a:endParaRPr>
           </a:p>
@@ -1991,11 +2186,12 @@
           </a:prstGeom>
         </p:spPr>
         <p:txBody>
-          <a:bodyPr lIns="0" rIns="0" tIns="0" bIns="0">
+          <a:bodyPr lIns="0" tIns="0" rIns="0" bIns="0">
             <a:normAutofit/>
           </a:bodyPr>
-          <a:p>
-            <a:endParaRPr b="0" lang="es-ES" sz="3200" spc="-1" strike="noStrike">
+          <a:lstStyle/>
+          <a:p>
+            <a:endParaRPr lang="es-ES" sz="3200" b="0" strike="noStrike" spc="-1">
               <a:latin typeface="Arial"/>
             </a:endParaRPr>
           </a:p>
@@ -2003,11 +2199,14 @@
       </p:sp>
     </p:spTree>
   </p:cSld>
+  <p:clrMapOvr>
+    <a:masterClrMapping/>
+  </p:clrMapOvr>
 </p:sldLayout>
 </file>
 
 <file path=ppt/slideLayouts/slideLayout25.xml><?xml version="1.0" encoding="utf-8"?>
-<p:sldLayout xmlns:a="http://schemas.openxmlformats.org/drawingml/2006/main" xmlns:p="http://schemas.openxmlformats.org/presentationml/2006/main" xmlns:r="http://schemas.openxmlformats.org/officeDocument/2006/relationships" xmlns:p14="http://schemas.microsoft.com/office/powerpoint/2010/main" xmlns:p15="http://schemas.microsoft.com/office/powerpoint/2012/main" xmlns:mc="http://schemas.openxmlformats.org/markup-compatibility/2006" type="blank" preserve="1">
+<p:sldLayout xmlns:a="http://schemas.openxmlformats.org/drawingml/2006/main" xmlns:r="http://schemas.openxmlformats.org/officeDocument/2006/relationships" xmlns:p="http://schemas.openxmlformats.org/presentationml/2006/main" type="blank" preserve="1">
   <p:cSld name="Blank Slide">
     <p:spTree>
       <p:nvGrpSpPr>
@@ -2025,11 +2224,14 @@
       </p:grpSpPr>
     </p:spTree>
   </p:cSld>
+  <p:clrMapOvr>
+    <a:masterClrMapping/>
+  </p:clrMapOvr>
 </p:sldLayout>
 </file>
 
 <file path=ppt/slideLayouts/slideLayout26.xml><?xml version="1.0" encoding="utf-8"?>
-<p:sldLayout xmlns:a="http://schemas.openxmlformats.org/drawingml/2006/main" xmlns:p="http://schemas.openxmlformats.org/presentationml/2006/main" xmlns:r="http://schemas.openxmlformats.org/officeDocument/2006/relationships" xmlns:p14="http://schemas.microsoft.com/office/powerpoint/2010/main" xmlns:p15="http://schemas.microsoft.com/office/powerpoint/2012/main" xmlns:mc="http://schemas.openxmlformats.org/markup-compatibility/2006" type="tx" preserve="1">
+<p:sldLayout xmlns:a="http://schemas.openxmlformats.org/drawingml/2006/main" xmlns:r="http://schemas.openxmlformats.org/officeDocument/2006/relationships" xmlns:p="http://schemas.openxmlformats.org/presentationml/2006/main" type="tx" preserve="1">
   <p:cSld name="Title Slide">
     <p:spTree>
       <p:nvGrpSpPr>
@@ -2065,12 +2267,13 @@
           </a:prstGeom>
         </p:spPr>
         <p:txBody>
-          <a:bodyPr lIns="0" rIns="0" tIns="0" bIns="0" anchor="ctr">
+          <a:bodyPr lIns="0" tIns="0" rIns="0" bIns="0" anchor="ctr">
             <a:noAutofit/>
           </a:bodyPr>
+          <a:lstStyle/>
           <a:p>
             <a:pPr algn="ctr"/>
-            <a:endParaRPr b="0" lang="es-ES" sz="4400" spc="-1" strike="noStrike">
+            <a:endParaRPr lang="es-ES" sz="4400" b="0" strike="noStrike" spc="-1">
               <a:latin typeface="Arial"/>
             </a:endParaRPr>
           </a:p>
@@ -2096,12 +2299,13 @@
           </a:prstGeom>
         </p:spPr>
         <p:txBody>
-          <a:bodyPr lIns="0" rIns="0" tIns="0" bIns="0" anchor="ctr">
+          <a:bodyPr lIns="0" tIns="0" rIns="0" bIns="0" anchor="ctr">
             <a:noAutofit/>
           </a:bodyPr>
+          <a:lstStyle/>
           <a:p>
             <a:pPr algn="ctr"/>
-            <a:endParaRPr b="0" lang="es-ES" sz="3200" spc="-1" strike="noStrike">
+            <a:endParaRPr lang="es-ES" sz="3200" b="0" strike="noStrike" spc="-1">
               <a:latin typeface="Arial"/>
             </a:endParaRPr>
           </a:p>
@@ -2109,11 +2313,14 @@
       </p:sp>
     </p:spTree>
   </p:cSld>
+  <p:clrMapOvr>
+    <a:masterClrMapping/>
+  </p:clrMapOvr>
 </p:sldLayout>
 </file>
 
 <file path=ppt/slideLayouts/slideLayout27.xml><?xml version="1.0" encoding="utf-8"?>
-<p:sldLayout xmlns:a="http://schemas.openxmlformats.org/drawingml/2006/main" xmlns:p="http://schemas.openxmlformats.org/presentationml/2006/main" xmlns:r="http://schemas.openxmlformats.org/officeDocument/2006/relationships" xmlns:p14="http://schemas.microsoft.com/office/powerpoint/2010/main" xmlns:p15="http://schemas.microsoft.com/office/powerpoint/2012/main" xmlns:mc="http://schemas.openxmlformats.org/markup-compatibility/2006" type="obj" preserve="1">
+<p:sldLayout xmlns:a="http://schemas.openxmlformats.org/drawingml/2006/main" xmlns:r="http://schemas.openxmlformats.org/officeDocument/2006/relationships" xmlns:p="http://schemas.openxmlformats.org/presentationml/2006/main" type="obj" preserve="1">
   <p:cSld name="Title, Content">
     <p:spTree>
       <p:nvGrpSpPr>
@@ -2149,12 +2356,13 @@
           </a:prstGeom>
         </p:spPr>
         <p:txBody>
-          <a:bodyPr lIns="0" rIns="0" tIns="0" bIns="0" anchor="ctr">
+          <a:bodyPr lIns="0" tIns="0" rIns="0" bIns="0" anchor="ctr">
             <a:noAutofit/>
           </a:bodyPr>
+          <a:lstStyle/>
           <a:p>
             <a:pPr algn="ctr"/>
-            <a:endParaRPr b="0" lang="es-ES" sz="4400" spc="-1" strike="noStrike">
+            <a:endParaRPr lang="es-ES" sz="4400" b="0" strike="noStrike" spc="-1">
               <a:latin typeface="Arial"/>
             </a:endParaRPr>
           </a:p>
@@ -2180,11 +2388,12 @@
           </a:prstGeom>
         </p:spPr>
         <p:txBody>
-          <a:bodyPr lIns="0" rIns="0" tIns="0" bIns="0">
+          <a:bodyPr lIns="0" tIns="0" rIns="0" bIns="0">
             <a:normAutofit fontScale="42000"/>
           </a:bodyPr>
-          <a:p>
-            <a:endParaRPr b="0" lang="es-ES" sz="3200" spc="-1" strike="noStrike">
+          <a:lstStyle/>
+          <a:p>
+            <a:endParaRPr lang="es-ES" sz="3200" b="0" strike="noStrike" spc="-1">
               <a:latin typeface="Arial"/>
             </a:endParaRPr>
           </a:p>
@@ -2192,11 +2401,14 @@
       </p:sp>
     </p:spTree>
   </p:cSld>
+  <p:clrMapOvr>
+    <a:masterClrMapping/>
+  </p:clrMapOvr>
 </p:sldLayout>
 </file>
 
 <file path=ppt/slideLayouts/slideLayout28.xml><?xml version="1.0" encoding="utf-8"?>
-<p:sldLayout xmlns:a="http://schemas.openxmlformats.org/drawingml/2006/main" xmlns:p="http://schemas.openxmlformats.org/presentationml/2006/main" xmlns:r="http://schemas.openxmlformats.org/officeDocument/2006/relationships" xmlns:p14="http://schemas.microsoft.com/office/powerpoint/2010/main" xmlns:p15="http://schemas.microsoft.com/office/powerpoint/2012/main" xmlns:mc="http://schemas.openxmlformats.org/markup-compatibility/2006" type="twoObj" preserve="1">
+<p:sldLayout xmlns:a="http://schemas.openxmlformats.org/drawingml/2006/main" xmlns:r="http://schemas.openxmlformats.org/officeDocument/2006/relationships" xmlns:p="http://schemas.openxmlformats.org/presentationml/2006/main" type="twoObj" preserve="1">
   <p:cSld name="Title, 2 Content">
     <p:spTree>
       <p:nvGrpSpPr>
@@ -2232,12 +2444,13 @@
           </a:prstGeom>
         </p:spPr>
         <p:txBody>
-          <a:bodyPr lIns="0" rIns="0" tIns="0" bIns="0" anchor="ctr">
+          <a:bodyPr lIns="0" tIns="0" rIns="0" bIns="0" anchor="ctr">
             <a:noAutofit/>
           </a:bodyPr>
+          <a:lstStyle/>
           <a:p>
             <a:pPr algn="ctr"/>
-            <a:endParaRPr b="0" lang="es-ES" sz="4400" spc="-1" strike="noStrike">
+            <a:endParaRPr lang="es-ES" sz="4400" b="0" strike="noStrike" spc="-1">
               <a:latin typeface="Arial"/>
             </a:endParaRPr>
           </a:p>
@@ -2263,11 +2476,12 @@
           </a:prstGeom>
         </p:spPr>
         <p:txBody>
-          <a:bodyPr lIns="0" rIns="0" tIns="0" bIns="0">
+          <a:bodyPr lIns="0" tIns="0" rIns="0" bIns="0">
             <a:normAutofit fontScale="10000"/>
           </a:bodyPr>
-          <a:p>
-            <a:endParaRPr b="0" lang="es-ES" sz="3200" spc="-1" strike="noStrike">
+          <a:lstStyle/>
+          <a:p>
+            <a:endParaRPr lang="es-ES" sz="3200" b="0" strike="noStrike" spc="-1">
               <a:latin typeface="Arial"/>
             </a:endParaRPr>
           </a:p>
@@ -2293,11 +2507,12 @@
           </a:prstGeom>
         </p:spPr>
         <p:txBody>
-          <a:bodyPr lIns="0" rIns="0" tIns="0" bIns="0">
+          <a:bodyPr lIns="0" tIns="0" rIns="0" bIns="0">
             <a:normAutofit fontScale="10000"/>
           </a:bodyPr>
-          <a:p>
-            <a:endParaRPr b="0" lang="es-ES" sz="3200" spc="-1" strike="noStrike">
+          <a:lstStyle/>
+          <a:p>
+            <a:endParaRPr lang="es-ES" sz="3200" b="0" strike="noStrike" spc="-1">
               <a:latin typeface="Arial"/>
             </a:endParaRPr>
           </a:p>
@@ -2305,11 +2520,14 @@
       </p:sp>
     </p:spTree>
   </p:cSld>
+  <p:clrMapOvr>
+    <a:masterClrMapping/>
+  </p:clrMapOvr>
 </p:sldLayout>
 </file>
 
 <file path=ppt/slideLayouts/slideLayout29.xml><?xml version="1.0" encoding="utf-8"?>
-<p:sldLayout xmlns:a="http://schemas.openxmlformats.org/drawingml/2006/main" xmlns:p="http://schemas.openxmlformats.org/presentationml/2006/main" xmlns:r="http://schemas.openxmlformats.org/officeDocument/2006/relationships" xmlns:p14="http://schemas.microsoft.com/office/powerpoint/2010/main" xmlns:p15="http://schemas.microsoft.com/office/powerpoint/2012/main" xmlns:mc="http://schemas.openxmlformats.org/markup-compatibility/2006" type="titleOnly" preserve="1">
+<p:sldLayout xmlns:a="http://schemas.openxmlformats.org/drawingml/2006/main" xmlns:r="http://schemas.openxmlformats.org/officeDocument/2006/relationships" xmlns:p="http://schemas.openxmlformats.org/presentationml/2006/main" type="titleOnly" preserve="1">
   <p:cSld name="Title Only">
     <p:spTree>
       <p:nvGrpSpPr>
@@ -2345,12 +2563,13 @@
           </a:prstGeom>
         </p:spPr>
         <p:txBody>
-          <a:bodyPr lIns="0" rIns="0" tIns="0" bIns="0" anchor="ctr">
+          <a:bodyPr lIns="0" tIns="0" rIns="0" bIns="0" anchor="ctr">
             <a:noAutofit/>
           </a:bodyPr>
+          <a:lstStyle/>
           <a:p>
             <a:pPr algn="ctr"/>
-            <a:endParaRPr b="0" lang="es-ES" sz="4400" spc="-1" strike="noStrike">
+            <a:endParaRPr lang="es-ES" sz="4400" b="0" strike="noStrike" spc="-1">
               <a:latin typeface="Arial"/>
             </a:endParaRPr>
           </a:p>
@@ -2358,11 +2577,14 @@
       </p:sp>
     </p:spTree>
   </p:cSld>
+  <p:clrMapOvr>
+    <a:masterClrMapping/>
+  </p:clrMapOvr>
 </p:sldLayout>
 </file>
 
 <file path=ppt/slideLayouts/slideLayout3.xml><?xml version="1.0" encoding="utf-8"?>
-<p:sldLayout xmlns:a="http://schemas.openxmlformats.org/drawingml/2006/main" xmlns:p="http://schemas.openxmlformats.org/presentationml/2006/main" xmlns:r="http://schemas.openxmlformats.org/officeDocument/2006/relationships" xmlns:p14="http://schemas.microsoft.com/office/powerpoint/2010/main" xmlns:p15="http://schemas.microsoft.com/office/powerpoint/2012/main" xmlns:mc="http://schemas.openxmlformats.org/markup-compatibility/2006" type="obj" preserve="1">
+<p:sldLayout xmlns:a="http://schemas.openxmlformats.org/drawingml/2006/main" xmlns:r="http://schemas.openxmlformats.org/officeDocument/2006/relationships" xmlns:p="http://schemas.openxmlformats.org/presentationml/2006/main" type="obj" preserve="1">
   <p:cSld name="Title, Content">
     <p:spTree>
       <p:nvGrpSpPr>
@@ -2398,12 +2620,13 @@
           </a:prstGeom>
         </p:spPr>
         <p:txBody>
-          <a:bodyPr lIns="0" rIns="0" tIns="0" bIns="0" anchor="ctr">
+          <a:bodyPr lIns="0" tIns="0" rIns="0" bIns="0" anchor="ctr">
             <a:noAutofit/>
           </a:bodyPr>
+          <a:lstStyle/>
           <a:p>
             <a:pPr algn="ctr"/>
-            <a:endParaRPr b="0" lang="es-ES" sz="4400" spc="-1" strike="noStrike">
+            <a:endParaRPr lang="es-ES" sz="4400" b="0" strike="noStrike" spc="-1">
               <a:latin typeface="Arial"/>
             </a:endParaRPr>
           </a:p>
@@ -2429,11 +2652,12 @@
           </a:prstGeom>
         </p:spPr>
         <p:txBody>
-          <a:bodyPr lIns="0" rIns="0" tIns="0" bIns="0">
+          <a:bodyPr lIns="0" tIns="0" rIns="0" bIns="0">
             <a:normAutofit fontScale="42000"/>
           </a:bodyPr>
-          <a:p>
-            <a:endParaRPr b="0" lang="es-ES" sz="3200" spc="-1" strike="noStrike">
+          <a:lstStyle/>
+          <a:p>
+            <a:endParaRPr lang="es-ES" sz="3200" b="0" strike="noStrike" spc="-1">
               <a:latin typeface="Arial"/>
             </a:endParaRPr>
           </a:p>
@@ -2441,11 +2665,14 @@
       </p:sp>
     </p:spTree>
   </p:cSld>
+  <p:clrMapOvr>
+    <a:masterClrMapping/>
+  </p:clrMapOvr>
 </p:sldLayout>
 </file>
 
 <file path=ppt/slideLayouts/slideLayout30.xml><?xml version="1.0" encoding="utf-8"?>
-<p:sldLayout xmlns:a="http://schemas.openxmlformats.org/drawingml/2006/main" xmlns:p="http://schemas.openxmlformats.org/presentationml/2006/main" xmlns:r="http://schemas.openxmlformats.org/officeDocument/2006/relationships" xmlns:p14="http://schemas.microsoft.com/office/powerpoint/2010/main" xmlns:p15="http://schemas.microsoft.com/office/powerpoint/2012/main" xmlns:mc="http://schemas.openxmlformats.org/markup-compatibility/2006" type="objOnly" preserve="1">
+<p:sldLayout xmlns:a="http://schemas.openxmlformats.org/drawingml/2006/main" xmlns:r="http://schemas.openxmlformats.org/officeDocument/2006/relationships" xmlns:p="http://schemas.openxmlformats.org/presentationml/2006/main" type="objOnly" preserve="1">
   <p:cSld name="Centered Text">
     <p:spTree>
       <p:nvGrpSpPr>
@@ -2481,12 +2708,13 @@
           </a:prstGeom>
         </p:spPr>
         <p:txBody>
-          <a:bodyPr lIns="0" rIns="0" tIns="0" bIns="0" anchor="ctr">
+          <a:bodyPr lIns="0" tIns="0" rIns="0" bIns="0" anchor="ctr">
             <a:noAutofit/>
           </a:bodyPr>
+          <a:lstStyle/>
           <a:p>
             <a:pPr algn="ctr"/>
-            <a:endParaRPr b="0" lang="es-ES" sz="3200" spc="-1" strike="noStrike">
+            <a:endParaRPr lang="es-ES" sz="3200" b="0" strike="noStrike" spc="-1">
               <a:latin typeface="Arial"/>
             </a:endParaRPr>
           </a:p>
@@ -2494,11 +2722,14 @@
       </p:sp>
     </p:spTree>
   </p:cSld>
+  <p:clrMapOvr>
+    <a:masterClrMapping/>
+  </p:clrMapOvr>
 </p:sldLayout>
 </file>
 
 <file path=ppt/slideLayouts/slideLayout31.xml><?xml version="1.0" encoding="utf-8"?>
-<p:sldLayout xmlns:a="http://schemas.openxmlformats.org/drawingml/2006/main" xmlns:p="http://schemas.openxmlformats.org/presentationml/2006/main" xmlns:r="http://schemas.openxmlformats.org/officeDocument/2006/relationships" xmlns:p14="http://schemas.microsoft.com/office/powerpoint/2010/main" xmlns:p15="http://schemas.microsoft.com/office/powerpoint/2012/main" xmlns:mc="http://schemas.openxmlformats.org/markup-compatibility/2006" type="twoObjAndObj" preserve="1">
+<p:sldLayout xmlns:a="http://schemas.openxmlformats.org/drawingml/2006/main" xmlns:r="http://schemas.openxmlformats.org/officeDocument/2006/relationships" xmlns:p="http://schemas.openxmlformats.org/presentationml/2006/main" type="twoObjAndObj" preserve="1">
   <p:cSld name="Title, 2 Content and Content">
     <p:spTree>
       <p:nvGrpSpPr>
@@ -2534,12 +2765,13 @@
           </a:prstGeom>
         </p:spPr>
         <p:txBody>
-          <a:bodyPr lIns="0" rIns="0" tIns="0" bIns="0" anchor="ctr">
+          <a:bodyPr lIns="0" tIns="0" rIns="0" bIns="0" anchor="ctr">
             <a:noAutofit/>
           </a:bodyPr>
+          <a:lstStyle/>
           <a:p>
             <a:pPr algn="ctr"/>
-            <a:endParaRPr b="0" lang="es-ES" sz="4400" spc="-1" strike="noStrike">
+            <a:endParaRPr lang="es-ES" sz="4400" b="0" strike="noStrike" spc="-1">
               <a:latin typeface="Arial"/>
             </a:endParaRPr>
           </a:p>
@@ -2565,11 +2797,12 @@
           </a:prstGeom>
         </p:spPr>
         <p:txBody>
-          <a:bodyPr lIns="0" rIns="0" tIns="0" bIns="0">
+          <a:bodyPr lIns="0" tIns="0" rIns="0" bIns="0">
             <a:normAutofit fontScale="3000"/>
           </a:bodyPr>
-          <a:p>
-            <a:endParaRPr b="0" lang="es-ES" sz="3200" spc="-1" strike="noStrike">
+          <a:lstStyle/>
+          <a:p>
+            <a:endParaRPr lang="es-ES" sz="3200" b="0" strike="noStrike" spc="-1">
               <a:latin typeface="Arial"/>
             </a:endParaRPr>
           </a:p>
@@ -2595,11 +2828,12 @@
           </a:prstGeom>
         </p:spPr>
         <p:txBody>
-          <a:bodyPr lIns="0" rIns="0" tIns="0" bIns="0">
+          <a:bodyPr lIns="0" tIns="0" rIns="0" bIns="0">
             <a:normAutofit fontScale="10000"/>
           </a:bodyPr>
-          <a:p>
-            <a:endParaRPr b="0" lang="es-ES" sz="3200" spc="-1" strike="noStrike">
+          <a:lstStyle/>
+          <a:p>
+            <a:endParaRPr lang="es-ES" sz="3200" b="0" strike="noStrike" spc="-1">
               <a:latin typeface="Arial"/>
             </a:endParaRPr>
           </a:p>
@@ -2625,11 +2859,12 @@
           </a:prstGeom>
         </p:spPr>
         <p:txBody>
-          <a:bodyPr lIns="0" rIns="0" tIns="0" bIns="0">
+          <a:bodyPr lIns="0" tIns="0" rIns="0" bIns="0">
             <a:normAutofit fontScale="3000"/>
           </a:bodyPr>
-          <a:p>
-            <a:endParaRPr b="0" lang="es-ES" sz="3200" spc="-1" strike="noStrike">
+          <a:lstStyle/>
+          <a:p>
+            <a:endParaRPr lang="es-ES" sz="3200" b="0" strike="noStrike" spc="-1">
               <a:latin typeface="Arial"/>
             </a:endParaRPr>
           </a:p>
@@ -2637,11 +2872,14 @@
       </p:sp>
     </p:spTree>
   </p:cSld>
+  <p:clrMapOvr>
+    <a:masterClrMapping/>
+  </p:clrMapOvr>
 </p:sldLayout>
 </file>
 
 <file path=ppt/slideLayouts/slideLayout32.xml><?xml version="1.0" encoding="utf-8"?>
-<p:sldLayout xmlns:a="http://schemas.openxmlformats.org/drawingml/2006/main" xmlns:p="http://schemas.openxmlformats.org/presentationml/2006/main" xmlns:r="http://schemas.openxmlformats.org/officeDocument/2006/relationships" xmlns:p14="http://schemas.microsoft.com/office/powerpoint/2010/main" xmlns:p15="http://schemas.microsoft.com/office/powerpoint/2012/main" xmlns:mc="http://schemas.openxmlformats.org/markup-compatibility/2006" type="objAndTwoObj" preserve="1">
+<p:sldLayout xmlns:a="http://schemas.openxmlformats.org/drawingml/2006/main" xmlns:r="http://schemas.openxmlformats.org/officeDocument/2006/relationships" xmlns:p="http://schemas.openxmlformats.org/presentationml/2006/main" type="objAndTwoObj" preserve="1">
   <p:cSld name="Title Content and 2 Content">
     <p:spTree>
       <p:nvGrpSpPr>
@@ -2677,12 +2915,13 @@
           </a:prstGeom>
         </p:spPr>
         <p:txBody>
-          <a:bodyPr lIns="0" rIns="0" tIns="0" bIns="0" anchor="ctr">
+          <a:bodyPr lIns="0" tIns="0" rIns="0" bIns="0" anchor="ctr">
             <a:noAutofit/>
           </a:bodyPr>
+          <a:lstStyle/>
           <a:p>
             <a:pPr algn="ctr"/>
-            <a:endParaRPr b="0" lang="es-ES" sz="4400" spc="-1" strike="noStrike">
+            <a:endParaRPr lang="es-ES" sz="4400" b="0" strike="noStrike" spc="-1">
               <a:latin typeface="Arial"/>
             </a:endParaRPr>
           </a:p>
@@ -2708,11 +2947,12 @@
           </a:prstGeom>
         </p:spPr>
         <p:txBody>
-          <a:bodyPr lIns="0" rIns="0" tIns="0" bIns="0">
+          <a:bodyPr lIns="0" tIns="0" rIns="0" bIns="0">
             <a:normAutofit fontScale="10000"/>
           </a:bodyPr>
-          <a:p>
-            <a:endParaRPr b="0" lang="es-ES" sz="3200" spc="-1" strike="noStrike">
+          <a:lstStyle/>
+          <a:p>
+            <a:endParaRPr lang="es-ES" sz="3200" b="0" strike="noStrike" spc="-1">
               <a:latin typeface="Arial"/>
             </a:endParaRPr>
           </a:p>
@@ -2738,11 +2978,12 @@
           </a:prstGeom>
         </p:spPr>
         <p:txBody>
-          <a:bodyPr lIns="0" rIns="0" tIns="0" bIns="0">
+          <a:bodyPr lIns="0" tIns="0" rIns="0" bIns="0">
             <a:normAutofit fontScale="3000"/>
           </a:bodyPr>
-          <a:p>
-            <a:endParaRPr b="0" lang="es-ES" sz="3200" spc="-1" strike="noStrike">
+          <a:lstStyle/>
+          <a:p>
+            <a:endParaRPr lang="es-ES" sz="3200" b="0" strike="noStrike" spc="-1">
               <a:latin typeface="Arial"/>
             </a:endParaRPr>
           </a:p>
@@ -2768,11 +3009,12 @@
           </a:prstGeom>
         </p:spPr>
         <p:txBody>
-          <a:bodyPr lIns="0" rIns="0" tIns="0" bIns="0">
+          <a:bodyPr lIns="0" tIns="0" rIns="0" bIns="0">
             <a:normAutofit fontScale="3000"/>
           </a:bodyPr>
-          <a:p>
-            <a:endParaRPr b="0" lang="es-ES" sz="3200" spc="-1" strike="noStrike">
+          <a:lstStyle/>
+          <a:p>
+            <a:endParaRPr lang="es-ES" sz="3200" b="0" strike="noStrike" spc="-1">
               <a:latin typeface="Arial"/>
             </a:endParaRPr>
           </a:p>
@@ -2780,11 +3022,14 @@
       </p:sp>
     </p:spTree>
   </p:cSld>
+  <p:clrMapOvr>
+    <a:masterClrMapping/>
+  </p:clrMapOvr>
 </p:sldLayout>
 </file>
 
 <file path=ppt/slideLayouts/slideLayout33.xml><?xml version="1.0" encoding="utf-8"?>
-<p:sldLayout xmlns:a="http://schemas.openxmlformats.org/drawingml/2006/main" xmlns:p="http://schemas.openxmlformats.org/presentationml/2006/main" xmlns:r="http://schemas.openxmlformats.org/officeDocument/2006/relationships" xmlns:p14="http://schemas.microsoft.com/office/powerpoint/2010/main" xmlns:p15="http://schemas.microsoft.com/office/powerpoint/2012/main" xmlns:mc="http://schemas.openxmlformats.org/markup-compatibility/2006" type="twoObjOverTx" preserve="1">
+<p:sldLayout xmlns:a="http://schemas.openxmlformats.org/drawingml/2006/main" xmlns:r="http://schemas.openxmlformats.org/officeDocument/2006/relationships" xmlns:p="http://schemas.openxmlformats.org/presentationml/2006/main" type="twoObjOverTx" preserve="1">
   <p:cSld name="Title, 2 Content over Content">
     <p:spTree>
       <p:nvGrpSpPr>
@@ -2820,12 +3065,13 @@
           </a:prstGeom>
         </p:spPr>
         <p:txBody>
-          <a:bodyPr lIns="0" rIns="0" tIns="0" bIns="0" anchor="ctr">
+          <a:bodyPr lIns="0" tIns="0" rIns="0" bIns="0" anchor="ctr">
             <a:noAutofit/>
           </a:bodyPr>
+          <a:lstStyle/>
           <a:p>
             <a:pPr algn="ctr"/>
-            <a:endParaRPr b="0" lang="es-ES" sz="4400" spc="-1" strike="noStrike">
+            <a:endParaRPr lang="es-ES" sz="4400" b="0" strike="noStrike" spc="-1">
               <a:latin typeface="Arial"/>
             </a:endParaRPr>
           </a:p>
@@ -2851,11 +3097,12 @@
           </a:prstGeom>
         </p:spPr>
         <p:txBody>
-          <a:bodyPr lIns="0" rIns="0" tIns="0" bIns="0">
+          <a:bodyPr lIns="0" tIns="0" rIns="0" bIns="0">
             <a:normAutofit fontScale="3000"/>
           </a:bodyPr>
-          <a:p>
-            <a:endParaRPr b="0" lang="es-ES" sz="3200" spc="-1" strike="noStrike">
+          <a:lstStyle/>
+          <a:p>
+            <a:endParaRPr lang="es-ES" sz="3200" b="0" strike="noStrike" spc="-1">
               <a:latin typeface="Arial"/>
             </a:endParaRPr>
           </a:p>
@@ -2881,11 +3128,12 @@
           </a:prstGeom>
         </p:spPr>
         <p:txBody>
-          <a:bodyPr lIns="0" rIns="0" tIns="0" bIns="0">
+          <a:bodyPr lIns="0" tIns="0" rIns="0" bIns="0">
             <a:normAutofit fontScale="3000"/>
           </a:bodyPr>
-          <a:p>
-            <a:endParaRPr b="0" lang="es-ES" sz="3200" spc="-1" strike="noStrike">
+          <a:lstStyle/>
+          <a:p>
+            <a:endParaRPr lang="es-ES" sz="3200" b="0" strike="noStrike" spc="-1">
               <a:latin typeface="Arial"/>
             </a:endParaRPr>
           </a:p>
@@ -2911,11 +3159,12 @@
           </a:prstGeom>
         </p:spPr>
         <p:txBody>
-          <a:bodyPr lIns="0" rIns="0" tIns="0" bIns="0">
+          <a:bodyPr lIns="0" tIns="0" rIns="0" bIns="0">
             <a:normAutofit fontScale="14000"/>
           </a:bodyPr>
-          <a:p>
-            <a:endParaRPr b="0" lang="es-ES" sz="3200" spc="-1" strike="noStrike">
+          <a:lstStyle/>
+          <a:p>
+            <a:endParaRPr lang="es-ES" sz="3200" b="0" strike="noStrike" spc="-1">
               <a:latin typeface="Arial"/>
             </a:endParaRPr>
           </a:p>
@@ -2923,11 +3172,14 @@
       </p:sp>
     </p:spTree>
   </p:cSld>
+  <p:clrMapOvr>
+    <a:masterClrMapping/>
+  </p:clrMapOvr>
 </p:sldLayout>
 </file>
 
 <file path=ppt/slideLayouts/slideLayout34.xml><?xml version="1.0" encoding="utf-8"?>
-<p:sldLayout xmlns:a="http://schemas.openxmlformats.org/drawingml/2006/main" xmlns:p="http://schemas.openxmlformats.org/presentationml/2006/main" xmlns:r="http://schemas.openxmlformats.org/officeDocument/2006/relationships" xmlns:p14="http://schemas.microsoft.com/office/powerpoint/2010/main" xmlns:p15="http://schemas.microsoft.com/office/powerpoint/2012/main" xmlns:mc="http://schemas.openxmlformats.org/markup-compatibility/2006" type="objOverTx" preserve="1">
+<p:sldLayout xmlns:a="http://schemas.openxmlformats.org/drawingml/2006/main" xmlns:r="http://schemas.openxmlformats.org/officeDocument/2006/relationships" xmlns:p="http://schemas.openxmlformats.org/presentationml/2006/main" type="objOverTx" preserve="1">
   <p:cSld name="Title, Content over Content">
     <p:spTree>
       <p:nvGrpSpPr>
@@ -2963,12 +3215,13 @@
           </a:prstGeom>
         </p:spPr>
         <p:txBody>
-          <a:bodyPr lIns="0" rIns="0" tIns="0" bIns="0" anchor="ctr">
+          <a:bodyPr lIns="0" tIns="0" rIns="0" bIns="0" anchor="ctr">
             <a:noAutofit/>
           </a:bodyPr>
+          <a:lstStyle/>
           <a:p>
             <a:pPr algn="ctr"/>
-            <a:endParaRPr b="0" lang="es-ES" sz="4400" spc="-1" strike="noStrike">
+            <a:endParaRPr lang="es-ES" sz="4400" b="0" strike="noStrike" spc="-1">
               <a:latin typeface="Arial"/>
             </a:endParaRPr>
           </a:p>
@@ -2994,11 +3247,12 @@
           </a:prstGeom>
         </p:spPr>
         <p:txBody>
-          <a:bodyPr lIns="0" rIns="0" tIns="0" bIns="0">
+          <a:bodyPr lIns="0" tIns="0" rIns="0" bIns="0">
             <a:normAutofit fontScale="14000"/>
           </a:bodyPr>
-          <a:p>
-            <a:endParaRPr b="0" lang="es-ES" sz="3200" spc="-1" strike="noStrike">
+          <a:lstStyle/>
+          <a:p>
+            <a:endParaRPr lang="es-ES" sz="3200" b="0" strike="noStrike" spc="-1">
               <a:latin typeface="Arial"/>
             </a:endParaRPr>
           </a:p>
@@ -3024,11 +3278,12 @@
           </a:prstGeom>
         </p:spPr>
         <p:txBody>
-          <a:bodyPr lIns="0" rIns="0" tIns="0" bIns="0">
+          <a:bodyPr lIns="0" tIns="0" rIns="0" bIns="0">
             <a:normAutofit fontScale="14000"/>
           </a:bodyPr>
-          <a:p>
-            <a:endParaRPr b="0" lang="es-ES" sz="3200" spc="-1" strike="noStrike">
+          <a:lstStyle/>
+          <a:p>
+            <a:endParaRPr lang="es-ES" sz="3200" b="0" strike="noStrike" spc="-1">
               <a:latin typeface="Arial"/>
             </a:endParaRPr>
           </a:p>
@@ -3036,11 +3291,14 @@
       </p:sp>
     </p:spTree>
   </p:cSld>
+  <p:clrMapOvr>
+    <a:masterClrMapping/>
+  </p:clrMapOvr>
 </p:sldLayout>
 </file>
 
 <file path=ppt/slideLayouts/slideLayout35.xml><?xml version="1.0" encoding="utf-8"?>
-<p:sldLayout xmlns:a="http://schemas.openxmlformats.org/drawingml/2006/main" xmlns:p="http://schemas.openxmlformats.org/presentationml/2006/main" xmlns:r="http://schemas.openxmlformats.org/officeDocument/2006/relationships" xmlns:p14="http://schemas.microsoft.com/office/powerpoint/2010/main" xmlns:p15="http://schemas.microsoft.com/office/powerpoint/2012/main" xmlns:mc="http://schemas.openxmlformats.org/markup-compatibility/2006" type="fourObj" preserve="1">
+<p:sldLayout xmlns:a="http://schemas.openxmlformats.org/drawingml/2006/main" xmlns:r="http://schemas.openxmlformats.org/officeDocument/2006/relationships" xmlns:p="http://schemas.openxmlformats.org/presentationml/2006/main" type="fourObj" preserve="1">
   <p:cSld name="Title, 4 Content">
     <p:spTree>
       <p:nvGrpSpPr>
@@ -3076,12 +3334,13 @@
           </a:prstGeom>
         </p:spPr>
         <p:txBody>
-          <a:bodyPr lIns="0" rIns="0" tIns="0" bIns="0" anchor="ctr">
+          <a:bodyPr lIns="0" tIns="0" rIns="0" bIns="0" anchor="ctr">
             <a:noAutofit/>
           </a:bodyPr>
+          <a:lstStyle/>
           <a:p>
             <a:pPr algn="ctr"/>
-            <a:endParaRPr b="0" lang="es-ES" sz="4400" spc="-1" strike="noStrike">
+            <a:endParaRPr lang="es-ES" sz="4400" b="0" strike="noStrike" spc="-1">
               <a:latin typeface="Arial"/>
             </a:endParaRPr>
           </a:p>
@@ -3107,11 +3366,12 @@
           </a:prstGeom>
         </p:spPr>
         <p:txBody>
-          <a:bodyPr lIns="0" rIns="0" tIns="0" bIns="0">
+          <a:bodyPr lIns="0" tIns="0" rIns="0" bIns="0">
             <a:normAutofit fontScale="3000"/>
           </a:bodyPr>
-          <a:p>
-            <a:endParaRPr b="0" lang="es-ES" sz="3200" spc="-1" strike="noStrike">
+          <a:lstStyle/>
+          <a:p>
+            <a:endParaRPr lang="es-ES" sz="3200" b="0" strike="noStrike" spc="-1">
               <a:latin typeface="Arial"/>
             </a:endParaRPr>
           </a:p>
@@ -3137,11 +3397,12 @@
           </a:prstGeom>
         </p:spPr>
         <p:txBody>
-          <a:bodyPr lIns="0" rIns="0" tIns="0" bIns="0">
+          <a:bodyPr lIns="0" tIns="0" rIns="0" bIns="0">
             <a:normAutofit fontScale="3000"/>
           </a:bodyPr>
-          <a:p>
-            <a:endParaRPr b="0" lang="es-ES" sz="3200" spc="-1" strike="noStrike">
+          <a:lstStyle/>
+          <a:p>
+            <a:endParaRPr lang="es-ES" sz="3200" b="0" strike="noStrike" spc="-1">
               <a:latin typeface="Arial"/>
             </a:endParaRPr>
           </a:p>
@@ -3167,11 +3428,12 @@
           </a:prstGeom>
         </p:spPr>
         <p:txBody>
-          <a:bodyPr lIns="0" rIns="0" tIns="0" bIns="0">
+          <a:bodyPr lIns="0" tIns="0" rIns="0" bIns="0">
             <a:normAutofit fontScale="3000"/>
           </a:bodyPr>
-          <a:p>
-            <a:endParaRPr b="0" lang="es-ES" sz="3200" spc="-1" strike="noStrike">
+          <a:lstStyle/>
+          <a:p>
+            <a:endParaRPr lang="es-ES" sz="3200" b="0" strike="noStrike" spc="-1">
               <a:latin typeface="Arial"/>
             </a:endParaRPr>
           </a:p>
@@ -3197,11 +3459,12 @@
           </a:prstGeom>
         </p:spPr>
         <p:txBody>
-          <a:bodyPr lIns="0" rIns="0" tIns="0" bIns="0">
+          <a:bodyPr lIns="0" tIns="0" rIns="0" bIns="0">
             <a:normAutofit fontScale="3000"/>
           </a:bodyPr>
-          <a:p>
-            <a:endParaRPr b="0" lang="es-ES" sz="3200" spc="-1" strike="noStrike">
+          <a:lstStyle/>
+          <a:p>
+            <a:endParaRPr lang="es-ES" sz="3200" b="0" strike="noStrike" spc="-1">
               <a:latin typeface="Arial"/>
             </a:endParaRPr>
           </a:p>
@@ -3209,11 +3472,14 @@
       </p:sp>
     </p:spTree>
   </p:cSld>
+  <p:clrMapOvr>
+    <a:masterClrMapping/>
+  </p:clrMapOvr>
 </p:sldLayout>
 </file>
 
 <file path=ppt/slideLayouts/slideLayout36.xml><?xml version="1.0" encoding="utf-8"?>
-<p:sldLayout xmlns:a="http://schemas.openxmlformats.org/drawingml/2006/main" xmlns:p="http://schemas.openxmlformats.org/presentationml/2006/main" xmlns:r="http://schemas.openxmlformats.org/officeDocument/2006/relationships" xmlns:p14="http://schemas.microsoft.com/office/powerpoint/2010/main" xmlns:p15="http://schemas.microsoft.com/office/powerpoint/2012/main" xmlns:mc="http://schemas.openxmlformats.org/markup-compatibility/2006" type="blank" preserve="1">
+<p:sldLayout xmlns:a="http://schemas.openxmlformats.org/drawingml/2006/main" xmlns:r="http://schemas.openxmlformats.org/officeDocument/2006/relationships" xmlns:p="http://schemas.openxmlformats.org/presentationml/2006/main" type="blank" preserve="1">
   <p:cSld name="Title, 6 Content">
     <p:spTree>
       <p:nvGrpSpPr>
@@ -3249,12 +3515,13 @@
           </a:prstGeom>
         </p:spPr>
         <p:txBody>
-          <a:bodyPr lIns="0" rIns="0" tIns="0" bIns="0" anchor="ctr">
+          <a:bodyPr lIns="0" tIns="0" rIns="0" bIns="0" anchor="ctr">
             <a:noAutofit/>
           </a:bodyPr>
+          <a:lstStyle/>
           <a:p>
             <a:pPr algn="ctr"/>
-            <a:endParaRPr b="0" lang="es-ES" sz="4400" spc="-1" strike="noStrike">
+            <a:endParaRPr lang="es-ES" sz="4400" b="0" strike="noStrike" spc="-1">
               <a:latin typeface="Arial"/>
             </a:endParaRPr>
           </a:p>
@@ -3280,11 +3547,12 @@
           </a:prstGeom>
         </p:spPr>
         <p:txBody>
-          <a:bodyPr lIns="0" rIns="0" tIns="0" bIns="0">
+          <a:bodyPr lIns="0" tIns="0" rIns="0" bIns="0">
             <a:normAutofit/>
           </a:bodyPr>
-          <a:p>
-            <a:endParaRPr b="0" lang="es-ES" sz="3200" spc="-1" strike="noStrike">
+          <a:lstStyle/>
+          <a:p>
+            <a:endParaRPr lang="es-ES" sz="3200" b="0" strike="noStrike" spc="-1">
               <a:latin typeface="Arial"/>
             </a:endParaRPr>
           </a:p>
@@ -3310,11 +3578,12 @@
           </a:prstGeom>
         </p:spPr>
         <p:txBody>
-          <a:bodyPr lIns="0" rIns="0" tIns="0" bIns="0">
+          <a:bodyPr lIns="0" tIns="0" rIns="0" bIns="0">
             <a:normAutofit/>
           </a:bodyPr>
-          <a:p>
-            <a:endParaRPr b="0" lang="es-ES" sz="3200" spc="-1" strike="noStrike">
+          <a:lstStyle/>
+          <a:p>
+            <a:endParaRPr lang="es-ES" sz="3200" b="0" strike="noStrike" spc="-1">
               <a:latin typeface="Arial"/>
             </a:endParaRPr>
           </a:p>
@@ -3340,11 +3609,12 @@
           </a:prstGeom>
         </p:spPr>
         <p:txBody>
-          <a:bodyPr lIns="0" rIns="0" tIns="0" bIns="0">
+          <a:bodyPr lIns="0" tIns="0" rIns="0" bIns="0">
             <a:normAutofit/>
           </a:bodyPr>
-          <a:p>
-            <a:endParaRPr b="0" lang="es-ES" sz="3200" spc="-1" strike="noStrike">
+          <a:lstStyle/>
+          <a:p>
+            <a:endParaRPr lang="es-ES" sz="3200" b="0" strike="noStrike" spc="-1">
               <a:latin typeface="Arial"/>
             </a:endParaRPr>
           </a:p>
@@ -3370,11 +3640,12 @@
           </a:prstGeom>
         </p:spPr>
         <p:txBody>
-          <a:bodyPr lIns="0" rIns="0" tIns="0" bIns="0">
+          <a:bodyPr lIns="0" tIns="0" rIns="0" bIns="0">
             <a:normAutofit/>
           </a:bodyPr>
-          <a:p>
-            <a:endParaRPr b="0" lang="es-ES" sz="3200" spc="-1" strike="noStrike">
+          <a:lstStyle/>
+          <a:p>
+            <a:endParaRPr lang="es-ES" sz="3200" b="0" strike="noStrike" spc="-1">
               <a:latin typeface="Arial"/>
             </a:endParaRPr>
           </a:p>
@@ -3400,11 +3671,12 @@
           </a:prstGeom>
         </p:spPr>
         <p:txBody>
-          <a:bodyPr lIns="0" rIns="0" tIns="0" bIns="0">
+          <a:bodyPr lIns="0" tIns="0" rIns="0" bIns="0">
             <a:normAutofit/>
           </a:bodyPr>
-          <a:p>
-            <a:endParaRPr b="0" lang="es-ES" sz="3200" spc="-1" strike="noStrike">
+          <a:lstStyle/>
+          <a:p>
+            <a:endParaRPr lang="es-ES" sz="3200" b="0" strike="noStrike" spc="-1">
               <a:latin typeface="Arial"/>
             </a:endParaRPr>
           </a:p>
@@ -3430,11 +3702,12 @@
           </a:prstGeom>
         </p:spPr>
         <p:txBody>
-          <a:bodyPr lIns="0" rIns="0" tIns="0" bIns="0">
+          <a:bodyPr lIns="0" tIns="0" rIns="0" bIns="0">
             <a:normAutofit/>
           </a:bodyPr>
-          <a:p>
-            <a:endParaRPr b="0" lang="es-ES" sz="3200" spc="-1" strike="noStrike">
+          <a:lstStyle/>
+          <a:p>
+            <a:endParaRPr lang="es-ES" sz="3200" b="0" strike="noStrike" spc="-1">
               <a:latin typeface="Arial"/>
             </a:endParaRPr>
           </a:p>
@@ -3442,11 +3715,14 @@
       </p:sp>
     </p:spTree>
   </p:cSld>
+  <p:clrMapOvr>
+    <a:masterClrMapping/>
+  </p:clrMapOvr>
 </p:sldLayout>
 </file>
 
 <file path=ppt/slideLayouts/slideLayout37.xml><?xml version="1.0" encoding="utf-8"?>
-<p:sldLayout xmlns:a="http://schemas.openxmlformats.org/drawingml/2006/main" xmlns:p="http://schemas.openxmlformats.org/presentationml/2006/main" xmlns:r="http://schemas.openxmlformats.org/officeDocument/2006/relationships" xmlns:p14="http://schemas.microsoft.com/office/powerpoint/2010/main" xmlns:p15="http://schemas.microsoft.com/office/powerpoint/2012/main" xmlns:mc="http://schemas.openxmlformats.org/markup-compatibility/2006" type="blank" preserve="1">
+<p:sldLayout xmlns:a="http://schemas.openxmlformats.org/drawingml/2006/main" xmlns:r="http://schemas.openxmlformats.org/officeDocument/2006/relationships" xmlns:p="http://schemas.openxmlformats.org/presentationml/2006/main" type="blank" preserve="1">
   <p:cSld name="Blank Slide">
     <p:spTree>
       <p:nvGrpSpPr>
@@ -3464,11 +3740,14 @@
       </p:grpSpPr>
     </p:spTree>
   </p:cSld>
+  <p:clrMapOvr>
+    <a:masterClrMapping/>
+  </p:clrMapOvr>
 </p:sldLayout>
 </file>
 
 <file path=ppt/slideLayouts/slideLayout38.xml><?xml version="1.0" encoding="utf-8"?>
-<p:sldLayout xmlns:a="http://schemas.openxmlformats.org/drawingml/2006/main" xmlns:p="http://schemas.openxmlformats.org/presentationml/2006/main" xmlns:r="http://schemas.openxmlformats.org/officeDocument/2006/relationships" xmlns:p14="http://schemas.microsoft.com/office/powerpoint/2010/main" xmlns:p15="http://schemas.microsoft.com/office/powerpoint/2012/main" xmlns:mc="http://schemas.openxmlformats.org/markup-compatibility/2006" type="tx" preserve="1">
+<p:sldLayout xmlns:a="http://schemas.openxmlformats.org/drawingml/2006/main" xmlns:r="http://schemas.openxmlformats.org/officeDocument/2006/relationships" xmlns:p="http://schemas.openxmlformats.org/presentationml/2006/main" type="tx" preserve="1">
   <p:cSld name="Title Slide">
     <p:spTree>
       <p:nvGrpSpPr>
@@ -3504,12 +3783,13 @@
           </a:prstGeom>
         </p:spPr>
         <p:txBody>
-          <a:bodyPr lIns="0" rIns="0" tIns="0" bIns="0" anchor="ctr">
+          <a:bodyPr lIns="0" tIns="0" rIns="0" bIns="0" anchor="ctr">
             <a:noAutofit/>
           </a:bodyPr>
+          <a:lstStyle/>
           <a:p>
             <a:pPr algn="ctr"/>
-            <a:endParaRPr b="0" lang="es-ES" sz="4400" spc="-1" strike="noStrike">
+            <a:endParaRPr lang="es-ES" sz="4400" b="0" strike="noStrike" spc="-1">
               <a:latin typeface="Arial"/>
             </a:endParaRPr>
           </a:p>
@@ -3535,12 +3815,13 @@
           </a:prstGeom>
         </p:spPr>
         <p:txBody>
-          <a:bodyPr lIns="0" rIns="0" tIns="0" bIns="0" anchor="ctr">
+          <a:bodyPr lIns="0" tIns="0" rIns="0" bIns="0" anchor="ctr">
             <a:noAutofit/>
           </a:bodyPr>
+          <a:lstStyle/>
           <a:p>
             <a:pPr algn="ctr"/>
-            <a:endParaRPr b="0" lang="es-ES" sz="3200" spc="-1" strike="noStrike">
+            <a:endParaRPr lang="es-ES" sz="3200" b="0" strike="noStrike" spc="-1">
               <a:latin typeface="Arial"/>
             </a:endParaRPr>
           </a:p>
@@ -3548,11 +3829,14 @@
       </p:sp>
     </p:spTree>
   </p:cSld>
+  <p:clrMapOvr>
+    <a:masterClrMapping/>
+  </p:clrMapOvr>
 </p:sldLayout>
 </file>
 
 <file path=ppt/slideLayouts/slideLayout39.xml><?xml version="1.0" encoding="utf-8"?>
-<p:sldLayout xmlns:a="http://schemas.openxmlformats.org/drawingml/2006/main" xmlns:p="http://schemas.openxmlformats.org/presentationml/2006/main" xmlns:r="http://schemas.openxmlformats.org/officeDocument/2006/relationships" xmlns:p14="http://schemas.microsoft.com/office/powerpoint/2010/main" xmlns:p15="http://schemas.microsoft.com/office/powerpoint/2012/main" xmlns:mc="http://schemas.openxmlformats.org/markup-compatibility/2006" type="obj" preserve="1">
+<p:sldLayout xmlns:a="http://schemas.openxmlformats.org/drawingml/2006/main" xmlns:r="http://schemas.openxmlformats.org/officeDocument/2006/relationships" xmlns:p="http://schemas.openxmlformats.org/presentationml/2006/main" type="obj" preserve="1">
   <p:cSld name="Title, Content">
     <p:spTree>
       <p:nvGrpSpPr>
@@ -3588,12 +3872,13 @@
           </a:prstGeom>
         </p:spPr>
         <p:txBody>
-          <a:bodyPr lIns="0" rIns="0" tIns="0" bIns="0" anchor="ctr">
+          <a:bodyPr lIns="0" tIns="0" rIns="0" bIns="0" anchor="ctr">
             <a:noAutofit/>
           </a:bodyPr>
+          <a:lstStyle/>
           <a:p>
             <a:pPr algn="ctr"/>
-            <a:endParaRPr b="0" lang="es-ES" sz="4400" spc="-1" strike="noStrike">
+            <a:endParaRPr lang="es-ES" sz="4400" b="0" strike="noStrike" spc="-1">
               <a:latin typeface="Arial"/>
             </a:endParaRPr>
           </a:p>
@@ -3619,11 +3904,12 @@
           </a:prstGeom>
         </p:spPr>
         <p:txBody>
-          <a:bodyPr lIns="0" rIns="0" tIns="0" bIns="0">
+          <a:bodyPr lIns="0" tIns="0" rIns="0" bIns="0">
             <a:normAutofit fontScale="42000"/>
           </a:bodyPr>
-          <a:p>
-            <a:endParaRPr b="0" lang="es-ES" sz="3200" spc="-1" strike="noStrike">
+          <a:lstStyle/>
+          <a:p>
+            <a:endParaRPr lang="es-ES" sz="3200" b="0" strike="noStrike" spc="-1">
               <a:latin typeface="Arial"/>
             </a:endParaRPr>
           </a:p>
@@ -3631,11 +3917,14 @@
       </p:sp>
     </p:spTree>
   </p:cSld>
+  <p:clrMapOvr>
+    <a:masterClrMapping/>
+  </p:clrMapOvr>
 </p:sldLayout>
 </file>
 
 <file path=ppt/slideLayouts/slideLayout4.xml><?xml version="1.0" encoding="utf-8"?>
-<p:sldLayout xmlns:a="http://schemas.openxmlformats.org/drawingml/2006/main" xmlns:p="http://schemas.openxmlformats.org/presentationml/2006/main" xmlns:r="http://schemas.openxmlformats.org/officeDocument/2006/relationships" xmlns:p14="http://schemas.microsoft.com/office/powerpoint/2010/main" xmlns:p15="http://schemas.microsoft.com/office/powerpoint/2012/main" xmlns:mc="http://schemas.openxmlformats.org/markup-compatibility/2006" type="twoObj" preserve="1">
+<p:sldLayout xmlns:a="http://schemas.openxmlformats.org/drawingml/2006/main" xmlns:r="http://schemas.openxmlformats.org/officeDocument/2006/relationships" xmlns:p="http://schemas.openxmlformats.org/presentationml/2006/main" type="twoObj" preserve="1">
   <p:cSld name="Title, 2 Content">
     <p:spTree>
       <p:nvGrpSpPr>
@@ -3671,12 +3960,13 @@
           </a:prstGeom>
         </p:spPr>
         <p:txBody>
-          <a:bodyPr lIns="0" rIns="0" tIns="0" bIns="0" anchor="ctr">
+          <a:bodyPr lIns="0" tIns="0" rIns="0" bIns="0" anchor="ctr">
             <a:noAutofit/>
           </a:bodyPr>
+          <a:lstStyle/>
           <a:p>
             <a:pPr algn="ctr"/>
-            <a:endParaRPr b="0" lang="es-ES" sz="4400" spc="-1" strike="noStrike">
+            <a:endParaRPr lang="es-ES" sz="4400" b="0" strike="noStrike" spc="-1">
               <a:latin typeface="Arial"/>
             </a:endParaRPr>
           </a:p>
@@ -3702,11 +3992,12 @@
           </a:prstGeom>
         </p:spPr>
         <p:txBody>
-          <a:bodyPr lIns="0" rIns="0" tIns="0" bIns="0">
+          <a:bodyPr lIns="0" tIns="0" rIns="0" bIns="0">
             <a:normAutofit fontScale="10000"/>
           </a:bodyPr>
-          <a:p>
-            <a:endParaRPr b="0" lang="es-ES" sz="3200" spc="-1" strike="noStrike">
+          <a:lstStyle/>
+          <a:p>
+            <a:endParaRPr lang="es-ES" sz="3200" b="0" strike="noStrike" spc="-1">
               <a:latin typeface="Arial"/>
             </a:endParaRPr>
           </a:p>
@@ -3732,11 +4023,12 @@
           </a:prstGeom>
         </p:spPr>
         <p:txBody>
-          <a:bodyPr lIns="0" rIns="0" tIns="0" bIns="0">
+          <a:bodyPr lIns="0" tIns="0" rIns="0" bIns="0">
             <a:normAutofit fontScale="10000"/>
           </a:bodyPr>
-          <a:p>
-            <a:endParaRPr b="0" lang="es-ES" sz="3200" spc="-1" strike="noStrike">
+          <a:lstStyle/>
+          <a:p>
+            <a:endParaRPr lang="es-ES" sz="3200" b="0" strike="noStrike" spc="-1">
               <a:latin typeface="Arial"/>
             </a:endParaRPr>
           </a:p>
@@ -3744,11 +4036,14 @@
       </p:sp>
     </p:spTree>
   </p:cSld>
+  <p:clrMapOvr>
+    <a:masterClrMapping/>
+  </p:clrMapOvr>
 </p:sldLayout>
 </file>
 
 <file path=ppt/slideLayouts/slideLayout40.xml><?xml version="1.0" encoding="utf-8"?>
-<p:sldLayout xmlns:a="http://schemas.openxmlformats.org/drawingml/2006/main" xmlns:p="http://schemas.openxmlformats.org/presentationml/2006/main" xmlns:r="http://schemas.openxmlformats.org/officeDocument/2006/relationships" xmlns:p14="http://schemas.microsoft.com/office/powerpoint/2010/main" xmlns:p15="http://schemas.microsoft.com/office/powerpoint/2012/main" xmlns:mc="http://schemas.openxmlformats.org/markup-compatibility/2006" type="twoObj" preserve="1">
+<p:sldLayout xmlns:a="http://schemas.openxmlformats.org/drawingml/2006/main" xmlns:r="http://schemas.openxmlformats.org/officeDocument/2006/relationships" xmlns:p="http://schemas.openxmlformats.org/presentationml/2006/main" type="twoObj" preserve="1">
   <p:cSld name="Title, 2 Content">
     <p:spTree>
       <p:nvGrpSpPr>
@@ -3784,12 +4079,13 @@
           </a:prstGeom>
         </p:spPr>
         <p:txBody>
-          <a:bodyPr lIns="0" rIns="0" tIns="0" bIns="0" anchor="ctr">
+          <a:bodyPr lIns="0" tIns="0" rIns="0" bIns="0" anchor="ctr">
             <a:noAutofit/>
           </a:bodyPr>
+          <a:lstStyle/>
           <a:p>
             <a:pPr algn="ctr"/>
-            <a:endParaRPr b="0" lang="es-ES" sz="4400" spc="-1" strike="noStrike">
+            <a:endParaRPr lang="es-ES" sz="4400" b="0" strike="noStrike" spc="-1">
               <a:latin typeface="Arial"/>
             </a:endParaRPr>
           </a:p>
@@ -3815,11 +4111,12 @@
           </a:prstGeom>
         </p:spPr>
         <p:txBody>
-          <a:bodyPr lIns="0" rIns="0" tIns="0" bIns="0">
+          <a:bodyPr lIns="0" tIns="0" rIns="0" bIns="0">
             <a:normAutofit fontScale="10000"/>
           </a:bodyPr>
-          <a:p>
-            <a:endParaRPr b="0" lang="es-ES" sz="3200" spc="-1" strike="noStrike">
+          <a:lstStyle/>
+          <a:p>
+            <a:endParaRPr lang="es-ES" sz="3200" b="0" strike="noStrike" spc="-1">
               <a:latin typeface="Arial"/>
             </a:endParaRPr>
           </a:p>
@@ -3845,11 +4142,12 @@
           </a:prstGeom>
         </p:spPr>
         <p:txBody>
-          <a:bodyPr lIns="0" rIns="0" tIns="0" bIns="0">
+          <a:bodyPr lIns="0" tIns="0" rIns="0" bIns="0">
             <a:normAutofit fontScale="10000"/>
           </a:bodyPr>
-          <a:p>
-            <a:endParaRPr b="0" lang="es-ES" sz="3200" spc="-1" strike="noStrike">
+          <a:lstStyle/>
+          <a:p>
+            <a:endParaRPr lang="es-ES" sz="3200" b="0" strike="noStrike" spc="-1">
               <a:latin typeface="Arial"/>
             </a:endParaRPr>
           </a:p>
@@ -3857,11 +4155,14 @@
       </p:sp>
     </p:spTree>
   </p:cSld>
+  <p:clrMapOvr>
+    <a:masterClrMapping/>
+  </p:clrMapOvr>
 </p:sldLayout>
 </file>
 
 <file path=ppt/slideLayouts/slideLayout41.xml><?xml version="1.0" encoding="utf-8"?>
-<p:sldLayout xmlns:a="http://schemas.openxmlformats.org/drawingml/2006/main" xmlns:p="http://schemas.openxmlformats.org/presentationml/2006/main" xmlns:r="http://schemas.openxmlformats.org/officeDocument/2006/relationships" xmlns:p14="http://schemas.microsoft.com/office/powerpoint/2010/main" xmlns:p15="http://schemas.microsoft.com/office/powerpoint/2012/main" xmlns:mc="http://schemas.openxmlformats.org/markup-compatibility/2006" type="titleOnly" preserve="1">
+<p:sldLayout xmlns:a="http://schemas.openxmlformats.org/drawingml/2006/main" xmlns:r="http://schemas.openxmlformats.org/officeDocument/2006/relationships" xmlns:p="http://schemas.openxmlformats.org/presentationml/2006/main" type="titleOnly" preserve="1">
   <p:cSld name="Title Only">
     <p:spTree>
       <p:nvGrpSpPr>
@@ -3897,12 +4198,13 @@
           </a:prstGeom>
         </p:spPr>
         <p:txBody>
-          <a:bodyPr lIns="0" rIns="0" tIns="0" bIns="0" anchor="ctr">
+          <a:bodyPr lIns="0" tIns="0" rIns="0" bIns="0" anchor="ctr">
             <a:noAutofit/>
           </a:bodyPr>
+          <a:lstStyle/>
           <a:p>
             <a:pPr algn="ctr"/>
-            <a:endParaRPr b="0" lang="es-ES" sz="4400" spc="-1" strike="noStrike">
+            <a:endParaRPr lang="es-ES" sz="4400" b="0" strike="noStrike" spc="-1">
               <a:latin typeface="Arial"/>
             </a:endParaRPr>
           </a:p>
@@ -3910,11 +4212,14 @@
       </p:sp>
     </p:spTree>
   </p:cSld>
+  <p:clrMapOvr>
+    <a:masterClrMapping/>
+  </p:clrMapOvr>
 </p:sldLayout>
 </file>
 
 <file path=ppt/slideLayouts/slideLayout42.xml><?xml version="1.0" encoding="utf-8"?>
-<p:sldLayout xmlns:a="http://schemas.openxmlformats.org/drawingml/2006/main" xmlns:p="http://schemas.openxmlformats.org/presentationml/2006/main" xmlns:r="http://schemas.openxmlformats.org/officeDocument/2006/relationships" xmlns:p14="http://schemas.microsoft.com/office/powerpoint/2010/main" xmlns:p15="http://schemas.microsoft.com/office/powerpoint/2012/main" xmlns:mc="http://schemas.openxmlformats.org/markup-compatibility/2006" type="objOnly" preserve="1">
+<p:sldLayout xmlns:a="http://schemas.openxmlformats.org/drawingml/2006/main" xmlns:r="http://schemas.openxmlformats.org/officeDocument/2006/relationships" xmlns:p="http://schemas.openxmlformats.org/presentationml/2006/main" type="objOnly" preserve="1">
   <p:cSld name="Centered Text">
     <p:spTree>
       <p:nvGrpSpPr>
@@ -3950,12 +4255,13 @@
           </a:prstGeom>
         </p:spPr>
         <p:txBody>
-          <a:bodyPr lIns="0" rIns="0" tIns="0" bIns="0" anchor="ctr">
+          <a:bodyPr lIns="0" tIns="0" rIns="0" bIns="0" anchor="ctr">
             <a:noAutofit/>
           </a:bodyPr>
+          <a:lstStyle/>
           <a:p>
             <a:pPr algn="ctr"/>
-            <a:endParaRPr b="0" lang="es-ES" sz="3200" spc="-1" strike="noStrike">
+            <a:endParaRPr lang="es-ES" sz="3200" b="0" strike="noStrike" spc="-1">
               <a:latin typeface="Arial"/>
             </a:endParaRPr>
           </a:p>
@@ -3963,11 +4269,14 @@
       </p:sp>
     </p:spTree>
   </p:cSld>
+  <p:clrMapOvr>
+    <a:masterClrMapping/>
+  </p:clrMapOvr>
 </p:sldLayout>
 </file>
 
 <file path=ppt/slideLayouts/slideLayout43.xml><?xml version="1.0" encoding="utf-8"?>
-<p:sldLayout xmlns:a="http://schemas.openxmlformats.org/drawingml/2006/main" xmlns:p="http://schemas.openxmlformats.org/presentationml/2006/main" xmlns:r="http://schemas.openxmlformats.org/officeDocument/2006/relationships" xmlns:p14="http://schemas.microsoft.com/office/powerpoint/2010/main" xmlns:p15="http://schemas.microsoft.com/office/powerpoint/2012/main" xmlns:mc="http://schemas.openxmlformats.org/markup-compatibility/2006" type="twoObjAndObj" preserve="1">
+<p:sldLayout xmlns:a="http://schemas.openxmlformats.org/drawingml/2006/main" xmlns:r="http://schemas.openxmlformats.org/officeDocument/2006/relationships" xmlns:p="http://schemas.openxmlformats.org/presentationml/2006/main" type="twoObjAndObj" preserve="1">
   <p:cSld name="Title, 2 Content and Content">
     <p:spTree>
       <p:nvGrpSpPr>
@@ -4003,12 +4312,13 @@
           </a:prstGeom>
         </p:spPr>
         <p:txBody>
-          <a:bodyPr lIns="0" rIns="0" tIns="0" bIns="0" anchor="ctr">
+          <a:bodyPr lIns="0" tIns="0" rIns="0" bIns="0" anchor="ctr">
             <a:noAutofit/>
           </a:bodyPr>
+          <a:lstStyle/>
           <a:p>
             <a:pPr algn="ctr"/>
-            <a:endParaRPr b="0" lang="es-ES" sz="4400" spc="-1" strike="noStrike">
+            <a:endParaRPr lang="es-ES" sz="4400" b="0" strike="noStrike" spc="-1">
               <a:latin typeface="Arial"/>
             </a:endParaRPr>
           </a:p>
@@ -4034,11 +4344,12 @@
           </a:prstGeom>
         </p:spPr>
         <p:txBody>
-          <a:bodyPr lIns="0" rIns="0" tIns="0" bIns="0">
+          <a:bodyPr lIns="0" tIns="0" rIns="0" bIns="0">
             <a:normAutofit fontScale="3000"/>
           </a:bodyPr>
-          <a:p>
-            <a:endParaRPr b="0" lang="es-ES" sz="3200" spc="-1" strike="noStrike">
+          <a:lstStyle/>
+          <a:p>
+            <a:endParaRPr lang="es-ES" sz="3200" b="0" strike="noStrike" spc="-1">
               <a:latin typeface="Arial"/>
             </a:endParaRPr>
           </a:p>
@@ -4064,11 +4375,12 @@
           </a:prstGeom>
         </p:spPr>
         <p:txBody>
-          <a:bodyPr lIns="0" rIns="0" tIns="0" bIns="0">
+          <a:bodyPr lIns="0" tIns="0" rIns="0" bIns="0">
             <a:normAutofit fontScale="10000"/>
           </a:bodyPr>
-          <a:p>
-            <a:endParaRPr b="0" lang="es-ES" sz="3200" spc="-1" strike="noStrike">
+          <a:lstStyle/>
+          <a:p>
+            <a:endParaRPr lang="es-ES" sz="3200" b="0" strike="noStrike" spc="-1">
               <a:latin typeface="Arial"/>
             </a:endParaRPr>
           </a:p>
@@ -4094,11 +4406,12 @@
           </a:prstGeom>
         </p:spPr>
         <p:txBody>
-          <a:bodyPr lIns="0" rIns="0" tIns="0" bIns="0">
+          <a:bodyPr lIns="0" tIns="0" rIns="0" bIns="0">
             <a:normAutofit fontScale="3000"/>
           </a:bodyPr>
-          <a:p>
-            <a:endParaRPr b="0" lang="es-ES" sz="3200" spc="-1" strike="noStrike">
+          <a:lstStyle/>
+          <a:p>
+            <a:endParaRPr lang="es-ES" sz="3200" b="0" strike="noStrike" spc="-1">
               <a:latin typeface="Arial"/>
             </a:endParaRPr>
           </a:p>
@@ -4106,11 +4419,14 @@
       </p:sp>
     </p:spTree>
   </p:cSld>
+  <p:clrMapOvr>
+    <a:masterClrMapping/>
+  </p:clrMapOvr>
 </p:sldLayout>
 </file>
 
 <file path=ppt/slideLayouts/slideLayout44.xml><?xml version="1.0" encoding="utf-8"?>
-<p:sldLayout xmlns:a="http://schemas.openxmlformats.org/drawingml/2006/main" xmlns:p="http://schemas.openxmlformats.org/presentationml/2006/main" xmlns:r="http://schemas.openxmlformats.org/officeDocument/2006/relationships" xmlns:p14="http://schemas.microsoft.com/office/powerpoint/2010/main" xmlns:p15="http://schemas.microsoft.com/office/powerpoint/2012/main" xmlns:mc="http://schemas.openxmlformats.org/markup-compatibility/2006" type="objAndTwoObj" preserve="1">
+<p:sldLayout xmlns:a="http://schemas.openxmlformats.org/drawingml/2006/main" xmlns:r="http://schemas.openxmlformats.org/officeDocument/2006/relationships" xmlns:p="http://schemas.openxmlformats.org/presentationml/2006/main" type="objAndTwoObj" preserve="1">
   <p:cSld name="Title Content and 2 Content">
     <p:spTree>
       <p:nvGrpSpPr>
@@ -4146,12 +4462,13 @@
           </a:prstGeom>
         </p:spPr>
         <p:txBody>
-          <a:bodyPr lIns="0" rIns="0" tIns="0" bIns="0" anchor="ctr">
+          <a:bodyPr lIns="0" tIns="0" rIns="0" bIns="0" anchor="ctr">
             <a:noAutofit/>
           </a:bodyPr>
+          <a:lstStyle/>
           <a:p>
             <a:pPr algn="ctr"/>
-            <a:endParaRPr b="0" lang="es-ES" sz="4400" spc="-1" strike="noStrike">
+            <a:endParaRPr lang="es-ES" sz="4400" b="0" strike="noStrike" spc="-1">
               <a:latin typeface="Arial"/>
             </a:endParaRPr>
           </a:p>
@@ -4177,11 +4494,12 @@
           </a:prstGeom>
         </p:spPr>
         <p:txBody>
-          <a:bodyPr lIns="0" rIns="0" tIns="0" bIns="0">
+          <a:bodyPr lIns="0" tIns="0" rIns="0" bIns="0">
             <a:normAutofit fontScale="10000"/>
           </a:bodyPr>
-          <a:p>
-            <a:endParaRPr b="0" lang="es-ES" sz="3200" spc="-1" strike="noStrike">
+          <a:lstStyle/>
+          <a:p>
+            <a:endParaRPr lang="es-ES" sz="3200" b="0" strike="noStrike" spc="-1">
               <a:latin typeface="Arial"/>
             </a:endParaRPr>
           </a:p>
@@ -4207,11 +4525,12 @@
           </a:prstGeom>
         </p:spPr>
         <p:txBody>
-          <a:bodyPr lIns="0" rIns="0" tIns="0" bIns="0">
+          <a:bodyPr lIns="0" tIns="0" rIns="0" bIns="0">
             <a:normAutofit fontScale="3000"/>
           </a:bodyPr>
-          <a:p>
-            <a:endParaRPr b="0" lang="es-ES" sz="3200" spc="-1" strike="noStrike">
+          <a:lstStyle/>
+          <a:p>
+            <a:endParaRPr lang="es-ES" sz="3200" b="0" strike="noStrike" spc="-1">
               <a:latin typeface="Arial"/>
             </a:endParaRPr>
           </a:p>
@@ -4237,11 +4556,12 @@
           </a:prstGeom>
         </p:spPr>
         <p:txBody>
-          <a:bodyPr lIns="0" rIns="0" tIns="0" bIns="0">
+          <a:bodyPr lIns="0" tIns="0" rIns="0" bIns="0">
             <a:normAutofit fontScale="3000"/>
           </a:bodyPr>
-          <a:p>
-            <a:endParaRPr b="0" lang="es-ES" sz="3200" spc="-1" strike="noStrike">
+          <a:lstStyle/>
+          <a:p>
+            <a:endParaRPr lang="es-ES" sz="3200" b="0" strike="noStrike" spc="-1">
               <a:latin typeface="Arial"/>
             </a:endParaRPr>
           </a:p>
@@ -4249,11 +4569,14 @@
       </p:sp>
     </p:spTree>
   </p:cSld>
+  <p:clrMapOvr>
+    <a:masterClrMapping/>
+  </p:clrMapOvr>
 </p:sldLayout>
 </file>
 
 <file path=ppt/slideLayouts/slideLayout45.xml><?xml version="1.0" encoding="utf-8"?>
-<p:sldLayout xmlns:a="http://schemas.openxmlformats.org/drawingml/2006/main" xmlns:p="http://schemas.openxmlformats.org/presentationml/2006/main" xmlns:r="http://schemas.openxmlformats.org/officeDocument/2006/relationships" xmlns:p14="http://schemas.microsoft.com/office/powerpoint/2010/main" xmlns:p15="http://schemas.microsoft.com/office/powerpoint/2012/main" xmlns:mc="http://schemas.openxmlformats.org/markup-compatibility/2006" type="twoObjOverTx" preserve="1">
+<p:sldLayout xmlns:a="http://schemas.openxmlformats.org/drawingml/2006/main" xmlns:r="http://schemas.openxmlformats.org/officeDocument/2006/relationships" xmlns:p="http://schemas.openxmlformats.org/presentationml/2006/main" type="twoObjOverTx" preserve="1">
   <p:cSld name="Title, 2 Content over Content">
     <p:spTree>
       <p:nvGrpSpPr>
@@ -4289,12 +4612,13 @@
           </a:prstGeom>
         </p:spPr>
         <p:txBody>
-          <a:bodyPr lIns="0" rIns="0" tIns="0" bIns="0" anchor="ctr">
+          <a:bodyPr lIns="0" tIns="0" rIns="0" bIns="0" anchor="ctr">
             <a:noAutofit/>
           </a:bodyPr>
+          <a:lstStyle/>
           <a:p>
             <a:pPr algn="ctr"/>
-            <a:endParaRPr b="0" lang="es-ES" sz="4400" spc="-1" strike="noStrike">
+            <a:endParaRPr lang="es-ES" sz="4400" b="0" strike="noStrike" spc="-1">
               <a:latin typeface="Arial"/>
             </a:endParaRPr>
           </a:p>
@@ -4320,11 +4644,12 @@
           </a:prstGeom>
         </p:spPr>
         <p:txBody>
-          <a:bodyPr lIns="0" rIns="0" tIns="0" bIns="0">
+          <a:bodyPr lIns="0" tIns="0" rIns="0" bIns="0">
             <a:normAutofit fontScale="3000"/>
           </a:bodyPr>
-          <a:p>
-            <a:endParaRPr b="0" lang="es-ES" sz="3200" spc="-1" strike="noStrike">
+          <a:lstStyle/>
+          <a:p>
+            <a:endParaRPr lang="es-ES" sz="3200" b="0" strike="noStrike" spc="-1">
               <a:latin typeface="Arial"/>
             </a:endParaRPr>
           </a:p>
@@ -4350,11 +4675,12 @@
           </a:prstGeom>
         </p:spPr>
         <p:txBody>
-          <a:bodyPr lIns="0" rIns="0" tIns="0" bIns="0">
+          <a:bodyPr lIns="0" tIns="0" rIns="0" bIns="0">
             <a:normAutofit fontScale="3000"/>
           </a:bodyPr>
-          <a:p>
-            <a:endParaRPr b="0" lang="es-ES" sz="3200" spc="-1" strike="noStrike">
+          <a:lstStyle/>
+          <a:p>
+            <a:endParaRPr lang="es-ES" sz="3200" b="0" strike="noStrike" spc="-1">
               <a:latin typeface="Arial"/>
             </a:endParaRPr>
           </a:p>
@@ -4380,11 +4706,12 @@
           </a:prstGeom>
         </p:spPr>
         <p:txBody>
-          <a:bodyPr lIns="0" rIns="0" tIns="0" bIns="0">
+          <a:bodyPr lIns="0" tIns="0" rIns="0" bIns="0">
             <a:normAutofit fontScale="14000"/>
           </a:bodyPr>
-          <a:p>
-            <a:endParaRPr b="0" lang="es-ES" sz="3200" spc="-1" strike="noStrike">
+          <a:lstStyle/>
+          <a:p>
+            <a:endParaRPr lang="es-ES" sz="3200" b="0" strike="noStrike" spc="-1">
               <a:latin typeface="Arial"/>
             </a:endParaRPr>
           </a:p>
@@ -4392,11 +4719,14 @@
       </p:sp>
     </p:spTree>
   </p:cSld>
+  <p:clrMapOvr>
+    <a:masterClrMapping/>
+  </p:clrMapOvr>
 </p:sldLayout>
 </file>
 
 <file path=ppt/slideLayouts/slideLayout46.xml><?xml version="1.0" encoding="utf-8"?>
-<p:sldLayout xmlns:a="http://schemas.openxmlformats.org/drawingml/2006/main" xmlns:p="http://schemas.openxmlformats.org/presentationml/2006/main" xmlns:r="http://schemas.openxmlformats.org/officeDocument/2006/relationships" xmlns:p14="http://schemas.microsoft.com/office/powerpoint/2010/main" xmlns:p15="http://schemas.microsoft.com/office/powerpoint/2012/main" xmlns:mc="http://schemas.openxmlformats.org/markup-compatibility/2006" type="objOverTx" preserve="1">
+<p:sldLayout xmlns:a="http://schemas.openxmlformats.org/drawingml/2006/main" xmlns:r="http://schemas.openxmlformats.org/officeDocument/2006/relationships" xmlns:p="http://schemas.openxmlformats.org/presentationml/2006/main" type="objOverTx" preserve="1">
   <p:cSld name="Title, Content over Content">
     <p:spTree>
       <p:nvGrpSpPr>
@@ -4432,12 +4762,13 @@
           </a:prstGeom>
         </p:spPr>
         <p:txBody>
-          <a:bodyPr lIns="0" rIns="0" tIns="0" bIns="0" anchor="ctr">
+          <a:bodyPr lIns="0" tIns="0" rIns="0" bIns="0" anchor="ctr">
             <a:noAutofit/>
           </a:bodyPr>
+          <a:lstStyle/>
           <a:p>
             <a:pPr algn="ctr"/>
-            <a:endParaRPr b="0" lang="es-ES" sz="4400" spc="-1" strike="noStrike">
+            <a:endParaRPr lang="es-ES" sz="4400" b="0" strike="noStrike" spc="-1">
               <a:latin typeface="Arial"/>
             </a:endParaRPr>
           </a:p>
@@ -4463,11 +4794,12 @@
           </a:prstGeom>
         </p:spPr>
         <p:txBody>
-          <a:bodyPr lIns="0" rIns="0" tIns="0" bIns="0">
+          <a:bodyPr lIns="0" tIns="0" rIns="0" bIns="0">
             <a:normAutofit fontScale="14000"/>
           </a:bodyPr>
-          <a:p>
-            <a:endParaRPr b="0" lang="es-ES" sz="3200" spc="-1" strike="noStrike">
+          <a:lstStyle/>
+          <a:p>
+            <a:endParaRPr lang="es-ES" sz="3200" b="0" strike="noStrike" spc="-1">
               <a:latin typeface="Arial"/>
             </a:endParaRPr>
           </a:p>
@@ -4493,11 +4825,12 @@
           </a:prstGeom>
         </p:spPr>
         <p:txBody>
-          <a:bodyPr lIns="0" rIns="0" tIns="0" bIns="0">
+          <a:bodyPr lIns="0" tIns="0" rIns="0" bIns="0">
             <a:normAutofit fontScale="14000"/>
           </a:bodyPr>
-          <a:p>
-            <a:endParaRPr b="0" lang="es-ES" sz="3200" spc="-1" strike="noStrike">
+          <a:lstStyle/>
+          <a:p>
+            <a:endParaRPr lang="es-ES" sz="3200" b="0" strike="noStrike" spc="-1">
               <a:latin typeface="Arial"/>
             </a:endParaRPr>
           </a:p>
@@ -4505,11 +4838,14 @@
       </p:sp>
     </p:spTree>
   </p:cSld>
+  <p:clrMapOvr>
+    <a:masterClrMapping/>
+  </p:clrMapOvr>
 </p:sldLayout>
 </file>
 
 <file path=ppt/slideLayouts/slideLayout47.xml><?xml version="1.0" encoding="utf-8"?>
-<p:sldLayout xmlns:a="http://schemas.openxmlformats.org/drawingml/2006/main" xmlns:p="http://schemas.openxmlformats.org/presentationml/2006/main" xmlns:r="http://schemas.openxmlformats.org/officeDocument/2006/relationships" xmlns:p14="http://schemas.microsoft.com/office/powerpoint/2010/main" xmlns:p15="http://schemas.microsoft.com/office/powerpoint/2012/main" xmlns:mc="http://schemas.openxmlformats.org/markup-compatibility/2006" type="fourObj" preserve="1">
+<p:sldLayout xmlns:a="http://schemas.openxmlformats.org/drawingml/2006/main" xmlns:r="http://schemas.openxmlformats.org/officeDocument/2006/relationships" xmlns:p="http://schemas.openxmlformats.org/presentationml/2006/main" type="fourObj" preserve="1">
   <p:cSld name="Title, 4 Content">
     <p:spTree>
       <p:nvGrpSpPr>
@@ -4545,12 +4881,13 @@
           </a:prstGeom>
         </p:spPr>
         <p:txBody>
-          <a:bodyPr lIns="0" rIns="0" tIns="0" bIns="0" anchor="ctr">
+          <a:bodyPr lIns="0" tIns="0" rIns="0" bIns="0" anchor="ctr">
             <a:noAutofit/>
           </a:bodyPr>
+          <a:lstStyle/>
           <a:p>
             <a:pPr algn="ctr"/>
-            <a:endParaRPr b="0" lang="es-ES" sz="4400" spc="-1" strike="noStrike">
+            <a:endParaRPr lang="es-ES" sz="4400" b="0" strike="noStrike" spc="-1">
               <a:latin typeface="Arial"/>
             </a:endParaRPr>
           </a:p>
@@ -4576,11 +4913,12 @@
           </a:prstGeom>
         </p:spPr>
         <p:txBody>
-          <a:bodyPr lIns="0" rIns="0" tIns="0" bIns="0">
+          <a:bodyPr lIns="0" tIns="0" rIns="0" bIns="0">
             <a:normAutofit fontScale="3000"/>
           </a:bodyPr>
-          <a:p>
-            <a:endParaRPr b="0" lang="es-ES" sz="3200" spc="-1" strike="noStrike">
+          <a:lstStyle/>
+          <a:p>
+            <a:endParaRPr lang="es-ES" sz="3200" b="0" strike="noStrike" spc="-1">
               <a:latin typeface="Arial"/>
             </a:endParaRPr>
           </a:p>
@@ -4606,11 +4944,12 @@
           </a:prstGeom>
         </p:spPr>
         <p:txBody>
-          <a:bodyPr lIns="0" rIns="0" tIns="0" bIns="0">
+          <a:bodyPr lIns="0" tIns="0" rIns="0" bIns="0">
             <a:normAutofit fontScale="3000"/>
           </a:bodyPr>
-          <a:p>
-            <a:endParaRPr b="0" lang="es-ES" sz="3200" spc="-1" strike="noStrike">
+          <a:lstStyle/>
+          <a:p>
+            <a:endParaRPr lang="es-ES" sz="3200" b="0" strike="noStrike" spc="-1">
               <a:latin typeface="Arial"/>
             </a:endParaRPr>
           </a:p>
@@ -4636,11 +4975,12 @@
           </a:prstGeom>
         </p:spPr>
         <p:txBody>
-          <a:bodyPr lIns="0" rIns="0" tIns="0" bIns="0">
+          <a:bodyPr lIns="0" tIns="0" rIns="0" bIns="0">
             <a:normAutofit fontScale="3000"/>
           </a:bodyPr>
-          <a:p>
-            <a:endParaRPr b="0" lang="es-ES" sz="3200" spc="-1" strike="noStrike">
+          <a:lstStyle/>
+          <a:p>
+            <a:endParaRPr lang="es-ES" sz="3200" b="0" strike="noStrike" spc="-1">
               <a:latin typeface="Arial"/>
             </a:endParaRPr>
           </a:p>
@@ -4666,11 +5006,12 @@
           </a:prstGeom>
         </p:spPr>
         <p:txBody>
-          <a:bodyPr lIns="0" rIns="0" tIns="0" bIns="0">
+          <a:bodyPr lIns="0" tIns="0" rIns="0" bIns="0">
             <a:normAutofit fontScale="3000"/>
           </a:bodyPr>
-          <a:p>
-            <a:endParaRPr b="0" lang="es-ES" sz="3200" spc="-1" strike="noStrike">
+          <a:lstStyle/>
+          <a:p>
+            <a:endParaRPr lang="es-ES" sz="3200" b="0" strike="noStrike" spc="-1">
               <a:latin typeface="Arial"/>
             </a:endParaRPr>
           </a:p>
@@ -4678,11 +5019,14 @@
       </p:sp>
     </p:spTree>
   </p:cSld>
+  <p:clrMapOvr>
+    <a:masterClrMapping/>
+  </p:clrMapOvr>
 </p:sldLayout>
 </file>
 
 <file path=ppt/slideLayouts/slideLayout48.xml><?xml version="1.0" encoding="utf-8"?>
-<p:sldLayout xmlns:a="http://schemas.openxmlformats.org/drawingml/2006/main" xmlns:p="http://schemas.openxmlformats.org/presentationml/2006/main" xmlns:r="http://schemas.openxmlformats.org/officeDocument/2006/relationships" xmlns:p14="http://schemas.microsoft.com/office/powerpoint/2010/main" xmlns:p15="http://schemas.microsoft.com/office/powerpoint/2012/main" xmlns:mc="http://schemas.openxmlformats.org/markup-compatibility/2006" type="blank" preserve="1">
+<p:sldLayout xmlns:a="http://schemas.openxmlformats.org/drawingml/2006/main" xmlns:r="http://schemas.openxmlformats.org/officeDocument/2006/relationships" xmlns:p="http://schemas.openxmlformats.org/presentationml/2006/main" type="blank" preserve="1">
   <p:cSld name="Title, 6 Content">
     <p:spTree>
       <p:nvGrpSpPr>
@@ -4718,12 +5062,13 @@
           </a:prstGeom>
         </p:spPr>
         <p:txBody>
-          <a:bodyPr lIns="0" rIns="0" tIns="0" bIns="0" anchor="ctr">
+          <a:bodyPr lIns="0" tIns="0" rIns="0" bIns="0" anchor="ctr">
             <a:noAutofit/>
           </a:bodyPr>
+          <a:lstStyle/>
           <a:p>
             <a:pPr algn="ctr"/>
-            <a:endParaRPr b="0" lang="es-ES" sz="4400" spc="-1" strike="noStrike">
+            <a:endParaRPr lang="es-ES" sz="4400" b="0" strike="noStrike" spc="-1">
               <a:latin typeface="Arial"/>
             </a:endParaRPr>
           </a:p>
@@ -4749,11 +5094,12 @@
           </a:prstGeom>
         </p:spPr>
         <p:txBody>
-          <a:bodyPr lIns="0" rIns="0" tIns="0" bIns="0">
+          <a:bodyPr lIns="0" tIns="0" rIns="0" bIns="0">
             <a:normAutofit/>
           </a:bodyPr>
-          <a:p>
-            <a:endParaRPr b="0" lang="es-ES" sz="3200" spc="-1" strike="noStrike">
+          <a:lstStyle/>
+          <a:p>
+            <a:endParaRPr lang="es-ES" sz="3200" b="0" strike="noStrike" spc="-1">
               <a:latin typeface="Arial"/>
             </a:endParaRPr>
           </a:p>
@@ -4779,11 +5125,12 @@
           </a:prstGeom>
         </p:spPr>
         <p:txBody>
-          <a:bodyPr lIns="0" rIns="0" tIns="0" bIns="0">
+          <a:bodyPr lIns="0" tIns="0" rIns="0" bIns="0">
             <a:normAutofit/>
           </a:bodyPr>
-          <a:p>
-            <a:endParaRPr b="0" lang="es-ES" sz="3200" spc="-1" strike="noStrike">
+          <a:lstStyle/>
+          <a:p>
+            <a:endParaRPr lang="es-ES" sz="3200" b="0" strike="noStrike" spc="-1">
               <a:latin typeface="Arial"/>
             </a:endParaRPr>
           </a:p>
@@ -4809,11 +5156,12 @@
           </a:prstGeom>
         </p:spPr>
         <p:txBody>
-          <a:bodyPr lIns="0" rIns="0" tIns="0" bIns="0">
+          <a:bodyPr lIns="0" tIns="0" rIns="0" bIns="0">
             <a:normAutofit/>
           </a:bodyPr>
-          <a:p>
-            <a:endParaRPr b="0" lang="es-ES" sz="3200" spc="-1" strike="noStrike">
+          <a:lstStyle/>
+          <a:p>
+            <a:endParaRPr lang="es-ES" sz="3200" b="0" strike="noStrike" spc="-1">
               <a:latin typeface="Arial"/>
             </a:endParaRPr>
           </a:p>
@@ -4839,11 +5187,12 @@
           </a:prstGeom>
         </p:spPr>
         <p:txBody>
-          <a:bodyPr lIns="0" rIns="0" tIns="0" bIns="0">
+          <a:bodyPr lIns="0" tIns="0" rIns="0" bIns="0">
             <a:normAutofit/>
           </a:bodyPr>
-          <a:p>
-            <a:endParaRPr b="0" lang="es-ES" sz="3200" spc="-1" strike="noStrike">
+          <a:lstStyle/>
+          <a:p>
+            <a:endParaRPr lang="es-ES" sz="3200" b="0" strike="noStrike" spc="-1">
               <a:latin typeface="Arial"/>
             </a:endParaRPr>
           </a:p>
@@ -4869,11 +5218,12 @@
           </a:prstGeom>
         </p:spPr>
         <p:txBody>
-          <a:bodyPr lIns="0" rIns="0" tIns="0" bIns="0">
+          <a:bodyPr lIns="0" tIns="0" rIns="0" bIns="0">
             <a:normAutofit/>
           </a:bodyPr>
-          <a:p>
-            <a:endParaRPr b="0" lang="es-ES" sz="3200" spc="-1" strike="noStrike">
+          <a:lstStyle/>
+          <a:p>
+            <a:endParaRPr lang="es-ES" sz="3200" b="0" strike="noStrike" spc="-1">
               <a:latin typeface="Arial"/>
             </a:endParaRPr>
           </a:p>
@@ -4899,11 +5249,12 @@
           </a:prstGeom>
         </p:spPr>
         <p:txBody>
-          <a:bodyPr lIns="0" rIns="0" tIns="0" bIns="0">
+          <a:bodyPr lIns="0" tIns="0" rIns="0" bIns="0">
             <a:normAutofit/>
           </a:bodyPr>
-          <a:p>
-            <a:endParaRPr b="0" lang="es-ES" sz="3200" spc="-1" strike="noStrike">
+          <a:lstStyle/>
+          <a:p>
+            <a:endParaRPr lang="es-ES" sz="3200" b="0" strike="noStrike" spc="-1">
               <a:latin typeface="Arial"/>
             </a:endParaRPr>
           </a:p>
@@ -4911,11 +5262,14 @@
       </p:sp>
     </p:spTree>
   </p:cSld>
+  <p:clrMapOvr>
+    <a:masterClrMapping/>
+  </p:clrMapOvr>
 </p:sldLayout>
 </file>
 
 <file path=ppt/slideLayouts/slideLayout5.xml><?xml version="1.0" encoding="utf-8"?>
-<p:sldLayout xmlns:a="http://schemas.openxmlformats.org/drawingml/2006/main" xmlns:p="http://schemas.openxmlformats.org/presentationml/2006/main" xmlns:r="http://schemas.openxmlformats.org/officeDocument/2006/relationships" xmlns:p14="http://schemas.microsoft.com/office/powerpoint/2010/main" xmlns:p15="http://schemas.microsoft.com/office/powerpoint/2012/main" xmlns:mc="http://schemas.openxmlformats.org/markup-compatibility/2006" type="titleOnly" preserve="1">
+<p:sldLayout xmlns:a="http://schemas.openxmlformats.org/drawingml/2006/main" xmlns:r="http://schemas.openxmlformats.org/officeDocument/2006/relationships" xmlns:p="http://schemas.openxmlformats.org/presentationml/2006/main" type="titleOnly" preserve="1">
   <p:cSld name="Title Only">
     <p:spTree>
       <p:nvGrpSpPr>
@@ -4951,12 +5305,13 @@
           </a:prstGeom>
         </p:spPr>
         <p:txBody>
-          <a:bodyPr lIns="0" rIns="0" tIns="0" bIns="0" anchor="ctr">
+          <a:bodyPr lIns="0" tIns="0" rIns="0" bIns="0" anchor="ctr">
             <a:noAutofit/>
           </a:bodyPr>
+          <a:lstStyle/>
           <a:p>
             <a:pPr algn="ctr"/>
-            <a:endParaRPr b="0" lang="es-ES" sz="4400" spc="-1" strike="noStrike">
+            <a:endParaRPr lang="es-ES" sz="4400" b="0" strike="noStrike" spc="-1">
               <a:latin typeface="Arial"/>
             </a:endParaRPr>
           </a:p>
@@ -4964,11 +5319,14 @@
       </p:sp>
     </p:spTree>
   </p:cSld>
+  <p:clrMapOvr>
+    <a:masterClrMapping/>
+  </p:clrMapOvr>
 </p:sldLayout>
 </file>
 
 <file path=ppt/slideLayouts/slideLayout6.xml><?xml version="1.0" encoding="utf-8"?>
-<p:sldLayout xmlns:a="http://schemas.openxmlformats.org/drawingml/2006/main" xmlns:p="http://schemas.openxmlformats.org/presentationml/2006/main" xmlns:r="http://schemas.openxmlformats.org/officeDocument/2006/relationships" xmlns:p14="http://schemas.microsoft.com/office/powerpoint/2010/main" xmlns:p15="http://schemas.microsoft.com/office/powerpoint/2012/main" xmlns:mc="http://schemas.openxmlformats.org/markup-compatibility/2006" type="objOnly" preserve="1">
+<p:sldLayout xmlns:a="http://schemas.openxmlformats.org/drawingml/2006/main" xmlns:r="http://schemas.openxmlformats.org/officeDocument/2006/relationships" xmlns:p="http://schemas.openxmlformats.org/presentationml/2006/main" type="objOnly" preserve="1">
   <p:cSld name="Centered Text">
     <p:spTree>
       <p:nvGrpSpPr>
@@ -5004,12 +5362,13 @@
           </a:prstGeom>
         </p:spPr>
         <p:txBody>
-          <a:bodyPr lIns="0" rIns="0" tIns="0" bIns="0" anchor="ctr">
+          <a:bodyPr lIns="0" tIns="0" rIns="0" bIns="0" anchor="ctr">
             <a:noAutofit/>
           </a:bodyPr>
+          <a:lstStyle/>
           <a:p>
             <a:pPr algn="ctr"/>
-            <a:endParaRPr b="0" lang="es-ES" sz="3200" spc="-1" strike="noStrike">
+            <a:endParaRPr lang="es-ES" sz="3200" b="0" strike="noStrike" spc="-1">
               <a:latin typeface="Arial"/>
             </a:endParaRPr>
           </a:p>
@@ -5017,11 +5376,14 @@
       </p:sp>
     </p:spTree>
   </p:cSld>
+  <p:clrMapOvr>
+    <a:masterClrMapping/>
+  </p:clrMapOvr>
 </p:sldLayout>
 </file>
 
 <file path=ppt/slideLayouts/slideLayout7.xml><?xml version="1.0" encoding="utf-8"?>
-<p:sldLayout xmlns:a="http://schemas.openxmlformats.org/drawingml/2006/main" xmlns:p="http://schemas.openxmlformats.org/presentationml/2006/main" xmlns:r="http://schemas.openxmlformats.org/officeDocument/2006/relationships" xmlns:p14="http://schemas.microsoft.com/office/powerpoint/2010/main" xmlns:p15="http://schemas.microsoft.com/office/powerpoint/2012/main" xmlns:mc="http://schemas.openxmlformats.org/markup-compatibility/2006" type="twoObjAndObj" preserve="1">
+<p:sldLayout xmlns:a="http://schemas.openxmlformats.org/drawingml/2006/main" xmlns:r="http://schemas.openxmlformats.org/officeDocument/2006/relationships" xmlns:p="http://schemas.openxmlformats.org/presentationml/2006/main" type="twoObjAndObj" preserve="1">
   <p:cSld name="Title, 2 Content and Content">
     <p:spTree>
       <p:nvGrpSpPr>
@@ -5057,12 +5419,13 @@
           </a:prstGeom>
         </p:spPr>
         <p:txBody>
-          <a:bodyPr lIns="0" rIns="0" tIns="0" bIns="0" anchor="ctr">
+          <a:bodyPr lIns="0" tIns="0" rIns="0" bIns="0" anchor="ctr">
             <a:noAutofit/>
           </a:bodyPr>
+          <a:lstStyle/>
           <a:p>
             <a:pPr algn="ctr"/>
-            <a:endParaRPr b="0" lang="es-ES" sz="4400" spc="-1" strike="noStrike">
+            <a:endParaRPr lang="es-ES" sz="4400" b="0" strike="noStrike" spc="-1">
               <a:latin typeface="Arial"/>
             </a:endParaRPr>
           </a:p>
@@ -5088,11 +5451,12 @@
           </a:prstGeom>
         </p:spPr>
         <p:txBody>
-          <a:bodyPr lIns="0" rIns="0" tIns="0" bIns="0">
+          <a:bodyPr lIns="0" tIns="0" rIns="0" bIns="0">
             <a:normAutofit fontScale="3000"/>
           </a:bodyPr>
-          <a:p>
-            <a:endParaRPr b="0" lang="es-ES" sz="3200" spc="-1" strike="noStrike">
+          <a:lstStyle/>
+          <a:p>
+            <a:endParaRPr lang="es-ES" sz="3200" b="0" strike="noStrike" spc="-1">
               <a:latin typeface="Arial"/>
             </a:endParaRPr>
           </a:p>
@@ -5118,11 +5482,12 @@
           </a:prstGeom>
         </p:spPr>
         <p:txBody>
-          <a:bodyPr lIns="0" rIns="0" tIns="0" bIns="0">
+          <a:bodyPr lIns="0" tIns="0" rIns="0" bIns="0">
             <a:normAutofit fontScale="10000"/>
           </a:bodyPr>
-          <a:p>
-            <a:endParaRPr b="0" lang="es-ES" sz="3200" spc="-1" strike="noStrike">
+          <a:lstStyle/>
+          <a:p>
+            <a:endParaRPr lang="es-ES" sz="3200" b="0" strike="noStrike" spc="-1">
               <a:latin typeface="Arial"/>
             </a:endParaRPr>
           </a:p>
@@ -5148,11 +5513,12 @@
           </a:prstGeom>
         </p:spPr>
         <p:txBody>
-          <a:bodyPr lIns="0" rIns="0" tIns="0" bIns="0">
+          <a:bodyPr lIns="0" tIns="0" rIns="0" bIns="0">
             <a:normAutofit fontScale="3000"/>
           </a:bodyPr>
-          <a:p>
-            <a:endParaRPr b="0" lang="es-ES" sz="3200" spc="-1" strike="noStrike">
+          <a:lstStyle/>
+          <a:p>
+            <a:endParaRPr lang="es-ES" sz="3200" b="0" strike="noStrike" spc="-1">
               <a:latin typeface="Arial"/>
             </a:endParaRPr>
           </a:p>
@@ -5160,11 +5526,14 @@
       </p:sp>
     </p:spTree>
   </p:cSld>
+  <p:clrMapOvr>
+    <a:masterClrMapping/>
+  </p:clrMapOvr>
 </p:sldLayout>
 </file>
 
 <file path=ppt/slideLayouts/slideLayout8.xml><?xml version="1.0" encoding="utf-8"?>
-<p:sldLayout xmlns:a="http://schemas.openxmlformats.org/drawingml/2006/main" xmlns:p="http://schemas.openxmlformats.org/presentationml/2006/main" xmlns:r="http://schemas.openxmlformats.org/officeDocument/2006/relationships" xmlns:p14="http://schemas.microsoft.com/office/powerpoint/2010/main" xmlns:p15="http://schemas.microsoft.com/office/powerpoint/2012/main" xmlns:mc="http://schemas.openxmlformats.org/markup-compatibility/2006" type="objAndTwoObj" preserve="1">
+<p:sldLayout xmlns:a="http://schemas.openxmlformats.org/drawingml/2006/main" xmlns:r="http://schemas.openxmlformats.org/officeDocument/2006/relationships" xmlns:p="http://schemas.openxmlformats.org/presentationml/2006/main" type="objAndTwoObj" preserve="1">
   <p:cSld name="Title Content and 2 Content">
     <p:spTree>
       <p:nvGrpSpPr>
@@ -5200,12 +5569,13 @@
           </a:prstGeom>
         </p:spPr>
         <p:txBody>
-          <a:bodyPr lIns="0" rIns="0" tIns="0" bIns="0" anchor="ctr">
+          <a:bodyPr lIns="0" tIns="0" rIns="0" bIns="0" anchor="ctr">
             <a:noAutofit/>
           </a:bodyPr>
+          <a:lstStyle/>
           <a:p>
             <a:pPr algn="ctr"/>
-            <a:endParaRPr b="0" lang="es-ES" sz="4400" spc="-1" strike="noStrike">
+            <a:endParaRPr lang="es-ES" sz="4400" b="0" strike="noStrike" spc="-1">
               <a:latin typeface="Arial"/>
             </a:endParaRPr>
           </a:p>
@@ -5231,11 +5601,12 @@
           </a:prstGeom>
         </p:spPr>
         <p:txBody>
-          <a:bodyPr lIns="0" rIns="0" tIns="0" bIns="0">
+          <a:bodyPr lIns="0" tIns="0" rIns="0" bIns="0">
             <a:normAutofit fontScale="10000"/>
           </a:bodyPr>
-          <a:p>
-            <a:endParaRPr b="0" lang="es-ES" sz="3200" spc="-1" strike="noStrike">
+          <a:lstStyle/>
+          <a:p>
+            <a:endParaRPr lang="es-ES" sz="3200" b="0" strike="noStrike" spc="-1">
               <a:latin typeface="Arial"/>
             </a:endParaRPr>
           </a:p>
@@ -5261,11 +5632,12 @@
           </a:prstGeom>
         </p:spPr>
         <p:txBody>
-          <a:bodyPr lIns="0" rIns="0" tIns="0" bIns="0">
+          <a:bodyPr lIns="0" tIns="0" rIns="0" bIns="0">
             <a:normAutofit fontScale="3000"/>
           </a:bodyPr>
-          <a:p>
-            <a:endParaRPr b="0" lang="es-ES" sz="3200" spc="-1" strike="noStrike">
+          <a:lstStyle/>
+          <a:p>
+            <a:endParaRPr lang="es-ES" sz="3200" b="0" strike="noStrike" spc="-1">
               <a:latin typeface="Arial"/>
             </a:endParaRPr>
           </a:p>
@@ -5291,11 +5663,12 @@
           </a:prstGeom>
         </p:spPr>
         <p:txBody>
-          <a:bodyPr lIns="0" rIns="0" tIns="0" bIns="0">
+          <a:bodyPr lIns="0" tIns="0" rIns="0" bIns="0">
             <a:normAutofit fontScale="3000"/>
           </a:bodyPr>
-          <a:p>
-            <a:endParaRPr b="0" lang="es-ES" sz="3200" spc="-1" strike="noStrike">
+          <a:lstStyle/>
+          <a:p>
+            <a:endParaRPr lang="es-ES" sz="3200" b="0" strike="noStrike" spc="-1">
               <a:latin typeface="Arial"/>
             </a:endParaRPr>
           </a:p>
@@ -5303,11 +5676,14 @@
       </p:sp>
     </p:spTree>
   </p:cSld>
+  <p:clrMapOvr>
+    <a:masterClrMapping/>
+  </p:clrMapOvr>
 </p:sldLayout>
 </file>
 
 <file path=ppt/slideLayouts/slideLayout9.xml><?xml version="1.0" encoding="utf-8"?>
-<p:sldLayout xmlns:a="http://schemas.openxmlformats.org/drawingml/2006/main" xmlns:p="http://schemas.openxmlformats.org/presentationml/2006/main" xmlns:r="http://schemas.openxmlformats.org/officeDocument/2006/relationships" xmlns:p14="http://schemas.microsoft.com/office/powerpoint/2010/main" xmlns:p15="http://schemas.microsoft.com/office/powerpoint/2012/main" xmlns:mc="http://schemas.openxmlformats.org/markup-compatibility/2006" type="twoObjOverTx" preserve="1">
+<p:sldLayout xmlns:a="http://schemas.openxmlformats.org/drawingml/2006/main" xmlns:r="http://schemas.openxmlformats.org/officeDocument/2006/relationships" xmlns:p="http://schemas.openxmlformats.org/presentationml/2006/main" type="twoObjOverTx" preserve="1">
   <p:cSld name="Title, 2 Content over Content">
     <p:spTree>
       <p:nvGrpSpPr>
@@ -5343,12 +5719,13 @@
           </a:prstGeom>
         </p:spPr>
         <p:txBody>
-          <a:bodyPr lIns="0" rIns="0" tIns="0" bIns="0" anchor="ctr">
+          <a:bodyPr lIns="0" tIns="0" rIns="0" bIns="0" anchor="ctr">
             <a:noAutofit/>
           </a:bodyPr>
+          <a:lstStyle/>
           <a:p>
             <a:pPr algn="ctr"/>
-            <a:endParaRPr b="0" lang="es-ES" sz="4400" spc="-1" strike="noStrike">
+            <a:endParaRPr lang="es-ES" sz="4400" b="0" strike="noStrike" spc="-1">
               <a:latin typeface="Arial"/>
             </a:endParaRPr>
           </a:p>
@@ -5374,11 +5751,12 @@
           </a:prstGeom>
         </p:spPr>
         <p:txBody>
-          <a:bodyPr lIns="0" rIns="0" tIns="0" bIns="0">
+          <a:bodyPr lIns="0" tIns="0" rIns="0" bIns="0">
             <a:normAutofit fontScale="3000"/>
           </a:bodyPr>
-          <a:p>
-            <a:endParaRPr b="0" lang="es-ES" sz="3200" spc="-1" strike="noStrike">
+          <a:lstStyle/>
+          <a:p>
+            <a:endParaRPr lang="es-ES" sz="3200" b="0" strike="noStrike" spc="-1">
               <a:latin typeface="Arial"/>
             </a:endParaRPr>
           </a:p>
@@ -5404,11 +5782,12 @@
           </a:prstGeom>
         </p:spPr>
         <p:txBody>
-          <a:bodyPr lIns="0" rIns="0" tIns="0" bIns="0">
+          <a:bodyPr lIns="0" tIns="0" rIns="0" bIns="0">
             <a:normAutofit fontScale="3000"/>
           </a:bodyPr>
-          <a:p>
-            <a:endParaRPr b="0" lang="es-ES" sz="3200" spc="-1" strike="noStrike">
+          <a:lstStyle/>
+          <a:p>
+            <a:endParaRPr lang="es-ES" sz="3200" b="0" strike="noStrike" spc="-1">
               <a:latin typeface="Arial"/>
             </a:endParaRPr>
           </a:p>
@@ -5434,11 +5813,12 @@
           </a:prstGeom>
         </p:spPr>
         <p:txBody>
-          <a:bodyPr lIns="0" rIns="0" tIns="0" bIns="0">
+          <a:bodyPr lIns="0" tIns="0" rIns="0" bIns="0">
             <a:normAutofit fontScale="14000"/>
           </a:bodyPr>
-          <a:p>
-            <a:endParaRPr b="0" lang="es-ES" sz="3200" spc="-1" strike="noStrike">
+          <a:lstStyle/>
+          <a:p>
+            <a:endParaRPr lang="es-ES" sz="3200" b="0" strike="noStrike" spc="-1">
               <a:latin typeface="Arial"/>
             </a:endParaRPr>
           </a:p>
@@ -5446,11 +5826,14 @@
       </p:sp>
     </p:spTree>
   </p:cSld>
+  <p:clrMapOvr>
+    <a:masterClrMapping/>
+  </p:clrMapOvr>
 </p:sldLayout>
 </file>
 
 <file path=ppt/slideMasters/slideMaster1.xml><?xml version="1.0" encoding="utf-8"?>
-<p:sldMaster xmlns:a="http://schemas.openxmlformats.org/drawingml/2006/main" xmlns:p="http://schemas.openxmlformats.org/presentationml/2006/main" xmlns:r="http://schemas.openxmlformats.org/officeDocument/2006/relationships" xmlns:p14="http://schemas.microsoft.com/office/powerpoint/2010/main" xmlns:p15="http://schemas.microsoft.com/office/powerpoint/2012/main" xmlns:mc="http://schemas.openxmlformats.org/markup-compatibility/2006">
+<p:sldMaster xmlns:a="http://schemas.openxmlformats.org/drawingml/2006/main" xmlns:r="http://schemas.openxmlformats.org/officeDocument/2006/relationships" xmlns:p="http://schemas.openxmlformats.org/presentationml/2006/main">
   <p:cSld>
     <p:spTree>
       <p:nvGrpSpPr>
@@ -5468,7 +5851,7 @@
       </p:grpSpPr>
       <p:sp>
         <p:nvSpPr>
-          <p:cNvPr id="0" name="CustomShape 1"/>
+          <p:cNvPr id="6" name="CustomShape 1"/>
           <p:cNvSpPr/>
           <p:nvPr/>
         </p:nvSpPr>
@@ -5483,12 +5866,12 @@
           <a:gradFill rotWithShape="0">
             <a:gsLst>
               <a:gs pos="0">
-                <a:srgbClr val="d2d2d2">
+                <a:srgbClr val="D2D2D2">
                   <a:alpha val="10196"/>
                 </a:srgbClr>
               </a:gs>
               <a:gs pos="100000">
-                <a:srgbClr val="d2d2d2">
+                <a:srgbClr val="D2D2D2">
                   <a:alpha val="8235"/>
                 </a:srgbClr>
               </a:gs>
@@ -5499,7 +5882,7 @@
             <a:noFill/>
           </a:ln>
           <a:effectLst>
-            <a:outerShdw algn="t" blurRad="63500" dir="14693110" dist="25445" rotWithShape="0">
+            <a:outerShdw blurRad="63500" dist="25445" dir="14693110" algn="t" rotWithShape="0">
               <a:srgbClr val="000000">
                 <a:alpha val="50000"/>
               </a:srgbClr>
@@ -5521,7 +5904,7 @@
       </p:sp>
       <p:sp>
         <p:nvSpPr>
-          <p:cNvPr id="1" name="Line 2"/>
+          <p:cNvPr id="7" name="Line 2"/>
           <p:cNvSpPr/>
           <p:nvPr/>
         </p:nvSpPr>
@@ -5614,10 +5997,10 @@
           <a:gradFill rotWithShape="0">
             <a:gsLst>
               <a:gs pos="0">
-                <a:srgbClr val="b7014c"/>
+                <a:srgbClr val="B7014C"/>
               </a:gs>
               <a:gs pos="100000">
-                <a:srgbClr val="ff388c">
+                <a:srgbClr val="FF388C">
                   <a:alpha val="0"/>
                 </a:srgbClr>
               </a:gs>
@@ -5628,7 +6011,7 @@
             <a:noFill/>
           </a:ln>
           <a:effectLst>
-            <a:outerShdw algn="t" blurRad="63500" dir="14693110" dist="25445" rotWithShape="0">
+            <a:outerShdw blurRad="63500" dist="25445" dir="14693110" algn="t" rotWithShape="0">
               <a:srgbClr val="000000">
                 <a:alpha val="50000"/>
               </a:srgbClr>
@@ -5668,20 +6051,18 @@
           </a:prstGeom>
         </p:spPr>
         <p:txBody>
-          <a:bodyPr lIns="0" rIns="0" tIns="0" bIns="0" anchor="ctr">
+          <a:bodyPr lIns="0" tIns="0" rIns="0" bIns="0" anchor="ctr">
             <a:noAutofit/>
           </a:bodyPr>
+          <a:lstStyle/>
           <a:p>
             <a:pPr algn="ctr"/>
             <a:r>
-              <a:rPr b="0" lang="es-ES" sz="1800" spc="-1" strike="noStrike">
+              <a:rPr lang="es-ES" sz="1800" b="0" strike="noStrike" spc="-1">
                 <a:latin typeface="Arial"/>
               </a:rPr>
               <a:t>Pulse para editar el formato del texto de título</a:t>
             </a:r>
-            <a:endParaRPr b="0" lang="es-ES" sz="1800" spc="-1" strike="noStrike">
-              <a:latin typeface="Arial"/>
-            </a:endParaRPr>
           </a:p>
         </p:txBody>
       </p:sp>
@@ -5705,9 +6086,10 @@
           </a:prstGeom>
         </p:spPr>
         <p:txBody>
-          <a:bodyPr lIns="0" rIns="0" tIns="0" bIns="0">
+          <a:bodyPr lIns="0" tIns="0" rIns="0" bIns="0">
             <a:normAutofit fontScale="39000"/>
           </a:bodyPr>
+          <a:lstStyle/>
           <a:p>
             <a:pPr marL="432000" indent="-324000" algn="ctr">
               <a:spcBef>
@@ -5721,17 +6103,14 @@
               <a:buChar char=""/>
             </a:pPr>
             <a:r>
-              <a:rPr b="0" lang="es-ES" sz="1800" spc="-1" strike="noStrike">
+              <a:rPr lang="es-ES" sz="1800" b="0" strike="noStrike" spc="-1">
                 <a:latin typeface="Arial"/>
               </a:rPr>
               <a:t>Pulse para editar el formato de texto del esquema</a:t>
             </a:r>
-            <a:endParaRPr b="0" lang="es-ES" sz="1800" spc="-1" strike="noStrike">
-              <a:latin typeface="Arial"/>
-            </a:endParaRPr>
-          </a:p>
-          <a:p>
-            <a:pPr lvl="1" marL="864000" indent="-324000" algn="ctr">
+          </a:p>
+          <a:p>
+            <a:pPr marL="864000" lvl="1" indent="-324000" algn="ctr">
               <a:spcBef>
                 <a:spcPts val="1134"/>
               </a:spcBef>
@@ -5743,17 +6122,14 @@
               <a:buChar char=""/>
             </a:pPr>
             <a:r>
-              <a:rPr b="0" lang="es-ES" sz="1800" spc="-1" strike="noStrike">
+              <a:rPr lang="es-ES" sz="1800" b="0" strike="noStrike" spc="-1">
                 <a:latin typeface="Arial"/>
               </a:rPr>
               <a:t>Segundo nivel del esquema</a:t>
             </a:r>
-            <a:endParaRPr b="0" lang="es-ES" sz="1800" spc="-1" strike="noStrike">
-              <a:latin typeface="Arial"/>
-            </a:endParaRPr>
-          </a:p>
-          <a:p>
-            <a:pPr lvl="2" marL="1296000" indent="-288000" algn="ctr">
+          </a:p>
+          <a:p>
+            <a:pPr marL="1296000" lvl="2" indent="-288000" algn="ctr">
               <a:spcBef>
                 <a:spcPts val="850"/>
               </a:spcBef>
@@ -5765,17 +6141,14 @@
               <a:buChar char=""/>
             </a:pPr>
             <a:r>
-              <a:rPr b="0" lang="es-ES" sz="1800" spc="-1" strike="noStrike">
+              <a:rPr lang="es-ES" sz="1800" b="0" strike="noStrike" spc="-1">
                 <a:latin typeface="Arial"/>
               </a:rPr>
               <a:t>Tercer nivel del esquema</a:t>
             </a:r>
-            <a:endParaRPr b="0" lang="es-ES" sz="1800" spc="-1" strike="noStrike">
-              <a:latin typeface="Arial"/>
-            </a:endParaRPr>
-          </a:p>
-          <a:p>
-            <a:pPr lvl="3" marL="1728000" indent="-216000" algn="ctr">
+          </a:p>
+          <a:p>
+            <a:pPr marL="1728000" lvl="3" indent="-216000" algn="ctr">
               <a:spcBef>
                 <a:spcPts val="567"/>
               </a:spcBef>
@@ -5787,17 +6160,14 @@
               <a:buChar char=""/>
             </a:pPr>
             <a:r>
-              <a:rPr b="0" lang="es-ES" sz="1800" spc="-1" strike="noStrike">
+              <a:rPr lang="es-ES" sz="1800" b="0" strike="noStrike" spc="-1">
                 <a:latin typeface="Arial"/>
               </a:rPr>
               <a:t>Cuarto nivel del esquema</a:t>
             </a:r>
-            <a:endParaRPr b="0" lang="es-ES" sz="1800" spc="-1" strike="noStrike">
-              <a:latin typeface="Arial"/>
-            </a:endParaRPr>
-          </a:p>
-          <a:p>
-            <a:pPr lvl="4" marL="2160000" indent="-216000" algn="ctr">
+          </a:p>
+          <a:p>
+            <a:pPr marL="2160000" lvl="4" indent="-216000" algn="ctr">
               <a:spcBef>
                 <a:spcPts val="283"/>
               </a:spcBef>
@@ -5809,17 +6179,14 @@
               <a:buChar char=""/>
             </a:pPr>
             <a:r>
-              <a:rPr b="0" lang="es-ES" sz="1800" spc="-1" strike="noStrike">
+              <a:rPr lang="es-ES" sz="1800" b="0" strike="noStrike" spc="-1">
                 <a:latin typeface="Arial"/>
               </a:rPr>
               <a:t>Quinto nivel del esquema</a:t>
             </a:r>
-            <a:endParaRPr b="0" lang="es-ES" sz="1800" spc="-1" strike="noStrike">
-              <a:latin typeface="Arial"/>
-            </a:endParaRPr>
-          </a:p>
-          <a:p>
-            <a:pPr lvl="5" marL="2592000" indent="-216000" algn="ctr">
+          </a:p>
+          <a:p>
+            <a:pPr marL="2592000" lvl="5" indent="-216000" algn="ctr">
               <a:spcBef>
                 <a:spcPts val="283"/>
               </a:spcBef>
@@ -5831,17 +6198,14 @@
               <a:buChar char=""/>
             </a:pPr>
             <a:r>
-              <a:rPr b="0" lang="es-ES" sz="1800" spc="-1" strike="noStrike">
+              <a:rPr lang="es-ES" sz="1800" b="0" strike="noStrike" spc="-1">
                 <a:latin typeface="Arial"/>
               </a:rPr>
               <a:t>Sexto nivel del esquema</a:t>
             </a:r>
-            <a:endParaRPr b="0" lang="es-ES" sz="1800" spc="-1" strike="noStrike">
-              <a:latin typeface="Arial"/>
-            </a:endParaRPr>
-          </a:p>
-          <a:p>
-            <a:pPr lvl="6" marL="3024000" indent="-216000" algn="ctr">
+          </a:p>
+          <a:p>
+            <a:pPr marL="3024000" lvl="6" indent="-216000" algn="ctr">
               <a:spcBef>
                 <a:spcPts val="283"/>
               </a:spcBef>
@@ -5853,39 +6217,41 @@
               <a:buChar char=""/>
             </a:pPr>
             <a:r>
-              <a:rPr b="0" lang="es-ES" sz="1800" spc="-1" strike="noStrike">
+              <a:rPr lang="es-ES" sz="1800" b="0" strike="noStrike" spc="-1">
                 <a:latin typeface="Arial"/>
               </a:rPr>
               <a:t>Séptimo nivel del esquema</a:t>
             </a:r>
-            <a:endParaRPr b="0" lang="es-ES" sz="1800" spc="-1" strike="noStrike">
-              <a:latin typeface="Arial"/>
-            </a:endParaRPr>
           </a:p>
         </p:txBody>
       </p:sp>
     </p:spTree>
   </p:cSld>
-  <p:clrMap bg1="lt1" bg2="lt2" tx1="dk1" tx2="dk2" accent1="accent1" accent2="accent2" accent3="accent3" accent4="accent4" accent5="accent5" accent6="accent6" hlink="hlink" folHlink="folHlink"/>
+  <p:clrMap bg1="lt1" tx1="dk1" bg2="lt2" tx2="dk2" accent1="accent1" accent2="accent2" accent3="accent3" accent4="accent4" accent5="accent5" accent6="accent6" hlink="hlink" folHlink="folHlink"/>
   <p:sldLayoutIdLst>
-    <p:sldLayoutId id="2147483649" r:id="rId2"/>
-    <p:sldLayoutId id="2147483650" r:id="rId3"/>
-    <p:sldLayoutId id="2147483651" r:id="rId4"/>
-    <p:sldLayoutId id="2147483652" r:id="rId5"/>
-    <p:sldLayoutId id="2147483653" r:id="rId6"/>
-    <p:sldLayoutId id="2147483654" r:id="rId7"/>
-    <p:sldLayoutId id="2147483655" r:id="rId8"/>
-    <p:sldLayoutId id="2147483656" r:id="rId9"/>
-    <p:sldLayoutId id="2147483657" r:id="rId10"/>
-    <p:sldLayoutId id="2147483658" r:id="rId11"/>
-    <p:sldLayoutId id="2147483659" r:id="rId12"/>
-    <p:sldLayoutId id="2147483660" r:id="rId13"/>
+    <p:sldLayoutId id="2147483649" r:id="rId1"/>
+    <p:sldLayoutId id="2147483650" r:id="rId2"/>
+    <p:sldLayoutId id="2147483651" r:id="rId3"/>
+    <p:sldLayoutId id="2147483652" r:id="rId4"/>
+    <p:sldLayoutId id="2147483653" r:id="rId5"/>
+    <p:sldLayoutId id="2147483654" r:id="rId6"/>
+    <p:sldLayoutId id="2147483655" r:id="rId7"/>
+    <p:sldLayoutId id="2147483656" r:id="rId8"/>
+    <p:sldLayoutId id="2147483657" r:id="rId9"/>
+    <p:sldLayoutId id="2147483658" r:id="rId10"/>
+    <p:sldLayoutId id="2147483659" r:id="rId11"/>
+    <p:sldLayoutId id="2147483660" r:id="rId12"/>
   </p:sldLayoutIdLst>
+  <p:txStyles>
+    <p:titleStyle/>
+    <p:bodyStyle/>
+    <p:otherStyle/>
+  </p:txStyles>
 </p:sldMaster>
 </file>
 
 <file path=ppt/slideMasters/slideMaster2.xml><?xml version="1.0" encoding="utf-8"?>
-<p:sldMaster xmlns:a="http://schemas.openxmlformats.org/drawingml/2006/main" xmlns:p="http://schemas.openxmlformats.org/presentationml/2006/main" xmlns:r="http://schemas.openxmlformats.org/officeDocument/2006/relationships" xmlns:p14="http://schemas.microsoft.com/office/powerpoint/2010/main" xmlns:p15="http://schemas.microsoft.com/office/powerpoint/2012/main" xmlns:mc="http://schemas.openxmlformats.org/markup-compatibility/2006">
+<p:sldMaster xmlns:a="http://schemas.openxmlformats.org/drawingml/2006/main" xmlns:r="http://schemas.openxmlformats.org/officeDocument/2006/relationships" xmlns:p="http://schemas.openxmlformats.org/presentationml/2006/main">
   <p:cSld>
     <p:spTree>
       <p:nvGrpSpPr>
@@ -5918,12 +6284,12 @@
           <a:gradFill rotWithShape="0">
             <a:gsLst>
               <a:gs pos="0">
-                <a:srgbClr val="d2d2d2">
+                <a:srgbClr val="D2D2D2">
                   <a:alpha val="10196"/>
                 </a:srgbClr>
               </a:gs>
               <a:gs pos="100000">
-                <a:srgbClr val="d2d2d2">
+                <a:srgbClr val="D2D2D2">
                   <a:alpha val="8235"/>
                 </a:srgbClr>
               </a:gs>
@@ -5934,7 +6300,7 @@
             <a:noFill/>
           </a:ln>
           <a:effectLst>
-            <a:outerShdw algn="t" blurRad="63500" dir="14693110" dist="25445" rotWithShape="0">
+            <a:outerShdw blurRad="63500" dist="25445" dir="14693110" algn="t" rotWithShape="0">
               <a:srgbClr val="000000">
                 <a:alpha val="50000"/>
               </a:srgbClr>
@@ -6050,20 +6416,18 @@
           </a:prstGeom>
         </p:spPr>
         <p:txBody>
-          <a:bodyPr lIns="0" rIns="0" tIns="0" bIns="0" anchor="ctr">
+          <a:bodyPr lIns="0" tIns="0" rIns="0" bIns="0" anchor="ctr">
             <a:noAutofit/>
           </a:bodyPr>
+          <a:lstStyle/>
           <a:p>
             <a:pPr algn="ctr"/>
             <a:r>
-              <a:rPr b="0" lang="es-ES" sz="4400" spc="-1" strike="noStrike">
+              <a:rPr lang="es-ES" sz="4400" b="0" strike="noStrike" spc="-1">
                 <a:latin typeface="Arial"/>
               </a:rPr>
               <a:t>Pulse para editar el formato del texto de título</a:t>
             </a:r>
-            <a:endParaRPr b="0" lang="es-ES" sz="4400" spc="-1" strike="noStrike">
-              <a:latin typeface="Arial"/>
-            </a:endParaRPr>
           </a:p>
         </p:txBody>
       </p:sp>
@@ -6087,9 +6451,10 @@
           </a:prstGeom>
         </p:spPr>
         <p:txBody>
-          <a:bodyPr lIns="0" rIns="0" tIns="0" bIns="0">
+          <a:bodyPr lIns="0" tIns="0" rIns="0" bIns="0">
             <a:normAutofit/>
           </a:bodyPr>
+          <a:lstStyle/>
           <a:p>
             <a:pPr marL="432000" indent="-324000">
               <a:spcBef>
@@ -6103,17 +6468,14 @@
               <a:buChar char=""/>
             </a:pPr>
             <a:r>
-              <a:rPr b="0" lang="es-ES" sz="3200" spc="-1" strike="noStrike">
+              <a:rPr lang="es-ES" sz="3200" b="0" strike="noStrike" spc="-1">
                 <a:latin typeface="Arial"/>
               </a:rPr>
               <a:t>Pulse para editar el formato de texto del esquema</a:t>
             </a:r>
-            <a:endParaRPr b="0" lang="es-ES" sz="3200" spc="-1" strike="noStrike">
-              <a:latin typeface="Arial"/>
-            </a:endParaRPr>
-          </a:p>
-          <a:p>
-            <a:pPr lvl="1" marL="864000" indent="-324000">
+          </a:p>
+          <a:p>
+            <a:pPr marL="864000" lvl="1" indent="-324000">
               <a:spcBef>
                 <a:spcPts val="1134"/>
               </a:spcBef>
@@ -6125,17 +6487,14 @@
               <a:buChar char=""/>
             </a:pPr>
             <a:r>
-              <a:rPr b="0" lang="es-ES" sz="2800" spc="-1" strike="noStrike">
+              <a:rPr lang="es-ES" sz="2800" b="0" strike="noStrike" spc="-1">
                 <a:latin typeface="Arial"/>
               </a:rPr>
               <a:t>Segundo nivel del esquema</a:t>
             </a:r>
-            <a:endParaRPr b="0" lang="es-ES" sz="2800" spc="-1" strike="noStrike">
-              <a:latin typeface="Arial"/>
-            </a:endParaRPr>
-          </a:p>
-          <a:p>
-            <a:pPr lvl="2" marL="1296000" indent="-288000">
+          </a:p>
+          <a:p>
+            <a:pPr marL="1296000" lvl="2" indent="-288000">
               <a:spcBef>
                 <a:spcPts val="850"/>
               </a:spcBef>
@@ -6147,17 +6506,14 @@
               <a:buChar char=""/>
             </a:pPr>
             <a:r>
-              <a:rPr b="0" lang="es-ES" sz="2400" spc="-1" strike="noStrike">
+              <a:rPr lang="es-ES" sz="2400" b="0" strike="noStrike" spc="-1">
                 <a:latin typeface="Arial"/>
               </a:rPr>
               <a:t>Tercer nivel del esquema</a:t>
             </a:r>
-            <a:endParaRPr b="0" lang="es-ES" sz="2400" spc="-1" strike="noStrike">
-              <a:latin typeface="Arial"/>
-            </a:endParaRPr>
-          </a:p>
-          <a:p>
-            <a:pPr lvl="3" marL="1728000" indent="-216000">
+          </a:p>
+          <a:p>
+            <a:pPr marL="1728000" lvl="3" indent="-216000">
               <a:spcBef>
                 <a:spcPts val="567"/>
               </a:spcBef>
@@ -6169,17 +6525,14 @@
               <a:buChar char=""/>
             </a:pPr>
             <a:r>
-              <a:rPr b="0" lang="es-ES" sz="2000" spc="-1" strike="noStrike">
+              <a:rPr lang="es-ES" sz="2000" b="0" strike="noStrike" spc="-1">
                 <a:latin typeface="Arial"/>
               </a:rPr>
               <a:t>Cuarto nivel del esquema</a:t>
             </a:r>
-            <a:endParaRPr b="0" lang="es-ES" sz="2000" spc="-1" strike="noStrike">
-              <a:latin typeface="Arial"/>
-            </a:endParaRPr>
-          </a:p>
-          <a:p>
-            <a:pPr lvl="4" marL="2160000" indent="-216000">
+          </a:p>
+          <a:p>
+            <a:pPr marL="2160000" lvl="4" indent="-216000">
               <a:spcBef>
                 <a:spcPts val="283"/>
               </a:spcBef>
@@ -6191,17 +6544,14 @@
               <a:buChar char=""/>
             </a:pPr>
             <a:r>
-              <a:rPr b="0" lang="es-ES" sz="2000" spc="-1" strike="noStrike">
+              <a:rPr lang="es-ES" sz="2000" b="0" strike="noStrike" spc="-1">
                 <a:latin typeface="Arial"/>
               </a:rPr>
               <a:t>Quinto nivel del esquema</a:t>
             </a:r>
-            <a:endParaRPr b="0" lang="es-ES" sz="2000" spc="-1" strike="noStrike">
-              <a:latin typeface="Arial"/>
-            </a:endParaRPr>
-          </a:p>
-          <a:p>
-            <a:pPr lvl="5" marL="2592000" indent="-216000">
+          </a:p>
+          <a:p>
+            <a:pPr marL="2592000" lvl="5" indent="-216000">
               <a:spcBef>
                 <a:spcPts val="283"/>
               </a:spcBef>
@@ -6213,17 +6563,14 @@
               <a:buChar char=""/>
             </a:pPr>
             <a:r>
-              <a:rPr b="0" lang="es-ES" sz="2000" spc="-1" strike="noStrike">
+              <a:rPr lang="es-ES" sz="2000" b="0" strike="noStrike" spc="-1">
                 <a:latin typeface="Arial"/>
               </a:rPr>
               <a:t>Sexto nivel del esquema</a:t>
             </a:r>
-            <a:endParaRPr b="0" lang="es-ES" sz="2000" spc="-1" strike="noStrike">
-              <a:latin typeface="Arial"/>
-            </a:endParaRPr>
-          </a:p>
-          <a:p>
-            <a:pPr lvl="6" marL="3024000" indent="-216000">
+          </a:p>
+          <a:p>
+            <a:pPr marL="3024000" lvl="6" indent="-216000">
               <a:spcBef>
                 <a:spcPts val="283"/>
               </a:spcBef>
@@ -6235,39 +6582,41 @@
               <a:buChar char=""/>
             </a:pPr>
             <a:r>
-              <a:rPr b="0" lang="es-ES" sz="2000" spc="-1" strike="noStrike">
+              <a:rPr lang="es-ES" sz="2000" b="0" strike="noStrike" spc="-1">
                 <a:latin typeface="Arial"/>
               </a:rPr>
               <a:t>Séptimo nivel del esquema</a:t>
             </a:r>
-            <a:endParaRPr b="0" lang="es-ES" sz="2000" spc="-1" strike="noStrike">
-              <a:latin typeface="Arial"/>
-            </a:endParaRPr>
           </a:p>
         </p:txBody>
       </p:sp>
     </p:spTree>
   </p:cSld>
-  <p:clrMap bg1="lt1" bg2="lt2" tx1="dk1" tx2="dk2" accent1="accent1" accent2="accent2" accent3="accent3" accent4="accent4" accent5="accent5" accent6="accent6" hlink="hlink" folHlink="folHlink"/>
+  <p:clrMap bg1="lt1" tx1="dk1" bg2="lt2" tx2="dk2" accent1="accent1" accent2="accent2" accent3="accent3" accent4="accent4" accent5="accent5" accent6="accent6" hlink="hlink" folHlink="folHlink"/>
   <p:sldLayoutIdLst>
-    <p:sldLayoutId id="2147483662" r:id="rId2"/>
-    <p:sldLayoutId id="2147483663" r:id="rId3"/>
-    <p:sldLayoutId id="2147483664" r:id="rId4"/>
-    <p:sldLayoutId id="2147483665" r:id="rId5"/>
-    <p:sldLayoutId id="2147483666" r:id="rId6"/>
-    <p:sldLayoutId id="2147483667" r:id="rId7"/>
-    <p:sldLayoutId id="2147483668" r:id="rId8"/>
-    <p:sldLayoutId id="2147483669" r:id="rId9"/>
-    <p:sldLayoutId id="2147483670" r:id="rId10"/>
-    <p:sldLayoutId id="2147483671" r:id="rId11"/>
-    <p:sldLayoutId id="2147483672" r:id="rId12"/>
-    <p:sldLayoutId id="2147483673" r:id="rId13"/>
+    <p:sldLayoutId id="2147483662" r:id="rId1"/>
+    <p:sldLayoutId id="2147483663" r:id="rId2"/>
+    <p:sldLayoutId id="2147483664" r:id="rId3"/>
+    <p:sldLayoutId id="2147483665" r:id="rId4"/>
+    <p:sldLayoutId id="2147483666" r:id="rId5"/>
+    <p:sldLayoutId id="2147483667" r:id="rId6"/>
+    <p:sldLayoutId id="2147483668" r:id="rId7"/>
+    <p:sldLayoutId id="2147483669" r:id="rId8"/>
+    <p:sldLayoutId id="2147483670" r:id="rId9"/>
+    <p:sldLayoutId id="2147483671" r:id="rId10"/>
+    <p:sldLayoutId id="2147483672" r:id="rId11"/>
+    <p:sldLayoutId id="2147483673" r:id="rId12"/>
   </p:sldLayoutIdLst>
+  <p:txStyles>
+    <p:titleStyle/>
+    <p:bodyStyle/>
+    <p:otherStyle/>
+  </p:txStyles>
 </p:sldMaster>
 </file>
 
 <file path=ppt/slideMasters/slideMaster3.xml><?xml version="1.0" encoding="utf-8"?>
-<p:sldMaster xmlns:a="http://schemas.openxmlformats.org/drawingml/2006/main" xmlns:p="http://schemas.openxmlformats.org/presentationml/2006/main" xmlns:r="http://schemas.openxmlformats.org/officeDocument/2006/relationships" xmlns:p14="http://schemas.microsoft.com/office/powerpoint/2010/main" xmlns:p15="http://schemas.microsoft.com/office/powerpoint/2012/main" xmlns:mc="http://schemas.openxmlformats.org/markup-compatibility/2006">
+<p:sldMaster xmlns:a="http://schemas.openxmlformats.org/drawingml/2006/main" xmlns:r="http://schemas.openxmlformats.org/officeDocument/2006/relationships" xmlns:p="http://schemas.openxmlformats.org/presentationml/2006/main">
   <p:cSld>
     <p:spTree>
       <p:nvGrpSpPr>
@@ -6300,12 +6649,12 @@
           <a:gradFill rotWithShape="0">
             <a:gsLst>
               <a:gs pos="0">
-                <a:srgbClr val="d2d2d2">
+                <a:srgbClr val="D2D2D2">
                   <a:alpha val="10196"/>
                 </a:srgbClr>
               </a:gs>
               <a:gs pos="100000">
-                <a:srgbClr val="d2d2d2">
+                <a:srgbClr val="D2D2D2">
                   <a:alpha val="8235"/>
                 </a:srgbClr>
               </a:gs>
@@ -6316,7 +6665,7 @@
             <a:noFill/>
           </a:ln>
           <a:effectLst>
-            <a:outerShdw algn="t" blurRad="63500" dir="14693110" dist="25445" rotWithShape="0">
+            <a:outerShdw blurRad="63500" dist="25445" dir="14693110" algn="t" rotWithShape="0">
               <a:srgbClr val="000000">
                 <a:alpha val="50000"/>
               </a:srgbClr>
@@ -6432,20 +6781,18 @@
           </a:prstGeom>
         </p:spPr>
         <p:txBody>
-          <a:bodyPr lIns="0" rIns="0" tIns="0" bIns="0" anchor="ctr">
+          <a:bodyPr lIns="0" tIns="0" rIns="0" bIns="0" anchor="ctr">
             <a:noAutofit/>
           </a:bodyPr>
+          <a:lstStyle/>
           <a:p>
             <a:pPr algn="ctr"/>
             <a:r>
-              <a:rPr b="0" lang="es-ES" sz="1800" spc="-1" strike="noStrike">
+              <a:rPr lang="es-ES" sz="1800" b="0" strike="noStrike" spc="-1">
                 <a:latin typeface="Arial"/>
               </a:rPr>
               <a:t>Pulse para editar el formato del texto de título</a:t>
             </a:r>
-            <a:endParaRPr b="0" lang="es-ES" sz="1800" spc="-1" strike="noStrike">
-              <a:latin typeface="Arial"/>
-            </a:endParaRPr>
           </a:p>
         </p:txBody>
       </p:sp>
@@ -6469,9 +6816,10 @@
           </a:prstGeom>
         </p:spPr>
         <p:txBody>
-          <a:bodyPr lIns="0" rIns="0" tIns="0" bIns="0">
+          <a:bodyPr lIns="0" tIns="0" rIns="0" bIns="0">
             <a:normAutofit fontScale="43000"/>
           </a:bodyPr>
+          <a:lstStyle/>
           <a:p>
             <a:pPr marL="432000" indent="-324000" algn="ctr">
               <a:spcBef>
@@ -6485,17 +6833,14 @@
               <a:buChar char=""/>
             </a:pPr>
             <a:r>
-              <a:rPr b="0" lang="es-ES" sz="1800" spc="-1" strike="noStrike">
+              <a:rPr lang="es-ES" sz="1800" b="0" strike="noStrike" spc="-1">
                 <a:latin typeface="Arial"/>
               </a:rPr>
               <a:t>Pulse para editar el formato de texto del esquema</a:t>
             </a:r>
-            <a:endParaRPr b="0" lang="es-ES" sz="1800" spc="-1" strike="noStrike">
-              <a:latin typeface="Arial"/>
-            </a:endParaRPr>
-          </a:p>
-          <a:p>
-            <a:pPr lvl="1" marL="864000" indent="-324000" algn="ctr">
+          </a:p>
+          <a:p>
+            <a:pPr marL="864000" lvl="1" indent="-324000" algn="ctr">
               <a:spcBef>
                 <a:spcPts val="1134"/>
               </a:spcBef>
@@ -6507,17 +6852,14 @@
               <a:buChar char=""/>
             </a:pPr>
             <a:r>
-              <a:rPr b="0" lang="es-ES" sz="1800" spc="-1" strike="noStrike">
+              <a:rPr lang="es-ES" sz="1800" b="0" strike="noStrike" spc="-1">
                 <a:latin typeface="Arial"/>
               </a:rPr>
               <a:t>Segundo nivel del esquema</a:t>
             </a:r>
-            <a:endParaRPr b="0" lang="es-ES" sz="1800" spc="-1" strike="noStrike">
-              <a:latin typeface="Arial"/>
-            </a:endParaRPr>
-          </a:p>
-          <a:p>
-            <a:pPr lvl="2" marL="1296000" indent="-288000" algn="ctr">
+          </a:p>
+          <a:p>
+            <a:pPr marL="1296000" lvl="2" indent="-288000" algn="ctr">
               <a:spcBef>
                 <a:spcPts val="850"/>
               </a:spcBef>
@@ -6529,17 +6871,14 @@
               <a:buChar char=""/>
             </a:pPr>
             <a:r>
-              <a:rPr b="0" lang="es-ES" sz="1800" spc="-1" strike="noStrike">
+              <a:rPr lang="es-ES" sz="1800" b="0" strike="noStrike" spc="-1">
                 <a:latin typeface="Arial"/>
               </a:rPr>
               <a:t>Tercer nivel del esquema</a:t>
             </a:r>
-            <a:endParaRPr b="0" lang="es-ES" sz="1800" spc="-1" strike="noStrike">
-              <a:latin typeface="Arial"/>
-            </a:endParaRPr>
-          </a:p>
-          <a:p>
-            <a:pPr lvl="3" marL="1728000" indent="-216000" algn="ctr">
+          </a:p>
+          <a:p>
+            <a:pPr marL="1728000" lvl="3" indent="-216000" algn="ctr">
               <a:spcBef>
                 <a:spcPts val="567"/>
               </a:spcBef>
@@ -6551,17 +6890,14 @@
               <a:buChar char=""/>
             </a:pPr>
             <a:r>
-              <a:rPr b="0" lang="es-ES" sz="1800" spc="-1" strike="noStrike">
+              <a:rPr lang="es-ES" sz="1800" b="0" strike="noStrike" spc="-1">
                 <a:latin typeface="Arial"/>
               </a:rPr>
               <a:t>Cuarto nivel del esquema</a:t>
             </a:r>
-            <a:endParaRPr b="0" lang="es-ES" sz="1800" spc="-1" strike="noStrike">
-              <a:latin typeface="Arial"/>
-            </a:endParaRPr>
-          </a:p>
-          <a:p>
-            <a:pPr lvl="4" marL="2160000" indent="-216000" algn="ctr">
+          </a:p>
+          <a:p>
+            <a:pPr marL="2160000" lvl="4" indent="-216000" algn="ctr">
               <a:spcBef>
                 <a:spcPts val="283"/>
               </a:spcBef>
@@ -6573,17 +6909,14 @@
               <a:buChar char=""/>
             </a:pPr>
             <a:r>
-              <a:rPr b="0" lang="es-ES" sz="1800" spc="-1" strike="noStrike">
+              <a:rPr lang="es-ES" sz="1800" b="0" strike="noStrike" spc="-1">
                 <a:latin typeface="Arial"/>
               </a:rPr>
               <a:t>Quinto nivel del esquema</a:t>
             </a:r>
-            <a:endParaRPr b="0" lang="es-ES" sz="1800" spc="-1" strike="noStrike">
-              <a:latin typeface="Arial"/>
-            </a:endParaRPr>
-          </a:p>
-          <a:p>
-            <a:pPr lvl="5" marL="2592000" indent="-216000" algn="ctr">
+          </a:p>
+          <a:p>
+            <a:pPr marL="2592000" lvl="5" indent="-216000" algn="ctr">
               <a:spcBef>
                 <a:spcPts val="283"/>
               </a:spcBef>
@@ -6595,17 +6928,14 @@
               <a:buChar char=""/>
             </a:pPr>
             <a:r>
-              <a:rPr b="0" lang="es-ES" sz="1800" spc="-1" strike="noStrike">
+              <a:rPr lang="es-ES" sz="1800" b="0" strike="noStrike" spc="-1">
                 <a:latin typeface="Arial"/>
               </a:rPr>
               <a:t>Sexto nivel del esquema</a:t>
             </a:r>
-            <a:endParaRPr b="0" lang="es-ES" sz="1800" spc="-1" strike="noStrike">
-              <a:latin typeface="Arial"/>
-            </a:endParaRPr>
-          </a:p>
-          <a:p>
-            <a:pPr lvl="6" marL="3024000" indent="-216000" algn="ctr">
+          </a:p>
+          <a:p>
+            <a:pPr marL="3024000" lvl="6" indent="-216000" algn="ctr">
               <a:spcBef>
                 <a:spcPts val="283"/>
               </a:spcBef>
@@ -6617,39 +6947,41 @@
               <a:buChar char=""/>
             </a:pPr>
             <a:r>
-              <a:rPr b="0" lang="es-ES" sz="1800" spc="-1" strike="noStrike">
+              <a:rPr lang="es-ES" sz="1800" b="0" strike="noStrike" spc="-1">
                 <a:latin typeface="Arial"/>
               </a:rPr>
               <a:t>Séptimo nivel del esquema</a:t>
             </a:r>
-            <a:endParaRPr b="0" lang="es-ES" sz="1800" spc="-1" strike="noStrike">
-              <a:latin typeface="Arial"/>
-            </a:endParaRPr>
           </a:p>
         </p:txBody>
       </p:sp>
     </p:spTree>
   </p:cSld>
-  <p:clrMap bg1="lt1" bg2="lt2" tx1="dk1" tx2="dk2" accent1="accent1" accent2="accent2" accent3="accent3" accent4="accent4" accent5="accent5" accent6="accent6" hlink="hlink" folHlink="folHlink"/>
+  <p:clrMap bg1="lt1" tx1="dk1" bg2="lt2" tx2="dk2" accent1="accent1" accent2="accent2" accent3="accent3" accent4="accent4" accent5="accent5" accent6="accent6" hlink="hlink" folHlink="folHlink"/>
   <p:sldLayoutIdLst>
-    <p:sldLayoutId id="2147483675" r:id="rId2"/>
-    <p:sldLayoutId id="2147483676" r:id="rId3"/>
-    <p:sldLayoutId id="2147483677" r:id="rId4"/>
-    <p:sldLayoutId id="2147483678" r:id="rId5"/>
-    <p:sldLayoutId id="2147483679" r:id="rId6"/>
-    <p:sldLayoutId id="2147483680" r:id="rId7"/>
-    <p:sldLayoutId id="2147483681" r:id="rId8"/>
-    <p:sldLayoutId id="2147483682" r:id="rId9"/>
-    <p:sldLayoutId id="2147483683" r:id="rId10"/>
-    <p:sldLayoutId id="2147483684" r:id="rId11"/>
-    <p:sldLayoutId id="2147483685" r:id="rId12"/>
-    <p:sldLayoutId id="2147483686" r:id="rId13"/>
+    <p:sldLayoutId id="2147483675" r:id="rId1"/>
+    <p:sldLayoutId id="2147483676" r:id="rId2"/>
+    <p:sldLayoutId id="2147483677" r:id="rId3"/>
+    <p:sldLayoutId id="2147483678" r:id="rId4"/>
+    <p:sldLayoutId id="2147483679" r:id="rId5"/>
+    <p:sldLayoutId id="2147483680" r:id="rId6"/>
+    <p:sldLayoutId id="2147483681" r:id="rId7"/>
+    <p:sldLayoutId id="2147483682" r:id="rId8"/>
+    <p:sldLayoutId id="2147483683" r:id="rId9"/>
+    <p:sldLayoutId id="2147483684" r:id="rId10"/>
+    <p:sldLayoutId id="2147483685" r:id="rId11"/>
+    <p:sldLayoutId id="2147483686" r:id="rId12"/>
   </p:sldLayoutIdLst>
+  <p:txStyles>
+    <p:titleStyle/>
+    <p:bodyStyle/>
+    <p:otherStyle/>
+  </p:txStyles>
 </p:sldMaster>
 </file>
 
 <file path=ppt/slideMasters/slideMaster4.xml><?xml version="1.0" encoding="utf-8"?>
-<p:sldMaster xmlns:a="http://schemas.openxmlformats.org/drawingml/2006/main" xmlns:p="http://schemas.openxmlformats.org/presentationml/2006/main" xmlns:r="http://schemas.openxmlformats.org/officeDocument/2006/relationships" xmlns:p14="http://schemas.microsoft.com/office/powerpoint/2010/main" xmlns:p15="http://schemas.microsoft.com/office/powerpoint/2012/main" xmlns:mc="http://schemas.openxmlformats.org/markup-compatibility/2006">
+<p:sldMaster xmlns:a="http://schemas.openxmlformats.org/drawingml/2006/main" xmlns:r="http://schemas.openxmlformats.org/officeDocument/2006/relationships" xmlns:p="http://schemas.openxmlformats.org/presentationml/2006/main">
   <p:cSld>
     <p:spTree>
       <p:nvGrpSpPr>
@@ -6682,12 +7014,12 @@
           <a:gradFill rotWithShape="0">
             <a:gsLst>
               <a:gs pos="0">
-                <a:srgbClr val="d2d2d2">
+                <a:srgbClr val="D2D2D2">
                   <a:alpha val="10196"/>
                 </a:srgbClr>
               </a:gs>
               <a:gs pos="100000">
-                <a:srgbClr val="d2d2d2">
+                <a:srgbClr val="D2D2D2">
                   <a:alpha val="8235"/>
                 </a:srgbClr>
               </a:gs>
@@ -6698,7 +7030,7 @@
             <a:noFill/>
           </a:ln>
           <a:effectLst>
-            <a:outerShdw algn="t" blurRad="63500" dir="14693110" dist="25445" rotWithShape="0">
+            <a:outerShdw blurRad="63500" dist="25445" dir="14693110" algn="t" rotWithShape="0">
               <a:srgbClr val="000000">
                 <a:alpha val="50000"/>
               </a:srgbClr>
@@ -6814,20 +7146,18 @@
           </a:prstGeom>
         </p:spPr>
         <p:txBody>
-          <a:bodyPr lIns="0" rIns="0" tIns="0" bIns="0" anchor="ctr">
+          <a:bodyPr lIns="0" tIns="0" rIns="0" bIns="0" anchor="ctr">
             <a:noAutofit/>
           </a:bodyPr>
+          <a:lstStyle/>
           <a:p>
             <a:pPr algn="ctr"/>
             <a:r>
-              <a:rPr b="0" lang="es-ES" sz="1800" spc="-1" strike="noStrike">
+              <a:rPr lang="es-ES" sz="1800" b="0" strike="noStrike" spc="-1">
                 <a:latin typeface="Arial"/>
               </a:rPr>
               <a:t>Pulse para editar el formato del texto de título</a:t>
             </a:r>
-            <a:endParaRPr b="0" lang="es-ES" sz="1800" spc="-1" strike="noStrike">
-              <a:latin typeface="Arial"/>
-            </a:endParaRPr>
           </a:p>
         </p:txBody>
       </p:sp>
@@ -6851,9 +7181,10 @@
           </a:prstGeom>
         </p:spPr>
         <p:txBody>
-          <a:bodyPr lIns="0" rIns="0" tIns="0" bIns="0">
+          <a:bodyPr lIns="0" tIns="0" rIns="0" bIns="0">
             <a:normAutofit/>
           </a:bodyPr>
+          <a:lstStyle/>
           <a:p>
             <a:pPr marL="432000" indent="-324000" algn="ctr">
               <a:spcBef>
@@ -6867,17 +7198,14 @@
               <a:buChar char=""/>
             </a:pPr>
             <a:r>
-              <a:rPr b="0" lang="es-ES" sz="1800" spc="-1" strike="noStrike">
+              <a:rPr lang="es-ES" sz="1800" b="0" strike="noStrike" spc="-1">
                 <a:latin typeface="Arial"/>
               </a:rPr>
               <a:t>Pulse para editar el formato de texto del esquema</a:t>
             </a:r>
-            <a:endParaRPr b="0" lang="es-ES" sz="1800" spc="-1" strike="noStrike">
-              <a:latin typeface="Arial"/>
-            </a:endParaRPr>
-          </a:p>
-          <a:p>
-            <a:pPr lvl="1" marL="864000" indent="-324000" algn="ctr">
+          </a:p>
+          <a:p>
+            <a:pPr marL="864000" lvl="1" indent="-324000" algn="ctr">
               <a:spcBef>
                 <a:spcPts val="1134"/>
               </a:spcBef>
@@ -6889,17 +7217,14 @@
               <a:buChar char=""/>
             </a:pPr>
             <a:r>
-              <a:rPr b="0" lang="es-ES" sz="1800" spc="-1" strike="noStrike">
+              <a:rPr lang="es-ES" sz="1800" b="0" strike="noStrike" spc="-1">
                 <a:latin typeface="Arial"/>
               </a:rPr>
               <a:t>Segundo nivel del esquema</a:t>
             </a:r>
-            <a:endParaRPr b="0" lang="es-ES" sz="1800" spc="-1" strike="noStrike">
-              <a:latin typeface="Arial"/>
-            </a:endParaRPr>
-          </a:p>
-          <a:p>
-            <a:pPr lvl="2" marL="1296000" indent="-288000" algn="ctr">
+          </a:p>
+          <a:p>
+            <a:pPr marL="1296000" lvl="2" indent="-288000" algn="ctr">
               <a:spcBef>
                 <a:spcPts val="850"/>
               </a:spcBef>
@@ -6911,17 +7236,14 @@
               <a:buChar char=""/>
             </a:pPr>
             <a:r>
-              <a:rPr b="0" lang="es-ES" sz="1800" spc="-1" strike="noStrike">
+              <a:rPr lang="es-ES" sz="1800" b="0" strike="noStrike" spc="-1">
                 <a:latin typeface="Arial"/>
               </a:rPr>
               <a:t>Tercer nivel del esquema</a:t>
             </a:r>
-            <a:endParaRPr b="0" lang="es-ES" sz="1800" spc="-1" strike="noStrike">
-              <a:latin typeface="Arial"/>
-            </a:endParaRPr>
-          </a:p>
-          <a:p>
-            <a:pPr lvl="3" marL="1728000" indent="-216000" algn="ctr">
+          </a:p>
+          <a:p>
+            <a:pPr marL="1728000" lvl="3" indent="-216000" algn="ctr">
               <a:spcBef>
                 <a:spcPts val="567"/>
               </a:spcBef>
@@ -6933,17 +7255,14 @@
               <a:buChar char=""/>
             </a:pPr>
             <a:r>
-              <a:rPr b="0" lang="es-ES" sz="1800" spc="-1" strike="noStrike">
+              <a:rPr lang="es-ES" sz="1800" b="0" strike="noStrike" spc="-1">
                 <a:latin typeface="Arial"/>
               </a:rPr>
               <a:t>Cuarto nivel del esquema</a:t>
             </a:r>
-            <a:endParaRPr b="0" lang="es-ES" sz="1800" spc="-1" strike="noStrike">
-              <a:latin typeface="Arial"/>
-            </a:endParaRPr>
-          </a:p>
-          <a:p>
-            <a:pPr lvl="4" marL="2160000" indent="-216000" algn="ctr">
+          </a:p>
+          <a:p>
+            <a:pPr marL="2160000" lvl="4" indent="-216000" algn="ctr">
               <a:spcBef>
                 <a:spcPts val="283"/>
               </a:spcBef>
@@ -6955,17 +7274,14 @@
               <a:buChar char=""/>
             </a:pPr>
             <a:r>
-              <a:rPr b="0" lang="es-ES" sz="1800" spc="-1" strike="noStrike">
+              <a:rPr lang="es-ES" sz="1800" b="0" strike="noStrike" spc="-1">
                 <a:latin typeface="Arial"/>
               </a:rPr>
               <a:t>Quinto nivel del esquema</a:t>
             </a:r>
-            <a:endParaRPr b="0" lang="es-ES" sz="1800" spc="-1" strike="noStrike">
-              <a:latin typeface="Arial"/>
-            </a:endParaRPr>
-          </a:p>
-          <a:p>
-            <a:pPr lvl="5" marL="2592000" indent="-216000" algn="ctr">
+          </a:p>
+          <a:p>
+            <a:pPr marL="2592000" lvl="5" indent="-216000" algn="ctr">
               <a:spcBef>
                 <a:spcPts val="283"/>
               </a:spcBef>
@@ -6977,17 +7293,14 @@
               <a:buChar char=""/>
             </a:pPr>
             <a:r>
-              <a:rPr b="0" lang="es-ES" sz="1800" spc="-1" strike="noStrike">
+              <a:rPr lang="es-ES" sz="1800" b="0" strike="noStrike" spc="-1">
                 <a:latin typeface="Arial"/>
               </a:rPr>
               <a:t>Sexto nivel del esquema</a:t>
             </a:r>
-            <a:endParaRPr b="0" lang="es-ES" sz="1800" spc="-1" strike="noStrike">
-              <a:latin typeface="Arial"/>
-            </a:endParaRPr>
-          </a:p>
-          <a:p>
-            <a:pPr lvl="6" marL="3024000" indent="-216000" algn="ctr">
+          </a:p>
+          <a:p>
+            <a:pPr marL="3024000" lvl="6" indent="-216000" algn="ctr">
               <a:spcBef>
                 <a:spcPts val="283"/>
               </a:spcBef>
@@ -6999,14 +7312,11 @@
               <a:buChar char=""/>
             </a:pPr>
             <a:r>
-              <a:rPr b="0" lang="es-ES" sz="1800" spc="-1" strike="noStrike">
+              <a:rPr lang="es-ES" sz="1800" b="0" strike="noStrike" spc="-1">
                 <a:latin typeface="Arial"/>
               </a:rPr>
               <a:t>Séptimo nivel del esquema</a:t>
             </a:r>
-            <a:endParaRPr b="0" lang="es-ES" sz="1800" spc="-1" strike="noStrike">
-              <a:latin typeface="Arial"/>
-            </a:endParaRPr>
           </a:p>
         </p:txBody>
       </p:sp>
@@ -7030,9 +7340,10 @@
           </a:prstGeom>
         </p:spPr>
         <p:txBody>
-          <a:bodyPr lIns="0" rIns="0" tIns="0" bIns="0">
+          <a:bodyPr lIns="0" tIns="0" rIns="0" bIns="0">
             <a:normAutofit/>
           </a:bodyPr>
+          <a:lstStyle/>
           <a:p>
             <a:pPr marL="432000" indent="-324000" algn="ctr">
               <a:spcBef>
@@ -7046,17 +7357,14 @@
               <a:buChar char=""/>
             </a:pPr>
             <a:r>
-              <a:rPr b="0" lang="es-ES" sz="1800" spc="-1" strike="noStrike">
+              <a:rPr lang="es-ES" sz="1800" b="0" strike="noStrike" spc="-1">
                 <a:latin typeface="Arial"/>
               </a:rPr>
               <a:t>Pulse para editar el formato de texto del esquema</a:t>
             </a:r>
-            <a:endParaRPr b="0" lang="es-ES" sz="1800" spc="-1" strike="noStrike">
-              <a:latin typeface="Arial"/>
-            </a:endParaRPr>
-          </a:p>
-          <a:p>
-            <a:pPr lvl="1" marL="864000" indent="-324000" algn="ctr">
+          </a:p>
+          <a:p>
+            <a:pPr marL="864000" lvl="1" indent="-324000" algn="ctr">
               <a:spcBef>
                 <a:spcPts val="1134"/>
               </a:spcBef>
@@ -7068,17 +7376,14 @@
               <a:buChar char=""/>
             </a:pPr>
             <a:r>
-              <a:rPr b="0" lang="es-ES" sz="1800" spc="-1" strike="noStrike">
+              <a:rPr lang="es-ES" sz="1800" b="0" strike="noStrike" spc="-1">
                 <a:latin typeface="Arial"/>
               </a:rPr>
               <a:t>Segundo nivel del esquema</a:t>
             </a:r>
-            <a:endParaRPr b="0" lang="es-ES" sz="1800" spc="-1" strike="noStrike">
-              <a:latin typeface="Arial"/>
-            </a:endParaRPr>
-          </a:p>
-          <a:p>
-            <a:pPr lvl="2" marL="1296000" indent="-288000" algn="ctr">
+          </a:p>
+          <a:p>
+            <a:pPr marL="1296000" lvl="2" indent="-288000" algn="ctr">
               <a:spcBef>
                 <a:spcPts val="850"/>
               </a:spcBef>
@@ -7090,17 +7395,14 @@
               <a:buChar char=""/>
             </a:pPr>
             <a:r>
-              <a:rPr b="0" lang="es-ES" sz="1800" spc="-1" strike="noStrike">
+              <a:rPr lang="es-ES" sz="1800" b="0" strike="noStrike" spc="-1">
                 <a:latin typeface="Arial"/>
               </a:rPr>
               <a:t>Tercer nivel del esquema</a:t>
             </a:r>
-            <a:endParaRPr b="0" lang="es-ES" sz="1800" spc="-1" strike="noStrike">
-              <a:latin typeface="Arial"/>
-            </a:endParaRPr>
-          </a:p>
-          <a:p>
-            <a:pPr lvl="3" marL="1728000" indent="-216000" algn="ctr">
+          </a:p>
+          <a:p>
+            <a:pPr marL="1728000" lvl="3" indent="-216000" algn="ctr">
               <a:spcBef>
                 <a:spcPts val="567"/>
               </a:spcBef>
@@ -7112,17 +7414,14 @@
               <a:buChar char=""/>
             </a:pPr>
             <a:r>
-              <a:rPr b="0" lang="es-ES" sz="1800" spc="-1" strike="noStrike">
+              <a:rPr lang="es-ES" sz="1800" b="0" strike="noStrike" spc="-1">
                 <a:latin typeface="Arial"/>
               </a:rPr>
               <a:t>Cuarto nivel del esquema</a:t>
             </a:r>
-            <a:endParaRPr b="0" lang="es-ES" sz="1800" spc="-1" strike="noStrike">
-              <a:latin typeface="Arial"/>
-            </a:endParaRPr>
-          </a:p>
-          <a:p>
-            <a:pPr lvl="4" marL="2160000" indent="-216000" algn="ctr">
+          </a:p>
+          <a:p>
+            <a:pPr marL="2160000" lvl="4" indent="-216000" algn="ctr">
               <a:spcBef>
                 <a:spcPts val="283"/>
               </a:spcBef>
@@ -7134,17 +7433,14 @@
               <a:buChar char=""/>
             </a:pPr>
             <a:r>
-              <a:rPr b="0" lang="es-ES" sz="1800" spc="-1" strike="noStrike">
+              <a:rPr lang="es-ES" sz="1800" b="0" strike="noStrike" spc="-1">
                 <a:latin typeface="Arial"/>
               </a:rPr>
               <a:t>Quinto nivel del esquema</a:t>
             </a:r>
-            <a:endParaRPr b="0" lang="es-ES" sz="1800" spc="-1" strike="noStrike">
-              <a:latin typeface="Arial"/>
-            </a:endParaRPr>
-          </a:p>
-          <a:p>
-            <a:pPr lvl="5" marL="2592000" indent="-216000" algn="ctr">
+          </a:p>
+          <a:p>
+            <a:pPr marL="2592000" lvl="5" indent="-216000" algn="ctr">
               <a:spcBef>
                 <a:spcPts val="283"/>
               </a:spcBef>
@@ -7156,17 +7452,14 @@
               <a:buChar char=""/>
             </a:pPr>
             <a:r>
-              <a:rPr b="0" lang="es-ES" sz="1800" spc="-1" strike="noStrike">
+              <a:rPr lang="es-ES" sz="1800" b="0" strike="noStrike" spc="-1">
                 <a:latin typeface="Arial"/>
               </a:rPr>
               <a:t>Sexto nivel del esquema</a:t>
             </a:r>
-            <a:endParaRPr b="0" lang="es-ES" sz="1800" spc="-1" strike="noStrike">
-              <a:latin typeface="Arial"/>
-            </a:endParaRPr>
-          </a:p>
-          <a:p>
-            <a:pPr lvl="6" marL="3024000" indent="-216000" algn="ctr">
+          </a:p>
+          <a:p>
+            <a:pPr marL="3024000" lvl="6" indent="-216000" algn="ctr">
               <a:spcBef>
                 <a:spcPts val="283"/>
               </a:spcBef>
@@ -7178,14 +7471,11 @@
               <a:buChar char=""/>
             </a:pPr>
             <a:r>
-              <a:rPr b="0" lang="es-ES" sz="1800" spc="-1" strike="noStrike">
+              <a:rPr lang="es-ES" sz="1800" b="0" strike="noStrike" spc="-1">
                 <a:latin typeface="Arial"/>
               </a:rPr>
               <a:t>Séptimo nivel del esquema</a:t>
             </a:r>
-            <a:endParaRPr b="0" lang="es-ES" sz="1800" spc="-1" strike="noStrike">
-              <a:latin typeface="Arial"/>
-            </a:endParaRPr>
           </a:p>
         </p:txBody>
       </p:sp>
@@ -7209,9 +7499,10 @@
           </a:prstGeom>
         </p:spPr>
         <p:txBody>
-          <a:bodyPr lIns="0" rIns="0" tIns="0" bIns="0">
+          <a:bodyPr lIns="0" tIns="0" rIns="0" bIns="0">
             <a:normAutofit fontScale="14000"/>
           </a:bodyPr>
+          <a:lstStyle/>
           <a:p>
             <a:pPr marL="432000" indent="-324000" algn="ctr">
               <a:spcBef>
@@ -7225,17 +7516,14 @@
               <a:buChar char=""/>
             </a:pPr>
             <a:r>
-              <a:rPr b="0" lang="es-ES" sz="1800" spc="-1" strike="noStrike">
+              <a:rPr lang="es-ES" sz="1800" b="0" strike="noStrike" spc="-1">
                 <a:latin typeface="Arial"/>
               </a:rPr>
               <a:t>Pulse para editar el formato de texto del esquema</a:t>
             </a:r>
-            <a:endParaRPr b="0" lang="es-ES" sz="1800" spc="-1" strike="noStrike">
-              <a:latin typeface="Arial"/>
-            </a:endParaRPr>
-          </a:p>
-          <a:p>
-            <a:pPr lvl="1" marL="864000" indent="-324000" algn="ctr">
+          </a:p>
+          <a:p>
+            <a:pPr marL="864000" lvl="1" indent="-324000" algn="ctr">
               <a:spcBef>
                 <a:spcPts val="1134"/>
               </a:spcBef>
@@ -7247,17 +7535,14 @@
               <a:buChar char=""/>
             </a:pPr>
             <a:r>
-              <a:rPr b="0" lang="es-ES" sz="1800" spc="-1" strike="noStrike">
+              <a:rPr lang="es-ES" sz="1800" b="0" strike="noStrike" spc="-1">
                 <a:latin typeface="Arial"/>
               </a:rPr>
               <a:t>Segundo nivel del esquema</a:t>
             </a:r>
-            <a:endParaRPr b="0" lang="es-ES" sz="1800" spc="-1" strike="noStrike">
-              <a:latin typeface="Arial"/>
-            </a:endParaRPr>
-          </a:p>
-          <a:p>
-            <a:pPr lvl="2" marL="1296000" indent="-288000" algn="ctr">
+          </a:p>
+          <a:p>
+            <a:pPr marL="1296000" lvl="2" indent="-288000" algn="ctr">
               <a:spcBef>
                 <a:spcPts val="850"/>
               </a:spcBef>
@@ -7269,17 +7554,14 @@
               <a:buChar char=""/>
             </a:pPr>
             <a:r>
-              <a:rPr b="0" lang="es-ES" sz="1800" spc="-1" strike="noStrike">
+              <a:rPr lang="es-ES" sz="1800" b="0" strike="noStrike" spc="-1">
                 <a:latin typeface="Arial"/>
               </a:rPr>
               <a:t>Tercer nivel del esquema</a:t>
             </a:r>
-            <a:endParaRPr b="0" lang="es-ES" sz="1800" spc="-1" strike="noStrike">
-              <a:latin typeface="Arial"/>
-            </a:endParaRPr>
-          </a:p>
-          <a:p>
-            <a:pPr lvl="3" marL="1728000" indent="-216000" algn="ctr">
+          </a:p>
+          <a:p>
+            <a:pPr marL="1728000" lvl="3" indent="-216000" algn="ctr">
               <a:spcBef>
                 <a:spcPts val="567"/>
               </a:spcBef>
@@ -7291,17 +7573,14 @@
               <a:buChar char=""/>
             </a:pPr>
             <a:r>
-              <a:rPr b="0" lang="es-ES" sz="1800" spc="-1" strike="noStrike">
+              <a:rPr lang="es-ES" sz="1800" b="0" strike="noStrike" spc="-1">
                 <a:latin typeface="Arial"/>
               </a:rPr>
               <a:t>Cuarto nivel del esquema</a:t>
             </a:r>
-            <a:endParaRPr b="0" lang="es-ES" sz="1800" spc="-1" strike="noStrike">
-              <a:latin typeface="Arial"/>
-            </a:endParaRPr>
-          </a:p>
-          <a:p>
-            <a:pPr lvl="4" marL="2160000" indent="-216000" algn="ctr">
+          </a:p>
+          <a:p>
+            <a:pPr marL="2160000" lvl="4" indent="-216000" algn="ctr">
               <a:spcBef>
                 <a:spcPts val="283"/>
               </a:spcBef>
@@ -7313,17 +7592,14 @@
               <a:buChar char=""/>
             </a:pPr>
             <a:r>
-              <a:rPr b="0" lang="es-ES" sz="1800" spc="-1" strike="noStrike">
+              <a:rPr lang="es-ES" sz="1800" b="0" strike="noStrike" spc="-1">
                 <a:latin typeface="Arial"/>
               </a:rPr>
               <a:t>Quinto nivel del esquema</a:t>
             </a:r>
-            <a:endParaRPr b="0" lang="es-ES" sz="1800" spc="-1" strike="noStrike">
-              <a:latin typeface="Arial"/>
-            </a:endParaRPr>
-          </a:p>
-          <a:p>
-            <a:pPr lvl="5" marL="2592000" indent="-216000" algn="ctr">
+          </a:p>
+          <a:p>
+            <a:pPr marL="2592000" lvl="5" indent="-216000" algn="ctr">
               <a:spcBef>
                 <a:spcPts val="283"/>
               </a:spcBef>
@@ -7335,17 +7611,14 @@
               <a:buChar char=""/>
             </a:pPr>
             <a:r>
-              <a:rPr b="0" lang="es-ES" sz="1800" spc="-1" strike="noStrike">
+              <a:rPr lang="es-ES" sz="1800" b="0" strike="noStrike" spc="-1">
                 <a:latin typeface="Arial"/>
               </a:rPr>
               <a:t>Sexto nivel del esquema</a:t>
             </a:r>
-            <a:endParaRPr b="0" lang="es-ES" sz="1800" spc="-1" strike="noStrike">
-              <a:latin typeface="Arial"/>
-            </a:endParaRPr>
-          </a:p>
-          <a:p>
-            <a:pPr lvl="6" marL="3024000" indent="-216000" algn="ctr">
+          </a:p>
+          <a:p>
+            <a:pPr marL="3024000" lvl="6" indent="-216000" algn="ctr">
               <a:spcBef>
                 <a:spcPts val="283"/>
               </a:spcBef>
@@ -7357,39 +7630,41 @@
               <a:buChar char=""/>
             </a:pPr>
             <a:r>
-              <a:rPr b="0" lang="es-ES" sz="1800" spc="-1" strike="noStrike">
+              <a:rPr lang="es-ES" sz="1800" b="0" strike="noStrike" spc="-1">
                 <a:latin typeface="Arial"/>
               </a:rPr>
               <a:t>Séptimo nivel del esquema</a:t>
             </a:r>
-            <a:endParaRPr b="0" lang="es-ES" sz="1800" spc="-1" strike="noStrike">
-              <a:latin typeface="Arial"/>
-            </a:endParaRPr>
           </a:p>
         </p:txBody>
       </p:sp>
     </p:spTree>
   </p:cSld>
-  <p:clrMap bg1="lt1" bg2="lt2" tx1="dk1" tx2="dk2" accent1="accent1" accent2="accent2" accent3="accent3" accent4="accent4" accent5="accent5" accent6="accent6" hlink="hlink" folHlink="folHlink"/>
+  <p:clrMap bg1="lt1" tx1="dk1" bg2="lt2" tx2="dk2" accent1="accent1" accent2="accent2" accent3="accent3" accent4="accent4" accent5="accent5" accent6="accent6" hlink="hlink" folHlink="folHlink"/>
   <p:sldLayoutIdLst>
-    <p:sldLayoutId id="2147483688" r:id="rId2"/>
-    <p:sldLayoutId id="2147483689" r:id="rId3"/>
-    <p:sldLayoutId id="2147483690" r:id="rId4"/>
-    <p:sldLayoutId id="2147483691" r:id="rId5"/>
-    <p:sldLayoutId id="2147483692" r:id="rId6"/>
-    <p:sldLayoutId id="2147483693" r:id="rId7"/>
-    <p:sldLayoutId id="2147483694" r:id="rId8"/>
-    <p:sldLayoutId id="2147483695" r:id="rId9"/>
-    <p:sldLayoutId id="2147483696" r:id="rId10"/>
-    <p:sldLayoutId id="2147483697" r:id="rId11"/>
-    <p:sldLayoutId id="2147483698" r:id="rId12"/>
-    <p:sldLayoutId id="2147483699" r:id="rId13"/>
+    <p:sldLayoutId id="2147483688" r:id="rId1"/>
+    <p:sldLayoutId id="2147483689" r:id="rId2"/>
+    <p:sldLayoutId id="2147483690" r:id="rId3"/>
+    <p:sldLayoutId id="2147483691" r:id="rId4"/>
+    <p:sldLayoutId id="2147483692" r:id="rId5"/>
+    <p:sldLayoutId id="2147483693" r:id="rId6"/>
+    <p:sldLayoutId id="2147483694" r:id="rId7"/>
+    <p:sldLayoutId id="2147483695" r:id="rId8"/>
+    <p:sldLayoutId id="2147483696" r:id="rId9"/>
+    <p:sldLayoutId id="2147483697" r:id="rId10"/>
+    <p:sldLayoutId id="2147483698" r:id="rId11"/>
+    <p:sldLayoutId id="2147483699" r:id="rId12"/>
   </p:sldLayoutIdLst>
+  <p:txStyles>
+    <p:titleStyle/>
+    <p:bodyStyle/>
+    <p:otherStyle/>
+  </p:txStyles>
 </p:sldMaster>
 </file>
 
 <file path=ppt/slides/slide1.xml><?xml version="1.0" encoding="utf-8"?>
-<p:sld xmlns:a="http://schemas.openxmlformats.org/drawingml/2006/main" xmlns:p="http://schemas.openxmlformats.org/presentationml/2006/main" xmlns:r="http://schemas.openxmlformats.org/officeDocument/2006/relationships" xmlns:p14="http://schemas.microsoft.com/office/powerpoint/2010/main" xmlns:p15="http://schemas.microsoft.com/office/powerpoint/2012/main" xmlns:mc="http://schemas.openxmlformats.org/markup-compatibility/2006">
+<p:sld xmlns:a="http://schemas.openxmlformats.org/drawingml/2006/main" xmlns:r="http://schemas.openxmlformats.org/officeDocument/2006/relationships" xmlns:p="http://schemas.openxmlformats.org/presentationml/2006/main">
   <p:cSld>
     <p:spTree>
       <p:nvGrpSpPr>
@@ -7425,15 +7700,22 @@
           </a:ln>
         </p:spPr>
         <p:style>
-          <a:lnRef idx="0"/>
-          <a:fillRef idx="0"/>
-          <a:effectRef idx="0"/>
+          <a:lnRef idx="0">
+            <a:scrgbClr r="0" g="0" b="0"/>
+          </a:lnRef>
+          <a:fillRef idx="0">
+            <a:scrgbClr r="0" g="0" b="0"/>
+          </a:fillRef>
+          <a:effectRef idx="0">
+            <a:scrgbClr r="0" g="0" b="0"/>
+          </a:effectRef>
           <a:fontRef idx="minor"/>
         </p:style>
         <p:txBody>
-          <a:bodyPr lIns="90000" rIns="90000" tIns="45000" bIns="45000" anchor="b">
+          <a:bodyPr lIns="90000" tIns="45000" rIns="90000" bIns="45000" anchor="b">
             <a:noAutofit/>
           </a:bodyPr>
+          <a:lstStyle/>
           <a:p>
             <a:pPr marL="484560" algn="ctr">
               <a:lnSpc>
@@ -7441,16 +7723,16 @@
               </a:lnSpc>
             </a:pPr>
             <a:r>
-              <a:rPr b="0" lang="es-ES" sz="4400" spc="-1" strike="noStrike">
+              <a:rPr lang="es-ES" sz="4400" b="0" strike="noStrike" spc="-1">
                 <a:solidFill>
-                  <a:srgbClr val="d26785"/>
+                  <a:srgbClr val="D26785"/>
                 </a:solidFill>
                 <a:latin typeface="Century Gothic"/>
                 <a:ea typeface="DejaVu Sans"/>
               </a:rPr>
               <a:t>Proyecto fin de curso</a:t>
             </a:r>
-            <a:endParaRPr b="0" lang="es-ES" sz="4400" spc="-1" strike="noStrike">
+            <a:endParaRPr lang="es-ES" sz="4400" b="0" strike="noStrike" spc="-1">
               <a:latin typeface="Arial"/>
             </a:endParaRPr>
           </a:p>
@@ -7458,12 +7740,12 @@
       </p:sp>
       <p:pic>
         <p:nvPicPr>
-          <p:cNvPr id="168" name="90 Imagen" descr=""/>
+          <p:cNvPr id="168" name="90 Imagen"/>
           <p:cNvPicPr/>
           <p:nvPr/>
         </p:nvPicPr>
         <p:blipFill>
-          <a:blip r:embed="rId1"/>
+          <a:blip r:embed="rId2"/>
           <a:stretch/>
         </p:blipFill>
         <p:spPr>
@@ -7499,15 +7781,22 @@
           </a:ln>
         </p:spPr>
         <p:style>
-          <a:lnRef idx="0"/>
-          <a:fillRef idx="0"/>
-          <a:effectRef idx="0"/>
+          <a:lnRef idx="0">
+            <a:scrgbClr r="0" g="0" b="0"/>
+          </a:lnRef>
+          <a:fillRef idx="0">
+            <a:scrgbClr r="0" g="0" b="0"/>
+          </a:fillRef>
+          <a:effectRef idx="0">
+            <a:scrgbClr r="0" g="0" b="0"/>
+          </a:effectRef>
           <a:fontRef idx="minor"/>
         </p:style>
         <p:txBody>
-          <a:bodyPr lIns="90000" rIns="90000" tIns="45000" bIns="45000" anchor="b">
+          <a:bodyPr lIns="90000" tIns="45000" rIns="90000" bIns="45000" anchor="b">
             <a:noAutofit/>
           </a:bodyPr>
+          <a:lstStyle/>
           <a:p>
             <a:pPr marL="484560" algn="ctr">
               <a:lnSpc>
@@ -7515,16 +7804,16 @@
               </a:lnSpc>
             </a:pPr>
             <a:r>
-              <a:rPr b="0" lang="es-ES" sz="4400" spc="-1" strike="noStrike">
+              <a:rPr lang="es-ES" sz="4400" b="0" strike="noStrike" spc="-1">
                 <a:solidFill>
-                  <a:srgbClr val="d26785"/>
+                  <a:srgbClr val="D26785"/>
                 </a:solidFill>
                 <a:latin typeface="Century Gothic"/>
                 <a:ea typeface="DejaVu Sans"/>
               </a:rPr>
               <a:t>Appvalores</a:t>
             </a:r>
-            <a:endParaRPr b="0" lang="es-ES" sz="4400" spc="-1" strike="noStrike">
+            <a:endParaRPr lang="es-ES" sz="4400" b="0" strike="noStrike" spc="-1">
               <a:latin typeface="Arial"/>
             </a:endParaRPr>
           </a:p>
@@ -7532,19 +7821,29 @@
       </p:sp>
     </p:spTree>
   </p:cSld>
-  <mc:AlternateContent>
-    <mc:Choice Requires="p14">
+  <p:clrMapOvr>
+    <a:masterClrMapping/>
+  </p:clrMapOvr>
+  <mc:AlternateContent xmlns:mc="http://schemas.openxmlformats.org/markup-compatibility/2006">
+    <mc:Choice xmlns:p15="http://schemas.microsoft.com/office/powerpoint/2012/main" xmlns:p14="http://schemas.microsoft.com/office/powerpoint/2010/main" xmlns="" Requires="p14">
       <p:transition spd="slow" p14:dur="2000"/>
     </mc:Choice>
     <mc:Fallback>
       <p:transition spd="slow"/>
     </mc:Fallback>
   </mc:AlternateContent>
+  <p:timing>
+    <p:tnLst>
+      <p:par>
+        <p:cTn id="1" dur="indefinite" restart="never" nodeType="tmRoot"/>
+      </p:par>
+    </p:tnLst>
+  </p:timing>
 </p:sld>
 </file>
 
 <file path=ppt/slides/slide10.xml><?xml version="1.0" encoding="utf-8"?>
-<p:sld xmlns:a="http://schemas.openxmlformats.org/drawingml/2006/main" xmlns:p="http://schemas.openxmlformats.org/presentationml/2006/main" xmlns:r="http://schemas.openxmlformats.org/officeDocument/2006/relationships" xmlns:p14="http://schemas.microsoft.com/office/powerpoint/2010/main" xmlns:p15="http://schemas.microsoft.com/office/powerpoint/2012/main" xmlns:mc="http://schemas.openxmlformats.org/markup-compatibility/2006">
+<p:sld xmlns:a="http://schemas.openxmlformats.org/drawingml/2006/main" xmlns:r="http://schemas.openxmlformats.org/officeDocument/2006/relationships" xmlns:p="http://schemas.openxmlformats.org/presentationml/2006/main">
   <p:cSld>
     <p:spTree>
       <p:nvGrpSpPr>
@@ -7580,15 +7879,22 @@
           </a:ln>
         </p:spPr>
         <p:style>
-          <a:lnRef idx="0"/>
-          <a:fillRef idx="0"/>
-          <a:effectRef idx="0"/>
+          <a:lnRef idx="0">
+            <a:scrgbClr r="0" g="0" b="0"/>
+          </a:lnRef>
+          <a:fillRef idx="0">
+            <a:scrgbClr r="0" g="0" b="0"/>
+          </a:fillRef>
+          <a:effectRef idx="0">
+            <a:scrgbClr r="0" g="0" b="0"/>
+          </a:effectRef>
           <a:fontRef idx="minor"/>
         </p:style>
         <p:txBody>
-          <a:bodyPr lIns="0" rIns="0" tIns="0" bIns="0">
-            <a:normAutofit/>
-          </a:bodyPr>
+          <a:bodyPr lIns="0" tIns="0" rIns="0" bIns="0">
+            <a:normAutofit fontScale="92500" lnSpcReduction="10000"/>
+          </a:bodyPr>
+          <a:lstStyle/>
           <a:p>
             <a:pPr>
               <a:lnSpc>
@@ -7596,16 +7902,16 @@
               </a:lnSpc>
             </a:pPr>
             <a:r>
-              <a:rPr b="1" lang="es-ES" sz="2800" spc="-1" strike="noStrike">
+              <a:rPr lang="es-ES" sz="2800" b="1" strike="noStrike" spc="-1">
                 <a:solidFill>
-                  <a:srgbClr val="d26785"/>
+                  <a:srgbClr val="D26785"/>
                 </a:solidFill>
                 <a:latin typeface="Century Gothic"/>
                 <a:ea typeface="DejaVu Sans"/>
               </a:rPr>
               <a:t>Backend</a:t>
             </a:r>
-            <a:endParaRPr b="0" lang="es-ES" sz="2800" spc="-1" strike="noStrike">
+            <a:endParaRPr lang="es-ES" sz="2800" b="0" strike="noStrike" spc="-1">
               <a:latin typeface="Arial"/>
             </a:endParaRPr>
           </a:p>
@@ -7615,7 +7921,7 @@
                 <a:spcPct val="100000"/>
               </a:lnSpc>
             </a:pPr>
-            <a:endParaRPr b="0" lang="es-ES" sz="2800" spc="-1" strike="noStrike">
+            <a:endParaRPr lang="es-ES" sz="2800" b="0" strike="noStrike" spc="-1">
               <a:latin typeface="Arial"/>
             </a:endParaRPr>
           </a:p>
@@ -7625,32 +7931,22 @@
                 <a:spcPct val="100000"/>
               </a:lnSpc>
               <a:buClr>
-                <a:srgbClr val="d26785"/>
+                <a:srgbClr val="D26785"/>
               </a:buClr>
               <a:buFont typeface="Arial"/>
               <a:buChar char="•"/>
             </a:pPr>
             <a:r>
-              <a:rPr b="0" lang="es-ES" sz="2800" spc="-1" strike="noStrike">
+              <a:rPr lang="es-ES" sz="2800" b="0" strike="noStrike" spc="-1">
                 <a:solidFill>
-                  <a:srgbClr val="d26785"/>
+                  <a:srgbClr val="D26785"/>
                 </a:solidFill>
                 <a:latin typeface="Century Gothic"/>
                 <a:ea typeface="DejaVu Sans"/>
               </a:rPr>
-              <a:t> </a:t>
+              <a:t> Transacciones Spring</a:t>
             </a:r>
-            <a:r>
-              <a:rPr b="0" lang="es-ES" sz="2800" spc="-1" strike="noStrike">
-                <a:solidFill>
-                  <a:srgbClr val="d26785"/>
-                </a:solidFill>
-                <a:latin typeface="Century Gothic"/>
-                <a:ea typeface="DejaVu Sans"/>
-              </a:rPr>
-              <a:t>Transacciones Spring</a:t>
-            </a:r>
-            <a:endParaRPr b="0" lang="es-ES" sz="2800" spc="-1" strike="noStrike">
+            <a:endParaRPr lang="es-ES" sz="2800" b="0" strike="noStrike" spc="-1">
               <a:latin typeface="Arial"/>
             </a:endParaRPr>
           </a:p>
@@ -7660,32 +7956,22 @@
                 <a:spcPct val="100000"/>
               </a:lnSpc>
               <a:buClr>
-                <a:srgbClr val="d26785"/>
+                <a:srgbClr val="D26785"/>
               </a:buClr>
               <a:buFont typeface="Arial"/>
               <a:buChar char="•"/>
             </a:pPr>
             <a:r>
-              <a:rPr b="0" lang="es-ES" sz="2800" spc="-1" strike="noStrike">
+              <a:rPr lang="es-ES" sz="2800" b="0" strike="noStrike" spc="-1">
                 <a:solidFill>
-                  <a:srgbClr val="d26785"/>
+                  <a:srgbClr val="D26785"/>
                 </a:solidFill>
                 <a:latin typeface="Century Gothic"/>
                 <a:ea typeface="DejaVu Sans"/>
               </a:rPr>
-              <a:t> </a:t>
+              <a:t> Clases Id (clave)</a:t>
             </a:r>
-            <a:r>
-              <a:rPr b="0" lang="es-ES" sz="2800" spc="-1" strike="noStrike">
-                <a:solidFill>
-                  <a:srgbClr val="d26785"/>
-                </a:solidFill>
-                <a:latin typeface="Century Gothic"/>
-                <a:ea typeface="DejaVu Sans"/>
-              </a:rPr>
-              <a:t>Clases Id (clave)</a:t>
-            </a:r>
-            <a:endParaRPr b="0" lang="es-ES" sz="2800" spc="-1" strike="noStrike">
+            <a:endParaRPr lang="es-ES" sz="2800" b="0" strike="noStrike" spc="-1">
               <a:latin typeface="Arial"/>
             </a:endParaRPr>
           </a:p>
@@ -7695,32 +7981,22 @@
                 <a:spcPct val="100000"/>
               </a:lnSpc>
               <a:buClr>
-                <a:srgbClr val="d26785"/>
+                <a:srgbClr val="D26785"/>
               </a:buClr>
               <a:buFont typeface="Arial"/>
               <a:buChar char="•"/>
             </a:pPr>
             <a:r>
-              <a:rPr b="0" lang="es-ES" sz="2800" spc="-1" strike="noStrike">
+              <a:rPr lang="es-ES" sz="2800" b="0" strike="noStrike" spc="-1">
                 <a:solidFill>
-                  <a:srgbClr val="d26785"/>
+                  <a:srgbClr val="D26785"/>
                 </a:solidFill>
                 <a:latin typeface="Century Gothic"/>
                 <a:ea typeface="DejaVu Sans"/>
               </a:rPr>
-              <a:t> </a:t>
+              <a:t> Formato de fechas</a:t>
             </a:r>
-            <a:r>
-              <a:rPr b="0" lang="es-ES" sz="2800" spc="-1" strike="noStrike">
-                <a:solidFill>
-                  <a:srgbClr val="d26785"/>
-                </a:solidFill>
-                <a:latin typeface="Century Gothic"/>
-                <a:ea typeface="DejaVu Sans"/>
-              </a:rPr>
-              <a:t>Formato de fechas</a:t>
-            </a:r>
-            <a:endParaRPr b="0" lang="es-ES" sz="2800" spc="-1" strike="noStrike">
+            <a:endParaRPr lang="es-ES" sz="2800" b="0" strike="noStrike" spc="-1">
               <a:latin typeface="Arial"/>
             </a:endParaRPr>
           </a:p>
@@ -7730,32 +8006,22 @@
                 <a:spcPct val="100000"/>
               </a:lnSpc>
               <a:buClr>
-                <a:srgbClr val="d26785"/>
+                <a:srgbClr val="D26785"/>
               </a:buClr>
               <a:buFont typeface="Arial"/>
               <a:buChar char="•"/>
             </a:pPr>
             <a:r>
-              <a:rPr b="0" lang="es-ES" sz="2800" spc="-1" strike="noStrike">
+              <a:rPr lang="es-ES" sz="2800" b="0" strike="noStrike" spc="-1">
                 <a:solidFill>
-                  <a:srgbClr val="d26785"/>
+                  <a:srgbClr val="D26785"/>
                 </a:solidFill>
                 <a:latin typeface="Century Gothic"/>
                 <a:ea typeface="DejaVu Sans"/>
               </a:rPr>
-              <a:t> </a:t>
+              <a:t> Carga inicial de datos</a:t>
             </a:r>
-            <a:r>
-              <a:rPr b="0" lang="es-ES" sz="2800" spc="-1" strike="noStrike">
-                <a:solidFill>
-                  <a:srgbClr val="d26785"/>
-                </a:solidFill>
-                <a:latin typeface="Century Gothic"/>
-                <a:ea typeface="DejaVu Sans"/>
-              </a:rPr>
-              <a:t>Carga inicial de datos</a:t>
-            </a:r>
-            <a:endParaRPr b="0" lang="es-ES" sz="2800" spc="-1" strike="noStrike">
+            <a:endParaRPr lang="es-ES" sz="2800" b="0" strike="noStrike" spc="-1">
               <a:latin typeface="Arial"/>
             </a:endParaRPr>
           </a:p>
@@ -7781,15 +8047,22 @@
           </a:ln>
         </p:spPr>
         <p:style>
-          <a:lnRef idx="0"/>
-          <a:fillRef idx="0"/>
-          <a:effectRef idx="0"/>
+          <a:lnRef idx="0">
+            <a:scrgbClr r="0" g="0" b="0"/>
+          </a:lnRef>
+          <a:fillRef idx="0">
+            <a:scrgbClr r="0" g="0" b="0"/>
+          </a:fillRef>
+          <a:effectRef idx="0">
+            <a:scrgbClr r="0" g="0" b="0"/>
+          </a:effectRef>
           <a:fontRef idx="minor"/>
         </p:style>
         <p:txBody>
-          <a:bodyPr lIns="0" rIns="0" tIns="0" bIns="0">
+          <a:bodyPr lIns="0" tIns="0" rIns="0" bIns="0">
             <a:noAutofit/>
           </a:bodyPr>
+          <a:lstStyle/>
           <a:p>
             <a:pPr>
               <a:lnSpc>
@@ -7797,16 +8070,16 @@
               </a:lnSpc>
             </a:pPr>
             <a:r>
-              <a:rPr b="1" lang="es-ES" sz="2800" spc="-1" strike="noStrike">
+              <a:rPr lang="es-ES" sz="2800" b="1" strike="noStrike" spc="-1">
                 <a:solidFill>
-                  <a:srgbClr val="d26785"/>
+                  <a:srgbClr val="D26785"/>
                 </a:solidFill>
                 <a:latin typeface="Century Gothic"/>
                 <a:ea typeface="DejaVu Sans"/>
               </a:rPr>
               <a:t>Frontend</a:t>
             </a:r>
-            <a:endParaRPr b="0" lang="es-ES" sz="2800" spc="-1" strike="noStrike">
+            <a:endParaRPr lang="es-ES" sz="2800" b="0" strike="noStrike" spc="-1">
               <a:latin typeface="Arial"/>
             </a:endParaRPr>
           </a:p>
@@ -7816,7 +8089,7 @@
                 <a:spcPct val="100000"/>
               </a:lnSpc>
             </a:pPr>
-            <a:endParaRPr b="0" lang="es-ES" sz="2800" spc="-1" strike="noStrike">
+            <a:endParaRPr lang="es-ES" sz="2800" b="0" strike="noStrike" spc="-1">
               <a:latin typeface="Arial"/>
             </a:endParaRPr>
           </a:p>
@@ -7826,32 +8099,22 @@
                 <a:spcPct val="100000"/>
               </a:lnSpc>
               <a:buClr>
-                <a:srgbClr val="d26785"/>
+                <a:srgbClr val="D26785"/>
               </a:buClr>
               <a:buFont typeface="Arial"/>
               <a:buChar char="•"/>
             </a:pPr>
             <a:r>
-              <a:rPr b="0" lang="es-ES" sz="2800" spc="-1" strike="noStrike">
+              <a:rPr lang="es-ES" sz="2800" b="0" strike="noStrike" spc="-1">
                 <a:solidFill>
-                  <a:srgbClr val="d26785"/>
+                  <a:srgbClr val="D26785"/>
                 </a:solidFill>
                 <a:latin typeface="Century Gothic"/>
                 <a:ea typeface="DejaVu Sans"/>
               </a:rPr>
-              <a:t> </a:t>
+              <a:t> Llamadas a Ajax</a:t>
             </a:r>
-            <a:r>
-              <a:rPr b="0" lang="es-ES" sz="2800" spc="-1" strike="noStrike">
-                <a:solidFill>
-                  <a:srgbClr val="d26785"/>
-                </a:solidFill>
-                <a:latin typeface="Century Gothic"/>
-                <a:ea typeface="DejaVu Sans"/>
-              </a:rPr>
-              <a:t>Llamadas a Ajax</a:t>
-            </a:r>
-            <a:endParaRPr b="0" lang="es-ES" sz="2800" spc="-1" strike="noStrike">
+            <a:endParaRPr lang="es-ES" sz="2800" b="0" strike="noStrike" spc="-1">
               <a:latin typeface="Arial"/>
             </a:endParaRPr>
           </a:p>
@@ -7861,32 +8124,22 @@
                 <a:spcPct val="100000"/>
               </a:lnSpc>
               <a:buClr>
-                <a:srgbClr val="d26785"/>
+                <a:srgbClr val="D26785"/>
               </a:buClr>
               <a:buFont typeface="Arial"/>
               <a:buChar char="•"/>
             </a:pPr>
             <a:r>
-              <a:rPr b="0" lang="es-ES" sz="2800" spc="-1" strike="noStrike">
+              <a:rPr lang="es-ES" sz="2800" b="0" strike="noStrike" spc="-1">
                 <a:solidFill>
-                  <a:srgbClr val="d26785"/>
+                  <a:srgbClr val="D26785"/>
                 </a:solidFill>
                 <a:latin typeface="Century Gothic"/>
                 <a:ea typeface="DejaVu Sans"/>
               </a:rPr>
-              <a:t> </a:t>
+              <a:t> Objeto Chart.js</a:t>
             </a:r>
-            <a:r>
-              <a:rPr b="0" lang="es-ES" sz="2800" spc="-1" strike="noStrike">
-                <a:solidFill>
-                  <a:srgbClr val="d26785"/>
-                </a:solidFill>
-                <a:latin typeface="Century Gothic"/>
-                <a:ea typeface="DejaVu Sans"/>
-              </a:rPr>
-              <a:t>Objeto Chart.js</a:t>
-            </a:r>
-            <a:endParaRPr b="0" lang="es-ES" sz="2800" spc="-1" strike="noStrike">
+            <a:endParaRPr lang="es-ES" sz="2800" b="0" strike="noStrike" spc="-1">
               <a:latin typeface="Arial"/>
             </a:endParaRPr>
           </a:p>
@@ -7896,32 +8149,22 @@
                 <a:spcPct val="100000"/>
               </a:lnSpc>
               <a:buClr>
-                <a:srgbClr val="d26785"/>
+                <a:srgbClr val="D26785"/>
               </a:buClr>
               <a:buFont typeface="Arial"/>
               <a:buChar char="•"/>
             </a:pPr>
             <a:r>
-              <a:rPr b="0" lang="es-ES" sz="2800" spc="-1" strike="noStrike">
+              <a:rPr lang="es-ES" sz="2800" b="0" strike="noStrike" spc="-1">
                 <a:solidFill>
-                  <a:srgbClr val="d26785"/>
+                  <a:srgbClr val="D26785"/>
                 </a:solidFill>
                 <a:latin typeface="Century Gothic"/>
                 <a:ea typeface="DejaVu Sans"/>
               </a:rPr>
-              <a:t> </a:t>
+              <a:t> Versiones Bootstrap</a:t>
             </a:r>
-            <a:r>
-              <a:rPr b="0" lang="es-ES" sz="2800" spc="-1" strike="noStrike">
-                <a:solidFill>
-                  <a:srgbClr val="d26785"/>
-                </a:solidFill>
-                <a:latin typeface="Century Gothic"/>
-                <a:ea typeface="DejaVu Sans"/>
-              </a:rPr>
-              <a:t>Versiones Bootstrap</a:t>
-            </a:r>
-            <a:endParaRPr b="0" lang="es-ES" sz="2800" spc="-1" strike="noStrike">
+            <a:endParaRPr lang="es-ES" sz="2800" b="0" strike="noStrike" spc="-1">
               <a:latin typeface="Arial"/>
             </a:endParaRPr>
           </a:p>
@@ -7931,7 +8174,7 @@
                 <a:spcPct val="100000"/>
               </a:lnSpc>
             </a:pPr>
-            <a:endParaRPr b="0" lang="es-ES" sz="2800" spc="-1" strike="noStrike">
+            <a:endParaRPr lang="es-ES" sz="2800" b="0" strike="noStrike" spc="-1">
               <a:latin typeface="Arial"/>
             </a:endParaRPr>
           </a:p>
@@ -7941,7 +8184,7 @@
                 <a:spcPct val="100000"/>
               </a:lnSpc>
             </a:pPr>
-            <a:endParaRPr b="0" lang="es-ES" sz="2800" spc="-1" strike="noStrike">
+            <a:endParaRPr lang="es-ES" sz="2800" b="0" strike="noStrike" spc="-1">
               <a:latin typeface="Arial"/>
             </a:endParaRPr>
           </a:p>
@@ -7951,7 +8194,7 @@
                 <a:spcPct val="100000"/>
               </a:lnSpc>
             </a:pPr>
-            <a:endParaRPr b="0" lang="es-ES" sz="2800" spc="-1" strike="noStrike">
+            <a:endParaRPr lang="es-ES" sz="2800" b="0" strike="noStrike" spc="-1">
               <a:latin typeface="Arial"/>
             </a:endParaRPr>
           </a:p>
@@ -7977,15 +8220,22 @@
           </a:ln>
         </p:spPr>
         <p:style>
-          <a:lnRef idx="0"/>
-          <a:fillRef idx="0"/>
-          <a:effectRef idx="0"/>
+          <a:lnRef idx="0">
+            <a:scrgbClr r="0" g="0" b="0"/>
+          </a:lnRef>
+          <a:fillRef idx="0">
+            <a:scrgbClr r="0" g="0" b="0"/>
+          </a:fillRef>
+          <a:effectRef idx="0">
+            <a:scrgbClr r="0" g="0" b="0"/>
+          </a:effectRef>
           <a:fontRef idx="minor"/>
         </p:style>
         <p:txBody>
-          <a:bodyPr lIns="0" rIns="0" tIns="0" bIns="0">
+          <a:bodyPr lIns="0" tIns="0" rIns="0" bIns="0">
             <a:noAutofit/>
           </a:bodyPr>
+          <a:lstStyle/>
           <a:p>
             <a:pPr>
               <a:lnSpc>
@@ -7993,16 +8243,16 @@
               </a:lnSpc>
             </a:pPr>
             <a:r>
-              <a:rPr b="1" lang="es-ES" sz="2800" spc="-1" strike="noStrike">
+              <a:rPr lang="es-ES" sz="2800" b="1" strike="noStrike" spc="-1" dirty="0">
                 <a:solidFill>
-                  <a:srgbClr val="d26785"/>
+                  <a:srgbClr val="D26785"/>
                 </a:solidFill>
                 <a:latin typeface="Century Gothic"/>
                 <a:ea typeface="DejaVu Sans"/>
               </a:rPr>
               <a:t>Despliegue</a:t>
             </a:r>
-            <a:endParaRPr b="0" lang="es-ES" sz="2800" spc="-1" strike="noStrike">
+            <a:endParaRPr lang="es-ES" sz="2800" b="0" strike="noStrike" spc="-1" dirty="0">
               <a:latin typeface="Arial"/>
             </a:endParaRPr>
           </a:p>
@@ -8013,16 +8263,46 @@
               </a:lnSpc>
             </a:pPr>
             <a:r>
-              <a:rPr b="0" lang="es-ES" sz="2800" spc="-1" strike="noStrike">
+              <a:rPr lang="es-ES" sz="2800" b="0" strike="noStrike" spc="-1" dirty="0" err="1">
                 <a:solidFill>
-                  <a:srgbClr val="d26785"/>
+                  <a:srgbClr val="D26785"/>
                 </a:solidFill>
                 <a:latin typeface="Century Gothic"/>
                 <a:ea typeface="DejaVu Sans"/>
               </a:rPr>
-              <a:t>Vercel despliega sólo sobre main.</a:t>
+              <a:t>Vercel</a:t>
             </a:r>
-            <a:endParaRPr b="0" lang="es-ES" sz="2800" spc="-1" strike="noStrike">
+            <a:r>
+              <a:rPr lang="es-ES" sz="2800" b="0" strike="noStrike" spc="-1" dirty="0">
+                <a:solidFill>
+                  <a:srgbClr val="D26785"/>
+                </a:solidFill>
+                <a:latin typeface="Century Gothic"/>
+                <a:ea typeface="DejaVu Sans"/>
+              </a:rPr>
+              <a:t> despliega sólo sobre </a:t>
+            </a:r>
+            <a:r>
+              <a:rPr lang="es-ES" sz="2800" b="0" strike="noStrike" spc="-1" dirty="0" err="1">
+                <a:solidFill>
+                  <a:srgbClr val="D26785"/>
+                </a:solidFill>
+                <a:latin typeface="Century Gothic"/>
+                <a:ea typeface="DejaVu Sans"/>
+              </a:rPr>
+              <a:t>main</a:t>
+            </a:r>
+            <a:r>
+              <a:rPr lang="es-ES" sz="2800" b="0" strike="noStrike" spc="-1" dirty="0">
+                <a:solidFill>
+                  <a:srgbClr val="D26785"/>
+                </a:solidFill>
+                <a:latin typeface="Century Gothic"/>
+                <a:ea typeface="DejaVu Sans"/>
+              </a:rPr>
+              <a:t>.</a:t>
+            </a:r>
+            <a:endParaRPr lang="es-ES" sz="2800" b="0" strike="noStrike" spc="-1" dirty="0">
               <a:latin typeface="Arial"/>
             </a:endParaRPr>
           </a:p>
@@ -8032,7 +8312,7 @@
                 <a:spcPct val="100000"/>
               </a:lnSpc>
             </a:pPr>
-            <a:endParaRPr b="0" lang="es-ES" sz="2800" spc="-1" strike="noStrike">
+            <a:endParaRPr lang="es-ES" sz="2800" b="0" strike="noStrike" spc="-1" dirty="0">
               <a:latin typeface="Arial"/>
             </a:endParaRPr>
           </a:p>
@@ -8042,7 +8322,7 @@
                 <a:spcPct val="100000"/>
               </a:lnSpc>
             </a:pPr>
-            <a:endParaRPr b="0" lang="es-ES" sz="2800" spc="-1" strike="noStrike">
+            <a:endParaRPr lang="es-ES" sz="2800" b="0" strike="noStrike" spc="-1" dirty="0">
               <a:latin typeface="Arial"/>
             </a:endParaRPr>
           </a:p>
@@ -8052,7 +8332,7 @@
                 <a:spcPct val="100000"/>
               </a:lnSpc>
             </a:pPr>
-            <a:endParaRPr b="0" lang="es-ES" sz="2800" spc="-1" strike="noStrike">
+            <a:endParaRPr lang="es-ES" sz="2800" b="0" strike="noStrike" spc="-1" dirty="0">
               <a:latin typeface="Arial"/>
             </a:endParaRPr>
           </a:p>
@@ -8078,15 +8358,22 @@
           </a:ln>
         </p:spPr>
         <p:style>
-          <a:lnRef idx="0"/>
-          <a:fillRef idx="0"/>
-          <a:effectRef idx="0"/>
+          <a:lnRef idx="0">
+            <a:scrgbClr r="0" g="0" b="0"/>
+          </a:lnRef>
+          <a:fillRef idx="0">
+            <a:scrgbClr r="0" g="0" b="0"/>
+          </a:fillRef>
+          <a:effectRef idx="0">
+            <a:scrgbClr r="0" g="0" b="0"/>
+          </a:effectRef>
           <a:fontRef idx="minor"/>
         </p:style>
         <p:txBody>
-          <a:bodyPr lIns="0" rIns="0" tIns="0" bIns="0" anchor="ctr">
+          <a:bodyPr lIns="0" tIns="0" rIns="0" bIns="0" anchor="ctr">
             <a:noAutofit/>
           </a:bodyPr>
+          <a:lstStyle/>
           <a:p>
             <a:pPr algn="ctr">
               <a:lnSpc>
@@ -8094,9 +8381,9 @@
               </a:lnSpc>
             </a:pPr>
             <a:r>
-              <a:rPr b="0" lang="es-ES" sz="4200" spc="-1" strike="noStrike">
+              <a:rPr lang="es-ES" sz="4200" b="0" strike="noStrike" spc="-1">
                 <a:solidFill>
-                  <a:srgbClr val="d26785"/>
+                  <a:srgbClr val="D26785"/>
                 </a:solidFill>
                 <a:latin typeface="Century Gothic"/>
                 <a:ea typeface="DejaVu Sans"/>
@@ -8104,9 +8391,9 @@
               <a:t>Dificultades</a:t>
             </a:r>
             <a:r>
-              <a:rPr b="0" lang="es-ES" sz="1800" spc="-1" strike="noStrike">
+              <a:rPr lang="es-ES" sz="1800" b="0" strike="noStrike" spc="-1">
                 <a:solidFill>
-                  <a:srgbClr val="d26785"/>
+                  <a:srgbClr val="D26785"/>
                 </a:solidFill>
                 <a:latin typeface="Century Gothic"/>
                 <a:ea typeface="DejaVu Sans"/>
@@ -8114,16 +8401,16 @@
               <a:t>  </a:t>
             </a:r>
             <a:r>
-              <a:rPr b="0" lang="es-ES" sz="4200" spc="-1" strike="noStrike">
+              <a:rPr lang="es-ES" sz="4200" b="0" strike="noStrike" spc="-1">
                 <a:solidFill>
-                  <a:srgbClr val="d26785"/>
+                  <a:srgbClr val="D26785"/>
                 </a:solidFill>
                 <a:latin typeface="Century Gothic"/>
                 <a:ea typeface="DejaVu Sans"/>
               </a:rPr>
               <a:t>encontradas</a:t>
             </a:r>
-            <a:endParaRPr b="0" lang="es-ES" sz="4200" spc="-1" strike="noStrike">
+            <a:endParaRPr lang="es-ES" sz="4200" b="0" strike="noStrike" spc="-1">
               <a:latin typeface="Arial"/>
             </a:endParaRPr>
           </a:p>
@@ -8131,19 +8418,29 @@
       </p:sp>
     </p:spTree>
   </p:cSld>
-  <mc:AlternateContent>
-    <mc:Choice Requires="p14">
+  <p:clrMapOvr>
+    <a:masterClrMapping/>
+  </p:clrMapOvr>
+  <mc:AlternateContent xmlns:mc="http://schemas.openxmlformats.org/markup-compatibility/2006">
+    <mc:Choice xmlns:p15="http://schemas.microsoft.com/office/powerpoint/2012/main" xmlns:p14="http://schemas.microsoft.com/office/powerpoint/2010/main" xmlns="" Requires="p14">
       <p:transition spd="slow" p14:dur="2000"/>
     </mc:Choice>
     <mc:Fallback>
       <p:transition spd="slow"/>
     </mc:Fallback>
   </mc:AlternateContent>
+  <p:timing>
+    <p:tnLst>
+      <p:par>
+        <p:cTn id="1" dur="indefinite" restart="never" nodeType="tmRoot"/>
+      </p:par>
+    </p:tnLst>
+  </p:timing>
 </p:sld>
 </file>
 
 <file path=ppt/slides/slide11.xml><?xml version="1.0" encoding="utf-8"?>
-<p:sld xmlns:a="http://schemas.openxmlformats.org/drawingml/2006/main" xmlns:p="http://schemas.openxmlformats.org/presentationml/2006/main" xmlns:r="http://schemas.openxmlformats.org/officeDocument/2006/relationships" xmlns:p14="http://schemas.microsoft.com/office/powerpoint/2010/main" xmlns:p15="http://schemas.microsoft.com/office/powerpoint/2012/main" xmlns:mc="http://schemas.openxmlformats.org/markup-compatibility/2006">
+<p:sld xmlns:a="http://schemas.openxmlformats.org/drawingml/2006/main" xmlns:r="http://schemas.openxmlformats.org/officeDocument/2006/relationships" xmlns:p="http://schemas.openxmlformats.org/presentationml/2006/main">
   <p:cSld>
     <p:spTree>
       <p:nvGrpSpPr>
@@ -8179,15 +8476,22 @@
           </a:ln>
         </p:spPr>
         <p:style>
-          <a:lnRef idx="0"/>
-          <a:fillRef idx="0"/>
-          <a:effectRef idx="0"/>
+          <a:lnRef idx="0">
+            <a:scrgbClr r="0" g="0" b="0"/>
+          </a:lnRef>
+          <a:fillRef idx="0">
+            <a:scrgbClr r="0" g="0" b="0"/>
+          </a:fillRef>
+          <a:effectRef idx="0">
+            <a:scrgbClr r="0" g="0" b="0"/>
+          </a:effectRef>
           <a:fontRef idx="minor"/>
         </p:style>
         <p:txBody>
-          <a:bodyPr lIns="0" rIns="0" tIns="0" bIns="0">
-            <a:normAutofit fontScale="65000"/>
-          </a:bodyPr>
+          <a:bodyPr lIns="0" tIns="0" rIns="0" bIns="0">
+            <a:normAutofit fontScale="87500" lnSpcReduction="20000"/>
+          </a:bodyPr>
+          <a:lstStyle/>
           <a:p>
             <a:pPr>
               <a:lnSpc>
@@ -8195,16 +8499,16 @@
               </a:lnSpc>
             </a:pPr>
             <a:r>
-              <a:rPr b="1" lang="es-ES" sz="2800" spc="-1" strike="noStrike">
+              <a:rPr lang="es-ES" sz="2800" b="1" strike="noStrike" spc="-1">
                 <a:solidFill>
-                  <a:srgbClr val="d26785"/>
+                  <a:srgbClr val="D26785"/>
                 </a:solidFill>
                 <a:latin typeface="Century Gothic"/>
                 <a:ea typeface="DejaVu Sans"/>
               </a:rPr>
               <a:t>Backend</a:t>
             </a:r>
-            <a:endParaRPr b="0" lang="es-ES" sz="2800" spc="-1" strike="noStrike">
+            <a:endParaRPr lang="es-ES" sz="2800" b="0" strike="noStrike" spc="-1">
               <a:latin typeface="Arial"/>
             </a:endParaRPr>
           </a:p>
@@ -8214,7 +8518,7 @@
                 <a:spcPct val="100000"/>
               </a:lnSpc>
             </a:pPr>
-            <a:endParaRPr b="0" lang="es-ES" sz="2800" spc="-1" strike="noStrike">
+            <a:endParaRPr lang="es-ES" sz="2800" b="0" strike="noStrike" spc="-1">
               <a:latin typeface="Arial"/>
             </a:endParaRPr>
           </a:p>
@@ -8224,32 +8528,22 @@
                 <a:spcPct val="100000"/>
               </a:lnSpc>
               <a:buClr>
-                <a:srgbClr val="d26785"/>
+                <a:srgbClr val="D26785"/>
               </a:buClr>
               <a:buFont typeface="Arial"/>
               <a:buChar char="•"/>
             </a:pPr>
             <a:r>
-              <a:rPr b="0" lang="es-ES" sz="2800" spc="-1" strike="noStrike">
+              <a:rPr lang="es-ES" sz="2800" b="0" strike="noStrike" spc="-1">
                 <a:solidFill>
-                  <a:srgbClr val="d26785"/>
+                  <a:srgbClr val="D26785"/>
                 </a:solidFill>
                 <a:latin typeface="Century Gothic"/>
                 <a:ea typeface="DejaVu Sans"/>
               </a:rPr>
-              <a:t> </a:t>
+              <a:t> Consultas JPA deben devolver un objeto</a:t>
             </a:r>
-            <a:r>
-              <a:rPr b="0" lang="es-ES" sz="2800" spc="-1" strike="noStrike">
-                <a:solidFill>
-                  <a:srgbClr val="d26785"/>
-                </a:solidFill>
-                <a:latin typeface="Century Gothic"/>
-                <a:ea typeface="DejaVu Sans"/>
-              </a:rPr>
-              <a:t>Consultas JPA deben devolver un objeto</a:t>
-            </a:r>
-            <a:endParaRPr b="0" lang="es-ES" sz="2800" spc="-1" strike="noStrike">
+            <a:endParaRPr lang="es-ES" sz="2800" b="0" strike="noStrike" spc="-1">
               <a:latin typeface="Arial"/>
             </a:endParaRPr>
           </a:p>
@@ -8259,32 +8553,22 @@
                 <a:spcPct val="100000"/>
               </a:lnSpc>
               <a:buClr>
-                <a:srgbClr val="d26785"/>
+                <a:srgbClr val="D26785"/>
               </a:buClr>
               <a:buFont typeface="Arial"/>
               <a:buChar char="•"/>
             </a:pPr>
             <a:r>
-              <a:rPr b="0" lang="es-ES" sz="2800" spc="-1" strike="noStrike">
+              <a:rPr lang="es-ES" sz="2800" b="0" strike="noStrike" spc="-1">
                 <a:solidFill>
-                  <a:srgbClr val="d26785"/>
+                  <a:srgbClr val="D26785"/>
                 </a:solidFill>
                 <a:latin typeface="Century Gothic"/>
                 <a:ea typeface="DejaVu Sans"/>
               </a:rPr>
-              <a:t> </a:t>
+              <a:t> Interfaces separadas</a:t>
             </a:r>
-            <a:r>
-              <a:rPr b="0" lang="es-ES" sz="2800" spc="-1" strike="noStrike">
-                <a:solidFill>
-                  <a:srgbClr val="d26785"/>
-                </a:solidFill>
-                <a:latin typeface="Century Gothic"/>
-                <a:ea typeface="DejaVu Sans"/>
-              </a:rPr>
-              <a:t>Interfaces separadas</a:t>
-            </a:r>
-            <a:endParaRPr b="0" lang="es-ES" sz="2800" spc="-1" strike="noStrike">
+            <a:endParaRPr lang="es-ES" sz="2800" b="0" strike="noStrike" spc="-1">
               <a:latin typeface="Arial"/>
             </a:endParaRPr>
           </a:p>
@@ -8294,32 +8578,22 @@
                 <a:spcPct val="100000"/>
               </a:lnSpc>
               <a:buClr>
-                <a:srgbClr val="d26785"/>
+                <a:srgbClr val="D26785"/>
               </a:buClr>
               <a:buFont typeface="Arial"/>
               <a:buChar char="•"/>
             </a:pPr>
             <a:r>
-              <a:rPr b="0" lang="es-ES" sz="2800" spc="-1" strike="noStrike">
+              <a:rPr lang="es-ES" sz="2800" b="0" strike="noStrike" spc="-1">
                 <a:solidFill>
-                  <a:srgbClr val="d26785"/>
+                  <a:srgbClr val="D26785"/>
                 </a:solidFill>
                 <a:latin typeface="Century Gothic"/>
                 <a:ea typeface="DejaVu Sans"/>
               </a:rPr>
-              <a:t> </a:t>
+              <a:t> Formato de fechas</a:t>
             </a:r>
-            <a:r>
-              <a:rPr b="0" lang="es-ES" sz="2800" spc="-1" strike="noStrike">
-                <a:solidFill>
-                  <a:srgbClr val="d26785"/>
-                </a:solidFill>
-                <a:latin typeface="Century Gothic"/>
-                <a:ea typeface="DejaVu Sans"/>
-              </a:rPr>
-              <a:t>Formato de fechas</a:t>
-            </a:r>
-            <a:endParaRPr b="0" lang="es-ES" sz="2800" spc="-1" strike="noStrike">
+            <a:endParaRPr lang="es-ES" sz="2800" b="0" strike="noStrike" spc="-1">
               <a:latin typeface="Arial"/>
             </a:endParaRPr>
           </a:p>
@@ -8329,32 +8603,22 @@
                 <a:spcPct val="100000"/>
               </a:lnSpc>
               <a:buClr>
-                <a:srgbClr val="d26785"/>
+                <a:srgbClr val="D26785"/>
               </a:buClr>
               <a:buFont typeface="Arial"/>
               <a:buChar char="•"/>
             </a:pPr>
             <a:r>
-              <a:rPr b="0" lang="es-ES" sz="2800" spc="-1" strike="noStrike">
+              <a:rPr lang="es-ES" sz="2800" b="0" strike="noStrike" spc="-1">
                 <a:solidFill>
-                  <a:srgbClr val="d26785"/>
+                  <a:srgbClr val="D26785"/>
                 </a:solidFill>
                 <a:latin typeface="Century Gothic"/>
                 <a:ea typeface="DejaVu Sans"/>
               </a:rPr>
-              <a:t> </a:t>
+              <a:t> JPA administra las claves y relaciones en la BB.DD.</a:t>
             </a:r>
-            <a:r>
-              <a:rPr b="0" lang="es-ES" sz="2800" spc="-1" strike="noStrike">
-                <a:solidFill>
-                  <a:srgbClr val="d26785"/>
-                </a:solidFill>
-                <a:latin typeface="Century Gothic"/>
-                <a:ea typeface="DejaVu Sans"/>
-              </a:rPr>
-              <a:t>JPA administra las claves y relaciones en la BB.DD.</a:t>
-            </a:r>
-            <a:endParaRPr b="0" lang="es-ES" sz="2800" spc="-1" strike="noStrike">
+            <a:endParaRPr lang="es-ES" sz="2800" b="0" strike="noStrike" spc="-1">
               <a:latin typeface="Arial"/>
             </a:endParaRPr>
           </a:p>
@@ -8380,15 +8644,22 @@
           </a:ln>
         </p:spPr>
         <p:style>
-          <a:lnRef idx="0"/>
-          <a:fillRef idx="0"/>
-          <a:effectRef idx="0"/>
+          <a:lnRef idx="0">
+            <a:scrgbClr r="0" g="0" b="0"/>
+          </a:lnRef>
+          <a:fillRef idx="0">
+            <a:scrgbClr r="0" g="0" b="0"/>
+          </a:fillRef>
+          <a:effectRef idx="0">
+            <a:scrgbClr r="0" g="0" b="0"/>
+          </a:effectRef>
           <a:fontRef idx="minor"/>
         </p:style>
         <p:txBody>
-          <a:bodyPr lIns="0" rIns="0" tIns="0" bIns="0">
+          <a:bodyPr lIns="0" tIns="0" rIns="0" bIns="0">
             <a:noAutofit/>
           </a:bodyPr>
+          <a:lstStyle/>
           <a:p>
             <a:pPr>
               <a:lnSpc>
@@ -8396,15 +8667,15 @@
               </a:lnSpc>
             </a:pPr>
             <a:r>
-              <a:rPr b="1" lang="es-ES" sz="2800" spc="-1" strike="noStrike">
+              <a:rPr lang="es-ES" sz="2800" b="1" strike="noStrike" spc="-1">
                 <a:solidFill>
-                  <a:srgbClr val="d26785"/>
+                  <a:srgbClr val="D26785"/>
                 </a:solidFill>
                 <a:latin typeface="Century Gothic"/>
               </a:rPr>
               <a:t>Frontend</a:t>
             </a:r>
-            <a:endParaRPr b="0" lang="es-ES" sz="2800" spc="-1" strike="noStrike">
+            <a:endParaRPr lang="es-ES" sz="2800" b="0" strike="noStrike" spc="-1">
               <a:latin typeface="Arial"/>
             </a:endParaRPr>
           </a:p>
@@ -8414,7 +8685,7 @@
                 <a:spcPct val="100000"/>
               </a:lnSpc>
             </a:pPr>
-            <a:endParaRPr b="0" lang="es-ES" sz="2800" spc="-1" strike="noStrike">
+            <a:endParaRPr lang="es-ES" sz="2800" b="0" strike="noStrike" spc="-1">
               <a:latin typeface="Arial"/>
             </a:endParaRPr>
           </a:p>
@@ -8424,32 +8695,22 @@
                 <a:spcPct val="100000"/>
               </a:lnSpc>
               <a:buClr>
-                <a:srgbClr val="d26785"/>
+                <a:srgbClr val="D26785"/>
               </a:buClr>
               <a:buFont typeface="Arial"/>
               <a:buChar char="•"/>
             </a:pPr>
             <a:r>
-              <a:rPr b="0" lang="es-ES" sz="2800" spc="-1" strike="noStrike">
+              <a:rPr lang="es-ES" sz="2800" b="0" strike="noStrike" spc="-1">
                 <a:solidFill>
-                  <a:srgbClr val="d26785"/>
+                  <a:srgbClr val="D26785"/>
                 </a:solidFill>
                 <a:latin typeface="Century Gothic"/>
                 <a:ea typeface="DejaVu Sans"/>
               </a:rPr>
-              <a:t> </a:t>
+              <a:t> Uso correcto de la API (dependencias)</a:t>
             </a:r>
-            <a:r>
-              <a:rPr b="0" lang="es-ES" sz="2800" spc="-1" strike="noStrike">
-                <a:solidFill>
-                  <a:srgbClr val="d26785"/>
-                </a:solidFill>
-                <a:latin typeface="Century Gothic"/>
-                <a:ea typeface="DejaVu Sans"/>
-              </a:rPr>
-              <a:t>Uso correcto de la API (dependencias)</a:t>
-            </a:r>
-            <a:endParaRPr b="0" lang="es-ES" sz="2800" spc="-1" strike="noStrike">
+            <a:endParaRPr lang="es-ES" sz="2800" b="0" strike="noStrike" spc="-1">
               <a:latin typeface="Arial"/>
             </a:endParaRPr>
           </a:p>
@@ -8459,32 +8720,22 @@
                 <a:spcPct val="100000"/>
               </a:lnSpc>
               <a:buClr>
-                <a:srgbClr val="d26785"/>
+                <a:srgbClr val="D26785"/>
               </a:buClr>
               <a:buFont typeface="Arial"/>
               <a:buChar char="•"/>
             </a:pPr>
             <a:r>
-              <a:rPr b="0" lang="es-ES" sz="2800" spc="-1" strike="noStrike">
+              <a:rPr lang="es-ES" sz="2800" b="0" strike="noStrike" spc="-1">
                 <a:solidFill>
-                  <a:srgbClr val="d26785"/>
+                  <a:srgbClr val="D26785"/>
                 </a:solidFill>
                 <a:latin typeface="Century Gothic"/>
                 <a:ea typeface="DejaVu Sans"/>
               </a:rPr>
-              <a:t> </a:t>
+              <a:t> Versiones de componentes</a:t>
             </a:r>
-            <a:r>
-              <a:rPr b="0" lang="es-ES" sz="2800" spc="-1" strike="noStrike">
-                <a:solidFill>
-                  <a:srgbClr val="d26785"/>
-                </a:solidFill>
-                <a:latin typeface="Century Gothic"/>
-                <a:ea typeface="DejaVu Sans"/>
-              </a:rPr>
-              <a:t>Versiones de componentes</a:t>
-            </a:r>
-            <a:endParaRPr b="0" lang="es-ES" sz="2800" spc="-1" strike="noStrike">
+            <a:endParaRPr lang="es-ES" sz="2800" b="0" strike="noStrike" spc="-1">
               <a:latin typeface="Arial"/>
             </a:endParaRPr>
           </a:p>
@@ -8510,15 +8761,22 @@
           </a:ln>
         </p:spPr>
         <p:style>
-          <a:lnRef idx="0"/>
-          <a:fillRef idx="0"/>
-          <a:effectRef idx="0"/>
+          <a:lnRef idx="0">
+            <a:scrgbClr r="0" g="0" b="0"/>
+          </a:lnRef>
+          <a:fillRef idx="0">
+            <a:scrgbClr r="0" g="0" b="0"/>
+          </a:fillRef>
+          <a:effectRef idx="0">
+            <a:scrgbClr r="0" g="0" b="0"/>
+          </a:effectRef>
           <a:fontRef idx="minor"/>
         </p:style>
         <p:txBody>
-          <a:bodyPr lIns="0" rIns="0" tIns="0" bIns="0">
+          <a:bodyPr lIns="0" tIns="0" rIns="0" bIns="0">
             <a:noAutofit/>
           </a:bodyPr>
+          <a:lstStyle/>
           <a:p>
             <a:pPr>
               <a:lnSpc>
@@ -8526,15 +8784,15 @@
               </a:lnSpc>
             </a:pPr>
             <a:r>
-              <a:rPr b="1" lang="es-ES" sz="2800" spc="-1" strike="noStrike">
+              <a:rPr lang="es-ES" sz="2800" b="1" strike="noStrike" spc="-1">
                 <a:solidFill>
-                  <a:srgbClr val="d26785"/>
+                  <a:srgbClr val="D26785"/>
                 </a:solidFill>
                 <a:latin typeface="Century Gothic"/>
               </a:rPr>
               <a:t>Generales</a:t>
             </a:r>
-            <a:endParaRPr b="0" lang="es-ES" sz="2800" spc="-1" strike="noStrike">
+            <a:endParaRPr lang="es-ES" sz="2800" b="0" strike="noStrike" spc="-1">
               <a:latin typeface="Arial"/>
             </a:endParaRPr>
           </a:p>
@@ -8544,32 +8802,22 @@
                 <a:spcPct val="100000"/>
               </a:lnSpc>
               <a:buClr>
-                <a:srgbClr val="d26785"/>
+                <a:srgbClr val="D26785"/>
               </a:buClr>
               <a:buFont typeface="Arial"/>
               <a:buChar char="•"/>
             </a:pPr>
             <a:r>
-              <a:rPr b="0" lang="es-ES" sz="2800" spc="-1" strike="noStrike">
+              <a:rPr lang="es-ES" sz="2800" b="0" strike="noStrike" spc="-1">
                 <a:solidFill>
-                  <a:srgbClr val="d26785"/>
+                  <a:srgbClr val="D26785"/>
                 </a:solidFill>
                 <a:latin typeface="Century Gothic"/>
                 <a:ea typeface="DejaVu Sans"/>
               </a:rPr>
-              <a:t> </a:t>
+              <a:t> La primera solución no es la mejor.</a:t>
             </a:r>
-            <a:r>
-              <a:rPr b="0" lang="es-ES" sz="2800" spc="-1" strike="noStrike">
-                <a:solidFill>
-                  <a:srgbClr val="d26785"/>
-                </a:solidFill>
-                <a:latin typeface="Century Gothic"/>
-                <a:ea typeface="DejaVu Sans"/>
-              </a:rPr>
-              <a:t>La primera solución no es la mejor.</a:t>
-            </a:r>
-            <a:endParaRPr b="0" lang="es-ES" sz="2800" spc="-1" strike="noStrike">
+            <a:endParaRPr lang="es-ES" sz="2800" b="0" strike="noStrike" spc="-1">
               <a:latin typeface="Arial"/>
             </a:endParaRPr>
           </a:p>
@@ -8579,32 +8827,22 @@
                 <a:spcPct val="100000"/>
               </a:lnSpc>
               <a:buClr>
-                <a:srgbClr val="d26785"/>
+                <a:srgbClr val="D26785"/>
               </a:buClr>
               <a:buFont typeface="Arial"/>
               <a:buChar char="•"/>
             </a:pPr>
             <a:r>
-              <a:rPr b="0" lang="es-ES" sz="2800" spc="-1" strike="noStrike">
+              <a:rPr lang="es-ES" sz="2800" b="0" strike="noStrike" spc="-1">
                 <a:solidFill>
-                  <a:srgbClr val="d26785"/>
+                  <a:srgbClr val="D26785"/>
                 </a:solidFill>
                 <a:latin typeface="Century Gothic"/>
                 <a:ea typeface="DejaVu Sans"/>
               </a:rPr>
-              <a:t> </a:t>
+              <a:t> Atender las especificaciones funcionales</a:t>
             </a:r>
-            <a:r>
-              <a:rPr b="0" lang="es-ES" sz="2800" spc="-1" strike="noStrike">
-                <a:solidFill>
-                  <a:srgbClr val="d26785"/>
-                </a:solidFill>
-                <a:latin typeface="Century Gothic"/>
-                <a:ea typeface="DejaVu Sans"/>
-              </a:rPr>
-              <a:t>Atender las especificaciones funcionales</a:t>
-            </a:r>
-            <a:endParaRPr b="0" lang="es-ES" sz="2800" spc="-1" strike="noStrike">
+            <a:endParaRPr lang="es-ES" sz="2800" b="0" strike="noStrike" spc="-1">
               <a:latin typeface="Arial"/>
             </a:endParaRPr>
           </a:p>
@@ -8630,15 +8868,22 @@
           </a:ln>
         </p:spPr>
         <p:style>
-          <a:lnRef idx="0"/>
-          <a:fillRef idx="0"/>
-          <a:effectRef idx="0"/>
+          <a:lnRef idx="0">
+            <a:scrgbClr r="0" g="0" b="0"/>
+          </a:lnRef>
+          <a:fillRef idx="0">
+            <a:scrgbClr r="0" g="0" b="0"/>
+          </a:fillRef>
+          <a:effectRef idx="0">
+            <a:scrgbClr r="0" g="0" b="0"/>
+          </a:effectRef>
           <a:fontRef idx="minor"/>
         </p:style>
         <p:txBody>
-          <a:bodyPr lIns="0" rIns="0" tIns="0" bIns="0" anchor="ctr">
+          <a:bodyPr lIns="0" tIns="0" rIns="0" bIns="0" anchor="ctr">
             <a:noAutofit/>
           </a:bodyPr>
+          <a:lstStyle/>
           <a:p>
             <a:pPr algn="ctr">
               <a:lnSpc>
@@ -8646,16 +8891,16 @@
               </a:lnSpc>
             </a:pPr>
             <a:r>
-              <a:rPr b="0" lang="es-ES" sz="4200" spc="-1" strike="noStrike">
+              <a:rPr lang="es-ES" sz="4200" b="0" strike="noStrike" spc="-1">
                 <a:solidFill>
-                  <a:srgbClr val="d26785"/>
+                  <a:srgbClr val="D26785"/>
                 </a:solidFill>
                 <a:latin typeface="Century Gothic"/>
                 <a:ea typeface="DejaVu Sans"/>
               </a:rPr>
               <a:t>Conclusiones</a:t>
             </a:r>
-            <a:endParaRPr b="0" lang="es-ES" sz="4200" spc="-1" strike="noStrike">
+            <a:endParaRPr lang="es-ES" sz="4200" b="0" strike="noStrike" spc="-1">
               <a:latin typeface="Arial"/>
             </a:endParaRPr>
           </a:p>
@@ -8663,19 +8908,29 @@
       </p:sp>
     </p:spTree>
   </p:cSld>
-  <mc:AlternateContent>
-    <mc:Choice Requires="p14">
+  <p:clrMapOvr>
+    <a:masterClrMapping/>
+  </p:clrMapOvr>
+  <mc:AlternateContent xmlns:mc="http://schemas.openxmlformats.org/markup-compatibility/2006">
+    <mc:Choice xmlns:p15="http://schemas.microsoft.com/office/powerpoint/2012/main" xmlns:p14="http://schemas.microsoft.com/office/powerpoint/2010/main" xmlns="" Requires="p14">
       <p:transition spd="slow" p14:dur="2000"/>
     </mc:Choice>
     <mc:Fallback>
       <p:transition spd="slow"/>
     </mc:Fallback>
   </mc:AlternateContent>
+  <p:timing>
+    <p:tnLst>
+      <p:par>
+        <p:cTn id="1" dur="indefinite" restart="never" nodeType="tmRoot"/>
+      </p:par>
+    </p:tnLst>
+  </p:timing>
 </p:sld>
 </file>
 
 <file path=ppt/slides/slide2.xml><?xml version="1.0" encoding="utf-8"?>
-<p:sld xmlns:a="http://schemas.openxmlformats.org/drawingml/2006/main" xmlns:p="http://schemas.openxmlformats.org/presentationml/2006/main" xmlns:r="http://schemas.openxmlformats.org/officeDocument/2006/relationships" xmlns:p14="http://schemas.microsoft.com/office/powerpoint/2010/main" xmlns:p15="http://schemas.microsoft.com/office/powerpoint/2012/main" xmlns:mc="http://schemas.openxmlformats.org/markup-compatibility/2006">
+<p:sld xmlns:a="http://schemas.openxmlformats.org/drawingml/2006/main" xmlns:r="http://schemas.openxmlformats.org/officeDocument/2006/relationships" xmlns:p="http://schemas.openxmlformats.org/presentationml/2006/main">
   <p:cSld>
     <p:spTree>
       <p:nvGrpSpPr>
@@ -8711,15 +8966,22 @@
           </a:ln>
         </p:spPr>
         <p:style>
-          <a:lnRef idx="0"/>
-          <a:fillRef idx="0"/>
-          <a:effectRef idx="0"/>
+          <a:lnRef idx="0">
+            <a:scrgbClr r="0" g="0" b="0"/>
+          </a:lnRef>
+          <a:fillRef idx="0">
+            <a:scrgbClr r="0" g="0" b="0"/>
+          </a:fillRef>
+          <a:effectRef idx="0">
+            <a:scrgbClr r="0" g="0" b="0"/>
+          </a:effectRef>
           <a:fontRef idx="minor"/>
         </p:style>
         <p:txBody>
-          <a:bodyPr lIns="90000" rIns="90000" tIns="45000" bIns="45000" anchor="ctr">
+          <a:bodyPr lIns="90000" tIns="45000" rIns="90000" bIns="45000" anchor="ctr">
             <a:noAutofit/>
           </a:bodyPr>
+          <a:lstStyle/>
           <a:p>
             <a:pPr marL="484560">
               <a:lnSpc>
@@ -8727,16 +8989,16 @@
               </a:lnSpc>
             </a:pPr>
             <a:r>
-              <a:rPr b="0" lang="es-ES" sz="4200" spc="-1" strike="noStrike">
+              <a:rPr lang="es-ES" sz="4200" b="0" strike="noStrike" spc="-1">
                 <a:solidFill>
-                  <a:srgbClr val="d26785"/>
+                  <a:srgbClr val="D26785"/>
                 </a:solidFill>
                 <a:latin typeface="Century Gothic"/>
                 <a:ea typeface="DejaVu Sans"/>
               </a:rPr>
               <a:t>Objetivo</a:t>
             </a:r>
-            <a:endParaRPr b="0" lang="es-ES" sz="4200" spc="-1" strike="noStrike">
+            <a:endParaRPr lang="es-ES" sz="4200" b="0" strike="noStrike" spc="-1">
               <a:latin typeface="Arial"/>
             </a:endParaRPr>
           </a:p>
@@ -8762,15 +9024,22 @@
           </a:ln>
         </p:spPr>
         <p:style>
-          <a:lnRef idx="0"/>
-          <a:fillRef idx="0"/>
-          <a:effectRef idx="0"/>
+          <a:lnRef idx="0">
+            <a:scrgbClr r="0" g="0" b="0"/>
+          </a:lnRef>
+          <a:fillRef idx="0">
+            <a:scrgbClr r="0" g="0" b="0"/>
+          </a:fillRef>
+          <a:effectRef idx="0">
+            <a:scrgbClr r="0" g="0" b="0"/>
+          </a:effectRef>
           <a:fontRef idx="minor"/>
         </p:style>
         <p:txBody>
-          <a:bodyPr lIns="90000" rIns="90000" tIns="45000" bIns="45000">
+          <a:bodyPr lIns="90000" tIns="45000" rIns="90000" bIns="45000">
             <a:noAutofit/>
           </a:bodyPr>
+          <a:lstStyle/>
           <a:p>
             <a:pPr marL="448200" indent="-383040">
               <a:lnSpc>
@@ -8780,23 +9049,23 @@
                 <a:spcPts val="601"/>
               </a:spcBef>
               <a:buClr>
-                <a:srgbClr val="ff388c"/>
+                <a:srgbClr val="FF388C"/>
               </a:buClr>
               <a:buSzPct val="80000"/>
               <a:buFont typeface="Wingdings 2" charset="2"/>
               <a:buChar char=""/>
             </a:pPr>
             <a:r>
-              <a:rPr b="0" lang="es-ES" sz="2800" spc="-1" strike="noStrike">
+              <a:rPr lang="es-ES" sz="2800" b="0" strike="noStrike" spc="-1">
                 <a:solidFill>
-                  <a:srgbClr val="d26785"/>
+                  <a:srgbClr val="D26785"/>
                 </a:solidFill>
                 <a:latin typeface="Century Gothic"/>
                 <a:ea typeface="DejaVu Sans"/>
               </a:rPr>
               <a:t>CRUD de entidades: mercados, valores y divisas.</a:t>
             </a:r>
-            <a:endParaRPr b="0" lang="es-ES" sz="2800" spc="-1" strike="noStrike">
+            <a:endParaRPr lang="es-ES" sz="2800" b="0" strike="noStrike" spc="-1">
               <a:latin typeface="Arial"/>
             </a:endParaRPr>
           </a:p>
@@ -8809,23 +9078,23 @@
                 <a:spcPts val="601"/>
               </a:spcBef>
               <a:buClr>
-                <a:srgbClr val="ff388c"/>
+                <a:srgbClr val="FF388C"/>
               </a:buClr>
               <a:buSzPct val="80000"/>
               <a:buFont typeface="Wingdings 2" charset="2"/>
               <a:buChar char=""/>
             </a:pPr>
             <a:r>
-              <a:rPr b="0" lang="es-ES" sz="2800" spc="-1" strike="noStrike">
+              <a:rPr lang="es-ES" sz="2800" b="0" strike="noStrike" spc="-1">
                 <a:solidFill>
-                  <a:srgbClr val="d26785"/>
+                  <a:srgbClr val="D26785"/>
                 </a:solidFill>
                 <a:latin typeface="Century Gothic"/>
                 <a:ea typeface="DejaVu Sans"/>
               </a:rPr>
               <a:t>Historial de evolución de cotizaciones</a:t>
             </a:r>
-            <a:endParaRPr b="0" lang="es-ES" sz="2800" spc="-1" strike="noStrike">
+            <a:endParaRPr lang="es-ES" sz="2800" b="0" strike="noStrike" spc="-1">
               <a:latin typeface="Arial"/>
             </a:endParaRPr>
           </a:p>
@@ -8838,23 +9107,23 @@
                 <a:spcPts val="601"/>
               </a:spcBef>
               <a:buClr>
-                <a:srgbClr val="ff388c"/>
+                <a:srgbClr val="FF388C"/>
               </a:buClr>
               <a:buSzPct val="80000"/>
               <a:buFont typeface="Wingdings 2" charset="2"/>
               <a:buChar char=""/>
             </a:pPr>
             <a:r>
-              <a:rPr b="0" lang="es-ES" sz="2800" spc="-1" strike="noStrike">
+              <a:rPr lang="es-ES" sz="2800" b="0" strike="noStrike" spc="-1">
                 <a:solidFill>
-                  <a:srgbClr val="d26785"/>
+                  <a:srgbClr val="D26785"/>
                 </a:solidFill>
                 <a:latin typeface="Century Gothic"/>
                 <a:ea typeface="DejaVu Sans"/>
               </a:rPr>
               <a:t>Evolución y comparación gráfica de valores.</a:t>
             </a:r>
-            <a:endParaRPr b="0" lang="es-ES" sz="2800" spc="-1" strike="noStrike">
+            <a:endParaRPr lang="es-ES" sz="2800" b="0" strike="noStrike" spc="-1">
               <a:latin typeface="Arial"/>
             </a:endParaRPr>
           </a:p>
@@ -8867,23 +9136,23 @@
                 <a:spcPts val="601"/>
               </a:spcBef>
               <a:buClr>
-                <a:srgbClr val="ff388c"/>
+                <a:srgbClr val="FF388C"/>
               </a:buClr>
               <a:buSzPct val="80000"/>
               <a:buFont typeface="Wingdings 2" charset="2"/>
               <a:buChar char=""/>
             </a:pPr>
             <a:r>
-              <a:rPr b="0" lang="es-ES" sz="2800" spc="-1" strike="noStrike">
+              <a:rPr lang="es-ES" sz="2800" b="0" strike="noStrike" spc="-1">
                 <a:solidFill>
-                  <a:srgbClr val="d26785"/>
+                  <a:srgbClr val="D26785"/>
                 </a:solidFill>
                 <a:latin typeface="Century Gothic"/>
                 <a:ea typeface="DejaVu Sans"/>
               </a:rPr>
               <a:t>Simulación de una cartera de valores y evolución de dicha cartera.</a:t>
             </a:r>
-            <a:endParaRPr b="0" lang="es-ES" sz="2800" spc="-1" strike="noStrike">
+            <a:endParaRPr lang="es-ES" sz="2800" b="0" strike="noStrike" spc="-1">
               <a:latin typeface="Arial"/>
             </a:endParaRPr>
           </a:p>
@@ -8896,7 +9165,7 @@
                 <a:spcPts val="601"/>
               </a:spcBef>
             </a:pPr>
-            <a:endParaRPr b="0" lang="es-ES" sz="2800" spc="-1" strike="noStrike">
+            <a:endParaRPr lang="es-ES" sz="2800" b="0" strike="noStrike" spc="-1">
               <a:latin typeface="Arial"/>
             </a:endParaRPr>
           </a:p>
@@ -8904,19 +9173,29 @@
       </p:sp>
     </p:spTree>
   </p:cSld>
-  <mc:AlternateContent>
-    <mc:Choice Requires="p14">
+  <p:clrMapOvr>
+    <a:masterClrMapping/>
+  </p:clrMapOvr>
+  <mc:AlternateContent xmlns:mc="http://schemas.openxmlformats.org/markup-compatibility/2006">
+    <mc:Choice xmlns:p15="http://schemas.microsoft.com/office/powerpoint/2012/main" xmlns:p14="http://schemas.microsoft.com/office/powerpoint/2010/main" xmlns="" Requires="p14">
       <p:transition spd="slow" p14:dur="2000"/>
     </mc:Choice>
     <mc:Fallback>
       <p:transition spd="slow"/>
     </mc:Fallback>
   </mc:AlternateContent>
+  <p:timing>
+    <p:tnLst>
+      <p:par>
+        <p:cTn id="1" dur="indefinite" restart="never" nodeType="tmRoot"/>
+      </p:par>
+    </p:tnLst>
+  </p:timing>
 </p:sld>
 </file>
 
 <file path=ppt/slides/slide3.xml><?xml version="1.0" encoding="utf-8"?>
-<p:sld xmlns:a="http://schemas.openxmlformats.org/drawingml/2006/main" xmlns:p="http://schemas.openxmlformats.org/presentationml/2006/main" xmlns:r="http://schemas.openxmlformats.org/officeDocument/2006/relationships" xmlns:p14="http://schemas.microsoft.com/office/powerpoint/2010/main" xmlns:p15="http://schemas.microsoft.com/office/powerpoint/2012/main" xmlns:mc="http://schemas.openxmlformats.org/markup-compatibility/2006">
+<p:sld xmlns:a="http://schemas.openxmlformats.org/drawingml/2006/main" xmlns:r="http://schemas.openxmlformats.org/officeDocument/2006/relationships" xmlns:p="http://schemas.openxmlformats.org/presentationml/2006/main">
   <p:cSld>
     <p:spTree>
       <p:nvGrpSpPr>
@@ -8952,15 +9231,22 @@
           </a:ln>
         </p:spPr>
         <p:style>
-          <a:lnRef idx="0"/>
-          <a:fillRef idx="0"/>
-          <a:effectRef idx="0"/>
+          <a:lnRef idx="0">
+            <a:scrgbClr r="0" g="0" b="0"/>
+          </a:lnRef>
+          <a:fillRef idx="0">
+            <a:scrgbClr r="0" g="0" b="0"/>
+          </a:fillRef>
+          <a:effectRef idx="0">
+            <a:scrgbClr r="0" g="0" b="0"/>
+          </a:effectRef>
           <a:fontRef idx="minor"/>
         </p:style>
         <p:txBody>
-          <a:bodyPr lIns="0" rIns="0" tIns="0" bIns="0" anchor="ctr">
+          <a:bodyPr lIns="0" tIns="0" rIns="0" bIns="0" anchor="ctr">
             <a:noAutofit/>
           </a:bodyPr>
+          <a:lstStyle/>
           <a:p>
             <a:pPr>
               <a:lnSpc>
@@ -8968,9 +9254,9 @@
               </a:lnSpc>
             </a:pPr>
             <a:r>
-              <a:rPr b="0" lang="es-ES" sz="4200" spc="-1" strike="noStrike">
+              <a:rPr lang="es-ES" sz="4200" b="0" strike="noStrike" spc="-1">
                 <a:solidFill>
-                  <a:srgbClr val="d26785"/>
+                  <a:srgbClr val="D26785"/>
                 </a:solidFill>
                 <a:latin typeface="Century Gothic"/>
                 <a:ea typeface="DejaVu Sans"/>
@@ -8978,9 +9264,9 @@
               <a:t>Análisis </a:t>
             </a:r>
             <a:r>
-              <a:rPr b="0" lang="es-ES" sz="1800" spc="-1" strike="noStrike">
+              <a:rPr lang="es-ES" sz="1800" b="0" strike="noStrike" spc="-1">
                 <a:solidFill>
-                  <a:srgbClr val="d26785"/>
+                  <a:srgbClr val="D26785"/>
                 </a:solidFill>
                 <a:latin typeface="Century Gothic"/>
                 <a:ea typeface="DejaVu Sans"/>
@@ -8988,16 +9274,16 @@
               <a:t> </a:t>
             </a:r>
             <a:r>
-              <a:rPr b="0" lang="es-ES" sz="4200" spc="-1" strike="noStrike">
+              <a:rPr lang="es-ES" sz="4200" b="0" strike="noStrike" spc="-1">
                 <a:solidFill>
-                  <a:srgbClr val="d26785"/>
+                  <a:srgbClr val="D26785"/>
                 </a:solidFill>
                 <a:latin typeface="Century Gothic"/>
                 <a:ea typeface="DejaVu Sans"/>
               </a:rPr>
               <a:t>previo</a:t>
             </a:r>
-            <a:endParaRPr b="0" lang="es-ES" sz="4200" spc="-1" strike="noStrike">
+            <a:endParaRPr lang="es-ES" sz="4200" b="0" strike="noStrike" spc="-1">
               <a:latin typeface="Arial"/>
             </a:endParaRPr>
           </a:p>
@@ -9023,15 +9309,22 @@
           </a:ln>
         </p:spPr>
         <p:style>
-          <a:lnRef idx="0"/>
-          <a:fillRef idx="0"/>
-          <a:effectRef idx="0"/>
+          <a:lnRef idx="0">
+            <a:scrgbClr r="0" g="0" b="0"/>
+          </a:lnRef>
+          <a:fillRef idx="0">
+            <a:scrgbClr r="0" g="0" b="0"/>
+          </a:fillRef>
+          <a:effectRef idx="0">
+            <a:scrgbClr r="0" g="0" b="0"/>
+          </a:effectRef>
           <a:fontRef idx="minor"/>
         </p:style>
         <p:txBody>
-          <a:bodyPr lIns="90000" rIns="90000" tIns="45000" bIns="45000">
+          <a:bodyPr lIns="90000" tIns="45000" rIns="90000" bIns="45000">
             <a:noAutofit/>
           </a:bodyPr>
+          <a:lstStyle/>
           <a:p>
             <a:pPr marL="448200" indent="-383040">
               <a:lnSpc>
@@ -9041,23 +9334,23 @@
                 <a:spcPts val="601"/>
               </a:spcBef>
               <a:buClr>
-                <a:srgbClr val="ff388c"/>
+                <a:srgbClr val="FF388C"/>
               </a:buClr>
               <a:buSzPct val="80000"/>
               <a:buFont typeface="Wingdings 2" charset="2"/>
               <a:buChar char=""/>
             </a:pPr>
             <a:r>
-              <a:rPr b="0" lang="es-ES" sz="2800" spc="-1" strike="noStrike">
+              <a:rPr lang="es-ES" sz="2800" b="0" strike="noStrike" spc="-1">
                 <a:solidFill>
-                  <a:srgbClr val="d26785"/>
+                  <a:srgbClr val="D26785"/>
                 </a:solidFill>
                 <a:latin typeface="Century Gothic"/>
                 <a:ea typeface="DejaVu Sans"/>
               </a:rPr>
               <a:t>Desarrollo centralizado pero no monolítico</a:t>
             </a:r>
-            <a:endParaRPr b="0" lang="es-ES" sz="2800" spc="-1" strike="noStrike">
+            <a:endParaRPr lang="es-ES" sz="2800" b="0" strike="noStrike" spc="-1">
               <a:latin typeface="Arial"/>
             </a:endParaRPr>
           </a:p>
@@ -9070,23 +9363,23 @@
                 <a:spcPts val="601"/>
               </a:spcBef>
               <a:buClr>
-                <a:srgbClr val="ff388c"/>
+                <a:srgbClr val="FF388C"/>
               </a:buClr>
               <a:buSzPct val="80000"/>
               <a:buFont typeface="Wingdings 2" charset="2"/>
               <a:buChar char=""/>
             </a:pPr>
             <a:r>
-              <a:rPr b="0" lang="es-ES" sz="2800" spc="-1" strike="noStrike">
+              <a:rPr lang="es-ES" sz="2800" b="0" strike="noStrike" spc="-1">
                 <a:solidFill>
-                  <a:srgbClr val="d26785"/>
+                  <a:srgbClr val="D26785"/>
                 </a:solidFill>
                 <a:latin typeface="Century Gothic"/>
                 <a:ea typeface="DejaVu Sans"/>
               </a:rPr>
               <a:t>Fácil mantenimiento: backend - frontend</a:t>
             </a:r>
-            <a:endParaRPr b="0" lang="es-ES" sz="2800" spc="-1" strike="noStrike">
+            <a:endParaRPr lang="es-ES" sz="2800" b="0" strike="noStrike" spc="-1">
               <a:latin typeface="Arial"/>
             </a:endParaRPr>
           </a:p>
@@ -9099,23 +9392,23 @@
                 <a:spcPts val="601"/>
               </a:spcBef>
               <a:buClr>
-                <a:srgbClr val="ff388c"/>
+                <a:srgbClr val="FF388C"/>
               </a:buClr>
               <a:buSzPct val="80000"/>
               <a:buFont typeface="Wingdings 2" charset="2"/>
               <a:buChar char=""/>
             </a:pPr>
             <a:r>
-              <a:rPr b="0" lang="es-ES" sz="2800" spc="-1" strike="noStrike">
+              <a:rPr lang="es-ES" sz="2800" b="0" strike="noStrike" spc="-1">
                 <a:solidFill>
-                  <a:srgbClr val="d26785"/>
+                  <a:srgbClr val="D26785"/>
                 </a:solidFill>
                 <a:latin typeface="Century Gothic"/>
                 <a:ea typeface="DejaVu Sans"/>
               </a:rPr>
               <a:t>Seguridad: despliegue separado</a:t>
             </a:r>
-            <a:endParaRPr b="0" lang="es-ES" sz="2800" spc="-1" strike="noStrike">
+            <a:endParaRPr lang="es-ES" sz="2800" b="0" strike="noStrike" spc="-1">
               <a:latin typeface="Arial"/>
             </a:endParaRPr>
           </a:p>
@@ -9128,23 +9421,23 @@
                 <a:spcPts val="601"/>
               </a:spcBef>
               <a:buClr>
-                <a:srgbClr val="ff388c"/>
+                <a:srgbClr val="FF388C"/>
               </a:buClr>
               <a:buSzPct val="80000"/>
               <a:buFont typeface="Wingdings 2" charset="2"/>
               <a:buChar char=""/>
             </a:pPr>
             <a:r>
-              <a:rPr b="0" lang="es-ES" sz="2800" spc="-1" strike="noStrike">
+              <a:rPr lang="es-ES" sz="2800" b="0" strike="noStrike" spc="-1">
                 <a:solidFill>
-                  <a:srgbClr val="d26785"/>
+                  <a:srgbClr val="D26785"/>
                 </a:solidFill>
                 <a:latin typeface="Century Gothic"/>
                 <a:ea typeface="DejaVu Sans"/>
               </a:rPr>
               <a:t>Interoperabilidad: reutilizar la API</a:t>
             </a:r>
-            <a:endParaRPr b="0" lang="es-ES" sz="2800" spc="-1" strike="noStrike">
+            <a:endParaRPr lang="es-ES" sz="2800" b="0" strike="noStrike" spc="-1">
               <a:latin typeface="Arial"/>
             </a:endParaRPr>
           </a:p>
@@ -9157,10 +9450,10 @@
                 <a:spcPts val="601"/>
               </a:spcBef>
               <a:tabLst>
-                <a:tab algn="l" pos="0"/>
+                <a:tab pos="0" algn="l"/>
               </a:tabLst>
             </a:pPr>
-            <a:endParaRPr b="0" lang="es-ES" sz="2800" spc="-1" strike="noStrike">
+            <a:endParaRPr lang="es-ES" sz="2800" b="0" strike="noStrike" spc="-1">
               <a:latin typeface="Arial"/>
             </a:endParaRPr>
           </a:p>
@@ -9173,10 +9466,10 @@
                 <a:spcPts val="601"/>
               </a:spcBef>
               <a:tabLst>
-                <a:tab algn="l" pos="0"/>
+                <a:tab pos="0" algn="l"/>
               </a:tabLst>
             </a:pPr>
-            <a:endParaRPr b="0" lang="es-ES" sz="2800" spc="-1" strike="noStrike">
+            <a:endParaRPr lang="es-ES" sz="2800" b="0" strike="noStrike" spc="-1">
               <a:latin typeface="Arial"/>
             </a:endParaRPr>
           </a:p>
@@ -9184,19 +9477,29 @@
       </p:sp>
     </p:spTree>
   </p:cSld>
-  <mc:AlternateContent>
-    <mc:Choice Requires="p14">
+  <p:clrMapOvr>
+    <a:masterClrMapping/>
+  </p:clrMapOvr>
+  <mc:AlternateContent xmlns:mc="http://schemas.openxmlformats.org/markup-compatibility/2006">
+    <mc:Choice xmlns:p15="http://schemas.microsoft.com/office/powerpoint/2012/main" xmlns:p14="http://schemas.microsoft.com/office/powerpoint/2010/main" xmlns="" Requires="p14">
       <p:transition spd="slow" p14:dur="2000"/>
     </mc:Choice>
     <mc:Fallback>
       <p:transition spd="slow"/>
     </mc:Fallback>
   </mc:AlternateContent>
+  <p:timing>
+    <p:tnLst>
+      <p:par>
+        <p:cTn id="1" dur="indefinite" restart="never" nodeType="tmRoot"/>
+      </p:par>
+    </p:tnLst>
+  </p:timing>
 </p:sld>
 </file>
 
 <file path=ppt/slides/slide4.xml><?xml version="1.0" encoding="utf-8"?>
-<p:sld xmlns:a="http://schemas.openxmlformats.org/drawingml/2006/main" xmlns:p="http://schemas.openxmlformats.org/presentationml/2006/main" xmlns:r="http://schemas.openxmlformats.org/officeDocument/2006/relationships" xmlns:p14="http://schemas.microsoft.com/office/powerpoint/2010/main" xmlns:p15="http://schemas.microsoft.com/office/powerpoint/2012/main" xmlns:mc="http://schemas.openxmlformats.org/markup-compatibility/2006">
+<p:sld xmlns:a="http://schemas.openxmlformats.org/drawingml/2006/main" xmlns:r="http://schemas.openxmlformats.org/officeDocument/2006/relationships" xmlns:p="http://schemas.openxmlformats.org/presentationml/2006/main">
   <p:cSld>
     <p:spTree>
       <p:nvGrpSpPr>
@@ -9232,15 +9535,22 @@
           </a:ln>
         </p:spPr>
         <p:style>
-          <a:lnRef idx="0"/>
-          <a:fillRef idx="0"/>
-          <a:effectRef idx="0"/>
+          <a:lnRef idx="0">
+            <a:scrgbClr r="0" g="0" b="0"/>
+          </a:lnRef>
+          <a:fillRef idx="0">
+            <a:scrgbClr r="0" g="0" b="0"/>
+          </a:fillRef>
+          <a:effectRef idx="0">
+            <a:scrgbClr r="0" g="0" b="0"/>
+          </a:effectRef>
           <a:fontRef idx="minor"/>
         </p:style>
         <p:txBody>
-          <a:bodyPr lIns="0" rIns="0" tIns="0" bIns="0" anchor="ctr">
+          <a:bodyPr lIns="0" tIns="0" rIns="0" bIns="0" anchor="ctr">
             <a:noAutofit/>
           </a:bodyPr>
+          <a:lstStyle/>
           <a:p>
             <a:pPr>
               <a:lnSpc>
@@ -9248,16 +9558,16 @@
               </a:lnSpc>
             </a:pPr>
             <a:r>
-              <a:rPr b="0" lang="es-ES" sz="4200" spc="-1" strike="noStrike">
+              <a:rPr lang="es-ES" sz="4200" b="0" strike="noStrike" spc="-1">
                 <a:solidFill>
-                  <a:srgbClr val="d26785"/>
+                  <a:srgbClr val="D26785"/>
                 </a:solidFill>
                 <a:latin typeface="Century Gothic"/>
                 <a:ea typeface="DejaVu Sans"/>
               </a:rPr>
               <a:t>Recursos</a:t>
             </a:r>
-            <a:endParaRPr b="0" lang="es-ES" sz="4200" spc="-1" strike="noStrike">
+            <a:endParaRPr lang="es-ES" sz="4200" b="0" strike="noStrike" spc="-1">
               <a:latin typeface="Arial"/>
             </a:endParaRPr>
           </a:p>
@@ -9283,15 +9593,22 @@
           </a:ln>
         </p:spPr>
         <p:style>
-          <a:lnRef idx="0"/>
-          <a:fillRef idx="0"/>
-          <a:effectRef idx="0"/>
+          <a:lnRef idx="0">
+            <a:scrgbClr r="0" g="0" b="0"/>
+          </a:lnRef>
+          <a:fillRef idx="0">
+            <a:scrgbClr r="0" g="0" b="0"/>
+          </a:fillRef>
+          <a:effectRef idx="0">
+            <a:scrgbClr r="0" g="0" b="0"/>
+          </a:effectRef>
           <a:fontRef idx="minor"/>
         </p:style>
         <p:txBody>
-          <a:bodyPr lIns="90000" rIns="90000" tIns="45000" bIns="45000">
+          <a:bodyPr lIns="90000" tIns="45000" rIns="90000" bIns="45000">
             <a:noAutofit/>
           </a:bodyPr>
+          <a:lstStyle/>
           <a:p>
             <a:pPr marL="448200" indent="-383040">
               <a:lnSpc>
@@ -9301,23 +9618,23 @@
                 <a:spcPts val="601"/>
               </a:spcBef>
               <a:buClr>
-                <a:srgbClr val="ff388c"/>
+                <a:srgbClr val="FF388C"/>
               </a:buClr>
               <a:buSzPct val="80000"/>
               <a:buFont typeface="Wingdings 2" charset="2"/>
               <a:buChar char=""/>
             </a:pPr>
             <a:r>
-              <a:rPr b="0" lang="es-ES" sz="2800" spc="-1" strike="noStrike">
+              <a:rPr lang="es-ES" sz="2800" b="0" strike="noStrike" spc="-1">
                 <a:solidFill>
-                  <a:srgbClr val="d26785"/>
+                  <a:srgbClr val="D26785"/>
                 </a:solidFill>
                 <a:latin typeface="Century Gothic"/>
                 <a:ea typeface="DejaVu Sans"/>
               </a:rPr>
               <a:t>Hardware: i7, 3Ghz y 32Gb RAM</a:t>
             </a:r>
-            <a:endParaRPr b="0" lang="es-ES" sz="2800" spc="-1" strike="noStrike">
+            <a:endParaRPr lang="es-ES" sz="2800" b="0" strike="noStrike" spc="-1">
               <a:latin typeface="Arial"/>
             </a:endParaRPr>
           </a:p>
@@ -9330,23 +9647,23 @@
                 <a:spcPts val="601"/>
               </a:spcBef>
               <a:buClr>
-                <a:srgbClr val="ff388c"/>
+                <a:srgbClr val="FF388C"/>
               </a:buClr>
               <a:buSzPct val="80000"/>
               <a:buFont typeface="Wingdings 2" charset="2"/>
               <a:buChar char=""/>
             </a:pPr>
             <a:r>
-              <a:rPr b="0" lang="es-ES" sz="2800" spc="-1" strike="noStrike">
+              <a:rPr lang="es-ES" sz="2800" b="0" strike="noStrike" spc="-1">
                 <a:solidFill>
-                  <a:srgbClr val="d26785"/>
+                  <a:srgbClr val="D26785"/>
                 </a:solidFill>
                 <a:latin typeface="Century Gothic"/>
                 <a:ea typeface="DejaVu Sans"/>
               </a:rPr>
               <a:t>Software: IDE, SGBD, pruebas y documentación</a:t>
             </a:r>
-            <a:endParaRPr b="0" lang="es-ES" sz="2800" spc="-1" strike="noStrike">
+            <a:endParaRPr lang="es-ES" sz="2800" b="0" strike="noStrike" spc="-1">
               <a:latin typeface="Arial"/>
             </a:endParaRPr>
           </a:p>
@@ -9359,23 +9676,23 @@
                 <a:spcPts val="601"/>
               </a:spcBef>
               <a:buClr>
-                <a:srgbClr val="ff388c"/>
+                <a:srgbClr val="FF388C"/>
               </a:buClr>
               <a:buSzPct val="80000"/>
               <a:buFont typeface="Wingdings 2" charset="2"/>
               <a:buChar char=""/>
             </a:pPr>
             <a:r>
-              <a:rPr b="0" lang="es-ES" sz="2800" spc="-1" strike="noStrike">
+              <a:rPr lang="es-ES" sz="2800" b="0" strike="noStrike" spc="-1">
                 <a:solidFill>
-                  <a:srgbClr val="d26785"/>
+                  <a:srgbClr val="D26785"/>
                 </a:solidFill>
                 <a:latin typeface="Century Gothic"/>
                 <a:ea typeface="DejaVu Sans"/>
               </a:rPr>
               <a:t>Repositorios: Github</a:t>
             </a:r>
-            <a:endParaRPr b="0" lang="es-ES" sz="2800" spc="-1" strike="noStrike">
+            <a:endParaRPr lang="es-ES" sz="2800" b="0" strike="noStrike" spc="-1">
               <a:latin typeface="Arial"/>
             </a:endParaRPr>
           </a:p>
@@ -9388,23 +9705,23 @@
                 <a:spcPts val="601"/>
               </a:spcBef>
               <a:buClr>
-                <a:srgbClr val="ff388c"/>
+                <a:srgbClr val="FF388C"/>
               </a:buClr>
               <a:buSzPct val="80000"/>
               <a:buFont typeface="Wingdings 2" charset="2"/>
               <a:buChar char=""/>
             </a:pPr>
             <a:r>
-              <a:rPr b="0" lang="es-ES" sz="2800" spc="-1" strike="noStrike">
+              <a:rPr lang="es-ES" sz="2800" b="0" strike="noStrike" spc="-1">
                 <a:solidFill>
-                  <a:srgbClr val="d26785"/>
+                  <a:srgbClr val="D26785"/>
                 </a:solidFill>
                 <a:latin typeface="Century Gothic"/>
                 <a:ea typeface="DejaVu Sans"/>
               </a:rPr>
               <a:t>Servicios online: Heroku, Vercel y Gearhost.</a:t>
             </a:r>
-            <a:endParaRPr b="0" lang="es-ES" sz="2800" spc="-1" strike="noStrike">
+            <a:endParaRPr lang="es-ES" sz="2800" b="0" strike="noStrike" spc="-1">
               <a:latin typeface="Arial"/>
             </a:endParaRPr>
           </a:p>
@@ -9417,10 +9734,10 @@
                 <a:spcPts val="601"/>
               </a:spcBef>
               <a:tabLst>
-                <a:tab algn="l" pos="0"/>
+                <a:tab pos="0" algn="l"/>
               </a:tabLst>
             </a:pPr>
-            <a:endParaRPr b="0" lang="es-ES" sz="2800" spc="-1" strike="noStrike">
+            <a:endParaRPr lang="es-ES" sz="2800" b="0" strike="noStrike" spc="-1">
               <a:latin typeface="Arial"/>
             </a:endParaRPr>
           </a:p>
@@ -9433,10 +9750,10 @@
                 <a:spcPts val="601"/>
               </a:spcBef>
               <a:tabLst>
-                <a:tab algn="l" pos="0"/>
+                <a:tab pos="0" algn="l"/>
               </a:tabLst>
             </a:pPr>
-            <a:endParaRPr b="0" lang="es-ES" sz="2800" spc="-1" strike="noStrike">
+            <a:endParaRPr lang="es-ES" sz="2800" b="0" strike="noStrike" spc="-1">
               <a:latin typeface="Arial"/>
             </a:endParaRPr>
           </a:p>
@@ -9444,19 +9761,29 @@
       </p:sp>
     </p:spTree>
   </p:cSld>
-  <mc:AlternateContent>
-    <mc:Choice Requires="p14">
+  <p:clrMapOvr>
+    <a:masterClrMapping/>
+  </p:clrMapOvr>
+  <mc:AlternateContent xmlns:mc="http://schemas.openxmlformats.org/markup-compatibility/2006">
+    <mc:Choice xmlns:p15="http://schemas.microsoft.com/office/powerpoint/2012/main" xmlns:p14="http://schemas.microsoft.com/office/powerpoint/2010/main" xmlns="" Requires="p14">
       <p:transition spd="slow" p14:dur="2000"/>
     </mc:Choice>
     <mc:Fallback>
       <p:transition spd="slow"/>
     </mc:Fallback>
   </mc:AlternateContent>
+  <p:timing>
+    <p:tnLst>
+      <p:par>
+        <p:cTn id="1" dur="indefinite" restart="never" nodeType="tmRoot"/>
+      </p:par>
+    </p:tnLst>
+  </p:timing>
 </p:sld>
 </file>
 
 <file path=ppt/slides/slide5.xml><?xml version="1.0" encoding="utf-8"?>
-<p:sld xmlns:a="http://schemas.openxmlformats.org/drawingml/2006/main" xmlns:p="http://schemas.openxmlformats.org/presentationml/2006/main" xmlns:r="http://schemas.openxmlformats.org/officeDocument/2006/relationships" xmlns:p14="http://schemas.microsoft.com/office/powerpoint/2010/main" xmlns:p15="http://schemas.microsoft.com/office/powerpoint/2012/main" xmlns:mc="http://schemas.openxmlformats.org/markup-compatibility/2006">
+<p:sld xmlns:a="http://schemas.openxmlformats.org/drawingml/2006/main" xmlns:r="http://schemas.openxmlformats.org/officeDocument/2006/relationships" xmlns:p="http://schemas.openxmlformats.org/presentationml/2006/main">
   <p:cSld>
     <p:spTree>
       <p:nvGrpSpPr>
@@ -9492,15 +9819,22 @@
           </a:ln>
         </p:spPr>
         <p:style>
-          <a:lnRef idx="0"/>
-          <a:fillRef idx="0"/>
-          <a:effectRef idx="0"/>
+          <a:lnRef idx="0">
+            <a:scrgbClr r="0" g="0" b="0"/>
+          </a:lnRef>
+          <a:fillRef idx="0">
+            <a:scrgbClr r="0" g="0" b="0"/>
+          </a:fillRef>
+          <a:effectRef idx="0">
+            <a:scrgbClr r="0" g="0" b="0"/>
+          </a:effectRef>
           <a:fontRef idx="minor"/>
         </p:style>
         <p:txBody>
-          <a:bodyPr lIns="0" rIns="0" tIns="0" bIns="0" anchor="ctr">
+          <a:bodyPr lIns="0" tIns="0" rIns="0" bIns="0" anchor="ctr">
             <a:spAutoFit/>
           </a:bodyPr>
+          <a:lstStyle/>
           <a:p>
             <a:pPr>
               <a:lnSpc>
@@ -9508,16 +9842,16 @@
               </a:lnSpc>
             </a:pPr>
             <a:r>
-              <a:rPr b="0" lang="es-ES" sz="4200" spc="-1" strike="noStrike">
+              <a:rPr lang="es-ES" sz="4200" b="0" strike="noStrike" spc="-1">
                 <a:solidFill>
-                  <a:srgbClr val="d26785"/>
+                  <a:srgbClr val="D26785"/>
                 </a:solidFill>
                 <a:latin typeface="Century Gothic"/>
                 <a:ea typeface="DejaVu Sans"/>
               </a:rPr>
               <a:t>Estructura global del proyecto</a:t>
             </a:r>
-            <a:endParaRPr b="0" lang="es-ES" sz="4200" spc="-1" strike="noStrike">
+            <a:endParaRPr lang="es-ES" sz="4200" b="0" strike="noStrike" spc="-1">
               <a:latin typeface="Arial"/>
             </a:endParaRPr>
           </a:p>
@@ -9525,12 +9859,12 @@
       </p:sp>
       <p:pic>
         <p:nvPicPr>
-          <p:cNvPr id="177" name="94 Imagen" descr=""/>
+          <p:cNvPr id="177" name="94 Imagen"/>
           <p:cNvPicPr/>
           <p:nvPr/>
         </p:nvPicPr>
         <p:blipFill>
-          <a:blip r:embed="rId1"/>
+          <a:blip r:embed="rId2"/>
           <a:stretch/>
         </p:blipFill>
         <p:spPr>
@@ -9548,19 +9882,29 @@
       </p:pic>
     </p:spTree>
   </p:cSld>
-  <mc:AlternateContent>
-    <mc:Choice Requires="p14">
+  <p:clrMapOvr>
+    <a:masterClrMapping/>
+  </p:clrMapOvr>
+  <mc:AlternateContent xmlns:mc="http://schemas.openxmlformats.org/markup-compatibility/2006">
+    <mc:Choice xmlns:p15="http://schemas.microsoft.com/office/powerpoint/2012/main" xmlns:p14="http://schemas.microsoft.com/office/powerpoint/2010/main" xmlns="" Requires="p14">
       <p:transition spd="slow" p14:dur="2000"/>
     </mc:Choice>
     <mc:Fallback>
       <p:transition spd="slow"/>
     </mc:Fallback>
   </mc:AlternateContent>
+  <p:timing>
+    <p:tnLst>
+      <p:par>
+        <p:cTn id="1" dur="indefinite" restart="never" nodeType="tmRoot"/>
+      </p:par>
+    </p:tnLst>
+  </p:timing>
 </p:sld>
 </file>
 
 <file path=ppt/slides/slide6.xml><?xml version="1.0" encoding="utf-8"?>
-<p:sld xmlns:a="http://schemas.openxmlformats.org/drawingml/2006/main" xmlns:p="http://schemas.openxmlformats.org/presentationml/2006/main" xmlns:r="http://schemas.openxmlformats.org/officeDocument/2006/relationships" xmlns:p14="http://schemas.microsoft.com/office/powerpoint/2010/main" xmlns:p15="http://schemas.microsoft.com/office/powerpoint/2012/main" xmlns:mc="http://schemas.openxmlformats.org/markup-compatibility/2006">
+<p:sld xmlns:a="http://schemas.openxmlformats.org/drawingml/2006/main" xmlns:r="http://schemas.openxmlformats.org/officeDocument/2006/relationships" xmlns:p="http://schemas.openxmlformats.org/presentationml/2006/main">
   <p:cSld>
     <p:spTree>
       <p:nvGrpSpPr>
@@ -9596,15 +9940,22 @@
           </a:ln>
         </p:spPr>
         <p:style>
-          <a:lnRef idx="0"/>
-          <a:fillRef idx="0"/>
-          <a:effectRef idx="0"/>
+          <a:lnRef idx="0">
+            <a:scrgbClr r="0" g="0" b="0"/>
+          </a:lnRef>
+          <a:fillRef idx="0">
+            <a:scrgbClr r="0" g="0" b="0"/>
+          </a:fillRef>
+          <a:effectRef idx="0">
+            <a:scrgbClr r="0" g="0" b="0"/>
+          </a:effectRef>
           <a:fontRef idx="minor"/>
         </p:style>
         <p:txBody>
-          <a:bodyPr lIns="90000" rIns="90000" tIns="45000" bIns="45000" anchor="ctr">
+          <a:bodyPr lIns="90000" tIns="45000" rIns="90000" bIns="45000" anchor="ctr">
             <a:noAutofit/>
           </a:bodyPr>
+          <a:lstStyle/>
           <a:p>
             <a:pPr marL="484560">
               <a:lnSpc>
@@ -9612,16 +9963,16 @@
               </a:lnSpc>
             </a:pPr>
             <a:r>
-              <a:rPr b="0" lang="es-ES" sz="4200" spc="-1" strike="noStrike">
+              <a:rPr lang="es-ES" sz="4200" b="0" strike="noStrike" spc="-1">
                 <a:solidFill>
-                  <a:srgbClr val="d26785"/>
+                  <a:srgbClr val="D26785"/>
                 </a:solidFill>
                 <a:latin typeface="Century Gothic"/>
                 <a:ea typeface="DejaVu Sans"/>
               </a:rPr>
               <a:t>Modelo de datos</a:t>
             </a:r>
-            <a:endParaRPr b="0" lang="es-ES" sz="4200" spc="-1" strike="noStrike">
+            <a:endParaRPr lang="es-ES" sz="4200" b="0" strike="noStrike" spc="-1">
               <a:latin typeface="Arial"/>
             </a:endParaRPr>
           </a:p>
@@ -9629,12 +9980,12 @@
       </p:sp>
       <p:pic>
         <p:nvPicPr>
-          <p:cNvPr id="179" name="96 Imagen" descr=""/>
+          <p:cNvPr id="179" name="96 Imagen"/>
           <p:cNvPicPr/>
           <p:nvPr/>
         </p:nvPicPr>
         <p:blipFill>
-          <a:blip r:embed="rId1"/>
+          <a:blip r:embed="rId2"/>
           <a:stretch/>
         </p:blipFill>
         <p:spPr>
@@ -9652,19 +10003,29 @@
       </p:pic>
     </p:spTree>
   </p:cSld>
-  <mc:AlternateContent>
-    <mc:Choice Requires="p14">
+  <p:clrMapOvr>
+    <a:masterClrMapping/>
+  </p:clrMapOvr>
+  <mc:AlternateContent xmlns:mc="http://schemas.openxmlformats.org/markup-compatibility/2006">
+    <mc:Choice xmlns:p15="http://schemas.microsoft.com/office/powerpoint/2012/main" xmlns:p14="http://schemas.microsoft.com/office/powerpoint/2010/main" xmlns="" Requires="p14">
       <p:transition spd="slow" p14:dur="2000"/>
     </mc:Choice>
     <mc:Fallback>
       <p:transition spd="slow"/>
     </mc:Fallback>
   </mc:AlternateContent>
+  <p:timing>
+    <p:tnLst>
+      <p:par>
+        <p:cTn id="1" dur="indefinite" restart="never" nodeType="tmRoot"/>
+      </p:par>
+    </p:tnLst>
+  </p:timing>
 </p:sld>
 </file>
 
 <file path=ppt/slides/slide7.xml><?xml version="1.0" encoding="utf-8"?>
-<p:sld xmlns:a="http://schemas.openxmlformats.org/drawingml/2006/main" xmlns:p="http://schemas.openxmlformats.org/presentationml/2006/main" xmlns:r="http://schemas.openxmlformats.org/officeDocument/2006/relationships" xmlns:p14="http://schemas.microsoft.com/office/powerpoint/2010/main" xmlns:p15="http://schemas.microsoft.com/office/powerpoint/2012/main" xmlns:mc="http://schemas.openxmlformats.org/markup-compatibility/2006">
+<p:sld xmlns:a="http://schemas.openxmlformats.org/drawingml/2006/main" xmlns:r="http://schemas.openxmlformats.org/officeDocument/2006/relationships" xmlns:p="http://schemas.openxmlformats.org/presentationml/2006/main">
   <p:cSld>
     <p:spTree>
       <p:nvGrpSpPr>
@@ -9700,15 +10061,22 @@
           </a:ln>
         </p:spPr>
         <p:style>
-          <a:lnRef idx="0"/>
-          <a:fillRef idx="0"/>
-          <a:effectRef idx="0"/>
+          <a:lnRef idx="0">
+            <a:scrgbClr r="0" g="0" b="0"/>
+          </a:lnRef>
+          <a:fillRef idx="0">
+            <a:scrgbClr r="0" g="0" b="0"/>
+          </a:fillRef>
+          <a:effectRef idx="0">
+            <a:scrgbClr r="0" g="0" b="0"/>
+          </a:effectRef>
           <a:fontRef idx="minor"/>
         </p:style>
         <p:txBody>
-          <a:bodyPr lIns="0" rIns="0" tIns="0" bIns="0">
+          <a:bodyPr lIns="0" tIns="0" rIns="0" bIns="0">
             <a:spAutoFit/>
           </a:bodyPr>
+          <a:lstStyle/>
           <a:p>
             <a:pPr>
               <a:lnSpc>
@@ -9716,16 +10084,16 @@
               </a:lnSpc>
             </a:pPr>
             <a:r>
-              <a:rPr b="0" lang="es-ES" sz="4200" spc="-1" strike="noStrike">
+              <a:rPr lang="es-ES" sz="4200" b="0" strike="noStrike" spc="-1">
                 <a:solidFill>
-                  <a:srgbClr val="d26785"/>
+                  <a:srgbClr val="D26785"/>
                 </a:solidFill>
                 <a:latin typeface="Century Gothic"/>
                 <a:ea typeface="DejaVu Sans"/>
               </a:rPr>
               <a:t>Modelización de clases</a:t>
             </a:r>
-            <a:endParaRPr b="0" lang="es-ES" sz="4200" spc="-1" strike="noStrike">
+            <a:endParaRPr lang="es-ES" sz="4200" b="0" strike="noStrike" spc="-1">
               <a:latin typeface="Arial"/>
             </a:endParaRPr>
           </a:p>
@@ -9733,12 +10101,12 @@
       </p:sp>
       <p:pic>
         <p:nvPicPr>
-          <p:cNvPr id="181" name="98 Imagen" descr=""/>
+          <p:cNvPr id="181" name="98 Imagen"/>
           <p:cNvPicPr/>
           <p:nvPr/>
         </p:nvPicPr>
         <p:blipFill>
-          <a:blip r:embed="rId1"/>
+          <a:blip r:embed="rId2"/>
           <a:stretch/>
         </p:blipFill>
         <p:spPr>
@@ -9756,19 +10124,29 @@
       </p:pic>
     </p:spTree>
   </p:cSld>
-  <mc:AlternateContent>
-    <mc:Choice Requires="p14">
+  <p:clrMapOvr>
+    <a:masterClrMapping/>
+  </p:clrMapOvr>
+  <mc:AlternateContent xmlns:mc="http://schemas.openxmlformats.org/markup-compatibility/2006">
+    <mc:Choice xmlns:p15="http://schemas.microsoft.com/office/powerpoint/2012/main" xmlns:p14="http://schemas.microsoft.com/office/powerpoint/2010/main" xmlns="" Requires="p14">
       <p:transition spd="slow" p14:dur="2000"/>
     </mc:Choice>
     <mc:Fallback>
       <p:transition spd="slow"/>
     </mc:Fallback>
   </mc:AlternateContent>
+  <p:timing>
+    <p:tnLst>
+      <p:par>
+        <p:cTn id="1" dur="indefinite" restart="never" nodeType="tmRoot"/>
+      </p:par>
+    </p:tnLst>
+  </p:timing>
 </p:sld>
 </file>
 
 <file path=ppt/slides/slide8.xml><?xml version="1.0" encoding="utf-8"?>
-<p:sld xmlns:a="http://schemas.openxmlformats.org/drawingml/2006/main" xmlns:p="http://schemas.openxmlformats.org/presentationml/2006/main" xmlns:r="http://schemas.openxmlformats.org/officeDocument/2006/relationships" xmlns:p14="http://schemas.microsoft.com/office/powerpoint/2010/main" xmlns:p15="http://schemas.microsoft.com/office/powerpoint/2012/main" xmlns:mc="http://schemas.openxmlformats.org/markup-compatibility/2006">
+<p:sld xmlns:a="http://schemas.openxmlformats.org/drawingml/2006/main" xmlns:r="http://schemas.openxmlformats.org/officeDocument/2006/relationships" xmlns:p="http://schemas.openxmlformats.org/presentationml/2006/main">
   <p:cSld>
     <p:spTree>
       <p:nvGrpSpPr>
@@ -9804,15 +10182,22 @@
           </a:ln>
         </p:spPr>
         <p:style>
-          <a:lnRef idx="0"/>
-          <a:fillRef idx="0"/>
-          <a:effectRef idx="0"/>
+          <a:lnRef idx="0">
+            <a:scrgbClr r="0" g="0" b="0"/>
+          </a:lnRef>
+          <a:fillRef idx="0">
+            <a:scrgbClr r="0" g="0" b="0"/>
+          </a:fillRef>
+          <a:effectRef idx="0">
+            <a:scrgbClr r="0" g="0" b="0"/>
+          </a:effectRef>
           <a:fontRef idx="minor"/>
         </p:style>
         <p:txBody>
-          <a:bodyPr lIns="0" rIns="0" tIns="0" bIns="0" anchor="ctr">
+          <a:bodyPr lIns="0" tIns="0" rIns="0" bIns="0" anchor="ctr">
             <a:noAutofit/>
           </a:bodyPr>
+          <a:lstStyle/>
           <a:p>
             <a:pPr algn="ctr">
               <a:lnSpc>
@@ -9820,16 +10205,16 @@
               </a:lnSpc>
             </a:pPr>
             <a:r>
-              <a:rPr b="0" lang="es-ES" sz="4200" spc="-1" strike="noStrike">
+              <a:rPr lang="es-ES" sz="4200" b="0" strike="noStrike" spc="-1">
                 <a:solidFill>
-                  <a:srgbClr val="d26785"/>
+                  <a:srgbClr val="D26785"/>
                 </a:solidFill>
                 <a:latin typeface="Century Gothic"/>
                 <a:ea typeface="DejaVu Sans"/>
               </a:rPr>
               <a:t>Programación</a:t>
             </a:r>
-            <a:endParaRPr b="0" lang="es-ES" sz="4200" spc="-1" strike="noStrike">
+            <a:endParaRPr lang="es-ES" sz="4200" b="0" strike="noStrike" spc="-1">
               <a:latin typeface="Arial"/>
             </a:endParaRPr>
           </a:p>
@@ -9855,15 +10240,22 @@
           </a:ln>
         </p:spPr>
         <p:style>
-          <a:lnRef idx="0"/>
-          <a:fillRef idx="0"/>
-          <a:effectRef idx="0"/>
+          <a:lnRef idx="0">
+            <a:scrgbClr r="0" g="0" b="0"/>
+          </a:lnRef>
+          <a:fillRef idx="0">
+            <a:scrgbClr r="0" g="0" b="0"/>
+          </a:fillRef>
+          <a:effectRef idx="0">
+            <a:scrgbClr r="0" g="0" b="0"/>
+          </a:effectRef>
           <a:fontRef idx="minor"/>
         </p:style>
         <p:txBody>
-          <a:bodyPr lIns="90000" rIns="90000" tIns="45000" bIns="45000" anchor="ctr">
+          <a:bodyPr lIns="90000" tIns="45000" rIns="90000" bIns="45000" anchor="ctr">
             <a:noAutofit/>
           </a:bodyPr>
+          <a:lstStyle/>
           <a:p>
             <a:pPr marL="448200" indent="-383040">
               <a:lnSpc>
@@ -9873,22 +10265,22 @@
                 <a:spcPts val="601"/>
               </a:spcBef>
               <a:buClr>
-                <a:srgbClr val="ff388c"/>
+                <a:srgbClr val="FF388C"/>
               </a:buClr>
               <a:buSzPct val="80000"/>
               <a:buFont typeface="Wingdings 2" charset="2"/>
               <a:buChar char=""/>
             </a:pPr>
             <a:r>
-              <a:rPr b="0" lang="es-ES" sz="2800" spc="-1" strike="noStrike">
+              <a:rPr lang="es-ES" sz="2800" b="0" strike="noStrike" spc="-1">
                 <a:solidFill>
-                  <a:srgbClr val="d26785"/>
+                  <a:srgbClr val="D26785"/>
                 </a:solidFill>
                 <a:latin typeface="Century Gothic"/>
               </a:rPr>
               <a:t>Guía de estilo</a:t>
             </a:r>
-            <a:endParaRPr b="0" lang="es-ES" sz="2800" spc="-1" strike="noStrike">
+            <a:endParaRPr lang="es-ES" sz="2800" b="0" strike="noStrike" spc="-1">
               <a:latin typeface="Arial"/>
             </a:endParaRPr>
           </a:p>
@@ -9901,22 +10293,22 @@
                 <a:spcPts val="601"/>
               </a:spcBef>
               <a:buClr>
-                <a:srgbClr val="ff388c"/>
+                <a:srgbClr val="FF388C"/>
               </a:buClr>
               <a:buSzPct val="80000"/>
               <a:buFont typeface="Wingdings 2" charset="2"/>
               <a:buChar char=""/>
             </a:pPr>
             <a:r>
-              <a:rPr b="0" lang="es-ES" sz="2800" spc="-1" strike="noStrike">
+              <a:rPr lang="es-ES" sz="2800" b="0" strike="noStrike" spc="-1">
                 <a:solidFill>
-                  <a:srgbClr val="d26785"/>
+                  <a:srgbClr val="D26785"/>
                 </a:solidFill>
                 <a:latin typeface="Century Gothic"/>
               </a:rPr>
               <a:t>Organización del código</a:t>
             </a:r>
-            <a:endParaRPr b="0" lang="es-ES" sz="2800" spc="-1" strike="noStrike">
+            <a:endParaRPr lang="es-ES" sz="2800" b="0" strike="noStrike" spc="-1">
               <a:latin typeface="Arial"/>
             </a:endParaRPr>
           </a:p>
@@ -9929,22 +10321,22 @@
                 <a:spcPts val="601"/>
               </a:spcBef>
               <a:buClr>
-                <a:srgbClr val="ff388c"/>
+                <a:srgbClr val="FF388C"/>
               </a:buClr>
               <a:buSzPct val="80000"/>
               <a:buFont typeface="Wingdings 2" charset="2"/>
               <a:buChar char=""/>
             </a:pPr>
             <a:r>
-              <a:rPr b="0" lang="es-ES" sz="2800" spc="-1" strike="noStrike">
+              <a:rPr lang="es-ES" sz="2800" b="0" strike="noStrike" spc="-1">
                 <a:solidFill>
-                  <a:srgbClr val="d26785"/>
+                  <a:srgbClr val="D26785"/>
                 </a:solidFill>
                 <a:latin typeface="Century Gothic"/>
               </a:rPr>
               <a:t>Arquitectura de clases</a:t>
             </a:r>
-            <a:endParaRPr b="0" lang="es-ES" sz="2800" spc="-1" strike="noStrike">
+            <a:endParaRPr lang="es-ES" sz="2800" b="0" strike="noStrike" spc="-1">
               <a:latin typeface="Arial"/>
             </a:endParaRPr>
           </a:p>
@@ -9957,22 +10349,22 @@
                 <a:spcPts val="601"/>
               </a:spcBef>
               <a:buClr>
-                <a:srgbClr val="ff388c"/>
+                <a:srgbClr val="FF388C"/>
               </a:buClr>
               <a:buSzPct val="80000"/>
               <a:buFont typeface="Wingdings 2" charset="2"/>
               <a:buChar char=""/>
             </a:pPr>
             <a:r>
-              <a:rPr b="0" lang="es-ES" sz="2800" spc="-1" strike="noStrike">
+              <a:rPr lang="es-ES" sz="2800" b="0" strike="noStrike" spc="-1">
                 <a:solidFill>
-                  <a:srgbClr val="d26785"/>
+                  <a:srgbClr val="D26785"/>
                 </a:solidFill>
                 <a:latin typeface="Century Gothic"/>
               </a:rPr>
               <a:t>Pruebas: Postman</a:t>
             </a:r>
-            <a:endParaRPr b="0" lang="es-ES" sz="2800" spc="-1" strike="noStrike">
+            <a:endParaRPr lang="es-ES" sz="2800" b="0" strike="noStrike" spc="-1">
               <a:latin typeface="Arial"/>
             </a:endParaRPr>
           </a:p>
@@ -9985,7 +10377,7 @@
                 <a:spcPts val="601"/>
               </a:spcBef>
             </a:pPr>
-            <a:endParaRPr b="0" lang="es-ES" sz="2800" spc="-1" strike="noStrike">
+            <a:endParaRPr lang="es-ES" sz="2800" b="0" strike="noStrike" spc="-1">
               <a:latin typeface="Arial"/>
             </a:endParaRPr>
           </a:p>
@@ -9993,19 +10385,29 @@
       </p:sp>
     </p:spTree>
   </p:cSld>
-  <mc:AlternateContent>
-    <mc:Choice Requires="p14">
+  <p:clrMapOvr>
+    <a:masterClrMapping/>
+  </p:clrMapOvr>
+  <mc:AlternateContent xmlns:mc="http://schemas.openxmlformats.org/markup-compatibility/2006">
+    <mc:Choice xmlns:p15="http://schemas.microsoft.com/office/powerpoint/2012/main" xmlns:p14="http://schemas.microsoft.com/office/powerpoint/2010/main" xmlns="" Requires="p14">
       <p:transition spd="slow" p14:dur="2000"/>
     </mc:Choice>
     <mc:Fallback>
       <p:transition spd="slow"/>
     </mc:Fallback>
   </mc:AlternateContent>
+  <p:timing>
+    <p:tnLst>
+      <p:par>
+        <p:cTn id="1" dur="indefinite" restart="never" nodeType="tmRoot"/>
+      </p:par>
+    </p:tnLst>
+  </p:timing>
 </p:sld>
 </file>
 
 <file path=ppt/slides/slide9.xml><?xml version="1.0" encoding="utf-8"?>
-<p:sld xmlns:a="http://schemas.openxmlformats.org/drawingml/2006/main" xmlns:p="http://schemas.openxmlformats.org/presentationml/2006/main" xmlns:r="http://schemas.openxmlformats.org/officeDocument/2006/relationships" xmlns:p14="http://schemas.microsoft.com/office/powerpoint/2010/main" xmlns:p15="http://schemas.microsoft.com/office/powerpoint/2012/main" xmlns:mc="http://schemas.openxmlformats.org/markup-compatibility/2006">
+<p:sld xmlns:a="http://schemas.openxmlformats.org/drawingml/2006/main" xmlns:r="http://schemas.openxmlformats.org/officeDocument/2006/relationships" xmlns:p="http://schemas.openxmlformats.org/presentationml/2006/main">
   <p:cSld>
     <p:spTree>
       <p:nvGrpSpPr>
@@ -10041,15 +10443,22 @@
           </a:ln>
         </p:spPr>
         <p:style>
-          <a:lnRef idx="0"/>
-          <a:fillRef idx="0"/>
-          <a:effectRef idx="0"/>
+          <a:lnRef idx="0">
+            <a:scrgbClr r="0" g="0" b="0"/>
+          </a:lnRef>
+          <a:fillRef idx="0">
+            <a:scrgbClr r="0" g="0" b="0"/>
+          </a:fillRef>
+          <a:effectRef idx="0">
+            <a:scrgbClr r="0" g="0" b="0"/>
+          </a:effectRef>
           <a:fontRef idx="minor"/>
         </p:style>
         <p:txBody>
-          <a:bodyPr lIns="0" rIns="0" tIns="0" bIns="0" anchor="ctr">
+          <a:bodyPr lIns="0" tIns="0" rIns="0" bIns="0" anchor="ctr">
             <a:noAutofit/>
           </a:bodyPr>
+          <a:lstStyle/>
           <a:p>
             <a:pPr algn="ctr">
               <a:lnSpc>
@@ -10057,16 +10466,16 @@
               </a:lnSpc>
             </a:pPr>
             <a:r>
-              <a:rPr b="0" lang="es-ES" sz="4200" spc="-1" strike="noStrike">
+              <a:rPr lang="es-ES" sz="4200" b="0" strike="noStrike" spc="-1">
                 <a:solidFill>
-                  <a:srgbClr val="d26785"/>
+                  <a:srgbClr val="D26785"/>
                 </a:solidFill>
                 <a:latin typeface="Century Gothic"/>
                 <a:ea typeface="DejaVu Sans"/>
               </a:rPr>
               <a:t>Desarrollo web</a:t>
             </a:r>
-            <a:endParaRPr b="0" lang="es-ES" sz="4200" spc="-1" strike="noStrike">
+            <a:endParaRPr lang="es-ES" sz="4200" b="0" strike="noStrike" spc="-1">
               <a:latin typeface="Arial"/>
             </a:endParaRPr>
           </a:p>
@@ -10092,15 +10501,22 @@
           </a:ln>
         </p:spPr>
         <p:style>
-          <a:lnRef idx="0"/>
-          <a:fillRef idx="0"/>
-          <a:effectRef idx="0"/>
+          <a:lnRef idx="0">
+            <a:scrgbClr r="0" g="0" b="0"/>
+          </a:lnRef>
+          <a:fillRef idx="0">
+            <a:scrgbClr r="0" g="0" b="0"/>
+          </a:fillRef>
+          <a:effectRef idx="0">
+            <a:scrgbClr r="0" g="0" b="0"/>
+          </a:effectRef>
           <a:fontRef idx="minor"/>
         </p:style>
         <p:txBody>
-          <a:bodyPr lIns="90000" rIns="90000" tIns="45000" bIns="45000" anchor="ctr">
+          <a:bodyPr lIns="90000" tIns="45000" rIns="90000" bIns="45000" anchor="ctr">
             <a:noAutofit/>
           </a:bodyPr>
+          <a:lstStyle/>
           <a:p>
             <a:pPr marL="448200" indent="-383040">
               <a:lnSpc>
@@ -10110,22 +10526,22 @@
                 <a:spcPts val="601"/>
               </a:spcBef>
               <a:buClr>
-                <a:srgbClr val="ff388c"/>
+                <a:srgbClr val="FF388C"/>
               </a:buClr>
               <a:buSzPct val="80000"/>
               <a:buFont typeface="Wingdings 2" charset="2"/>
               <a:buChar char=""/>
             </a:pPr>
             <a:r>
-              <a:rPr b="0" lang="es-ES" sz="2800" spc="-1" strike="noStrike">
+              <a:rPr lang="es-ES" sz="2800" b="0" strike="noStrike" spc="-1">
                 <a:solidFill>
-                  <a:srgbClr val="d26785"/>
+                  <a:srgbClr val="D26785"/>
                 </a:solidFill>
                 <a:latin typeface="Century Gothic"/>
               </a:rPr>
               <a:t>Sitio web: llamdas a la API</a:t>
             </a:r>
-            <a:endParaRPr b="0" lang="es-ES" sz="2800" spc="-1" strike="noStrike">
+            <a:endParaRPr lang="es-ES" sz="2800" b="0" strike="noStrike" spc="-1">
               <a:latin typeface="Arial"/>
             </a:endParaRPr>
           </a:p>
@@ -10138,22 +10554,22 @@
                 <a:spcPts val="601"/>
               </a:spcBef>
               <a:buClr>
-                <a:srgbClr val="ff388c"/>
+                <a:srgbClr val="FF388C"/>
               </a:buClr>
               <a:buSzPct val="80000"/>
               <a:buFont typeface="Wingdings 2" charset="2"/>
               <a:buChar char=""/>
             </a:pPr>
             <a:r>
-              <a:rPr b="0" lang="es-ES" sz="2800" spc="-1" strike="noStrike">
+              <a:rPr lang="es-ES" sz="2800" b="0" strike="noStrike" spc="-1">
                 <a:solidFill>
-                  <a:srgbClr val="d26785"/>
+                  <a:srgbClr val="D26785"/>
                 </a:solidFill>
                 <a:latin typeface="Century Gothic"/>
               </a:rPr>
               <a:t>Maquetación</a:t>
             </a:r>
-            <a:endParaRPr b="0" lang="es-ES" sz="2800" spc="-1" strike="noStrike">
+            <a:endParaRPr lang="es-ES" sz="2800" b="0" strike="noStrike" spc="-1">
               <a:latin typeface="Arial"/>
             </a:endParaRPr>
           </a:p>
@@ -10166,22 +10582,22 @@
                 <a:spcPts val="601"/>
               </a:spcBef>
               <a:buClr>
-                <a:srgbClr val="ff388c"/>
+                <a:srgbClr val="FF388C"/>
               </a:buClr>
               <a:buSzPct val="80000"/>
               <a:buFont typeface="Wingdings 2" charset="2"/>
               <a:buChar char=""/>
             </a:pPr>
             <a:r>
-              <a:rPr b="0" lang="es-ES" sz="2800" spc="-1" strike="noStrike">
+              <a:rPr lang="es-ES" sz="2800" b="0" strike="noStrike" spc="-1">
                 <a:solidFill>
-                  <a:srgbClr val="d26785"/>
+                  <a:srgbClr val="D26785"/>
                 </a:solidFill>
                 <a:latin typeface="Century Gothic"/>
               </a:rPr>
               <a:t>Estilo: bootstrap</a:t>
             </a:r>
-            <a:endParaRPr b="0" lang="es-ES" sz="2800" spc="-1" strike="noStrike">
+            <a:endParaRPr lang="es-ES" sz="2800" b="0" strike="noStrike" spc="-1">
               <a:latin typeface="Arial"/>
             </a:endParaRPr>
           </a:p>
@@ -10194,22 +10610,22 @@
                 <a:spcPts val="601"/>
               </a:spcBef>
               <a:buClr>
-                <a:srgbClr val="ff388c"/>
+                <a:srgbClr val="FF388C"/>
               </a:buClr>
               <a:buSzPct val="80000"/>
               <a:buFont typeface="Wingdings 2" charset="2"/>
               <a:buChar char=""/>
             </a:pPr>
             <a:r>
-              <a:rPr b="0" lang="es-ES" sz="2800" spc="-1" strike="noStrike">
+              <a:rPr lang="es-ES" sz="2800" b="0" strike="noStrike" spc="-1">
                 <a:solidFill>
-                  <a:srgbClr val="d26785"/>
+                  <a:srgbClr val="D26785"/>
                 </a:solidFill>
                 <a:latin typeface="Century Gothic"/>
               </a:rPr>
               <a:t>Pruebas: Postman</a:t>
             </a:r>
-            <a:endParaRPr b="0" lang="es-ES" sz="2800" spc="-1" strike="noStrike">
+            <a:endParaRPr lang="es-ES" sz="2800" b="0" strike="noStrike" spc="-1">
               <a:latin typeface="Arial"/>
             </a:endParaRPr>
           </a:p>
@@ -10222,7 +10638,7 @@
                 <a:spcPts val="601"/>
               </a:spcBef>
             </a:pPr>
-            <a:endParaRPr b="0" lang="es-ES" sz="2800" spc="-1" strike="noStrike">
+            <a:endParaRPr lang="es-ES" sz="2800" b="0" strike="noStrike" spc="-1">
               <a:latin typeface="Arial"/>
             </a:endParaRPr>
           </a:p>
@@ -10230,14 +10646,24 @@
       </p:sp>
     </p:spTree>
   </p:cSld>
-  <mc:AlternateContent>
-    <mc:Choice Requires="p14">
+  <p:clrMapOvr>
+    <a:masterClrMapping/>
+  </p:clrMapOvr>
+  <mc:AlternateContent xmlns:mc="http://schemas.openxmlformats.org/markup-compatibility/2006">
+    <mc:Choice xmlns:p15="http://schemas.microsoft.com/office/powerpoint/2012/main" xmlns:p14="http://schemas.microsoft.com/office/powerpoint/2010/main" xmlns="" Requires="p14">
       <p:transition spd="slow" p14:dur="2000"/>
     </mc:Choice>
     <mc:Fallback>
       <p:transition spd="slow"/>
     </mc:Fallback>
   </mc:AlternateContent>
+  <p:timing>
+    <p:tnLst>
+      <p:par>
+        <p:cTn id="1" dur="indefinite" restart="never" nodeType="tmRoot"/>
+      </p:par>
+    </p:tnLst>
+  </p:timing>
 </p:sld>
 </file>
 
@@ -10255,31 +10681,31 @@
         <a:srgbClr val="666666"/>
       </a:dk2>
       <a:lt2>
-        <a:srgbClr val="d2d2d2"/>
+        <a:srgbClr val="D2D2D2"/>
       </a:lt2>
       <a:accent1>
-        <a:srgbClr val="ff388c"/>
+        <a:srgbClr val="FF388C"/>
       </a:accent1>
       <a:accent2>
-        <a:srgbClr val="e40059"/>
+        <a:srgbClr val="E40059"/>
       </a:accent2>
       <a:accent3>
-        <a:srgbClr val="9c007f"/>
+        <a:srgbClr val="9C007F"/>
       </a:accent3>
       <a:accent4>
-        <a:srgbClr val="68007f"/>
+        <a:srgbClr val="68007F"/>
       </a:accent4>
       <a:accent5>
-        <a:srgbClr val="005bd3"/>
+        <a:srgbClr val="005BD3"/>
       </a:accent5>
       <a:accent6>
-        <a:srgbClr val="00349e"/>
+        <a:srgbClr val="00349E"/>
       </a:accent6>
       <a:hlink>
-        <a:srgbClr val="17bbfd"/>
+        <a:srgbClr val="17BBFD"/>
       </a:hlink>
       <a:folHlink>
-        <a:srgbClr val="ff79c2"/>
+        <a:srgbClr val="FF79C2"/>
       </a:folHlink>
     </a:clrScheme>
     <a:fontScheme name="Office">
@@ -10464,6 +10890,8 @@
       </a:bgFillStyleLst>
     </a:fmtScheme>
   </a:themeElements>
+  <a:objectDefaults/>
+  <a:extraClrSchemeLst/>
 </a:theme>
 </file>
 
@@ -10481,31 +10909,31 @@
         <a:srgbClr val="666666"/>
       </a:dk2>
       <a:lt2>
-        <a:srgbClr val="d2d2d2"/>
+        <a:srgbClr val="D2D2D2"/>
       </a:lt2>
       <a:accent1>
-        <a:srgbClr val="ff388c"/>
+        <a:srgbClr val="FF388C"/>
       </a:accent1>
       <a:accent2>
-        <a:srgbClr val="e40059"/>
+        <a:srgbClr val="E40059"/>
       </a:accent2>
       <a:accent3>
-        <a:srgbClr val="9c007f"/>
+        <a:srgbClr val="9C007F"/>
       </a:accent3>
       <a:accent4>
-        <a:srgbClr val="68007f"/>
+        <a:srgbClr val="68007F"/>
       </a:accent4>
       <a:accent5>
-        <a:srgbClr val="005bd3"/>
+        <a:srgbClr val="005BD3"/>
       </a:accent5>
       <a:accent6>
-        <a:srgbClr val="00349e"/>
+        <a:srgbClr val="00349E"/>
       </a:accent6>
       <a:hlink>
-        <a:srgbClr val="17bbfd"/>
+        <a:srgbClr val="17BBFD"/>
       </a:hlink>
       <a:folHlink>
-        <a:srgbClr val="ff79c2"/>
+        <a:srgbClr val="FF79C2"/>
       </a:folHlink>
     </a:clrScheme>
     <a:fontScheme name="Office">
@@ -10690,6 +11118,8 @@
       </a:bgFillStyleLst>
     </a:fmtScheme>
   </a:themeElements>
+  <a:objectDefaults/>
+  <a:extraClrSchemeLst/>
 </a:theme>
 </file>
 
@@ -10707,31 +11137,31 @@
         <a:srgbClr val="666666"/>
       </a:dk2>
       <a:lt2>
-        <a:srgbClr val="d2d2d2"/>
+        <a:srgbClr val="D2D2D2"/>
       </a:lt2>
       <a:accent1>
-        <a:srgbClr val="ff388c"/>
+        <a:srgbClr val="FF388C"/>
       </a:accent1>
       <a:accent2>
-        <a:srgbClr val="e40059"/>
+        <a:srgbClr val="E40059"/>
       </a:accent2>
       <a:accent3>
-        <a:srgbClr val="9c007f"/>
+        <a:srgbClr val="9C007F"/>
       </a:accent3>
       <a:accent4>
-        <a:srgbClr val="68007f"/>
+        <a:srgbClr val="68007F"/>
       </a:accent4>
       <a:accent5>
-        <a:srgbClr val="005bd3"/>
+        <a:srgbClr val="005BD3"/>
       </a:accent5>
       <a:accent6>
-        <a:srgbClr val="00349e"/>
+        <a:srgbClr val="00349E"/>
       </a:accent6>
       <a:hlink>
-        <a:srgbClr val="17bbfd"/>
+        <a:srgbClr val="17BBFD"/>
       </a:hlink>
       <a:folHlink>
-        <a:srgbClr val="ff79c2"/>
+        <a:srgbClr val="FF79C2"/>
       </a:folHlink>
     </a:clrScheme>
     <a:fontScheme name="Office">
@@ -10916,6 +11346,8 @@
       </a:bgFillStyleLst>
     </a:fmtScheme>
   </a:themeElements>
+  <a:objectDefaults/>
+  <a:extraClrSchemeLst/>
 </a:theme>
 </file>
 
@@ -10933,31 +11365,31 @@
         <a:srgbClr val="666666"/>
       </a:dk2>
       <a:lt2>
-        <a:srgbClr val="d2d2d2"/>
+        <a:srgbClr val="D2D2D2"/>
       </a:lt2>
       <a:accent1>
-        <a:srgbClr val="ff388c"/>
+        <a:srgbClr val="FF388C"/>
       </a:accent1>
       <a:accent2>
-        <a:srgbClr val="e40059"/>
+        <a:srgbClr val="E40059"/>
       </a:accent2>
       <a:accent3>
-        <a:srgbClr val="9c007f"/>
+        <a:srgbClr val="9C007F"/>
       </a:accent3>
       <a:accent4>
-        <a:srgbClr val="68007f"/>
+        <a:srgbClr val="68007F"/>
       </a:accent4>
       <a:accent5>
-        <a:srgbClr val="005bd3"/>
+        <a:srgbClr val="005BD3"/>
       </a:accent5>
       <a:accent6>
-        <a:srgbClr val="00349e"/>
+        <a:srgbClr val="00349E"/>
       </a:accent6>
       <a:hlink>
-        <a:srgbClr val="17bbfd"/>
+        <a:srgbClr val="17BBFD"/>
       </a:hlink>
       <a:folHlink>
-        <a:srgbClr val="ff79c2"/>
+        <a:srgbClr val="FF79C2"/>
       </a:folHlink>
     </a:clrScheme>
     <a:fontScheme name="Office">
@@ -11142,5 +11574,7 @@
       </a:bgFillStyleLst>
     </a:fmtScheme>
   </a:themeElements>
+  <a:objectDefaults/>
+  <a:extraClrSchemeLst/>
 </a:theme>
 </file>
--- a/Presentación/Proyecto fin de curso.pptx
+++ b/Presentación/Proyecto fin de curso.pptx
@@ -19,6 +19,7 @@
     <p:sldId id="264" r:id="rId13"/>
     <p:sldId id="265" r:id="rId14"/>
     <p:sldId id="266" r:id="rId15"/>
+    <p:sldId id="267" r:id="rId16"/>
   </p:sldIdLst>
   <p:sldSz cx="9144000" cy="6858000" type="screen4x3"/>
   <p:notesSz cx="7559675" cy="10691813"/>
@@ -7825,7 +7826,7 @@
     <a:masterClrMapping/>
   </p:clrMapOvr>
   <mc:AlternateContent xmlns:mc="http://schemas.openxmlformats.org/markup-compatibility/2006">
-    <mc:Choice xmlns:p15="http://schemas.microsoft.com/office/powerpoint/2012/main" xmlns:p14="http://schemas.microsoft.com/office/powerpoint/2010/main" xmlns="" Requires="p14">
+    <mc:Choice xmlns="" xmlns:p14="http://schemas.microsoft.com/office/powerpoint/2010/main" xmlns:p15="http://schemas.microsoft.com/office/powerpoint/2012/main" Requires="p14">
       <p:transition spd="slow" p14:dur="2000"/>
     </mc:Choice>
     <mc:Fallback>
@@ -8422,7 +8423,7 @@
     <a:masterClrMapping/>
   </p:clrMapOvr>
   <mc:AlternateContent xmlns:mc="http://schemas.openxmlformats.org/markup-compatibility/2006">
-    <mc:Choice xmlns:p15="http://schemas.microsoft.com/office/powerpoint/2012/main" xmlns:p14="http://schemas.microsoft.com/office/powerpoint/2010/main" xmlns="" Requires="p14">
+    <mc:Choice xmlns="" xmlns:p14="http://schemas.microsoft.com/office/powerpoint/2010/main" xmlns:p15="http://schemas.microsoft.com/office/powerpoint/2012/main" Requires="p14">
       <p:transition spd="slow" p14:dur="2000"/>
     </mc:Choice>
     <mc:Fallback>
@@ -8489,7 +8490,7 @@
         </p:style>
         <p:txBody>
           <a:bodyPr lIns="0" tIns="0" rIns="0" bIns="0">
-            <a:normAutofit fontScale="87500" lnSpcReduction="20000"/>
+            <a:normAutofit fontScale="80000" lnSpcReduction="10000"/>
           </a:bodyPr>
           <a:lstStyle/>
           <a:p>
@@ -8912,7 +8913,686 @@
     <a:masterClrMapping/>
   </p:clrMapOvr>
   <mc:AlternateContent xmlns:mc="http://schemas.openxmlformats.org/markup-compatibility/2006">
-    <mc:Choice xmlns:p15="http://schemas.microsoft.com/office/powerpoint/2012/main" xmlns:p14="http://schemas.microsoft.com/office/powerpoint/2010/main" xmlns="" Requires="p14">
+    <mc:Choice xmlns="" xmlns:p14="http://schemas.microsoft.com/office/powerpoint/2010/main" xmlns:p15="http://schemas.microsoft.com/office/powerpoint/2012/main" Requires="p14">
+      <p:transition spd="slow" p14:dur="2000"/>
+    </mc:Choice>
+    <mc:Fallback>
+      <p:transition spd="slow"/>
+    </mc:Fallback>
+  </mc:AlternateContent>
+  <p:timing>
+    <p:tnLst>
+      <p:par>
+        <p:cTn id="1" dur="indefinite" restart="never" nodeType="tmRoot"/>
+      </p:par>
+    </p:tnLst>
+  </p:timing>
+</p:sld>
+</file>
+
+<file path=ppt/slides/slide12.xml><?xml version="1.0" encoding="utf-8"?>
+<p:sld xmlns:a="http://schemas.openxmlformats.org/drawingml/2006/main" xmlns:r="http://schemas.openxmlformats.org/officeDocument/2006/relationships" xmlns:p="http://schemas.openxmlformats.org/presentationml/2006/main">
+  <p:cSld>
+    <p:spTree>
+      <p:nvGrpSpPr>
+        <p:cNvPr id="1" name=""/>
+        <p:cNvGrpSpPr/>
+        <p:nvPr/>
+      </p:nvGrpSpPr>
+      <p:grpSpPr>
+        <a:xfrm>
+          <a:off x="0" y="0"/>
+          <a:ext cx="0" cy="0"/>
+          <a:chOff x="0" y="0"/>
+          <a:chExt cx="0" cy="0"/>
+        </a:xfrm>
+      </p:grpSpPr>
+      <p:sp>
+        <p:nvSpPr>
+          <p:cNvPr id="190" name="CustomShape 1"/>
+          <p:cNvSpPr/>
+          <p:nvPr/>
+        </p:nvSpPr>
+        <p:spPr>
+          <a:xfrm>
+            <a:off x="500040" y="2928960"/>
+            <a:ext cx="4015080" cy="3071808"/>
+          </a:xfrm>
+          <a:prstGeom prst="rect">
+            <a:avLst/>
+          </a:prstGeom>
+          <a:noFill/>
+          <a:ln>
+            <a:noFill/>
+          </a:ln>
+        </p:spPr>
+        <p:style>
+          <a:lnRef idx="0">
+            <a:scrgbClr r="0" g="0" b="0"/>
+          </a:lnRef>
+          <a:fillRef idx="0">
+            <a:scrgbClr r="0" g="0" b="0"/>
+          </a:fillRef>
+          <a:effectRef idx="0">
+            <a:scrgbClr r="0" g="0" b="0"/>
+          </a:effectRef>
+          <a:fontRef idx="minor"/>
+        </p:style>
+        <p:txBody>
+          <a:bodyPr lIns="0" tIns="0" rIns="0" bIns="0">
+            <a:normAutofit fontScale="80000" lnSpcReduction="10000"/>
+          </a:bodyPr>
+          <a:lstStyle/>
+          <a:p>
+            <a:pPr>
+              <a:lnSpc>
+                <a:spcPct val="100000"/>
+              </a:lnSpc>
+            </a:pPr>
+            <a:r>
+              <a:rPr lang="es-ES" sz="2800" b="1" strike="noStrike" spc="-1" dirty="0" err="1">
+                <a:solidFill>
+                  <a:srgbClr val="D26785"/>
+                </a:solidFill>
+                <a:latin typeface="Century Gothic"/>
+                <a:ea typeface="DejaVu Sans"/>
+              </a:rPr>
+              <a:t>Backend</a:t>
+            </a:r>
+            <a:endParaRPr lang="es-ES" sz="2800" b="0" strike="noStrike" spc="-1" dirty="0">
+              <a:latin typeface="Arial"/>
+            </a:endParaRPr>
+          </a:p>
+          <a:p>
+            <a:pPr>
+              <a:lnSpc>
+                <a:spcPct val="100000"/>
+              </a:lnSpc>
+            </a:pPr>
+            <a:endParaRPr lang="es-ES" sz="2800" b="0" strike="noStrike" spc="-1" dirty="0">
+              <a:latin typeface="Arial"/>
+            </a:endParaRPr>
+          </a:p>
+          <a:p>
+            <a:pPr marL="432000" indent="-323640">
+              <a:lnSpc>
+                <a:spcPct val="100000"/>
+              </a:lnSpc>
+              <a:buClr>
+                <a:srgbClr val="D26785"/>
+              </a:buClr>
+              <a:buFont typeface="Arial"/>
+              <a:buChar char="•"/>
+            </a:pPr>
+            <a:r>
+              <a:rPr lang="es-ES" sz="2800" spc="-1" dirty="0" smtClean="0">
+                <a:solidFill>
+                  <a:srgbClr val="D26785"/>
+                </a:solidFill>
+                <a:latin typeface="Century Gothic"/>
+                <a:ea typeface="DejaVu Sans"/>
+              </a:rPr>
+              <a:t>Batería de pruebas </a:t>
+            </a:r>
+            <a:r>
+              <a:rPr lang="es-ES" sz="2800" spc="-1" dirty="0" err="1" smtClean="0">
+                <a:solidFill>
+                  <a:srgbClr val="D26785"/>
+                </a:solidFill>
+                <a:latin typeface="Century Gothic"/>
+                <a:ea typeface="DejaVu Sans"/>
+              </a:rPr>
+              <a:t>Junit</a:t>
+            </a:r>
+            <a:endParaRPr lang="es-ES" sz="2800" spc="-1" dirty="0" smtClean="0">
+              <a:solidFill>
+                <a:srgbClr val="D26785"/>
+              </a:solidFill>
+              <a:latin typeface="Century Gothic"/>
+              <a:ea typeface="DejaVu Sans"/>
+            </a:endParaRPr>
+          </a:p>
+          <a:p>
+            <a:pPr marL="432000" indent="-323640">
+              <a:lnSpc>
+                <a:spcPct val="100000"/>
+              </a:lnSpc>
+              <a:buClr>
+                <a:srgbClr val="D26785"/>
+              </a:buClr>
+              <a:buFont typeface="Arial"/>
+              <a:buChar char="•"/>
+            </a:pPr>
+            <a:r>
+              <a:rPr lang="es-ES" sz="2800" b="0" strike="noStrike" spc="-1" dirty="0" smtClean="0">
+                <a:solidFill>
+                  <a:srgbClr val="D26785"/>
+                </a:solidFill>
+                <a:latin typeface="Century Gothic"/>
+                <a:ea typeface="DejaVu Sans"/>
+              </a:rPr>
+              <a:t>Carga inicial más </a:t>
+            </a:r>
+            <a:r>
+              <a:rPr lang="es-ES" sz="2800" b="0" strike="noStrike" spc="-1" dirty="0" err="1" smtClean="0">
+                <a:solidFill>
+                  <a:srgbClr val="D26785"/>
+                </a:solidFill>
+                <a:latin typeface="Century Gothic"/>
+                <a:ea typeface="DejaVu Sans"/>
+              </a:rPr>
+              <a:t>parametrizada</a:t>
+            </a:r>
+            <a:endParaRPr lang="es-ES" sz="2800" b="0" strike="noStrike" spc="-1" dirty="0" smtClean="0">
+              <a:solidFill>
+                <a:srgbClr val="D26785"/>
+              </a:solidFill>
+              <a:latin typeface="Century Gothic"/>
+              <a:ea typeface="DejaVu Sans"/>
+            </a:endParaRPr>
+          </a:p>
+          <a:p>
+            <a:pPr marL="432000" indent="-323640">
+              <a:lnSpc>
+                <a:spcPct val="100000"/>
+              </a:lnSpc>
+              <a:buClr>
+                <a:srgbClr val="D26785"/>
+              </a:buClr>
+              <a:buFont typeface="Arial"/>
+              <a:buChar char="•"/>
+            </a:pPr>
+            <a:r>
+              <a:rPr lang="es-ES" sz="2800" spc="-1" dirty="0" smtClean="0">
+                <a:solidFill>
+                  <a:srgbClr val="D26785"/>
+                </a:solidFill>
+                <a:latin typeface="Century Gothic"/>
+                <a:ea typeface="DejaVu Sans"/>
+              </a:rPr>
+              <a:t>Consultas más detalladas: ciclos de subida-bajada</a:t>
+            </a:r>
+          </a:p>
+          <a:p>
+            <a:pPr marL="432000" indent="-323640">
+              <a:lnSpc>
+                <a:spcPct val="100000"/>
+              </a:lnSpc>
+              <a:buClr>
+                <a:srgbClr val="D26785"/>
+              </a:buClr>
+              <a:buFont typeface="Arial"/>
+              <a:buChar char="•"/>
+            </a:pPr>
+            <a:r>
+              <a:rPr lang="es-ES" sz="2800" spc="-1" dirty="0" smtClean="0">
+                <a:solidFill>
+                  <a:srgbClr val="D26785"/>
+                </a:solidFill>
+                <a:latin typeface="Century Gothic"/>
+                <a:ea typeface="DejaVu Sans"/>
+              </a:rPr>
+              <a:t>Mayor enfoque hacia el </a:t>
+            </a:r>
+            <a:r>
+              <a:rPr lang="es-ES" sz="2800" spc="-1" dirty="0" err="1" smtClean="0">
+                <a:solidFill>
+                  <a:srgbClr val="D26785"/>
+                </a:solidFill>
+                <a:latin typeface="Century Gothic"/>
+                <a:ea typeface="DejaVu Sans"/>
+              </a:rPr>
+              <a:t>pgtrón</a:t>
+            </a:r>
+            <a:r>
+              <a:rPr lang="es-ES" sz="2800" spc="-1" dirty="0" smtClean="0">
+                <a:solidFill>
+                  <a:srgbClr val="D26785"/>
+                </a:solidFill>
+                <a:latin typeface="Century Gothic"/>
+                <a:ea typeface="DejaVu Sans"/>
+              </a:rPr>
+              <a:t> DTO.</a:t>
+            </a:r>
+          </a:p>
+          <a:p>
+            <a:pPr marL="432000" indent="-323640">
+              <a:lnSpc>
+                <a:spcPct val="100000"/>
+              </a:lnSpc>
+              <a:buClr>
+                <a:srgbClr val="D26785"/>
+              </a:buClr>
+              <a:buFont typeface="Arial"/>
+              <a:buChar char="•"/>
+            </a:pPr>
+            <a:r>
+              <a:rPr lang="es-ES" sz="2800" spc="-1" dirty="0" smtClean="0">
+                <a:solidFill>
+                  <a:srgbClr val="D26785"/>
+                </a:solidFill>
+                <a:latin typeface="Century Gothic"/>
+                <a:ea typeface="DejaVu Sans"/>
+              </a:rPr>
+              <a:t>Cabeceras de métodos </a:t>
+            </a:r>
+            <a:endParaRPr lang="es-ES" sz="2800" b="0" strike="noStrike" spc="-1" dirty="0">
+              <a:latin typeface="Arial"/>
+            </a:endParaRPr>
+          </a:p>
+        </p:txBody>
+      </p:sp>
+      <p:sp>
+        <p:nvSpPr>
+          <p:cNvPr id="191" name="CustomShape 2"/>
+          <p:cNvSpPr/>
+          <p:nvPr/>
+        </p:nvSpPr>
+        <p:spPr>
+          <a:xfrm>
+            <a:off x="4643438" y="2857496"/>
+            <a:ext cx="4015080" cy="3143272"/>
+          </a:xfrm>
+          <a:prstGeom prst="rect">
+            <a:avLst/>
+          </a:prstGeom>
+          <a:noFill/>
+          <a:ln>
+            <a:noFill/>
+          </a:ln>
+        </p:spPr>
+        <p:style>
+          <a:lnRef idx="0">
+            <a:scrgbClr r="0" g="0" b="0"/>
+          </a:lnRef>
+          <a:fillRef idx="0">
+            <a:scrgbClr r="0" g="0" b="0"/>
+          </a:fillRef>
+          <a:effectRef idx="0">
+            <a:scrgbClr r="0" g="0" b="0"/>
+          </a:effectRef>
+          <a:fontRef idx="minor"/>
+        </p:style>
+        <p:txBody>
+          <a:bodyPr lIns="0" tIns="0" rIns="0" bIns="0">
+            <a:noAutofit/>
+          </a:bodyPr>
+          <a:lstStyle/>
+          <a:p>
+            <a:pPr>
+              <a:lnSpc>
+                <a:spcPct val="100000"/>
+              </a:lnSpc>
+            </a:pPr>
+            <a:r>
+              <a:rPr lang="es-ES" sz="2200" b="1" spc="-1" dirty="0" err="1">
+                <a:solidFill>
+                  <a:srgbClr val="D26785"/>
+                </a:solidFill>
+                <a:latin typeface="Century Gothic"/>
+                <a:ea typeface="DejaVu Sans"/>
+              </a:rPr>
+              <a:t>Frontend</a:t>
+            </a:r>
+            <a:endParaRPr lang="es-ES" sz="2200" b="1" spc="-1" dirty="0">
+              <a:solidFill>
+                <a:srgbClr val="D26785"/>
+              </a:solidFill>
+              <a:latin typeface="Century Gothic"/>
+              <a:ea typeface="DejaVu Sans"/>
+            </a:endParaRPr>
+          </a:p>
+          <a:p>
+            <a:pPr>
+              <a:lnSpc>
+                <a:spcPct val="100000"/>
+              </a:lnSpc>
+            </a:pPr>
+            <a:endParaRPr lang="es-ES" sz="2800" b="0" strike="noStrike" spc="-1" dirty="0">
+              <a:latin typeface="Arial"/>
+            </a:endParaRPr>
+          </a:p>
+          <a:p>
+            <a:pPr marL="432000" indent="-323640">
+              <a:lnSpc>
+                <a:spcPct val="100000"/>
+              </a:lnSpc>
+              <a:buClr>
+                <a:srgbClr val="D26785"/>
+              </a:buClr>
+              <a:buFont typeface="Arial"/>
+              <a:buChar char="•"/>
+            </a:pPr>
+            <a:r>
+              <a:rPr lang="es-ES" sz="2200" spc="-1" dirty="0" smtClean="0">
+                <a:solidFill>
+                  <a:srgbClr val="D26785"/>
+                </a:solidFill>
+                <a:latin typeface="Century Gothic"/>
+                <a:ea typeface="DejaVu Sans"/>
+              </a:rPr>
+              <a:t>Área </a:t>
+            </a:r>
+            <a:r>
+              <a:rPr lang="es-ES" sz="2200" spc="-1" dirty="0" smtClean="0">
+                <a:solidFill>
+                  <a:srgbClr val="D26785"/>
+                </a:solidFill>
+                <a:latin typeface="Century Gothic"/>
+                <a:ea typeface="DejaVu Sans"/>
+              </a:rPr>
+              <a:t>de mantenimiento tablas padre.</a:t>
+            </a:r>
+            <a:endParaRPr lang="es-ES" sz="2200" spc="-1" dirty="0">
+              <a:solidFill>
+                <a:srgbClr val="D26785"/>
+              </a:solidFill>
+              <a:latin typeface="Century Gothic"/>
+              <a:ea typeface="DejaVu Sans"/>
+            </a:endParaRPr>
+          </a:p>
+          <a:p>
+            <a:pPr marL="432000" indent="-323640">
+              <a:lnSpc>
+                <a:spcPct val="100000"/>
+              </a:lnSpc>
+              <a:buClr>
+                <a:srgbClr val="D26785"/>
+              </a:buClr>
+              <a:buFont typeface="Arial"/>
+              <a:buChar char="•"/>
+            </a:pPr>
+            <a:r>
+              <a:rPr lang="es-ES" sz="2200" spc="-1" dirty="0">
+                <a:solidFill>
+                  <a:srgbClr val="D26785"/>
+                </a:solidFill>
+                <a:latin typeface="Century Gothic"/>
+                <a:ea typeface="DejaVu Sans"/>
+              </a:rPr>
+              <a:t> </a:t>
+            </a:r>
+            <a:r>
+              <a:rPr lang="es-ES" sz="2200" spc="-1" dirty="0" smtClean="0">
+                <a:solidFill>
+                  <a:srgbClr val="D26785"/>
+                </a:solidFill>
+                <a:latin typeface="Century Gothic"/>
+                <a:ea typeface="DejaVu Sans"/>
+              </a:rPr>
+              <a:t>Divisa base: </a:t>
+            </a:r>
+            <a:r>
+              <a:rPr lang="es-ES" sz="2200" spc="-1" dirty="0" err="1" smtClean="0">
+                <a:solidFill>
+                  <a:srgbClr val="D26785"/>
+                </a:solidFill>
+                <a:latin typeface="Century Gothic"/>
+                <a:ea typeface="DejaVu Sans"/>
+              </a:rPr>
+              <a:t>posiblidad</a:t>
+            </a:r>
+            <a:r>
+              <a:rPr lang="es-ES" sz="2200" spc="-1" dirty="0" smtClean="0">
+                <a:solidFill>
+                  <a:srgbClr val="D26785"/>
+                </a:solidFill>
+                <a:latin typeface="Century Gothic"/>
+                <a:ea typeface="DejaVu Sans"/>
+              </a:rPr>
+              <a:t> de cambiar</a:t>
+            </a:r>
+          </a:p>
+          <a:p>
+            <a:pPr marL="432000" indent="-323640">
+              <a:lnSpc>
+                <a:spcPct val="100000"/>
+              </a:lnSpc>
+              <a:buClr>
+                <a:srgbClr val="D26785"/>
+              </a:buClr>
+              <a:buFont typeface="Arial"/>
+              <a:buChar char="•"/>
+            </a:pPr>
+            <a:r>
+              <a:rPr lang="es-ES" sz="2200" spc="-1" dirty="0" smtClean="0">
+                <a:solidFill>
+                  <a:srgbClr val="D26785"/>
+                </a:solidFill>
+                <a:latin typeface="Century Gothic"/>
+                <a:ea typeface="DejaVu Sans"/>
+              </a:rPr>
+              <a:t>Mejora en el tratamiento del Chart.js</a:t>
+            </a:r>
+          </a:p>
+          <a:p>
+            <a:pPr marL="432000" indent="-323640">
+              <a:lnSpc>
+                <a:spcPct val="100000"/>
+              </a:lnSpc>
+              <a:buClr>
+                <a:srgbClr val="D26785"/>
+              </a:buClr>
+              <a:buFont typeface="Arial"/>
+              <a:buChar char="•"/>
+            </a:pPr>
+            <a:r>
+              <a:rPr lang="es-ES" sz="2200" spc="-1" dirty="0" smtClean="0">
+                <a:solidFill>
+                  <a:srgbClr val="D26785"/>
+                </a:solidFill>
+                <a:latin typeface="Century Gothic"/>
+                <a:ea typeface="DejaVu Sans"/>
+              </a:rPr>
+              <a:t>Más </a:t>
+            </a:r>
+            <a:r>
+              <a:rPr lang="es-ES" sz="2200" spc="-1" dirty="0" err="1" smtClean="0">
+                <a:solidFill>
+                  <a:srgbClr val="D26785"/>
+                </a:solidFill>
+                <a:latin typeface="Century Gothic"/>
+                <a:ea typeface="DejaVu Sans"/>
+              </a:rPr>
+              <a:t>responsive</a:t>
+            </a:r>
+            <a:endParaRPr lang="es-ES" sz="2200" spc="-1" dirty="0">
+              <a:solidFill>
+                <a:srgbClr val="D26785"/>
+              </a:solidFill>
+              <a:latin typeface="Century Gothic"/>
+              <a:ea typeface="DejaVu Sans"/>
+            </a:endParaRPr>
+          </a:p>
+        </p:txBody>
+      </p:sp>
+      <p:sp>
+        <p:nvSpPr>
+          <p:cNvPr id="192" name="CustomShape 3"/>
+          <p:cNvSpPr/>
+          <p:nvPr/>
+        </p:nvSpPr>
+        <p:spPr>
+          <a:xfrm>
+            <a:off x="571320" y="1071720"/>
+            <a:ext cx="8228520" cy="1292040"/>
+          </a:xfrm>
+          <a:prstGeom prst="rect">
+            <a:avLst/>
+          </a:prstGeom>
+          <a:noFill/>
+          <a:ln>
+            <a:noFill/>
+          </a:ln>
+        </p:spPr>
+        <p:style>
+          <a:lnRef idx="0">
+            <a:scrgbClr r="0" g="0" b="0"/>
+          </a:lnRef>
+          <a:fillRef idx="0">
+            <a:scrgbClr r="0" g="0" b="0"/>
+          </a:fillRef>
+          <a:effectRef idx="0">
+            <a:scrgbClr r="0" g="0" b="0"/>
+          </a:effectRef>
+          <a:fontRef idx="minor"/>
+        </p:style>
+        <p:txBody>
+          <a:bodyPr lIns="0" tIns="0" rIns="0" bIns="0">
+            <a:noAutofit/>
+          </a:bodyPr>
+          <a:lstStyle/>
+          <a:p>
+            <a:pPr>
+              <a:lnSpc>
+                <a:spcPct val="100000"/>
+              </a:lnSpc>
+            </a:pPr>
+            <a:r>
+              <a:rPr lang="es-ES" sz="2800" b="1" strike="noStrike" spc="-1" dirty="0">
+                <a:solidFill>
+                  <a:srgbClr val="D26785"/>
+                </a:solidFill>
+                <a:latin typeface="Century Gothic"/>
+              </a:rPr>
+              <a:t>Generales</a:t>
+            </a:r>
+            <a:endParaRPr lang="es-ES" sz="2800" b="0" strike="noStrike" spc="-1" dirty="0">
+              <a:latin typeface="Arial"/>
+            </a:endParaRPr>
+          </a:p>
+          <a:p>
+            <a:pPr marL="432000" indent="-323640">
+              <a:lnSpc>
+                <a:spcPct val="100000"/>
+              </a:lnSpc>
+              <a:buClr>
+                <a:srgbClr val="D26785"/>
+              </a:buClr>
+              <a:buFont typeface="Arial"/>
+              <a:buChar char="•"/>
+            </a:pPr>
+            <a:r>
+              <a:rPr lang="es-ES" sz="2800" b="0" strike="noStrike" spc="-1" dirty="0">
+                <a:solidFill>
+                  <a:srgbClr val="D26785"/>
+                </a:solidFill>
+                <a:latin typeface="Century Gothic"/>
+                <a:ea typeface="DejaVu Sans"/>
+              </a:rPr>
+              <a:t> </a:t>
+            </a:r>
+            <a:r>
+              <a:rPr lang="es-ES" sz="2800" b="0" strike="noStrike" spc="-1" dirty="0" smtClean="0">
+                <a:solidFill>
+                  <a:srgbClr val="D26785"/>
+                </a:solidFill>
+                <a:latin typeface="Century Gothic"/>
+                <a:ea typeface="DejaVu Sans"/>
+              </a:rPr>
+              <a:t>Integración objetos </a:t>
+            </a:r>
+            <a:r>
+              <a:rPr lang="es-ES" sz="2800" b="0" strike="noStrike" spc="-1" dirty="0" err="1" smtClean="0">
+                <a:solidFill>
+                  <a:srgbClr val="D26785"/>
+                </a:solidFill>
+                <a:latin typeface="Century Gothic"/>
+                <a:ea typeface="DejaVu Sans"/>
+              </a:rPr>
+              <a:t>frontend-backend</a:t>
+            </a:r>
+            <a:r>
+              <a:rPr lang="es-ES" sz="2800" spc="-1" dirty="0" smtClean="0">
+                <a:solidFill>
+                  <a:srgbClr val="D26785"/>
+                </a:solidFill>
+                <a:latin typeface="Arial"/>
+                <a:ea typeface="DejaVu Sans"/>
+              </a:rPr>
+              <a:t>: visión de conjunto</a:t>
+            </a:r>
+            <a:endParaRPr lang="es-ES" sz="2800" b="0" strike="noStrike" spc="-1" dirty="0">
+              <a:latin typeface="Arial"/>
+            </a:endParaRPr>
+          </a:p>
+        </p:txBody>
+      </p:sp>
+      <p:sp>
+        <p:nvSpPr>
+          <p:cNvPr id="193" name="CustomShape 4"/>
+          <p:cNvSpPr/>
+          <p:nvPr/>
+        </p:nvSpPr>
+        <p:spPr>
+          <a:xfrm>
+            <a:off x="457200" y="267480"/>
+            <a:ext cx="8228520" cy="645480"/>
+          </a:xfrm>
+          <a:prstGeom prst="rect">
+            <a:avLst/>
+          </a:prstGeom>
+          <a:noFill/>
+          <a:ln>
+            <a:noFill/>
+          </a:ln>
+        </p:spPr>
+        <p:style>
+          <a:lnRef idx="0">
+            <a:scrgbClr r="0" g="0" b="0"/>
+          </a:lnRef>
+          <a:fillRef idx="0">
+            <a:scrgbClr r="0" g="0" b="0"/>
+          </a:fillRef>
+          <a:effectRef idx="0">
+            <a:scrgbClr r="0" g="0" b="0"/>
+          </a:effectRef>
+          <a:fontRef idx="minor"/>
+        </p:style>
+        <p:txBody>
+          <a:bodyPr lIns="0" tIns="0" rIns="0" bIns="0" anchor="ctr">
+            <a:noAutofit/>
+          </a:bodyPr>
+          <a:lstStyle/>
+          <a:p>
+            <a:pPr algn="ctr">
+              <a:lnSpc>
+                <a:spcPct val="100000"/>
+              </a:lnSpc>
+            </a:pPr>
+            <a:r>
+              <a:rPr lang="es-ES" sz="4200" spc="-1" dirty="0" smtClean="0">
+                <a:solidFill>
+                  <a:srgbClr val="D26785"/>
+                </a:solidFill>
+                <a:latin typeface="Century Gothic"/>
+                <a:ea typeface="DejaVu Sans"/>
+              </a:rPr>
+              <a:t>Posibles m</a:t>
+            </a:r>
+            <a:r>
+              <a:rPr lang="es-ES" sz="4200" b="0" strike="noStrike" spc="-1" dirty="0" smtClean="0">
+                <a:solidFill>
+                  <a:srgbClr val="D26785"/>
+                </a:solidFill>
+                <a:latin typeface="Century Gothic"/>
+                <a:ea typeface="DejaVu Sans"/>
+              </a:rPr>
+              <a:t>ejoras</a:t>
+            </a:r>
+            <a:endParaRPr lang="es-ES" sz="4200" b="0" strike="noStrike" spc="-1" dirty="0">
+              <a:latin typeface="Arial"/>
+            </a:endParaRPr>
+          </a:p>
+        </p:txBody>
+      </p:sp>
+    </p:spTree>
+  </p:cSld>
+  <p:clrMapOvr>
+    <a:masterClrMapping/>
+  </p:clrMapOvr>
+  <mc:AlternateContent xmlns:mc="http://schemas.openxmlformats.org/markup-compatibility/2006">
+    <mc:Choice xmlns="" xmlns:p14="http://schemas.microsoft.com/office/powerpoint/2010/main" xmlns:p15="http://schemas.microsoft.com/office/powerpoint/2012/main" Requires="p14">
       <p:transition spd="slow" p14:dur="2000"/>
     </mc:Choice>
     <mc:Fallback>
@@ -9177,7 +9857,7 @@
     <a:masterClrMapping/>
   </p:clrMapOvr>
   <mc:AlternateContent xmlns:mc="http://schemas.openxmlformats.org/markup-compatibility/2006">
-    <mc:Choice xmlns:p15="http://schemas.microsoft.com/office/powerpoint/2012/main" xmlns:p14="http://schemas.microsoft.com/office/powerpoint/2010/main" xmlns="" Requires="p14">
+    <mc:Choice xmlns="" xmlns:p14="http://schemas.microsoft.com/office/powerpoint/2010/main" xmlns:p15="http://schemas.microsoft.com/office/powerpoint/2012/main" Requires="p14">
       <p:transition spd="slow" p14:dur="2000"/>
     </mc:Choice>
     <mc:Fallback>
@@ -9481,7 +10161,7 @@
     <a:masterClrMapping/>
   </p:clrMapOvr>
   <mc:AlternateContent xmlns:mc="http://schemas.openxmlformats.org/markup-compatibility/2006">
-    <mc:Choice xmlns:p15="http://schemas.microsoft.com/office/powerpoint/2012/main" xmlns:p14="http://schemas.microsoft.com/office/powerpoint/2010/main" xmlns="" Requires="p14">
+    <mc:Choice xmlns="" xmlns:p14="http://schemas.microsoft.com/office/powerpoint/2010/main" xmlns:p15="http://schemas.microsoft.com/office/powerpoint/2012/main" Requires="p14">
       <p:transition spd="slow" p14:dur="2000"/>
     </mc:Choice>
     <mc:Fallback>
@@ -9765,7 +10445,7 @@
     <a:masterClrMapping/>
   </p:clrMapOvr>
   <mc:AlternateContent xmlns:mc="http://schemas.openxmlformats.org/markup-compatibility/2006">
-    <mc:Choice xmlns:p15="http://schemas.microsoft.com/office/powerpoint/2012/main" xmlns:p14="http://schemas.microsoft.com/office/powerpoint/2010/main" xmlns="" Requires="p14">
+    <mc:Choice xmlns="" xmlns:p14="http://schemas.microsoft.com/office/powerpoint/2010/main" xmlns:p15="http://schemas.microsoft.com/office/powerpoint/2012/main" Requires="p14">
       <p:transition spd="slow" p14:dur="2000"/>
     </mc:Choice>
     <mc:Fallback>
@@ -9886,7 +10566,7 @@
     <a:masterClrMapping/>
   </p:clrMapOvr>
   <mc:AlternateContent xmlns:mc="http://schemas.openxmlformats.org/markup-compatibility/2006">
-    <mc:Choice xmlns:p15="http://schemas.microsoft.com/office/powerpoint/2012/main" xmlns:p14="http://schemas.microsoft.com/office/powerpoint/2010/main" xmlns="" Requires="p14">
+    <mc:Choice xmlns="" xmlns:p14="http://schemas.microsoft.com/office/powerpoint/2010/main" xmlns:p15="http://schemas.microsoft.com/office/powerpoint/2012/main" Requires="p14">
       <p:transition spd="slow" p14:dur="2000"/>
     </mc:Choice>
     <mc:Fallback>
@@ -10007,7 +10687,7 @@
     <a:masterClrMapping/>
   </p:clrMapOvr>
   <mc:AlternateContent xmlns:mc="http://schemas.openxmlformats.org/markup-compatibility/2006">
-    <mc:Choice xmlns:p15="http://schemas.microsoft.com/office/powerpoint/2012/main" xmlns:p14="http://schemas.microsoft.com/office/powerpoint/2010/main" xmlns="" Requires="p14">
+    <mc:Choice xmlns="" xmlns:p14="http://schemas.microsoft.com/office/powerpoint/2010/main" xmlns:p15="http://schemas.microsoft.com/office/powerpoint/2012/main" Requires="p14">
       <p:transition spd="slow" p14:dur="2000"/>
     </mc:Choice>
     <mc:Fallback>
@@ -10128,7 +10808,7 @@
     <a:masterClrMapping/>
   </p:clrMapOvr>
   <mc:AlternateContent xmlns:mc="http://schemas.openxmlformats.org/markup-compatibility/2006">
-    <mc:Choice xmlns:p15="http://schemas.microsoft.com/office/powerpoint/2012/main" xmlns:p14="http://schemas.microsoft.com/office/powerpoint/2010/main" xmlns="" Requires="p14">
+    <mc:Choice xmlns="" xmlns:p14="http://schemas.microsoft.com/office/powerpoint/2010/main" xmlns:p15="http://schemas.microsoft.com/office/powerpoint/2012/main" Requires="p14">
       <p:transition spd="slow" p14:dur="2000"/>
     </mc:Choice>
     <mc:Fallback>
@@ -10199,13 +10879,13 @@
           </a:bodyPr>
           <a:lstStyle/>
           <a:p>
-            <a:pPr algn="ctr">
+            <a:pPr>
               <a:lnSpc>
                 <a:spcPct val="100000"/>
               </a:lnSpc>
             </a:pPr>
             <a:r>
-              <a:rPr lang="es-ES" sz="4200" b="0" strike="noStrike" spc="-1">
+              <a:rPr lang="es-ES" sz="4200" b="0" strike="noStrike" spc="-1" dirty="0">
                 <a:solidFill>
                   <a:srgbClr val="D26785"/>
                 </a:solidFill>
@@ -10214,7 +10894,7 @@
               </a:rPr>
               <a:t>Programación</a:t>
             </a:r>
-            <a:endParaRPr lang="es-ES" sz="4200" b="0" strike="noStrike" spc="-1">
+            <a:endParaRPr lang="es-ES" sz="4200" b="0" strike="noStrike" spc="-1" dirty="0">
               <a:latin typeface="Arial"/>
             </a:endParaRPr>
           </a:p>
@@ -10272,7 +10952,7 @@
               <a:buChar char=""/>
             </a:pPr>
             <a:r>
-              <a:rPr lang="es-ES" sz="2800" b="0" strike="noStrike" spc="-1">
+              <a:rPr lang="es-ES" sz="2800" b="0" strike="noStrike" spc="-1" dirty="0">
                 <a:solidFill>
                   <a:srgbClr val="D26785"/>
                 </a:solidFill>
@@ -10280,7 +10960,7 @@
               </a:rPr>
               <a:t>Guía de estilo</a:t>
             </a:r>
-            <a:endParaRPr lang="es-ES" sz="2800" b="0" strike="noStrike" spc="-1">
+            <a:endParaRPr lang="es-ES" sz="2800" b="0" strike="noStrike" spc="-1" dirty="0">
               <a:latin typeface="Arial"/>
             </a:endParaRPr>
           </a:p>
@@ -10300,15 +10980,24 @@
               <a:buChar char=""/>
             </a:pPr>
             <a:r>
-              <a:rPr lang="es-ES" sz="2800" b="0" strike="noStrike" spc="-1">
+              <a:rPr lang="es-ES" sz="2800" b="0" strike="noStrike" spc="-1" dirty="0">
                 <a:solidFill>
                   <a:srgbClr val="D26785"/>
                 </a:solidFill>
                 <a:latin typeface="Century Gothic"/>
               </a:rPr>
-              <a:t>Organización del código</a:t>
-            </a:r>
-            <a:endParaRPr lang="es-ES" sz="2800" b="0" strike="noStrike" spc="-1">
+              <a:t>Organización del </a:t>
+            </a:r>
+            <a:r>
+              <a:rPr lang="es-ES" sz="2800" b="0" strike="noStrike" spc="-1" dirty="0" smtClean="0">
+                <a:solidFill>
+                  <a:srgbClr val="D26785"/>
+                </a:solidFill>
+                <a:latin typeface="Century Gothic"/>
+              </a:rPr>
+              <a:t>código: estructuración en los IDES.</a:t>
+            </a:r>
+            <a:endParaRPr lang="es-ES" sz="2800" b="0" strike="noStrike" spc="-1" dirty="0">
               <a:latin typeface="Arial"/>
             </a:endParaRPr>
           </a:p>
@@ -10328,7 +11017,7 @@
               <a:buChar char=""/>
             </a:pPr>
             <a:r>
-              <a:rPr lang="es-ES" sz="2800" b="0" strike="noStrike" spc="-1">
+              <a:rPr lang="es-ES" sz="2800" b="0" strike="noStrike" spc="-1" dirty="0">
                 <a:solidFill>
                   <a:srgbClr val="D26785"/>
                 </a:solidFill>
@@ -10336,7 +11025,7 @@
               </a:rPr>
               <a:t>Arquitectura de clases</a:t>
             </a:r>
-            <a:endParaRPr lang="es-ES" sz="2800" b="0" strike="noStrike" spc="-1">
+            <a:endParaRPr lang="es-ES" sz="2800" b="0" strike="noStrike" spc="-1" dirty="0">
               <a:latin typeface="Arial"/>
             </a:endParaRPr>
           </a:p>
@@ -10356,15 +11045,33 @@
               <a:buChar char=""/>
             </a:pPr>
             <a:r>
-              <a:rPr lang="es-ES" sz="2800" b="0" strike="noStrike" spc="-1">
+              <a:rPr lang="es-ES" sz="2800" b="0" strike="noStrike" spc="-1" dirty="0">
                 <a:solidFill>
                   <a:srgbClr val="D26785"/>
                 </a:solidFill>
                 <a:latin typeface="Century Gothic"/>
               </a:rPr>
-              <a:t>Pruebas: Postman</a:t>
-            </a:r>
-            <a:endParaRPr lang="es-ES" sz="2800" b="0" strike="noStrike" spc="-1">
+              <a:t>Pruebas: </a:t>
+            </a:r>
+            <a:r>
+              <a:rPr lang="es-ES" sz="2800" b="0" strike="noStrike" spc="-1" dirty="0" err="1" smtClean="0">
+                <a:solidFill>
+                  <a:srgbClr val="D26785"/>
+                </a:solidFill>
+                <a:latin typeface="Century Gothic"/>
+              </a:rPr>
+              <a:t>Postman</a:t>
+            </a:r>
+            <a:r>
+              <a:rPr lang="es-ES" sz="2800" b="0" strike="noStrike" spc="-1" dirty="0" smtClean="0">
+                <a:solidFill>
+                  <a:srgbClr val="D26785"/>
+                </a:solidFill>
+                <a:latin typeface="Century Gothic"/>
+              </a:rPr>
+              <a:t> y navegadores.</a:t>
+            </a:r>
+            <a:endParaRPr lang="es-ES" sz="2800" b="0" strike="noStrike" spc="-1" dirty="0">
               <a:latin typeface="Arial"/>
             </a:endParaRPr>
           </a:p>
@@ -10377,7 +11084,7 @@
                 <a:spcPts val="601"/>
               </a:spcBef>
             </a:pPr>
-            <a:endParaRPr lang="es-ES" sz="2800" b="0" strike="noStrike" spc="-1">
+            <a:endParaRPr lang="es-ES" sz="2800" b="0" strike="noStrike" spc="-1" dirty="0">
               <a:latin typeface="Arial"/>
             </a:endParaRPr>
           </a:p>
@@ -10389,7 +11096,7 @@
     <a:masterClrMapping/>
   </p:clrMapOvr>
   <mc:AlternateContent xmlns:mc="http://schemas.openxmlformats.org/markup-compatibility/2006">
-    <mc:Choice xmlns:p15="http://schemas.microsoft.com/office/powerpoint/2012/main" xmlns:p14="http://schemas.microsoft.com/office/powerpoint/2010/main" xmlns="" Requires="p14">
+    <mc:Choice xmlns="" xmlns:p14="http://schemas.microsoft.com/office/powerpoint/2010/main" xmlns:p15="http://schemas.microsoft.com/office/powerpoint/2012/main" Requires="p14">
       <p:transition spd="slow" p14:dur="2000"/>
     </mc:Choice>
     <mc:Fallback>
@@ -10460,13 +11167,13 @@
           </a:bodyPr>
           <a:lstStyle/>
           <a:p>
-            <a:pPr algn="ctr">
+            <a:pPr>
               <a:lnSpc>
                 <a:spcPct val="100000"/>
               </a:lnSpc>
             </a:pPr>
             <a:r>
-              <a:rPr lang="es-ES" sz="4200" b="0" strike="noStrike" spc="-1">
+              <a:rPr lang="es-ES" sz="4200" b="0" strike="noStrike" spc="-1" dirty="0">
                 <a:solidFill>
                   <a:srgbClr val="D26785"/>
                 </a:solidFill>
@@ -10475,7 +11182,7 @@
               </a:rPr>
               <a:t>Desarrollo web</a:t>
             </a:r>
-            <a:endParaRPr lang="es-ES" sz="4200" b="0" strike="noStrike" spc="-1">
+            <a:endParaRPr lang="es-ES" sz="4200" b="0" strike="noStrike" spc="-1" dirty="0">
               <a:latin typeface="Arial"/>
             </a:endParaRPr>
           </a:p>
@@ -10490,7 +11197,7 @@
         <p:spPr>
           <a:xfrm>
             <a:off x="571320" y="1928880"/>
-            <a:ext cx="8228520" cy="2856960"/>
+            <a:ext cx="8228520" cy="3714698"/>
           </a:xfrm>
           <a:prstGeom prst="rect">
             <a:avLst/>
@@ -10533,15 +11240,42 @@
               <a:buChar char=""/>
             </a:pPr>
             <a:r>
-              <a:rPr lang="es-ES" sz="2800" b="0" strike="noStrike" spc="-1">
+              <a:rPr lang="es-ES" sz="2800" b="0" strike="noStrike" spc="-1" dirty="0">
                 <a:solidFill>
                   <a:srgbClr val="D26785"/>
                 </a:solidFill>
                 <a:latin typeface="Century Gothic"/>
               </a:rPr>
-              <a:t>Sitio web: llamdas a la API</a:t>
-            </a:r>
-            <a:endParaRPr lang="es-ES" sz="2800" b="0" strike="noStrike" spc="-1">
+              <a:t>Sitio web: </a:t>
+            </a:r>
+            <a:r>
+              <a:rPr lang="es-ES" sz="2800" b="0" strike="noStrike" spc="-1" dirty="0" smtClean="0">
+                <a:solidFill>
+                  <a:srgbClr val="D26785"/>
+                </a:solidFill>
+                <a:latin typeface="Century Gothic"/>
+              </a:rPr>
+              <a:t>llamadas </a:t>
+            </a:r>
+            <a:r>
+              <a:rPr lang="es-ES" sz="2800" b="0" strike="noStrike" spc="-1" dirty="0">
+                <a:solidFill>
+                  <a:srgbClr val="D26785"/>
+                </a:solidFill>
+                <a:latin typeface="Century Gothic"/>
+              </a:rPr>
+              <a:t>a la </a:t>
+            </a:r>
+            <a:r>
+              <a:rPr lang="es-ES" sz="2800" b="0" strike="noStrike" spc="-1" dirty="0" smtClean="0">
+                <a:solidFill>
+                  <a:srgbClr val="D26785"/>
+                </a:solidFill>
+                <a:latin typeface="Century Gothic"/>
+              </a:rPr>
+              <a:t>API y puntos de entrada</a:t>
+            </a:r>
+            <a:endParaRPr lang="es-ES" sz="2800" b="0" strike="noStrike" spc="-1" dirty="0">
               <a:latin typeface="Arial"/>
             </a:endParaRPr>
           </a:p>
@@ -10561,7 +11295,7 @@
               <a:buChar char=""/>
             </a:pPr>
             <a:r>
-              <a:rPr lang="es-ES" sz="2800" b="0" strike="noStrike" spc="-1">
+              <a:rPr lang="es-ES" sz="2800" b="0" strike="noStrike" spc="-1" dirty="0">
                 <a:solidFill>
                   <a:srgbClr val="D26785"/>
                 </a:solidFill>
@@ -10569,7 +11303,7 @@
               </a:rPr>
               <a:t>Maquetación</a:t>
             </a:r>
-            <a:endParaRPr lang="es-ES" sz="2800" b="0" strike="noStrike" spc="-1">
+            <a:endParaRPr lang="es-ES" sz="2800" b="0" strike="noStrike" spc="-1" dirty="0">
               <a:latin typeface="Arial"/>
             </a:endParaRPr>
           </a:p>
@@ -10589,15 +11323,24 @@
               <a:buChar char=""/>
             </a:pPr>
             <a:r>
-              <a:rPr lang="es-ES" sz="2800" b="0" strike="noStrike" spc="-1">
+              <a:rPr lang="es-ES" sz="2800" b="0" strike="noStrike" spc="-1" dirty="0">
                 <a:solidFill>
                   <a:srgbClr val="D26785"/>
                 </a:solidFill>
                 <a:latin typeface="Century Gothic"/>
               </a:rPr>
-              <a:t>Estilo: bootstrap</a:t>
-            </a:r>
-            <a:endParaRPr lang="es-ES" sz="2800" b="0" strike="noStrike" spc="-1">
+              <a:t>Estilo: </a:t>
+            </a:r>
+            <a:r>
+              <a:rPr lang="es-ES" sz="2800" b="0" strike="noStrike" spc="-1" dirty="0" err="1">
+                <a:solidFill>
+                  <a:srgbClr val="D26785"/>
+                </a:solidFill>
+                <a:latin typeface="Century Gothic"/>
+              </a:rPr>
+              <a:t>bootstrap</a:t>
+            </a:r>
+            <a:endParaRPr lang="es-ES" sz="2800" b="0" strike="noStrike" spc="-1" dirty="0">
               <a:latin typeface="Arial"/>
             </a:endParaRPr>
           </a:p>
@@ -10617,15 +11360,61 @@
               <a:buChar char=""/>
             </a:pPr>
             <a:r>
-              <a:rPr lang="es-ES" sz="2800" b="0" strike="noStrike" spc="-1">
+              <a:rPr lang="es-ES" sz="2800" b="0" strike="noStrike" spc="-1" dirty="0">
                 <a:solidFill>
                   <a:srgbClr val="D26785"/>
                 </a:solidFill>
                 <a:latin typeface="Century Gothic"/>
               </a:rPr>
-              <a:t>Pruebas: Postman</a:t>
-            </a:r>
-            <a:endParaRPr lang="es-ES" sz="2800" b="0" strike="noStrike" spc="-1">
+              <a:t>Pruebas: </a:t>
+            </a:r>
+            <a:r>
+              <a:rPr lang="es-ES" sz="2800" b="0" strike="noStrike" spc="-1" dirty="0" err="1" smtClean="0">
+                <a:solidFill>
+                  <a:srgbClr val="D26785"/>
+                </a:solidFill>
+                <a:latin typeface="Century Gothic"/>
+              </a:rPr>
+              <a:t>Postman</a:t>
+            </a:r>
+            <a:endParaRPr lang="es-ES" sz="2800" b="0" strike="noStrike" spc="-1" dirty="0" smtClean="0">
+              <a:solidFill>
+                <a:srgbClr val="D26785"/>
+              </a:solidFill>
+              <a:latin typeface="Century Gothic"/>
+            </a:endParaRPr>
+          </a:p>
+          <a:p>
+            <a:pPr marL="448200" indent="-383040">
+              <a:lnSpc>
+                <a:spcPct val="100000"/>
+              </a:lnSpc>
+              <a:spcBef>
+                <a:spcPts val="601"/>
+              </a:spcBef>
+              <a:buClr>
+                <a:srgbClr val="FF388C"/>
+              </a:buClr>
+              <a:buSzPct val="80000"/>
+              <a:buFont typeface="Wingdings 2" charset="2"/>
+              <a:buChar char=""/>
+            </a:pPr>
+            <a:r>
+              <a:rPr lang="es-ES" sz="2800" b="0" strike="noStrike" spc="-1" dirty="0" smtClean="0">
+                <a:solidFill>
+                  <a:srgbClr val="D26785"/>
+                </a:solidFill>
+                <a:latin typeface="Century Gothic"/>
+              </a:rPr>
+              <a:t>Aplicación funcionando: </a:t>
+            </a:r>
+            <a:r>
+              <a:rPr lang="es-ES" sz="2800" u="sng" dirty="0" smtClean="0">
+                <a:hlinkClick r:id="rId2"/>
+              </a:rPr>
+              <a:t>https://proyecto-fin-de-curso-front-end.vercel.app/</a:t>
+            </a:r>
+            <a:endParaRPr lang="es-ES" sz="2800" b="0" strike="noStrike" spc="-1" dirty="0">
               <a:latin typeface="Arial"/>
             </a:endParaRPr>
           </a:p>
@@ -10638,7 +11427,7 @@
                 <a:spcPts val="601"/>
               </a:spcBef>
             </a:pPr>
-            <a:endParaRPr lang="es-ES" sz="2800" b="0" strike="noStrike" spc="-1">
+            <a:endParaRPr lang="es-ES" sz="2800" b="0" strike="noStrike" spc="-1" dirty="0">
               <a:latin typeface="Arial"/>
             </a:endParaRPr>
           </a:p>
@@ -10650,7 +11439,7 @@
     <a:masterClrMapping/>
   </p:clrMapOvr>
   <mc:AlternateContent xmlns:mc="http://schemas.openxmlformats.org/markup-compatibility/2006">
-    <mc:Choice xmlns:p15="http://schemas.microsoft.com/office/powerpoint/2012/main" xmlns:p14="http://schemas.microsoft.com/office/powerpoint/2010/main" xmlns="" Requires="p14">
+    <mc:Choice xmlns="" xmlns:p14="http://schemas.microsoft.com/office/powerpoint/2010/main" xmlns:p15="http://schemas.microsoft.com/office/powerpoint/2012/main" Requires="p14">
       <p:transition spd="slow" p14:dur="2000"/>
     </mc:Choice>
     <mc:Fallback>
